--- a/clase_8/teoria/clase_8.pptx
+++ b/clase_8/teoria/clase_8.pptx
@@ -10,16 +10,17 @@
     <p:sldId id="334" r:id="rId4"/>
     <p:sldId id="359" r:id="rId5"/>
     <p:sldId id="358" r:id="rId6"/>
-    <p:sldId id="354" r:id="rId7"/>
-    <p:sldId id="323" r:id="rId8"/>
-    <p:sldId id="332" r:id="rId9"/>
-    <p:sldId id="355" r:id="rId10"/>
-    <p:sldId id="350" r:id="rId11"/>
-    <p:sldId id="347" r:id="rId12"/>
-    <p:sldId id="351" r:id="rId13"/>
-    <p:sldId id="353" r:id="rId14"/>
-    <p:sldId id="348" r:id="rId15"/>
-    <p:sldId id="349" r:id="rId16"/>
+    <p:sldId id="360" r:id="rId7"/>
+    <p:sldId id="354" r:id="rId8"/>
+    <p:sldId id="323" r:id="rId9"/>
+    <p:sldId id="332" r:id="rId10"/>
+    <p:sldId id="355" r:id="rId11"/>
+    <p:sldId id="350" r:id="rId12"/>
+    <p:sldId id="347" r:id="rId13"/>
+    <p:sldId id="351" r:id="rId14"/>
+    <p:sldId id="353" r:id="rId15"/>
+    <p:sldId id="348" r:id="rId16"/>
+    <p:sldId id="349" r:id="rId17"/>
   </p:sldIdLst>
   <p:sldSz cx="12192000" cy="6858000"/>
   <p:notesSz cx="6858000" cy="9144000"/>
@@ -129,7 +130,7 @@
 <file path=ppt/revisionInfo.xml><?xml version="1.0" encoding="utf-8"?>
 <p1510:revInfo xmlns:a="http://schemas.openxmlformats.org/drawingml/2006/main" xmlns:r="http://schemas.openxmlformats.org/officeDocument/2006/relationships" xmlns:p1510="http://schemas.microsoft.com/office/powerpoint/2015/10/main">
   <p1510:revLst>
-    <p1510:client id="{8DFE272B-93D9-42EB-821E-CBFEFC0180C8}" v="17" dt="2022-12-13T23:16:06.807"/>
+    <p1510:client id="{6305F822-064E-4220-B9C7-00DB7665D49D}" v="1" dt="2023-04-21T16:26:06.947"/>
   </p1510:revLst>
 </p1510:revInfo>
 </file>
@@ -1298,412 +1299,223 @@
       </pc:sldChg>
     </pc:docChg>
   </pc:docChgLst>
+  <pc:docChgLst>
+    <pc:chgData name="Marcos Maillot" userId="fa14b39d-e966-4ebb-a436-4f96f84b9577" providerId="ADAL" clId="{6305F822-064E-4220-B9C7-00DB7665D49D}"/>
+    <pc:docChg chg="custSel addSld modSld">
+      <pc:chgData name="Marcos Maillot" userId="fa14b39d-e966-4ebb-a436-4f96f84b9577" providerId="ADAL" clId="{6305F822-064E-4220-B9C7-00DB7665D49D}" dt="2023-04-21T16:38:11.405" v="574" actId="478"/>
+      <pc:docMkLst>
+        <pc:docMk/>
+      </pc:docMkLst>
+      <pc:sldChg chg="modSp mod">
+        <pc:chgData name="Marcos Maillot" userId="fa14b39d-e966-4ebb-a436-4f96f84b9577" providerId="ADAL" clId="{6305F822-064E-4220-B9C7-00DB7665D49D}" dt="2023-04-21T16:35:26.546" v="562" actId="1076"/>
+        <pc:sldMkLst>
+          <pc:docMk/>
+          <pc:sldMk cId="787285808" sldId="256"/>
+        </pc:sldMkLst>
+        <pc:spChg chg="mod">
+          <ac:chgData name="Marcos Maillot" userId="fa14b39d-e966-4ebb-a436-4f96f84b9577" providerId="ADAL" clId="{6305F822-064E-4220-B9C7-00DB7665D49D}" dt="2023-04-21T16:35:26.546" v="562" actId="1076"/>
+          <ac:spMkLst>
+            <pc:docMk/>
+            <pc:sldMk cId="787285808" sldId="256"/>
+            <ac:spMk id="6" creationId="{00000000-0000-0000-0000-000000000000}"/>
+          </ac:spMkLst>
+        </pc:spChg>
+        <pc:spChg chg="mod">
+          <ac:chgData name="Marcos Maillot" userId="fa14b39d-e966-4ebb-a436-4f96f84b9577" providerId="ADAL" clId="{6305F822-064E-4220-B9C7-00DB7665D49D}" dt="2023-04-21T16:35:22.986" v="561" actId="20577"/>
+          <ac:spMkLst>
+            <pc:docMk/>
+            <pc:sldMk cId="787285808" sldId="256"/>
+            <ac:spMk id="8" creationId="{00000000-0000-0000-0000-000000000000}"/>
+          </ac:spMkLst>
+        </pc:spChg>
+      </pc:sldChg>
+      <pc:sldChg chg="delSp mod">
+        <pc:chgData name="Marcos Maillot" userId="fa14b39d-e966-4ebb-a436-4f96f84b9577" providerId="ADAL" clId="{6305F822-064E-4220-B9C7-00DB7665D49D}" dt="2023-04-21T16:37:29.396" v="570" actId="478"/>
+        <pc:sldMkLst>
+          <pc:docMk/>
+          <pc:sldMk cId="973184105" sldId="347"/>
+        </pc:sldMkLst>
+        <pc:inkChg chg="del">
+          <ac:chgData name="Marcos Maillot" userId="fa14b39d-e966-4ebb-a436-4f96f84b9577" providerId="ADAL" clId="{6305F822-064E-4220-B9C7-00DB7665D49D}" dt="2023-04-21T16:37:29.396" v="570" actId="478"/>
+          <ac:inkMkLst>
+            <pc:docMk/>
+            <pc:sldMk cId="973184105" sldId="347"/>
+            <ac:inkMk id="4" creationId="{FBD1DF55-1D32-692D-7F82-5AF6692BB069}"/>
+          </ac:inkMkLst>
+        </pc:inkChg>
+      </pc:sldChg>
+      <pc:sldChg chg="delSp mod">
+        <pc:chgData name="Marcos Maillot" userId="fa14b39d-e966-4ebb-a436-4f96f84b9577" providerId="ADAL" clId="{6305F822-064E-4220-B9C7-00DB7665D49D}" dt="2023-04-21T16:38:04.726" v="573" actId="478"/>
+        <pc:sldMkLst>
+          <pc:docMk/>
+          <pc:sldMk cId="2703650191" sldId="348"/>
+        </pc:sldMkLst>
+        <pc:inkChg chg="del">
+          <ac:chgData name="Marcos Maillot" userId="fa14b39d-e966-4ebb-a436-4f96f84b9577" providerId="ADAL" clId="{6305F822-064E-4220-B9C7-00DB7665D49D}" dt="2023-04-21T16:38:04.726" v="573" actId="478"/>
+          <ac:inkMkLst>
+            <pc:docMk/>
+            <pc:sldMk cId="2703650191" sldId="348"/>
+            <ac:inkMk id="2" creationId="{F7B2D392-AA62-C216-B618-458640C35E92}"/>
+          </ac:inkMkLst>
+        </pc:inkChg>
+      </pc:sldChg>
+      <pc:sldChg chg="delSp mod">
+        <pc:chgData name="Marcos Maillot" userId="fa14b39d-e966-4ebb-a436-4f96f84b9577" providerId="ADAL" clId="{6305F822-064E-4220-B9C7-00DB7665D49D}" dt="2023-04-21T16:38:11.405" v="574" actId="478"/>
+        <pc:sldMkLst>
+          <pc:docMk/>
+          <pc:sldMk cId="543162145" sldId="349"/>
+        </pc:sldMkLst>
+        <pc:inkChg chg="del">
+          <ac:chgData name="Marcos Maillot" userId="fa14b39d-e966-4ebb-a436-4f96f84b9577" providerId="ADAL" clId="{6305F822-064E-4220-B9C7-00DB7665D49D}" dt="2023-04-21T16:38:11.405" v="574" actId="478"/>
+          <ac:inkMkLst>
+            <pc:docMk/>
+            <pc:sldMk cId="543162145" sldId="349"/>
+            <ac:inkMk id="3" creationId="{04156308-32B7-E22A-653F-E3550144EA7F}"/>
+          </ac:inkMkLst>
+        </pc:inkChg>
+      </pc:sldChg>
+      <pc:sldChg chg="delSp mod">
+        <pc:chgData name="Marcos Maillot" userId="fa14b39d-e966-4ebb-a436-4f96f84b9577" providerId="ADAL" clId="{6305F822-064E-4220-B9C7-00DB7665D49D}" dt="2023-04-21T16:37:09.195" v="569" actId="478"/>
+        <pc:sldMkLst>
+          <pc:docMk/>
+          <pc:sldMk cId="3302342433" sldId="350"/>
+        </pc:sldMkLst>
+        <pc:inkChg chg="del">
+          <ac:chgData name="Marcos Maillot" userId="fa14b39d-e966-4ebb-a436-4f96f84b9577" providerId="ADAL" clId="{6305F822-064E-4220-B9C7-00DB7665D49D}" dt="2023-04-21T16:37:09.195" v="569" actId="478"/>
+          <ac:inkMkLst>
+            <pc:docMk/>
+            <pc:sldMk cId="3302342433" sldId="350"/>
+            <ac:inkMk id="2" creationId="{53C00B13-E41A-B715-5A95-1BE6EC5330FE}"/>
+          </ac:inkMkLst>
+        </pc:inkChg>
+      </pc:sldChg>
+      <pc:sldChg chg="delSp mod">
+        <pc:chgData name="Marcos Maillot" userId="fa14b39d-e966-4ebb-a436-4f96f84b9577" providerId="ADAL" clId="{6305F822-064E-4220-B9C7-00DB7665D49D}" dt="2023-04-21T16:37:56.505" v="571" actId="478"/>
+        <pc:sldMkLst>
+          <pc:docMk/>
+          <pc:sldMk cId="2542735254" sldId="351"/>
+        </pc:sldMkLst>
+        <pc:inkChg chg="del">
+          <ac:chgData name="Marcos Maillot" userId="fa14b39d-e966-4ebb-a436-4f96f84b9577" providerId="ADAL" clId="{6305F822-064E-4220-B9C7-00DB7665D49D}" dt="2023-04-21T16:37:56.505" v="571" actId="478"/>
+          <ac:inkMkLst>
+            <pc:docMk/>
+            <pc:sldMk cId="2542735254" sldId="351"/>
+            <ac:inkMk id="2" creationId="{C335C49F-7C8B-4011-7A83-BF03ACA7F176}"/>
+          </ac:inkMkLst>
+        </pc:inkChg>
+      </pc:sldChg>
+      <pc:sldChg chg="delSp mod">
+        <pc:chgData name="Marcos Maillot" userId="fa14b39d-e966-4ebb-a436-4f96f84b9577" providerId="ADAL" clId="{6305F822-064E-4220-B9C7-00DB7665D49D}" dt="2023-04-21T16:37:58.878" v="572" actId="478"/>
+        <pc:sldMkLst>
+          <pc:docMk/>
+          <pc:sldMk cId="2815013244" sldId="353"/>
+        </pc:sldMkLst>
+        <pc:inkChg chg="del">
+          <ac:chgData name="Marcos Maillot" userId="fa14b39d-e966-4ebb-a436-4f96f84b9577" providerId="ADAL" clId="{6305F822-064E-4220-B9C7-00DB7665D49D}" dt="2023-04-21T16:37:58.878" v="572" actId="478"/>
+          <ac:inkMkLst>
+            <pc:docMk/>
+            <pc:sldMk cId="2815013244" sldId="353"/>
+            <ac:inkMk id="2" creationId="{C35E2606-750A-7833-E7FA-E42C45867906}"/>
+          </ac:inkMkLst>
+        </pc:inkChg>
+      </pc:sldChg>
+      <pc:sldChg chg="delSp mod">
+        <pc:chgData name="Marcos Maillot" userId="fa14b39d-e966-4ebb-a436-4f96f84b9577" providerId="ADAL" clId="{6305F822-064E-4220-B9C7-00DB7665D49D}" dt="2023-04-21T16:36:54.546" v="568" actId="478"/>
+        <pc:sldMkLst>
+          <pc:docMk/>
+          <pc:sldMk cId="2307917589" sldId="355"/>
+        </pc:sldMkLst>
+        <pc:inkChg chg="del">
+          <ac:chgData name="Marcos Maillot" userId="fa14b39d-e966-4ebb-a436-4f96f84b9577" providerId="ADAL" clId="{6305F822-064E-4220-B9C7-00DB7665D49D}" dt="2023-04-21T16:36:54.546" v="568" actId="478"/>
+          <ac:inkMkLst>
+            <pc:docMk/>
+            <pc:sldMk cId="2307917589" sldId="355"/>
+            <ac:inkMk id="2" creationId="{C97C5AB7-B83A-CFD2-CB93-E99FAB943EC7}"/>
+          </ac:inkMkLst>
+        </pc:inkChg>
+      </pc:sldChg>
+      <pc:sldChg chg="delSp modSp add mod">
+        <pc:chgData name="Marcos Maillot" userId="fa14b39d-e966-4ebb-a436-4f96f84b9577" providerId="ADAL" clId="{6305F822-064E-4220-B9C7-00DB7665D49D}" dt="2023-04-21T16:35:48.615" v="567" actId="14100"/>
+        <pc:sldMkLst>
+          <pc:docMk/>
+          <pc:sldMk cId="2958760871" sldId="360"/>
+        </pc:sldMkLst>
+        <pc:spChg chg="mod">
+          <ac:chgData name="Marcos Maillot" userId="fa14b39d-e966-4ebb-a436-4f96f84b9577" providerId="ADAL" clId="{6305F822-064E-4220-B9C7-00DB7665D49D}" dt="2023-04-21T16:35:48.615" v="567" actId="14100"/>
+          <ac:spMkLst>
+            <pc:docMk/>
+            <pc:sldMk cId="2958760871" sldId="360"/>
+            <ac:spMk id="12" creationId="{173875A2-756C-C285-A3FC-2C04FCABF78E}"/>
+          </ac:spMkLst>
+        </pc:spChg>
+        <pc:spChg chg="del mod">
+          <ac:chgData name="Marcos Maillot" userId="fa14b39d-e966-4ebb-a436-4f96f84b9577" providerId="ADAL" clId="{6305F822-064E-4220-B9C7-00DB7665D49D}" dt="2023-04-21T16:31:50.476" v="511" actId="478"/>
+          <ac:spMkLst>
+            <pc:docMk/>
+            <pc:sldMk cId="2958760871" sldId="360"/>
+            <ac:spMk id="16" creationId="{AD0B28E0-D22E-F3BE-B975-F36DBFA0ECA1}"/>
+          </ac:spMkLst>
+        </pc:spChg>
+        <pc:spChg chg="del">
+          <ac:chgData name="Marcos Maillot" userId="fa14b39d-e966-4ebb-a436-4f96f84b9577" providerId="ADAL" clId="{6305F822-064E-4220-B9C7-00DB7665D49D}" dt="2023-04-21T16:27:01.217" v="97" actId="478"/>
+          <ac:spMkLst>
+            <pc:docMk/>
+            <pc:sldMk cId="2958760871" sldId="360"/>
+            <ac:spMk id="17" creationId="{6E44B1AE-5F03-28EE-5C2B-ABADEC460FE2}"/>
+          </ac:spMkLst>
+        </pc:spChg>
+        <pc:spChg chg="del">
+          <ac:chgData name="Marcos Maillot" userId="fa14b39d-e966-4ebb-a436-4f96f84b9577" providerId="ADAL" clId="{6305F822-064E-4220-B9C7-00DB7665D49D}" dt="2023-04-21T16:26:57.427" v="93" actId="478"/>
+          <ac:spMkLst>
+            <pc:docMk/>
+            <pc:sldMk cId="2958760871" sldId="360"/>
+            <ac:spMk id="18" creationId="{E6AB87E9-25D4-491A-8C3E-94BD21E70872}"/>
+          </ac:spMkLst>
+        </pc:spChg>
+        <pc:spChg chg="del">
+          <ac:chgData name="Marcos Maillot" userId="fa14b39d-e966-4ebb-a436-4f96f84b9577" providerId="ADAL" clId="{6305F822-064E-4220-B9C7-00DB7665D49D}" dt="2023-04-21T16:26:57.427" v="93" actId="478"/>
+          <ac:spMkLst>
+            <pc:docMk/>
+            <pc:sldMk cId="2958760871" sldId="360"/>
+            <ac:spMk id="20" creationId="{D36B6539-D238-981E-9681-58849C1CF412}"/>
+          </ac:spMkLst>
+        </pc:spChg>
+        <pc:spChg chg="del">
+          <ac:chgData name="Marcos Maillot" userId="fa14b39d-e966-4ebb-a436-4f96f84b9577" providerId="ADAL" clId="{6305F822-064E-4220-B9C7-00DB7665D49D}" dt="2023-04-21T16:26:59.747" v="96" actId="478"/>
+          <ac:spMkLst>
+            <pc:docMk/>
+            <pc:sldMk cId="2958760871" sldId="360"/>
+            <ac:spMk id="21" creationId="{E7BBE94A-759F-D4E2-7414-EB5CF7FFCA42}"/>
+          </ac:spMkLst>
+        </pc:spChg>
+        <pc:spChg chg="del mod">
+          <ac:chgData name="Marcos Maillot" userId="fa14b39d-e966-4ebb-a436-4f96f84b9577" providerId="ADAL" clId="{6305F822-064E-4220-B9C7-00DB7665D49D}" dt="2023-04-21T16:27:10.067" v="100" actId="478"/>
+          <ac:spMkLst>
+            <pc:docMk/>
+            <pc:sldMk cId="2958760871" sldId="360"/>
+            <ac:spMk id="22" creationId="{0F152222-1E01-75F9-8635-810DDAA0A9B0}"/>
+          </ac:spMkLst>
+        </pc:spChg>
+        <pc:picChg chg="del">
+          <ac:chgData name="Marcos Maillot" userId="fa14b39d-e966-4ebb-a436-4f96f84b9577" providerId="ADAL" clId="{6305F822-064E-4220-B9C7-00DB7665D49D}" dt="2023-04-21T16:26:55.626" v="92" actId="478"/>
+          <ac:picMkLst>
+            <pc:docMk/>
+            <pc:sldMk cId="2958760871" sldId="360"/>
+            <ac:picMk id="13" creationId="{C9A2F921-87F9-F696-BC27-AD71E9B14985}"/>
+          </ac:picMkLst>
+        </pc:picChg>
+        <pc:picChg chg="del mod">
+          <ac:chgData name="Marcos Maillot" userId="fa14b39d-e966-4ebb-a436-4f96f84b9577" providerId="ADAL" clId="{6305F822-064E-4220-B9C7-00DB7665D49D}" dt="2023-04-21T16:26:58.457" v="95" actId="478"/>
+          <ac:picMkLst>
+            <pc:docMk/>
+            <pc:sldMk cId="2958760871" sldId="360"/>
+            <ac:picMk id="15" creationId="{264D80DE-3DD3-6902-30C6-7B7D7BCA6D7F}"/>
+          </ac:picMkLst>
+        </pc:picChg>
+      </pc:sldChg>
+    </pc:docChg>
+  </pc:docChgLst>
 </pc:chgInfo>
-</file>
-
-<file path=ppt/ink/ink1.xml><?xml version="1.0" encoding="utf-8"?>
-<inkml:ink xmlns:inkml="http://www.w3.org/2003/InkML">
-  <inkml:definitions>
-    <inkml:context xml:id="ctx0">
-      <inkml:inkSource xml:id="inkSrc0">
-        <inkml:traceFormat>
-          <inkml:channel name="X" type="integer" max="1366" units="cm"/>
-          <inkml:channel name="Y" type="integer" max="768" units="cm"/>
-          <inkml:channel name="T" type="integer" max="2.14748E9" units="dev"/>
-        </inkml:traceFormat>
-        <inkml:channelProperties>
-          <inkml:channelProperty channel="X" name="resolution" value="39.7093" units="1/cm"/>
-          <inkml:channelProperty channel="Y" name="resolution" value="39.58763" units="1/cm"/>
-          <inkml:channelProperty channel="T" name="resolution" value="1" units="1/dev"/>
-        </inkml:channelProperties>
-      </inkml:inkSource>
-      <inkml:timestamp xml:id="ts0" timeString="2022-12-13T23:05:02.102"/>
-    </inkml:context>
-    <inkml:brush xml:id="br0">
-      <inkml:brushProperty name="width" value="0.05292" units="cm"/>
-      <inkml:brushProperty name="height" value="0.05292" units="cm"/>
-      <inkml:brushProperty name="color" value="#FF0000"/>
-    </inkml:brush>
-  </inkml:definitions>
-  <inkml:trace contextRef="#ctx0" brushRef="#br0">20513 5407 0,'0'-24'15,"0"48"110,-24-24-109,24 25 15,0 0-15,0 0-1,-25 0 1,25-1 0,0 26-1,0-25 1,0 24 0,0-24-1,0 25 1,0-1-1,0-24 1,0 25 0,0-25-1,0 24 1,0-24 0,0 25-1,0-25 16,0 24-15,0-24 0,0 25-1,0-26 1,0 1-16,25 0 16,-25 25-1,0-1 1,0 1-1,0-25 1,-25 24 0,25 1-1,0-25 1,0 24 0,0-24 15,25 0-16,-25 24 1,0-24 0,0 25-1,0-25 1,0-1 0,0 1-1,0 25 1,0 0-1,0-26 1,0 26 0,0-25-1,0 24 1,0-24 15,24 0-15,-24 0 15,0 0-31,0-1 16,0 1-1,25 0 1,-25 0 0,0 24-1,0-24 1,0 0-1,0 25 1,0-26 0,0 1-1,0 25 1,0-25 0,0-1 15,0 1-16,0 0 1,0 0 0,-25-25-1,25 25 1,25-25 62,0 0-62,0 0-1,0 0 1,-1 0 0,1 0-1,0 0 1,0 0-1,0 0 1,0 0 0,-1 0-16,1 0 15,25 0 1,-25 0 0,24 0-1,-24 0 1,25 0-1,-26 0 1,26 0 0,0 24-1,-1-24 1,1 0 0,-1 0 15,1 0-16,0 0 1,-1 0 0,1 0-1,-1 0 1,1 0 0,-25 0-1,0 0-15,-1 0 16,26-24-1,0 24 1,-25 0 0,24 0-1,1 0 1,-25-25 15,24 25-15,-24 0-1,25 0 1,-1 0 0,1 0-1,-1-25 1,1 25 0,0 0-1,-1 0 1,1 0-1,24 0 1,1 0 0,-26 0-1,1 0 1,-1-25 0,1 25 15,0 0-16,-25 0 1,24 0 0,1 0-1,-1 0 1,1 0 0,24 0-1,-24-25 1,0 25-1,-1 0 1,1 0 0,-1 0-1,1 0 1,-25 0 0,24 0 15,-24 0-16,0 0 1,0 0 0,0 0-1,-1 25 1,1-25 31,0 0 0,-25-25-32,0 1 17,25-1-32,-25 0 15,25-25 16,-25-24-15,24 24 0,-24 1-1,25-26 1,-25 26 0,25-26-1,0 1 1,-25 24-1,25 1 1,-1-1 0,-24 0-1,25 1 1,-25-1 0,25 1 15,-25 24-31,25 0 15,-25-25 1,25 1 0,-25-1-1,25 1 1,-25-26 0,24 26-1,-24-1 1,25 0-1,-25 1 1,0-1 0,0-24-1,0-1 1,0 1 0,25-1-1,-25 1 16,0 24-15,0 26 0,0-1-1,0 0 1,-25 0 15,0 25-15,-24-25-1,-26 25 1,26 0 0,24 0-16,-25 0 15,-24 0 1,-25 0 0,24 0-1,-24 25 16,0-25-15,0 0 0,-1 0-1,1 25 1,-25 0 0,0-25-1,0 25 1,25-25-1,0 0 1,-25 0 0,0 24-1,24-24 1,1 25 0,25-25 15,-1 0-16,1 0 1,-1 0 0,1 25-1,24-25 1,-24 0 0,0 0-1,49 0-15,-25 0 16,1 0-1,24 0-15,-25-25 16,1 25 0,-1 0-1,0-25 1,1 25 0,-1 0-1,1 0 16,-1 0-15,0 0 0,26 0-1,-1 0 1,0 0 0,0 0-1,0-24 1,0 24-1,1 0 1,-1 0 0,0 0 15,50 0 141,0-25-172,-1 25 0,-24-25 15,25 0-15,75-74 16</inkml:trace>
-  <inkml:trace contextRef="#ctx0" brushRef="#br0" timeOffset="1302.24">20191 4118 0,'0'24'47,"0"1"-32,0 0 1,25 25 0,-25-1-1,0 1 1,0-1-1,0-24 1,-25 0 0,50-25-16,-25-25 47</inkml:trace>
-  <inkml:trace contextRef="#ctx0" brushRef="#br0" timeOffset="4983.95">20092 4068 0,'25'0'63,"-1"0"-47,1 0-1,0 0 1,0 0-16,0 0 15,-1 0-15,1 0 16,25 0 0,-1 0-1,-24 0-15,50 0 16,-1 0 0,-24 0-1,24 0 1,1 0-1,-26 0 1,26 0 0,-26 0-1,26 0 1,-1 0 0,25 0 15,-24 0-16,-26 0 1,26 0 0,-1 0-1,0 25 1,1-50 0,24 25-1,-49 0 1,24 0-1,1 0 1,-1 0 0,-24 25-1,24-25 1,0-25 0,1 25-1,-1 0 16,1 0-15,-1 0 0,-24 0-1,24 0 1,0 0 0,1 0-1,-1 0 1,-24 0-1,24-25 1,26 25 0,-51 0-1,26 0 1,-26 0 0,26 0-1,-26 0 16,26 0-15,-1 0 0,-24 0-1,-1 0 1,26 0 0,-26 0-1,26 0 1,-1 0-1,1 0 1,-26 0 0,1 0-1,-1 0 1,26 0 0,-26-25 15,1 25-16,0 0 1,-26 0 0,1 0-1,0 0 1,0 0 0,0-24-1,-1 24 1,1 0 15,-25 24 78,0 1-77,0 0-17,0 0 17,0 0-17,0-1 1,0 1-1,0 0 1,0 0 0,0 0-1,0-1 1,0 1 0,0 0-16,-25-25 15,25 25 1,0 0-16,0-1 31,0 1-31,0 0 16,0 0-1,25 0 1,-50-25 62,1 0-47,-1 0-31,0 0 16,0 24 0,0-24-16,-24 0 15,-1 0 1,1 0 15,24 0-31,-25 0 16,1 0-1,-1 25 1,0-25 0,1 0-1,-1 0 1,0 0-1,-24 25 1,49-25 0,-24 0-1,-1 0 1,-24 0 15,24 0-15,0 0-1,1 0 1,-1 25 0,-24-25-1,-1 0 1,26 0 0,-26 0-1,26 0 1,-26 0-1,26 0 1,-1-25 0,1 25-1,-26 0 1,25 0 0,1 0-1,-1 0 16,1 0-15,-26 0 0,26 0-1,24 0-15,-25 0 16,-24 0 0,24-25-1,-24 25 1,24 0-1,1 0 1,-1 0 0,0 0-1,1 0 1,-1-25 0,1 25 15,-1 0-16,0 0 1,1 0 0,-1-24-1,0 24 1,1 0 0,-1 0-1,-24-25 1,24 25-1,1 0 1,24 0 0,-25 0-1,1-25 1,-1 25 0,25 0-1,0 0 16,-24 0-15,24 0 0,0 0-1,0 0 1,1 0 0,-1 0-1,0 0 1,0 25-1,0-25 1,1 0 0,-1 0-1,0 0 1,0 0 0,0 0 15,-24 0 0,24 0-15,0 25-1,0-25 1,0 0-16,1 0 16,-1 0-1,0 0 1,0 0-1,0 0 1,1 0 15,-1 0-31,0 0 32,0 0-17,0 0 16,1 0 1,-1 0-1,0 0 0,25 24-15,-25 1-1,0 0 1</inkml:trace>
-  <inkml:trace contextRef="#ctx0" brushRef="#br0" timeOffset="6582.91">20637 4217 0,'0'25'110,"0"-1"-95,0 1 1,0 0-1,0 0-15,0 0 16,0-1-16,25 1 16,-25 0-1,0 0 1,25-25 15</inkml:trace>
-  <inkml:trace contextRef="#ctx0" brushRef="#br0" timeOffset="7168.79">21183 4167 0,'0'-25'31,"0"50"-31,-25-25 15,25 25 17,0 0-17,0 0 1,0-1-16,0 1 16,25-25-16,-25 50 31,0-25-16,-25-1 1,50 1 0,-25 25-1,25-50 1,0 25 0</inkml:trace>
-  <inkml:trace contextRef="#ctx0" brushRef="#br0" timeOffset="7684.48">21654 4142 0,'-24'0'31,"24"25"-15,0 0 0,0 0-1,0 0-15,0-1 16,24-24-16,-24 50 16,25-25-1,-25 0-15,0-1 31,0 26-15,0-25 0,25 0-1,0-25 17,-25-25-32</inkml:trace>
-  <inkml:trace contextRef="#ctx0" brushRef="#br0" timeOffset="8166.75">22076 4093 0,'0'25'63,"0"-1"-48,0 1 1,0 0 0,0 0-16,25 0 15,-25-1-15,0 1 16,25 25 0,-25-25-1,25-1 16,-1 1-15,-24 25 0,25-25-1,25-25 1</inkml:trace>
-  <inkml:trace contextRef="#ctx0" brushRef="#br0" timeOffset="8666.29">22647 4142 0,'-25'0'32,"25"25"-32,0 0 15,0 0 1,0 0-1,25 24 1,-25 1 0,0-1-1,24-49-15,-24 50 16,0 0 0,0-1-1,0-24 16,25 0-15,0-25 15,0 0-15</inkml:trace>
-  <inkml:trace contextRef="#ctx0" brushRef="#br0" timeOffset="9150.91">23093 4167 0,'0'25'47,"0"0"-31,25 0-1,-25-1 1,0 1-1,0 0-15,0 0 16,25 24 0,-25 1-1,0-25 1,25 24 0,-25-24-1,24-25 16,-24 25-15,25-25 0,-25-25-16,25 25 15</inkml:trace>
-  <inkml:trace contextRef="#ctx0" brushRef="#br0" timeOffset="9601.11">23490 4192 0,'0'-25'15,"25"50"48,-25 0-48,0 0 1,0-1 0,0 1-16,0 0 15,25 25 1,-25-1-1,24 1 1,-24-25 0,25 24-1,-25-24 1,0 0 0,25-25-1,0 0 16,-25-25-31</inkml:trace>
-  <inkml:trace contextRef="#ctx0" brushRef="#br0" timeOffset="10067.66">23887 4142 0,'0'0'0,"0"25"47,0 0-31,0 0-1,0 0 1,25-1 0,-25 26-1,25 0 1,-1 24 0,-24-24-1,25-1 1,-25-24-1,0 0 1,25 0 0,-25-1-1,0-48 1,25 24-16,-25-25 31</inkml:trace>
-  <inkml:trace contextRef="#ctx0" brushRef="#br0" timeOffset="10498.76">24309 4068 0,'0'0'0,"-25"25"31,25 0-15,0 24-1,0 1 1,0-25-1,25 24 1,-1 26 0,-24-26-1,25 1 1,-25-25 0,0-1-1,0-48 32</inkml:trace>
-  <inkml:trace contextRef="#ctx0" brushRef="#br0" timeOffset="12634.31">24160 5804 0,'0'25'31,"-25"-25"-15,25 25-1,-25-25 1,25 25-1,-25 24-15,1-49 16,-26 50 0,0 0-1,26-1 1,-26 26 0,25-26-1,-25 1 1,26-50-1,-1 25 1,0-50 0,0 0-1,0-25 1,1 1 0,-1-26-1,25 51 16,0 48 16,25 1-31,-25 50 0,24-1-1,-24 0 1,0-24-1,25-50 1,0 0 0,25-25-1,-26 25-15,51-49 16,-25 24 0,-26 0-1,-48 25 48</inkml:trace>
-  <inkml:trace contextRef="#ctx0" brushRef="#br0" timeOffset="32249.4">21208 6400 0,'0'-25'0,"25"25"62,0 0-46,-25 25-1,0-1 32,-25-24-15,0-24-1,25-1-16,-25 25-15,50-25 16,0 0 15,0 25-15,-1 0-16,1 25 16,0 0-1,0 0 1,-50-25 15,25 24-31,-25-24 31,-24 0-15,24-24 0,0 24-1,50-25 1,49 0-1,50 25 1,-99 0-16,49 0 16</inkml:trace>
-  <inkml:trace contextRef="#ctx0" brushRef="#br0" timeOffset="32886.23">22275 6499 0,'-25'0'16,"0"0"-1,0 0 1,0 0-16,25-25 16,-24 25-1,24-25 1,24 25-1,1 0 1,0 0 0,25 25-1,-26 0 1,-24 0-16,-24-25 16,24 24-1,-50-24 1,0 0-1,1-24 17,24-1-17,0 0 1,50 0 0,0 0-1,49 25 1,25 0-1,-24 50 1,-26-50 0,-49 25-1,-49 0 1,-1-1 0,1-24-1,24-24 1,74-26-1,51 0 17,-26 26-32</inkml:trace>
-  <inkml:trace contextRef="#ctx0" brushRef="#br0" timeOffset="33399.53">23391 6350 0,'-25'25'0,"-25"-25"16,26 0-16,-1 0 16,0 0-1,0 0 1,0-25-1,25 0 1,25 25 31,-25 25-31,25 25-1,-25-26 1,-25 1-1,0 0 1,-24-50 0,24 0-1,-25 1 1,26-26 0,24 25-1,24 25 1,1 0-1,0 0 1,0 25 0,-50 0-1</inkml:trace>
-  <inkml:trace contextRef="#ctx0" brushRef="#br0" timeOffset="34199.23">21406 7045 0,'0'-25'47,"0"0"-31,25 25-16,-25-25 0,25 0 15,0 25 1,24 0 0,1 25-1,-25 25 1,-25-25-1,0-1 1,0 1 15,-50-25-15,25-25 0,1 1-1,-1 24-15,25-25 16,0 0-1,49 0 1,1 25 0,49 25-1,-49 0 1,0 0 0,-50-1-1,-25-24 1,0 25-1,-25-50 17,50 1-17,25-26 1,74 25 0,1 25-1,-51 0-15</inkml:trace>
-  <inkml:trace contextRef="#ctx0" brushRef="#br0" timeOffset="34749.14">22324 7119 0,'-25'0'0,"1"0"16,-1 0-16,25-25 31,0 0-15,25 1 0,24 24-1,-24 0 1,25 24-1,-50 1-15,24 0 16,-24 0 0,-24 0-1,-1-25 1,0 0 0,0 0-1,0-50 1,1 0 15,48 26-15,-24-1-16,50 25 15,0 0 1,-1 49 0,-49-24-1,0 0 1,25-25 15,-25-25-15</inkml:trace>
-  <inkml:trace contextRef="#ctx0" brushRef="#br0" timeOffset="35249.1">23168 7045 0,'0'24'0,"-25"-24"0,-25 0 32,50-24-17,-25 24-15,25-25 16,0 0-1,0 0 1,25 25-16,25 0 31,-25 25-15,-1 0 0,-24 0-1,0-1 1,-49 1-1,-1 0 1,1-50 15,24 0-15,0 25-16,25-49 16,0 24-1,25 0 1,0 25-1,-1 25 1</inkml:trace>
-  <inkml:trace contextRef="#ctx0" brushRef="#br0" timeOffset="40311.72">11212 8483 0,'25'0'79,"-1"0"-79,1 0 15,0 0-15,-25 25 16,25-25-16,24 0 15,26 0 1,-1 0 0,-24 0-1,24 0 1,1 0 0,-1 0-1,0 0 1,1 0-1,-1 0 17,1 0-17,24 25 1,-25-25 0,26 0-1,-26 0 1,25 0-1,-24 25 1,24-25 0,-25 0-1,25 0 1,-24 24 0,24-24-1,-25 0 1,26 25-1,-26-25 17,1 0-17,-26 0 1,50 0 0,-49 0-1,24 0 1,-24 0-1,24 0 1,-24 25 0,24-25-1,1 0 1,-1-25 0,1 25-1,-1 0 1,-24 0-1,24 0 17,1-25-17,-1 25 1,0 0 0,1 0-1,-1 0 1,1 0-1,-1-24 1,0 24 0,26 0-1,-26 0 1,0 0 0,1 0-1,-26 0 1,26-25-1,-1 25 17,-24 0-17,0 0 1,24-25 0,-24 25-1,-1 0 1,-24 0-1,25 0 1,-26 0 0,1 0-1,0 0 1,-25 25 0,25-25-1,0 0 360,-1 0-312,1 0 46,0 0 47,-50 0-124</inkml:trace>
-  <inkml:trace contextRef="#ctx0" brushRef="#br0" timeOffset="45509.97">1017 9451 0,'0'-25'15,"-25"25"-15,50 0 47,-25 25-31,50-25 0,24 0-1,25-25 1,0 25-1,25 0 1,-24-25 0,-76 25-1,76-25 1,24 25 0,0-25-1,-25 1 1,25-1-1,0 25 1,-25-25 0,-74 25-16,74 0 15,0 0 1,1 0 0,24 0-1,-25 0 1,0 0-1,50 0 17,-50 0-17,50 0 1,-25 0 0,25 0-1,-25 0 1,25 0-1,0 0 1,-1 25 0,1-25-1,-25 0 1,0 25 0,-99-25-16,99 0 15,0 24 1,0 1-1,-25-25 1,25 25 15,-24-25-15,24 25 0,-50 0-1,50-25 1,-25 24-1,50 1 1,-25-25 0,-25 25-1,25 0 1,0-25 0,0 25-1,0-25 1,25 24-1,-25-24 1,25 25 15,-25-25-15,25 25 0,0-25-1,0 0 1,24 0-1,-24 25 1,25-25 0,-1 25-1,51-25 1,-200 0-16,125 0 16,74-25-1,-49 25 1,74-25 15,-49 25-15,-1-25-1,25 0 1,-24 1 0,-1-1-1,1 0 1,-26 25-1,1-25 1,-149 25-16,123 0 16,1-25-1,0 25 1,-124 0-16,124 0 16,-25-24-1,0 24 1,25 0-1,-25 0 17,25 0-17,-1 0 1,1-25 0,0 25-1,0 0 1,24 0-1,-73 25 1,49-25 0,-25 0-1,-25 24 1,0-24 0,-25 25-1,-24-25 1,0 0-1,-1 0 17,-24 0-17,0 0 1,-25-25 62,0 1-62</inkml:trace>
-  <inkml:trace contextRef="#ctx0" brushRef="#br0" timeOffset="48247.81">24185 3249 0,'0'-24'47,"24"24"-31,-24-25 0,25 25-16,0-25 15,0 0 1,0 0-16,24 1 15,1-1 17,24 25-17,1 0 1,-1 25 0,-49-25-1,24 24 1,-24-24-1,0 25 1</inkml:trace>
-  <inkml:trace contextRef="#ctx0" brushRef="#br0" timeOffset="48714.63">24358 3101 0,'-25'0'0,"50"0"62,-25-25-46,25 25-16,0 0 16,0-25-16,49 25 15,50 0 1,-74 0-16</inkml:trace>
-  <inkml:trace contextRef="#ctx0" brushRef="#br0" timeOffset="48845.94">24879 3101 0,'0'0'0,"50"24"15,-25 1 1,-1-25 0</inkml:trace>
-  <inkml:trace contextRef="#ctx0" brushRef="#br0" timeOffset="52478.99">26640 3597 0,'0'24'31,"25"-24"-16,0 0 1,0 0 0,-1 0-1,26 0 1,0 0 0,-1 0-1,1-24 1,-1 24-1,1-25 1,0 0 0,24 0 15,-24-24-15,24-26-1,-49 50 1,25-24-1,-1 24 1,-49 0-16,50-24 16,-25 24-1,-1-25 1,26 1 0,-25 24-1,24-25 1,-24 1-1,25-26 1,24 26 15,-24-1-15,-1 25 0,1-24-1,0 24 1,-1 0-1,-24 0 1,25 25 0,-25 0-1,24-25 1,1 25 0,-25 0-1,-1 0 1,1 25-1,25-25 17,-25 25-17,-25 0 1,24 24 0,1-24-1,0 25 1,-25-1-1,25 26 1,-25-26 0,25 1-1,-1 24 1,-24-24 0,25 0-1,0-1 1,0 26-1,0-26 17,24 1-17,1-1 1,-1 26 0,1-26-1,0 1 1,-1 0-1,26-1 1,-26-24 0,26 25-1,24-25 1,-25-25 0,1 24-1,-50-24-15,49-24 16,50 24-1,-50-25 1,26 25 15,-51-25-15,50 25 0,-49 0-1,-25-25 1,0 25-1,-1 0 1,1 0 31,-50 0 94,1 0-126,24 25 1,-25-25-16,0 0 15</inkml:trace>
-  <inkml:trace contextRef="#ctx0" brushRef="#br0" timeOffset="53514.57">25524 4018 0,'25'-24'0,"0"24"0,99 0 16,24-25 15,-98 25-31,99 0 16,124-25-1,-50 0 1,75 25-1,-50 25 1,-25 0 0,-25 0-1,1-25 1,24 24 0,0 26-1,1-25 1,-26 0-1,-24-1 1,-150 1-16,125-25 31,25 50-15,0-25 0,-1-1-1,-49 1 1,25 0-1,-25 0 1,-50-50 0</inkml:trace>
-  <inkml:trace contextRef="#ctx0" brushRef="#br0" timeOffset="54265.38">28253 1687 0,'0'0'0,"0"25"31,0-1-15,0 76-1,0-76-15,0 150 16,-25 0 0,0 49-1,0 0 1,-24 0-1,24 50 1,0-74 15,25-1-15,-25 1 0,25-51-1,0 26 1,-25-50-1,0 0 1,1-50 0,24-49-16</inkml:trace>
-  <inkml:trace contextRef="#ctx0" brushRef="#br0" timeOffset="55516.32">28228 1687 0,'25'0'16,"-25"-25"-16,0 50 47,0 0-31,-25-1-1,-25 26 1,50-25-16,-25 0 15,1-1 1,-1-24 0,25-24 31,25 24-47,24 24 15,1-24 1,-1 25-1,1-25 1,0-25 0,-50 1 15,0-1-31,0-25 16,-75-24-1,26 24 1,-1 50-1,25 25 1,0 49 0,25-24-1</inkml:trace>
-  <inkml:trace contextRef="#ctx0" brushRef="#br0" timeOffset="56898.88">30435 967 0,'25'-24'0,"-50"24"31,25 24-31,0 1 15,-24 25 1,-1 74 0,0 25-1,25-125-15,-50 100 16,1 75 0,-1-50-1,-24 24 1,24-24-1,25-74 1,25-51 15,50-73-31</inkml:trace>
-  <inkml:trace contextRef="#ctx0" brushRef="#br0" timeOffset="57997.35">30535 943 0,'-25'0'0,"50"0"31,-1 24-31,1-24 16,25 25-1,-25-25-15,123 50 16,51-1 0,-1-24-1,1 0 1,74-25 0,-100 25-1,-24-50 1,-50 25-1,-24-25 17,-26 25-17,1 0 1,-25 25 15,-25 0-31,0 24 16,-25 51-1,25 24 1,-25 49 0,0-49-1,0 50 1,25 0 0,-24-26-1,24-48 1,24-1 15,-24-25-15,0 1-1,0-26 1,-24-24 0,-1-25-1,-25 25 1,-24-25-1,-25-25 1,-1 0 0,-24-49-1,-24-1 1,-51 1 0,25 24-1,26 26 1,-1-26-1,25 25 1,-25 0 0,-25 25 15,26-24-15,98 24-1,0 0 1,25 0-1,50-25 1,25 0 0</inkml:trace>
-  <inkml:trace contextRef="#ctx0" brushRef="#br0" timeOffset="58698.24">31155 1836 0,'0'-25'31,"-25"25"1,25-25-32,-25 25 0,0 0 15,-24 25 1,24-25-16,-25 0 16,1 25-1,-26 24 1,26-24-1,24 0 1,0 0 15,25-1-15,25 26 0,0 0-1,24-26 1,1 26-1,24-25 1,1-25 0,-1 0-1,0-25 1,1 0 0,-25-24-1,-26-26 1,-24 26-1,-24-1 1,-76-24 15,75 74-15,-24-25 0,24 50-1</inkml:trace>
-  <inkml:trace contextRef="#ctx0" brushRef="#br0" timeOffset="59164.95">31031 1786 0,'-25'25'0,"25"-50"32,25 25-17,-25-25 1,49-49 0,1 24-1,-25 0 1,-1 26-16,1-1 15,-25-25 1,25 50 0,-25 25 15,0 0-31,0 24 16,0 26-1,0-1 1,0-24-1,0 0 1,0-26 15,25-48-15,0 24-16</inkml:trace>
-  <inkml:trace contextRef="#ctx0" brushRef="#br0" timeOffset="59531.25">31353 1860 0,'25'0'15,"0"0"1,-25-24-1,25 24-15,-1 0 16,26-25-16,0 25 16,-26 0 15,1 0-31,-25 49 16,-25 1-1,-49 24 1,0 1-1,-26-1 1,26 25 0,-1-24-1,75-50-15</inkml:trace>
-  <inkml:trace contextRef="#ctx0" brushRef="#br0" timeOffset="72273.74">20290 4242 0,'0'-25'110,"25"25"-95,-25-25 1,25 0 140,-25 0-124,25 25-32,-50 0 46,25 25-46,0 0 16,-50 0 0,50 24-1,-25-49 1,50 0 15,-25-24-15,25 24-16,25-50 15,-26 25 1,-24 0-16,25 25 16,-25 25 15,-25 0 0,1-25-31,-1 50 16,-25-1-1,50-24 1,25-50 15,0 25-15,0-49 0,-1 49-16,1-25 15,-25 50 16,-25-1-15,-24 26 0,49-25-16,-25 0 15,25-1 17,0-48-1,25 24-31,0-25 15,-1-25 1,26 1 0,-25 49-1,-50 24 17,0 26-17,0 0 1,1-26-1,24 1 1,0-50 0,24 25-16,1-24 15,25-26 17,-1 0-17,-24 26 1,-25 48 15,-25 26-15,1 0-1,-1-26 1,50-24 15,-25-24-15,49-26-1,-24 25 1,0 25 0,-50 0-1,0 50 1,0-1 15,1 1-15,24-75 46,0 0-62</inkml:trace>
-  <inkml:trace contextRef="#ctx0" brushRef="#br0" timeOffset="72714.02">20613 4192 0,'0'-25'16,"-25"25"62,25 25-78,0 0 0,0 0 16,0-1-1,-25 1-15,25 25 16,-25-1-1,25-24 1,0-50 78</inkml:trace>
-  <inkml:trace contextRef="#ctx0" brushRef="#br0" timeOffset="78180.94">18777 4341 0,'0'-25'31,"25"25"-15,0 0 0,0 0-1,24 0 1,26 0-1,-1 0 1,25 0 0,0 25-1,-24-25 1,-26 0 0,-24 0-1,0 0 1,-25-25-1,-25 0 1,25-24 0,-25 24-1,-24 0 1,49 0 15,-25 25-15,25 25 15,-25-25-15,25 25-16,-25 0 15,25 24 1,-24-24 0,24 0 62,24-25-78,-24-25 15,25 25-15,25 0 32,-1 0-17</inkml:trace>
-  <inkml:trace contextRef="#ctx0" brushRef="#br0" timeOffset="79029.24">25078 4415 0,'0'-25'15,"24"25"-15,1-24 16,25-1 0,24 0-1,-49 25-15,74 0 32,0 0-17,-24-25 1,-26 25-1,-24 0 1,-50 0 0,-24 25-1</inkml:trace>
-  <inkml:trace contextRef="#ctx0" brushRef="#br0" timeOffset="79477.85">25102 4366 0,'-49'-50'31,"74"25"-15,-1 0-1,1 1 1,50-1-1,-51 25 1,1-25-16,0 25 16,-25 25-1,-25 0 1,-49 24 0,-1 26-1,51-51 1,-1 1-1,50 0 1,24 0 0,26 0 15,-26-25-15,-74 24 30,1-24-46</inkml:trace>
-  <inkml:trace contextRef="#ctx0" brushRef="#br0" timeOffset="84148.93">21977 4341 0,'-25'0'203,"0"25"-188</inkml:trace>
-  <inkml:trace contextRef="#ctx0" brushRef="#br0" timeOffset="85094.48">22746 4341 0,'-25'0'31,"25"25"110,-25-25-126,25 24-15,-25 1 16</inkml:trace>
-  <inkml:trace contextRef="#ctx0" brushRef="#br0" timeOffset="85978.81">22721 4490 0,'0'24'657,"0"1"-642,0 0 1,-25 49-1,25-49-15,0 0 0</inkml:trace>
-  <inkml:trace contextRef="#ctx0" brushRef="#br0" timeOffset="88992.85">23242 5035 0,'-25'0'15,"25"25"1,-25-25 0,25 25-1,0 0-15,-24 0 31,24-1-15,0 1 0,0 0-1,0 25 1,24-50 0,-24 49-1,0-24 1,0 25-1,25-1 1,-25-24 0,25 25-1,-25-26 1,25 26 0,-25-25-1,0 0 1,25-1-1,-25 1 1,0 0 0,24 0-1,-24 0 17,0-1-17,25 1 1,-25 0-1,0 0 1,0 25 0,0-26-1,0 1 1,0 0 0,0 0-1,0 0 1,25-1-1,-25 1 1,0 0 0,0 25-1,0-26 17,-25 26-17,25 0 1,0-26-1,0 26 1,-25 0 0,25-26-1,0 1 1,0 25 0,0-25-1,-24 24 1,24-24-1,0 25 1,0-1 0,-25-24-1,25 25 1,0-26 15,-25 26-15,25 0-1,0-1 1,-25 1 0,25 0-1,0-26 1,-25 26 0,25 0-1,-24-26 1,24 26-1,0 0 1,-25-26 0,25 26-1,-25-25 1,25 0 15,0 24-15,-25-24-1,25 25 1,-25-26 0,25 1-1,-24 25 1,24-25 0,-25 24-1,0-24 1,25 25-1,-25-26 1,25 26 0,-25-25-1,25 24 17,-24-24-17,24 0 1,-25 25-1,25-25 1,-25 24 0,25-24-1,0 0 1,-25 0 0,25-1-1,0 1 1,0 0 15,-25-50 78,25 0-109,0 1 16,-24 24-16,24-25 16,-25-50-1,0 26 1,0-1 0,25 25-1,0 50 79,0 0-94,0 0 16,25-25-16,-25 25 15,0 24 1,0 1-1,0-1 1,0-24 0,25-25-1,0 0 17,-25-25-32,49 1 15,1-26 1,-1 0-1,-24 50 1,0-24 0,-25 48 46,25-24-62,0 0 31</inkml:trace>
-  <inkml:trace contextRef="#ctx0" brushRef="#br0" timeOffset="90711.8">23267 8062 0,'0'0'0,"0"-50"31,0 25-31,0 50 78,25 0-78,-25 0 16,0-1-16,0 51 15,0-50 1,-25 74 0,25-74-16,0 49 15,-25 25 1,0 0-1,0 1 1,25-51 0,-24 1-1,24-25 1,24-25 15,-24 24-15,25-24-1,0 0-15,0 0 16,49 0 0,1 0-1,-1-24 1,0 24 15,1 0-15,-1 24-1,25-24 1,1 0 0,24 0-1,-25 0 1,-25 0 0,1 25-1,-50-25 1,-1 0-1,-24 25 1,0-50 31,25 25-16,0-74-15,0-25-1,0-25 1,49 0 0,0 24-1,1-24 1,-50 124-16,24-99 16,1 50-1,-25-1 1,-1 25-1,-48 25 1,-1-25 0,-25 0-1,1 1 1,-26-1 15,1 25-15,-1 0-1,1-25 1,-50 25 0,0 0-1,0 0 1,25 0 0,-25 0-1,24 0 1,26-25-1,0 25 1,24 0 0,0 0-1,1 25 1,24 0 15,25 24-15</inkml:trace>
-  <inkml:trace contextRef="#ctx0" brushRef="#br0" timeOffset="91627.97">23837 8161 0,'0'0'16,"-25"0"31,25-25-47,-24 25 15,-1 0 1,25 25 0,-25-25-1,-25 25 1,26-1 0,-1 1-1,0-25-15,25 25 16,-25 0-16,25 0 15,-25-1 1,25 26 0,25-25-1,-25 0 17,25-1-17,0 1 1,0 0-1,24 0 1,-24 0 0,25-25-1,-1 0 1,1 0 0,0 0-1,-26-25 1,26 0-1,-25 0 1,0 0 0,24-24-1,-24 24 17,-25 0-17,25 0 1,-50-24-1,25 24 1,-25 0 0,-24 0-1,-1 1 1,0-1 0,1 25-1,-1 0 1,25 0 15</inkml:trace>
-  <inkml:trace contextRef="#ctx0" brushRef="#br0" timeOffset="92210.87">23763 8161 0,'0'-25'31,"25"0"-16,-25 0 1,24 1 0,-24-1-1,25 0-15,-25 0 16,25 0 0,-25 0-1,25 25 63,-25 25-46,25-25-32,-25 25 0,25-25 15,-25 25-15,0 0 16,24 24-1,-24-24 1,0 0 0,25-25 15,0 0-15,0 0-1,0 0 1,-1-25-16</inkml:trace>
-  <inkml:trace contextRef="#ctx0" brushRef="#br0" timeOffset="92757.14">24110 8161 0,'0'0'0,"-25"0"15,50 0 48,-25-25-48,25 25-15,0-25 16,0 25 0,-1-25-1,1 1 1,0 24 31,-25 24-32,0 1-15,0 0 16,0 0 0,0 24-1,0 1 1,0-25-1,0 0 1,25-1 93,-25 1-93,0 0 0</inkml:trace>
-  <inkml:trace contextRef="#ctx0" brushRef="#br0" timeOffset="95092.99">27558 7764 0,'0'-25'16,"0"0"-1,0 50 17,0 0-17,0 49 1,-25 1 0,0 49 15,1 0-16,-1 25 1,0-25 0,0 0-1,25-50 1,-25 0 0,50-74-1,0-24 1</inkml:trace>
-  <inkml:trace contextRef="#ctx0" brushRef="#br0" timeOffset="95977.84">27533 7813 0,'-25'-24'15,"50"48"-15,-25-48 0,25 24 16,0 0 0,49 24-1,50 26 1,25-25-1,-124 0-15,149 24 16,24-24 0,-24 25-1,-1-25 1,-49-25 15,-49 0-15,-51 0-1,-24 24 48,-24 1-63,24 0 16,-50 25-1,50-26-15,-50 51 16,1 24-1,24 0 1,25 0 0,0 25-1,0-74 1,0 0 15,-25-26 0,0-24-15,-24 0 0,-26-24-1,51 24-15,-100 0 16,24-25 0,-48 0-1,48 25 1,-73 0-1,24 0 1,25 0 0,25 25-1,49-25 1,0 0 15,75-25 0,-25 0-31</inkml:trace>
-  <inkml:trace contextRef="#ctx0" brushRef="#br0" timeOffset="96527.95">28004 8359 0,'0'0'0,"-24"-25"31,-1 25-15,0 0-16,-25 0 16,1 0 15,-1 0-16,1 25 1,-1 0 0,25 0-1,25 24 1,25 26 0,0-26-1,49 26 1,1-26-1,24 1 1,0-50 0,0 0-1,-49-50 1,0-24 15,-50 0-31,-25-1 31,-50 1-15,-24-1 0,-25 51-1,25 24 1</inkml:trace>
-  <inkml:trace contextRef="#ctx0" brushRef="#br0" timeOffset="97013.95">27682 8285 0,'25'0'15,"-25"-25"1,25 25-16,-25-25 0,24 0 16,1 1-1,25-26 1,-1-24 0,-24 49-1,-25 0 1,0 50 15,0 0-15,0 24-1,0 26 1,0-51 0,25 1-1,-25 25 1,0-25-1,25-1 1,24-24 0</inkml:trace>
-  <inkml:trace contextRef="#ctx0" brushRef="#br0" timeOffset="97278.58">28203 8310 0,'25'0'47,"-25"-25"-47,25 0 15,24-25 1,1 26 0,-25 24-1,-1-25 1,-24 74-1,-49 75 1,-1 0 0,1 25-1,-1-25 1</inkml:trace>
-  <inkml:trace contextRef="#ctx0" brushRef="#br0" timeOffset="102259.86">28178 8632 0,'0'25'15,"0"-50"-15,0 75 0,0-26 16,0 51 0,-25-75-16,1 74 15,-1 1 1,0-1 15,-25 1-15,1-1-1,-1 25 1,-24 0 0,-1 1-1,1-1 1,-25 0 0,-1-25-1,1 1 1,-25 49-1,25 0 1,-25 0 0,0-25-1,49 25 1,51-99-16,-51 99 31,1 0-15,24 0-1,25-99-15,-24 124 16,24-25 0,0 25-1,25-1 1,0-24 0,25 25-1,25 0 1,-1-25-1,26 0 1,49 0 0,0-25-1,49 1 1,1-26 15,49 0-15,0-24-1,25-25 1,50 49 0,-75-24-1,-49 24 1,-25 1 0,-50 24-1,-25-25 1,-49 25-1,0 26 1,0-26 0,-25 0-1,0-25 1,0 1 0,25-26 15,-25-73 0,-25-1-15</inkml:trace>
-  <inkml:trace contextRef="#ctx0" brushRef="#br0" timeOffset="103444.85">29369 13494 0,'0'0'0,"-25"0"16,50 0 47,0 0-48,-25-25-15,24 25 0,1-25 16,0 0-1,25-24 1,-26-1 0,1 1-1,-25 73 32,0 1-31,-25 25-1,1 24 1,-1 25 0,25 1-1,0-51 1,0 1 0,0-25-1,25-25 1,-50 0 15,25 24-15,-25-24-16,0 0 15,-24 0 17,24 0-32,0 0 15,0 0 1,50 0 31,0 0-32,0 0 1,24 0 0,-24 0-16,49 0 15,-24 0 1,-25 25-1,-50-25 17,0 0-17,0 25 1,-49 25 15</inkml:trace>
-  <inkml:trace contextRef="#ctx0" brushRef="#br0" timeOffset="105560.19">24036 8731 0,'0'0'0,"-25"25"0,0 25 15,-49 49 1,24 0 0,-24 25-1,24 0 1,25 0 0,25-99-1,-25 74 1,1 50-1,-1 25 1,-25-1 0,25 26-1,-24-1 1,24 1 0,25-1-1,-25 25 1,25-49-1,25 49 1,0-74 0,0 0-1,49 49 1,-24-49 0,24 25 15,25-75-16,25 50 1,0-50 0,50 0-1,-25-24 1,24 24 0,1-25-1,25 1 1,-1-1-1,75 0 1,-25-24 0,0 25-1,-25-26 1,75 26 15,-75-26-15,124 1-1,-74-1 1,-25 1 0,0 49-1,-74-49 1,-25 49 0,0 0-1,-25 25 1,-50-49-1,-24 24 1,-1 0 0,-24 25-1,0-25 17,-25-49-32,-25 24 31,0-24-16,25-25-15,-25 24 16,1-24 0,-1 0-1,0-25 1,0 0 15</inkml:trace>
-  <inkml:trace contextRef="#ctx0" brushRef="#br0" timeOffset="107476.94">28153 15081 0,'0'0'0,"0"-25"47,-24 25-31,24-24-16,-25 24 15,0-25 1,0 25-16,0 0 16,-24 25-1,-1-25 1,0 49 15,26 1-15,24-1-1,0 1 1,24 0 0,26-1-1,24-24 1,1 0 0,-1-50-1,1 0 1,-50-49-1,-1-1 1,-48 1 0,-26 0-1,-24 24 1,-1 25 15,50 25-31,25 25 16,-25 0-1</inkml:trace>
-  <inkml:trace contextRef="#ctx0" brushRef="#br0" timeOffset="108159.97">28426 14858 0,'0'-25'32,"0"0"-17,25 25-15,-25-24 0,0-26 16,0 0 0,0-24-1,0 49 1,-25 25 15,25 25-15,-25 49-1,1 1 1,48-26 0,1-49-16,0 25 15,49-50 1,-24 1-1,24-1 1,-24 0 0,-25 50-1</inkml:trace>
-  <inkml:trace contextRef="#ctx0" brushRef="#br0" timeOffset="111610.59">24581 17587 0,'25'0'16,"-25"-25"-16,25 25 0,25 0 15,74 0 1,74-25 0,50 0-1,50 25 16,-249 0-31,249 25 16,-50 0 0,-74 0-1,-1-1 1,-98-24 0,-26 0-1,-24 25 1,0 25-1</inkml:trace>
-  <inkml:trace contextRef="#ctx0" brushRef="#br0" timeOffset="116977.02">28600 16694 0,'25'0'0,"-50"0"0,74 0 0,-24 0 0,74 0 16,25-25-1,25 0 16,25-25-15,-25 26 0,-25-26-1,0-24 1,25-1 0,-25 1-1,0-1 1,-124 50-16,124-49 15,-25 0 1,0-26 0,-24 1-1,24 0 1,-74 74-16,49-74 16,0 0-1,26-25 16,-26-25-15,-49 0 0,0-25-1,-50 26 1,-25-1 0,-24 50-1,-50-25 1,-25-1-1,-25 26 1,1-25 0,148 124-16,-149-124 15,25 25 1,1 25 0,-51-26 15,50 51-16,-74-1 1,49 25 0,1 1-1,24 48 1,25-24 0,25 25-1,24 0 1,26-25-1,74 0 32,-25-25-47,74 0 16,-74 1-16,124-26 16,-50 0-1,75 26 16,-25-1-15,-49 50 0,-51-25-1,-48 0 1,-1 24 0,-74 1-1,-25 0 1,24 25-1,26-26 1,49 1 0,0 25-1,50-1 1,25 1 0,-1 0 15,26-26-16,-50 1-15</inkml:trace>
-  <inkml:trace contextRef="#ctx0" brushRef="#br0" timeOffset="120059.69">23490 16694 0,'0'0'0,"-25"0"0,25 24 16,-25-24-16,-49 0 16,0 25-1,49-25-15,-99 0 16,-25 25-1,124-25-15,-99 0 16,-50 25 0,-24-50-1,-25 25 17,24-50-32,1 1 15,-50-50 16,0 24-15,-50 1 0,1-26-1,98 1 1,-123-74 0,74 24-1,0 0 1,24-25-1,-49-74 1,125 50 0,-51-100-1,75 75 1,-49-75 0,48 25-1,26-24 16,0-1-15,-25-49 0,25 24-1,-25 1 1,-25 24 0,0-49-1,75 74 1,-1-24-1,26-51 1,24 75 0,25 1-1,25-1 1,49 25 0,1 24-1,49-24 16,0 50-15,-75 148-16,125-148 16,-1-1-1,-24 26 1,75-1 0,-26 50-1,25 0 1,-99 25-1,124-50 1,-74 50 0,-50 0-1,0 24 1,-50 26 0,1-1-1,-1 0 16,-24 26-15,-25-1 0,-1 0-1,-73 25 17,-50 25-17,74-25-15,-74 25 16,-25 24-1,0-24 1,74-25 0,75 0 15,0-25-15,-1 25-16,26-25 15,24 50 16,-49 0-15,0 25 0,0-1-1,-25 26 1,0-1 0</inkml:trace>
-  <inkml:trace contextRef="#ctx0" brushRef="#br0" timeOffset="127309.24">8657 1488 0,'25'0'47,"-1"0"-31,1 0-16,0 0 15,-25-25-15,99 25 16,0 0 0,26-24-1,-101 24-15,125-25 16,-25 25-1,-25 0 1,50 0 0,0 0-1,-25 0 1,0 0 0,0 25-1,0-25 16,0 24-15,25-24 0,0 0-1,24 25 1,1-25 0,0 25-1,49 0 1,-74 0-1,-124-25-15,148 24 16,-49-24 0,50 25-1,0-25 1,-50 25 0,24-25-1,-48 0 16,24 0-15,-50 0 0,25 0-1,-24 0 1,-26 0 0,-24 0-1,0 0 1,-50 0 187,0 0-187</inkml:trace>
-  <inkml:trace contextRef="#ctx0" brushRef="#br0" timeOffset="128875.98">20464 4762 0,'0'0'0,"25"0"15,24 0 1,-24 0-16,0 0 16,24 0-1,-73 0 48,24-24-63,-25 24 31</inkml:trace>
-  <inkml:trace contextRef="#ctx0" brushRef="#br0" timeOffset="129574.53">24085 7962 0,'-24'0'140</inkml:trace>
-</inkml:ink>
-</file>
-
-<file path=ppt/ink/ink2.xml><?xml version="1.0" encoding="utf-8"?>
-<inkml:ink xmlns:inkml="http://www.w3.org/2003/InkML">
-  <inkml:definitions>
-    <inkml:context xml:id="ctx0">
-      <inkml:inkSource xml:id="inkSrc0">
-        <inkml:traceFormat>
-          <inkml:channel name="X" type="integer" max="1366" units="cm"/>
-          <inkml:channel name="Y" type="integer" max="768" units="cm"/>
-          <inkml:channel name="T" type="integer" max="2.14748E9" units="dev"/>
-        </inkml:traceFormat>
-        <inkml:channelProperties>
-          <inkml:channelProperty channel="X" name="resolution" value="39.7093" units="1/cm"/>
-          <inkml:channelProperty channel="Y" name="resolution" value="39.58763" units="1/cm"/>
-          <inkml:channelProperty channel="T" name="resolution" value="1" units="1/dev"/>
-        </inkml:channelProperties>
-      </inkml:inkSource>
-      <inkml:timestamp xml:id="ts0" timeString="2022-12-13T23:07:19.261"/>
-    </inkml:context>
-    <inkml:brush xml:id="br0">
-      <inkml:brushProperty name="width" value="0.05292" units="cm"/>
-      <inkml:brushProperty name="height" value="0.05292" units="cm"/>
-      <inkml:brushProperty name="color" value="#FF0000"/>
-    </inkml:brush>
-  </inkml:definitions>
-  <inkml:trace contextRef="#ctx0" brushRef="#br0">13791 1637 0,'25'0'16,"0"0"-16,0 0 15,-25 25-15,99-25 16,50-25 0,99 0-1,-25 0 1,0 1 0,-173 24-16,198-25 15,-25 0 16,50 25-15,-74 0 0,49 0-1,-25-25 1,0 25 0,-49-25-1,24 25 1,-49-24-1,-25 24 1,-50 24 0,-74 1-1</inkml:trace>
-  <inkml:trace contextRef="#ctx0" brushRef="#br0" timeOffset="2449.06">22895 5507 0,'0'-25'0,"0"50"0,-25-50 15,-25-25-15,-24 1 16,49 49-16,-124-75 31,-49 26-15,-75 24-1,50 25 1,-50 74 0,-74 50-1,123-25 1,-24 25-1,0 75 1,99-50 0,25 74-1,149-49 1,74 24 0,50 0-1,124 51 1,-74-76-1,73 1 17,76 24-17,-75-74 1,24-25 0,1 1-1,-25-51 1,0 1-1,24-50 1,-49 0 0,-25-50-1,-49-24 1,0-50 0,-25-25-1,-25-25 1,-50-74 15,-49-49-15,-50-26-1,-74 50 1,-75 25 0,-99 100-1,-99 48 1,99 100-1,224 0-15</inkml:trace>
-  <inkml:trace contextRef="#ctx0" brushRef="#br0" timeOffset="3849.83">25102 6325 0,'25'-25'0,"-50"50"0,75-50 16,0 1-16,-26 24 0,51-25 16,-50 0-1,-25 0 1,-25 25 15,-25 0 0,-24 25-15,49-25-16,-99 50 16,25 24-1,-1 0 1,26 1-1,74-1 1,0-24 0,74 24-1,26-24 1,-26-50 0,-49 0-16,49 0 15,-24-25 1,-25 0-1,-25-24 17,0 24-17,-25 0 1,25 0 0,0 50 15,50-25-16,-1 25 1,-24-25-16,49 25 16,-24-25-1,-25 0-15,24 0 16,-49 24 46,0 1-46,-24-25 0,-1 75-1</inkml:trace>
-  <inkml:trace contextRef="#ctx0" brushRef="#br0" timeOffset="4899.03">22870 13494 0,'0'0'0,"0"25"0,0-1 0,0 1 0,0 0 15,0-99 16,0 49-15,-25-99 0,0-50-1,1 0 1,24 50 0,24 50-1,26 74 1,74 74-1,25 75 1,0 0 0,-50 0-1,-50-50 1,-49-24 0,-49-26-1,-50-49 1,-50-25 15,124 25-31,-99-49 16,50 24-1,24 25 1,50 50 0,25-26-16</inkml:trace>
-  <inkml:trace contextRef="#ctx0" brushRef="#br0" timeOffset="16196.6">26194 6176 0,'0'-24'0,"0"-1"31,-25 50-15,25-1-1,0 1-15,-25 50 16,25-51-16,0 100 31,-25-24-15,25-1-1,0-25 1,-24-24 0,24-25-1,0-75 16</inkml:trace>
-  <inkml:trace contextRef="#ctx0" brushRef="#br0" timeOffset="16648.93">26194 6226 0,'0'-25'16,"0"50"-16,-25-50 0,25 0 15,-25 50 1,-24 0 15,-26 25-15,26-1 0,24-49-16,0 25 15,25-50 32,25 25-47,0-49 16,49-26-1,-24 26 1,-26 49 0,-24 24-1,25 26 1,0-25-16,0 49 15,0-24 17,-1-25-17,1-25 1,0-25 0,0 0-16</inkml:trace>
-  <inkml:trace contextRef="#ctx0" brushRef="#br0" timeOffset="16931.83">26591 6251 0,'0'25'15,"0"-1"1,0 1-16,0 0 15,0 25-15,0-26 0,0 51 32,0 49-17,0-25 1,0-49 0,0-75 15,0-25-16</inkml:trace>
-  <inkml:trace contextRef="#ctx0" brushRef="#br0" timeOffset="17363.78">26640 6152 0,'0'-25'15,"0"50"-15,-25-50 31,1 25-31,-26 49 32,0 1-17,1 0 1,49-26-16,-25 1 16,50-25 15,0-49-16,-1 24-15,26-25 16,24 1 0,-49 24-1,25 50 1,-25 24 0,-1 26-1,26-26 16,-25-24-31,0-25 32</inkml:trace>
-  <inkml:trace contextRef="#ctx0" brushRef="#br0" timeOffset="18582.09">22175 12898 0,'0'25'16,"0"0"-1,0 0-15,25 24 16,-25-24-16,25 74 15,0 26 1,-25-101-16,25 100 16,-25-49-1,24-1 1,-24-24 0,0-75 30,-24 0-46,-26-49 16,-24-25 15,24 24-15,25 26 0,25 73 15,25 1-16,0 0 1,24 25 0,26-1-1,-1-24 1,-24-25 0,-25 0-1,-25 25 16,-25-25-15</inkml:trace>
-  <inkml:trace contextRef="#ctx0" brushRef="#br0" timeOffset="19396.84">21431 13047 0,'0'0'16,"0"25"-1,0 0 1,0 0-16,50 74 15,-25 50 1,24-25 15,1-25-15,-25-49 0,-1-26-1,-24-48 1,0-1-1,0-25 1,0 25-16,-24-24 16,-1 24-1,-25 25 1,1-25 0,24 25-1,50 0 48,-25 25-63,24 0 15,26 0 1,0-1 0</inkml:trace>
-  <inkml:trace contextRef="#ctx0" brushRef="#br0" timeOffset="24163.13">24135 12700 0,'0'25'16,"0"0"-1,-25-25-15,25 24 0,-25 51 16,25 24 0,0 25-1,25 0 1,-25-25-1,0 1 1,0-51 15,0-24-31,0 0 16,-25-75 15</inkml:trace>
-  <inkml:trace contextRef="#ctx0" brushRef="#br0" timeOffset="24597.98">24085 12725 0,'-24'0'0,"48"0"0,-73 0 15,24 0-15,-25 0 16,1 25-1,-1-25 1,0 24 0,50 1-1,-24 0 1,48-25 15,1-25-15,25 0-1,0-24 1,24-1 0,-49 25-1,-25 50-15,25 0 16,-25 25 0,24 24-1,1 0 1,50-24-1,24-25 1,-50-25 0</inkml:trace>
-  <inkml:trace contextRef="#ctx0" brushRef="#br0" timeOffset="24964.7">24755 12874 0,'0'0'0,"0"-25"0,25-50 15,-25 100 32,0 0-47,-50 99 16,50-99-1,-25 99 1,1 0 0,-1 0-1,25-50 1,0-49-1,0-50 1,0-49 0</inkml:trace>
-  <inkml:trace contextRef="#ctx0" brushRef="#br0" timeOffset="25314.79">24780 12774 0,'0'0'0,"0"-49"15,-25 24-15,-49 25 16,-26 74 15,1 26-15,25-26 0,74-49-16,-50 24 15,75-49 1,25-49-1,74-50 1,74 24 0,-99 50-1,1 100 1,-51 24 0,-49 0-1,0-24 1</inkml:trace>
-  <inkml:trace contextRef="#ctx0" brushRef="#br0" timeOffset="29397.99">27508 6077 0,'0'0'0,"0"-25"15,0 1-15,0 48 63,0 1-63,0 0 15,-24 74 1,24 0 0,0-74-16,-25 74 15,0 25 1,25-24-1,-25-26 1,25-49 0,-25-50 15,1-25-15,-26-24-1,50 49 1,25 25 15,0 0-31,-25 25 0,74 0 31,0 0-15,1-50 0,-26 0-1</inkml:trace>
-  <inkml:trace contextRef="#ctx0" brushRef="#br0" timeOffset="29831.6">27980 5978 0,'0'-25'0,"0"-24"31,0 73-15,-25 1-16,0 74 15,25-74-15,-25 99 16,-24 50 0,49-1 15,24-73-15,1-26-1,-50-74 16,1-25-15,-51 25 0,50-25-1,50 50 1,0-25 0,-25 25-16,50 0 15,24 0 1,-49 24-1</inkml:trace>
-  <inkml:trace contextRef="#ctx0" brushRef="#br0" timeOffset="49762.85">19174 2034 0,'0'0'0,"0"-25"16,0 0-16,-25 1 15,25-1-15,-25 25 16,25-25 0,0 50 77,0 0-93,-24-1 16,24 1-16,0 25 16,0 74-1,-25-50 1,25-49-16,0 99 16,-25 25-1,0-25 1,25 74-1,-25-49 1,25 25 0,0-75 15,0 75-15,0-50-1,0 0 1,0 49-1,0-49 1,25 25 0,0 0-1,-25 0 1,0 24 0,25-24-1,-25 0 1,25 0-1,-1 0 1,1 0 15,-25-125-31,25 76 16,25 48 0,-26-24-1,1 1 1,0-1-1,0-25 1,0 0 0,-25-25-1,24 1 1,1-1 0,-25-49-1,0 25 1,0-1 15,0-24-31,0 0 16,0 0 15,0 24-15,0-24-1,0 25 1,0-1-1,0 1 1,-25 0 0,25-1-1,-24 1 1,24 49 0,0-25-1,-25 1 1,25 24-1,0-25 1,0-49-16,-25 50 16,25-1 15,-25 50-15,25 0-1,0-25 1,0 1-1,-25-1 1,25 0 0,0 0-1,0 0 1,0 25 0,0-24-1,0-26 1,0 0-1,0-24 1,0 0 0,0-1-1,0 26 17,0-50-17,0 24 1,-24-24-1,24 25 1,0-1 0,-25 1-1,25 24 1,-25-24 0,25 24-1,-25-24 1,25 24-1,-25 1 1,25-1 15,-24 0-15,-1 1 0,0-1-1,25 1 1,-25-1-1,25-24 1,0 24 0,0-24-1,0 24 1,0 1 0,0-1-1,0 0 1,25-24-1,-25 0 1,0-26 0,0 26 15,25-50-15,-25 25-1,25-25 1,24 0-1,1 0 1,24-25 0,25 0-1,25 0 1,-24 1 0,49-1-1,-50 0 1,50 25-1,-1 0 1,-24-25 0,25 25 15,25 0-15,0-25-1,-1 1 1,1 24-1,-25 0 1,49-25 0,0 25-1,-24 0 1,25 0 0,-51 0-1,76 0 1,-76 0-1,26 25 1,-25-25 0,49 24-1,-24-24 17,0 25-17,-1-25 1,-24 25-1,25 0 1,-25-25 0,24 25-1,1-25 1,-25 0 0,-1 24-1,26-24 1,-25 0-1,49 0 1,-49 25 15,0 0-15,-25-25 0,0 25-1,0 0 1,-25-25-1,-24 24 1,-26 1 0,1-25-1,-50-25 32,-25 1-31,0-26-1,1-24 1,-1-1 0,0 50-1,0-49 1,0-50 0,25-25-1,-24 25 1,24-25-1,0 0 1,0 1 0,0-1-1,0 0 1,24-25 0,-24 26-1,-24-1 1,24-25-1,0 25 1,0-49 15,0 49-15,0 0 0,24 0-1,-24 0 1,0 1-1,0-1 1,0-25 0,0 25-1,25-49 1,-25 49 0,0-25-1,25 1 1,-25 49-1,25-25 1,-25-49 0,0 49 15,25 0-15,-25 0-1,0-25 1,0 26-1,0-1 1,-25 0 0,0 25-1,0-25 1,0 0 0,25 0-1,-24 1 1,24 24-1,0-25 1,-25 25 0,0-50 15,25 50-15,0-50-1,0 50 1,0 100-16,0-125 15,25 25 1,-25-25 0,25-25-1,-25 50 1,24 0 0,1 25-1,0-25 1,25 25-1,-26 0 1,1 24 0,-25 26-1,0-1 17,-25 50-17,1-25 1,-1 0-1,-25 1 1,1 24 0,-26-25-1,1 0 1,-26 0 0,1 25-1,-25 0 1,0 0-1,-25 0 1,1 0 0,-26 0 15,25 0-15,0 25-1,-24-25 1,-1 0-1,-24 0 1,24 0 0,-25 0-1,51 0 1,-26 0 0,-24-25-1,24 25 1,0 0-1,-49 25 1,74-25 0,-74 25 15,0-25-15,49 25-1,0-25 1,1 0-1,-1 0 1,25 24 0,-24-24-1,-1 0 1,50 25 0,-25-25-1,0 0 1,1 25-1,24-25 1,-25 25 15,74-25-15,-49 25 0,50-25-1,0 0 1,24 0-1,0 0 1,25 0 0,1 0-1,-1 0 1,0 0 0,0 0-1,0 0 16,50 0 126,-25 24-157,0 1 15,25-25-15,-25 25 16,-25-25-16,25 25 16</inkml:trace>
-  <inkml:trace contextRef="#ctx0" brushRef="#br0" timeOffset="56612.98">20017 3572 0,'-24'0'32,"48"0"77,1 0-93,0 0-16,0 0 15,0 0-15,-1 0 16,76 0-1,-1-25 1,-25 25 0,50 0-1,-25 0 1,-74 0-16,75 0 16,73-25-1,-24 0 1,25 1-1,-1-1 1,-24 25 0,25-25-1,-25 25 17,-1 0-17,26-25 1,0 25-1,-1-25 1,-24 25 0,-25 0-1,-49 0 1,73 0 0,-24 0-1,0 0 1,0 0-1,-24 0 1,-1 0 0,-25 0-1,25 25 17,1-25-17,-26 25 1,25-25-1,-24 0 1,-1 0 0,-24 25-1,24-25 1,-24 0 0,24-25-1,-49 25 1,0 0-1,-50-25 1,-49 25 0,-26 0-1</inkml:trace>
-  <inkml:trace contextRef="#ctx0" brushRef="#br0" timeOffset="57344.95">20414 3671 0,'0'25'63,"0"0"-63,0 0 15,0-1-15,0 26 16,0 0 0,0-1-1,0 1 1,0-25-1,25-25 1,-25-25 0</inkml:trace>
-  <inkml:trace contextRef="#ctx0" brushRef="#br0" timeOffset="57645.68">20712 3522 0,'0'0'0,"25"0"31,-25 25-15,0 0-16,0 0 16,0 49-1,25-49-15,-25 49 16,24-24-1,-24 0 1,0-1 0,25-49-1,0 0 17</inkml:trace>
-  <inkml:trace contextRef="#ctx0" brushRef="#br0" timeOffset="57946.19">21109 3497 0,'0'0'0,"25"0"16,-25-24-16,24 24 16,-24 49-1,0 1 1,25 24-1,-25 1 1,0-1 0,0 1-1,25-51 17,0 1-17,0-50 1,24-24-1,-49 24-15</inkml:trace>
-  <inkml:trace contextRef="#ctx0" brushRef="#br0" timeOffset="58178.66">21481 3547 0,'0'0'0,"25"0"16,-25 25-1,24 0 1,-24 49-1,25 1 1,-25-51-16,25 51 16,-25-26-1,25-24 17,0-25-17,-1-25 1</inkml:trace>
-  <inkml:trace contextRef="#ctx0" brushRef="#br0" timeOffset="58445.97">21977 3423 0,'25'0'0,"-50"0"0,75 0 15,-50 25 1,24 24-1,26 26 1,-25 24 0,0 0-1,-1 1 1,1-26 15,0-49-15,0-25-1,0-25 1</inkml:trace>
-  <inkml:trace contextRef="#ctx0" brushRef="#br0" timeOffset="58712.18">22696 3423 0,'0'-25'0,"0"50"0,25-50 15,-25 50-15,25 25 16,0 24 0,-25 25-1,25 25 1,-25-99 0,24 50-1,-24 24 1,50-74-1,-25-50 1,0 25-16</inkml:trace>
-  <inkml:trace contextRef="#ctx0" brushRef="#br0" timeOffset="58994.14">23242 3473 0,'0'0'0,"25"24"16,-25 1-16,0 50 16,0 49-1,0-25 1,25 0 0,-25-49 15,24-25-16,26-50 1,-25-25 0,24-49-1</inkml:trace>
-  <inkml:trace contextRef="#ctx0" brushRef="#br0" timeOffset="59212.79">23614 3522 0,'25'-25'0,"-50"50"0,75-74 16,-50 73-1,24 26 1,-24-25-16,25 74 16,-25 25 15,25-49-31,25-1 31,-26-74-15,26 0-1,0-74 1,24-26 0</inkml:trace>
-  <inkml:trace contextRef="#ctx0" brushRef="#br0" timeOffset="59411.47">24185 3473 0,'24'0'15,"-24"49"1,0 26-1,25 49 1,0-25 0,25-25-1,-1-24 17,-24-25-17</inkml:trace>
-  <inkml:trace contextRef="#ctx0" brushRef="#br0" timeOffset="64211.52">24085 8409 0,'0'-25'16,"0"50"-16,0-75 0,0 25 0,0 1 16,-24 48 15,24 1-31,0 25 15,-25 173 1,0-25 0,25-148-16,-25 149 15,-24 49 17,-1-100-17,50-73 1,0-50-1,25-100 1,0 50-16</inkml:trace>
-  <inkml:trace contextRef="#ctx0" brushRef="#br0" timeOffset="64928.35">24160 8186 0,'-25'-25'15,"50"25"1,24 0-16,51 25 16,-51-25-1,199 24 1,-49-24-1,74 0 1,-50-24 0,-25-1-1,-148 25 1,-25 0 0,-1 25-1,-24 49 1,0 25-1,0 100 1,0-26 0,-24 50-1,24-49 17,0-25-17,24-25 1,1-25-1,-25-24 1,-25-51 0,25 1-1,-74-25 1,-50 0 0,0 0-1,-74 0 1,-51 25-1,101-25 1,-26 0 0,100 25-1,-26-50 17,100-25-17,25-49 1,0 74-16</inkml:trace>
-  <inkml:trace contextRef="#ctx0" brushRef="#br0" timeOffset="65345.29">25053 8954 0,'0'0'0,"0"-24"0,0-1 15,-25 0 1,-25 25-1,-49 0 1,25 0 0,-1 25-1,1 24 1,24 26 15,25 24-15,50 25-1,50 0 1,49-49 0,0-75-1,0-50 1,-50-24 0,-74-50-1,-49 24 1,-100-24-1,-25 75 1,149 24 0</inkml:trace>
-  <inkml:trace contextRef="#ctx0" brushRef="#br0" timeOffset="65728.03">24433 9029 0,'0'0'0,"0"-25"16,0 0-1,24 0 1,1-49 0,-25 49-16,25-49 15,0-25 1,0 24-1,-1 50 1,-24 75 15,25 0-15,0 24 15,0-24-15,24-1-1,26-49 1,-50 0-16,49-25 16,-49 1-16</inkml:trace>
-  <inkml:trace contextRef="#ctx0" brushRef="#br0" timeOffset="65928.19">25003 8731 0,'25'-25'16,"0"1"0,-100 98-1,100-99-15,50-24 16,-26 73-1,-49 1-15,50 0 16,-25 74 0,-25-49-1,0 49 1,0 0 15,-25-24-15</inkml:trace>
-  <inkml:trace contextRef="#ctx0" brushRef="#br0" timeOffset="78542.71">15280 7987 0,'0'0'0,"24"25"0,1-25 0,25 50 15,24-1 1</inkml:trace>
-  <inkml:trace contextRef="#ctx0" brushRef="#br0" timeOffset="78644.7">15553 8310 0,'24'0'15,"-48"0"-15,48 24 16,-24 1 0,0 0-16</inkml:trace>
-  <inkml:trace contextRef="#ctx0" brushRef="#br0" timeOffset="78727.67">15553 8483 0,'0'0'15,"0"25"1,-50-25 0,0 0-1</inkml:trace>
-  <inkml:trace contextRef="#ctx0" brushRef="#br0" timeOffset="79360.19">14610 8483 0,'0'-25'0,"-25"25"15,25-24-15,25 24 31,0 0-31,74-25 16,75 25 0,-125 0-16,199 0 15,0 0 1,25-25 0,-25 25 15,25-25-16,-99 25 1,-75 0 0,25 0-1,-50 0 1,-49 25 0,-50-25 46,1 0-46,-1 0-16</inkml:trace>
-  <inkml:trace contextRef="#ctx0" brushRef="#br0" timeOffset="80441.57">2406 9351 0,'-25'0'15,"50"0"-15,-75 0 16,50-24-1,25 24 1,0 0 0,99-25-1,25 25 1,74-25 0,-173 0-16,272 25 15,-99-25 1,26 25-1,-1 25 1,-100-25 0,-123 0-16,74 0 15,-49 0 1,-25 0 0,-25-25 15</inkml:trace>
-  <inkml:trace contextRef="#ctx0" brushRef="#br0" timeOffset="83743.31">30559 9798 0,'0'-25'16,"25"25"0,0-25-1,25-49 1,-1-1 0,-24 26-1,25-26 1,-50 26-1,0 74 17,0-1-17,0 100 1,-25 0 0,25-24-1,0-76 1,25 76-1,-1-26 1,-24-24 0,25-25-1,-25-1 1,-49-24 0,-51 25-1,1-25 1,0 0-1,49 25 1,26-25 0,73 0-1,50 0 1,50 0 0,0 0 15,-50 0-16,-24 0 1,-51 50 0,-48-1-1</inkml:trace>
-  <inkml:trace contextRef="#ctx0" brushRef="#br0" timeOffset="85593.67">20067 9823 0,'0'-25'31,"0"0"-31,-25 25 16,0 0-1,1 0 1,-26 0 0,50 25-16,-74 0 15,-1 24 1,1 26-1,24-1 1,25 1 0,50-1-1,0 0 1,49-24 0,26-25 15,24-25-16,-100-25-15,100-25 16,-24-24 0,-100 49-16,24-74 15,-48 0 1,-76-25 0,-48 49-1,-26 100 1,25 25-1,50 49 1,24 0 0</inkml:trace>
-  <inkml:trace contextRef="#ctx0" brushRef="#br0" timeOffset="92227.35">26963 2257 0,'24'0'15,"-48"0"-15,73 0 0,-49-25 16,-25 25 15,25-24-15,-24 24-16,-1 0 15,-25 0 1,-49 24 0,-25 26-1,25 0 1,0 49 0,24 0-1,26 25 1,24 0-1,50 0 1,24-49 0,75-26-1,50-24 17,-25-75-32,-75 26 31,0-26-16,-74-24 1,-24 24 0,-51-24-1,1 49 1,24 25 0,1 0-1,73 0 16,51 25-15,-75-1-16,124 1 16,0 25-1,25-25 1,-75-1 0,-24-24-1,-50 0 32,-50 25-31,1-25-1</inkml:trace>
-</inkml:ink>
-</file>
-
-<file path=ppt/ink/ink3.xml><?xml version="1.0" encoding="utf-8"?>
-<inkml:ink xmlns:inkml="http://www.w3.org/2003/InkML">
-  <inkml:definitions>
-    <inkml:context xml:id="ctx0">
-      <inkml:inkSource xml:id="inkSrc0">
-        <inkml:traceFormat>
-          <inkml:channel name="X" type="integer" max="1366" units="cm"/>
-          <inkml:channel name="Y" type="integer" max="768" units="cm"/>
-          <inkml:channel name="T" type="integer" max="2.14748E9" units="dev"/>
-        </inkml:traceFormat>
-        <inkml:channelProperties>
-          <inkml:channelProperty channel="X" name="resolution" value="39.7093" units="1/cm"/>
-          <inkml:channelProperty channel="Y" name="resolution" value="39.58763" units="1/cm"/>
-          <inkml:channelProperty channel="T" name="resolution" value="1" units="1/dev"/>
-        </inkml:channelProperties>
-      </inkml:inkSource>
-      <inkml:timestamp xml:id="ts0" timeString="2022-12-13T23:09:05.620"/>
-    </inkml:context>
-    <inkml:brush xml:id="br0">
-      <inkml:brushProperty name="width" value="0.05292" units="cm"/>
-      <inkml:brushProperty name="height" value="0.05292" units="cm"/>
-      <inkml:brushProperty name="color" value="#FF0000"/>
-    </inkml:brush>
-  </inkml:definitions>
-  <inkml:trace contextRef="#ctx0" brushRef="#br0">12700 4068 0,'25'0'0,"-50"0"0,75-25 15,-26 0 1,-48 25-1,-26-24 1,-24-1 0,-26 25-1,-24-25 1,0 25 0,-25 25-1,125-25-15,-125 25 31,-25-1-15,25 26 0,-24 0-1,-50 24 1,49 0 0,0 26-1,25-1 1,-24 0-1,24 0 1,0 25 0,25 0-1,0 0 1,25 50 0,24 0-1,1-1 16,0 26-15,49-75 0,0 74-1,25-49 1,50 25 0,49-1-1,0-49 1,25 0-1,50 0 1,24-24 0,25 24-1,1-50 1,-51-24 0,100 24-1,-74 0 16,-26-24-15,-24 0 0,-50-26-1,-24 1 1,-26-25 0,-49 25 30,0 0-14,-25-25-32,25 25 15</inkml:trace>
-  <inkml:trace contextRef="#ctx0" brushRef="#br0" timeOffset="1249.06">5829 14461 0,'0'0'0,"0"-25"0,-25 25 31,-24 0-15,-26 25-1,1 0 1,-25 25 15,-25-1-15,0 26-1,0 24 1,0 0 0,99-74-16,-74 74 15,-26 75 1,26 24-1,0-24 1,25 49 0,49-25-1,0 26 1,0 24 0,50 0-1,0-25 1,24 0 15,51 25-15,24-74-1,49-25 1,-24-25 0,25 0-1,-75-50 1,-25-24-1,1-25 1,-26-25 0</inkml:trace>
-  <inkml:trace contextRef="#ctx0" brushRef="#br0" timeOffset="29446.18">11757 16743 0,'-24'0'0,"-1"0"16,0 0-1,0 0 16,50 0 63,-25 25-78,25-25-16,0 0 15,-1 25 1,51 0 0,-26-1-1,1 1 1,24-25 0,-24 25-1,-25-25-15,49 0 16,26 25-1,24-25 1,-50 25 15,0-25-15,26 0 0,-1 0-1,-25 0 1,25-25-1,-24 25 1,24 0 0,-25 0-1,26-25 1,-1-25 0,-25 26-1,-49-1-15,50 0 16,-26 0-1,-24 0 1,0 1 15,-25 48 16,0 1-31</inkml:trace>
-  <inkml:trace contextRef="#ctx0" brushRef="#br0" timeOffset="32963.96">19323 16991 0,'0'-25'0,"0"50"0,-25-50 16,0 1 0,25-1-1,-25 25-15,25-25 16,25 25 62,-25 25-78,25-25 16,49 25-16,26-1 31,24 26-15,0-25-1,-99-25-15,74 25 16,25-1-1,-25-24 1,50 25 0,-25-25-1,-25 0 1,50-25 0,-25 1-1,0-26 1,-25 0-1,-24-24 17,-26 24-17,-24 26 1,0 24 0,0 0-1,-1 49 1,1 50-1</inkml:trace>
-  <inkml:trace contextRef="#ctx0" brushRef="#br0" timeOffset="34646.87">19968 16768 0,'0'-25'32,"0"50"93,-25-25-110,25 25-15,-25 0 16,50-25 31,0 0-32,-25-25 1,25 25-16,-1 0 16,1 0-1,-25 25 1,-25-1-1,25 1 1,-24 0 0,24 0-1,24-25 1,1 0 0,-25 25-1,0 24 1,0 1-1,0-25-15,-25 24 16,25-24 15,25-25-15,0 0-16</inkml:trace>
-  <inkml:trace contextRef="#ctx0" brushRef="#br0" timeOffset="36246.08">12402 16619 0,'0'25'172,"0"0"-156,0 0 15,25-25 16,-50 0 0,25 24-47,0 1 16,0 0-16,-24-25 15,24 25-15,0 0 16,24-25-1,1 0 1,0 0 0,0 0-1,-25 24 1,0 26 0,0 24-1,-25 1 1,50-50-1,24-1 1,1-24 0,-25 0-1</inkml:trace>
-  <inkml:trace contextRef="#ctx0" brushRef="#br0" timeOffset="38262.87">11881 15478 0,'25'0'32,"-25"-25"30,25 25-62,-25-24 16,25-1-16,-25-25 15,49-49 1,-24 0 0,0 24-1,-25 50-15,25-24 16,0-1 0,-1 1-1,1 49 1,0-25-1,25 25 17,49-25-17,0 25 1,25-25 0,0 0-1,0 25 1,0-24-1,25 24 1,0-25 0,0 0-1,-50 25 1,50 0 0,0-25-1,-1 25 1,1-25-1,25 25 1,-25-24 0,0-1 15,24 25-15,-24 0-1,0 0 1,24 0-1,-24 0 1,-25-25 0,25 50-1,0-25 1,0 25 0,24-25-1,1 24 1,-25-24-1,0 25 1,24 0 15,-24-25-15,25 25 0,-50-25-1,25 25 1,-25-25-1,-25 24 1,-74-24-16,49 25 16,25 0-1,1-25 1,-26 25 0,-24-25-1,-1 0 1,-24 0-1,25 0 1,-50-25 15,24 50-15,1 24 15,-25 26-15,25 24-1,-25-49 1,0-26-16,0 26 16,-50 0-1,-24-26 1</inkml:trace>
-  <inkml:trace contextRef="#ctx0" brushRef="#br0" timeOffset="39296.16">13915 13891 0,'0'0'0,"-24"-25"15,24 50 1,-25-25 0,0 124-1,25-50 1,0 25-1,25 0 1,0-49 0,-1-75 15,-24 0-31,-24-49 16,24 49-16,-50-74 15,0-50 1,26 50-1,-1 25 1,50-1 15,24 26-15,-49 24-16,75 0 16,24 0-1,0 50 1,-49 25-1,-26-1 1,-24 1 0,-49 24-1,-26-24 1,1-1 0,24-24-1,75-25 32,25-25-31,24 25 15,-24 25-15,24 0-1,-49 25 1,-25-26-16,0 1 15,0 25 1,0-1 0,0-24-1,50-25 1,-26 0 0,-24-25-1</inkml:trace>
-  <inkml:trace contextRef="#ctx0" brushRef="#br0" timeOffset="39646.44">14511 14089 0,'25'0'15,"24"-25"1,1 0 0,-1-24-1,1 24 1,-50 0-1,-25 0 1,-24 25 0,-26 0-1,26 50 1,-1 0 0,50-1-1,25 1 1,24-1-1,26-24 1,-1-25 15,25-49-15,-49 24-16</inkml:trace>
-  <inkml:trace contextRef="#ctx0" brushRef="#br0" timeOffset="40146.92">15081 13965 0,'25'0'0,"-50"0"0,50-25 16,0 25 0,-50 0 77,0-25-77,0 25-16,25 25 0,-24-25 16,-1 0-1,-25 25 1,25 0 0,25 0-1,25 24 1,25-24-1,24-25 1,1-25 0,-26 0-1,-24 25 1,-25 25 0,0 25-1,0-25-15,25 24 16,0-24-1,24-25 1,1-50 15,24-74-15,-49 0 0</inkml:trace>
-  <inkml:trace contextRef="#ctx0" brushRef="#br0" timeOffset="40378.43">15503 13593 0,'0'-74'16,"0"148"-16,0-223 15,0 124-15,0 50 32,25 74-17,-25-74-15,0 174 16,0-51 0,0 26-1,25-50 1,-1-25-1,-24-49 17</inkml:trace>
-  <inkml:trace contextRef="#ctx0" brushRef="#br0" timeOffset="42495.88">19621 15180 0,'0'25'0,"24"-25"31,-24-25-15,25 1-16,25-51 15,-50 50-15,49-99 16,1 0 15,-25 0-15,24 75 0,-24-1-1,0 25 1,49 25-1,26-24 1,48-26 0,1 25-1,0 0 1,25-24 0,-25 24-1,-125 25-15,76-25 16,48 0-1,-48 25 1,48-25 15,-73 25-15,49-24 0,-50 24-1,1 0 1,24-25-1,-49 50 1,24-25 0,0 0-1,1 0 1,24 0 0,25 24-1,-25-24 1,25 0-1,0 25 1,0-25 15,0 25-15,0-25 0,25 0-1,0 25 1,0-25-1,0 25 1,24-25 0,1 0-1,49-25 1,-24 25 0,49 0-1,-75-25 1,75 25-1,-24 0 1,48 0 15,-73 25-15,24-25 0,0 25-1,25-25 1,-74 25-1,-25-25 1,-124 0-16,99 0 16,0 0-1,-50 0 1,-24 0 0,-1-25-1,-24 25 1,0-25-1,-25 75 17,25 49-1,-25-74-31,-25 123 16,25-24-1,-25 0 1,-24-49-1,-51-50 1,-73-50 0</inkml:trace>
-  <inkml:trace contextRef="#ctx0" brushRef="#br0" timeOffset="43162.33">23664 13568 0,'0'-25'0,"0"50"0,24-50 0,-24 1 0,50-1 16,24-25 15,-49 1-15,-25 24-1,0 0 1,-25 0-1,-24 0 1,24 25 0,-25 50-1,26-50-15,-26 99 16,25 25 0,0 50-1,1-50 1,24 25-1,-25-75 1,25-49 15,-25-25-15,-25-50 0</inkml:trace>
-  <inkml:trace contextRef="#ctx0" brushRef="#br0" timeOffset="43713.23">23316 13866 0,'-24'-25'15,"48"50"-15,-48-75 0,48 50 32,26 0-17,24 25 1,-49-25-16,74 25 16,1 0-1,-1-50 1,-25 0-1,-24 0 1,-25 0 0,-25 1 15,-25 24-15,0-25-1,0 50 1,0-1-1,25 1 1,25 0 0,0 0-1,50-25 1,-26-25 0,1-25-1,-25 1 1,-50 74 15,25-1-15,-25 26 15,50-25-15,0 0-1,24-50 1,26-50-1,-75 51-15,49-51 16</inkml:trace>
-  <inkml:trace contextRef="#ctx0" brushRef="#br0" timeOffset="43946.06">24433 13246 0,'24'-25'16,"-24"25"-1,-24 50 1,-1 74-1,-25 0 1,50 24 15,-25-48-15,25-26 0,25-49-1,25-25 1,-25-25-16</inkml:trace>
-  <inkml:trace contextRef="#ctx0" brushRef="#br0" timeOffset="44296.12">24780 13618 0,'25'-50'15,"-50"100"-15,99-125 16,-74 51 0,-25 24-1,25 24-15,-74 1 16,0 25-1,49-1 1,25 1 0,49 0 15,26-26-15,-26 26-1,-24-25 1,-25 24-1,-49-24 1,-1-25 0,0 0-1,1-25 1,74-24 0,24 24-1</inkml:trace>
-  <inkml:trace contextRef="#ctx0" brushRef="#br0" timeOffset="44646.22">24954 13841 0,'24'0'0,"-48"0"0,123-25 16,-50 25 0,-73 0 15,-1 0-15,0 25-1,0 25 1,25-26-1,75 26 1,-51-50-16,76 0 16,24-25-1,-75-24 1,-24-1 0,-75 0-1,-49-24 1,0 74-1,25 0 1,-1 50 0,50-1 15</inkml:trace>
-  <inkml:trace contextRef="#ctx0" brushRef="#br0" timeOffset="47279.66">24036 13742 0,'25'0'16,"-25"-25"-16,0 0 31,-25 25-15,25-25 0,-25 25-1,0 0 1,0 0-1,1 0 1,-1 0-16,0 0 31,0 25-15,25 0 0,-25 0-1,50 0 1,0-1-1,0 1 1,49-25 0,-24 0-1,-1-25 1,-24 1 0,25-26-1,-25 0 1,-25 1-1,0 24 17,0 0-32,-25 25 47,0 50-32,25-1 1,0-24-16,0 25 15,25-1 1,0 26 0,24-26-1,1-24 1,-1 25 0</inkml:trace>
-  <inkml:trace contextRef="#ctx0" brushRef="#br0" timeOffset="57878.02">15776 16570 0,'-25'0'15,"50"0"79,-25 24-78,25-24-16,-1 0 15,1 0-15,25 25 16,24-25 15,1 25-15,-1 0-1,0-25 1,-49 25-16,25-25 16,24 24-1,26 1 1,-26 0 0,25-25-1,-74 0-15,49 25 16,1-25-1,24 0 1,-25 25 0,1-25 15,-1 0-15,1 0-1,-26 0 1,26 0-1,-1 0 1,0 0 0,1-25-1,-1 0 1,-24 0 0,0 0-1,-26 1 1,-24 48 15,-24 26-15,24 24-1</inkml:trace>
-  <inkml:trace contextRef="#ctx0" brushRef="#br0" timeOffset="59395.05">16272 16371 0,'0'25'31,"25"-25"-31</inkml:trace>
-  <inkml:trace contextRef="#ctx0" brushRef="#br0" timeOffset="60277.72">17338 15949 0,'0'0'0,"-24"-49"31,-1 49-31,0-25 16,-25 25-1,-24 0 1,0 0 0,-1 50-1,50-50-15,-49 49 16,0 1-1,24 49 1,25-25 0,0 26 15,50-26-15,25 1-1,49 24 1,-25-50-1,50 1 1,-24-50 0,-1-25-1,0-24 1</inkml:trace>
-  <inkml:trace contextRef="#ctx0" brushRef="#br0" timeOffset="60394.73">17388 16346 0,'0'0'16,"-50"-49"0,26 24-16,-26 0 15,25 25 1</inkml:trace>
-</inkml:ink>
-</file>
-
-<file path=ppt/ink/ink4.xml><?xml version="1.0" encoding="utf-8"?>
-<inkml:ink xmlns:inkml="http://www.w3.org/2003/InkML">
-  <inkml:definitions>
-    <inkml:context xml:id="ctx0">
-      <inkml:inkSource xml:id="inkSrc0">
-        <inkml:traceFormat>
-          <inkml:channel name="X" type="integer" max="1366" units="cm"/>
-          <inkml:channel name="Y" type="integer" max="768" units="cm"/>
-          <inkml:channel name="T" type="integer" max="2.14748E9" units="dev"/>
-        </inkml:traceFormat>
-        <inkml:channelProperties>
-          <inkml:channelProperty channel="X" name="resolution" value="39.7093" units="1/cm"/>
-          <inkml:channelProperty channel="Y" name="resolution" value="39.58763" units="1/cm"/>
-          <inkml:channelProperty channel="T" name="resolution" value="1" units="1/dev"/>
-        </inkml:channelProperties>
-      </inkml:inkSource>
-      <inkml:timestamp xml:id="ts0" timeString="2022-12-13T23:10:20.731"/>
-    </inkml:context>
-    <inkml:brush xml:id="br0">
-      <inkml:brushProperty name="width" value="0.05292" units="cm"/>
-      <inkml:brushProperty name="height" value="0.05292" units="cm"/>
-      <inkml:brushProperty name="color" value="#FF0000"/>
-    </inkml:brush>
-  </inkml:definitions>
-  <inkml:trace contextRef="#ctx0" brushRef="#br0">20985 2356 0,'25'-24'0,"-50"48"0,74-48 0,-24 24 0,25 0 16,123 0-16,75-25 15,1 25 1</inkml:trace>
-  <inkml:trace contextRef="#ctx0" brushRef="#br0" timeOffset="1166.17">21977 1786 0,'0'25'16,"25"-25"-16,0 0 15,-1 25 1,1-25-16,74 24 15,125 1 1,-26-25 0,75 25-1,-25-25 1,50 0 0,-249 0-16,274 25 15,-1-25 1,50-25-1,0 25 1,-24-25 0,-1 25-1,0 0 1,-297 0-16,322 0 31,0 0-15,74-25-1,-74 25 1,-24 0 0,-1-24-1,-149 48 1,-98 1 0</inkml:trace>
-  <inkml:trace contextRef="#ctx0" brushRef="#br0" timeOffset="3799.32">30857 1563 0,'25'0'15,"-25"-25"48,0 50-16,25-25-32,-1 0 1,-48 24 47,-1-24-48,25 25-15,-25-25 0,0 25 16,-24 0-1,24 25 1,25-26 0,49-24-1,-24 0 1,0 25-16,25-25 16,-1 25-1,-24-25 1,-25 25-1,25 24 1,-25-24 0,0 0-1,0 25 17,-25-26-32</inkml:trace>
-  <inkml:trace contextRef="#ctx0" brushRef="#br0" timeOffset="9364.91">3101 4713 0,'0'-25'15,"-25"25"-15,25-25 32,25 25-17,-25-25-15,24 25 16,76-49-1,48-1 1,1 25 0,0 1-1,-99 24-15,74 0 16,0-25 0,-75 25-1,-24 0 1,-50 0 15,-49-50-15,24 25-1,50 1 17,0 48-17,0 1 1,25 0-1,0 74 1,-25-24 0</inkml:trace>
-  <inkml:trace contextRef="#ctx0" brushRef="#br0" timeOffset="16530.55">5234 9029 0,'-25'0'0,"25"-25"16,0 50 93,0 0-78,25-25-15,-25 25-16,0-1 16,0 1-16,0 0 15,25 0 16,-1-25 1,1 0-17,0 0 1,25 0 0,-26 0-16,51-25 15,-26 25 1,26 0-1,-26-25 1,26 25 0,24-25-1,-24 25 1,-1-24 0,-24 24 15,24-25-16,-24 25 1,-1 0 0,26 0-1,24 0 1,-25 0 0,1 0-1,-26 0 1,26 0-1,-1 0 1,0 0 0,-24 0-1,25 0 1,-26 0 0,1 25 15,-1-25-16,-24 24 1,-25-48 31,0-1-31,-25 0-1,25-25 1,-24 1-1,24 24 1,0 0 0</inkml:trace>
-  <inkml:trace contextRef="#ctx0" brushRef="#br0" timeOffset="20598.43">8037 7937 0,'-50'0'15,"25"0"1,0 0-16,-24 0 16,24 0-1,-25 0 1,-24 25-1,24 0 1,1 25 0,24-25-16,-25 24 15,1 26 1,-1 49 0,1-25-1,-1 25 16,25-25-15,25 0 0,0 0-1,25-49 1,0 49 0,0-49-1,49 24 1,0-49-1,1 0 1,-1 0 0,25-25-1,-24 0 1,-1 0 0,1-25 15,-1-25-16,1 1 1,-26-1 0,26-49-1,-51 24 1,1 51-16,0-100 16,0 24-1,0 76-15,-25-150 16,0 25-1,-50 25 1,-24 75 0,-1-1-1,-24 50 1,0 25 0,49 49 15,0 25-16,50-74-15</inkml:trace>
-  <inkml:trace contextRef="#ctx0" brushRef="#br0" timeOffset="21712.45">9153 9103 0,'0'-24'31,"25"24"0,0 0-15,-1 0-16,26 0 15,74-25 1,25 25 0,24 0-1,-49-25 1,50 25-1,-25-25 1,25 25 0,-75 0-1,0-25 1,-74 25-16,24 0 16,26 0-1,-50 0 16,-1 0 32,-24 25-47,0 0-1,0 0 1,25-25-16</inkml:trace>
-  <inkml:trace contextRef="#ctx0" brushRef="#br0" timeOffset="23249.4">12378 7888 0,'0'0'0,"24"0"31,-48 0-15,-1-25-1,-25 25 1,-24-25-1,49 25-15,-99-25 16,0 50 0,0 0-1,25 25 1,-1 24 0,26 25 15,0 25-16,24-24 1,0 24 0,50 0-1,0 0 1,25 0 0,25-25-1,24-25 1,-24 1-1,49-1 1,0-49 0,25 0-1,25-50 1,25 0 0,-75-24 15,50-51-16,-100 1 1,-24-75 0,-50 50-1,-99-49 1,-49 74 0,24 74-1,25 50 1,74 24-1,50 50 1,0-74 0</inkml:trace>
-  <inkml:trace contextRef="#ctx0" brushRef="#br0" timeOffset="24064.5">12998 9128 0,'-25'25'32,"50"-25"-1,-1 0-16,1 0-15,0 0 16,99-25 0,25 25-1,25-25 1,74 1 0,-100-1-1,-98 25-15,198-25 16,25-25-1,-25 1 1,-99 49 0,-25 24-1,-75 1 1,-24 25 0</inkml:trace>
-  <inkml:trace contextRef="#ctx0" brushRef="#br0" timeOffset="27146.96">15429 8508 0,'0'-25'47,"24"25"-47,-24-25 0,25 1 15,50-76 1,-1 1-1,50-50 1,-25-49 0,0-50-1,-99 223-15,100-223 16,-51 50 15,1 24-31,-50 75 31,0-25-15,-25 74 0,-25 0-1,-49 50 1,0 25 0,-25 25-1,50-1 1,-1 26-1,50-50 1,75-50 15,74-25-15,0 1 0,0 49-1,-74 49 16,-26 51-15,-73 24 0,-1 49-1</inkml:trace>
-  <inkml:trace contextRef="#ctx0" brushRef="#br0" timeOffset="30063.14">9798 5953 0,'-25'0'0,"25"-25"31,0 50 78,0 0-77,0 0-32,0 0 15,-25-25-15,25 24 16,0 26-1,-25 24 1,25-24 0,0-25-1,-24-25 17,24-25-32</inkml:trace>
-  <inkml:trace contextRef="#ctx0" brushRef="#br0" timeOffset="30431.05">9699 5928 0,'0'0'0,"0"-24"16,-25 24 0,0 24-1,0 1 1,0 0-1,1-25-15,24 25 16,-25-25 0,50 0 15,-1-25-15,26 0-1,0 25 1,24 0 15,-24 25-15,-26 0-1,1 24 1,-25-24-16,-49 50 16,24-26-1</inkml:trace>
-  <inkml:trace contextRef="#ctx0" brushRef="#br0" timeOffset="30847.86">9277 6871 0,'0'0'16,"0"-25"-1,0 0 1,0 0 0,25-24-1,-25 24 1,0 0-16,0 50 62,0 0-46,0 0-16,-25-1 16,25 26-1,-25-25 1,25 25 0,0-26-1,0 1 1,25-25-1</inkml:trace>
-  <inkml:trace contextRef="#ctx0" brushRef="#br0" timeOffset="31280.8">9624 6747 0,'25'-25'15,"-50"50"-15,75-50 0,-25 0 16,-25 0-1,-25 50 17,0-25-17,0 0 1,25 25-16,-25-25 16,25 25 15,25-25-16,-25 25-15,50-1 16,-1 1 0,1-25-1,-50 25 1,0 0 0,-50 0-1,26 0 1,-51-1-1,50-24 1,1 0 0,48-24-1,26-1 1</inkml:trace>
-  <inkml:trace contextRef="#ctx0" brushRef="#br0" timeOffset="31697.29">9823 6846 0,'0'0'16,"24"-25"-16,1 0 31,-25 1-15,-25 24-1,1 0 1,24 24 0,0 26-1,24 0 1,51-25-1,-1-1 1,-24-48 0,24-1-1,-49-25 1,-25 0 0,-25 1-1,1 49 1,-26-25-1,0 25 1,-24 0 0,49 25-1,25 24 1,25-24 0,0-25-1</inkml:trace>
-  <inkml:trace contextRef="#ctx0" brushRef="#br0" timeOffset="31931.66">10269 6424 0,'0'0'0,"25"-49"16,-25 74 31,-25 49-47,0 25 31,1 0-15,24-74-16,-25 50 15,25 24 1,25-74 0,-1-25-1</inkml:trace>
-  <inkml:trace contextRef="#ctx0" brushRef="#br0" timeOffset="32347.33">10368 6821 0,'25'0'0,"-50"0"0,75-49 16,-25 24 0,0 0-1,-50 25 1,0 25 0,-25-25-1,26 49 16,24 1-15,24-25 0,26-25-1,0 0 1,24-25 0,-49-25-1,0 1 1,-25 24-1,-25 75 17,0 24-17,25-24 1,50-1 0,-50-24-16,49-25 31,1-25-16,-1 1-15</inkml:trace>
-  <inkml:trace contextRef="#ctx0" brushRef="#br0" timeOffset="32664.79">10914 6672 0,'0'0'0,"-50"25"31,50 0 0,25-25-31,0 25 16,25 24 0,24-24-1,-24 0 1,-26 25 0,-48-25-1,-1-1-15,-25 26 31,-49-25-15,25 0 0,24-50-1,75-25 1,24 1-16</inkml:trace>
-  <inkml:trace contextRef="#ctx0" brushRef="#br0" timeOffset="32930.19">11212 6747 0,'99'-25'15,"-198"50"-15,223-75 0,-99 50 16,-25 0 0,-50 25-1,-24 25 1,24 24 0,25 25-1,75-24 16,24-26-15,50-49 0,0-24-1,-25-26 1,-49 25 0</inkml:trace>
-  <inkml:trace contextRef="#ctx0" brushRef="#br0" timeOffset="38079.3">9475 3746 0,'0'0'0,"25"-25"47,0 25-32,0-25-15,49-25 16,1 50 0,-51 0-1,1 50 1,-50 49 15,1-74-31,-1 49 16,-25 1-1,50-26 1,0-24 0,50 0-1,24-25 1,1 25-1,-26 0 1,-49 49 0,-49 50-1,-51 50 1,26-50 0,49-50-1,25-24 16,50-50-15,49-25 0,0 0-1,-49 50 1,-50 49 0,-75 75-1,-24 0 1,25-25-1,24-50 1,75-24 0,49-50-1,1 0 1,-1 0 0,-24 25-1,-25 49 16,-50 50-15,-25 25 0,50-99-1,0-26 1,75-24 0,-1 0-1,25-24 1,-49 24-1,-25 24 1,-50 1 0,25 0-1,-25-25 1,25 25 0</inkml:trace>
-  <inkml:trace contextRef="#ctx0" brushRef="#br0" timeOffset="40462.31">10914 5011 0,'25'24'94,"0"-24"-94,-1 25 16,1-25-16,0 0 15,0 0-15,74 25 16,0-25 0,-74 25-16,99-25 15,25 25 1,-25-1 0,-25 1-1,25 0 1,-25-25 15,25 0-15,25 0-1,-25 25 1,-24-25 0,-1 0-1,-50 0 1,-24 0-1,0-25 1,0 25 0,-50 25 906,25 0-907,-25-25-15,25 24 16,-25 1-1</inkml:trace>
-  <inkml:trace contextRef="#ctx0" brushRef="#br0" timeOffset="43462.49">5407 11931 0,'-24'0'0,"48"0"109,1 0-93,0 0-1,-25-25-15,25 25 0,24 0 16,26-25 0,-1 25-1,1 0 1,-51 0 15,1 0-15,-25-24-16,25 24 15,-25 24 767,25-24-767,0 0-15,0 0 16,-25 25-16</inkml:trace>
-  <inkml:trace contextRef="#ctx0" brushRef="#br0" timeOffset="47128.23">10889 11931 0,'0'25'15,"-25"-25"798,1 0-626,24-25-171,-25 25-16,0 0 16</inkml:trace>
-  <inkml:trace contextRef="#ctx0" brushRef="#br0" timeOffset="48579.34">3125 11212 0,'0'-25'16,"0"50"77,-24-25-77,24 25 0,-25-1-1,25 1-15,0 0 16,-25-25-16,25 50 15,-25-1 1,25-24-16,-25 25 16,25 24-1,0 0 1,0 1 0,25-1-1,-25-24 1,25 24 15,0 1-15,0-1-1,-25-24 1,24-1 0,1-24-1,0 0 1,0-25 46,-25 25-62,25-50 16,24 25 0,1-50-1,-25 25-15,49-24 16</inkml:trace>
-  <inkml:trace contextRef="#ctx0" brushRef="#br0" timeOffset="50795.16">11237 11162 0,'0'-25'15,"0"50"63,24-25-78,1 25 16,-25 0 0,25-25-16,-25 25 0,25 24 15,0 1 1,-1 24-1,-24-49 1,0 25 0,-24 24-1,24 0 1,-25 1 0,0-1-1,0 1 1,25-1-1,-25-24 1,1 24 0,24-24-1,-25-26 1,25 1 0,-25 0-1,50-25 95,-25-25-95,25 25 1,-25-25-16,0 1 0,24-1 15,-24 0 1,0 0-16,25-49 16,0 24-1,-25-24 1,0 24 0</inkml:trace>
-  <inkml:trace contextRef="#ctx0" brushRef="#br0" timeOffset="54929.05">3373 13816 0,'0'25'110,"25"-25"-95,0-25 1,0 25-16,24 0 16,26 0-1,-1 0 1,1-25 0,-26 25-1,-24 0-15,0 0 16,-25 25 31,0 0-32,0 0 1,25 0 0,-25-1-16</inkml:trace>
-  <inkml:trace contextRef="#ctx0" brushRef="#br0" timeOffset="60628.36">12353 12353 0,'0'0'0,"-25"0"15,50 0 32,0 0-31,-1 0-1,-24 25-15,75-1 16,-1 51 0,-24-1-1,24 1 1,-24-1-1,-25 0 1,-1 26 0,-24-76-16,25 51 15,-25 24 1,0 0 0,0-24-1,-25-26 1,1 1-1,24-25 17,0 0-17,-25-25 329,0 24 781,0-24-1125,0 0 16,1 25-1</inkml:trace>
-  <inkml:trace contextRef="#ctx0" brushRef="#br0" timeOffset="65626.34">11013 14560 0,'-25'0'15,"1"0"1,-1 0 0,25-24-1,-25-1 1,0 25-1,25-25 1</inkml:trace>
-  <inkml:trace contextRef="#ctx0" brushRef="#br0" timeOffset="66461.32">10988 14412 0,'-24'0'15,"48"24"64,1 1-64,-25 0-15,25-25 16,-25 25-16,25 0 0,-25-1 0</inkml:trace>
-  <inkml:trace contextRef="#ctx0" brushRef="#br0" timeOffset="67311.33">11385 16421 0,'0'0'0,"25"0"15,-50-25 579</inkml:trace>
-  <inkml:trace contextRef="#ctx0" brushRef="#br0" timeOffset="68594.24">21406 12700 0,'-24'50'31,"-1"-50"-31,25 24 0,25-24 47,-1 0-47,1 0 16,0 0-1</inkml:trace>
-  <inkml:trace contextRef="#ctx0" brushRef="#br0" timeOffset="72027.35">20389 11162 0,'0'0'0,"25"0"15,-50 0 63,25-25-78,-24 25 0,-1 0 16,0 0 0,-25 0-1,26 0-15,-51 0 16,1 25-1,-25 25 1,24-1 0,26 1-1,-51 24 1,51 1 0,-26-1-1,26 1 1,-1 24-1,25-25 1,0 25 15,25 25-15,0-24 0,25-1-1,25 0 1,24-49-1,1 24 1,-1-24 0,25-25-1,-24-1 1,-1 1 0,25-25-1,-24 0 1,-1-25-1,1 1 1,24-1 15,0-25-15,-25 25 0,26-49-1,-51 49 1,1-49-1,0-1 1,-1 1 0,1-1-1,-25 1 1,-1 0 0,1-1-1,-25 1 1,-25-25-1,1-1 1,-1 51 15,-25-1-15,1-24 0,-51 24-1,-24-24 1,0 49-1,50 25 1,24 25 0,25 74-1,25-49 1</inkml:trace>
-  <inkml:trace contextRef="#ctx0" brushRef="#br0" timeOffset="82759.22">27236 10790 0,'0'-25'0,"0"0"16,-25 25 62,0 0-62,25 25-16,-25-25 15,0 25-15,-24 25 16,-26 24-1,1 0 1,24-24 0,1-25-1,24 0 17,25-50 14,-25 25-46,25-50 16,-25 1 0,25-26-1,-25 75-15,25-49 16,0 73 31,0 26-32,0 24 1,0-24 0,0-25-1,50 0 1,-25-1 0,24-48-1,1 24 1,-25-25-1,-25 50 17</inkml:trace>
-  <inkml:trace contextRef="#ctx0" brushRef="#br0" timeOffset="83808.16">27037 11336 0,'0'0'0,"-25"0"609,0 0-593,1 0-16</inkml:trace>
-  <inkml:trace contextRef="#ctx0" brushRef="#br0" timeOffset="84549.84">27657 12898 0,'-25'0'31,"25"25"-31,-24-25 63,-1 0-47</inkml:trace>
-  <inkml:trace contextRef="#ctx0" brushRef="#br0" timeOffset="84843.97">27508 12898 0,'-24'-24'0,"48"48"0,-73-48 16,49-1 0,0 50 46,0-1-62,0 1 16,0 50-1,0 24 1,0-74-16,25 49 16,-25 1-1,0-26 1,0-74 15,0 1-15</inkml:trace>
-  <inkml:trace contextRef="#ctx0" brushRef="#br0" timeOffset="85327.14">27360 12824 0,'0'-25'15,"-25"25"17,25 25-17,-25 0 1,0 0 0,25-1-16,-49 1 15,24 25 1,0-50-1,50 0 32,0-25-31,-1 0 0,1 25-16,25-49 15,-1-1 1,-24 50-1,50 0 1,-1 74 0,0-24-1,1-25 1,-1 0 0,-49-1-1,0-24 1</inkml:trace>
-  <inkml:trace contextRef="#ctx0" brushRef="#br0" timeOffset="90175.24">25598 11782 0,'25'0'282,"0"0"-267,0 0-15,0 0 16,-25-25-16,24 25 16,26 0-1,24 0 1,-24 25-1,25-25 1,-26 0 0,26 0-1,-26 25 1,1-25 0,24 0-1,-24 0 1,-1 0-1,26 0 1,-1 0 0,1 0-1,-51 0 1,51 0 0,-26 0-1,26-25 1,-1 25-1,1 0 1,-1-25 0,1 25-1,-1 0 1,-24 0 0,-1-24-1,1 24 1,-25 0-1,-1-25 17,-48 50 218,-1-25-235,0 24-15,0-24 16,0 25-16,1-25 16</inkml:trace>
-  <inkml:trace contextRef="#ctx0" brushRef="#br0" timeOffset="91559.57">24978 12080 0,'0'0'0,"0"-25"16,0 50 62,-24-25-47,-1 0-15,0 0-16,0 0 16,0 0-1,25 25 1,-25-25 0,1 0-1,24 24-15,-25-24 16,0 25-1,0 0 1,25 0-16,-25 0 16,25 0-1,-24 24 17,24 1-17,0-1 1,0 1-1,0 0 1,0 24 0,24-24-1,1 24 1,-25-24 0,25-1-1,0 1 1,0 24-1,24-24 1,-24-1 0,25-24-1,-25 0 17,-25-50 46,24 25-63,-24-25-15,25 25 0,0-24 16,49-1 0,-49 25-1</inkml:trace>
-  <inkml:trace contextRef="#ctx0" brushRef="#br0" timeOffset="93593.63">27980 12005 0,'0'0'0,"-25"-24"15,0 24 1,25-25-16,0 50 78,25-25-62,-25 24-16,25-24 15,-25 25-15,24 25 16,26 24-1,-25-24 1,-25-25-16,25 24 16,0 51-1,-25-1 1,24-25 0,-48 25-1,24-24 1,-25-1-1,25 1 1,-25-26 0,-25 1 15,25-1-15,25-24-1,-24-25 1,-1 0 843,0 0-843,0 0-16,0 0 15</inkml:trace>
-  <inkml:trace contextRef="#ctx0" brushRef="#br0" timeOffset="95758.37">29443 12427 0,'25'0'0,"0"0"31,24 0-16,-24 0-15,74 0 16,50 25 0,25-25-1,-1 0 1,-48 25 0,-1-25-1,-100 0-15,51 0 16,-26 0-1,-24 0 1,-74 0 15,-51 25-15,76-25 0,-100 24-1,-25 26 1,25 24-1,0-24 1,49-25 0,50 0-1,50-1 17,25-24-17,-25 0-15,49 0 16,25 0-1,-49 25 1,-1-25 0,-24 25 15,-50-25 0,25 25-15,-24-25-1,24 25 1,0-1 0</inkml:trace>
-  <inkml:trace contextRef="#ctx0" brushRef="#br0" timeOffset="100275.58">22349 14709 0,'0'0'16,"-25"0"-1,0 0-15,50 0 32,-25 25-17,50-25 1,49 0 0,-25-25-1,-49 25-15,99-25 16,-49 1-1,74-26 1,-50 0 0,-25 1-1,1-26 17,-26 1-17,-24-1 1,0 1-1,-25 0 1,-50-1 0,1 1-1,-1-1 1,-49 26 0,24-1-1,-24 1 1,0-1-1,24 25 1,1 25 0,-25 0 15,24 50-15,-24 49-1,25 0 1,-1 0-1,1 25 1,49 0 0,50 1-1,0-26 1,49 0 0,1-49-1,24-1 1,0-24-1,-25 0 1,-24-25 0,-25 0-1,0 0 579,-25 25-578,24-25-1,1 0 1</inkml:trace>
-  <inkml:trace contextRef="#ctx0" brushRef="#br0" timeOffset="101858.36">24631 13816 0,'0'0'15,"-25"0"1,25-25-1,-25 25-15,1 0 16,-1-24 0,25-1-1,-50 25-15,1-50 32,-51 25-17,26 25 1,74-24-16,-99 48 15,24-24 1,51 0-16,-51 50 16,1 0-1,-26 24 1,26 0 0,24 1-1,1-1 1,24 25-1,25 1 1,0-1 0,50 0-1,-26-24 17,51-1-17,-1-24 1,1-1-1,24 1 1,25-25 0,-50-25-1,26 24 1,-1-48 0,-25 24-1,1-25 1,-1 0-1,0-25 1,1 1 0,-1-26-1,-24 26 17,-25-26-17,0 1 1,-1-1-1,-24 1 1,-24 24 0,24 1-1,-25-26 1,-25 26 0,0-26-1,1 26 1,24-1-1,-25 25 1,50 1 0,-24-1 15,-1 25 0,0 0 16,25-25-16,-25 25 1,25 25-17,0 0 1,0-1-16,-25 51 15</inkml:trace>
-  <inkml:trace contextRef="#ctx0" brushRef="#br0" timeOffset="104259.3">16867 15875 0,'0'25'31,"25"-25"-31,-25-25 16,25 25-16,49 0 15,1-25 1,-1 0 15,0 1-15,1 24-1,-26 0 1,-24 0-16,50 0 16,-1 0-1,50 0 1,-25 0 0,1 0-1,-1 0 1,0 0-1,-25 0 1,1 0 0,-1 0-1,25 24 17,1-24-17,-51 25 1,26-25-1,24 0 1,0 25 0,-24-25-1,-1 25 1,25-25 0,-24 25-1,-1-25 1,-24 0-1,-26 0 1,-24 24 93,-24-24-109,-1 0 16,0 25-16,0-25 16,0 25-1</inkml:trace>
-  <inkml:trace contextRef="#ctx0" brushRef="#br0" timeOffset="112508.37">24482 15726 0,'0'-25'328,"25"25"109,0 0-421,0 0 15,-1 0 0,-48 0 94,-1 0-109,0 0 0</inkml:trace>
-  <inkml:trace contextRef="#ctx0" brushRef="#br0" timeOffset="115808.15">20017 17314 0,'0'24'62,"0"1"-46,0 0-1,0 0-15,0 0 16,0-1-16,0 1 16,0 0-1,0 0 1,0 0-1,0 0 1,25-25 0,0 0 15,0 0-15,0 24-1,24-24 1,1 0-1,-1 0 1,-24 0-16,50 0 16,-1 0-1,0 0 1,1 0 0,-1 0-1,1 0 1,-26 0-1,51 0 1,-26 0 0,0 25-1,1-25 1,-1 0 15,1 25-15,-1-25-1,0 25 1,1-25 0,24 25-1,-49-1 1,-1-24 0,1 25-1,24-25 1,-24 0-1,0 25 1,-26-25 0,26 25-1,-50-50 48,0 0-48,0-24 1,0-1 0,0 25-1,0 50 1,25 0 0,-25 0-1</inkml:trace>
-  <inkml:trace contextRef="#ctx0" brushRef="#br0" timeOffset="118473.8">22746 17438 0,'0'-25'0,"0"0"15,0 0 1,0 50 78,0 0-79,0 0-15,0-1 0,0 1 16,0 0-16,0 74 31,0-74-31,0 25 16,-25-1-1,25-24 1,25-25 31,0 0-16,0 0-31,-1 0 16,1-25-1,25 25 1,-25 0 0,24 0 15,-24 0-31,0 0 0,49 0 31,1 0-15,-26 0-1,26 0 1,-1 0 0,-24 0-1,24 0 1,0 25 0,1-25-1,24 0 1,0-25-1,1 25 1,-1 25 0,-25-25-1,25 25 1,-24-25 15,24 25-15,-25 0-1,-24-25 1,0 24 0,-26 1-1,1-25 1,-25-25 46,25 1-62,-25-51 16,0 50-16,0-49 16,0 0-1,0 24 17,-25 50-1,0 25-16</inkml:trace>
-  <inkml:trace contextRef="#ctx0" brushRef="#br0" timeOffset="122607.67">27409 15999 0,'0'0'0,"-25"0"0,-49-25 15,-25 0 1,-50 25-1,25 0 1,99 0-16,-124 25 16,-24 25-1,73-25 1,-48 49 15,48 25-15,1 0-1,0 26 1,49-51 0,26 25-1,48 0 1,-24-74-16,50 74 16,24 25-1,50 0 1,0-49-1,0-1 1,0 1 0,0-26-1,0-24 1,0 0 15,-99-25-31,99 0 16,-24 0-1,-1-25 1,0-25 0,0 1-1,0-26 1,-24 1 0,-1-25-1,-24 0 1,-1 24-1,-24-49 1,0 50 0,-50-50-1,-49-25 17,24 99-17,-49-49 1,49 49-1,-24-24 1,0 24 0,24 26-1,0 24 1,26-25 0,24 50 749,-25-25-749,25 24-16,-25 26 15,0-25 1</inkml:trace>
-  <inkml:trace contextRef="#ctx0" brushRef="#br0" timeOffset="123756.82">29021 17264 0,'-24'0'15,"48"0"1,1 0-16,25 0 16,-25 0-1,99-25 1,99 25-1,0 0 1,0 0 0,-99 0-1,-24 25 1,-51-25 0,-49 25-1,-49 0 1,-51-1-1,76-24-15,-175 50 16,-24 0 0,0-1-1,198-24-15,-149 25 16,100-1 15,74-24-15,124 25-1,0-25 1,74-25 0,-98 0-1</inkml:trace>
-</inkml:ink>
-</file>
-
-<file path=ppt/ink/ink5.xml><?xml version="1.0" encoding="utf-8"?>
-<inkml:ink xmlns:inkml="http://www.w3.org/2003/InkML">
-  <inkml:definitions>
-    <inkml:context xml:id="ctx0">
-      <inkml:inkSource xml:id="inkSrc0">
-        <inkml:traceFormat>
-          <inkml:channel name="X" type="integer" max="1366" units="cm"/>
-          <inkml:channel name="Y" type="integer" max="768" units="cm"/>
-          <inkml:channel name="T" type="integer" max="2.14748E9" units="dev"/>
-        </inkml:traceFormat>
-        <inkml:channelProperties>
-          <inkml:channelProperty channel="X" name="resolution" value="39.7093" units="1/cm"/>
-          <inkml:channelProperty channel="Y" name="resolution" value="39.58763" units="1/cm"/>
-          <inkml:channelProperty channel="T" name="resolution" value="1" units="1/dev"/>
-        </inkml:channelProperties>
-      </inkml:inkSource>
-      <inkml:timestamp xml:id="ts0" timeString="2022-12-13T23:13:06.485"/>
-    </inkml:context>
-    <inkml:brush xml:id="br0">
-      <inkml:brushProperty name="width" value="0.05292" units="cm"/>
-      <inkml:brushProperty name="height" value="0.05292" units="cm"/>
-      <inkml:brushProperty name="color" value="#FF0000"/>
-    </inkml:brush>
-  </inkml:definitions>
-  <inkml:trace contextRef="#ctx0" brushRef="#br0">23564 6251 0,'-24'0'0,"-1"0"0,0 0 15,0 0 1,-24 25 0,-1-25-1,75 0 32,0 0-47,74 0 16,99 24 15,1-48-15,74 24-1,49 0 1,-49 0 0,-224 0-16,274 0 15,-25 24 1,-1-24-1,-24 0 1,-50 25 0,-74-25-1,-74 0 1,-26 25 0,-24-25-1,0 0 1,-25 25-1,25-25 17,-25 25-32</inkml:trace>
-  <inkml:trace contextRef="#ctx0" brushRef="#br0" timeOffset="4666.04">17041 8310 0,'-25'0'15,"25"-25"-15,-50 0 16,1 25 0,24 0-16,-49-25 15,-1 0 1,1 25-1,-25-24 17,-1 24-17,1 0 1,25 0 0,-26 24-1,-24 26 1,25-25-1,0 74 1,25-25 0,-1 75-1,26 0 1,24 25 0,25-25-1,25-1 1,24-24-1,26 25 17,24 0-17,0-50 1,50-24 0,0-51-1,-100 1-15,100-25 16,74-25-1,-74 1 1,74-26 0,-74 0-1,0 1 1,-25-26 0,-25 1-1,1-25 1,-26-25 15,-49 25-15,-50-50-1,-25-25 1,-24 0 0,0 50-1,-75 0 1,0 75-1,-50 24 1,1 50 0,74-25-1,74 25 1</inkml:trace>
-  <inkml:trace contextRef="#ctx0" brushRef="#br0" timeOffset="5999.13">24309 8508 0,'0'0'16,"-25"0"-1,25-25 1,-50-24 0,-49-1-1,74 25-15,-74-24 16,-25-26-1,-25 26 1,0-1 0,25 50-1,-25 25 1,-49 49 0,49 25-1,25 1 1,50 24 15,-1 24-15,75 1-1,0 0 1,50-25 0,49-25-1,25 25 1,0-49-1,75 24 1,-26-25 0,-148-49-16,173 25 15,-24 24 1,0-49 0,-1 0-1,1 0 1,-50-25-1,25-25 17,-50 0-17,0-49 1,1-1 0,-51-24-1,1 0 1,-50-50-1,0 124-15,-25-99 16,-25-74 0,1 49-1,-100-50 1,0 51 0,0-1-1,100 149-15,-75-75 16,-50 51-1,25 73 17,100 1-32</inkml:trace>
-  <inkml:trace contextRef="#ctx0" brushRef="#br0" timeOffset="15431.6">11286 11311 0,'25'0'62,"-25"25"-62,25-25 16,0 0-16,-1 0 15,1 0-15,25 25 32,49-25-17,-49 0 1,74 0 0,-50 0-1,-49 0-15,74 0 16,0 0-1,25 0 1,-49 24 0,-1 1-1,1 0 1,-1 0 0,0 0-1,-24-1 1,24 1-1,-24 0 1,0 0 15,-1 0-15,1-25 0,24 0-1,-24 0 1,-1 0-1,-24 0 1,25-25 0,-25 0-1,-1-25 1,26 1 0,-25-1-1,0-24 1,0-1-1,-25-24 1,0 25 15,0-1-15,0-24 0,-25 25-1,25-1 1,-25 1-1,0 24 1,0-24 0,0 24-1,1 1 1,-26-26 0,25 1-1,-24 24 1,24 1-1,-25-1 17,1 0-17,-26 1 1,26 24 0,-1 0-1,0-25 1,-24 26-1,0-1 1,-1 25 0,1 0-1,-25 0 1,24 25 0,-24-1-1,24 1 1,1 25-1,0-25 17,24 24-17,0 1 1,1 24 0,-26 1-1,51-26 1,-26 26-1,0-26 1,26 26 0,-26-1-1,0 1 1,26-1 0,-26-24-1,25 24 1,25 0-1,0 26 1,0-1 15,25-25-15,-25 1 0,0-50-1,0-1 1,25-24 62,0 0-62,-25-24-16,24 24 0</inkml:trace>
-  <inkml:trace contextRef="#ctx0" brushRef="#br0" timeOffset="17931.43">18331 9847 0,'24'0'0,"-48"25"16,24-50 15,-25 25-15,0 0-1,-25-24 1,26 24 0,-1 0-16,-25-25 15,1 50 1,-51-25 15,26 24-31,-25 1 31,0 0-15,24 0 0,1 0-1,24-1 1,-24 26-1,24 0 1,-24 24 0,24-24-1,25 24 1,0-24 0,25 24-1,-24 1 1,48-1-1,-24 0 17,0 1-17,25-1 1,-25 1 0,25-1-1,0 0 1,0 26-1,-1-26 1,1 25 0,0-24-1,25 24 1,-26-25 0,1 1-1,25-1 1,-25-24-1,24 24 1,1 1 15,0-26-15,24 1 0,0-1-1,1 1 1,-1-25-1,1 0 1,-1-25 0,0-25-1,1 25 1,-1-25 0,1 0-1,-1 0 1,-24 1-1,24-1 1,1-25 15,-1 1-15,0-1 0,-24 0-1,0-24 1,-1 24-1,-24 1 1,25-1 0,-26-24-1,26-1 1,-25 1 0,24 0-1,-24-1 1,0 1-1,0-26 1,0 26 15,-25 0-15,24-1 0,-24 1-1,0-1 1,0 1-1,-24-25 1,-1 0 0,0 24-1,25 26 1,-25-26 0,0 26-1,1-1 1,-1-25-1,0 26 1,0-1 15,0 1-15,-24 24 0,49 0-16,-25-25 15,-25 1 1,1 24-1,24-25 1,-25 26 0,1-1-1,-1 25 1,1-25 0,-26 0-1,26 25 1,-26 0-1,25-25 17,26 25-17,-26 25 1,0-25 0,1 0-1,-1 25 1,25-25-1,1 0 1,-1 25 0,0-25-1,0 0 32</inkml:trace>
-  <inkml:trace contextRef="#ctx0" brushRef="#br0" timeOffset="20570.63">14238 11212 0,'25'0'219,"-1"0"-203,1 0-1,0 0 1,0 0-1,0 0 1,0 0 0,-1 0-1,1 0 1,0 0 0,0 0 15,0 0-16,-1 0 32,1 0-31,0 0 0,0 0-1,0 0 1,-1 0-1,1 0 32,0 0-31,-25-25 250,25 25-251,0 0 1</inkml:trace>
-  <inkml:trace contextRef="#ctx0" brushRef="#br0" timeOffset="21132.06">15205 11112 0,'-25'0'16,"25"25"0,25-25 46,0 0-31,-50 0 94,0 0-109,25 25-16,-24-25 0,-1 25 16,0-25-16</inkml:trace>
-  <inkml:trace contextRef="#ctx0" brushRef="#br0" timeOffset="23276.33">13444 11683 0,'25'0'62,"0"0"-62,0 0 16,-25 25-16,24-25 15,1 0 1,25 0 0,-25 0-16,24 0 15,26 0 1,-1-25-1,0 25 1,-24-25 0,0 0-1,-26 1 1,26-26 0,-50 0-1,25 26 1,-25-26-1,-25 25 1,-25-24 15,1 24-15,-26 0 0,26 25-1,24 0-15,-25 0 16,-24 0-1,0 0 1,24 0 0,25 25-1,-24 0 1,24 24 0,-25 1-1,25-25 1,25 24-1,0 26 1,0-51 15,25 26-15,0 0 0,25-26-1,24 1 1,-24 0-1,24-25 1,-49 0 0,0 0-16,-1 0 15,1 0 1,-25 25 828,0-50-813,25 25-31</inkml:trace>
-  <inkml:trace contextRef="#ctx0" brushRef="#br0" timeOffset="28116.26">21059 11162 0,'25'0'78,"0"0"-62,0 0-1,-1 0-15,1 0 0,0 0 16,49-25 0,-49 25-16,50-25 15,24-24 1,-50-1 0,1-24-1,-50-1 1,0 26-1,-50-26 1,1 26 15,-26-26-15,1 51 0,0-1-1,-26 25 1,26 25-1,0 24 1,49-24 0</inkml:trace>
-  <inkml:trace contextRef="#ctx0" brushRef="#br0" timeOffset="29004.49">19596 11832 0,'-25'-25'15,"50"25"95,-25 25-110,25-25 0,-1 0 15,26 0 1,0 25 0,-26-25-16,51 0 15,-26 0 1,-24 0-1,0 0 1,0 0 125,-25 24-141,25-24 0</inkml:trace>
-  <inkml:trace contextRef="#ctx0" brushRef="#br0" timeOffset="33365.01">9178 11906 0,'0'0'0,"0"-25"0,0 1 16,-25 24-1,25 24 16,0 26-15,0-25-16,0 99 16,25 25-1,-25-25 1,0 25 0,-25-25-1,25 0 1,0-25-1,25-25 1,-25-49 0,49 0 15,1-25-15,49-25-1,0 25 1,1 0-1,24-25 1,0 25 0,0-25-1,25 25 1,-25-24 0,49-26-1,1 0 1,-25 26-1,-1-1 1,1 0 0,0 25 15,0 0-15,0 0-1,0 0 1,-1 0-1,1-25 1,0 25 0,-25 0-1,-99 25-15,99-25 16,0 0 0,25 25-1,-50-25 1,25 0-1,0 25 1,0-25 0,0 24 15,-25-24-15,25 25-1,-24-25 1,-26 25-1,25 0 1,-24-25 0,-1 25-1,0-25 1,-24 0 0,0-25-1,-26 0 1,1 0-1,25-24 1,-25-26 0,-25 1 15,24-50-15,1 0-1,-25-25 1,0 25-1,25-75 1,-25 100 0,0 0-1,0 25 1,0 24 0,-25 25-1,0 0 1,-24 25-1,-26 0 1,1 0 0,0 0 15,-26 0-15,1 0-1,0 0 1,-25 0-1,0 25 1,0-25 0,25 25-1,-50 0 1,25 0 0,-25-25-1,25 24 1,-25 1-1,-24 0 1,24 0 15,25 0-15,0-1 0,0 1-1,-25 0 1,50-25-1,-50 25 1,0-25 0,0 25-1,25-25 1,0 0 0,0 0-1,-25 0 1,-24 24-1,-1-24 1,25 0 0,0 0 15,0 0-15,1 25-1,-1 25 1,50-25-1,-1-1 1,76 1-16</inkml:trace>
-</inkml:ink>
-</file>
-
-<file path=ppt/ink/ink6.xml><?xml version="1.0" encoding="utf-8"?>
-<inkml:ink xmlns:inkml="http://www.w3.org/2003/InkML">
-  <inkml:definitions>
-    <inkml:context xml:id="ctx0">
-      <inkml:inkSource xml:id="inkSrc0">
-        <inkml:traceFormat>
-          <inkml:channel name="X" type="integer" max="1366" units="cm"/>
-          <inkml:channel name="Y" type="integer" max="768" units="cm"/>
-          <inkml:channel name="T" type="integer" max="2.14748E9" units="dev"/>
-        </inkml:traceFormat>
-        <inkml:channelProperties>
-          <inkml:channelProperty channel="X" name="resolution" value="39.7093" units="1/cm"/>
-          <inkml:channelProperty channel="Y" name="resolution" value="39.58763" units="1/cm"/>
-          <inkml:channelProperty channel="T" name="resolution" value="1" units="1/dev"/>
-        </inkml:channelProperties>
-      </inkml:inkSource>
-      <inkml:timestamp xml:id="ts0" timeString="2022-12-13T23:14:23.094"/>
-    </inkml:context>
-    <inkml:brush xml:id="br0">
-      <inkml:brushProperty name="width" value="0.05292" units="cm"/>
-      <inkml:brushProperty name="height" value="0.05292" units="cm"/>
-      <inkml:brushProperty name="color" value="#FF0000"/>
-    </inkml:brush>
-  </inkml:definitions>
-  <inkml:trace contextRef="#ctx0" brushRef="#br0">5854 7640 0,'0'0'0,"-25"-25"31,0 25-15,25-25-1,0 50 32,25-25-47,-25 25 16,25 24-1,-25 1 1,0 24 0,25-24-1,-25 24 1,0 1 0,25-1-1,-25 1 16,0-1-15,0-24 0,0-25-16,24 24 15,-24 26 1,0-26 0,25 1-1,-25 24 1,0-24-1,-25 24 1,25-24 0,-24-1-1,24 1 1,-25 0 0,25-1 15,-25 26-16,25-50 1,-25 24 0,0 1-1,25-1 1,-25-24 0,25 0 15,0 0-16,-24-25 1,24 25 0,24-25 93,-24 24-93,25-24-1,0 0 1,0 0 0,0 25-1,24-25 1,1 0-1,0 0 1,24 0 0,0 0-1,-24 0 1,24 0 0,1-25-1,-50 25 1,49 0-1,0 0 1,26 0 0,-26 0-1,0 0 1,1 0 0,-1 0-1,1 0 1,-1 0-1,1 0 1,-26 25 0,26-25-1,-26 0 1,26 25 0,-1-25 15,0 25-16,1-25 1,-1 25 0,1-25-1,-26 0 1,26 24 0,-1-24-1,-24 0 1,24 0-1,1-24 1,-26 24 0,1 0-1,24 0 1,-24 0 0,24 0 15,-24-25-16,24 25 1,1 0 0,-1-25-1,0 25 1,-24 0 0,24-25-1,1 25 1,-1-25-1,1 25 1,-1 0 0,1-24-1,-26 24 1,26 0 15,-1 0-15,0 0-1,1 0 1,-1 0 0,-24 0-1,24 0 1,1-25 0,-1 25-1,-24 25 1,24-25-1,1 0 1,-1 0 0,-24 24-1,24-24 1,-24 0 15,-26 25-15,1-25-1,0 0 1,-25-25 47,0 1-48,0-1 1,0 0-16,-25 0 15,25-24 1,0-1 0,-25 0-1,25 26-15,-24-26 16,24-25 0,-25 1 15,25 0-16,-25 24 1,25 0 0,-25-24-1,25 24 1,0-24 0,-25 49-1,25-24 1,0 24-1,0 0 1,0 0 0,0 0-1,0 1 79,0-1-78,0 0-1,0 0 17,0 0-17,0 1 16,0-1-15,0 0 15,0 0-15,0 0 0,0 1-1,-24 24 1,24-25-1,0 0 1,-25 25 0,0-25 62,0 25-63,25-25 1,-25 25-16,1 0 16,24-25-16,-50 25 15,25-24 1,-24-1 0,-1 0 15,0 0-16,25 25 1,1 0 0,-1 0-1,25-25 142,-25 25-142,0 0 1,0 0-1,1 0-15,-1 0 16,0 0-16,0 0 16,-49 0-1,-25 0 1,-1 0 0,1 0-1,25 0 1,49 0-16,-74 0 15,24 0 1,-24 0 0,0 0-1,0 0 1,24 0 15,-24 0-15,0 0-1,24 0 1,-24 25 0,25-25-1,-25 25 1,24-25 0,1 25-1,-1-25 1,1 25-1,-25-25 1,24 24 0,-24-24-1,0 25 1,24-25 15,1 25-15,-25-25-1,24 25 1,1-25 0,0 25-1,-1-25 1,-24 0 0,24 25-1,1-25 1,-25 24-1,0-24 1,24 25 0,26-25-1,-1 0 1,25 0 0,-24 0 15,-1-25-16,0 25 1,26-24 0,-51 24-1,50 0 1,-24 0 0,-1 0-1,25-25 1,1 25-1,-1 0 1,0 0 15,0 0 16,50 0 203,0 0-234,0 0-1,-1 0-15</inkml:trace>
-  <inkml:trace contextRef="#ctx0" brushRef="#br0" timeOffset="3301.71">10815 7913 0,'-25'0'0,"25"-25"0,0 0 47,0 50 63,0 0-95,0-1 1,0 1-16,0 0 15,25-25-15,-25 50 16,0-1 0,0-24-16,0 0 15,0 49 1,0-24 0,0 0 15,0-1-16,25 1 1,-25-1 0,0 1-1,0 0 1,0-1 0,24 26-1,-24-51 1,0 26-1,0 0 1,0 24 0,0-49-1,0 24 1,0 1 0,0 0 15,0-25-31,0-1 15,0 26 1,0 0 0,0-26-1,0 26 1,0-25 15,0 0-15,25-25-1,-25 24 1,0 1 31,25-25-31,0 0-1,0 0 1,-1 0-1,-24 25 1,50-25 0,24 0-1,-24 0 1,0 0 0,24 0-1,-24 0 1,-1 0-1,-24 0-15,25 25 16,-1-25 0,26 0-1,-1 0 1,1 0 0,-26 0 15,26 0-16,24-25 1,0 25 0,-25 0-1,1 0 1,-1 0 0,1 0-1,-1 0 1,1 25-1,-1-25 1,0 0 0,-24 0-1,0 25 1,24-25 0,0 0-1,1 0 16,-1 0-15,1 24 0,-1-24-1,1 0 1,-1 0 0,-24 0-1,24 0 1,0 0-1,-24 0 1,24 0 0,1 0-1,-1 0 1,1 0 15,-26 0-15,1 0-1,-1 0 1,1 0 0,24 0-1,-24 0 1,0-24 0,-1 24-1,1 0 1,0-25-1,-1 25 1,1-25 0,-1 0-1,1 25 1,-25 0 0,24-25 15,26 25-16,-50 0 1,-1 0 0,26 0-1,-25 0 1,0 0 0,-1 0-1,1 0 1,0 0-1,0 0 1,0 0 15,-1 0 1,-24-24-17,25 24 1,0 0 15,-25-25-15,25 0-1,-25 0 1,25 25 0,-25-25-1,24 1 1,-24-1-1,25-25 1,0 1 0,-25 24-16,0-25 15,25 0 1,0-24 15,-25 0-15,0 24-1,24 0 1,-24 26 0,-24-26-1,-26 25 1,25 25-16</inkml:trace>
-  <inkml:trace contextRef="#ctx0" brushRef="#br0" timeOffset="4685.18">7169 7045 0,'-25'0'0,"-50"0"31,100 0 0,0 0-15,0-25-16,124 0 16,74-25-1,25 1 16,-199 49-31,175-25 16,-26 0 0,-49 25-1,-75 25 1,-49-25 0,-50 25 15,-49-25-16,-25 25 1,74-25-16,0 0 16,-24 24-1,49 1 17</inkml:trace>
-  <inkml:trace contextRef="#ctx0" brushRef="#br0" timeOffset="6968.47">2034 4192 0,'-25'0'0,"50"0"0,-50-25 0,0-24 16,25 24 0,25 25-16,25-50 15,123 1 16,26 24-15,49 0 0,149-25-1,-25 1 1,-25-26 0,-24 51-1,-51-1 1,-73 25-1,-174 0-15,74 25 16,-25-25 0,-74 24-1,-25 1 17,-24 0-17,24 0 1</inkml:trace>
-  <inkml:trace contextRef="#ctx0" brushRef="#br0" timeOffset="11551">5953 8880 0,'-25'0'16,"1"0"0,-1 0-1,25-25 1,0 50 31,25-25-32,-1 0-15,26-25 16,49 25 0,25-25-1,25 1 1,0-1 0,-100 25-16,125-25 15,99-25 16,-99 26-15,74-26 0,-199 50-16,249 0 15,-100-25 1,50 25 0,-24 25-1,48 0 1,-98 0-1,0-1 1,-1 1 0,-24 0-1,25-25 1,-50 0 0,-25 0-1,-25 25 16,-49-25-15,25 25 0,-75-25 15,0 24-31</inkml:trace>
-  <inkml:trace contextRef="#ctx0" brushRef="#br0" timeOffset="12167.59">6152 9252 0,'0'-25'0,"0"1"15,0-1 1,24 25-16,-24-50 16,25 1-1,-25 24 16,0 0-31,25 0 16,-25 0 0,0 0-1,25 75 17,0 0-17,-1 49 1,1-49-1,-25-1 1,0-24-16,25-25 16,-25-25-1,25 0 1</inkml:trace>
-  <inkml:trace contextRef="#ctx0" brushRef="#br0" timeOffset="12401.46">6524 8855 0,'0'0'16,"24"25"0,-24 25-1,0 24 1,25 1 0,-25-1-1,25-24 1,0-26-1,0-48 1,24-51 0</inkml:trace>
-  <inkml:trace contextRef="#ctx0" brushRef="#br0" timeOffset="12601.19">6846 8855 0,'25'-25'0,"-50"50"0,75-74 15,-25 49 1,-1 49-1,1 26 17,-25-51-32,25 101 15,0-26 1,0-25 0,24-49-1,1-50 1,-50 0-16,0 1 15</inkml:trace>
-  <inkml:trace contextRef="#ctx0" brushRef="#br0" timeOffset="12817.63">7317 8905 0,'50'-50'15,"-100"100"-15,150-125 16,-51 100 0,-24 50-1,0-75 1,0 124-1,-1 0 1,26-25 0,0-49-1,-1-75 1,1-74 0</inkml:trace>
-  <inkml:trace contextRef="#ctx0" brushRef="#br0" timeOffset="13001.03">8062 8830 0,'24'0'0,"-48"0"0,73 0 16,1 75-1,-25 24 1,-1 0 0,1 1-1,0-26 16,25-99-15,-50 0-16</inkml:trace>
-  <inkml:trace contextRef="#ctx0" brushRef="#br0" timeOffset="13200.17">8706 8855 0,'0'0'0,"25"25"0,0 49 15,0 51 1,0-1 0,-1 0-1,1-75 1,25-74 15,-50 1-31</inkml:trace>
-  <inkml:trace contextRef="#ctx0" brushRef="#br0" timeOffset="13433.33">9252 8855 0,'25'25'16,"-25"0"-16,25 0 16,0 74-1,-1 0 1,1 25-1,-25-49 1,50-51 0,-25-98-1,-1 74-15,26-124 16,-25 50 0</inkml:trace>
-  <inkml:trace contextRef="#ctx0" brushRef="#br0" timeOffset="13634.25">9723 8880 0,'25'25'16,"-50"-50"-16,75 124 16,-50 1-1,0-1 1,25 0 0,0-74-1,-1-50 1,1-25-1,25-74 1</inkml:trace>
-  <inkml:trace contextRef="#ctx0" brushRef="#br0" timeOffset="13799.97">10021 8855 0,'0'0'0,"0"-25"0,25 25 16,-25 50-1,25 0 16,-25 24-15,0 25 0,0-24-1,0-26 1</inkml:trace>
-  <inkml:trace contextRef="#ctx0" brushRef="#br0" timeOffset="14950.88">11361 8855 0,'-25'25'16,"25"0"-16,0 0 15,-25 49 1,50-24 0,-25-25-16,0-1 15,25 1 1,-25 0 0,0-50 15,24 0-16,-24-49 1,0-1 0,-24 1-1,24 49 1,0 0 0,24 25-1,26-24 1,0 24-1,24 0 1,-24 0 0,-1 0-1,26 24 1,-26 1 0,-24-25-1</inkml:trace>
-  <inkml:trace contextRef="#ctx0" brushRef="#br0" timeOffset="15433.65">12105 8880 0,'0'0'16,"24"0"-1,-48 0 1,-1-25 0,0 25-1,-25 0 1,26 25-1,-26 25 1,50-1 0,0 1-1,50 0 1,-1-1 0,26-24-1,-26-25 16,26-25-15,-50-24 0,-1-1-1,1 0 1,-50 1 0,-24 24-1,-1 0 1,0 25-1,26 25 1,-1-25 0,50 25-1,-1-1 1,1 1 0</inkml:trace>
-  <inkml:trace contextRef="#ctx0" brushRef="#br0" timeOffset="15867.26">12650 8930 0,'0'-25'16,"0"50"-16,-24-75 0,24 25 16,-25 0-1,0 1 1,25 48 46,25-24-62,-25 25 0,25 25 16,49 24 0,0 1-1,-24-26 1,-25 26 15,0-50-15,-50-1-1,0 1 1,-25-25 0,1 0-1,24-25 1,25 1-1,25 24 1</inkml:trace>
-  <inkml:trace contextRef="#ctx0" brushRef="#br0" timeOffset="16284.1">12973 9103 0,'49'-49'0,"-98"98"0,148-98 16,-49-1-1,-75 50 16,0 0-15,25 25 0,-25 0-1,25 24 1,0 1 0,75 0-1,24-26 1,-74-24-16,49 0 15,50-24 1,-49-26 0,-26 25-1,-74-24 1,-24-1 0,-75 0-1,0 50 16,24 0-15,51 25 0,24 0-1</inkml:trace>
-  <inkml:trace contextRef="#ctx0" brushRef="#br0" timeOffset="16550.4">12849 8657 0,'0'0'15,"-25"0"-15,25-25 16,-25 25 0,25 25-1,25 24 1</inkml:trace>
-  <inkml:trace contextRef="#ctx0" brushRef="#br0" timeOffset="22433.67">13171 8806 0,'0'-25'0,"25"25"16,0 0-1,-25-25 1,-25 0 0,-25-24-1,-24 24 1,-25-25-1,-25 1 17,-25-1-17,25 25 1,99 0-16,-124 1 16,-49-1-1,24 25 1,-24-25-1,74 25 1,0 25 0,0 0-1,0 24 1,25 26 0,24 24-1,1 25 1,49-25 15,50 25-15,24 0-1,26-25 1,74 25 0,-25-24-1,24 24 1,-123-100-16,99 51 15,50-1 1,-1-49 0,26 25-1,-25-26 1,-26 1 0,1-25-1,0 25 16,0-25-15,25 25 0,-50-25-1,0 0 1,-25-25 0,0-25-1,-49 26 1,24-26-1,-24-24 1,-1 24 0,1-24-1,-25-26 1,-1 26 0,-24 0-1,0-1 16,-49-24-15,24 25 0,-25-26-1,-24 1 1,-25 25 0,0-1-1,-50 1 1,25 24-1,0 25 1,24 25 0,51 25-1,24 0 1,0 0 0</inkml:trace>
-  <inkml:trace contextRef="#ctx0" brushRef="#br0" timeOffset="32965.57">24829 7541 0,'0'24'0,"25"-24"0,-50 0 94,25-24-79,-24 24-15,-1 0 0,0-25 16,-49 25 0,-26 0-1,-24-25 1,-24 50-1,123-25 1,-99 0 0,-50 25-1,50-1 1,0 1 0,0 25-1,25-25 1,-25 49-1,-25 0 1,50 1 0,-25-26-1,49 26 1,-24-1 15,0 1-31,24-1 16,1 25 15,0-24-15,24 24-1,0 0 1,26 25 0,24 0-1,0 0 1,49 0-1,1-49 1,24 24 0,-74-74-16,99 49 15,26 25 1,23-24 0,-24-1-1,25 1 1,25-26 15,-1 1-15,51-25-1,-75-1 1,99 1 0,-50-25-1,-24 0 1,-1 25-1,1-50 1,0 0 0,-26 1-1,1-1 1,-50 0 0,1-25-1,-1 1 1,0 24 15,-25-25-15,1 1-1,-25 24 1,-1-25 0,1-24-1,-1 24 1,1-24-1,0-25 1,-50 24 0,24-49-1,-48 25 1,24 0 0,-50 0-1,25 24 1,-24-49 15,-26 25-15,1 0-1,-1 0 1,1 24 0,-25 1-1,-1 24 1,1 0-1,-25 1 1,99 49-16,-74-75 16,-74 26-1,24 49 1,0 49 0,0 100-1,75-25 1</inkml:trace>
-  <inkml:trace contextRef="#ctx0" brushRef="#br0" timeOffset="34016.76">23540 9748 0,'24'-49'32,"-24"24"-1,-24 25-16,24 25-15,-25-25 16,0 24 0,-25 1-1,-24 25 1,-50 24 0,25 1-1,0-1 1,-25 1-1,24-1 1,1 0 0,25 1-1,-1-26 1,1 1 0,-1 0-1,26-26 1,24-24-1,0-24 17,0-51-17,25-49 1,25 50 0,-25 49-16,0-25 15,25 50 1,-25 25-1,50 74 1,-1 1 0,-24 48-1,0-73 1,0-50 0,-1-1-1,1 1 1,0-25 15,0-25-15,0 1-1</inkml:trace>
-  <inkml:trace contextRef="#ctx0" brushRef="#br0" timeOffset="35614.1">18033 9153 0,'0'-25'31,"25"0"-31</inkml:trace>
-  <inkml:trace contextRef="#ctx0" brushRef="#br0" timeOffset="37116.08">20290 8359 0,'-25'0'0,"25"25"0,25-25 31,25-25-15,49-49-1,75-25 1,-150 74-16,249-99 16,-49 24-1,-175 76-15,199-51 16,50 1 15,-25 74-15,-25 74-1,-124-24 1,49 49 0,-98-24-1,-26-26 1,-24 1-1,-25-25 1,-25-25 15,1-25-15,-1-50 0,0 75-16,-25-74 15,1-50 16,24 49-15,0 75 0,50 50 15,0 49-15,-25-24-1,0-50-15,25 49 16,-25-24-1,0-26 1</inkml:trace>
-  <inkml:trace contextRef="#ctx0" brushRef="#br0" timeOffset="43941.12">8607 10716 0,'-25'0'16,"50"0"-16,-50-25 0,1 0 31,48 25 32,-24 25-63,0 0 15,25-25-15,-25 49 16,25-24-16,0 74 16,0 0-1,-1 25 1,1 25 0,0-25-1,-25 0 1,25 0-1,-25 25 17,0-25-17,25 25 1,-25 0 0,0-25-1,0-25 1,24 25-1,-24-25 1,0 50 0,0-50-1,0 25 1,0-49 0,25-1-1,-25-24 1,25 24 15,-25-49-15,25 0-1,24-25 17,1 0-17,25-25 1,24 25-1,-74 0-15,74 0 16,25-25 0,0 25-1,25-24 1,-1 24 0,-24-25-1,50 25 1,-50-25-1,50 0 17,-25 0-17,-1 25 1,1-25 0,0 25-1,0 0 1,-25-24-1,0 24 1,0 24 0,-25-24-1,0 0 1,-74 0-16,50 25 16,24-25-1,-25 25 1,25-25-1,-24 25 17,-25-25-17,-1 0 1,1 0 0,-1-25-1,-24 25 1,-25-50-1,25-24 1,-25-25 0,0 0-1,-25-50 1,25 25 0,-25-25-1,1-25 1,24 50-1,24-25 17,-24 25-17,0 50 1,0-25 0,-24 0-1,48-1 1,-24 1-1,25 0 1,0 0 0,-25-1-1,0 1 1,25 25 0,-25 49-16,0-49 15,0-1 1,0 26-1,0-1 17,-25 0-17,25 1 1,-50 24 0,1 0-1,-26 0 1,1 1-1,-1-1 1,-24 0 0,25 0-1,-25 0 1,-1 25 0,26-24-1,-75 24 1,50 0-1,-25 24 17,0-24-17,-25 25 1,-25-25 0,26 25-1,24 0 1,24 0-1,1-1 1,-25 1 0,0 0-1,0-25 1,0 25 0,50-25-1,-50 0 1,24 0-1,-24 0 17,0 0-17,25 0 1,0 0 0,25 25-1,24-25 1,0 24-1,1-24 1,49-24 1531,24 24-1547,-48 0 16</inkml:trace>
-  <inkml:trace contextRef="#ctx0" brushRef="#br0" timeOffset="44848.13">7144 9971 0,'25'-24'0,"-50"48"0,25-73 15,0 74 32,25-25-47,-25 99 16,24 0-1,1 50 1,0-25 15,0-25-15,-25-74-16,0 25 16,-25-75 15,25 0-31</inkml:trace>
-  <inkml:trace contextRef="#ctx0" brushRef="#br0" timeOffset="45583.51">7069 9872 0,'0'0'0,"-24"0"15,-1 0 1,0 25 15,25 0-31,-25 0 16,0 24-1,1 26 1,24-50 0,0-1-16,-25-24 15,50 0 1,-1 0 0,1-49-1,25-26 16,-25 26-31,-1-26 32,1 26-17,-25 24 1,25 50 0,25-1-1,24 26 1,0 24-1,26-24 1,-51 0 0,1-25-1,-1-1 1,-73-24 125</inkml:trace>
-  <inkml:trace contextRef="#ctx0" brushRef="#br0" timeOffset="47749.88">15156 7689 0,'24'-24'16,"-48"48"-16,48-73 0,-24 24 15,0 0-15,-24 0 16,-51-24-1,-49-26 17,-49 26-17,-51-26 1,-49 26 0,100-1-1,-50 25 1,-25 25-1,-25 25 1,-25-25 0,75 25-1,49 0 1,-24 24 0,-25 26 15,98-1-31,-23 25 15,48 1 17,1 24-17,25 24 1,49-23 0,0 23-1,0 51 1,50-50-1,25-25 1,24 49 0,25-24-1,50 50 1,-25-75 0,100 24-1,-26-48 1,50-51-1,25 1 17,0-25-17,-50-25 1,0 0 0,-24 0-1,24-25 1,-49-25-1,-1 1 1,-24-1 0,0-24-1,-25 24 1,-25-24 0,0-1-1,-24 1 16,-51-1-31,26-24 32,0 0-17,-50 74-15,0-99 16,0-25 0,0 0-1,0 25 1,-25 25-1,0-25 1,-49-50 0,24 26-1,-24 24 1,49 49 0,-25 26-1,1-26 1,-1 26-1,0-1 17,26 25-17,-1 25 17,25 25 389,-25-25-421,25 25 0,0 0 16,-25 74-16</inkml:trace>
-  <inkml:trace contextRef="#ctx0" brushRef="#br0" timeOffset="49029.66">14684 9624 0,'0'25'156,"0"0"-125,0 0-31,25-1 16,-25 1-16,0 74 16,0 25-1,0 25 1,0-124-16,0 99 16,0 25-1,0-25 1,0-50-1,0-49 17,0 25-17,-25-50 48,25-25-48,-24 25-15,-26-50 16,-24-49 0,-1 0-1,26 25 1,24 49 0,25 0-1,0 50 16,25-25-15,-25 25-16,49 24 16,1 50 15,-1-24-15,1 24-1,-25-49 1,-25-26-1,0 1-15,25-50 16,-1 1 0,51-51-1,-26 1 1,1 24 0,-25 25-1,0 25 1,-50 0 31</inkml:trace>
-  <inkml:trace contextRef="#ctx0" brushRef="#br0" timeOffset="65998.66">3547 4167 0,'0'0'0,"25"0"16,0-25-16,49 25 16,25-24 15,-74 24-31,50-25 16,73 25-1,1-25 1,0 25-1,0 0 1,24 0 0,-73 25-1,73-25 1,-73 0 0,-1 25-1,-50-25 1,-73 0 15,-26 24-15,-49 26 15,24-25-15,51-25-16,-51 49 15,50-24 1,25 0-1,75 0 1,-26-25 0,75 0-1,-74-25 1,-25 25 0,-25 50 15,-25-1-16,25 26 1</inkml:trace>
-</inkml:ink>
-</file>
-
-<file path=ppt/ink/ink7.xml><?xml version="1.0" encoding="utf-8"?>
-<inkml:ink xmlns:inkml="http://www.w3.org/2003/InkML">
-  <inkml:definitions>
-    <inkml:context xml:id="ctx0">
-      <inkml:inkSource xml:id="inkSrc0">
-        <inkml:traceFormat>
-          <inkml:channel name="X" type="integer" max="1366" units="cm"/>
-          <inkml:channel name="Y" type="integer" max="768" units="cm"/>
-          <inkml:channel name="T" type="integer" max="2.14748E9" units="dev"/>
-        </inkml:traceFormat>
-        <inkml:channelProperties>
-          <inkml:channelProperty channel="X" name="resolution" value="39.7093" units="1/cm"/>
-          <inkml:channelProperty channel="Y" name="resolution" value="39.58763" units="1/cm"/>
-          <inkml:channelProperty channel="T" name="resolution" value="1" units="1/dev"/>
-        </inkml:channelProperties>
-      </inkml:inkSource>
-      <inkml:timestamp xml:id="ts0" timeString="2022-12-13T23:15:54.841"/>
-    </inkml:context>
-    <inkml:brush xml:id="br0">
-      <inkml:brushProperty name="width" value="0.05292" units="cm"/>
-      <inkml:brushProperty name="height" value="0.05292" units="cm"/>
-      <inkml:brushProperty name="color" value="#FF0000"/>
-    </inkml:brush>
-  </inkml:definitions>
-  <inkml:trace contextRef="#ctx0" brushRef="#br0">9624 10492 0,'50'0'78,"-1"0"-78,26 0 16,-1 50-16,1-50 15,74 0-15,24 25 16,398 24 0,-274-49-1,1 0 1,-100 0-1,-74 0 1,0 0 0,-24 0-1,24 0 1,-25 25 15,50 25-15,49-25-1,-49-25 1,25 0 0,-100 0-16,50 24 15,0 1 1,25-25 0,0 50-1,0-25 1,-1-25-1,1 0 1,0 0 0,49 0-1,1 0 17,24 24-17,100-24 1,-100 0-1,-25 0 1,26 0 0,-51 0-1,1 0 1,49 0 0,-49 0-1,-50 0 1,99 0-1,25 0 1,-50 0 0,26 0-1,-1 0 17,-74 0-17,49 0 1,50 0-1,25 0 1,50 0 0,-26 0-1,-24 0 1,124 0 0,-124 0-1,-100 0 1,125 0-1,-174 0 1,-49 0 0,73 0-1,-98 0 17,0 0-17,-1 0 1,1 0 484,-50-24-500,0-1 15,0-25-15,0 1 16,0-75 0,0-25-1,0 25 1,0-75 0,0 50-1,0-49 1,0 124-1,0 24 1,0 0 0,0 1-1,0 24 1,0 0 15,0-24-15,0 24 15,0 0-15,0-25-1,-50-24 1,-99 24 0,25 1-1,-74 24 1,99 25-16,-199-25 15,-24 25 1,-26 0 0,-24 0 15,0 0-15,74 0-1,26 0 1,123 0-1,-99-74 1,-25 74 0,25 0-1,25 0 1,-1 0 0,-172 0-1,147 0 1,-73 0-1,0 0 1,73 0 0,1 0-1,75 0 17,24 0-17,-25 0 1,-24 0-1,-174 0 1,223 0 0,-124 0-1,25 0 1,0 0 0,50 0-1,-50 0 1,99-25-1,-50 25 1,-24-25 0,49 25-1,-98-25 17,-100-74-17,-50 74 1,149 25-1,-74 0 1,24 0 0,-24 0-1,74 0 1,50 0 0,24 0-1,51 0 1,24 0-1,0 0 1,24 0 0,1 0-1,0 0 17,0 0-17,74 0 1,0 0 109,0 0-125,25 50 15,0-1-15,0 1 16,0-25-16,0 49 16,0 50 15,0-24-31,0 24 31,0 24-15,-49 26-1,-1-50 1,50 0 0,-25-49-1,25-26 1,0 1 0,0-1-1,0-24 1,-25 25-16,1-25 15,24-1 1,0 1 0,0 0 31,24 0-32,1-25 1,0 0-1,0 25 1,99-1 0,-25-24-16,100 0 15,173 50 1,-50-50 0,125 50-1,-1-50 1,-148 0-1,-75 0 1,-149 0 0,-24 0 15,-25 0-15,0 0-1,24 0 1,50 0-1,-74 0 1,25 0 0</inkml:trace>
-  <inkml:trace contextRef="#ctx0" brushRef="#br0" timeOffset="2664.23">7962 11857 0,'0'0'0,"0"24"31,50-24-31,24 0 16,50 0-16,224 25 15,197-25 1,150 0 15,99 0-15,24 0-1,-123 0 1,-1 50 0,150-25-1,-472-25-15,446 74 16,75 50 0,-74-124-1,-125 0 1,-74 0-1,25 0 1,75 0 0,-26 0-1,-49 0 17,99 75-17,0-75 1,-148 0-1,-75 0 1,-273 0 0,-124 0-1,-100 0 1,1 24 171,-25 76-171,0-1-16,0-74 16,0 99-16,0-50 15,0 25 1,0-49 0,0-25-1,0-1 48,-25 1 15,1-25-78,-26 0 31,25 0-31,-24 25 16,24-25-16,0 0 15,-25 25 1,-123 24 0,-50 51-1,99-100-15,-125 49 16,1 51-1,100-100 1,-150 24 0,50-24-1,-124 0 17,49 0-17,-98 0 1,-75 100-1,-1-100 1,-23 49 0,-249-24-1,322-25 1,100 0 0,148 0-1,26 0 1,-75 0-1,-50 0 1,-148 0 0,-26 0-1,-98 0 17,-174 0-17,570 0 1,25 0-16,-148 0 15,24 0 1,-25 25 0,0 49-1,-98-49 1,73 49 0,-173 26-1,124-76 1,25-24-1,99 0 1,49 25 0,-74-25 15,124 0-15,-74 0-1,50 50 1,24-25-1,-74-25 1,49 49 0,50-49-1,-25 0 1,75 0 0,-50 0-1,24 0 1,26 0-1,24-25-15,-24-24 16,-25-50 0,24-25-1,-24 0 17,49 0-17,1 24 1,24-49-1,25 25 1,0-124 0,0 25-1,0 25 1,25 49 0,74-149-1,-74 149 1,0 125-1,0-1 1,74 25 140,50 0-140</inkml:trace>
-</inkml:ink>
 </file>
 
 <file path=ppt/slideLayouts/slideLayout1.xml><?xml version="1.0" encoding="utf-8"?>
@@ -1756,7 +1568,7 @@
           <a:noFill/>
           <a:extLst>
             <a:ext uri="{909E8E84-426E-40dd-AFC4-6F175D3DCCD1}">
-              <a14:hiddenFill xmlns="" xmlns:a14="http://schemas.microsoft.com/office/drawing/2010/main">
+              <a14:hiddenFill xmlns:a14="http://schemas.microsoft.com/office/drawing/2010/main" xmlns="">
                 <a:solidFill>
                   <a:srgbClr val="FFFFFF"/>
                 </a:solidFill>
@@ -1816,7 +1628,7 @@
             </a:ln>
             <a:extLst>
               <a:ext uri="{91240B29-F687-4f45-9708-019B960494DF}">
-                <a14:hiddenLine xmlns="" xmlns:a14="http://schemas.microsoft.com/office/drawing/2010/main" w="9525">
+                <a14:hiddenLine xmlns:a14="http://schemas.microsoft.com/office/drawing/2010/main" xmlns="" w="9525">
                   <a:solidFill>
                     <a:srgbClr val="000000"/>
                   </a:solidFill>
@@ -1906,7 +1718,7 @@
             </a:ln>
             <a:extLst>
               <a:ext uri="{91240B29-F687-4f45-9708-019B960494DF}">
-                <a14:hiddenLine xmlns="" xmlns:a14="http://schemas.microsoft.com/office/drawing/2010/main" w="9525">
+                <a14:hiddenLine xmlns:a14="http://schemas.microsoft.com/office/drawing/2010/main" xmlns="" w="9525">
                   <a:solidFill>
                     <a:srgbClr val="000000"/>
                   </a:solidFill>
@@ -1996,7 +1808,7 @@
             </a:ln>
             <a:extLst>
               <a:ext uri="{91240B29-F687-4f45-9708-019B960494DF}">
-                <a14:hiddenLine xmlns="" xmlns:a14="http://schemas.microsoft.com/office/drawing/2010/main" w="9525">
+                <a14:hiddenLine xmlns:a14="http://schemas.microsoft.com/office/drawing/2010/main" xmlns="" w="9525">
                   <a:solidFill>
                     <a:srgbClr val="000000"/>
                   </a:solidFill>
@@ -2030,7 +1842,7 @@
             </a:ln>
             <a:extLst>
               <a:ext uri="{91240B29-F687-4f45-9708-019B960494DF}">
-                <a14:hiddenLine xmlns="" xmlns:a14="http://schemas.microsoft.com/office/drawing/2010/main" w="9525">
+                <a14:hiddenLine xmlns:a14="http://schemas.microsoft.com/office/drawing/2010/main" xmlns="" w="9525">
                   <a:solidFill>
                     <a:srgbClr val="000000"/>
                   </a:solidFill>
@@ -2120,7 +1932,7 @@
             </a:ln>
             <a:extLst>
               <a:ext uri="{91240B29-F687-4f45-9708-019B960494DF}">
-                <a14:hiddenLine xmlns="" xmlns:a14="http://schemas.microsoft.com/office/drawing/2010/main" w="9525">
+                <a14:hiddenLine xmlns:a14="http://schemas.microsoft.com/office/drawing/2010/main" xmlns="" w="9525">
                   <a:solidFill>
                     <a:srgbClr val="000000"/>
                   </a:solidFill>
@@ -2182,7 +1994,7 @@
             </a:ln>
             <a:extLst>
               <a:ext uri="{91240B29-F687-4f45-9708-019B960494DF}">
-                <a14:hiddenLine xmlns="" xmlns:a14="http://schemas.microsoft.com/office/drawing/2010/main" w="9525">
+                <a14:hiddenLine xmlns:a14="http://schemas.microsoft.com/office/drawing/2010/main" xmlns="" w="9525">
                   <a:solidFill>
                     <a:srgbClr val="000000"/>
                   </a:solidFill>
@@ -2244,7 +2056,7 @@
             </a:ln>
             <a:extLst>
               <a:ext uri="{91240B29-F687-4f45-9708-019B960494DF}">
-                <a14:hiddenLine xmlns="" xmlns:a14="http://schemas.microsoft.com/office/drawing/2010/main" w="9525">
+                <a14:hiddenLine xmlns:a14="http://schemas.microsoft.com/office/drawing/2010/main" xmlns="" w="9525">
                   <a:solidFill>
                     <a:srgbClr val="000000"/>
                   </a:solidFill>
@@ -2334,7 +2146,7 @@
             </a:ln>
             <a:extLst>
               <a:ext uri="{91240B29-F687-4f45-9708-019B960494DF}">
-                <a14:hiddenLine xmlns="" xmlns:a14="http://schemas.microsoft.com/office/drawing/2010/main" w="9525">
+                <a14:hiddenLine xmlns:a14="http://schemas.microsoft.com/office/drawing/2010/main" xmlns="" w="9525">
                   <a:solidFill>
                     <a:srgbClr val="000000"/>
                   </a:solidFill>
@@ -2396,7 +2208,7 @@
             </a:ln>
             <a:extLst>
               <a:ext uri="{91240B29-F687-4f45-9708-019B960494DF}">
-                <a14:hiddenLine xmlns="" xmlns:a14="http://schemas.microsoft.com/office/drawing/2010/main" w="9525">
+                <a14:hiddenLine xmlns:a14="http://schemas.microsoft.com/office/drawing/2010/main" xmlns="" w="9525">
                   <a:solidFill>
                     <a:srgbClr val="000000"/>
                   </a:solidFill>
@@ -2458,7 +2270,7 @@
             </a:ln>
             <a:extLst>
               <a:ext uri="{91240B29-F687-4f45-9708-019B960494DF}">
-                <a14:hiddenLine xmlns="" xmlns:a14="http://schemas.microsoft.com/office/drawing/2010/main" w="9525">
+                <a14:hiddenLine xmlns:a14="http://schemas.microsoft.com/office/drawing/2010/main" xmlns="" w="9525">
                   <a:solidFill>
                     <a:srgbClr val="000000"/>
                   </a:solidFill>
@@ -2548,7 +2360,7 @@
             </a:ln>
             <a:extLst>
               <a:ext uri="{91240B29-F687-4f45-9708-019B960494DF}">
-                <a14:hiddenLine xmlns="" xmlns:a14="http://schemas.microsoft.com/office/drawing/2010/main" w="9525">
+                <a14:hiddenLine xmlns:a14="http://schemas.microsoft.com/office/drawing/2010/main" xmlns="" w="9525">
                   <a:solidFill>
                     <a:srgbClr val="000000"/>
                   </a:solidFill>
@@ -2638,7 +2450,7 @@
             </a:ln>
             <a:extLst>
               <a:ext uri="{91240B29-F687-4f45-9708-019B960494DF}">
-                <a14:hiddenLine xmlns="" xmlns:a14="http://schemas.microsoft.com/office/drawing/2010/main" w="9525">
+                <a14:hiddenLine xmlns:a14="http://schemas.microsoft.com/office/drawing/2010/main" xmlns="" w="9525">
                   <a:solidFill>
                     <a:srgbClr val="000000"/>
                   </a:solidFill>
@@ -2700,7 +2512,7 @@
             </a:ln>
             <a:extLst>
               <a:ext uri="{91240B29-F687-4f45-9708-019B960494DF}">
-                <a14:hiddenLine xmlns="" xmlns:a14="http://schemas.microsoft.com/office/drawing/2010/main" w="9525">
+                <a14:hiddenLine xmlns:a14="http://schemas.microsoft.com/office/drawing/2010/main" xmlns="" w="9525">
                   <a:solidFill>
                     <a:srgbClr val="000000"/>
                   </a:solidFill>
@@ -2810,7 +2622,7 @@
             </a:ln>
             <a:extLst>
               <a:ext uri="{91240B29-F687-4f45-9708-019B960494DF}">
-                <a14:hiddenLine xmlns="" xmlns:a14="http://schemas.microsoft.com/office/drawing/2010/main" w="9525">
+                <a14:hiddenLine xmlns:a14="http://schemas.microsoft.com/office/drawing/2010/main" xmlns="" w="9525">
                   <a:solidFill>
                     <a:srgbClr val="000000"/>
                   </a:solidFill>
@@ -2872,7 +2684,7 @@
             </a:ln>
             <a:extLst>
               <a:ext uri="{91240B29-F687-4f45-9708-019B960494DF}">
-                <a14:hiddenLine xmlns="" xmlns:a14="http://schemas.microsoft.com/office/drawing/2010/main" w="9525">
+                <a14:hiddenLine xmlns:a14="http://schemas.microsoft.com/office/drawing/2010/main" xmlns="" w="9525">
                   <a:solidFill>
                     <a:srgbClr val="000000"/>
                   </a:solidFill>
@@ -2962,7 +2774,7 @@
             </a:ln>
             <a:extLst>
               <a:ext uri="{91240B29-F687-4f45-9708-019B960494DF}">
-                <a14:hiddenLine xmlns="" xmlns:a14="http://schemas.microsoft.com/office/drawing/2010/main" w="9525">
+                <a14:hiddenLine xmlns:a14="http://schemas.microsoft.com/office/drawing/2010/main" xmlns="" w="9525">
                   <a:solidFill>
                     <a:srgbClr val="000000"/>
                   </a:solidFill>
@@ -3052,7 +2864,7 @@
             </a:ln>
             <a:extLst>
               <a:ext uri="{91240B29-F687-4f45-9708-019B960494DF}">
-                <a14:hiddenLine xmlns="" xmlns:a14="http://schemas.microsoft.com/office/drawing/2010/main" w="9525">
+                <a14:hiddenLine xmlns:a14="http://schemas.microsoft.com/office/drawing/2010/main" xmlns="" w="9525">
                   <a:solidFill>
                     <a:srgbClr val="000000"/>
                   </a:solidFill>
@@ -3114,7 +2926,7 @@
             </a:ln>
             <a:extLst>
               <a:ext uri="{91240B29-F687-4f45-9708-019B960494DF}">
-                <a14:hiddenLine xmlns="" xmlns:a14="http://schemas.microsoft.com/office/drawing/2010/main" w="9525">
+                <a14:hiddenLine xmlns:a14="http://schemas.microsoft.com/office/drawing/2010/main" xmlns="" w="9525">
                   <a:solidFill>
                     <a:srgbClr val="000000"/>
                   </a:solidFill>
@@ -3204,7 +3016,7 @@
             </a:ln>
             <a:extLst>
               <a:ext uri="{91240B29-F687-4f45-9708-019B960494DF}">
-                <a14:hiddenLine xmlns="" xmlns:a14="http://schemas.microsoft.com/office/drawing/2010/main" w="9525">
+                <a14:hiddenLine xmlns:a14="http://schemas.microsoft.com/office/drawing/2010/main" xmlns="" w="9525">
                   <a:solidFill>
                     <a:srgbClr val="000000"/>
                   </a:solidFill>
@@ -3294,7 +3106,7 @@
             </a:ln>
             <a:extLst>
               <a:ext uri="{91240B29-F687-4f45-9708-019B960494DF}">
-                <a14:hiddenLine xmlns="" xmlns:a14="http://schemas.microsoft.com/office/drawing/2010/main" w="9525">
+                <a14:hiddenLine xmlns:a14="http://schemas.microsoft.com/office/drawing/2010/main" xmlns="" w="9525">
                   <a:solidFill>
                     <a:srgbClr val="000000"/>
                   </a:solidFill>
@@ -3350,7 +3162,7 @@
             </a:ln>
             <a:extLst>
               <a:ext uri="{91240B29-F687-4f45-9708-019B960494DF}">
-                <a14:hiddenLine xmlns="" xmlns:a14="http://schemas.microsoft.com/office/drawing/2010/main" w="9525">
+                <a14:hiddenLine xmlns:a14="http://schemas.microsoft.com/office/drawing/2010/main" xmlns="" w="9525">
                   <a:solidFill>
                     <a:srgbClr val="000000"/>
                   </a:solidFill>
@@ -3440,7 +3252,7 @@
             </a:ln>
             <a:extLst>
               <a:ext uri="{91240B29-F687-4f45-9708-019B960494DF}">
-                <a14:hiddenLine xmlns="" xmlns:a14="http://schemas.microsoft.com/office/drawing/2010/main" w="9525">
+                <a14:hiddenLine xmlns:a14="http://schemas.microsoft.com/office/drawing/2010/main" xmlns="" w="9525">
                   <a:solidFill>
                     <a:srgbClr val="000000"/>
                   </a:solidFill>
@@ -3496,7 +3308,7 @@
             </a:ln>
             <a:extLst>
               <a:ext uri="{91240B29-F687-4f45-9708-019B960494DF}">
-                <a14:hiddenLine xmlns="" xmlns:a14="http://schemas.microsoft.com/office/drawing/2010/main" w="9525">
+                <a14:hiddenLine xmlns:a14="http://schemas.microsoft.com/office/drawing/2010/main" xmlns="" w="9525">
                   <a:solidFill>
                     <a:srgbClr val="000000"/>
                   </a:solidFill>
@@ -3586,7 +3398,7 @@
             </a:ln>
             <a:extLst>
               <a:ext uri="{91240B29-F687-4f45-9708-019B960494DF}">
-                <a14:hiddenLine xmlns="" xmlns:a14="http://schemas.microsoft.com/office/drawing/2010/main" w="9525">
+                <a14:hiddenLine xmlns:a14="http://schemas.microsoft.com/office/drawing/2010/main" xmlns="" w="9525">
                   <a:solidFill>
                     <a:srgbClr val="000000"/>
                   </a:solidFill>
@@ -3654,7 +3466,7 @@
             </a:ln>
             <a:extLst>
               <a:ext uri="{91240B29-F687-4f45-9708-019B960494DF}">
-                <a14:hiddenLine xmlns="" xmlns:a14="http://schemas.microsoft.com/office/drawing/2010/main" w="9525">
+                <a14:hiddenLine xmlns:a14="http://schemas.microsoft.com/office/drawing/2010/main" xmlns="" w="9525">
                   <a:solidFill>
                     <a:srgbClr val="000000"/>
                   </a:solidFill>
@@ -3744,7 +3556,7 @@
             </a:ln>
             <a:extLst>
               <a:ext uri="{91240B29-F687-4f45-9708-019B960494DF}">
-                <a14:hiddenLine xmlns="" xmlns:a14="http://schemas.microsoft.com/office/drawing/2010/main" w="9525">
+                <a14:hiddenLine xmlns:a14="http://schemas.microsoft.com/office/drawing/2010/main" xmlns="" w="9525">
                   <a:solidFill>
                     <a:srgbClr val="000000"/>
                   </a:solidFill>
@@ -3812,7 +3624,7 @@
             </a:ln>
             <a:extLst>
               <a:ext uri="{91240B29-F687-4f45-9708-019B960494DF}">
-                <a14:hiddenLine xmlns="" xmlns:a14="http://schemas.microsoft.com/office/drawing/2010/main" w="9525">
+                <a14:hiddenLine xmlns:a14="http://schemas.microsoft.com/office/drawing/2010/main" xmlns="" w="9525">
                   <a:solidFill>
                     <a:srgbClr val="000000"/>
                   </a:solidFill>
@@ -3902,7 +3714,7 @@
             </a:ln>
             <a:extLst>
               <a:ext uri="{91240B29-F687-4f45-9708-019B960494DF}">
-                <a14:hiddenLine xmlns="" xmlns:a14="http://schemas.microsoft.com/office/drawing/2010/main" w="9525">
+                <a14:hiddenLine xmlns:a14="http://schemas.microsoft.com/office/drawing/2010/main" xmlns="" w="9525">
                   <a:solidFill>
                     <a:srgbClr val="000000"/>
                   </a:solidFill>
@@ -3936,7 +3748,7 @@
             </a:ln>
             <a:extLst>
               <a:ext uri="{91240B29-F687-4f45-9708-019B960494DF}">
-                <a14:hiddenLine xmlns="" xmlns:a14="http://schemas.microsoft.com/office/drawing/2010/main" w="9525">
+                <a14:hiddenLine xmlns:a14="http://schemas.microsoft.com/office/drawing/2010/main" xmlns="" w="9525">
                   <a:solidFill>
                     <a:srgbClr val="000000"/>
                   </a:solidFill>
@@ -4026,7 +3838,7 @@
             </a:ln>
             <a:extLst>
               <a:ext uri="{91240B29-F687-4f45-9708-019B960494DF}">
-                <a14:hiddenLine xmlns="" xmlns:a14="http://schemas.microsoft.com/office/drawing/2010/main" w="9525">
+                <a14:hiddenLine xmlns:a14="http://schemas.microsoft.com/office/drawing/2010/main" xmlns="" w="9525">
                   <a:solidFill>
                     <a:srgbClr val="000000"/>
                   </a:solidFill>
@@ -4088,7 +3900,7 @@
             </a:ln>
             <a:extLst>
               <a:ext uri="{91240B29-F687-4f45-9708-019B960494DF}">
-                <a14:hiddenLine xmlns="" xmlns:a14="http://schemas.microsoft.com/office/drawing/2010/main" w="9525">
+                <a14:hiddenLine xmlns:a14="http://schemas.microsoft.com/office/drawing/2010/main" xmlns="" w="9525">
                   <a:solidFill>
                     <a:srgbClr val="000000"/>
                   </a:solidFill>
@@ -4150,7 +3962,7 @@
             </a:ln>
             <a:extLst>
               <a:ext uri="{91240B29-F687-4f45-9708-019B960494DF}">
-                <a14:hiddenLine xmlns="" xmlns:a14="http://schemas.microsoft.com/office/drawing/2010/main" w="9525">
+                <a14:hiddenLine xmlns:a14="http://schemas.microsoft.com/office/drawing/2010/main" xmlns="" w="9525">
                   <a:solidFill>
                     <a:srgbClr val="000000"/>
                   </a:solidFill>
@@ -4240,7 +4052,7 @@
             </a:ln>
             <a:extLst>
               <a:ext uri="{91240B29-F687-4f45-9708-019B960494DF}">
-                <a14:hiddenLine xmlns="" xmlns:a14="http://schemas.microsoft.com/office/drawing/2010/main" w="9525">
+                <a14:hiddenLine xmlns:a14="http://schemas.microsoft.com/office/drawing/2010/main" xmlns="" w="9525">
                   <a:solidFill>
                     <a:srgbClr val="000000"/>
                   </a:solidFill>
@@ -4308,7 +4120,7 @@
             </a:ln>
             <a:extLst>
               <a:ext uri="{91240B29-F687-4f45-9708-019B960494DF}">
-                <a14:hiddenLine xmlns="" xmlns:a14="http://schemas.microsoft.com/office/drawing/2010/main" w="9525">
+                <a14:hiddenLine xmlns:a14="http://schemas.microsoft.com/office/drawing/2010/main" xmlns="" w="9525">
                   <a:solidFill>
                     <a:srgbClr val="000000"/>
                   </a:solidFill>
@@ -4370,7 +4182,7 @@
             </a:ln>
             <a:extLst>
               <a:ext uri="{91240B29-F687-4f45-9708-019B960494DF}">
-                <a14:hiddenLine xmlns="" xmlns:a14="http://schemas.microsoft.com/office/drawing/2010/main" w="9525">
+                <a14:hiddenLine xmlns:a14="http://schemas.microsoft.com/office/drawing/2010/main" xmlns="" w="9525">
                   <a:solidFill>
                     <a:srgbClr val="000000"/>
                   </a:solidFill>
@@ -4460,7 +4272,7 @@
             </a:ln>
             <a:extLst>
               <a:ext uri="{91240B29-F687-4f45-9708-019B960494DF}">
-                <a14:hiddenLine xmlns="" xmlns:a14="http://schemas.microsoft.com/office/drawing/2010/main" w="9525">
+                <a14:hiddenLine xmlns:a14="http://schemas.microsoft.com/office/drawing/2010/main" xmlns="" w="9525">
                   <a:solidFill>
                     <a:srgbClr val="000000"/>
                   </a:solidFill>
@@ -4522,7 +4334,7 @@
             </a:ln>
             <a:extLst>
               <a:ext uri="{91240B29-F687-4f45-9708-019B960494DF}">
-                <a14:hiddenLine xmlns="" xmlns:a14="http://schemas.microsoft.com/office/drawing/2010/main" w="9525">
+                <a14:hiddenLine xmlns:a14="http://schemas.microsoft.com/office/drawing/2010/main" xmlns="" w="9525">
                   <a:solidFill>
                     <a:srgbClr val="000000"/>
                   </a:solidFill>
@@ -4612,7 +4424,7 @@
             </a:ln>
             <a:extLst>
               <a:ext uri="{91240B29-F687-4f45-9708-019B960494DF}">
-                <a14:hiddenLine xmlns="" xmlns:a14="http://schemas.microsoft.com/office/drawing/2010/main" w="9525">
+                <a14:hiddenLine xmlns:a14="http://schemas.microsoft.com/office/drawing/2010/main" xmlns="" w="9525">
                   <a:solidFill>
                     <a:srgbClr val="000000"/>
                   </a:solidFill>
@@ -4674,7 +4486,7 @@
             </a:ln>
             <a:extLst>
               <a:ext uri="{91240B29-F687-4f45-9708-019B960494DF}">
-                <a14:hiddenLine xmlns="" xmlns:a14="http://schemas.microsoft.com/office/drawing/2010/main" w="9525">
+                <a14:hiddenLine xmlns:a14="http://schemas.microsoft.com/office/drawing/2010/main" xmlns="" w="9525">
                   <a:solidFill>
                     <a:srgbClr val="000000"/>
                   </a:solidFill>
@@ -4764,7 +4576,7 @@
             </a:ln>
             <a:extLst>
               <a:ext uri="{91240B29-F687-4f45-9708-019B960494DF}">
-                <a14:hiddenLine xmlns="" xmlns:a14="http://schemas.microsoft.com/office/drawing/2010/main" w="9525">
+                <a14:hiddenLine xmlns:a14="http://schemas.microsoft.com/office/drawing/2010/main" xmlns="" w="9525">
                   <a:solidFill>
                     <a:srgbClr val="000000"/>
                   </a:solidFill>
@@ -4798,7 +4610,7 @@
             </a:ln>
             <a:extLst>
               <a:ext uri="{91240B29-F687-4f45-9708-019B960494DF}">
-                <a14:hiddenLine xmlns="" xmlns:a14="http://schemas.microsoft.com/office/drawing/2010/main" w="9525">
+                <a14:hiddenLine xmlns:a14="http://schemas.microsoft.com/office/drawing/2010/main" xmlns="" w="9525">
                   <a:solidFill>
                     <a:srgbClr val="000000"/>
                   </a:solidFill>
@@ -4863,7 +4675,7 @@
             </a:ln>
             <a:extLst>
               <a:ext uri="{91240B29-F687-4f45-9708-019B960494DF}">
-                <a14:hiddenLine xmlns="" xmlns:a14="http://schemas.microsoft.com/office/drawing/2010/main" w="9525">
+                <a14:hiddenLine xmlns:a14="http://schemas.microsoft.com/office/drawing/2010/main" xmlns="" w="9525">
                   <a:solidFill>
                     <a:srgbClr val="000000"/>
                   </a:solidFill>
@@ -4953,7 +4765,7 @@
             </a:ln>
             <a:extLst>
               <a:ext uri="{91240B29-F687-4f45-9708-019B960494DF}">
-                <a14:hiddenLine xmlns="" xmlns:a14="http://schemas.microsoft.com/office/drawing/2010/main" w="9525">
+                <a14:hiddenLine xmlns:a14="http://schemas.microsoft.com/office/drawing/2010/main" xmlns="" w="9525">
                   <a:solidFill>
                     <a:srgbClr val="000000"/>
                   </a:solidFill>
@@ -5015,7 +4827,7 @@
             </a:ln>
             <a:extLst>
               <a:ext uri="{91240B29-F687-4f45-9708-019B960494DF}">
-                <a14:hiddenLine xmlns="" xmlns:a14="http://schemas.microsoft.com/office/drawing/2010/main" w="9525">
+                <a14:hiddenLine xmlns:a14="http://schemas.microsoft.com/office/drawing/2010/main" xmlns="" w="9525">
                   <a:solidFill>
                     <a:srgbClr val="000000"/>
                   </a:solidFill>
@@ -5105,7 +4917,7 @@
             </a:ln>
             <a:extLst>
               <a:ext uri="{91240B29-F687-4f45-9708-019B960494DF}">
-                <a14:hiddenLine xmlns="" xmlns:a14="http://schemas.microsoft.com/office/drawing/2010/main" w="9525">
+                <a14:hiddenLine xmlns:a14="http://schemas.microsoft.com/office/drawing/2010/main" xmlns="" w="9525">
                   <a:solidFill>
                     <a:srgbClr val="000000"/>
                   </a:solidFill>
@@ -5195,7 +5007,7 @@
             </a:ln>
             <a:extLst>
               <a:ext uri="{91240B29-F687-4f45-9708-019B960494DF}">
-                <a14:hiddenLine xmlns="" xmlns:a14="http://schemas.microsoft.com/office/drawing/2010/main" w="9525">
+                <a14:hiddenLine xmlns:a14="http://schemas.microsoft.com/office/drawing/2010/main" xmlns="" w="9525">
                   <a:solidFill>
                     <a:srgbClr val="000000"/>
                   </a:solidFill>
@@ -5260,7 +5072,7 @@
             </a:ln>
             <a:extLst>
               <a:ext uri="{91240B29-F687-4f45-9708-019B960494DF}">
-                <a14:hiddenLine xmlns="" xmlns:a14="http://schemas.microsoft.com/office/drawing/2010/main" w="9525">
+                <a14:hiddenLine xmlns:a14="http://schemas.microsoft.com/office/drawing/2010/main" xmlns="" w="9525">
                   <a:solidFill>
                     <a:srgbClr val="000000"/>
                   </a:solidFill>
@@ -5322,7 +5134,7 @@
             </a:ln>
             <a:extLst>
               <a:ext uri="{91240B29-F687-4f45-9708-019B960494DF}">
-                <a14:hiddenLine xmlns="" xmlns:a14="http://schemas.microsoft.com/office/drawing/2010/main" w="9525">
+                <a14:hiddenLine xmlns:a14="http://schemas.microsoft.com/office/drawing/2010/main" xmlns="" w="9525">
                   <a:solidFill>
                     <a:srgbClr val="000000"/>
                   </a:solidFill>
@@ -5412,7 +5224,7 @@
             </a:ln>
             <a:extLst>
               <a:ext uri="{91240B29-F687-4f45-9708-019B960494DF}">
-                <a14:hiddenLine xmlns="" xmlns:a14="http://schemas.microsoft.com/office/drawing/2010/main" w="9525">
+                <a14:hiddenLine xmlns:a14="http://schemas.microsoft.com/office/drawing/2010/main" xmlns="" w="9525">
                   <a:solidFill>
                     <a:srgbClr val="000000"/>
                   </a:solidFill>
@@ -5502,7 +5314,7 @@
             </a:ln>
             <a:extLst>
               <a:ext uri="{91240B29-F687-4f45-9708-019B960494DF}">
-                <a14:hiddenLine xmlns="" xmlns:a14="http://schemas.microsoft.com/office/drawing/2010/main" w="9525">
+                <a14:hiddenLine xmlns:a14="http://schemas.microsoft.com/office/drawing/2010/main" xmlns="" w="9525">
                   <a:solidFill>
                     <a:srgbClr val="000000"/>
                   </a:solidFill>
@@ -5564,7 +5376,7 @@
             </a:ln>
             <a:extLst>
               <a:ext uri="{91240B29-F687-4f45-9708-019B960494DF}">
-                <a14:hiddenLine xmlns="" xmlns:a14="http://schemas.microsoft.com/office/drawing/2010/main" w="9525">
+                <a14:hiddenLine xmlns:a14="http://schemas.microsoft.com/office/drawing/2010/main" xmlns="" w="9525">
                   <a:solidFill>
                     <a:srgbClr val="000000"/>
                   </a:solidFill>
@@ -5684,7 +5496,7 @@
             </a:ln>
             <a:extLst>
               <a:ext uri="{91240B29-F687-4f45-9708-019B960494DF}">
-                <a14:hiddenLine xmlns="" xmlns:a14="http://schemas.microsoft.com/office/drawing/2010/main" w="9525">
+                <a14:hiddenLine xmlns:a14="http://schemas.microsoft.com/office/drawing/2010/main" xmlns="" w="9525">
                   <a:solidFill>
                     <a:srgbClr val="000000"/>
                   </a:solidFill>
@@ -5752,7 +5564,7 @@
             </a:ln>
             <a:extLst>
               <a:ext uri="{91240B29-F687-4f45-9708-019B960494DF}">
-                <a14:hiddenLine xmlns="" xmlns:a14="http://schemas.microsoft.com/office/drawing/2010/main" w="9525">
+                <a14:hiddenLine xmlns:a14="http://schemas.microsoft.com/office/drawing/2010/main" xmlns="" w="9525">
                   <a:solidFill>
                     <a:srgbClr val="000000"/>
                   </a:solidFill>
@@ -5842,7 +5654,7 @@
             </a:ln>
             <a:extLst>
               <a:ext uri="{91240B29-F687-4f45-9708-019B960494DF}">
-                <a14:hiddenLine xmlns="" xmlns:a14="http://schemas.microsoft.com/office/drawing/2010/main" w="9525">
+                <a14:hiddenLine xmlns:a14="http://schemas.microsoft.com/office/drawing/2010/main" xmlns="" w="9525">
                   <a:solidFill>
                     <a:srgbClr val="000000"/>
                   </a:solidFill>
@@ -5982,7 +5794,7 @@
           <a:p>
             <a:fld id="{849DE176-146E-4F1E-BCCE-E46272DCA095}" type="datetimeFigureOut">
               <a:rPr lang="es-AR" smtClean="0"/>
-              <a:t>13/12/2022</a:t>
+              <a:t>21/4/2023</a:t>
             </a:fld>
             <a:endParaRPr lang="es-AR"/>
           </a:p>
@@ -6249,7 +6061,7 @@
           <a:p>
             <a:fld id="{849DE176-146E-4F1E-BCCE-E46272DCA095}" type="datetimeFigureOut">
               <a:rPr lang="es-AR" smtClean="0"/>
-              <a:t>13/12/2022</a:t>
+              <a:t>21/4/2023</a:t>
             </a:fld>
             <a:endParaRPr lang="es-AR"/>
           </a:p>
@@ -6445,7 +6257,7 @@
           <a:p>
             <a:fld id="{849DE176-146E-4F1E-BCCE-E46272DCA095}" type="datetimeFigureOut">
               <a:rPr lang="es-AR" smtClean="0"/>
-              <a:t>13/12/2022</a:t>
+              <a:t>21/4/2023</a:t>
             </a:fld>
             <a:endParaRPr lang="es-AR"/>
           </a:p>
@@ -6708,7 +6520,7 @@
           <a:p>
             <a:fld id="{849DE176-146E-4F1E-BCCE-E46272DCA095}" type="datetimeFigureOut">
               <a:rPr lang="es-AR" smtClean="0"/>
-              <a:t>13/12/2022</a:t>
+              <a:t>21/4/2023</a:t>
             </a:fld>
             <a:endParaRPr lang="es-AR"/>
           </a:p>
@@ -7142,7 +6954,7 @@
           <a:p>
             <a:fld id="{849DE176-146E-4F1E-BCCE-E46272DCA095}" type="datetimeFigureOut">
               <a:rPr lang="es-AR" smtClean="0"/>
-              <a:t>13/12/2022</a:t>
+              <a:t>21/4/2023</a:t>
             </a:fld>
             <a:endParaRPr lang="es-AR"/>
           </a:p>
@@ -7688,7 +7500,7 @@
           <a:p>
             <a:fld id="{849DE176-146E-4F1E-BCCE-E46272DCA095}" type="datetimeFigureOut">
               <a:rPr lang="es-AR" smtClean="0"/>
-              <a:t>13/12/2022</a:t>
+              <a:t>21/4/2023</a:t>
             </a:fld>
             <a:endParaRPr lang="es-AR"/>
           </a:p>
@@ -8408,7 +8220,7 @@
           <a:p>
             <a:fld id="{849DE176-146E-4F1E-BCCE-E46272DCA095}" type="datetimeFigureOut">
               <a:rPr lang="es-AR" smtClean="0"/>
-              <a:t>13/12/2022</a:t>
+              <a:t>21/4/2023</a:t>
             </a:fld>
             <a:endParaRPr lang="es-AR"/>
           </a:p>
@@ -8578,7 +8390,7 @@
           <a:p>
             <a:fld id="{849DE176-146E-4F1E-BCCE-E46272DCA095}" type="datetimeFigureOut">
               <a:rPr lang="es-AR" smtClean="0"/>
-              <a:t>13/12/2022</a:t>
+              <a:t>21/4/2023</a:t>
             </a:fld>
             <a:endParaRPr lang="es-AR"/>
           </a:p>
@@ -8758,7 +8570,7 @@
           <a:p>
             <a:fld id="{849DE176-146E-4F1E-BCCE-E46272DCA095}" type="datetimeFigureOut">
               <a:rPr lang="es-AR" smtClean="0"/>
-              <a:t>13/12/2022</a:t>
+              <a:t>21/4/2023</a:t>
             </a:fld>
             <a:endParaRPr lang="es-AR"/>
           </a:p>
@@ -8928,7 +8740,7 @@
           <a:p>
             <a:fld id="{849DE176-146E-4F1E-BCCE-E46272DCA095}" type="datetimeFigureOut">
               <a:rPr lang="es-AR" smtClean="0"/>
-              <a:t>13/12/2022</a:t>
+              <a:t>21/4/2023</a:t>
             </a:fld>
             <a:endParaRPr lang="es-AR"/>
           </a:p>
@@ -9178,7 +8990,7 @@
           <a:p>
             <a:fld id="{849DE176-146E-4F1E-BCCE-E46272DCA095}" type="datetimeFigureOut">
               <a:rPr lang="es-AR" smtClean="0"/>
-              <a:t>13/12/2022</a:t>
+              <a:t>21/4/2023</a:t>
             </a:fld>
             <a:endParaRPr lang="es-AR"/>
           </a:p>
@@ -9410,7 +9222,7 @@
           <a:p>
             <a:fld id="{849DE176-146E-4F1E-BCCE-E46272DCA095}" type="datetimeFigureOut">
               <a:rPr lang="es-AR" smtClean="0"/>
-              <a:t>13/12/2022</a:t>
+              <a:t>21/4/2023</a:t>
             </a:fld>
             <a:endParaRPr lang="es-AR"/>
           </a:p>
@@ -9791,7 +9603,7 @@
           <a:p>
             <a:fld id="{849DE176-146E-4F1E-BCCE-E46272DCA095}" type="datetimeFigureOut">
               <a:rPr lang="es-AR" smtClean="0"/>
-              <a:t>13/12/2022</a:t>
+              <a:t>21/4/2023</a:t>
             </a:fld>
             <a:endParaRPr lang="es-AR"/>
           </a:p>
@@ -9909,7 +9721,7 @@
           <a:p>
             <a:fld id="{849DE176-146E-4F1E-BCCE-E46272DCA095}" type="datetimeFigureOut">
               <a:rPr lang="es-AR" smtClean="0"/>
-              <a:t>13/12/2022</a:t>
+              <a:t>21/4/2023</a:t>
             </a:fld>
             <a:endParaRPr lang="es-AR"/>
           </a:p>
@@ -10004,7 +9816,7 @@
           <a:p>
             <a:fld id="{849DE176-146E-4F1E-BCCE-E46272DCA095}" type="datetimeFigureOut">
               <a:rPr lang="es-AR" smtClean="0"/>
-              <a:t>13/12/2022</a:t>
+              <a:t>21/4/2023</a:t>
             </a:fld>
             <a:endParaRPr lang="es-AR"/>
           </a:p>
@@ -10253,7 +10065,7 @@
           <a:p>
             <a:fld id="{849DE176-146E-4F1E-BCCE-E46272DCA095}" type="datetimeFigureOut">
               <a:rPr lang="es-AR" smtClean="0"/>
-              <a:t>13/12/2022</a:t>
+              <a:t>21/4/2023</a:t>
             </a:fld>
             <a:endParaRPr lang="es-AR"/>
           </a:p>
@@ -10533,7 +10345,7 @@
           <a:p>
             <a:fld id="{849DE176-146E-4F1E-BCCE-E46272DCA095}" type="datetimeFigureOut">
               <a:rPr lang="es-AR" smtClean="0"/>
-              <a:t>13/12/2022</a:t>
+              <a:t>21/4/2023</a:t>
             </a:fld>
             <a:endParaRPr lang="es-AR"/>
           </a:p>
@@ -10673,7 +10485,7 @@
           <a:noFill/>
           <a:extLst>
             <a:ext uri="{909E8E84-426E-40dd-AFC4-6F175D3DCCD1}">
-              <a14:hiddenFill xmlns="" xmlns:a14="http://schemas.microsoft.com/office/drawing/2010/main">
+              <a14:hiddenFill xmlns:a14="http://schemas.microsoft.com/office/drawing/2010/main" xmlns="">
                 <a:solidFill>
                   <a:srgbClr val="FFFFFF"/>
                 </a:solidFill>
@@ -10747,7 +10559,7 @@
               </a:ln>
               <a:extLst>
                 <a:ext uri="{91240B29-F687-4f45-9708-019B960494DF}">
-                  <a14:hiddenLine xmlns="" xmlns:a14="http://schemas.microsoft.com/office/drawing/2010/main" w="9525">
+                  <a14:hiddenLine xmlns:a14="http://schemas.microsoft.com/office/drawing/2010/main" xmlns="" w="9525">
                     <a:solidFill>
                       <a:srgbClr val="000000"/>
                     </a:solidFill>
@@ -10837,7 +10649,7 @@
               </a:ln>
               <a:extLst>
                 <a:ext uri="{91240B29-F687-4f45-9708-019B960494DF}">
-                  <a14:hiddenLine xmlns="" xmlns:a14="http://schemas.microsoft.com/office/drawing/2010/main" w="9525">
+                  <a14:hiddenLine xmlns:a14="http://schemas.microsoft.com/office/drawing/2010/main" xmlns="" w="9525">
                     <a:solidFill>
                       <a:srgbClr val="000000"/>
                     </a:solidFill>
@@ -10927,7 +10739,7 @@
               </a:ln>
               <a:extLst>
                 <a:ext uri="{91240B29-F687-4f45-9708-019B960494DF}">
-                  <a14:hiddenLine xmlns="" xmlns:a14="http://schemas.microsoft.com/office/drawing/2010/main" w="9525">
+                  <a14:hiddenLine xmlns:a14="http://schemas.microsoft.com/office/drawing/2010/main" xmlns="" w="9525">
                     <a:solidFill>
                       <a:srgbClr val="000000"/>
                     </a:solidFill>
@@ -10989,7 +10801,7 @@
               </a:ln>
               <a:extLst>
                 <a:ext uri="{91240B29-F687-4f45-9708-019B960494DF}">
-                  <a14:hiddenLine xmlns="" xmlns:a14="http://schemas.microsoft.com/office/drawing/2010/main" w="9525">
+                  <a14:hiddenLine xmlns:a14="http://schemas.microsoft.com/office/drawing/2010/main" xmlns="" w="9525">
                     <a:solidFill>
                       <a:srgbClr val="000000"/>
                     </a:solidFill>
@@ -11079,7 +10891,7 @@
               </a:ln>
               <a:extLst>
                 <a:ext uri="{91240B29-F687-4f45-9708-019B960494DF}">
-                  <a14:hiddenLine xmlns="" xmlns:a14="http://schemas.microsoft.com/office/drawing/2010/main" w="9525">
+                  <a14:hiddenLine xmlns:a14="http://schemas.microsoft.com/office/drawing/2010/main" xmlns="" w="9525">
                     <a:solidFill>
                       <a:srgbClr val="000000"/>
                     </a:solidFill>
@@ -11141,7 +10953,7 @@
               </a:ln>
               <a:extLst>
                 <a:ext uri="{91240B29-F687-4f45-9708-019B960494DF}">
-                  <a14:hiddenLine xmlns="" xmlns:a14="http://schemas.microsoft.com/office/drawing/2010/main" w="9525">
+                  <a14:hiddenLine xmlns:a14="http://schemas.microsoft.com/office/drawing/2010/main" xmlns="" w="9525">
                     <a:solidFill>
                       <a:srgbClr val="000000"/>
                     </a:solidFill>
@@ -11203,7 +11015,7 @@
               </a:ln>
               <a:extLst>
                 <a:ext uri="{91240B29-F687-4f45-9708-019B960494DF}">
-                  <a14:hiddenLine xmlns="" xmlns:a14="http://schemas.microsoft.com/office/drawing/2010/main" w="9525">
+                  <a14:hiddenLine xmlns:a14="http://schemas.microsoft.com/office/drawing/2010/main" xmlns="" w="9525">
                     <a:solidFill>
                       <a:srgbClr val="000000"/>
                     </a:solidFill>
@@ -11293,7 +11105,7 @@
               </a:ln>
               <a:extLst>
                 <a:ext uri="{91240B29-F687-4f45-9708-019B960494DF}">
-                  <a14:hiddenLine xmlns="" xmlns:a14="http://schemas.microsoft.com/office/drawing/2010/main" w="9525">
+                  <a14:hiddenLine xmlns:a14="http://schemas.microsoft.com/office/drawing/2010/main" xmlns="" w="9525">
                     <a:solidFill>
                       <a:srgbClr val="000000"/>
                     </a:solidFill>
@@ -11383,7 +11195,7 @@
               </a:ln>
               <a:extLst>
                 <a:ext uri="{91240B29-F687-4f45-9708-019B960494DF}">
-                  <a14:hiddenLine xmlns="" xmlns:a14="http://schemas.microsoft.com/office/drawing/2010/main" w="9525">
+                  <a14:hiddenLine xmlns:a14="http://schemas.microsoft.com/office/drawing/2010/main" xmlns="" w="9525">
                     <a:solidFill>
                       <a:srgbClr val="000000"/>
                     </a:solidFill>
@@ -11445,7 +11257,7 @@
               </a:ln>
               <a:extLst>
                 <a:ext uri="{91240B29-F687-4f45-9708-019B960494DF}">
-                  <a14:hiddenLine xmlns="" xmlns:a14="http://schemas.microsoft.com/office/drawing/2010/main" w="9525">
+                  <a14:hiddenLine xmlns:a14="http://schemas.microsoft.com/office/drawing/2010/main" xmlns="" w="9525">
                     <a:solidFill>
                       <a:srgbClr val="000000"/>
                     </a:solidFill>
@@ -11555,7 +11367,7 @@
               </a:ln>
               <a:extLst>
                 <a:ext uri="{91240B29-F687-4f45-9708-019B960494DF}">
-                  <a14:hiddenLine xmlns="" xmlns:a14="http://schemas.microsoft.com/office/drawing/2010/main" w="9525">
+                  <a14:hiddenLine xmlns:a14="http://schemas.microsoft.com/office/drawing/2010/main" xmlns="" w="9525">
                     <a:solidFill>
                       <a:srgbClr val="000000"/>
                     </a:solidFill>
@@ -11639,7 +11451,7 @@
               </a:ln>
               <a:extLst>
                 <a:ext uri="{91240B29-F687-4f45-9708-019B960494DF}">
-                  <a14:hiddenLine xmlns="" xmlns:a14="http://schemas.microsoft.com/office/drawing/2010/main" w="9525">
+                  <a14:hiddenLine xmlns:a14="http://schemas.microsoft.com/office/drawing/2010/main" xmlns="" w="9525">
                     <a:solidFill>
                       <a:srgbClr val="000000"/>
                     </a:solidFill>
@@ -11701,7 +11513,7 @@
               </a:ln>
               <a:extLst>
                 <a:ext uri="{91240B29-F687-4f45-9708-019B960494DF}">
-                  <a14:hiddenLine xmlns="" xmlns:a14="http://schemas.microsoft.com/office/drawing/2010/main" w="9525">
+                  <a14:hiddenLine xmlns:a14="http://schemas.microsoft.com/office/drawing/2010/main" xmlns="" w="9525">
                     <a:solidFill>
                       <a:srgbClr val="000000"/>
                     </a:solidFill>
@@ -11763,7 +11575,7 @@
               </a:ln>
               <a:extLst>
                 <a:ext uri="{91240B29-F687-4f45-9708-019B960494DF}">
-                  <a14:hiddenLine xmlns="" xmlns:a14="http://schemas.microsoft.com/office/drawing/2010/main" w="9525">
+                  <a14:hiddenLine xmlns:a14="http://schemas.microsoft.com/office/drawing/2010/main" xmlns="" w="9525">
                     <a:solidFill>
                       <a:srgbClr val="000000"/>
                     </a:solidFill>
@@ -11853,7 +11665,7 @@
               </a:ln>
               <a:extLst>
                 <a:ext uri="{91240B29-F687-4f45-9708-019B960494DF}">
-                  <a14:hiddenLine xmlns="" xmlns:a14="http://schemas.microsoft.com/office/drawing/2010/main" w="9525">
+                  <a14:hiddenLine xmlns:a14="http://schemas.microsoft.com/office/drawing/2010/main" xmlns="" w="9525">
                     <a:solidFill>
                       <a:srgbClr val="000000"/>
                     </a:solidFill>
@@ -11887,7 +11699,7 @@
               </a:ln>
               <a:extLst>
                 <a:ext uri="{91240B29-F687-4f45-9708-019B960494DF}">
-                  <a14:hiddenLine xmlns="" xmlns:a14="http://schemas.microsoft.com/office/drawing/2010/main" w="9525">
+                  <a14:hiddenLine xmlns:a14="http://schemas.microsoft.com/office/drawing/2010/main" xmlns="" w="9525">
                     <a:solidFill>
                       <a:srgbClr val="000000"/>
                     </a:solidFill>
@@ -11952,7 +11764,7 @@
               </a:ln>
               <a:extLst>
                 <a:ext uri="{91240B29-F687-4f45-9708-019B960494DF}">
-                  <a14:hiddenLine xmlns="" xmlns:a14="http://schemas.microsoft.com/office/drawing/2010/main" w="9525">
+                  <a14:hiddenLine xmlns:a14="http://schemas.microsoft.com/office/drawing/2010/main" xmlns="" w="9525">
                     <a:solidFill>
                       <a:srgbClr val="000000"/>
                     </a:solidFill>
@@ -12042,7 +11854,7 @@
               </a:ln>
               <a:extLst>
                 <a:ext uri="{91240B29-F687-4f45-9708-019B960494DF}">
-                  <a14:hiddenLine xmlns="" xmlns:a14="http://schemas.microsoft.com/office/drawing/2010/main" w="9525">
+                  <a14:hiddenLine xmlns:a14="http://schemas.microsoft.com/office/drawing/2010/main" xmlns="" w="9525">
                     <a:solidFill>
                       <a:srgbClr val="000000"/>
                     </a:solidFill>
@@ -12104,7 +11916,7 @@
               </a:ln>
               <a:extLst>
                 <a:ext uri="{91240B29-F687-4f45-9708-019B960494DF}">
-                  <a14:hiddenLine xmlns="" xmlns:a14="http://schemas.microsoft.com/office/drawing/2010/main" w="9525">
+                  <a14:hiddenLine xmlns:a14="http://schemas.microsoft.com/office/drawing/2010/main" xmlns="" w="9525">
                     <a:solidFill>
                       <a:srgbClr val="000000"/>
                     </a:solidFill>
@@ -12194,7 +12006,7 @@
               </a:ln>
               <a:extLst>
                 <a:ext uri="{91240B29-F687-4f45-9708-019B960494DF}">
-                  <a14:hiddenLine xmlns="" xmlns:a14="http://schemas.microsoft.com/office/drawing/2010/main" w="9525">
+                  <a14:hiddenLine xmlns:a14="http://schemas.microsoft.com/office/drawing/2010/main" xmlns="" w="9525">
                     <a:solidFill>
                       <a:srgbClr val="000000"/>
                     </a:solidFill>
@@ -12259,7 +12071,7 @@
               </a:ln>
               <a:extLst>
                 <a:ext uri="{91240B29-F687-4f45-9708-019B960494DF}">
-                  <a14:hiddenLine xmlns="" xmlns:a14="http://schemas.microsoft.com/office/drawing/2010/main" w="9525">
+                  <a14:hiddenLine xmlns:a14="http://schemas.microsoft.com/office/drawing/2010/main" xmlns="" w="9525">
                     <a:solidFill>
                       <a:srgbClr val="000000"/>
                     </a:solidFill>
@@ -12321,7 +12133,7 @@
               </a:ln>
               <a:extLst>
                 <a:ext uri="{91240B29-F687-4f45-9708-019B960494DF}">
-                  <a14:hiddenLine xmlns="" xmlns:a14="http://schemas.microsoft.com/office/drawing/2010/main" w="9525">
+                  <a14:hiddenLine xmlns:a14="http://schemas.microsoft.com/office/drawing/2010/main" xmlns="" w="9525">
                     <a:solidFill>
                       <a:srgbClr val="000000"/>
                     </a:solidFill>
@@ -12411,7 +12223,7 @@
               </a:ln>
               <a:extLst>
                 <a:ext uri="{91240B29-F687-4f45-9708-019B960494DF}">
-                  <a14:hiddenLine xmlns="" xmlns:a14="http://schemas.microsoft.com/office/drawing/2010/main" w="9525">
+                  <a14:hiddenLine xmlns:a14="http://schemas.microsoft.com/office/drawing/2010/main" xmlns="" w="9525">
                     <a:solidFill>
                       <a:srgbClr val="000000"/>
                     </a:solidFill>
@@ -12501,7 +12313,7 @@
               </a:ln>
               <a:extLst>
                 <a:ext uri="{91240B29-F687-4f45-9708-019B960494DF}">
-                  <a14:hiddenLine xmlns="" xmlns:a14="http://schemas.microsoft.com/office/drawing/2010/main" w="9525">
+                  <a14:hiddenLine xmlns:a14="http://schemas.microsoft.com/office/drawing/2010/main" xmlns="" w="9525">
                     <a:solidFill>
                       <a:srgbClr val="000000"/>
                     </a:solidFill>
@@ -12566,7 +12378,7 @@
               </a:ln>
               <a:extLst>
                 <a:ext uri="{91240B29-F687-4f45-9708-019B960494DF}">
-                  <a14:hiddenLine xmlns="" xmlns:a14="http://schemas.microsoft.com/office/drawing/2010/main" w="9525">
+                  <a14:hiddenLine xmlns:a14="http://schemas.microsoft.com/office/drawing/2010/main" xmlns="" w="9525">
                     <a:solidFill>
                       <a:srgbClr val="000000"/>
                     </a:solidFill>
@@ -12686,7 +12498,7 @@
               </a:ln>
               <a:extLst>
                 <a:ext uri="{91240B29-F687-4f45-9708-019B960494DF}">
-                  <a14:hiddenLine xmlns="" xmlns:a14="http://schemas.microsoft.com/office/drawing/2010/main" w="9525">
+                  <a14:hiddenLine xmlns:a14="http://schemas.microsoft.com/office/drawing/2010/main" xmlns="" w="9525">
                     <a:solidFill>
                       <a:srgbClr val="000000"/>
                     </a:solidFill>
@@ -12784,7 +12596,7 @@
               </a:ln>
               <a:extLst>
                 <a:ext uri="{91240B29-F687-4f45-9708-019B960494DF}">
-                  <a14:hiddenLine xmlns="" xmlns:a14="http://schemas.microsoft.com/office/drawing/2010/main" w="9525">
+                  <a14:hiddenLine xmlns:a14="http://schemas.microsoft.com/office/drawing/2010/main" xmlns="" w="9525">
                     <a:solidFill>
                       <a:srgbClr val="000000"/>
                     </a:solidFill>
@@ -12899,7 +12711,7 @@
               </a:ln>
               <a:extLst>
                 <a:ext uri="{91240B29-F687-4f45-9708-019B960494DF}">
-                  <a14:hiddenLine xmlns="" xmlns:a14="http://schemas.microsoft.com/office/drawing/2010/main" w="9525">
+                  <a14:hiddenLine xmlns:a14="http://schemas.microsoft.com/office/drawing/2010/main" xmlns="" w="9525">
                     <a:solidFill>
                       <a:srgbClr val="000000"/>
                     </a:solidFill>
@@ -12989,7 +12801,7 @@
               </a:ln>
               <a:extLst>
                 <a:ext uri="{91240B29-F687-4f45-9708-019B960494DF}">
-                  <a14:hiddenLine xmlns="" xmlns:a14="http://schemas.microsoft.com/office/drawing/2010/main" w="9525">
+                  <a14:hiddenLine xmlns:a14="http://schemas.microsoft.com/office/drawing/2010/main" xmlns="" w="9525">
                     <a:solidFill>
                       <a:srgbClr val="000000"/>
                     </a:solidFill>
@@ -13054,7 +12866,7 @@
               </a:ln>
               <a:extLst>
                 <a:ext uri="{91240B29-F687-4f45-9708-019B960494DF}">
-                  <a14:hiddenLine xmlns="" xmlns:a14="http://schemas.microsoft.com/office/drawing/2010/main" w="9525">
+                  <a14:hiddenLine xmlns:a14="http://schemas.microsoft.com/office/drawing/2010/main" xmlns="" w="9525">
                     <a:solidFill>
                       <a:srgbClr val="000000"/>
                     </a:solidFill>
@@ -13144,7 +12956,7 @@
               </a:ln>
               <a:extLst>
                 <a:ext uri="{91240B29-F687-4f45-9708-019B960494DF}">
-                  <a14:hiddenLine xmlns="" xmlns:a14="http://schemas.microsoft.com/office/drawing/2010/main" w="9525">
+                  <a14:hiddenLine xmlns:a14="http://schemas.microsoft.com/office/drawing/2010/main" xmlns="" w="9525">
                     <a:solidFill>
                       <a:srgbClr val="000000"/>
                     </a:solidFill>
@@ -13212,7 +13024,7 @@
               </a:ln>
               <a:extLst>
                 <a:ext uri="{91240B29-F687-4f45-9708-019B960494DF}">
-                  <a14:hiddenLine xmlns="" xmlns:a14="http://schemas.microsoft.com/office/drawing/2010/main" w="9525">
+                  <a14:hiddenLine xmlns:a14="http://schemas.microsoft.com/office/drawing/2010/main" xmlns="" w="9525">
                     <a:solidFill>
                       <a:srgbClr val="000000"/>
                     </a:solidFill>
@@ -13302,7 +13114,7 @@
               </a:ln>
               <a:extLst>
                 <a:ext uri="{91240B29-F687-4f45-9708-019B960494DF}">
-                  <a14:hiddenLine xmlns="" xmlns:a14="http://schemas.microsoft.com/office/drawing/2010/main" w="9525">
+                  <a14:hiddenLine xmlns:a14="http://schemas.microsoft.com/office/drawing/2010/main" xmlns="" w="9525">
                     <a:solidFill>
                       <a:srgbClr val="000000"/>
                     </a:solidFill>
@@ -13370,7 +13182,7 @@
               </a:ln>
               <a:extLst>
                 <a:ext uri="{91240B29-F687-4f45-9708-019B960494DF}">
-                  <a14:hiddenLine xmlns="" xmlns:a14="http://schemas.microsoft.com/office/drawing/2010/main" w="9525">
+                  <a14:hiddenLine xmlns:a14="http://schemas.microsoft.com/office/drawing/2010/main" xmlns="" w="9525">
                     <a:solidFill>
                       <a:srgbClr val="000000"/>
                     </a:solidFill>
@@ -13460,7 +13272,7 @@
               </a:ln>
               <a:extLst>
                 <a:ext uri="{91240B29-F687-4f45-9708-019B960494DF}">
-                  <a14:hiddenLine xmlns="" xmlns:a14="http://schemas.microsoft.com/office/drawing/2010/main" w="9525">
+                  <a14:hiddenLine xmlns:a14="http://schemas.microsoft.com/office/drawing/2010/main" xmlns="" w="9525">
                     <a:solidFill>
                       <a:srgbClr val="000000"/>
                     </a:solidFill>
@@ -13494,7 +13306,7 @@
               </a:ln>
               <a:extLst>
                 <a:ext uri="{91240B29-F687-4f45-9708-019B960494DF}">
-                  <a14:hiddenLine xmlns="" xmlns:a14="http://schemas.microsoft.com/office/drawing/2010/main" w="9525">
+                  <a14:hiddenLine xmlns:a14="http://schemas.microsoft.com/office/drawing/2010/main" xmlns="" w="9525">
                     <a:solidFill>
                       <a:srgbClr val="000000"/>
                     </a:solidFill>
@@ -13634,7 +13446,7 @@
           <a:p>
             <a:fld id="{849DE176-146E-4F1E-BCCE-E46272DCA095}" type="datetimeFigureOut">
               <a:rPr lang="es-AR" smtClean="0"/>
-              <a:t>13/12/2022</a:t>
+              <a:t>21/4/2023</a:t>
             </a:fld>
             <a:endParaRPr lang="es-AR"/>
           </a:p>
@@ -14361,8 +14173,8 @@
         </p:nvSpPr>
         <p:spPr>
           <a:xfrm>
-            <a:off x="9335341" y="6357838"/>
-            <a:ext cx="2856659" cy="500162"/>
+            <a:off x="10369011" y="6357838"/>
+            <a:ext cx="1822989" cy="500162"/>
           </a:xfrm>
           <a:prstGeom prst="rect">
             <a:avLst/>
@@ -14544,7 +14356,7 @@
                   <a:schemeClr val="bg1"/>
                 </a:solidFill>
               </a:rPr>
-              <a:t>Agosto 2022</a:t>
+              <a:t>Abril 2023</a:t>
             </a:r>
           </a:p>
         </p:txBody>
@@ -14742,7 +14554,7 @@
                   <a:schemeClr val="bg1"/>
                 </a:solidFill>
               </a:rPr>
-              <a:t>Carrera de Especialización en Inteligencia Artificial – 4ta cohorte 2022</a:t>
+              <a:t>Carrera de Especialización en Inteligencia Artificial – 8ta cohorte 2023</a:t>
             </a:r>
           </a:p>
         </p:txBody>
@@ -15010,6 +14822,1289 @@
           </a:p>
         </p:txBody>
       </p:sp>
+      <p:sp>
+        <p:nvSpPr>
+          <p:cNvPr id="5" name="Subtitle 1"/>
+          <p:cNvSpPr txBox="1">
+            <a:spLocks/>
+          </p:cNvSpPr>
+          <p:nvPr/>
+        </p:nvSpPr>
+        <p:spPr>
+          <a:xfrm>
+            <a:off x="186311" y="4805933"/>
+            <a:ext cx="5760997" cy="1607745"/>
+          </a:xfrm>
+          <a:prstGeom prst="rect">
+            <a:avLst/>
+          </a:prstGeom>
+        </p:spPr>
+        <p:txBody>
+          <a:bodyPr vert="horz" lIns="91440" tIns="45720" rIns="91440" bIns="45720" rtlCol="0">
+            <a:noAutofit/>
+          </a:bodyPr>
+          <a:lstStyle>
+            <a:lvl1pPr marL="0" indent="0" algn="ctr" defTabSz="914400" rtl="0" eaLnBrk="1" latinLnBrk="0" hangingPunct="1">
+              <a:lnSpc>
+                <a:spcPct val="90000"/>
+              </a:lnSpc>
+              <a:spcBef>
+                <a:spcPts val="1000"/>
+              </a:spcBef>
+              <a:buFont typeface="Arial" panose="020B0604020202020204" pitchFamily="34" charset="0"/>
+              <a:buNone/>
+              <a:defRPr sz="2400" kern="1200">
+                <a:solidFill>
+                  <a:schemeClr val="tx1"/>
+                </a:solidFill>
+                <a:latin typeface="+mn-lt"/>
+                <a:ea typeface="+mn-ea"/>
+                <a:cs typeface="+mn-cs"/>
+              </a:defRPr>
+            </a:lvl1pPr>
+            <a:lvl2pPr marL="457200" indent="0" algn="ctr" defTabSz="914400" rtl="0" eaLnBrk="1" latinLnBrk="0" hangingPunct="1">
+              <a:lnSpc>
+                <a:spcPct val="90000"/>
+              </a:lnSpc>
+              <a:spcBef>
+                <a:spcPts val="500"/>
+              </a:spcBef>
+              <a:buFont typeface="Arial" panose="020B0604020202020204" pitchFamily="34" charset="0"/>
+              <a:buNone/>
+              <a:defRPr sz="2000" kern="1200">
+                <a:solidFill>
+                  <a:schemeClr val="tx1"/>
+                </a:solidFill>
+                <a:latin typeface="+mn-lt"/>
+                <a:ea typeface="+mn-ea"/>
+                <a:cs typeface="+mn-cs"/>
+              </a:defRPr>
+            </a:lvl2pPr>
+            <a:lvl3pPr marL="914400" indent="0" algn="ctr" defTabSz="914400" rtl="0" eaLnBrk="1" latinLnBrk="0" hangingPunct="1">
+              <a:lnSpc>
+                <a:spcPct val="90000"/>
+              </a:lnSpc>
+              <a:spcBef>
+                <a:spcPts val="500"/>
+              </a:spcBef>
+              <a:buFont typeface="Arial" panose="020B0604020202020204" pitchFamily="34" charset="0"/>
+              <a:buNone/>
+              <a:defRPr sz="1800" kern="1200">
+                <a:solidFill>
+                  <a:schemeClr val="tx1"/>
+                </a:solidFill>
+                <a:latin typeface="+mn-lt"/>
+                <a:ea typeface="+mn-ea"/>
+                <a:cs typeface="+mn-cs"/>
+              </a:defRPr>
+            </a:lvl3pPr>
+            <a:lvl4pPr marL="1371600" indent="0" algn="ctr" defTabSz="914400" rtl="0" eaLnBrk="1" latinLnBrk="0" hangingPunct="1">
+              <a:lnSpc>
+                <a:spcPct val="90000"/>
+              </a:lnSpc>
+              <a:spcBef>
+                <a:spcPts val="500"/>
+              </a:spcBef>
+              <a:buFont typeface="Arial" panose="020B0604020202020204" pitchFamily="34" charset="0"/>
+              <a:buNone/>
+              <a:defRPr sz="1600" kern="1200">
+                <a:solidFill>
+                  <a:schemeClr val="tx1"/>
+                </a:solidFill>
+                <a:latin typeface="+mn-lt"/>
+                <a:ea typeface="+mn-ea"/>
+                <a:cs typeface="+mn-cs"/>
+              </a:defRPr>
+            </a:lvl4pPr>
+            <a:lvl5pPr marL="1828800" indent="0" algn="ctr" defTabSz="914400" rtl="0" eaLnBrk="1" latinLnBrk="0" hangingPunct="1">
+              <a:lnSpc>
+                <a:spcPct val="90000"/>
+              </a:lnSpc>
+              <a:spcBef>
+                <a:spcPts val="500"/>
+              </a:spcBef>
+              <a:buFont typeface="Arial" panose="020B0604020202020204" pitchFamily="34" charset="0"/>
+              <a:buNone/>
+              <a:defRPr sz="1600" kern="1200">
+                <a:solidFill>
+                  <a:schemeClr val="tx1"/>
+                </a:solidFill>
+                <a:latin typeface="+mn-lt"/>
+                <a:ea typeface="+mn-ea"/>
+                <a:cs typeface="+mn-cs"/>
+              </a:defRPr>
+            </a:lvl5pPr>
+            <a:lvl6pPr marL="2286000" indent="0" algn="ctr" defTabSz="914400" rtl="0" eaLnBrk="1" latinLnBrk="0" hangingPunct="1">
+              <a:lnSpc>
+                <a:spcPct val="90000"/>
+              </a:lnSpc>
+              <a:spcBef>
+                <a:spcPts val="500"/>
+              </a:spcBef>
+              <a:buFont typeface="Arial" panose="020B0604020202020204" pitchFamily="34" charset="0"/>
+              <a:buNone/>
+              <a:defRPr sz="1600" kern="1200">
+                <a:solidFill>
+                  <a:schemeClr val="tx1"/>
+                </a:solidFill>
+                <a:latin typeface="+mn-lt"/>
+                <a:ea typeface="+mn-ea"/>
+                <a:cs typeface="+mn-cs"/>
+              </a:defRPr>
+            </a:lvl6pPr>
+            <a:lvl7pPr marL="2743200" indent="0" algn="ctr" defTabSz="914400" rtl="0" eaLnBrk="1" latinLnBrk="0" hangingPunct="1">
+              <a:lnSpc>
+                <a:spcPct val="90000"/>
+              </a:lnSpc>
+              <a:spcBef>
+                <a:spcPts val="500"/>
+              </a:spcBef>
+              <a:buFont typeface="Arial" panose="020B0604020202020204" pitchFamily="34" charset="0"/>
+              <a:buNone/>
+              <a:defRPr sz="1600" kern="1200">
+                <a:solidFill>
+                  <a:schemeClr val="tx1"/>
+                </a:solidFill>
+                <a:latin typeface="+mn-lt"/>
+                <a:ea typeface="+mn-ea"/>
+                <a:cs typeface="+mn-cs"/>
+              </a:defRPr>
+            </a:lvl7pPr>
+            <a:lvl8pPr marL="3200400" indent="0" algn="ctr" defTabSz="914400" rtl="0" eaLnBrk="1" latinLnBrk="0" hangingPunct="1">
+              <a:lnSpc>
+                <a:spcPct val="90000"/>
+              </a:lnSpc>
+              <a:spcBef>
+                <a:spcPts val="500"/>
+              </a:spcBef>
+              <a:buFont typeface="Arial" panose="020B0604020202020204" pitchFamily="34" charset="0"/>
+              <a:buNone/>
+              <a:defRPr sz="1600" kern="1200">
+                <a:solidFill>
+                  <a:schemeClr val="tx1"/>
+                </a:solidFill>
+                <a:latin typeface="+mn-lt"/>
+                <a:ea typeface="+mn-ea"/>
+                <a:cs typeface="+mn-cs"/>
+              </a:defRPr>
+            </a:lvl8pPr>
+            <a:lvl9pPr marL="3657600" indent="0" algn="ctr" defTabSz="914400" rtl="0" eaLnBrk="1" latinLnBrk="0" hangingPunct="1">
+              <a:lnSpc>
+                <a:spcPct val="90000"/>
+              </a:lnSpc>
+              <a:spcBef>
+                <a:spcPts val="500"/>
+              </a:spcBef>
+              <a:buFont typeface="Arial" panose="020B0604020202020204" pitchFamily="34" charset="0"/>
+              <a:buNone/>
+              <a:defRPr sz="1600" kern="1200">
+                <a:solidFill>
+                  <a:schemeClr val="tx1"/>
+                </a:solidFill>
+                <a:latin typeface="+mn-lt"/>
+                <a:ea typeface="+mn-ea"/>
+                <a:cs typeface="+mn-cs"/>
+              </a:defRPr>
+            </a:lvl9pPr>
+          </a:lstStyle>
+          <a:p>
+            <a:pPr algn="l"/>
+            <a:r>
+              <a:rPr lang="es-AR" sz="2800" dirty="0">
+                <a:solidFill>
+                  <a:schemeClr val="bg1"/>
+                </a:solidFill>
+              </a:rPr>
+              <a:t>Quiero generar un perro</a:t>
+            </a:r>
+            <a:r>
+              <a:rPr lang="es-AR" sz="2800" dirty="0">
+                <a:solidFill>
+                  <a:schemeClr val="bg1"/>
+                </a:solidFill>
+                <a:sym typeface="Wingdings" panose="05000000000000000000" pitchFamily="2" charset="2"/>
+              </a:rPr>
+              <a:t> ¿cual es la </a:t>
+            </a:r>
+            <a:r>
+              <a:rPr lang="es-AR" sz="2800" dirty="0" err="1">
+                <a:solidFill>
+                  <a:srgbClr val="FF0000"/>
+                </a:solidFill>
+                <a:sym typeface="Wingdings" panose="05000000000000000000" pitchFamily="2" charset="2"/>
+              </a:rPr>
+              <a:t>func</a:t>
+            </a:r>
+            <a:r>
+              <a:rPr lang="es-AR" sz="2800" dirty="0">
+                <a:solidFill>
+                  <a:srgbClr val="FF0000"/>
+                </a:solidFill>
+                <a:sym typeface="Wingdings" panose="05000000000000000000" pitchFamily="2" charset="2"/>
+              </a:rPr>
+              <a:t> de </a:t>
+            </a:r>
+            <a:r>
+              <a:rPr lang="es-AR" sz="2800" dirty="0" err="1">
+                <a:solidFill>
+                  <a:srgbClr val="FF0000"/>
+                </a:solidFill>
+                <a:sym typeface="Wingdings" panose="05000000000000000000" pitchFamily="2" charset="2"/>
+              </a:rPr>
+              <a:t>prob</a:t>
+            </a:r>
+            <a:r>
+              <a:rPr lang="es-AR" sz="2800" dirty="0">
+                <a:solidFill>
+                  <a:srgbClr val="FF0000"/>
+                </a:solidFill>
+                <a:sym typeface="Wingdings" panose="05000000000000000000" pitchFamily="2" charset="2"/>
+              </a:rPr>
+              <a:t> </a:t>
+            </a:r>
+            <a:r>
+              <a:rPr lang="es-AR" sz="2800" dirty="0">
+                <a:solidFill>
+                  <a:schemeClr val="bg1"/>
+                </a:solidFill>
+                <a:sym typeface="Wingdings" panose="05000000000000000000" pitchFamily="2" charset="2"/>
+              </a:rPr>
+              <a:t>para que tome un valor de ella y saque un perro?</a:t>
+            </a:r>
+            <a:endParaRPr lang="es-AR" sz="2800" dirty="0">
+              <a:solidFill>
+                <a:schemeClr val="bg1"/>
+              </a:solidFill>
+            </a:endParaRPr>
+          </a:p>
+          <a:p>
+            <a:pPr algn="l"/>
+            <a:r>
+              <a:rPr lang="es-AR" sz="2800" dirty="0">
+                <a:solidFill>
+                  <a:schemeClr val="bg1"/>
+                </a:solidFill>
+              </a:rPr>
+              <a:t>	</a:t>
+            </a:r>
+          </a:p>
+        </p:txBody>
+      </p:sp>
+      <p:pic>
+        <p:nvPicPr>
+          <p:cNvPr id="3" name="Picture 2"/>
+          <p:cNvPicPr>
+            <a:picLocks noChangeAspect="1"/>
+          </p:cNvPicPr>
+          <p:nvPr/>
+        </p:nvPicPr>
+        <p:blipFill>
+          <a:blip r:embed="rId2"/>
+          <a:stretch>
+            <a:fillRect/>
+          </a:stretch>
+        </p:blipFill>
+        <p:spPr>
+          <a:xfrm>
+            <a:off x="6616856" y="695012"/>
+            <a:ext cx="4896857" cy="5887233"/>
+          </a:xfrm>
+          <a:prstGeom prst="rect">
+            <a:avLst/>
+          </a:prstGeom>
+        </p:spPr>
+      </p:pic>
+      <p:sp>
+        <p:nvSpPr>
+          <p:cNvPr id="6" name="Subtitle 1"/>
+          <p:cNvSpPr txBox="1">
+            <a:spLocks/>
+          </p:cNvSpPr>
+          <p:nvPr/>
+        </p:nvSpPr>
+        <p:spPr>
+          <a:xfrm>
+            <a:off x="156260" y="1085871"/>
+            <a:ext cx="5909689" cy="1090659"/>
+          </a:xfrm>
+          <a:prstGeom prst="rect">
+            <a:avLst/>
+          </a:prstGeom>
+        </p:spPr>
+        <p:txBody>
+          <a:bodyPr vert="horz" lIns="91440" tIns="45720" rIns="91440" bIns="45720" rtlCol="0">
+            <a:noAutofit/>
+          </a:bodyPr>
+          <a:lstStyle>
+            <a:lvl1pPr marL="0" indent="0" algn="ctr" defTabSz="914400" rtl="0" eaLnBrk="1" latinLnBrk="0" hangingPunct="1">
+              <a:lnSpc>
+                <a:spcPct val="90000"/>
+              </a:lnSpc>
+              <a:spcBef>
+                <a:spcPts val="1000"/>
+              </a:spcBef>
+              <a:buFont typeface="Arial" panose="020B0604020202020204" pitchFamily="34" charset="0"/>
+              <a:buNone/>
+              <a:defRPr sz="2400" kern="1200">
+                <a:solidFill>
+                  <a:schemeClr val="tx1"/>
+                </a:solidFill>
+                <a:latin typeface="+mn-lt"/>
+                <a:ea typeface="+mn-ea"/>
+                <a:cs typeface="+mn-cs"/>
+              </a:defRPr>
+            </a:lvl1pPr>
+            <a:lvl2pPr marL="457200" indent="0" algn="ctr" defTabSz="914400" rtl="0" eaLnBrk="1" latinLnBrk="0" hangingPunct="1">
+              <a:lnSpc>
+                <a:spcPct val="90000"/>
+              </a:lnSpc>
+              <a:spcBef>
+                <a:spcPts val="500"/>
+              </a:spcBef>
+              <a:buFont typeface="Arial" panose="020B0604020202020204" pitchFamily="34" charset="0"/>
+              <a:buNone/>
+              <a:defRPr sz="2000" kern="1200">
+                <a:solidFill>
+                  <a:schemeClr val="tx1"/>
+                </a:solidFill>
+                <a:latin typeface="+mn-lt"/>
+                <a:ea typeface="+mn-ea"/>
+                <a:cs typeface="+mn-cs"/>
+              </a:defRPr>
+            </a:lvl2pPr>
+            <a:lvl3pPr marL="914400" indent="0" algn="ctr" defTabSz="914400" rtl="0" eaLnBrk="1" latinLnBrk="0" hangingPunct="1">
+              <a:lnSpc>
+                <a:spcPct val="90000"/>
+              </a:lnSpc>
+              <a:spcBef>
+                <a:spcPts val="500"/>
+              </a:spcBef>
+              <a:buFont typeface="Arial" panose="020B0604020202020204" pitchFamily="34" charset="0"/>
+              <a:buNone/>
+              <a:defRPr sz="1800" kern="1200">
+                <a:solidFill>
+                  <a:schemeClr val="tx1"/>
+                </a:solidFill>
+                <a:latin typeface="+mn-lt"/>
+                <a:ea typeface="+mn-ea"/>
+                <a:cs typeface="+mn-cs"/>
+              </a:defRPr>
+            </a:lvl3pPr>
+            <a:lvl4pPr marL="1371600" indent="0" algn="ctr" defTabSz="914400" rtl="0" eaLnBrk="1" latinLnBrk="0" hangingPunct="1">
+              <a:lnSpc>
+                <a:spcPct val="90000"/>
+              </a:lnSpc>
+              <a:spcBef>
+                <a:spcPts val="500"/>
+              </a:spcBef>
+              <a:buFont typeface="Arial" panose="020B0604020202020204" pitchFamily="34" charset="0"/>
+              <a:buNone/>
+              <a:defRPr sz="1600" kern="1200">
+                <a:solidFill>
+                  <a:schemeClr val="tx1"/>
+                </a:solidFill>
+                <a:latin typeface="+mn-lt"/>
+                <a:ea typeface="+mn-ea"/>
+                <a:cs typeface="+mn-cs"/>
+              </a:defRPr>
+            </a:lvl4pPr>
+            <a:lvl5pPr marL="1828800" indent="0" algn="ctr" defTabSz="914400" rtl="0" eaLnBrk="1" latinLnBrk="0" hangingPunct="1">
+              <a:lnSpc>
+                <a:spcPct val="90000"/>
+              </a:lnSpc>
+              <a:spcBef>
+                <a:spcPts val="500"/>
+              </a:spcBef>
+              <a:buFont typeface="Arial" panose="020B0604020202020204" pitchFamily="34" charset="0"/>
+              <a:buNone/>
+              <a:defRPr sz="1600" kern="1200">
+                <a:solidFill>
+                  <a:schemeClr val="tx1"/>
+                </a:solidFill>
+                <a:latin typeface="+mn-lt"/>
+                <a:ea typeface="+mn-ea"/>
+                <a:cs typeface="+mn-cs"/>
+              </a:defRPr>
+            </a:lvl5pPr>
+            <a:lvl6pPr marL="2286000" indent="0" algn="ctr" defTabSz="914400" rtl="0" eaLnBrk="1" latinLnBrk="0" hangingPunct="1">
+              <a:lnSpc>
+                <a:spcPct val="90000"/>
+              </a:lnSpc>
+              <a:spcBef>
+                <a:spcPts val="500"/>
+              </a:spcBef>
+              <a:buFont typeface="Arial" panose="020B0604020202020204" pitchFamily="34" charset="0"/>
+              <a:buNone/>
+              <a:defRPr sz="1600" kern="1200">
+                <a:solidFill>
+                  <a:schemeClr val="tx1"/>
+                </a:solidFill>
+                <a:latin typeface="+mn-lt"/>
+                <a:ea typeface="+mn-ea"/>
+                <a:cs typeface="+mn-cs"/>
+              </a:defRPr>
+            </a:lvl6pPr>
+            <a:lvl7pPr marL="2743200" indent="0" algn="ctr" defTabSz="914400" rtl="0" eaLnBrk="1" latinLnBrk="0" hangingPunct="1">
+              <a:lnSpc>
+                <a:spcPct val="90000"/>
+              </a:lnSpc>
+              <a:spcBef>
+                <a:spcPts val="500"/>
+              </a:spcBef>
+              <a:buFont typeface="Arial" panose="020B0604020202020204" pitchFamily="34" charset="0"/>
+              <a:buNone/>
+              <a:defRPr sz="1600" kern="1200">
+                <a:solidFill>
+                  <a:schemeClr val="tx1"/>
+                </a:solidFill>
+                <a:latin typeface="+mn-lt"/>
+                <a:ea typeface="+mn-ea"/>
+                <a:cs typeface="+mn-cs"/>
+              </a:defRPr>
+            </a:lvl7pPr>
+            <a:lvl8pPr marL="3200400" indent="0" algn="ctr" defTabSz="914400" rtl="0" eaLnBrk="1" latinLnBrk="0" hangingPunct="1">
+              <a:lnSpc>
+                <a:spcPct val="90000"/>
+              </a:lnSpc>
+              <a:spcBef>
+                <a:spcPts val="500"/>
+              </a:spcBef>
+              <a:buFont typeface="Arial" panose="020B0604020202020204" pitchFamily="34" charset="0"/>
+              <a:buNone/>
+              <a:defRPr sz="1600" kern="1200">
+                <a:solidFill>
+                  <a:schemeClr val="tx1"/>
+                </a:solidFill>
+                <a:latin typeface="+mn-lt"/>
+                <a:ea typeface="+mn-ea"/>
+                <a:cs typeface="+mn-cs"/>
+              </a:defRPr>
+            </a:lvl8pPr>
+            <a:lvl9pPr marL="3657600" indent="0" algn="ctr" defTabSz="914400" rtl="0" eaLnBrk="1" latinLnBrk="0" hangingPunct="1">
+              <a:lnSpc>
+                <a:spcPct val="90000"/>
+              </a:lnSpc>
+              <a:spcBef>
+                <a:spcPts val="500"/>
+              </a:spcBef>
+              <a:buFont typeface="Arial" panose="020B0604020202020204" pitchFamily="34" charset="0"/>
+              <a:buNone/>
+              <a:defRPr sz="1600" kern="1200">
+                <a:solidFill>
+                  <a:schemeClr val="tx1"/>
+                </a:solidFill>
+                <a:latin typeface="+mn-lt"/>
+                <a:ea typeface="+mn-ea"/>
+                <a:cs typeface="+mn-cs"/>
+              </a:defRPr>
+            </a:lvl9pPr>
+          </a:lstStyle>
+          <a:p>
+            <a:pPr algn="l"/>
+            <a:r>
+              <a:rPr lang="es-AR" sz="2800" dirty="0">
+                <a:solidFill>
+                  <a:schemeClr val="bg1"/>
+                </a:solidFill>
+              </a:rPr>
+              <a:t>2 redes neuronales enfrentadas:</a:t>
+            </a:r>
+          </a:p>
+          <a:p>
+            <a:pPr algn="l"/>
+            <a:r>
+              <a:rPr lang="es-AR" sz="2800" dirty="0">
+                <a:solidFill>
+                  <a:schemeClr val="bg1"/>
+                </a:solidFill>
+              </a:rPr>
+              <a:t> </a:t>
+            </a:r>
+            <a:r>
+              <a:rPr lang="es-AR" sz="2800" b="1" dirty="0">
+                <a:solidFill>
+                  <a:schemeClr val="bg1"/>
+                </a:solidFill>
+              </a:rPr>
+              <a:t>G</a:t>
+            </a:r>
+            <a:r>
+              <a:rPr lang="es-AR" sz="2800" dirty="0">
+                <a:solidFill>
+                  <a:schemeClr val="bg1"/>
+                </a:solidFill>
+              </a:rPr>
+              <a:t>enerador -  </a:t>
+            </a:r>
+            <a:r>
+              <a:rPr lang="es-AR" sz="2800" b="1" dirty="0">
+                <a:solidFill>
+                  <a:schemeClr val="bg1"/>
+                </a:solidFill>
+              </a:rPr>
+              <a:t>D</a:t>
+            </a:r>
+            <a:r>
+              <a:rPr lang="es-AR" sz="2800" dirty="0">
+                <a:solidFill>
+                  <a:schemeClr val="bg1"/>
+                </a:solidFill>
+              </a:rPr>
+              <a:t>iscriminador	</a:t>
+            </a:r>
+          </a:p>
+          <a:p>
+            <a:pPr algn="l"/>
+            <a:endParaRPr lang="es-AR" sz="2800" dirty="0">
+              <a:solidFill>
+                <a:schemeClr val="bg1"/>
+              </a:solidFill>
+            </a:endParaRPr>
+          </a:p>
+        </p:txBody>
+      </p:sp>
+      <p:sp>
+        <p:nvSpPr>
+          <p:cNvPr id="7" name="Subtitle 1"/>
+          <p:cNvSpPr txBox="1">
+            <a:spLocks/>
+          </p:cNvSpPr>
+          <p:nvPr/>
+        </p:nvSpPr>
+        <p:spPr>
+          <a:xfrm>
+            <a:off x="186311" y="2668523"/>
+            <a:ext cx="5909689" cy="1645416"/>
+          </a:xfrm>
+          <a:prstGeom prst="rect">
+            <a:avLst/>
+          </a:prstGeom>
+        </p:spPr>
+        <p:txBody>
+          <a:bodyPr vert="horz" lIns="91440" tIns="45720" rIns="91440" bIns="45720" rtlCol="0">
+            <a:noAutofit/>
+          </a:bodyPr>
+          <a:lstStyle>
+            <a:lvl1pPr marL="0" indent="0" algn="ctr" defTabSz="914400" rtl="0" eaLnBrk="1" latinLnBrk="0" hangingPunct="1">
+              <a:lnSpc>
+                <a:spcPct val="90000"/>
+              </a:lnSpc>
+              <a:spcBef>
+                <a:spcPts val="1000"/>
+              </a:spcBef>
+              <a:buFont typeface="Arial" panose="020B0604020202020204" pitchFamily="34" charset="0"/>
+              <a:buNone/>
+              <a:defRPr sz="2400" kern="1200">
+                <a:solidFill>
+                  <a:schemeClr val="tx1"/>
+                </a:solidFill>
+                <a:latin typeface="+mn-lt"/>
+                <a:ea typeface="+mn-ea"/>
+                <a:cs typeface="+mn-cs"/>
+              </a:defRPr>
+            </a:lvl1pPr>
+            <a:lvl2pPr marL="457200" indent="0" algn="ctr" defTabSz="914400" rtl="0" eaLnBrk="1" latinLnBrk="0" hangingPunct="1">
+              <a:lnSpc>
+                <a:spcPct val="90000"/>
+              </a:lnSpc>
+              <a:spcBef>
+                <a:spcPts val="500"/>
+              </a:spcBef>
+              <a:buFont typeface="Arial" panose="020B0604020202020204" pitchFamily="34" charset="0"/>
+              <a:buNone/>
+              <a:defRPr sz="2000" kern="1200">
+                <a:solidFill>
+                  <a:schemeClr val="tx1"/>
+                </a:solidFill>
+                <a:latin typeface="+mn-lt"/>
+                <a:ea typeface="+mn-ea"/>
+                <a:cs typeface="+mn-cs"/>
+              </a:defRPr>
+            </a:lvl2pPr>
+            <a:lvl3pPr marL="914400" indent="0" algn="ctr" defTabSz="914400" rtl="0" eaLnBrk="1" latinLnBrk="0" hangingPunct="1">
+              <a:lnSpc>
+                <a:spcPct val="90000"/>
+              </a:lnSpc>
+              <a:spcBef>
+                <a:spcPts val="500"/>
+              </a:spcBef>
+              <a:buFont typeface="Arial" panose="020B0604020202020204" pitchFamily="34" charset="0"/>
+              <a:buNone/>
+              <a:defRPr sz="1800" kern="1200">
+                <a:solidFill>
+                  <a:schemeClr val="tx1"/>
+                </a:solidFill>
+                <a:latin typeface="+mn-lt"/>
+                <a:ea typeface="+mn-ea"/>
+                <a:cs typeface="+mn-cs"/>
+              </a:defRPr>
+            </a:lvl3pPr>
+            <a:lvl4pPr marL="1371600" indent="0" algn="ctr" defTabSz="914400" rtl="0" eaLnBrk="1" latinLnBrk="0" hangingPunct="1">
+              <a:lnSpc>
+                <a:spcPct val="90000"/>
+              </a:lnSpc>
+              <a:spcBef>
+                <a:spcPts val="500"/>
+              </a:spcBef>
+              <a:buFont typeface="Arial" panose="020B0604020202020204" pitchFamily="34" charset="0"/>
+              <a:buNone/>
+              <a:defRPr sz="1600" kern="1200">
+                <a:solidFill>
+                  <a:schemeClr val="tx1"/>
+                </a:solidFill>
+                <a:latin typeface="+mn-lt"/>
+                <a:ea typeface="+mn-ea"/>
+                <a:cs typeface="+mn-cs"/>
+              </a:defRPr>
+            </a:lvl4pPr>
+            <a:lvl5pPr marL="1828800" indent="0" algn="ctr" defTabSz="914400" rtl="0" eaLnBrk="1" latinLnBrk="0" hangingPunct="1">
+              <a:lnSpc>
+                <a:spcPct val="90000"/>
+              </a:lnSpc>
+              <a:spcBef>
+                <a:spcPts val="500"/>
+              </a:spcBef>
+              <a:buFont typeface="Arial" panose="020B0604020202020204" pitchFamily="34" charset="0"/>
+              <a:buNone/>
+              <a:defRPr sz="1600" kern="1200">
+                <a:solidFill>
+                  <a:schemeClr val="tx1"/>
+                </a:solidFill>
+                <a:latin typeface="+mn-lt"/>
+                <a:ea typeface="+mn-ea"/>
+                <a:cs typeface="+mn-cs"/>
+              </a:defRPr>
+            </a:lvl5pPr>
+            <a:lvl6pPr marL="2286000" indent="0" algn="ctr" defTabSz="914400" rtl="0" eaLnBrk="1" latinLnBrk="0" hangingPunct="1">
+              <a:lnSpc>
+                <a:spcPct val="90000"/>
+              </a:lnSpc>
+              <a:spcBef>
+                <a:spcPts val="500"/>
+              </a:spcBef>
+              <a:buFont typeface="Arial" panose="020B0604020202020204" pitchFamily="34" charset="0"/>
+              <a:buNone/>
+              <a:defRPr sz="1600" kern="1200">
+                <a:solidFill>
+                  <a:schemeClr val="tx1"/>
+                </a:solidFill>
+                <a:latin typeface="+mn-lt"/>
+                <a:ea typeface="+mn-ea"/>
+                <a:cs typeface="+mn-cs"/>
+              </a:defRPr>
+            </a:lvl6pPr>
+            <a:lvl7pPr marL="2743200" indent="0" algn="ctr" defTabSz="914400" rtl="0" eaLnBrk="1" latinLnBrk="0" hangingPunct="1">
+              <a:lnSpc>
+                <a:spcPct val="90000"/>
+              </a:lnSpc>
+              <a:spcBef>
+                <a:spcPts val="500"/>
+              </a:spcBef>
+              <a:buFont typeface="Arial" panose="020B0604020202020204" pitchFamily="34" charset="0"/>
+              <a:buNone/>
+              <a:defRPr sz="1600" kern="1200">
+                <a:solidFill>
+                  <a:schemeClr val="tx1"/>
+                </a:solidFill>
+                <a:latin typeface="+mn-lt"/>
+                <a:ea typeface="+mn-ea"/>
+                <a:cs typeface="+mn-cs"/>
+              </a:defRPr>
+            </a:lvl7pPr>
+            <a:lvl8pPr marL="3200400" indent="0" algn="ctr" defTabSz="914400" rtl="0" eaLnBrk="1" latinLnBrk="0" hangingPunct="1">
+              <a:lnSpc>
+                <a:spcPct val="90000"/>
+              </a:lnSpc>
+              <a:spcBef>
+                <a:spcPts val="500"/>
+              </a:spcBef>
+              <a:buFont typeface="Arial" panose="020B0604020202020204" pitchFamily="34" charset="0"/>
+              <a:buNone/>
+              <a:defRPr sz="1600" kern="1200">
+                <a:solidFill>
+                  <a:schemeClr val="tx1"/>
+                </a:solidFill>
+                <a:latin typeface="+mn-lt"/>
+                <a:ea typeface="+mn-ea"/>
+                <a:cs typeface="+mn-cs"/>
+              </a:defRPr>
+            </a:lvl8pPr>
+            <a:lvl9pPr marL="3657600" indent="0" algn="ctr" defTabSz="914400" rtl="0" eaLnBrk="1" latinLnBrk="0" hangingPunct="1">
+              <a:lnSpc>
+                <a:spcPct val="90000"/>
+              </a:lnSpc>
+              <a:spcBef>
+                <a:spcPts val="500"/>
+              </a:spcBef>
+              <a:buFont typeface="Arial" panose="020B0604020202020204" pitchFamily="34" charset="0"/>
+              <a:buNone/>
+              <a:defRPr sz="1600" kern="1200">
+                <a:solidFill>
+                  <a:schemeClr val="tx1"/>
+                </a:solidFill>
+                <a:latin typeface="+mn-lt"/>
+                <a:ea typeface="+mn-ea"/>
+                <a:cs typeface="+mn-cs"/>
+              </a:defRPr>
+            </a:lvl9pPr>
+          </a:lstStyle>
+          <a:p>
+            <a:pPr algn="l"/>
+            <a:r>
+              <a:rPr lang="es-AR" sz="2800" b="1" dirty="0">
+                <a:solidFill>
+                  <a:schemeClr val="bg1"/>
+                </a:solidFill>
+              </a:rPr>
+              <a:t>G</a:t>
+            </a:r>
+            <a:r>
+              <a:rPr lang="es-AR" sz="2800" dirty="0">
+                <a:solidFill>
+                  <a:schemeClr val="bg1"/>
+                </a:solidFill>
+              </a:rPr>
+              <a:t> </a:t>
+            </a:r>
+            <a:r>
+              <a:rPr lang="es-AR" sz="2800" dirty="0">
+                <a:solidFill>
+                  <a:schemeClr val="bg1"/>
+                </a:solidFill>
+                <a:sym typeface="Wingdings" panose="05000000000000000000" pitchFamily="2" charset="2"/>
+              </a:rPr>
+              <a:t> debe aprender una </a:t>
+            </a:r>
+            <a:r>
+              <a:rPr lang="es-AR" sz="2800" dirty="0" err="1">
+                <a:solidFill>
+                  <a:srgbClr val="FF0000"/>
+                </a:solidFill>
+                <a:sym typeface="Wingdings" panose="05000000000000000000" pitchFamily="2" charset="2"/>
+              </a:rPr>
+              <a:t>func</a:t>
+            </a:r>
+            <a:r>
+              <a:rPr lang="es-AR" sz="2800" dirty="0">
+                <a:solidFill>
+                  <a:srgbClr val="FF0000"/>
+                </a:solidFill>
+                <a:sym typeface="Wingdings" panose="05000000000000000000" pitchFamily="2" charset="2"/>
+              </a:rPr>
+              <a:t> de </a:t>
+            </a:r>
+            <a:r>
+              <a:rPr lang="es-AR" sz="2800" dirty="0" err="1">
+                <a:solidFill>
+                  <a:srgbClr val="FF0000"/>
+                </a:solidFill>
+                <a:sym typeface="Wingdings" panose="05000000000000000000" pitchFamily="2" charset="2"/>
+              </a:rPr>
+              <a:t>prob</a:t>
+            </a:r>
+            <a:r>
+              <a:rPr lang="es-AR" sz="2800" dirty="0">
+                <a:solidFill>
+                  <a:srgbClr val="FF0000"/>
+                </a:solidFill>
+                <a:sym typeface="Wingdings" panose="05000000000000000000" pitchFamily="2" charset="2"/>
+              </a:rPr>
+              <a:t> </a:t>
+            </a:r>
+            <a:r>
+              <a:rPr lang="es-AR" sz="2800" dirty="0">
+                <a:solidFill>
+                  <a:schemeClr val="bg1"/>
+                </a:solidFill>
+                <a:sym typeface="Wingdings" panose="05000000000000000000" pitchFamily="2" charset="2"/>
+              </a:rPr>
+              <a:t>sobre los objetos que deseamos crear a partir de un RND (vector)</a:t>
+            </a:r>
+            <a:r>
+              <a:rPr lang="es-AR" sz="2800" dirty="0">
+                <a:solidFill>
+                  <a:schemeClr val="bg1"/>
+                </a:solidFill>
+              </a:rPr>
+              <a:t>	</a:t>
+            </a:r>
+          </a:p>
+          <a:p>
+            <a:pPr algn="l"/>
+            <a:endParaRPr lang="es-AR" sz="2800" dirty="0">
+              <a:solidFill>
+                <a:schemeClr val="bg1"/>
+              </a:solidFill>
+            </a:endParaRPr>
+          </a:p>
+        </p:txBody>
+      </p:sp>
+      <p:sp>
+        <p:nvSpPr>
+          <p:cNvPr id="8" name="Subtitle 1"/>
+          <p:cNvSpPr txBox="1">
+            <a:spLocks/>
+          </p:cNvSpPr>
+          <p:nvPr/>
+        </p:nvSpPr>
+        <p:spPr>
+          <a:xfrm>
+            <a:off x="3547740" y="6193151"/>
+            <a:ext cx="2192762" cy="441054"/>
+          </a:xfrm>
+          <a:prstGeom prst="rect">
+            <a:avLst/>
+          </a:prstGeom>
+        </p:spPr>
+        <p:txBody>
+          <a:bodyPr vert="horz" lIns="91440" tIns="45720" rIns="91440" bIns="45720" rtlCol="0">
+            <a:noAutofit/>
+          </a:bodyPr>
+          <a:lstStyle>
+            <a:lvl1pPr marL="0" indent="0" algn="ctr" defTabSz="914400" rtl="0" eaLnBrk="1" latinLnBrk="0" hangingPunct="1">
+              <a:lnSpc>
+                <a:spcPct val="90000"/>
+              </a:lnSpc>
+              <a:spcBef>
+                <a:spcPts val="1000"/>
+              </a:spcBef>
+              <a:buFont typeface="Arial" panose="020B0604020202020204" pitchFamily="34" charset="0"/>
+              <a:buNone/>
+              <a:defRPr sz="2400" kern="1200">
+                <a:solidFill>
+                  <a:schemeClr val="tx1"/>
+                </a:solidFill>
+                <a:latin typeface="+mn-lt"/>
+                <a:ea typeface="+mn-ea"/>
+                <a:cs typeface="+mn-cs"/>
+              </a:defRPr>
+            </a:lvl1pPr>
+            <a:lvl2pPr marL="457200" indent="0" algn="ctr" defTabSz="914400" rtl="0" eaLnBrk="1" latinLnBrk="0" hangingPunct="1">
+              <a:lnSpc>
+                <a:spcPct val="90000"/>
+              </a:lnSpc>
+              <a:spcBef>
+                <a:spcPts val="500"/>
+              </a:spcBef>
+              <a:buFont typeface="Arial" panose="020B0604020202020204" pitchFamily="34" charset="0"/>
+              <a:buNone/>
+              <a:defRPr sz="2000" kern="1200">
+                <a:solidFill>
+                  <a:schemeClr val="tx1"/>
+                </a:solidFill>
+                <a:latin typeface="+mn-lt"/>
+                <a:ea typeface="+mn-ea"/>
+                <a:cs typeface="+mn-cs"/>
+              </a:defRPr>
+            </a:lvl2pPr>
+            <a:lvl3pPr marL="914400" indent="0" algn="ctr" defTabSz="914400" rtl="0" eaLnBrk="1" latinLnBrk="0" hangingPunct="1">
+              <a:lnSpc>
+                <a:spcPct val="90000"/>
+              </a:lnSpc>
+              <a:spcBef>
+                <a:spcPts val="500"/>
+              </a:spcBef>
+              <a:buFont typeface="Arial" panose="020B0604020202020204" pitchFamily="34" charset="0"/>
+              <a:buNone/>
+              <a:defRPr sz="1800" kern="1200">
+                <a:solidFill>
+                  <a:schemeClr val="tx1"/>
+                </a:solidFill>
+                <a:latin typeface="+mn-lt"/>
+                <a:ea typeface="+mn-ea"/>
+                <a:cs typeface="+mn-cs"/>
+              </a:defRPr>
+            </a:lvl3pPr>
+            <a:lvl4pPr marL="1371600" indent="0" algn="ctr" defTabSz="914400" rtl="0" eaLnBrk="1" latinLnBrk="0" hangingPunct="1">
+              <a:lnSpc>
+                <a:spcPct val="90000"/>
+              </a:lnSpc>
+              <a:spcBef>
+                <a:spcPts val="500"/>
+              </a:spcBef>
+              <a:buFont typeface="Arial" panose="020B0604020202020204" pitchFamily="34" charset="0"/>
+              <a:buNone/>
+              <a:defRPr sz="1600" kern="1200">
+                <a:solidFill>
+                  <a:schemeClr val="tx1"/>
+                </a:solidFill>
+                <a:latin typeface="+mn-lt"/>
+                <a:ea typeface="+mn-ea"/>
+                <a:cs typeface="+mn-cs"/>
+              </a:defRPr>
+            </a:lvl4pPr>
+            <a:lvl5pPr marL="1828800" indent="0" algn="ctr" defTabSz="914400" rtl="0" eaLnBrk="1" latinLnBrk="0" hangingPunct="1">
+              <a:lnSpc>
+                <a:spcPct val="90000"/>
+              </a:lnSpc>
+              <a:spcBef>
+                <a:spcPts val="500"/>
+              </a:spcBef>
+              <a:buFont typeface="Arial" panose="020B0604020202020204" pitchFamily="34" charset="0"/>
+              <a:buNone/>
+              <a:defRPr sz="1600" kern="1200">
+                <a:solidFill>
+                  <a:schemeClr val="tx1"/>
+                </a:solidFill>
+                <a:latin typeface="+mn-lt"/>
+                <a:ea typeface="+mn-ea"/>
+                <a:cs typeface="+mn-cs"/>
+              </a:defRPr>
+            </a:lvl5pPr>
+            <a:lvl6pPr marL="2286000" indent="0" algn="ctr" defTabSz="914400" rtl="0" eaLnBrk="1" latinLnBrk="0" hangingPunct="1">
+              <a:lnSpc>
+                <a:spcPct val="90000"/>
+              </a:lnSpc>
+              <a:spcBef>
+                <a:spcPts val="500"/>
+              </a:spcBef>
+              <a:buFont typeface="Arial" panose="020B0604020202020204" pitchFamily="34" charset="0"/>
+              <a:buNone/>
+              <a:defRPr sz="1600" kern="1200">
+                <a:solidFill>
+                  <a:schemeClr val="tx1"/>
+                </a:solidFill>
+                <a:latin typeface="+mn-lt"/>
+                <a:ea typeface="+mn-ea"/>
+                <a:cs typeface="+mn-cs"/>
+              </a:defRPr>
+            </a:lvl6pPr>
+            <a:lvl7pPr marL="2743200" indent="0" algn="ctr" defTabSz="914400" rtl="0" eaLnBrk="1" latinLnBrk="0" hangingPunct="1">
+              <a:lnSpc>
+                <a:spcPct val="90000"/>
+              </a:lnSpc>
+              <a:spcBef>
+                <a:spcPts val="500"/>
+              </a:spcBef>
+              <a:buFont typeface="Arial" panose="020B0604020202020204" pitchFamily="34" charset="0"/>
+              <a:buNone/>
+              <a:defRPr sz="1600" kern="1200">
+                <a:solidFill>
+                  <a:schemeClr val="tx1"/>
+                </a:solidFill>
+                <a:latin typeface="+mn-lt"/>
+                <a:ea typeface="+mn-ea"/>
+                <a:cs typeface="+mn-cs"/>
+              </a:defRPr>
+            </a:lvl7pPr>
+            <a:lvl8pPr marL="3200400" indent="0" algn="ctr" defTabSz="914400" rtl="0" eaLnBrk="1" latinLnBrk="0" hangingPunct="1">
+              <a:lnSpc>
+                <a:spcPct val="90000"/>
+              </a:lnSpc>
+              <a:spcBef>
+                <a:spcPts val="500"/>
+              </a:spcBef>
+              <a:buFont typeface="Arial" panose="020B0604020202020204" pitchFamily="34" charset="0"/>
+              <a:buNone/>
+              <a:defRPr sz="1600" kern="1200">
+                <a:solidFill>
+                  <a:schemeClr val="tx1"/>
+                </a:solidFill>
+                <a:latin typeface="+mn-lt"/>
+                <a:ea typeface="+mn-ea"/>
+                <a:cs typeface="+mn-cs"/>
+              </a:defRPr>
+            </a:lvl8pPr>
+            <a:lvl9pPr marL="3657600" indent="0" algn="ctr" defTabSz="914400" rtl="0" eaLnBrk="1" latinLnBrk="0" hangingPunct="1">
+              <a:lnSpc>
+                <a:spcPct val="90000"/>
+              </a:lnSpc>
+              <a:spcBef>
+                <a:spcPts val="500"/>
+              </a:spcBef>
+              <a:buFont typeface="Arial" panose="020B0604020202020204" pitchFamily="34" charset="0"/>
+              <a:buNone/>
+              <a:defRPr sz="1600" kern="1200">
+                <a:solidFill>
+                  <a:schemeClr val="tx1"/>
+                </a:solidFill>
+                <a:latin typeface="+mn-lt"/>
+                <a:ea typeface="+mn-ea"/>
+                <a:cs typeface="+mn-cs"/>
+              </a:defRPr>
+            </a:lvl9pPr>
+          </a:lstStyle>
+          <a:p>
+            <a:pPr algn="l"/>
+            <a:r>
+              <a:rPr lang="es-AR" sz="2800" b="1" dirty="0" err="1">
+                <a:solidFill>
+                  <a:srgbClr val="FF0000"/>
+                </a:solidFill>
+              </a:rPr>
+              <a:t>generative</a:t>
+            </a:r>
+            <a:endParaRPr lang="es-AR" sz="2800" dirty="0">
+              <a:solidFill>
+                <a:srgbClr val="FF0000"/>
+              </a:solidFill>
+            </a:endParaRPr>
+          </a:p>
+        </p:txBody>
+      </p:sp>
+    </p:spTree>
+    <p:extLst>
+      <p:ext uri="{BB962C8B-B14F-4D97-AF65-F5344CB8AC3E}">
+        <p14:creationId xmlns:p14="http://schemas.microsoft.com/office/powerpoint/2010/main" val="2307917589"/>
+      </p:ext>
+    </p:extLst>
+  </p:cSld>
+  <p:clrMapOvr>
+    <a:masterClrMapping/>
+  </p:clrMapOvr>
+</p:sld>
+</file>
+
+<file path=ppt/slides/slide11.xml><?xml version="1.0" encoding="utf-8"?>
+<p:sld xmlns:a="http://schemas.openxmlformats.org/drawingml/2006/main" xmlns:r="http://schemas.openxmlformats.org/officeDocument/2006/relationships" xmlns:p="http://schemas.openxmlformats.org/presentationml/2006/main">
+  <p:cSld>
+    <p:spTree>
+      <p:nvGrpSpPr>
+        <p:cNvPr id="1" name=""/>
+        <p:cNvGrpSpPr/>
+        <p:nvPr/>
+      </p:nvGrpSpPr>
+      <p:grpSpPr>
+        <a:xfrm>
+          <a:off x="0" y="0"/>
+          <a:ext cx="0" cy="0"/>
+          <a:chOff x="0" y="0"/>
+          <a:chExt cx="0" cy="0"/>
+        </a:xfrm>
+      </p:grpSpPr>
+      <p:sp>
+        <p:nvSpPr>
+          <p:cNvPr id="4" name="Subtitle 1"/>
+          <p:cNvSpPr txBox="1">
+            <a:spLocks/>
+          </p:cNvSpPr>
+          <p:nvPr/>
+        </p:nvSpPr>
+        <p:spPr>
+          <a:xfrm>
+            <a:off x="0" y="0"/>
+            <a:ext cx="12511314" cy="1085871"/>
+          </a:xfrm>
+          <a:prstGeom prst="rect">
+            <a:avLst/>
+          </a:prstGeom>
+        </p:spPr>
+        <p:txBody>
+          <a:bodyPr vert="horz" lIns="91440" tIns="45720" rIns="91440" bIns="45720" rtlCol="0">
+            <a:noAutofit/>
+          </a:bodyPr>
+          <a:lstStyle>
+            <a:lvl1pPr marL="228600" indent="-228600" algn="l" defTabSz="914400" rtl="0" eaLnBrk="1" latinLnBrk="0" hangingPunct="1">
+              <a:lnSpc>
+                <a:spcPct val="120000"/>
+              </a:lnSpc>
+              <a:spcBef>
+                <a:spcPts val="1000"/>
+              </a:spcBef>
+              <a:buSzPct val="125000"/>
+              <a:buFont typeface="Arial" panose="020B0604020202020204" pitchFamily="34" charset="0"/>
+              <a:buChar char="•"/>
+              <a:defRPr sz="2400" kern="1200">
+                <a:solidFill>
+                  <a:schemeClr val="tx1"/>
+                </a:solidFill>
+                <a:latin typeface="+mn-lt"/>
+                <a:ea typeface="+mn-ea"/>
+                <a:cs typeface="+mn-cs"/>
+              </a:defRPr>
+            </a:lvl1pPr>
+            <a:lvl2pPr marL="685800" indent="-228600" algn="l" defTabSz="914400" rtl="0" eaLnBrk="1" latinLnBrk="0" hangingPunct="1">
+              <a:lnSpc>
+                <a:spcPct val="120000"/>
+              </a:lnSpc>
+              <a:spcBef>
+                <a:spcPts val="500"/>
+              </a:spcBef>
+              <a:buSzPct val="125000"/>
+              <a:buFont typeface="Arial" panose="020B0604020202020204" pitchFamily="34" charset="0"/>
+              <a:buChar char="•"/>
+              <a:defRPr sz="2000" kern="1200">
+                <a:solidFill>
+                  <a:schemeClr val="tx1"/>
+                </a:solidFill>
+                <a:latin typeface="+mn-lt"/>
+                <a:ea typeface="+mn-ea"/>
+                <a:cs typeface="+mn-cs"/>
+              </a:defRPr>
+            </a:lvl2pPr>
+            <a:lvl3pPr marL="1143000" indent="-228600" algn="l" defTabSz="914400" rtl="0" eaLnBrk="1" latinLnBrk="0" hangingPunct="1">
+              <a:lnSpc>
+                <a:spcPct val="120000"/>
+              </a:lnSpc>
+              <a:spcBef>
+                <a:spcPts val="500"/>
+              </a:spcBef>
+              <a:buSzPct val="125000"/>
+              <a:buFont typeface="Arial" panose="020B0604020202020204" pitchFamily="34" charset="0"/>
+              <a:buChar char="•"/>
+              <a:defRPr sz="1800" kern="1200">
+                <a:solidFill>
+                  <a:schemeClr val="tx1"/>
+                </a:solidFill>
+                <a:latin typeface="+mn-lt"/>
+                <a:ea typeface="+mn-ea"/>
+                <a:cs typeface="+mn-cs"/>
+              </a:defRPr>
+            </a:lvl3pPr>
+            <a:lvl4pPr marL="1600200" indent="-228600" algn="l" defTabSz="914400" rtl="0" eaLnBrk="1" latinLnBrk="0" hangingPunct="1">
+              <a:lnSpc>
+                <a:spcPct val="120000"/>
+              </a:lnSpc>
+              <a:spcBef>
+                <a:spcPts val="500"/>
+              </a:spcBef>
+              <a:buSzPct val="125000"/>
+              <a:buFont typeface="Arial" panose="020B0604020202020204" pitchFamily="34" charset="0"/>
+              <a:buChar char="•"/>
+              <a:defRPr sz="1600" kern="1200">
+                <a:solidFill>
+                  <a:schemeClr val="tx1"/>
+                </a:solidFill>
+                <a:latin typeface="+mn-lt"/>
+                <a:ea typeface="+mn-ea"/>
+                <a:cs typeface="+mn-cs"/>
+              </a:defRPr>
+            </a:lvl4pPr>
+            <a:lvl5pPr marL="2057400" indent="-228600" algn="l" defTabSz="914400" rtl="0" eaLnBrk="1" latinLnBrk="0" hangingPunct="1">
+              <a:lnSpc>
+                <a:spcPct val="120000"/>
+              </a:lnSpc>
+              <a:spcBef>
+                <a:spcPts val="500"/>
+              </a:spcBef>
+              <a:buSzPct val="125000"/>
+              <a:buFont typeface="Arial" panose="020B0604020202020204" pitchFamily="34" charset="0"/>
+              <a:buChar char="•"/>
+              <a:defRPr sz="1600" kern="1200">
+                <a:solidFill>
+                  <a:schemeClr val="tx1"/>
+                </a:solidFill>
+                <a:latin typeface="+mn-lt"/>
+                <a:ea typeface="+mn-ea"/>
+                <a:cs typeface="+mn-cs"/>
+              </a:defRPr>
+            </a:lvl5pPr>
+            <a:lvl6pPr marL="2514600" indent="-228600" algn="l" defTabSz="914400" rtl="0" eaLnBrk="1" latinLnBrk="0" hangingPunct="1">
+              <a:lnSpc>
+                <a:spcPct val="120000"/>
+              </a:lnSpc>
+              <a:spcBef>
+                <a:spcPts val="500"/>
+              </a:spcBef>
+              <a:buSzPct val="125000"/>
+              <a:buFont typeface="Arial" panose="020B0604020202020204" pitchFamily="34" charset="0"/>
+              <a:buChar char="•"/>
+              <a:defRPr sz="1400" kern="1200">
+                <a:solidFill>
+                  <a:schemeClr val="tx1"/>
+                </a:solidFill>
+                <a:latin typeface="+mn-lt"/>
+                <a:ea typeface="+mn-ea"/>
+                <a:cs typeface="+mn-cs"/>
+              </a:defRPr>
+            </a:lvl6pPr>
+            <a:lvl7pPr marL="2971800" indent="-228600" algn="l" defTabSz="914400" rtl="0" eaLnBrk="1" latinLnBrk="0" hangingPunct="1">
+              <a:lnSpc>
+                <a:spcPct val="120000"/>
+              </a:lnSpc>
+              <a:spcBef>
+                <a:spcPts val="500"/>
+              </a:spcBef>
+              <a:buSzPct val="125000"/>
+              <a:buFont typeface="Arial" panose="020B0604020202020204" pitchFamily="34" charset="0"/>
+              <a:buChar char="•"/>
+              <a:defRPr sz="1400" kern="1200">
+                <a:solidFill>
+                  <a:schemeClr val="tx1"/>
+                </a:solidFill>
+                <a:latin typeface="+mn-lt"/>
+                <a:ea typeface="+mn-ea"/>
+                <a:cs typeface="+mn-cs"/>
+              </a:defRPr>
+            </a:lvl7pPr>
+            <a:lvl8pPr marL="3429000" indent="-228600" algn="l" defTabSz="914400" rtl="0" eaLnBrk="1" latinLnBrk="0" hangingPunct="1">
+              <a:lnSpc>
+                <a:spcPct val="120000"/>
+              </a:lnSpc>
+              <a:spcBef>
+                <a:spcPts val="500"/>
+              </a:spcBef>
+              <a:buSzPct val="125000"/>
+              <a:buFont typeface="Arial" panose="020B0604020202020204" pitchFamily="34" charset="0"/>
+              <a:buChar char="•"/>
+              <a:defRPr sz="1400" kern="1200">
+                <a:solidFill>
+                  <a:schemeClr val="tx1"/>
+                </a:solidFill>
+                <a:latin typeface="+mn-lt"/>
+                <a:ea typeface="+mn-ea"/>
+                <a:cs typeface="+mn-cs"/>
+              </a:defRPr>
+            </a:lvl8pPr>
+            <a:lvl9pPr marL="3886200" indent="-228600" algn="l" defTabSz="914400" rtl="0" eaLnBrk="1" latinLnBrk="0" hangingPunct="1">
+              <a:lnSpc>
+                <a:spcPct val="120000"/>
+              </a:lnSpc>
+              <a:spcBef>
+                <a:spcPts val="500"/>
+              </a:spcBef>
+              <a:buSzPct val="125000"/>
+              <a:buFont typeface="Arial" panose="020B0604020202020204" pitchFamily="34" charset="0"/>
+              <a:buChar char="•"/>
+              <a:defRPr sz="1400" kern="1200">
+                <a:solidFill>
+                  <a:schemeClr val="tx1"/>
+                </a:solidFill>
+                <a:latin typeface="+mn-lt"/>
+                <a:ea typeface="+mn-ea"/>
+                <a:cs typeface="+mn-cs"/>
+              </a:defRPr>
+            </a:lvl9pPr>
+          </a:lstStyle>
+          <a:p>
+            <a:pPr marL="0" indent="0" algn="ctr">
+              <a:buNone/>
+            </a:pPr>
+            <a:r>
+              <a:rPr lang="es-AR" sz="3200" dirty="0" err="1">
+                <a:solidFill>
+                  <a:schemeClr val="bg1"/>
+                </a:solidFill>
+              </a:rPr>
+              <a:t>Generative</a:t>
+            </a:r>
+            <a:r>
+              <a:rPr lang="es-AR" sz="3200" dirty="0">
+                <a:solidFill>
+                  <a:schemeClr val="bg1"/>
+                </a:solidFill>
+              </a:rPr>
+              <a:t> </a:t>
+            </a:r>
+            <a:r>
+              <a:rPr lang="es-AR" sz="3200" dirty="0" err="1">
+                <a:solidFill>
+                  <a:schemeClr val="bg1"/>
+                </a:solidFill>
+              </a:rPr>
+              <a:t>Adversarial</a:t>
+            </a:r>
+            <a:r>
+              <a:rPr lang="es-AR" sz="3200" dirty="0">
+                <a:solidFill>
+                  <a:schemeClr val="bg1"/>
+                </a:solidFill>
+              </a:rPr>
+              <a:t> Network (GAN)</a:t>
+            </a:r>
+          </a:p>
+        </p:txBody>
+      </p:sp>
       <p:pic>
         <p:nvPicPr>
           <p:cNvPr id="3" name="Picture 2"/>
@@ -16173,57 +17268,6 @@
           </a:p>
         </p:txBody>
       </p:sp>
-      <mc:AlternateContent xmlns:mc="http://schemas.openxmlformats.org/markup-compatibility/2006">
-        <mc:Choice xmlns:p14="http://schemas.microsoft.com/office/powerpoint/2010/main" Requires="p14">
-          <p:contentPart p14:bwMode="auto" r:id="rId3">
-            <p14:nvContentPartPr>
-              <p14:cNvPr id="2" name="Entrada de lápiz 1">
-                <a:extLst>
-                  <a:ext uri="{FF2B5EF4-FFF2-40B4-BE49-F238E27FC236}">
-                    <a16:creationId xmlns:a16="http://schemas.microsoft.com/office/drawing/2014/main" id="{53C00B13-E41A-B715-5A95-1BE6EC5330FE}"/>
-                  </a:ext>
-                </a:extLst>
-              </p14:cNvPr>
-              <p14:cNvContentPartPr/>
-              <p14:nvPr/>
-            </p14:nvContentPartPr>
-            <p14:xfrm>
-              <a:off x="848160" y="518040"/>
-              <a:ext cx="10332000" cy="4402440"/>
-            </p14:xfrm>
-          </p:contentPart>
-        </mc:Choice>
-        <mc:Fallback>
-          <p:pic>
-            <p:nvPicPr>
-              <p:cNvPr id="2" name="Entrada de lápiz 1">
-                <a:extLst>
-                  <a:ext uri="{FF2B5EF4-FFF2-40B4-BE49-F238E27FC236}">
-                    <a16:creationId xmlns:a16="http://schemas.microsoft.com/office/drawing/2014/main" id="{53C00B13-E41A-B715-5A95-1BE6EC5330FE}"/>
-                  </a:ext>
-                </a:extLst>
-              </p:cNvPr>
-              <p:cNvPicPr/>
-              <p:nvPr/>
-            </p:nvPicPr>
-            <p:blipFill>
-              <a:blip r:embed="rId4"/>
-              <a:stretch>
-                <a:fillRect/>
-              </a:stretch>
-            </p:blipFill>
-            <p:spPr>
-              <a:xfrm>
-                <a:off x="838800" y="508680"/>
-                <a:ext cx="10350720" cy="4421160"/>
-              </a:xfrm>
-              <a:prstGeom prst="rect">
-                <a:avLst/>
-              </a:prstGeom>
-            </p:spPr>
-          </p:pic>
-        </mc:Fallback>
-      </mc:AlternateContent>
     </p:spTree>
     <p:extLst>
       <p:ext uri="{BB962C8B-B14F-4D97-AF65-F5344CB8AC3E}">
@@ -16237,7 +17281,7 @@
 </p:sld>
 </file>
 
-<file path=ppt/slides/slide11.xml><?xml version="1.0" encoding="utf-8"?>
+<file path=ppt/slides/slide12.xml><?xml version="1.0" encoding="utf-8"?>
 <p:sld xmlns:a="http://schemas.openxmlformats.org/drawingml/2006/main" xmlns:r="http://schemas.openxmlformats.org/officeDocument/2006/relationships" xmlns:p="http://schemas.openxmlformats.org/presentationml/2006/main">
   <p:cSld>
     <p:spTree>
@@ -17258,57 +18302,6 @@
           </a:p>
         </p:txBody>
       </p:sp>
-      <mc:AlternateContent xmlns:mc="http://schemas.openxmlformats.org/markup-compatibility/2006">
-        <mc:Choice xmlns:p14="http://schemas.microsoft.com/office/powerpoint/2010/main" Requires="p14">
-          <p:contentPart p14:bwMode="auto" r:id="rId4">
-            <p14:nvContentPartPr>
-              <p14:cNvPr id="4" name="Entrada de lápiz 3">
-                <a:extLst>
-                  <a:ext uri="{FF2B5EF4-FFF2-40B4-BE49-F238E27FC236}">
-                    <a16:creationId xmlns:a16="http://schemas.microsoft.com/office/drawing/2014/main" id="{FBD1DF55-1D32-692D-7F82-5AF6692BB069}"/>
-                  </a:ext>
-                </a:extLst>
-              </p14:cNvPr>
-              <p14:cNvContentPartPr/>
-              <p14:nvPr/>
-            </p14:nvContentPartPr>
-            <p14:xfrm>
-              <a:off x="1589400" y="1419840"/>
-              <a:ext cx="8251560" cy="5090400"/>
-            </p14:xfrm>
-          </p:contentPart>
-        </mc:Choice>
-        <mc:Fallback>
-          <p:pic>
-            <p:nvPicPr>
-              <p:cNvPr id="4" name="Entrada de lápiz 3">
-                <a:extLst>
-                  <a:ext uri="{FF2B5EF4-FFF2-40B4-BE49-F238E27FC236}">
-                    <a16:creationId xmlns:a16="http://schemas.microsoft.com/office/drawing/2014/main" id="{FBD1DF55-1D32-692D-7F82-5AF6692BB069}"/>
-                  </a:ext>
-                </a:extLst>
-              </p:cNvPr>
-              <p:cNvPicPr/>
-              <p:nvPr/>
-            </p:nvPicPr>
-            <p:blipFill>
-              <a:blip r:embed="rId5"/>
-              <a:stretch>
-                <a:fillRect/>
-              </a:stretch>
-            </p:blipFill>
-            <p:spPr>
-              <a:xfrm>
-                <a:off x="1580040" y="1410480"/>
-                <a:ext cx="8270280" cy="5109120"/>
-              </a:xfrm>
-              <a:prstGeom prst="rect">
-                <a:avLst/>
-              </a:prstGeom>
-            </p:spPr>
-          </p:pic>
-        </mc:Fallback>
-      </mc:AlternateContent>
     </p:spTree>
     <p:extLst>
       <p:ext uri="{BB962C8B-B14F-4D97-AF65-F5344CB8AC3E}">
@@ -17322,7 +18315,7 @@
 </p:sld>
 </file>
 
-<file path=ppt/slides/slide12.xml><?xml version="1.0" encoding="utf-8"?>
+<file path=ppt/slides/slide13.xml><?xml version="1.0" encoding="utf-8"?>
 <p:sld xmlns:a="http://schemas.openxmlformats.org/drawingml/2006/main" xmlns:r="http://schemas.openxmlformats.org/officeDocument/2006/relationships" xmlns:p="http://schemas.openxmlformats.org/presentationml/2006/main">
   <p:cSld>
     <p:spTree>
@@ -17988,57 +18981,6 @@
           </a:p>
         </p:txBody>
       </p:sp>
-      <mc:AlternateContent xmlns:mc="http://schemas.openxmlformats.org/markup-compatibility/2006">
-        <mc:Choice xmlns:p14="http://schemas.microsoft.com/office/powerpoint/2010/main" Requires="p14">
-          <p:contentPart p14:bwMode="auto" r:id="rId6">
-            <p14:nvContentPartPr>
-              <p14:cNvPr id="2" name="Entrada de lápiz 1">
-                <a:extLst>
-                  <a:ext uri="{FF2B5EF4-FFF2-40B4-BE49-F238E27FC236}">
-                    <a16:creationId xmlns:a16="http://schemas.microsoft.com/office/drawing/2014/main" id="{C335C49F-7C8B-4011-7A83-BF03ACA7F176}"/>
-                  </a:ext>
-                </a:extLst>
-              </p14:cNvPr>
-              <p14:cNvContentPartPr/>
-              <p14:nvPr/>
-            </p14:nvContentPartPr>
-            <p14:xfrm>
-              <a:off x="1080360" y="553680"/>
-              <a:ext cx="10082160" cy="5884920"/>
-            </p14:xfrm>
-          </p:contentPart>
-        </mc:Choice>
-        <mc:Fallback>
-          <p:pic>
-            <p:nvPicPr>
-              <p:cNvPr id="2" name="Entrada de lápiz 1">
-                <a:extLst>
-                  <a:ext uri="{FF2B5EF4-FFF2-40B4-BE49-F238E27FC236}">
-                    <a16:creationId xmlns:a16="http://schemas.microsoft.com/office/drawing/2014/main" id="{C335C49F-7C8B-4011-7A83-BF03ACA7F176}"/>
-                  </a:ext>
-                </a:extLst>
-              </p:cNvPr>
-              <p:cNvPicPr/>
-              <p:nvPr/>
-            </p:nvPicPr>
-            <p:blipFill>
-              <a:blip r:embed="rId7"/>
-              <a:stretch>
-                <a:fillRect/>
-              </a:stretch>
-            </p:blipFill>
-            <p:spPr>
-              <a:xfrm>
-                <a:off x="1071000" y="544320"/>
-                <a:ext cx="10100880" cy="5903640"/>
-              </a:xfrm>
-              <a:prstGeom prst="rect">
-                <a:avLst/>
-              </a:prstGeom>
-            </p:spPr>
-          </p:pic>
-        </mc:Fallback>
-      </mc:AlternateContent>
     </p:spTree>
     <p:extLst>
       <p:ext uri="{BB962C8B-B14F-4D97-AF65-F5344CB8AC3E}">
@@ -18052,7 +18994,7 @@
 </p:sld>
 </file>
 
-<file path=ppt/slides/slide13.xml><?xml version="1.0" encoding="utf-8"?>
+<file path=ppt/slides/slide14.xml><?xml version="1.0" encoding="utf-8"?>
 <p:sld xmlns:a="http://schemas.openxmlformats.org/drawingml/2006/main" xmlns:r="http://schemas.openxmlformats.org/officeDocument/2006/relationships" xmlns:p="http://schemas.openxmlformats.org/presentationml/2006/main">
   <p:cSld>
     <p:spTree>
@@ -18340,57 +19282,6 @@
           </a:p>
         </p:txBody>
       </p:sp>
-      <mc:AlternateContent xmlns:mc="http://schemas.openxmlformats.org/markup-compatibility/2006">
-        <mc:Choice xmlns:p14="http://schemas.microsoft.com/office/powerpoint/2010/main" Requires="p14">
-          <p:contentPart p14:bwMode="auto" r:id="rId3">
-            <p14:nvContentPartPr>
-              <p14:cNvPr id="2" name="Entrada de lápiz 1">
-                <a:extLst>
-                  <a:ext uri="{FF2B5EF4-FFF2-40B4-BE49-F238E27FC236}">
-                    <a16:creationId xmlns:a16="http://schemas.microsoft.com/office/drawing/2014/main" id="{C35E2606-750A-7833-E7FA-E42C45867906}"/>
-                  </a:ext>
-                </a:extLst>
-              </p14:cNvPr>
-              <p14:cNvContentPartPr/>
-              <p14:nvPr/>
-            </p14:nvContentPartPr>
-            <p14:xfrm>
-              <a:off x="3295080" y="2250360"/>
-              <a:ext cx="6278040" cy="2420280"/>
-            </p14:xfrm>
-          </p:contentPart>
-        </mc:Choice>
-        <mc:Fallback>
-          <p:pic>
-            <p:nvPicPr>
-              <p:cNvPr id="2" name="Entrada de lápiz 1">
-                <a:extLst>
-                  <a:ext uri="{FF2B5EF4-FFF2-40B4-BE49-F238E27FC236}">
-                    <a16:creationId xmlns:a16="http://schemas.microsoft.com/office/drawing/2014/main" id="{C35E2606-750A-7833-E7FA-E42C45867906}"/>
-                  </a:ext>
-                </a:extLst>
-              </p:cNvPr>
-              <p:cNvPicPr/>
-              <p:nvPr/>
-            </p:nvPicPr>
-            <p:blipFill>
-              <a:blip r:embed="rId4"/>
-              <a:stretch>
-                <a:fillRect/>
-              </a:stretch>
-            </p:blipFill>
-            <p:spPr>
-              <a:xfrm>
-                <a:off x="3285720" y="2241000"/>
-                <a:ext cx="6296760" cy="2439000"/>
-              </a:xfrm>
-              <a:prstGeom prst="rect">
-                <a:avLst/>
-              </a:prstGeom>
-            </p:spPr>
-          </p:pic>
-        </mc:Fallback>
-      </mc:AlternateContent>
     </p:spTree>
     <p:extLst>
       <p:ext uri="{BB962C8B-B14F-4D97-AF65-F5344CB8AC3E}">
@@ -18404,7 +19295,7 @@
 </p:sld>
 </file>
 
-<file path=ppt/slides/slide14.xml><?xml version="1.0" encoding="utf-8"?>
+<file path=ppt/slides/slide15.xml><?xml version="1.0" encoding="utf-8"?>
 <p:sld xmlns:a="http://schemas.openxmlformats.org/drawingml/2006/main" xmlns:r="http://schemas.openxmlformats.org/officeDocument/2006/relationships" xmlns:p="http://schemas.openxmlformats.org/presentationml/2006/main">
   <p:cSld>
     <p:spTree>
@@ -18980,57 +19871,6 @@
           </a:p>
         </p:txBody>
       </p:sp>
-      <mc:AlternateContent xmlns:mc="http://schemas.openxmlformats.org/markup-compatibility/2006">
-        <mc:Choice xmlns:p14="http://schemas.microsoft.com/office/powerpoint/2010/main" Requires="p14">
-          <p:contentPart p14:bwMode="auto" r:id="rId3">
-            <p14:nvContentPartPr>
-              <p14:cNvPr id="2" name="Entrada de lápiz 1">
-                <a:extLst>
-                  <a:ext uri="{FF2B5EF4-FFF2-40B4-BE49-F238E27FC236}">
-                    <a16:creationId xmlns:a16="http://schemas.microsoft.com/office/drawing/2014/main" id="{F7B2D392-AA62-C216-B618-458640C35E92}"/>
-                  </a:ext>
-                </a:extLst>
-              </p14:cNvPr>
-              <p14:cNvContentPartPr/>
-              <p14:nvPr/>
-            </p14:nvContentPartPr>
-            <p14:xfrm>
-              <a:off x="714240" y="1339560"/>
-              <a:ext cx="8733600" cy="3465000"/>
-            </p14:xfrm>
-          </p:contentPart>
-        </mc:Choice>
-        <mc:Fallback>
-          <p:pic>
-            <p:nvPicPr>
-              <p:cNvPr id="2" name="Entrada de lápiz 1">
-                <a:extLst>
-                  <a:ext uri="{FF2B5EF4-FFF2-40B4-BE49-F238E27FC236}">
-                    <a16:creationId xmlns:a16="http://schemas.microsoft.com/office/drawing/2014/main" id="{F7B2D392-AA62-C216-B618-458640C35E92}"/>
-                  </a:ext>
-                </a:extLst>
-              </p:cNvPr>
-              <p:cNvPicPr/>
-              <p:nvPr/>
-            </p:nvPicPr>
-            <p:blipFill>
-              <a:blip r:embed="rId4"/>
-              <a:stretch>
-                <a:fillRect/>
-              </a:stretch>
-            </p:blipFill>
-            <p:spPr>
-              <a:xfrm>
-                <a:off x="704880" y="1330200"/>
-                <a:ext cx="8752320" cy="3483720"/>
-              </a:xfrm>
-              <a:prstGeom prst="rect">
-                <a:avLst/>
-              </a:prstGeom>
-            </p:spPr>
-          </p:pic>
-        </mc:Fallback>
-      </mc:AlternateContent>
     </p:spTree>
     <p:extLst>
       <p:ext uri="{BB962C8B-B14F-4D97-AF65-F5344CB8AC3E}">
@@ -19044,7 +19884,7 @@
 </p:sld>
 </file>
 
-<file path=ppt/slides/slide15.xml><?xml version="1.0" encoding="utf-8"?>
+<file path=ppt/slides/slide16.xml><?xml version="1.0" encoding="utf-8"?>
 <p:sld xmlns:a="http://schemas.openxmlformats.org/drawingml/2006/main" xmlns:r="http://schemas.openxmlformats.org/officeDocument/2006/relationships" xmlns:p="http://schemas.openxmlformats.org/presentationml/2006/main">
   <p:cSld>
     <p:spTree>
@@ -19592,57 +20432,6 @@
           </a:p>
         </p:txBody>
       </p:sp>
-      <mc:AlternateContent xmlns:mc="http://schemas.openxmlformats.org/markup-compatibility/2006">
-        <mc:Choice xmlns:p14="http://schemas.microsoft.com/office/powerpoint/2010/main" Requires="p14">
-          <p:contentPart p14:bwMode="auto" r:id="rId2">
-            <p14:nvContentPartPr>
-              <p14:cNvPr id="3" name="Entrada de lápiz 2">
-                <a:extLst>
-                  <a:ext uri="{FF2B5EF4-FFF2-40B4-BE49-F238E27FC236}">
-                    <a16:creationId xmlns:a16="http://schemas.microsoft.com/office/drawing/2014/main" id="{04156308-32B7-E22A-653F-E3550144EA7F}"/>
-                  </a:ext>
-                </a:extLst>
-              </p14:cNvPr>
-              <p14:cNvContentPartPr/>
-              <p14:nvPr/>
-            </p14:nvContentPartPr>
-            <p14:xfrm>
-              <a:off x="2804040" y="3187800"/>
-              <a:ext cx="5688360" cy="1830960"/>
-            </p14:xfrm>
-          </p:contentPart>
-        </mc:Choice>
-        <mc:Fallback>
-          <p:pic>
-            <p:nvPicPr>
-              <p:cNvPr id="3" name="Entrada de lápiz 2">
-                <a:extLst>
-                  <a:ext uri="{FF2B5EF4-FFF2-40B4-BE49-F238E27FC236}">
-                    <a16:creationId xmlns:a16="http://schemas.microsoft.com/office/drawing/2014/main" id="{04156308-32B7-E22A-653F-E3550144EA7F}"/>
-                  </a:ext>
-                </a:extLst>
-              </p:cNvPr>
-              <p:cNvPicPr/>
-              <p:nvPr/>
-            </p:nvPicPr>
-            <p:blipFill>
-              <a:blip r:embed="rId3"/>
-              <a:stretch>
-                <a:fillRect/>
-              </a:stretch>
-            </p:blipFill>
-            <p:spPr>
-              <a:xfrm>
-                <a:off x="2794680" y="3178440"/>
-                <a:ext cx="5707080" cy="1849680"/>
-              </a:xfrm>
-              <a:prstGeom prst="rect">
-                <a:avLst/>
-              </a:prstGeom>
-            </p:spPr>
-          </p:pic>
-        </mc:Fallback>
-      </mc:AlternateContent>
     </p:spTree>
     <p:extLst>
       <p:ext uri="{BB962C8B-B14F-4D97-AF65-F5344CB8AC3E}">
@@ -22954,6 +23743,755 @@
       </p:sp>
       <p:sp>
         <p:nvSpPr>
+          <p:cNvPr id="12" name="Subtitle 1">
+            <a:extLst>
+              <a:ext uri="{FF2B5EF4-FFF2-40B4-BE49-F238E27FC236}">
+                <a16:creationId xmlns:a16="http://schemas.microsoft.com/office/drawing/2014/main" id="{173875A2-756C-C285-A3FC-2C04FCABF78E}"/>
+              </a:ext>
+            </a:extLst>
+          </p:cNvPr>
+          <p:cNvSpPr txBox="1">
+            <a:spLocks/>
+          </p:cNvSpPr>
+          <p:nvPr/>
+        </p:nvSpPr>
+        <p:spPr>
+          <a:xfrm>
+            <a:off x="390939" y="935691"/>
+            <a:ext cx="11410122" cy="5663892"/>
+          </a:xfrm>
+          <a:prstGeom prst="rect">
+            <a:avLst/>
+          </a:prstGeom>
+        </p:spPr>
+        <p:txBody>
+          <a:bodyPr vert="horz" lIns="91440" tIns="45720" rIns="91440" bIns="45720" rtlCol="0">
+            <a:noAutofit/>
+          </a:bodyPr>
+          <a:lstStyle>
+            <a:lvl1pPr marL="0" indent="0" algn="ctr" defTabSz="914400" rtl="0" eaLnBrk="1" latinLnBrk="0" hangingPunct="1">
+              <a:lnSpc>
+                <a:spcPct val="90000"/>
+              </a:lnSpc>
+              <a:spcBef>
+                <a:spcPts val="1000"/>
+              </a:spcBef>
+              <a:buFont typeface="Arial" panose="020B0604020202020204" pitchFamily="34" charset="0"/>
+              <a:buNone/>
+              <a:defRPr sz="2400" kern="1200">
+                <a:solidFill>
+                  <a:schemeClr val="tx1"/>
+                </a:solidFill>
+                <a:latin typeface="+mn-lt"/>
+                <a:ea typeface="+mn-ea"/>
+                <a:cs typeface="+mn-cs"/>
+              </a:defRPr>
+            </a:lvl1pPr>
+            <a:lvl2pPr marL="457200" indent="0" algn="ctr" defTabSz="914400" rtl="0" eaLnBrk="1" latinLnBrk="0" hangingPunct="1">
+              <a:lnSpc>
+                <a:spcPct val="90000"/>
+              </a:lnSpc>
+              <a:spcBef>
+                <a:spcPts val="500"/>
+              </a:spcBef>
+              <a:buFont typeface="Arial" panose="020B0604020202020204" pitchFamily="34" charset="0"/>
+              <a:buNone/>
+              <a:defRPr sz="2000" kern="1200">
+                <a:solidFill>
+                  <a:schemeClr val="tx1"/>
+                </a:solidFill>
+                <a:latin typeface="+mn-lt"/>
+                <a:ea typeface="+mn-ea"/>
+                <a:cs typeface="+mn-cs"/>
+              </a:defRPr>
+            </a:lvl2pPr>
+            <a:lvl3pPr marL="914400" indent="0" algn="ctr" defTabSz="914400" rtl="0" eaLnBrk="1" latinLnBrk="0" hangingPunct="1">
+              <a:lnSpc>
+                <a:spcPct val="90000"/>
+              </a:lnSpc>
+              <a:spcBef>
+                <a:spcPts val="500"/>
+              </a:spcBef>
+              <a:buFont typeface="Arial" panose="020B0604020202020204" pitchFamily="34" charset="0"/>
+              <a:buNone/>
+              <a:defRPr sz="1800" kern="1200">
+                <a:solidFill>
+                  <a:schemeClr val="tx1"/>
+                </a:solidFill>
+                <a:latin typeface="+mn-lt"/>
+                <a:ea typeface="+mn-ea"/>
+                <a:cs typeface="+mn-cs"/>
+              </a:defRPr>
+            </a:lvl3pPr>
+            <a:lvl4pPr marL="1371600" indent="0" algn="ctr" defTabSz="914400" rtl="0" eaLnBrk="1" latinLnBrk="0" hangingPunct="1">
+              <a:lnSpc>
+                <a:spcPct val="90000"/>
+              </a:lnSpc>
+              <a:spcBef>
+                <a:spcPts val="500"/>
+              </a:spcBef>
+              <a:buFont typeface="Arial" panose="020B0604020202020204" pitchFamily="34" charset="0"/>
+              <a:buNone/>
+              <a:defRPr sz="1600" kern="1200">
+                <a:solidFill>
+                  <a:schemeClr val="tx1"/>
+                </a:solidFill>
+                <a:latin typeface="+mn-lt"/>
+                <a:ea typeface="+mn-ea"/>
+                <a:cs typeface="+mn-cs"/>
+              </a:defRPr>
+            </a:lvl4pPr>
+            <a:lvl5pPr marL="1828800" indent="0" algn="ctr" defTabSz="914400" rtl="0" eaLnBrk="1" latinLnBrk="0" hangingPunct="1">
+              <a:lnSpc>
+                <a:spcPct val="90000"/>
+              </a:lnSpc>
+              <a:spcBef>
+                <a:spcPts val="500"/>
+              </a:spcBef>
+              <a:buFont typeface="Arial" panose="020B0604020202020204" pitchFamily="34" charset="0"/>
+              <a:buNone/>
+              <a:defRPr sz="1600" kern="1200">
+                <a:solidFill>
+                  <a:schemeClr val="tx1"/>
+                </a:solidFill>
+                <a:latin typeface="+mn-lt"/>
+                <a:ea typeface="+mn-ea"/>
+                <a:cs typeface="+mn-cs"/>
+              </a:defRPr>
+            </a:lvl5pPr>
+            <a:lvl6pPr marL="2286000" indent="0" algn="ctr" defTabSz="914400" rtl="0" eaLnBrk="1" latinLnBrk="0" hangingPunct="1">
+              <a:lnSpc>
+                <a:spcPct val="90000"/>
+              </a:lnSpc>
+              <a:spcBef>
+                <a:spcPts val="500"/>
+              </a:spcBef>
+              <a:buFont typeface="Arial" panose="020B0604020202020204" pitchFamily="34" charset="0"/>
+              <a:buNone/>
+              <a:defRPr sz="1600" kern="1200">
+                <a:solidFill>
+                  <a:schemeClr val="tx1"/>
+                </a:solidFill>
+                <a:latin typeface="+mn-lt"/>
+                <a:ea typeface="+mn-ea"/>
+                <a:cs typeface="+mn-cs"/>
+              </a:defRPr>
+            </a:lvl6pPr>
+            <a:lvl7pPr marL="2743200" indent="0" algn="ctr" defTabSz="914400" rtl="0" eaLnBrk="1" latinLnBrk="0" hangingPunct="1">
+              <a:lnSpc>
+                <a:spcPct val="90000"/>
+              </a:lnSpc>
+              <a:spcBef>
+                <a:spcPts val="500"/>
+              </a:spcBef>
+              <a:buFont typeface="Arial" panose="020B0604020202020204" pitchFamily="34" charset="0"/>
+              <a:buNone/>
+              <a:defRPr sz="1600" kern="1200">
+                <a:solidFill>
+                  <a:schemeClr val="tx1"/>
+                </a:solidFill>
+                <a:latin typeface="+mn-lt"/>
+                <a:ea typeface="+mn-ea"/>
+                <a:cs typeface="+mn-cs"/>
+              </a:defRPr>
+            </a:lvl7pPr>
+            <a:lvl8pPr marL="3200400" indent="0" algn="ctr" defTabSz="914400" rtl="0" eaLnBrk="1" latinLnBrk="0" hangingPunct="1">
+              <a:lnSpc>
+                <a:spcPct val="90000"/>
+              </a:lnSpc>
+              <a:spcBef>
+                <a:spcPts val="500"/>
+              </a:spcBef>
+              <a:buFont typeface="Arial" panose="020B0604020202020204" pitchFamily="34" charset="0"/>
+              <a:buNone/>
+              <a:defRPr sz="1600" kern="1200">
+                <a:solidFill>
+                  <a:schemeClr val="tx1"/>
+                </a:solidFill>
+                <a:latin typeface="+mn-lt"/>
+                <a:ea typeface="+mn-ea"/>
+                <a:cs typeface="+mn-cs"/>
+              </a:defRPr>
+            </a:lvl8pPr>
+            <a:lvl9pPr marL="3657600" indent="0" algn="ctr" defTabSz="914400" rtl="0" eaLnBrk="1" latinLnBrk="0" hangingPunct="1">
+              <a:lnSpc>
+                <a:spcPct val="90000"/>
+              </a:lnSpc>
+              <a:spcBef>
+                <a:spcPts val="500"/>
+              </a:spcBef>
+              <a:buFont typeface="Arial" panose="020B0604020202020204" pitchFamily="34" charset="0"/>
+              <a:buNone/>
+              <a:defRPr sz="1600" kern="1200">
+                <a:solidFill>
+                  <a:schemeClr val="tx1"/>
+                </a:solidFill>
+                <a:latin typeface="+mn-lt"/>
+                <a:ea typeface="+mn-ea"/>
+                <a:cs typeface="+mn-cs"/>
+              </a:defRPr>
+            </a:lvl9pPr>
+          </a:lstStyle>
+          <a:p>
+            <a:r>
+              <a:rPr lang="es-AR" sz="2800" dirty="0">
+                <a:solidFill>
+                  <a:schemeClr val="bg1"/>
+                </a:solidFill>
+              </a:rPr>
+              <a:t>¿Qué estrategia usar?</a:t>
+            </a:r>
+          </a:p>
+          <a:p>
+            <a:endParaRPr lang="es-AR" sz="2800" dirty="0">
+              <a:solidFill>
+                <a:schemeClr val="bg1"/>
+              </a:solidFill>
+            </a:endParaRPr>
+          </a:p>
+          <a:p>
+            <a:pPr marL="457200" indent="-457200" algn="l">
+              <a:buFont typeface="Arial" panose="020B0604020202020204" pitchFamily="34" charset="0"/>
+              <a:buChar char="•"/>
+            </a:pPr>
+            <a:r>
+              <a:rPr lang="es-AR" sz="2800" dirty="0" err="1">
+                <a:solidFill>
+                  <a:schemeClr val="bg1"/>
+                </a:solidFill>
+              </a:rPr>
+              <a:t>Dataset</a:t>
+            </a:r>
+            <a:r>
+              <a:rPr lang="es-AR" sz="2800" dirty="0">
+                <a:solidFill>
+                  <a:schemeClr val="bg1"/>
+                </a:solidFill>
+              </a:rPr>
+              <a:t> propio pequeño y semejante al original </a:t>
+            </a:r>
+            <a:r>
+              <a:rPr lang="es-AR" sz="2800" dirty="0">
+                <a:solidFill>
+                  <a:schemeClr val="bg1"/>
+                </a:solidFill>
+                <a:sym typeface="Wingdings" panose="05000000000000000000" pitchFamily="2" charset="2"/>
+              </a:rPr>
+              <a:t> </a:t>
+            </a:r>
+            <a:r>
+              <a:rPr lang="es-AR" sz="2800" dirty="0" err="1">
+                <a:solidFill>
+                  <a:schemeClr val="bg1"/>
+                </a:solidFill>
+                <a:sym typeface="Wingdings" panose="05000000000000000000" pitchFamily="2" charset="2"/>
+              </a:rPr>
+              <a:t>feature</a:t>
+            </a:r>
+            <a:r>
+              <a:rPr lang="es-AR" sz="2800" dirty="0">
+                <a:solidFill>
+                  <a:schemeClr val="bg1"/>
+                </a:solidFill>
+                <a:sym typeface="Wingdings" panose="05000000000000000000" pitchFamily="2" charset="2"/>
+              </a:rPr>
+              <a:t> extractor.</a:t>
+            </a:r>
+          </a:p>
+          <a:p>
+            <a:pPr marL="457200" indent="-457200" algn="l">
+              <a:buFont typeface="Arial" panose="020B0604020202020204" pitchFamily="34" charset="0"/>
+              <a:buChar char="•"/>
+            </a:pPr>
+            <a:endParaRPr lang="es-AR" sz="2800" dirty="0">
+              <a:solidFill>
+                <a:schemeClr val="bg1"/>
+              </a:solidFill>
+            </a:endParaRPr>
+          </a:p>
+          <a:p>
+            <a:pPr marL="457200" indent="-457200" algn="l">
+              <a:buFont typeface="Arial" panose="020B0604020202020204" pitchFamily="34" charset="0"/>
+              <a:buChar char="•"/>
+            </a:pPr>
+            <a:r>
+              <a:rPr lang="es-AR" sz="2800" dirty="0" err="1">
+                <a:solidFill>
+                  <a:schemeClr val="bg1"/>
+                </a:solidFill>
+              </a:rPr>
+              <a:t>Dataset</a:t>
+            </a:r>
+            <a:r>
+              <a:rPr lang="es-AR" sz="2800" dirty="0">
+                <a:solidFill>
+                  <a:schemeClr val="bg1"/>
+                </a:solidFill>
+              </a:rPr>
+              <a:t> propio grande y semejante al original </a:t>
+            </a:r>
+            <a:r>
+              <a:rPr lang="es-AR" sz="2800" dirty="0">
+                <a:solidFill>
+                  <a:schemeClr val="bg1"/>
+                </a:solidFill>
+                <a:sym typeface="Wingdings" panose="05000000000000000000" pitchFamily="2" charset="2"/>
+              </a:rPr>
+              <a:t> fine </a:t>
+            </a:r>
+            <a:r>
+              <a:rPr lang="es-AR" sz="2800" dirty="0" err="1">
+                <a:solidFill>
+                  <a:schemeClr val="bg1"/>
+                </a:solidFill>
+                <a:sym typeface="Wingdings" panose="05000000000000000000" pitchFamily="2" charset="2"/>
+              </a:rPr>
+              <a:t>tunning</a:t>
+            </a:r>
+            <a:r>
+              <a:rPr lang="es-AR" sz="2800" dirty="0">
+                <a:solidFill>
+                  <a:schemeClr val="bg1"/>
+                </a:solidFill>
+                <a:sym typeface="Wingdings" panose="05000000000000000000" pitchFamily="2" charset="2"/>
+              </a:rPr>
+              <a:t>.</a:t>
+            </a:r>
+          </a:p>
+          <a:p>
+            <a:pPr marL="457200" indent="-457200" algn="l">
+              <a:buFont typeface="Arial" panose="020B0604020202020204" pitchFamily="34" charset="0"/>
+              <a:buChar char="•"/>
+            </a:pPr>
+            <a:endParaRPr lang="es-AR" sz="2800" dirty="0">
+              <a:solidFill>
+                <a:schemeClr val="bg1"/>
+              </a:solidFill>
+              <a:sym typeface="Wingdings" panose="05000000000000000000" pitchFamily="2" charset="2"/>
+            </a:endParaRPr>
+          </a:p>
+          <a:p>
+            <a:pPr marL="457200" indent="-457200" algn="l">
+              <a:buFont typeface="Arial" panose="020B0604020202020204" pitchFamily="34" charset="0"/>
+              <a:buChar char="•"/>
+            </a:pPr>
+            <a:r>
+              <a:rPr lang="es-AR" sz="2800" dirty="0" err="1">
+                <a:solidFill>
+                  <a:schemeClr val="bg1"/>
+                </a:solidFill>
+                <a:sym typeface="Wingdings" panose="05000000000000000000" pitchFamily="2" charset="2"/>
+              </a:rPr>
+              <a:t>Dataset</a:t>
+            </a:r>
+            <a:r>
+              <a:rPr lang="es-AR" sz="2800" dirty="0">
+                <a:solidFill>
+                  <a:schemeClr val="bg1"/>
+                </a:solidFill>
+                <a:sym typeface="Wingdings" panose="05000000000000000000" pitchFamily="2" charset="2"/>
+              </a:rPr>
+              <a:t> propio pequeño y distinto al original  </a:t>
+            </a:r>
+            <a:r>
+              <a:rPr lang="es-AR" sz="2800" dirty="0" err="1">
+                <a:solidFill>
+                  <a:schemeClr val="bg1"/>
+                </a:solidFill>
+                <a:sym typeface="Wingdings" panose="05000000000000000000" pitchFamily="2" charset="2"/>
+              </a:rPr>
+              <a:t>feature</a:t>
+            </a:r>
+            <a:r>
+              <a:rPr lang="es-AR" sz="2800" dirty="0">
+                <a:solidFill>
+                  <a:schemeClr val="bg1"/>
+                </a:solidFill>
+                <a:sym typeface="Wingdings" panose="05000000000000000000" pitchFamily="2" charset="2"/>
+              </a:rPr>
+              <a:t> extractor desde menor profundidad.</a:t>
+            </a:r>
+          </a:p>
+          <a:p>
+            <a:pPr marL="457200" indent="-457200" algn="l">
+              <a:buFont typeface="Arial" panose="020B0604020202020204" pitchFamily="34" charset="0"/>
+              <a:buChar char="•"/>
+            </a:pPr>
+            <a:endParaRPr lang="es-AR" sz="2800" dirty="0">
+              <a:solidFill>
+                <a:schemeClr val="bg1"/>
+              </a:solidFill>
+              <a:sym typeface="Wingdings" panose="05000000000000000000" pitchFamily="2" charset="2"/>
+            </a:endParaRPr>
+          </a:p>
+          <a:p>
+            <a:pPr marL="457200" indent="-457200" algn="l">
+              <a:buFont typeface="Arial" panose="020B0604020202020204" pitchFamily="34" charset="0"/>
+              <a:buChar char="•"/>
+            </a:pPr>
+            <a:r>
+              <a:rPr lang="es-AR" sz="2800" dirty="0" err="1">
+                <a:solidFill>
+                  <a:schemeClr val="bg1"/>
+                </a:solidFill>
+                <a:sym typeface="Wingdings" panose="05000000000000000000" pitchFamily="2" charset="2"/>
+              </a:rPr>
+              <a:t>Dataset</a:t>
+            </a:r>
+            <a:r>
+              <a:rPr lang="es-AR" sz="2800" dirty="0">
+                <a:solidFill>
+                  <a:schemeClr val="bg1"/>
+                </a:solidFill>
+                <a:sym typeface="Wingdings" panose="05000000000000000000" pitchFamily="2" charset="2"/>
+              </a:rPr>
+              <a:t> propio grande y distinto al original  fine </a:t>
+            </a:r>
+            <a:r>
+              <a:rPr lang="es-AR" sz="2800" dirty="0" err="1">
+                <a:solidFill>
+                  <a:schemeClr val="bg1"/>
+                </a:solidFill>
+                <a:sym typeface="Wingdings" panose="05000000000000000000" pitchFamily="2" charset="2"/>
+              </a:rPr>
+              <a:t>tunning</a:t>
+            </a:r>
+            <a:r>
+              <a:rPr lang="es-AR" sz="2800" dirty="0">
+                <a:solidFill>
+                  <a:schemeClr val="bg1"/>
+                </a:solidFill>
+                <a:sym typeface="Wingdings" panose="05000000000000000000" pitchFamily="2" charset="2"/>
+              </a:rPr>
+              <a:t> (</a:t>
+            </a:r>
+            <a:r>
+              <a:rPr lang="es-AR" sz="2800" dirty="0" err="1">
+                <a:solidFill>
+                  <a:schemeClr val="bg1"/>
+                </a:solidFill>
+                <a:sym typeface="Wingdings" panose="05000000000000000000" pitchFamily="2" charset="2"/>
+              </a:rPr>
+              <a:t>from</a:t>
+            </a:r>
+            <a:r>
+              <a:rPr lang="es-AR" sz="2800" dirty="0">
+                <a:solidFill>
+                  <a:schemeClr val="bg1"/>
+                </a:solidFill>
+                <a:sym typeface="Wingdings" panose="05000000000000000000" pitchFamily="2" charset="2"/>
+              </a:rPr>
+              <a:t> </a:t>
+            </a:r>
+            <a:r>
+              <a:rPr lang="es-AR" sz="2800" dirty="0" err="1">
+                <a:solidFill>
+                  <a:schemeClr val="bg1"/>
+                </a:solidFill>
+                <a:sym typeface="Wingdings" panose="05000000000000000000" pitchFamily="2" charset="2"/>
+              </a:rPr>
+              <a:t>pre-trained</a:t>
+            </a:r>
+            <a:r>
+              <a:rPr lang="es-AR" sz="2800" dirty="0">
+                <a:solidFill>
+                  <a:schemeClr val="bg1"/>
+                </a:solidFill>
+                <a:sym typeface="Wingdings" panose="05000000000000000000" pitchFamily="2" charset="2"/>
+              </a:rPr>
+              <a:t> </a:t>
+            </a:r>
+            <a:r>
+              <a:rPr lang="es-AR" sz="2800" dirty="0" err="1">
+                <a:solidFill>
+                  <a:schemeClr val="bg1"/>
+                </a:solidFill>
+                <a:sym typeface="Wingdings" panose="05000000000000000000" pitchFamily="2" charset="2"/>
+              </a:rPr>
+              <a:t>models</a:t>
+            </a:r>
+            <a:r>
+              <a:rPr lang="es-AR" sz="2800" dirty="0">
+                <a:solidFill>
+                  <a:schemeClr val="bg1"/>
+                </a:solidFill>
+                <a:sym typeface="Wingdings" panose="05000000000000000000" pitchFamily="2" charset="2"/>
+              </a:rPr>
+              <a:t>)</a:t>
+            </a:r>
+            <a:endParaRPr lang="es-AR" sz="2800" dirty="0">
+              <a:solidFill>
+                <a:schemeClr val="bg1"/>
+              </a:solidFill>
+            </a:endParaRPr>
+          </a:p>
+          <a:p>
+            <a:pPr marL="457200" indent="-457200" algn="l">
+              <a:buFont typeface="Arial" panose="020B0604020202020204" pitchFamily="34" charset="0"/>
+              <a:buChar char="•"/>
+            </a:pPr>
+            <a:endParaRPr lang="es-AR" sz="2800" dirty="0">
+              <a:solidFill>
+                <a:schemeClr val="bg1"/>
+              </a:solidFill>
+            </a:endParaRPr>
+          </a:p>
+        </p:txBody>
+      </p:sp>
+    </p:spTree>
+    <p:extLst>
+      <p:ext uri="{BB962C8B-B14F-4D97-AF65-F5344CB8AC3E}">
+        <p14:creationId xmlns:p14="http://schemas.microsoft.com/office/powerpoint/2010/main" val="2958760871"/>
+      </p:ext>
+    </p:extLst>
+  </p:cSld>
+  <p:clrMapOvr>
+    <a:masterClrMapping/>
+  </p:clrMapOvr>
+</p:sld>
+</file>
+
+<file path=ppt/slides/slide7.xml><?xml version="1.0" encoding="utf-8"?>
+<p:sld xmlns:a="http://schemas.openxmlformats.org/drawingml/2006/main" xmlns:r="http://schemas.openxmlformats.org/officeDocument/2006/relationships" xmlns:p="http://schemas.openxmlformats.org/presentationml/2006/main">
+  <p:cSld>
+    <p:spTree>
+      <p:nvGrpSpPr>
+        <p:cNvPr id="1" name=""/>
+        <p:cNvGrpSpPr/>
+        <p:nvPr/>
+      </p:nvGrpSpPr>
+      <p:grpSpPr>
+        <a:xfrm>
+          <a:off x="0" y="0"/>
+          <a:ext cx="0" cy="0"/>
+          <a:chOff x="0" y="0"/>
+          <a:chExt cx="0" cy="0"/>
+        </a:xfrm>
+      </p:grpSpPr>
+      <p:sp>
+        <p:nvSpPr>
+          <p:cNvPr id="4" name="Subtitle 1"/>
+          <p:cNvSpPr txBox="1">
+            <a:spLocks/>
+          </p:cNvSpPr>
+          <p:nvPr/>
+        </p:nvSpPr>
+        <p:spPr>
+          <a:xfrm>
+            <a:off x="-159657" y="0"/>
+            <a:ext cx="12511314" cy="1085871"/>
+          </a:xfrm>
+          <a:prstGeom prst="rect">
+            <a:avLst/>
+          </a:prstGeom>
+        </p:spPr>
+        <p:txBody>
+          <a:bodyPr vert="horz" lIns="91440" tIns="45720" rIns="91440" bIns="45720" rtlCol="0">
+            <a:noAutofit/>
+          </a:bodyPr>
+          <a:lstStyle>
+            <a:lvl1pPr marL="228600" indent="-228600" algn="l" defTabSz="914400" rtl="0" eaLnBrk="1" latinLnBrk="0" hangingPunct="1">
+              <a:lnSpc>
+                <a:spcPct val="120000"/>
+              </a:lnSpc>
+              <a:spcBef>
+                <a:spcPts val="1000"/>
+              </a:spcBef>
+              <a:buSzPct val="125000"/>
+              <a:buFont typeface="Arial" panose="020B0604020202020204" pitchFamily="34" charset="0"/>
+              <a:buChar char="•"/>
+              <a:defRPr sz="2400" kern="1200">
+                <a:solidFill>
+                  <a:schemeClr val="tx1"/>
+                </a:solidFill>
+                <a:latin typeface="+mn-lt"/>
+                <a:ea typeface="+mn-ea"/>
+                <a:cs typeface="+mn-cs"/>
+              </a:defRPr>
+            </a:lvl1pPr>
+            <a:lvl2pPr marL="685800" indent="-228600" algn="l" defTabSz="914400" rtl="0" eaLnBrk="1" latinLnBrk="0" hangingPunct="1">
+              <a:lnSpc>
+                <a:spcPct val="120000"/>
+              </a:lnSpc>
+              <a:spcBef>
+                <a:spcPts val="500"/>
+              </a:spcBef>
+              <a:buSzPct val="125000"/>
+              <a:buFont typeface="Arial" panose="020B0604020202020204" pitchFamily="34" charset="0"/>
+              <a:buChar char="•"/>
+              <a:defRPr sz="2000" kern="1200">
+                <a:solidFill>
+                  <a:schemeClr val="tx1"/>
+                </a:solidFill>
+                <a:latin typeface="+mn-lt"/>
+                <a:ea typeface="+mn-ea"/>
+                <a:cs typeface="+mn-cs"/>
+              </a:defRPr>
+            </a:lvl2pPr>
+            <a:lvl3pPr marL="1143000" indent="-228600" algn="l" defTabSz="914400" rtl="0" eaLnBrk="1" latinLnBrk="0" hangingPunct="1">
+              <a:lnSpc>
+                <a:spcPct val="120000"/>
+              </a:lnSpc>
+              <a:spcBef>
+                <a:spcPts val="500"/>
+              </a:spcBef>
+              <a:buSzPct val="125000"/>
+              <a:buFont typeface="Arial" panose="020B0604020202020204" pitchFamily="34" charset="0"/>
+              <a:buChar char="•"/>
+              <a:defRPr sz="1800" kern="1200">
+                <a:solidFill>
+                  <a:schemeClr val="tx1"/>
+                </a:solidFill>
+                <a:latin typeface="+mn-lt"/>
+                <a:ea typeface="+mn-ea"/>
+                <a:cs typeface="+mn-cs"/>
+              </a:defRPr>
+            </a:lvl3pPr>
+            <a:lvl4pPr marL="1600200" indent="-228600" algn="l" defTabSz="914400" rtl="0" eaLnBrk="1" latinLnBrk="0" hangingPunct="1">
+              <a:lnSpc>
+                <a:spcPct val="120000"/>
+              </a:lnSpc>
+              <a:spcBef>
+                <a:spcPts val="500"/>
+              </a:spcBef>
+              <a:buSzPct val="125000"/>
+              <a:buFont typeface="Arial" panose="020B0604020202020204" pitchFamily="34" charset="0"/>
+              <a:buChar char="•"/>
+              <a:defRPr sz="1600" kern="1200">
+                <a:solidFill>
+                  <a:schemeClr val="tx1"/>
+                </a:solidFill>
+                <a:latin typeface="+mn-lt"/>
+                <a:ea typeface="+mn-ea"/>
+                <a:cs typeface="+mn-cs"/>
+              </a:defRPr>
+            </a:lvl4pPr>
+            <a:lvl5pPr marL="2057400" indent="-228600" algn="l" defTabSz="914400" rtl="0" eaLnBrk="1" latinLnBrk="0" hangingPunct="1">
+              <a:lnSpc>
+                <a:spcPct val="120000"/>
+              </a:lnSpc>
+              <a:spcBef>
+                <a:spcPts val="500"/>
+              </a:spcBef>
+              <a:buSzPct val="125000"/>
+              <a:buFont typeface="Arial" panose="020B0604020202020204" pitchFamily="34" charset="0"/>
+              <a:buChar char="•"/>
+              <a:defRPr sz="1600" kern="1200">
+                <a:solidFill>
+                  <a:schemeClr val="tx1"/>
+                </a:solidFill>
+                <a:latin typeface="+mn-lt"/>
+                <a:ea typeface="+mn-ea"/>
+                <a:cs typeface="+mn-cs"/>
+              </a:defRPr>
+            </a:lvl5pPr>
+            <a:lvl6pPr marL="2514600" indent="-228600" algn="l" defTabSz="914400" rtl="0" eaLnBrk="1" latinLnBrk="0" hangingPunct="1">
+              <a:lnSpc>
+                <a:spcPct val="120000"/>
+              </a:lnSpc>
+              <a:spcBef>
+                <a:spcPts val="500"/>
+              </a:spcBef>
+              <a:buSzPct val="125000"/>
+              <a:buFont typeface="Arial" panose="020B0604020202020204" pitchFamily="34" charset="0"/>
+              <a:buChar char="•"/>
+              <a:defRPr sz="1400" kern="1200">
+                <a:solidFill>
+                  <a:schemeClr val="tx1"/>
+                </a:solidFill>
+                <a:latin typeface="+mn-lt"/>
+                <a:ea typeface="+mn-ea"/>
+                <a:cs typeface="+mn-cs"/>
+              </a:defRPr>
+            </a:lvl6pPr>
+            <a:lvl7pPr marL="2971800" indent="-228600" algn="l" defTabSz="914400" rtl="0" eaLnBrk="1" latinLnBrk="0" hangingPunct="1">
+              <a:lnSpc>
+                <a:spcPct val="120000"/>
+              </a:lnSpc>
+              <a:spcBef>
+                <a:spcPts val="500"/>
+              </a:spcBef>
+              <a:buSzPct val="125000"/>
+              <a:buFont typeface="Arial" panose="020B0604020202020204" pitchFamily="34" charset="0"/>
+              <a:buChar char="•"/>
+              <a:defRPr sz="1400" kern="1200">
+                <a:solidFill>
+                  <a:schemeClr val="tx1"/>
+                </a:solidFill>
+                <a:latin typeface="+mn-lt"/>
+                <a:ea typeface="+mn-ea"/>
+                <a:cs typeface="+mn-cs"/>
+              </a:defRPr>
+            </a:lvl7pPr>
+            <a:lvl8pPr marL="3429000" indent="-228600" algn="l" defTabSz="914400" rtl="0" eaLnBrk="1" latinLnBrk="0" hangingPunct="1">
+              <a:lnSpc>
+                <a:spcPct val="120000"/>
+              </a:lnSpc>
+              <a:spcBef>
+                <a:spcPts val="500"/>
+              </a:spcBef>
+              <a:buSzPct val="125000"/>
+              <a:buFont typeface="Arial" panose="020B0604020202020204" pitchFamily="34" charset="0"/>
+              <a:buChar char="•"/>
+              <a:defRPr sz="1400" kern="1200">
+                <a:solidFill>
+                  <a:schemeClr val="tx1"/>
+                </a:solidFill>
+                <a:latin typeface="+mn-lt"/>
+                <a:ea typeface="+mn-ea"/>
+                <a:cs typeface="+mn-cs"/>
+              </a:defRPr>
+            </a:lvl8pPr>
+            <a:lvl9pPr marL="3886200" indent="-228600" algn="l" defTabSz="914400" rtl="0" eaLnBrk="1" latinLnBrk="0" hangingPunct="1">
+              <a:lnSpc>
+                <a:spcPct val="120000"/>
+              </a:lnSpc>
+              <a:spcBef>
+                <a:spcPts val="500"/>
+              </a:spcBef>
+              <a:buSzPct val="125000"/>
+              <a:buFont typeface="Arial" panose="020B0604020202020204" pitchFamily="34" charset="0"/>
+              <a:buChar char="•"/>
+              <a:defRPr sz="1400" kern="1200">
+                <a:solidFill>
+                  <a:schemeClr val="tx1"/>
+                </a:solidFill>
+                <a:latin typeface="+mn-lt"/>
+                <a:ea typeface="+mn-ea"/>
+                <a:cs typeface="+mn-cs"/>
+              </a:defRPr>
+            </a:lvl9pPr>
+          </a:lstStyle>
+          <a:p>
+            <a:pPr marL="0" indent="0" algn="ctr">
+              <a:buNone/>
+            </a:pPr>
+            <a:r>
+              <a:rPr lang="es-AR" sz="3200" dirty="0">
+                <a:solidFill>
+                  <a:schemeClr val="bg1"/>
+                </a:solidFill>
+              </a:rPr>
+              <a:t>Transfer </a:t>
+            </a:r>
+            <a:r>
+              <a:rPr lang="es-AR" sz="3200" dirty="0" err="1">
+                <a:solidFill>
+                  <a:schemeClr val="bg1"/>
+                </a:solidFill>
+              </a:rPr>
+              <a:t>Learning</a:t>
+            </a:r>
+            <a:endParaRPr lang="es-AR" sz="3200" dirty="0">
+              <a:solidFill>
+                <a:schemeClr val="bg1"/>
+              </a:solidFill>
+            </a:endParaRPr>
+          </a:p>
+        </p:txBody>
+      </p:sp>
+      <p:sp>
+        <p:nvSpPr>
           <p:cNvPr id="5" name="Subtitle 1"/>
           <p:cNvSpPr txBox="1">
             <a:spLocks/>
@@ -23420,7 +24958,7 @@
 </p:sld>
 </file>
 
-<file path=ppt/slides/slide7.xml><?xml version="1.0" encoding="utf-8"?>
+<file path=ppt/slides/slide8.xml><?xml version="1.0" encoding="utf-8"?>
 <p:sld xmlns:a="http://schemas.openxmlformats.org/drawingml/2006/main" xmlns:r="http://schemas.openxmlformats.org/officeDocument/2006/relationships" xmlns:p="http://schemas.openxmlformats.org/presentationml/2006/main">
   <p:cSld>
     <p:spTree>
@@ -23677,7 +25215,7 @@
 </p:sld>
 </file>
 
-<file path=ppt/slides/slide8.xml><?xml version="1.0" encoding="utf-8"?>
+<file path=ppt/slides/slide9.xml><?xml version="1.0" encoding="utf-8"?>
 <p:sld xmlns:a="http://schemas.openxmlformats.org/drawingml/2006/main" xmlns:r="http://schemas.openxmlformats.org/officeDocument/2006/relationships" xmlns:p="http://schemas.openxmlformats.org/presentationml/2006/main">
   <p:cSld>
     <p:spTree>
@@ -24205,1340 +25743,6 @@
     <p:extLst>
       <p:ext uri="{BB962C8B-B14F-4D97-AF65-F5344CB8AC3E}">
         <p14:creationId xmlns:p14="http://schemas.microsoft.com/office/powerpoint/2010/main" val="1345289315"/>
-      </p:ext>
-    </p:extLst>
-  </p:cSld>
-  <p:clrMapOvr>
-    <a:masterClrMapping/>
-  </p:clrMapOvr>
-</p:sld>
-</file>
-
-<file path=ppt/slides/slide9.xml><?xml version="1.0" encoding="utf-8"?>
-<p:sld xmlns:a="http://schemas.openxmlformats.org/drawingml/2006/main" xmlns:r="http://schemas.openxmlformats.org/officeDocument/2006/relationships" xmlns:p="http://schemas.openxmlformats.org/presentationml/2006/main">
-  <p:cSld>
-    <p:spTree>
-      <p:nvGrpSpPr>
-        <p:cNvPr id="1" name=""/>
-        <p:cNvGrpSpPr/>
-        <p:nvPr/>
-      </p:nvGrpSpPr>
-      <p:grpSpPr>
-        <a:xfrm>
-          <a:off x="0" y="0"/>
-          <a:ext cx="0" cy="0"/>
-          <a:chOff x="0" y="0"/>
-          <a:chExt cx="0" cy="0"/>
-        </a:xfrm>
-      </p:grpSpPr>
-      <p:sp>
-        <p:nvSpPr>
-          <p:cNvPr id="4" name="Subtitle 1"/>
-          <p:cNvSpPr txBox="1">
-            <a:spLocks/>
-          </p:cNvSpPr>
-          <p:nvPr/>
-        </p:nvSpPr>
-        <p:spPr>
-          <a:xfrm>
-            <a:off x="0" y="0"/>
-            <a:ext cx="12511314" cy="1085871"/>
-          </a:xfrm>
-          <a:prstGeom prst="rect">
-            <a:avLst/>
-          </a:prstGeom>
-        </p:spPr>
-        <p:txBody>
-          <a:bodyPr vert="horz" lIns="91440" tIns="45720" rIns="91440" bIns="45720" rtlCol="0">
-            <a:noAutofit/>
-          </a:bodyPr>
-          <a:lstStyle>
-            <a:lvl1pPr marL="228600" indent="-228600" algn="l" defTabSz="914400" rtl="0" eaLnBrk="1" latinLnBrk="0" hangingPunct="1">
-              <a:lnSpc>
-                <a:spcPct val="120000"/>
-              </a:lnSpc>
-              <a:spcBef>
-                <a:spcPts val="1000"/>
-              </a:spcBef>
-              <a:buSzPct val="125000"/>
-              <a:buFont typeface="Arial" panose="020B0604020202020204" pitchFamily="34" charset="0"/>
-              <a:buChar char="•"/>
-              <a:defRPr sz="2400" kern="1200">
-                <a:solidFill>
-                  <a:schemeClr val="tx1"/>
-                </a:solidFill>
-                <a:latin typeface="+mn-lt"/>
-                <a:ea typeface="+mn-ea"/>
-                <a:cs typeface="+mn-cs"/>
-              </a:defRPr>
-            </a:lvl1pPr>
-            <a:lvl2pPr marL="685800" indent="-228600" algn="l" defTabSz="914400" rtl="0" eaLnBrk="1" latinLnBrk="0" hangingPunct="1">
-              <a:lnSpc>
-                <a:spcPct val="120000"/>
-              </a:lnSpc>
-              <a:spcBef>
-                <a:spcPts val="500"/>
-              </a:spcBef>
-              <a:buSzPct val="125000"/>
-              <a:buFont typeface="Arial" panose="020B0604020202020204" pitchFamily="34" charset="0"/>
-              <a:buChar char="•"/>
-              <a:defRPr sz="2000" kern="1200">
-                <a:solidFill>
-                  <a:schemeClr val="tx1"/>
-                </a:solidFill>
-                <a:latin typeface="+mn-lt"/>
-                <a:ea typeface="+mn-ea"/>
-                <a:cs typeface="+mn-cs"/>
-              </a:defRPr>
-            </a:lvl2pPr>
-            <a:lvl3pPr marL="1143000" indent="-228600" algn="l" defTabSz="914400" rtl="0" eaLnBrk="1" latinLnBrk="0" hangingPunct="1">
-              <a:lnSpc>
-                <a:spcPct val="120000"/>
-              </a:lnSpc>
-              <a:spcBef>
-                <a:spcPts val="500"/>
-              </a:spcBef>
-              <a:buSzPct val="125000"/>
-              <a:buFont typeface="Arial" panose="020B0604020202020204" pitchFamily="34" charset="0"/>
-              <a:buChar char="•"/>
-              <a:defRPr sz="1800" kern="1200">
-                <a:solidFill>
-                  <a:schemeClr val="tx1"/>
-                </a:solidFill>
-                <a:latin typeface="+mn-lt"/>
-                <a:ea typeface="+mn-ea"/>
-                <a:cs typeface="+mn-cs"/>
-              </a:defRPr>
-            </a:lvl3pPr>
-            <a:lvl4pPr marL="1600200" indent="-228600" algn="l" defTabSz="914400" rtl="0" eaLnBrk="1" latinLnBrk="0" hangingPunct="1">
-              <a:lnSpc>
-                <a:spcPct val="120000"/>
-              </a:lnSpc>
-              <a:spcBef>
-                <a:spcPts val="500"/>
-              </a:spcBef>
-              <a:buSzPct val="125000"/>
-              <a:buFont typeface="Arial" panose="020B0604020202020204" pitchFamily="34" charset="0"/>
-              <a:buChar char="•"/>
-              <a:defRPr sz="1600" kern="1200">
-                <a:solidFill>
-                  <a:schemeClr val="tx1"/>
-                </a:solidFill>
-                <a:latin typeface="+mn-lt"/>
-                <a:ea typeface="+mn-ea"/>
-                <a:cs typeface="+mn-cs"/>
-              </a:defRPr>
-            </a:lvl4pPr>
-            <a:lvl5pPr marL="2057400" indent="-228600" algn="l" defTabSz="914400" rtl="0" eaLnBrk="1" latinLnBrk="0" hangingPunct="1">
-              <a:lnSpc>
-                <a:spcPct val="120000"/>
-              </a:lnSpc>
-              <a:spcBef>
-                <a:spcPts val="500"/>
-              </a:spcBef>
-              <a:buSzPct val="125000"/>
-              <a:buFont typeface="Arial" panose="020B0604020202020204" pitchFamily="34" charset="0"/>
-              <a:buChar char="•"/>
-              <a:defRPr sz="1600" kern="1200">
-                <a:solidFill>
-                  <a:schemeClr val="tx1"/>
-                </a:solidFill>
-                <a:latin typeface="+mn-lt"/>
-                <a:ea typeface="+mn-ea"/>
-                <a:cs typeface="+mn-cs"/>
-              </a:defRPr>
-            </a:lvl5pPr>
-            <a:lvl6pPr marL="2514600" indent="-228600" algn="l" defTabSz="914400" rtl="0" eaLnBrk="1" latinLnBrk="0" hangingPunct="1">
-              <a:lnSpc>
-                <a:spcPct val="120000"/>
-              </a:lnSpc>
-              <a:spcBef>
-                <a:spcPts val="500"/>
-              </a:spcBef>
-              <a:buSzPct val="125000"/>
-              <a:buFont typeface="Arial" panose="020B0604020202020204" pitchFamily="34" charset="0"/>
-              <a:buChar char="•"/>
-              <a:defRPr sz="1400" kern="1200">
-                <a:solidFill>
-                  <a:schemeClr val="tx1"/>
-                </a:solidFill>
-                <a:latin typeface="+mn-lt"/>
-                <a:ea typeface="+mn-ea"/>
-                <a:cs typeface="+mn-cs"/>
-              </a:defRPr>
-            </a:lvl6pPr>
-            <a:lvl7pPr marL="2971800" indent="-228600" algn="l" defTabSz="914400" rtl="0" eaLnBrk="1" latinLnBrk="0" hangingPunct="1">
-              <a:lnSpc>
-                <a:spcPct val="120000"/>
-              </a:lnSpc>
-              <a:spcBef>
-                <a:spcPts val="500"/>
-              </a:spcBef>
-              <a:buSzPct val="125000"/>
-              <a:buFont typeface="Arial" panose="020B0604020202020204" pitchFamily="34" charset="0"/>
-              <a:buChar char="•"/>
-              <a:defRPr sz="1400" kern="1200">
-                <a:solidFill>
-                  <a:schemeClr val="tx1"/>
-                </a:solidFill>
-                <a:latin typeface="+mn-lt"/>
-                <a:ea typeface="+mn-ea"/>
-                <a:cs typeface="+mn-cs"/>
-              </a:defRPr>
-            </a:lvl7pPr>
-            <a:lvl8pPr marL="3429000" indent="-228600" algn="l" defTabSz="914400" rtl="0" eaLnBrk="1" latinLnBrk="0" hangingPunct="1">
-              <a:lnSpc>
-                <a:spcPct val="120000"/>
-              </a:lnSpc>
-              <a:spcBef>
-                <a:spcPts val="500"/>
-              </a:spcBef>
-              <a:buSzPct val="125000"/>
-              <a:buFont typeface="Arial" panose="020B0604020202020204" pitchFamily="34" charset="0"/>
-              <a:buChar char="•"/>
-              <a:defRPr sz="1400" kern="1200">
-                <a:solidFill>
-                  <a:schemeClr val="tx1"/>
-                </a:solidFill>
-                <a:latin typeface="+mn-lt"/>
-                <a:ea typeface="+mn-ea"/>
-                <a:cs typeface="+mn-cs"/>
-              </a:defRPr>
-            </a:lvl8pPr>
-            <a:lvl9pPr marL="3886200" indent="-228600" algn="l" defTabSz="914400" rtl="0" eaLnBrk="1" latinLnBrk="0" hangingPunct="1">
-              <a:lnSpc>
-                <a:spcPct val="120000"/>
-              </a:lnSpc>
-              <a:spcBef>
-                <a:spcPts val="500"/>
-              </a:spcBef>
-              <a:buSzPct val="125000"/>
-              <a:buFont typeface="Arial" panose="020B0604020202020204" pitchFamily="34" charset="0"/>
-              <a:buChar char="•"/>
-              <a:defRPr sz="1400" kern="1200">
-                <a:solidFill>
-                  <a:schemeClr val="tx1"/>
-                </a:solidFill>
-                <a:latin typeface="+mn-lt"/>
-                <a:ea typeface="+mn-ea"/>
-                <a:cs typeface="+mn-cs"/>
-              </a:defRPr>
-            </a:lvl9pPr>
-          </a:lstStyle>
-          <a:p>
-            <a:pPr marL="0" indent="0" algn="ctr">
-              <a:buNone/>
-            </a:pPr>
-            <a:r>
-              <a:rPr lang="es-AR" sz="3200" dirty="0" err="1">
-                <a:solidFill>
-                  <a:schemeClr val="bg1"/>
-                </a:solidFill>
-              </a:rPr>
-              <a:t>Generative</a:t>
-            </a:r>
-            <a:r>
-              <a:rPr lang="es-AR" sz="3200" dirty="0">
-                <a:solidFill>
-                  <a:schemeClr val="bg1"/>
-                </a:solidFill>
-              </a:rPr>
-              <a:t> </a:t>
-            </a:r>
-            <a:r>
-              <a:rPr lang="es-AR" sz="3200" dirty="0" err="1">
-                <a:solidFill>
-                  <a:schemeClr val="bg1"/>
-                </a:solidFill>
-              </a:rPr>
-              <a:t>Adversarial</a:t>
-            </a:r>
-            <a:r>
-              <a:rPr lang="es-AR" sz="3200" dirty="0">
-                <a:solidFill>
-                  <a:schemeClr val="bg1"/>
-                </a:solidFill>
-              </a:rPr>
-              <a:t> Network (GAN)</a:t>
-            </a:r>
-          </a:p>
-        </p:txBody>
-      </p:sp>
-      <p:sp>
-        <p:nvSpPr>
-          <p:cNvPr id="5" name="Subtitle 1"/>
-          <p:cNvSpPr txBox="1">
-            <a:spLocks/>
-          </p:cNvSpPr>
-          <p:nvPr/>
-        </p:nvSpPr>
-        <p:spPr>
-          <a:xfrm>
-            <a:off x="186311" y="4805933"/>
-            <a:ext cx="5760997" cy="1607745"/>
-          </a:xfrm>
-          <a:prstGeom prst="rect">
-            <a:avLst/>
-          </a:prstGeom>
-        </p:spPr>
-        <p:txBody>
-          <a:bodyPr vert="horz" lIns="91440" tIns="45720" rIns="91440" bIns="45720" rtlCol="0">
-            <a:noAutofit/>
-          </a:bodyPr>
-          <a:lstStyle>
-            <a:lvl1pPr marL="0" indent="0" algn="ctr" defTabSz="914400" rtl="0" eaLnBrk="1" latinLnBrk="0" hangingPunct="1">
-              <a:lnSpc>
-                <a:spcPct val="90000"/>
-              </a:lnSpc>
-              <a:spcBef>
-                <a:spcPts val="1000"/>
-              </a:spcBef>
-              <a:buFont typeface="Arial" panose="020B0604020202020204" pitchFamily="34" charset="0"/>
-              <a:buNone/>
-              <a:defRPr sz="2400" kern="1200">
-                <a:solidFill>
-                  <a:schemeClr val="tx1"/>
-                </a:solidFill>
-                <a:latin typeface="+mn-lt"/>
-                <a:ea typeface="+mn-ea"/>
-                <a:cs typeface="+mn-cs"/>
-              </a:defRPr>
-            </a:lvl1pPr>
-            <a:lvl2pPr marL="457200" indent="0" algn="ctr" defTabSz="914400" rtl="0" eaLnBrk="1" latinLnBrk="0" hangingPunct="1">
-              <a:lnSpc>
-                <a:spcPct val="90000"/>
-              </a:lnSpc>
-              <a:spcBef>
-                <a:spcPts val="500"/>
-              </a:spcBef>
-              <a:buFont typeface="Arial" panose="020B0604020202020204" pitchFamily="34" charset="0"/>
-              <a:buNone/>
-              <a:defRPr sz="2000" kern="1200">
-                <a:solidFill>
-                  <a:schemeClr val="tx1"/>
-                </a:solidFill>
-                <a:latin typeface="+mn-lt"/>
-                <a:ea typeface="+mn-ea"/>
-                <a:cs typeface="+mn-cs"/>
-              </a:defRPr>
-            </a:lvl2pPr>
-            <a:lvl3pPr marL="914400" indent="0" algn="ctr" defTabSz="914400" rtl="0" eaLnBrk="1" latinLnBrk="0" hangingPunct="1">
-              <a:lnSpc>
-                <a:spcPct val="90000"/>
-              </a:lnSpc>
-              <a:spcBef>
-                <a:spcPts val="500"/>
-              </a:spcBef>
-              <a:buFont typeface="Arial" panose="020B0604020202020204" pitchFamily="34" charset="0"/>
-              <a:buNone/>
-              <a:defRPr sz="1800" kern="1200">
-                <a:solidFill>
-                  <a:schemeClr val="tx1"/>
-                </a:solidFill>
-                <a:latin typeface="+mn-lt"/>
-                <a:ea typeface="+mn-ea"/>
-                <a:cs typeface="+mn-cs"/>
-              </a:defRPr>
-            </a:lvl3pPr>
-            <a:lvl4pPr marL="1371600" indent="0" algn="ctr" defTabSz="914400" rtl="0" eaLnBrk="1" latinLnBrk="0" hangingPunct="1">
-              <a:lnSpc>
-                <a:spcPct val="90000"/>
-              </a:lnSpc>
-              <a:spcBef>
-                <a:spcPts val="500"/>
-              </a:spcBef>
-              <a:buFont typeface="Arial" panose="020B0604020202020204" pitchFamily="34" charset="0"/>
-              <a:buNone/>
-              <a:defRPr sz="1600" kern="1200">
-                <a:solidFill>
-                  <a:schemeClr val="tx1"/>
-                </a:solidFill>
-                <a:latin typeface="+mn-lt"/>
-                <a:ea typeface="+mn-ea"/>
-                <a:cs typeface="+mn-cs"/>
-              </a:defRPr>
-            </a:lvl4pPr>
-            <a:lvl5pPr marL="1828800" indent="0" algn="ctr" defTabSz="914400" rtl="0" eaLnBrk="1" latinLnBrk="0" hangingPunct="1">
-              <a:lnSpc>
-                <a:spcPct val="90000"/>
-              </a:lnSpc>
-              <a:spcBef>
-                <a:spcPts val="500"/>
-              </a:spcBef>
-              <a:buFont typeface="Arial" panose="020B0604020202020204" pitchFamily="34" charset="0"/>
-              <a:buNone/>
-              <a:defRPr sz="1600" kern="1200">
-                <a:solidFill>
-                  <a:schemeClr val="tx1"/>
-                </a:solidFill>
-                <a:latin typeface="+mn-lt"/>
-                <a:ea typeface="+mn-ea"/>
-                <a:cs typeface="+mn-cs"/>
-              </a:defRPr>
-            </a:lvl5pPr>
-            <a:lvl6pPr marL="2286000" indent="0" algn="ctr" defTabSz="914400" rtl="0" eaLnBrk="1" latinLnBrk="0" hangingPunct="1">
-              <a:lnSpc>
-                <a:spcPct val="90000"/>
-              </a:lnSpc>
-              <a:spcBef>
-                <a:spcPts val="500"/>
-              </a:spcBef>
-              <a:buFont typeface="Arial" panose="020B0604020202020204" pitchFamily="34" charset="0"/>
-              <a:buNone/>
-              <a:defRPr sz="1600" kern="1200">
-                <a:solidFill>
-                  <a:schemeClr val="tx1"/>
-                </a:solidFill>
-                <a:latin typeface="+mn-lt"/>
-                <a:ea typeface="+mn-ea"/>
-                <a:cs typeface="+mn-cs"/>
-              </a:defRPr>
-            </a:lvl6pPr>
-            <a:lvl7pPr marL="2743200" indent="0" algn="ctr" defTabSz="914400" rtl="0" eaLnBrk="1" latinLnBrk="0" hangingPunct="1">
-              <a:lnSpc>
-                <a:spcPct val="90000"/>
-              </a:lnSpc>
-              <a:spcBef>
-                <a:spcPts val="500"/>
-              </a:spcBef>
-              <a:buFont typeface="Arial" panose="020B0604020202020204" pitchFamily="34" charset="0"/>
-              <a:buNone/>
-              <a:defRPr sz="1600" kern="1200">
-                <a:solidFill>
-                  <a:schemeClr val="tx1"/>
-                </a:solidFill>
-                <a:latin typeface="+mn-lt"/>
-                <a:ea typeface="+mn-ea"/>
-                <a:cs typeface="+mn-cs"/>
-              </a:defRPr>
-            </a:lvl7pPr>
-            <a:lvl8pPr marL="3200400" indent="0" algn="ctr" defTabSz="914400" rtl="0" eaLnBrk="1" latinLnBrk="0" hangingPunct="1">
-              <a:lnSpc>
-                <a:spcPct val="90000"/>
-              </a:lnSpc>
-              <a:spcBef>
-                <a:spcPts val="500"/>
-              </a:spcBef>
-              <a:buFont typeface="Arial" panose="020B0604020202020204" pitchFamily="34" charset="0"/>
-              <a:buNone/>
-              <a:defRPr sz="1600" kern="1200">
-                <a:solidFill>
-                  <a:schemeClr val="tx1"/>
-                </a:solidFill>
-                <a:latin typeface="+mn-lt"/>
-                <a:ea typeface="+mn-ea"/>
-                <a:cs typeface="+mn-cs"/>
-              </a:defRPr>
-            </a:lvl8pPr>
-            <a:lvl9pPr marL="3657600" indent="0" algn="ctr" defTabSz="914400" rtl="0" eaLnBrk="1" latinLnBrk="0" hangingPunct="1">
-              <a:lnSpc>
-                <a:spcPct val="90000"/>
-              </a:lnSpc>
-              <a:spcBef>
-                <a:spcPts val="500"/>
-              </a:spcBef>
-              <a:buFont typeface="Arial" panose="020B0604020202020204" pitchFamily="34" charset="0"/>
-              <a:buNone/>
-              <a:defRPr sz="1600" kern="1200">
-                <a:solidFill>
-                  <a:schemeClr val="tx1"/>
-                </a:solidFill>
-                <a:latin typeface="+mn-lt"/>
-                <a:ea typeface="+mn-ea"/>
-                <a:cs typeface="+mn-cs"/>
-              </a:defRPr>
-            </a:lvl9pPr>
-          </a:lstStyle>
-          <a:p>
-            <a:pPr algn="l"/>
-            <a:r>
-              <a:rPr lang="es-AR" sz="2800" dirty="0">
-                <a:solidFill>
-                  <a:schemeClr val="bg1"/>
-                </a:solidFill>
-              </a:rPr>
-              <a:t>Quiero generar un perro</a:t>
-            </a:r>
-            <a:r>
-              <a:rPr lang="es-AR" sz="2800" dirty="0">
-                <a:solidFill>
-                  <a:schemeClr val="bg1"/>
-                </a:solidFill>
-                <a:sym typeface="Wingdings" panose="05000000000000000000" pitchFamily="2" charset="2"/>
-              </a:rPr>
-              <a:t> ¿cual es la </a:t>
-            </a:r>
-            <a:r>
-              <a:rPr lang="es-AR" sz="2800" dirty="0" err="1">
-                <a:solidFill>
-                  <a:srgbClr val="FF0000"/>
-                </a:solidFill>
-                <a:sym typeface="Wingdings" panose="05000000000000000000" pitchFamily="2" charset="2"/>
-              </a:rPr>
-              <a:t>func</a:t>
-            </a:r>
-            <a:r>
-              <a:rPr lang="es-AR" sz="2800" dirty="0">
-                <a:solidFill>
-                  <a:srgbClr val="FF0000"/>
-                </a:solidFill>
-                <a:sym typeface="Wingdings" panose="05000000000000000000" pitchFamily="2" charset="2"/>
-              </a:rPr>
-              <a:t> de </a:t>
-            </a:r>
-            <a:r>
-              <a:rPr lang="es-AR" sz="2800" dirty="0" err="1">
-                <a:solidFill>
-                  <a:srgbClr val="FF0000"/>
-                </a:solidFill>
-                <a:sym typeface="Wingdings" panose="05000000000000000000" pitchFamily="2" charset="2"/>
-              </a:rPr>
-              <a:t>prob</a:t>
-            </a:r>
-            <a:r>
-              <a:rPr lang="es-AR" sz="2800" dirty="0">
-                <a:solidFill>
-                  <a:srgbClr val="FF0000"/>
-                </a:solidFill>
-                <a:sym typeface="Wingdings" panose="05000000000000000000" pitchFamily="2" charset="2"/>
-              </a:rPr>
-              <a:t> </a:t>
-            </a:r>
-            <a:r>
-              <a:rPr lang="es-AR" sz="2800" dirty="0">
-                <a:solidFill>
-                  <a:schemeClr val="bg1"/>
-                </a:solidFill>
-                <a:sym typeface="Wingdings" panose="05000000000000000000" pitchFamily="2" charset="2"/>
-              </a:rPr>
-              <a:t>para que tome un valor de ella y saque un perro?</a:t>
-            </a:r>
-            <a:endParaRPr lang="es-AR" sz="2800" dirty="0">
-              <a:solidFill>
-                <a:schemeClr val="bg1"/>
-              </a:solidFill>
-            </a:endParaRPr>
-          </a:p>
-          <a:p>
-            <a:pPr algn="l"/>
-            <a:r>
-              <a:rPr lang="es-AR" sz="2800" dirty="0">
-                <a:solidFill>
-                  <a:schemeClr val="bg1"/>
-                </a:solidFill>
-              </a:rPr>
-              <a:t>	</a:t>
-            </a:r>
-          </a:p>
-        </p:txBody>
-      </p:sp>
-      <p:pic>
-        <p:nvPicPr>
-          <p:cNvPr id="3" name="Picture 2"/>
-          <p:cNvPicPr>
-            <a:picLocks noChangeAspect="1"/>
-          </p:cNvPicPr>
-          <p:nvPr/>
-        </p:nvPicPr>
-        <p:blipFill>
-          <a:blip r:embed="rId2"/>
-          <a:stretch>
-            <a:fillRect/>
-          </a:stretch>
-        </p:blipFill>
-        <p:spPr>
-          <a:xfrm>
-            <a:off x="6616856" y="695012"/>
-            <a:ext cx="4896857" cy="5887233"/>
-          </a:xfrm>
-          <a:prstGeom prst="rect">
-            <a:avLst/>
-          </a:prstGeom>
-        </p:spPr>
-      </p:pic>
-      <p:sp>
-        <p:nvSpPr>
-          <p:cNvPr id="6" name="Subtitle 1"/>
-          <p:cNvSpPr txBox="1">
-            <a:spLocks/>
-          </p:cNvSpPr>
-          <p:nvPr/>
-        </p:nvSpPr>
-        <p:spPr>
-          <a:xfrm>
-            <a:off x="156260" y="1085871"/>
-            <a:ext cx="5909689" cy="1090659"/>
-          </a:xfrm>
-          <a:prstGeom prst="rect">
-            <a:avLst/>
-          </a:prstGeom>
-        </p:spPr>
-        <p:txBody>
-          <a:bodyPr vert="horz" lIns="91440" tIns="45720" rIns="91440" bIns="45720" rtlCol="0">
-            <a:noAutofit/>
-          </a:bodyPr>
-          <a:lstStyle>
-            <a:lvl1pPr marL="0" indent="0" algn="ctr" defTabSz="914400" rtl="0" eaLnBrk="1" latinLnBrk="0" hangingPunct="1">
-              <a:lnSpc>
-                <a:spcPct val="90000"/>
-              </a:lnSpc>
-              <a:spcBef>
-                <a:spcPts val="1000"/>
-              </a:spcBef>
-              <a:buFont typeface="Arial" panose="020B0604020202020204" pitchFamily="34" charset="0"/>
-              <a:buNone/>
-              <a:defRPr sz="2400" kern="1200">
-                <a:solidFill>
-                  <a:schemeClr val="tx1"/>
-                </a:solidFill>
-                <a:latin typeface="+mn-lt"/>
-                <a:ea typeface="+mn-ea"/>
-                <a:cs typeface="+mn-cs"/>
-              </a:defRPr>
-            </a:lvl1pPr>
-            <a:lvl2pPr marL="457200" indent="0" algn="ctr" defTabSz="914400" rtl="0" eaLnBrk="1" latinLnBrk="0" hangingPunct="1">
-              <a:lnSpc>
-                <a:spcPct val="90000"/>
-              </a:lnSpc>
-              <a:spcBef>
-                <a:spcPts val="500"/>
-              </a:spcBef>
-              <a:buFont typeface="Arial" panose="020B0604020202020204" pitchFamily="34" charset="0"/>
-              <a:buNone/>
-              <a:defRPr sz="2000" kern="1200">
-                <a:solidFill>
-                  <a:schemeClr val="tx1"/>
-                </a:solidFill>
-                <a:latin typeface="+mn-lt"/>
-                <a:ea typeface="+mn-ea"/>
-                <a:cs typeface="+mn-cs"/>
-              </a:defRPr>
-            </a:lvl2pPr>
-            <a:lvl3pPr marL="914400" indent="0" algn="ctr" defTabSz="914400" rtl="0" eaLnBrk="1" latinLnBrk="0" hangingPunct="1">
-              <a:lnSpc>
-                <a:spcPct val="90000"/>
-              </a:lnSpc>
-              <a:spcBef>
-                <a:spcPts val="500"/>
-              </a:spcBef>
-              <a:buFont typeface="Arial" panose="020B0604020202020204" pitchFamily="34" charset="0"/>
-              <a:buNone/>
-              <a:defRPr sz="1800" kern="1200">
-                <a:solidFill>
-                  <a:schemeClr val="tx1"/>
-                </a:solidFill>
-                <a:latin typeface="+mn-lt"/>
-                <a:ea typeface="+mn-ea"/>
-                <a:cs typeface="+mn-cs"/>
-              </a:defRPr>
-            </a:lvl3pPr>
-            <a:lvl4pPr marL="1371600" indent="0" algn="ctr" defTabSz="914400" rtl="0" eaLnBrk="1" latinLnBrk="0" hangingPunct="1">
-              <a:lnSpc>
-                <a:spcPct val="90000"/>
-              </a:lnSpc>
-              <a:spcBef>
-                <a:spcPts val="500"/>
-              </a:spcBef>
-              <a:buFont typeface="Arial" panose="020B0604020202020204" pitchFamily="34" charset="0"/>
-              <a:buNone/>
-              <a:defRPr sz="1600" kern="1200">
-                <a:solidFill>
-                  <a:schemeClr val="tx1"/>
-                </a:solidFill>
-                <a:latin typeface="+mn-lt"/>
-                <a:ea typeface="+mn-ea"/>
-                <a:cs typeface="+mn-cs"/>
-              </a:defRPr>
-            </a:lvl4pPr>
-            <a:lvl5pPr marL="1828800" indent="0" algn="ctr" defTabSz="914400" rtl="0" eaLnBrk="1" latinLnBrk="0" hangingPunct="1">
-              <a:lnSpc>
-                <a:spcPct val="90000"/>
-              </a:lnSpc>
-              <a:spcBef>
-                <a:spcPts val="500"/>
-              </a:spcBef>
-              <a:buFont typeface="Arial" panose="020B0604020202020204" pitchFamily="34" charset="0"/>
-              <a:buNone/>
-              <a:defRPr sz="1600" kern="1200">
-                <a:solidFill>
-                  <a:schemeClr val="tx1"/>
-                </a:solidFill>
-                <a:latin typeface="+mn-lt"/>
-                <a:ea typeface="+mn-ea"/>
-                <a:cs typeface="+mn-cs"/>
-              </a:defRPr>
-            </a:lvl5pPr>
-            <a:lvl6pPr marL="2286000" indent="0" algn="ctr" defTabSz="914400" rtl="0" eaLnBrk="1" latinLnBrk="0" hangingPunct="1">
-              <a:lnSpc>
-                <a:spcPct val="90000"/>
-              </a:lnSpc>
-              <a:spcBef>
-                <a:spcPts val="500"/>
-              </a:spcBef>
-              <a:buFont typeface="Arial" panose="020B0604020202020204" pitchFamily="34" charset="0"/>
-              <a:buNone/>
-              <a:defRPr sz="1600" kern="1200">
-                <a:solidFill>
-                  <a:schemeClr val="tx1"/>
-                </a:solidFill>
-                <a:latin typeface="+mn-lt"/>
-                <a:ea typeface="+mn-ea"/>
-                <a:cs typeface="+mn-cs"/>
-              </a:defRPr>
-            </a:lvl6pPr>
-            <a:lvl7pPr marL="2743200" indent="0" algn="ctr" defTabSz="914400" rtl="0" eaLnBrk="1" latinLnBrk="0" hangingPunct="1">
-              <a:lnSpc>
-                <a:spcPct val="90000"/>
-              </a:lnSpc>
-              <a:spcBef>
-                <a:spcPts val="500"/>
-              </a:spcBef>
-              <a:buFont typeface="Arial" panose="020B0604020202020204" pitchFamily="34" charset="0"/>
-              <a:buNone/>
-              <a:defRPr sz="1600" kern="1200">
-                <a:solidFill>
-                  <a:schemeClr val="tx1"/>
-                </a:solidFill>
-                <a:latin typeface="+mn-lt"/>
-                <a:ea typeface="+mn-ea"/>
-                <a:cs typeface="+mn-cs"/>
-              </a:defRPr>
-            </a:lvl7pPr>
-            <a:lvl8pPr marL="3200400" indent="0" algn="ctr" defTabSz="914400" rtl="0" eaLnBrk="1" latinLnBrk="0" hangingPunct="1">
-              <a:lnSpc>
-                <a:spcPct val="90000"/>
-              </a:lnSpc>
-              <a:spcBef>
-                <a:spcPts val="500"/>
-              </a:spcBef>
-              <a:buFont typeface="Arial" panose="020B0604020202020204" pitchFamily="34" charset="0"/>
-              <a:buNone/>
-              <a:defRPr sz="1600" kern="1200">
-                <a:solidFill>
-                  <a:schemeClr val="tx1"/>
-                </a:solidFill>
-                <a:latin typeface="+mn-lt"/>
-                <a:ea typeface="+mn-ea"/>
-                <a:cs typeface="+mn-cs"/>
-              </a:defRPr>
-            </a:lvl8pPr>
-            <a:lvl9pPr marL="3657600" indent="0" algn="ctr" defTabSz="914400" rtl="0" eaLnBrk="1" latinLnBrk="0" hangingPunct="1">
-              <a:lnSpc>
-                <a:spcPct val="90000"/>
-              </a:lnSpc>
-              <a:spcBef>
-                <a:spcPts val="500"/>
-              </a:spcBef>
-              <a:buFont typeface="Arial" panose="020B0604020202020204" pitchFamily="34" charset="0"/>
-              <a:buNone/>
-              <a:defRPr sz="1600" kern="1200">
-                <a:solidFill>
-                  <a:schemeClr val="tx1"/>
-                </a:solidFill>
-                <a:latin typeface="+mn-lt"/>
-                <a:ea typeface="+mn-ea"/>
-                <a:cs typeface="+mn-cs"/>
-              </a:defRPr>
-            </a:lvl9pPr>
-          </a:lstStyle>
-          <a:p>
-            <a:pPr algn="l"/>
-            <a:r>
-              <a:rPr lang="es-AR" sz="2800" dirty="0">
-                <a:solidFill>
-                  <a:schemeClr val="bg1"/>
-                </a:solidFill>
-              </a:rPr>
-              <a:t>2 redes neuronales enfrentadas:</a:t>
-            </a:r>
-          </a:p>
-          <a:p>
-            <a:pPr algn="l"/>
-            <a:r>
-              <a:rPr lang="es-AR" sz="2800" dirty="0">
-                <a:solidFill>
-                  <a:schemeClr val="bg1"/>
-                </a:solidFill>
-              </a:rPr>
-              <a:t> </a:t>
-            </a:r>
-            <a:r>
-              <a:rPr lang="es-AR" sz="2800" b="1" dirty="0">
-                <a:solidFill>
-                  <a:schemeClr val="bg1"/>
-                </a:solidFill>
-              </a:rPr>
-              <a:t>G</a:t>
-            </a:r>
-            <a:r>
-              <a:rPr lang="es-AR" sz="2800" dirty="0">
-                <a:solidFill>
-                  <a:schemeClr val="bg1"/>
-                </a:solidFill>
-              </a:rPr>
-              <a:t>enerador -  </a:t>
-            </a:r>
-            <a:r>
-              <a:rPr lang="es-AR" sz="2800" b="1" dirty="0">
-                <a:solidFill>
-                  <a:schemeClr val="bg1"/>
-                </a:solidFill>
-              </a:rPr>
-              <a:t>D</a:t>
-            </a:r>
-            <a:r>
-              <a:rPr lang="es-AR" sz="2800" dirty="0">
-                <a:solidFill>
-                  <a:schemeClr val="bg1"/>
-                </a:solidFill>
-              </a:rPr>
-              <a:t>iscriminador	</a:t>
-            </a:r>
-          </a:p>
-          <a:p>
-            <a:pPr algn="l"/>
-            <a:endParaRPr lang="es-AR" sz="2800" dirty="0">
-              <a:solidFill>
-                <a:schemeClr val="bg1"/>
-              </a:solidFill>
-            </a:endParaRPr>
-          </a:p>
-        </p:txBody>
-      </p:sp>
-      <p:sp>
-        <p:nvSpPr>
-          <p:cNvPr id="7" name="Subtitle 1"/>
-          <p:cNvSpPr txBox="1">
-            <a:spLocks/>
-          </p:cNvSpPr>
-          <p:nvPr/>
-        </p:nvSpPr>
-        <p:spPr>
-          <a:xfrm>
-            <a:off x="186311" y="2668523"/>
-            <a:ext cx="5909689" cy="1645416"/>
-          </a:xfrm>
-          <a:prstGeom prst="rect">
-            <a:avLst/>
-          </a:prstGeom>
-        </p:spPr>
-        <p:txBody>
-          <a:bodyPr vert="horz" lIns="91440" tIns="45720" rIns="91440" bIns="45720" rtlCol="0">
-            <a:noAutofit/>
-          </a:bodyPr>
-          <a:lstStyle>
-            <a:lvl1pPr marL="0" indent="0" algn="ctr" defTabSz="914400" rtl="0" eaLnBrk="1" latinLnBrk="0" hangingPunct="1">
-              <a:lnSpc>
-                <a:spcPct val="90000"/>
-              </a:lnSpc>
-              <a:spcBef>
-                <a:spcPts val="1000"/>
-              </a:spcBef>
-              <a:buFont typeface="Arial" panose="020B0604020202020204" pitchFamily="34" charset="0"/>
-              <a:buNone/>
-              <a:defRPr sz="2400" kern="1200">
-                <a:solidFill>
-                  <a:schemeClr val="tx1"/>
-                </a:solidFill>
-                <a:latin typeface="+mn-lt"/>
-                <a:ea typeface="+mn-ea"/>
-                <a:cs typeface="+mn-cs"/>
-              </a:defRPr>
-            </a:lvl1pPr>
-            <a:lvl2pPr marL="457200" indent="0" algn="ctr" defTabSz="914400" rtl="0" eaLnBrk="1" latinLnBrk="0" hangingPunct="1">
-              <a:lnSpc>
-                <a:spcPct val="90000"/>
-              </a:lnSpc>
-              <a:spcBef>
-                <a:spcPts val="500"/>
-              </a:spcBef>
-              <a:buFont typeface="Arial" panose="020B0604020202020204" pitchFamily="34" charset="0"/>
-              <a:buNone/>
-              <a:defRPr sz="2000" kern="1200">
-                <a:solidFill>
-                  <a:schemeClr val="tx1"/>
-                </a:solidFill>
-                <a:latin typeface="+mn-lt"/>
-                <a:ea typeface="+mn-ea"/>
-                <a:cs typeface="+mn-cs"/>
-              </a:defRPr>
-            </a:lvl2pPr>
-            <a:lvl3pPr marL="914400" indent="0" algn="ctr" defTabSz="914400" rtl="0" eaLnBrk="1" latinLnBrk="0" hangingPunct="1">
-              <a:lnSpc>
-                <a:spcPct val="90000"/>
-              </a:lnSpc>
-              <a:spcBef>
-                <a:spcPts val="500"/>
-              </a:spcBef>
-              <a:buFont typeface="Arial" panose="020B0604020202020204" pitchFamily="34" charset="0"/>
-              <a:buNone/>
-              <a:defRPr sz="1800" kern="1200">
-                <a:solidFill>
-                  <a:schemeClr val="tx1"/>
-                </a:solidFill>
-                <a:latin typeface="+mn-lt"/>
-                <a:ea typeface="+mn-ea"/>
-                <a:cs typeface="+mn-cs"/>
-              </a:defRPr>
-            </a:lvl3pPr>
-            <a:lvl4pPr marL="1371600" indent="0" algn="ctr" defTabSz="914400" rtl="0" eaLnBrk="1" latinLnBrk="0" hangingPunct="1">
-              <a:lnSpc>
-                <a:spcPct val="90000"/>
-              </a:lnSpc>
-              <a:spcBef>
-                <a:spcPts val="500"/>
-              </a:spcBef>
-              <a:buFont typeface="Arial" panose="020B0604020202020204" pitchFamily="34" charset="0"/>
-              <a:buNone/>
-              <a:defRPr sz="1600" kern="1200">
-                <a:solidFill>
-                  <a:schemeClr val="tx1"/>
-                </a:solidFill>
-                <a:latin typeface="+mn-lt"/>
-                <a:ea typeface="+mn-ea"/>
-                <a:cs typeface="+mn-cs"/>
-              </a:defRPr>
-            </a:lvl4pPr>
-            <a:lvl5pPr marL="1828800" indent="0" algn="ctr" defTabSz="914400" rtl="0" eaLnBrk="1" latinLnBrk="0" hangingPunct="1">
-              <a:lnSpc>
-                <a:spcPct val="90000"/>
-              </a:lnSpc>
-              <a:spcBef>
-                <a:spcPts val="500"/>
-              </a:spcBef>
-              <a:buFont typeface="Arial" panose="020B0604020202020204" pitchFamily="34" charset="0"/>
-              <a:buNone/>
-              <a:defRPr sz="1600" kern="1200">
-                <a:solidFill>
-                  <a:schemeClr val="tx1"/>
-                </a:solidFill>
-                <a:latin typeface="+mn-lt"/>
-                <a:ea typeface="+mn-ea"/>
-                <a:cs typeface="+mn-cs"/>
-              </a:defRPr>
-            </a:lvl5pPr>
-            <a:lvl6pPr marL="2286000" indent="0" algn="ctr" defTabSz="914400" rtl="0" eaLnBrk="1" latinLnBrk="0" hangingPunct="1">
-              <a:lnSpc>
-                <a:spcPct val="90000"/>
-              </a:lnSpc>
-              <a:spcBef>
-                <a:spcPts val="500"/>
-              </a:spcBef>
-              <a:buFont typeface="Arial" panose="020B0604020202020204" pitchFamily="34" charset="0"/>
-              <a:buNone/>
-              <a:defRPr sz="1600" kern="1200">
-                <a:solidFill>
-                  <a:schemeClr val="tx1"/>
-                </a:solidFill>
-                <a:latin typeface="+mn-lt"/>
-                <a:ea typeface="+mn-ea"/>
-                <a:cs typeface="+mn-cs"/>
-              </a:defRPr>
-            </a:lvl6pPr>
-            <a:lvl7pPr marL="2743200" indent="0" algn="ctr" defTabSz="914400" rtl="0" eaLnBrk="1" latinLnBrk="0" hangingPunct="1">
-              <a:lnSpc>
-                <a:spcPct val="90000"/>
-              </a:lnSpc>
-              <a:spcBef>
-                <a:spcPts val="500"/>
-              </a:spcBef>
-              <a:buFont typeface="Arial" panose="020B0604020202020204" pitchFamily="34" charset="0"/>
-              <a:buNone/>
-              <a:defRPr sz="1600" kern="1200">
-                <a:solidFill>
-                  <a:schemeClr val="tx1"/>
-                </a:solidFill>
-                <a:latin typeface="+mn-lt"/>
-                <a:ea typeface="+mn-ea"/>
-                <a:cs typeface="+mn-cs"/>
-              </a:defRPr>
-            </a:lvl7pPr>
-            <a:lvl8pPr marL="3200400" indent="0" algn="ctr" defTabSz="914400" rtl="0" eaLnBrk="1" latinLnBrk="0" hangingPunct="1">
-              <a:lnSpc>
-                <a:spcPct val="90000"/>
-              </a:lnSpc>
-              <a:spcBef>
-                <a:spcPts val="500"/>
-              </a:spcBef>
-              <a:buFont typeface="Arial" panose="020B0604020202020204" pitchFamily="34" charset="0"/>
-              <a:buNone/>
-              <a:defRPr sz="1600" kern="1200">
-                <a:solidFill>
-                  <a:schemeClr val="tx1"/>
-                </a:solidFill>
-                <a:latin typeface="+mn-lt"/>
-                <a:ea typeface="+mn-ea"/>
-                <a:cs typeface="+mn-cs"/>
-              </a:defRPr>
-            </a:lvl8pPr>
-            <a:lvl9pPr marL="3657600" indent="0" algn="ctr" defTabSz="914400" rtl="0" eaLnBrk="1" latinLnBrk="0" hangingPunct="1">
-              <a:lnSpc>
-                <a:spcPct val="90000"/>
-              </a:lnSpc>
-              <a:spcBef>
-                <a:spcPts val="500"/>
-              </a:spcBef>
-              <a:buFont typeface="Arial" panose="020B0604020202020204" pitchFamily="34" charset="0"/>
-              <a:buNone/>
-              <a:defRPr sz="1600" kern="1200">
-                <a:solidFill>
-                  <a:schemeClr val="tx1"/>
-                </a:solidFill>
-                <a:latin typeface="+mn-lt"/>
-                <a:ea typeface="+mn-ea"/>
-                <a:cs typeface="+mn-cs"/>
-              </a:defRPr>
-            </a:lvl9pPr>
-          </a:lstStyle>
-          <a:p>
-            <a:pPr algn="l"/>
-            <a:r>
-              <a:rPr lang="es-AR" sz="2800" b="1" dirty="0">
-                <a:solidFill>
-                  <a:schemeClr val="bg1"/>
-                </a:solidFill>
-              </a:rPr>
-              <a:t>G</a:t>
-            </a:r>
-            <a:r>
-              <a:rPr lang="es-AR" sz="2800" dirty="0">
-                <a:solidFill>
-                  <a:schemeClr val="bg1"/>
-                </a:solidFill>
-              </a:rPr>
-              <a:t> </a:t>
-            </a:r>
-            <a:r>
-              <a:rPr lang="es-AR" sz="2800" dirty="0">
-                <a:solidFill>
-                  <a:schemeClr val="bg1"/>
-                </a:solidFill>
-                <a:sym typeface="Wingdings" panose="05000000000000000000" pitchFamily="2" charset="2"/>
-              </a:rPr>
-              <a:t> debe aprender una </a:t>
-            </a:r>
-            <a:r>
-              <a:rPr lang="es-AR" sz="2800" dirty="0" err="1">
-                <a:solidFill>
-                  <a:srgbClr val="FF0000"/>
-                </a:solidFill>
-                <a:sym typeface="Wingdings" panose="05000000000000000000" pitchFamily="2" charset="2"/>
-              </a:rPr>
-              <a:t>func</a:t>
-            </a:r>
-            <a:r>
-              <a:rPr lang="es-AR" sz="2800" dirty="0">
-                <a:solidFill>
-                  <a:srgbClr val="FF0000"/>
-                </a:solidFill>
-                <a:sym typeface="Wingdings" panose="05000000000000000000" pitchFamily="2" charset="2"/>
-              </a:rPr>
-              <a:t> de </a:t>
-            </a:r>
-            <a:r>
-              <a:rPr lang="es-AR" sz="2800" dirty="0" err="1">
-                <a:solidFill>
-                  <a:srgbClr val="FF0000"/>
-                </a:solidFill>
-                <a:sym typeface="Wingdings" panose="05000000000000000000" pitchFamily="2" charset="2"/>
-              </a:rPr>
-              <a:t>prob</a:t>
-            </a:r>
-            <a:r>
-              <a:rPr lang="es-AR" sz="2800" dirty="0">
-                <a:solidFill>
-                  <a:srgbClr val="FF0000"/>
-                </a:solidFill>
-                <a:sym typeface="Wingdings" panose="05000000000000000000" pitchFamily="2" charset="2"/>
-              </a:rPr>
-              <a:t> </a:t>
-            </a:r>
-            <a:r>
-              <a:rPr lang="es-AR" sz="2800" dirty="0">
-                <a:solidFill>
-                  <a:schemeClr val="bg1"/>
-                </a:solidFill>
-                <a:sym typeface="Wingdings" panose="05000000000000000000" pitchFamily="2" charset="2"/>
-              </a:rPr>
-              <a:t>sobre los objetos que deseamos crear a partir de un RND (vector)</a:t>
-            </a:r>
-            <a:r>
-              <a:rPr lang="es-AR" sz="2800" dirty="0">
-                <a:solidFill>
-                  <a:schemeClr val="bg1"/>
-                </a:solidFill>
-              </a:rPr>
-              <a:t>	</a:t>
-            </a:r>
-          </a:p>
-          <a:p>
-            <a:pPr algn="l"/>
-            <a:endParaRPr lang="es-AR" sz="2800" dirty="0">
-              <a:solidFill>
-                <a:schemeClr val="bg1"/>
-              </a:solidFill>
-            </a:endParaRPr>
-          </a:p>
-        </p:txBody>
-      </p:sp>
-      <p:sp>
-        <p:nvSpPr>
-          <p:cNvPr id="8" name="Subtitle 1"/>
-          <p:cNvSpPr txBox="1">
-            <a:spLocks/>
-          </p:cNvSpPr>
-          <p:nvPr/>
-        </p:nvSpPr>
-        <p:spPr>
-          <a:xfrm>
-            <a:off x="3547740" y="6193151"/>
-            <a:ext cx="2192762" cy="441054"/>
-          </a:xfrm>
-          <a:prstGeom prst="rect">
-            <a:avLst/>
-          </a:prstGeom>
-        </p:spPr>
-        <p:txBody>
-          <a:bodyPr vert="horz" lIns="91440" tIns="45720" rIns="91440" bIns="45720" rtlCol="0">
-            <a:noAutofit/>
-          </a:bodyPr>
-          <a:lstStyle>
-            <a:lvl1pPr marL="0" indent="0" algn="ctr" defTabSz="914400" rtl="0" eaLnBrk="1" latinLnBrk="0" hangingPunct="1">
-              <a:lnSpc>
-                <a:spcPct val="90000"/>
-              </a:lnSpc>
-              <a:spcBef>
-                <a:spcPts val="1000"/>
-              </a:spcBef>
-              <a:buFont typeface="Arial" panose="020B0604020202020204" pitchFamily="34" charset="0"/>
-              <a:buNone/>
-              <a:defRPr sz="2400" kern="1200">
-                <a:solidFill>
-                  <a:schemeClr val="tx1"/>
-                </a:solidFill>
-                <a:latin typeface="+mn-lt"/>
-                <a:ea typeface="+mn-ea"/>
-                <a:cs typeface="+mn-cs"/>
-              </a:defRPr>
-            </a:lvl1pPr>
-            <a:lvl2pPr marL="457200" indent="0" algn="ctr" defTabSz="914400" rtl="0" eaLnBrk="1" latinLnBrk="0" hangingPunct="1">
-              <a:lnSpc>
-                <a:spcPct val="90000"/>
-              </a:lnSpc>
-              <a:spcBef>
-                <a:spcPts val="500"/>
-              </a:spcBef>
-              <a:buFont typeface="Arial" panose="020B0604020202020204" pitchFamily="34" charset="0"/>
-              <a:buNone/>
-              <a:defRPr sz="2000" kern="1200">
-                <a:solidFill>
-                  <a:schemeClr val="tx1"/>
-                </a:solidFill>
-                <a:latin typeface="+mn-lt"/>
-                <a:ea typeface="+mn-ea"/>
-                <a:cs typeface="+mn-cs"/>
-              </a:defRPr>
-            </a:lvl2pPr>
-            <a:lvl3pPr marL="914400" indent="0" algn="ctr" defTabSz="914400" rtl="0" eaLnBrk="1" latinLnBrk="0" hangingPunct="1">
-              <a:lnSpc>
-                <a:spcPct val="90000"/>
-              </a:lnSpc>
-              <a:spcBef>
-                <a:spcPts val="500"/>
-              </a:spcBef>
-              <a:buFont typeface="Arial" panose="020B0604020202020204" pitchFamily="34" charset="0"/>
-              <a:buNone/>
-              <a:defRPr sz="1800" kern="1200">
-                <a:solidFill>
-                  <a:schemeClr val="tx1"/>
-                </a:solidFill>
-                <a:latin typeface="+mn-lt"/>
-                <a:ea typeface="+mn-ea"/>
-                <a:cs typeface="+mn-cs"/>
-              </a:defRPr>
-            </a:lvl3pPr>
-            <a:lvl4pPr marL="1371600" indent="0" algn="ctr" defTabSz="914400" rtl="0" eaLnBrk="1" latinLnBrk="0" hangingPunct="1">
-              <a:lnSpc>
-                <a:spcPct val="90000"/>
-              </a:lnSpc>
-              <a:spcBef>
-                <a:spcPts val="500"/>
-              </a:spcBef>
-              <a:buFont typeface="Arial" panose="020B0604020202020204" pitchFamily="34" charset="0"/>
-              <a:buNone/>
-              <a:defRPr sz="1600" kern="1200">
-                <a:solidFill>
-                  <a:schemeClr val="tx1"/>
-                </a:solidFill>
-                <a:latin typeface="+mn-lt"/>
-                <a:ea typeface="+mn-ea"/>
-                <a:cs typeface="+mn-cs"/>
-              </a:defRPr>
-            </a:lvl4pPr>
-            <a:lvl5pPr marL="1828800" indent="0" algn="ctr" defTabSz="914400" rtl="0" eaLnBrk="1" latinLnBrk="0" hangingPunct="1">
-              <a:lnSpc>
-                <a:spcPct val="90000"/>
-              </a:lnSpc>
-              <a:spcBef>
-                <a:spcPts val="500"/>
-              </a:spcBef>
-              <a:buFont typeface="Arial" panose="020B0604020202020204" pitchFamily="34" charset="0"/>
-              <a:buNone/>
-              <a:defRPr sz="1600" kern="1200">
-                <a:solidFill>
-                  <a:schemeClr val="tx1"/>
-                </a:solidFill>
-                <a:latin typeface="+mn-lt"/>
-                <a:ea typeface="+mn-ea"/>
-                <a:cs typeface="+mn-cs"/>
-              </a:defRPr>
-            </a:lvl5pPr>
-            <a:lvl6pPr marL="2286000" indent="0" algn="ctr" defTabSz="914400" rtl="0" eaLnBrk="1" latinLnBrk="0" hangingPunct="1">
-              <a:lnSpc>
-                <a:spcPct val="90000"/>
-              </a:lnSpc>
-              <a:spcBef>
-                <a:spcPts val="500"/>
-              </a:spcBef>
-              <a:buFont typeface="Arial" panose="020B0604020202020204" pitchFamily="34" charset="0"/>
-              <a:buNone/>
-              <a:defRPr sz="1600" kern="1200">
-                <a:solidFill>
-                  <a:schemeClr val="tx1"/>
-                </a:solidFill>
-                <a:latin typeface="+mn-lt"/>
-                <a:ea typeface="+mn-ea"/>
-                <a:cs typeface="+mn-cs"/>
-              </a:defRPr>
-            </a:lvl6pPr>
-            <a:lvl7pPr marL="2743200" indent="0" algn="ctr" defTabSz="914400" rtl="0" eaLnBrk="1" latinLnBrk="0" hangingPunct="1">
-              <a:lnSpc>
-                <a:spcPct val="90000"/>
-              </a:lnSpc>
-              <a:spcBef>
-                <a:spcPts val="500"/>
-              </a:spcBef>
-              <a:buFont typeface="Arial" panose="020B0604020202020204" pitchFamily="34" charset="0"/>
-              <a:buNone/>
-              <a:defRPr sz="1600" kern="1200">
-                <a:solidFill>
-                  <a:schemeClr val="tx1"/>
-                </a:solidFill>
-                <a:latin typeface="+mn-lt"/>
-                <a:ea typeface="+mn-ea"/>
-                <a:cs typeface="+mn-cs"/>
-              </a:defRPr>
-            </a:lvl7pPr>
-            <a:lvl8pPr marL="3200400" indent="0" algn="ctr" defTabSz="914400" rtl="0" eaLnBrk="1" latinLnBrk="0" hangingPunct="1">
-              <a:lnSpc>
-                <a:spcPct val="90000"/>
-              </a:lnSpc>
-              <a:spcBef>
-                <a:spcPts val="500"/>
-              </a:spcBef>
-              <a:buFont typeface="Arial" panose="020B0604020202020204" pitchFamily="34" charset="0"/>
-              <a:buNone/>
-              <a:defRPr sz="1600" kern="1200">
-                <a:solidFill>
-                  <a:schemeClr val="tx1"/>
-                </a:solidFill>
-                <a:latin typeface="+mn-lt"/>
-                <a:ea typeface="+mn-ea"/>
-                <a:cs typeface="+mn-cs"/>
-              </a:defRPr>
-            </a:lvl8pPr>
-            <a:lvl9pPr marL="3657600" indent="0" algn="ctr" defTabSz="914400" rtl="0" eaLnBrk="1" latinLnBrk="0" hangingPunct="1">
-              <a:lnSpc>
-                <a:spcPct val="90000"/>
-              </a:lnSpc>
-              <a:spcBef>
-                <a:spcPts val="500"/>
-              </a:spcBef>
-              <a:buFont typeface="Arial" panose="020B0604020202020204" pitchFamily="34" charset="0"/>
-              <a:buNone/>
-              <a:defRPr sz="1600" kern="1200">
-                <a:solidFill>
-                  <a:schemeClr val="tx1"/>
-                </a:solidFill>
-                <a:latin typeface="+mn-lt"/>
-                <a:ea typeface="+mn-ea"/>
-                <a:cs typeface="+mn-cs"/>
-              </a:defRPr>
-            </a:lvl9pPr>
-          </a:lstStyle>
-          <a:p>
-            <a:pPr algn="l"/>
-            <a:r>
-              <a:rPr lang="es-AR" sz="2800" b="1" dirty="0" err="1">
-                <a:solidFill>
-                  <a:srgbClr val="FF0000"/>
-                </a:solidFill>
-              </a:rPr>
-              <a:t>generative</a:t>
-            </a:r>
-            <a:endParaRPr lang="es-AR" sz="2800" dirty="0">
-              <a:solidFill>
-                <a:srgbClr val="FF0000"/>
-              </a:solidFill>
-            </a:endParaRPr>
-          </a:p>
-        </p:txBody>
-      </p:sp>
-      <mc:AlternateContent xmlns:mc="http://schemas.openxmlformats.org/markup-compatibility/2006">
-        <mc:Choice xmlns:p14="http://schemas.microsoft.com/office/powerpoint/2010/main" Requires="p14">
-          <p:contentPart p14:bwMode="auto" r:id="rId3">
-            <p14:nvContentPartPr>
-              <p14:cNvPr id="2" name="Entrada de lápiz 1">
-                <a:extLst>
-                  <a:ext uri="{FF2B5EF4-FFF2-40B4-BE49-F238E27FC236}">
-                    <a16:creationId xmlns:a16="http://schemas.microsoft.com/office/drawing/2014/main" id="{C97C5AB7-B83A-CFD2-CB93-E99FAB943EC7}"/>
-                  </a:ext>
-                </a:extLst>
-              </p14:cNvPr>
-              <p14:cNvContentPartPr/>
-              <p14:nvPr/>
-            </p14:nvContentPartPr>
-            <p14:xfrm>
-              <a:off x="357120" y="339480"/>
-              <a:ext cx="11269800" cy="6027840"/>
-            </p14:xfrm>
-          </p:contentPart>
-        </mc:Choice>
-        <mc:Fallback>
-          <p:pic>
-            <p:nvPicPr>
-              <p:cNvPr id="2" name="Entrada de lápiz 1">
-                <a:extLst>
-                  <a:ext uri="{FF2B5EF4-FFF2-40B4-BE49-F238E27FC236}">
-                    <a16:creationId xmlns:a16="http://schemas.microsoft.com/office/drawing/2014/main" id="{C97C5AB7-B83A-CFD2-CB93-E99FAB943EC7}"/>
-                  </a:ext>
-                </a:extLst>
-              </p:cNvPr>
-              <p:cNvPicPr/>
-              <p:nvPr/>
-            </p:nvPicPr>
-            <p:blipFill>
-              <a:blip r:embed="rId4"/>
-              <a:stretch>
-                <a:fillRect/>
-              </a:stretch>
-            </p:blipFill>
-            <p:spPr>
-              <a:xfrm>
-                <a:off x="347760" y="330120"/>
-                <a:ext cx="11288520" cy="6046560"/>
-              </a:xfrm>
-              <a:prstGeom prst="rect">
-                <a:avLst/>
-              </a:prstGeom>
-            </p:spPr>
-          </p:pic>
-        </mc:Fallback>
-      </mc:AlternateContent>
-    </p:spTree>
-    <p:extLst>
-      <p:ext uri="{BB962C8B-B14F-4D97-AF65-F5344CB8AC3E}">
-        <p14:creationId xmlns:p14="http://schemas.microsoft.com/office/powerpoint/2010/main" val="2307917589"/>
       </p:ext>
     </p:extLst>
   </p:cSld>

--- a/clase_8/teoria/clase_8.pptx
+++ b/clase_8/teoria/clase_8.pptx
@@ -9,18 +9,17 @@
     <p:sldId id="357" r:id="rId3"/>
     <p:sldId id="334" r:id="rId4"/>
     <p:sldId id="359" r:id="rId5"/>
-    <p:sldId id="358" r:id="rId6"/>
-    <p:sldId id="360" r:id="rId7"/>
-    <p:sldId id="354" r:id="rId8"/>
+    <p:sldId id="361" r:id="rId6"/>
+    <p:sldId id="354" r:id="rId7"/>
+    <p:sldId id="358" r:id="rId8"/>
     <p:sldId id="323" r:id="rId9"/>
     <p:sldId id="332" r:id="rId10"/>
     <p:sldId id="355" r:id="rId11"/>
     <p:sldId id="350" r:id="rId12"/>
     <p:sldId id="347" r:id="rId13"/>
     <p:sldId id="351" r:id="rId14"/>
-    <p:sldId id="353" r:id="rId15"/>
-    <p:sldId id="348" r:id="rId16"/>
-    <p:sldId id="349" r:id="rId17"/>
+    <p:sldId id="348" r:id="rId15"/>
+    <p:sldId id="349" r:id="rId16"/>
   </p:sldIdLst>
   <p:sldSz cx="12192000" cy="6858000"/>
   <p:notesSz cx="6858000" cy="9144000"/>
@@ -544,30 +543,6 @@
     </pc:docChg>
   </pc:docChgLst>
   <pc:docChgLst>
-    <pc:chgData name="Marcos Maillot" userId="fa14b39d-e966-4ebb-a436-4f96f84b9577" providerId="ADAL" clId="{7011595B-F756-4AA4-8979-4594D887F2E6}"/>
-    <pc:docChg chg="modSld">
-      <pc:chgData name="Marcos Maillot" userId="fa14b39d-e966-4ebb-a436-4f96f84b9577" providerId="ADAL" clId="{7011595B-F756-4AA4-8979-4594D887F2E6}" dt="2022-10-13T23:51:53.653" v="2" actId="1076"/>
-      <pc:docMkLst>
-        <pc:docMk/>
-      </pc:docMkLst>
-      <pc:sldChg chg="modSp mod">
-        <pc:chgData name="Marcos Maillot" userId="fa14b39d-e966-4ebb-a436-4f96f84b9577" providerId="ADAL" clId="{7011595B-F756-4AA4-8979-4594D887F2E6}" dt="2022-10-13T23:51:53.653" v="2" actId="1076"/>
-        <pc:sldMkLst>
-          <pc:docMk/>
-          <pc:sldMk cId="1345289315" sldId="332"/>
-        </pc:sldMkLst>
-        <pc:picChg chg="mod">
-          <ac:chgData name="Marcos Maillot" userId="fa14b39d-e966-4ebb-a436-4f96f84b9577" providerId="ADAL" clId="{7011595B-F756-4AA4-8979-4594D887F2E6}" dt="2022-10-13T23:51:53.653" v="2" actId="1076"/>
-          <ac:picMkLst>
-            <pc:docMk/>
-            <pc:sldMk cId="1345289315" sldId="332"/>
-            <ac:picMk id="9" creationId="{3E8818A9-21A5-D270-0236-64EB72134CFF}"/>
-          </ac:picMkLst>
-        </pc:picChg>
-      </pc:sldChg>
-    </pc:docChg>
-  </pc:docChgLst>
-  <pc:docChgLst>
     <pc:chgData name="Marcos Maillot" userId="fa14b39d-e966-4ebb-a436-4f96f84b9577" providerId="ADAL" clId="{8DFE272B-93D9-42EB-821E-CBFEFC0180C8}"/>
     <pc:docChg chg="custSel addSld delSld modSld sldOrd">
       <pc:chgData name="Marcos Maillot" userId="fa14b39d-e966-4ebb-a436-4f96f84b9577" providerId="ADAL" clId="{8DFE272B-93D9-42EB-821E-CBFEFC0180C8}" dt="2022-12-13T23:24:21.091" v="745" actId="478"/>
@@ -1021,6 +996,30 @@
             <pc:docMk/>
             <pc:sldMk cId="1421392979" sldId="359"/>
             <ac:picMk id="9" creationId="{CAD75AC6-F426-A89B-6E22-7D517D91405C}"/>
+          </ac:picMkLst>
+        </pc:picChg>
+      </pc:sldChg>
+    </pc:docChg>
+  </pc:docChgLst>
+  <pc:docChgLst>
+    <pc:chgData name="Marcos Maillot" userId="fa14b39d-e966-4ebb-a436-4f96f84b9577" providerId="ADAL" clId="{7011595B-F756-4AA4-8979-4594D887F2E6}"/>
+    <pc:docChg chg="modSld">
+      <pc:chgData name="Marcos Maillot" userId="fa14b39d-e966-4ebb-a436-4f96f84b9577" providerId="ADAL" clId="{7011595B-F756-4AA4-8979-4594D887F2E6}" dt="2022-10-13T23:51:53.653" v="2" actId="1076"/>
+      <pc:docMkLst>
+        <pc:docMk/>
+      </pc:docMkLst>
+      <pc:sldChg chg="modSp mod">
+        <pc:chgData name="Marcos Maillot" userId="fa14b39d-e966-4ebb-a436-4f96f84b9577" providerId="ADAL" clId="{7011595B-F756-4AA4-8979-4594D887F2E6}" dt="2022-10-13T23:51:53.653" v="2" actId="1076"/>
+        <pc:sldMkLst>
+          <pc:docMk/>
+          <pc:sldMk cId="1345289315" sldId="332"/>
+        </pc:sldMkLst>
+        <pc:picChg chg="mod">
+          <ac:chgData name="Marcos Maillot" userId="fa14b39d-e966-4ebb-a436-4f96f84b9577" providerId="ADAL" clId="{7011595B-F756-4AA4-8979-4594D887F2E6}" dt="2022-10-13T23:51:53.653" v="2" actId="1076"/>
+          <ac:picMkLst>
+            <pc:docMk/>
+            <pc:sldMk cId="1345289315" sldId="332"/>
+            <ac:picMk id="9" creationId="{3E8818A9-21A5-D270-0236-64EB72134CFF}"/>
           </ac:picMkLst>
         </pc:picChg>
       </pc:sldChg>
@@ -1568,7 +1567,7 @@
           <a:noFill/>
           <a:extLst>
             <a:ext uri="{909E8E84-426E-40dd-AFC4-6F175D3DCCD1}">
-              <a14:hiddenFill xmlns:a14="http://schemas.microsoft.com/office/drawing/2010/main" xmlns="">
+              <a14:hiddenFill xmlns="" xmlns:a14="http://schemas.microsoft.com/office/drawing/2010/main">
                 <a:solidFill>
                   <a:srgbClr val="FFFFFF"/>
                 </a:solidFill>
@@ -1628,7 +1627,7 @@
             </a:ln>
             <a:extLst>
               <a:ext uri="{91240B29-F687-4f45-9708-019B960494DF}">
-                <a14:hiddenLine xmlns:a14="http://schemas.microsoft.com/office/drawing/2010/main" xmlns="" w="9525">
+                <a14:hiddenLine xmlns="" xmlns:a14="http://schemas.microsoft.com/office/drawing/2010/main" w="9525">
                   <a:solidFill>
                     <a:srgbClr val="000000"/>
                   </a:solidFill>
@@ -1718,7 +1717,7 @@
             </a:ln>
             <a:extLst>
               <a:ext uri="{91240B29-F687-4f45-9708-019B960494DF}">
-                <a14:hiddenLine xmlns:a14="http://schemas.microsoft.com/office/drawing/2010/main" xmlns="" w="9525">
+                <a14:hiddenLine xmlns="" xmlns:a14="http://schemas.microsoft.com/office/drawing/2010/main" w="9525">
                   <a:solidFill>
                     <a:srgbClr val="000000"/>
                   </a:solidFill>
@@ -1808,7 +1807,7 @@
             </a:ln>
             <a:extLst>
               <a:ext uri="{91240B29-F687-4f45-9708-019B960494DF}">
-                <a14:hiddenLine xmlns:a14="http://schemas.microsoft.com/office/drawing/2010/main" xmlns="" w="9525">
+                <a14:hiddenLine xmlns="" xmlns:a14="http://schemas.microsoft.com/office/drawing/2010/main" w="9525">
                   <a:solidFill>
                     <a:srgbClr val="000000"/>
                   </a:solidFill>
@@ -1842,7 +1841,7 @@
             </a:ln>
             <a:extLst>
               <a:ext uri="{91240B29-F687-4f45-9708-019B960494DF}">
-                <a14:hiddenLine xmlns:a14="http://schemas.microsoft.com/office/drawing/2010/main" xmlns="" w="9525">
+                <a14:hiddenLine xmlns="" xmlns:a14="http://schemas.microsoft.com/office/drawing/2010/main" w="9525">
                   <a:solidFill>
                     <a:srgbClr val="000000"/>
                   </a:solidFill>
@@ -1932,7 +1931,7 @@
             </a:ln>
             <a:extLst>
               <a:ext uri="{91240B29-F687-4f45-9708-019B960494DF}">
-                <a14:hiddenLine xmlns:a14="http://schemas.microsoft.com/office/drawing/2010/main" xmlns="" w="9525">
+                <a14:hiddenLine xmlns="" xmlns:a14="http://schemas.microsoft.com/office/drawing/2010/main" w="9525">
                   <a:solidFill>
                     <a:srgbClr val="000000"/>
                   </a:solidFill>
@@ -1994,7 +1993,7 @@
             </a:ln>
             <a:extLst>
               <a:ext uri="{91240B29-F687-4f45-9708-019B960494DF}">
-                <a14:hiddenLine xmlns:a14="http://schemas.microsoft.com/office/drawing/2010/main" xmlns="" w="9525">
+                <a14:hiddenLine xmlns="" xmlns:a14="http://schemas.microsoft.com/office/drawing/2010/main" w="9525">
                   <a:solidFill>
                     <a:srgbClr val="000000"/>
                   </a:solidFill>
@@ -2056,7 +2055,7 @@
             </a:ln>
             <a:extLst>
               <a:ext uri="{91240B29-F687-4f45-9708-019B960494DF}">
-                <a14:hiddenLine xmlns:a14="http://schemas.microsoft.com/office/drawing/2010/main" xmlns="" w="9525">
+                <a14:hiddenLine xmlns="" xmlns:a14="http://schemas.microsoft.com/office/drawing/2010/main" w="9525">
                   <a:solidFill>
                     <a:srgbClr val="000000"/>
                   </a:solidFill>
@@ -2146,7 +2145,7 @@
             </a:ln>
             <a:extLst>
               <a:ext uri="{91240B29-F687-4f45-9708-019B960494DF}">
-                <a14:hiddenLine xmlns:a14="http://schemas.microsoft.com/office/drawing/2010/main" xmlns="" w="9525">
+                <a14:hiddenLine xmlns="" xmlns:a14="http://schemas.microsoft.com/office/drawing/2010/main" w="9525">
                   <a:solidFill>
                     <a:srgbClr val="000000"/>
                   </a:solidFill>
@@ -2208,7 +2207,7 @@
             </a:ln>
             <a:extLst>
               <a:ext uri="{91240B29-F687-4f45-9708-019B960494DF}">
-                <a14:hiddenLine xmlns:a14="http://schemas.microsoft.com/office/drawing/2010/main" xmlns="" w="9525">
+                <a14:hiddenLine xmlns="" xmlns:a14="http://schemas.microsoft.com/office/drawing/2010/main" w="9525">
                   <a:solidFill>
                     <a:srgbClr val="000000"/>
                   </a:solidFill>
@@ -2270,7 +2269,7 @@
             </a:ln>
             <a:extLst>
               <a:ext uri="{91240B29-F687-4f45-9708-019B960494DF}">
-                <a14:hiddenLine xmlns:a14="http://schemas.microsoft.com/office/drawing/2010/main" xmlns="" w="9525">
+                <a14:hiddenLine xmlns="" xmlns:a14="http://schemas.microsoft.com/office/drawing/2010/main" w="9525">
                   <a:solidFill>
                     <a:srgbClr val="000000"/>
                   </a:solidFill>
@@ -2360,7 +2359,7 @@
             </a:ln>
             <a:extLst>
               <a:ext uri="{91240B29-F687-4f45-9708-019B960494DF}">
-                <a14:hiddenLine xmlns:a14="http://schemas.microsoft.com/office/drawing/2010/main" xmlns="" w="9525">
+                <a14:hiddenLine xmlns="" xmlns:a14="http://schemas.microsoft.com/office/drawing/2010/main" w="9525">
                   <a:solidFill>
                     <a:srgbClr val="000000"/>
                   </a:solidFill>
@@ -2450,7 +2449,7 @@
             </a:ln>
             <a:extLst>
               <a:ext uri="{91240B29-F687-4f45-9708-019B960494DF}">
-                <a14:hiddenLine xmlns:a14="http://schemas.microsoft.com/office/drawing/2010/main" xmlns="" w="9525">
+                <a14:hiddenLine xmlns="" xmlns:a14="http://schemas.microsoft.com/office/drawing/2010/main" w="9525">
                   <a:solidFill>
                     <a:srgbClr val="000000"/>
                   </a:solidFill>
@@ -2512,7 +2511,7 @@
             </a:ln>
             <a:extLst>
               <a:ext uri="{91240B29-F687-4f45-9708-019B960494DF}">
-                <a14:hiddenLine xmlns:a14="http://schemas.microsoft.com/office/drawing/2010/main" xmlns="" w="9525">
+                <a14:hiddenLine xmlns="" xmlns:a14="http://schemas.microsoft.com/office/drawing/2010/main" w="9525">
                   <a:solidFill>
                     <a:srgbClr val="000000"/>
                   </a:solidFill>
@@ -2622,7 +2621,7 @@
             </a:ln>
             <a:extLst>
               <a:ext uri="{91240B29-F687-4f45-9708-019B960494DF}">
-                <a14:hiddenLine xmlns:a14="http://schemas.microsoft.com/office/drawing/2010/main" xmlns="" w="9525">
+                <a14:hiddenLine xmlns="" xmlns:a14="http://schemas.microsoft.com/office/drawing/2010/main" w="9525">
                   <a:solidFill>
                     <a:srgbClr val="000000"/>
                   </a:solidFill>
@@ -2684,7 +2683,7 @@
             </a:ln>
             <a:extLst>
               <a:ext uri="{91240B29-F687-4f45-9708-019B960494DF}">
-                <a14:hiddenLine xmlns:a14="http://schemas.microsoft.com/office/drawing/2010/main" xmlns="" w="9525">
+                <a14:hiddenLine xmlns="" xmlns:a14="http://schemas.microsoft.com/office/drawing/2010/main" w="9525">
                   <a:solidFill>
                     <a:srgbClr val="000000"/>
                   </a:solidFill>
@@ -2774,7 +2773,7 @@
             </a:ln>
             <a:extLst>
               <a:ext uri="{91240B29-F687-4f45-9708-019B960494DF}">
-                <a14:hiddenLine xmlns:a14="http://schemas.microsoft.com/office/drawing/2010/main" xmlns="" w="9525">
+                <a14:hiddenLine xmlns="" xmlns:a14="http://schemas.microsoft.com/office/drawing/2010/main" w="9525">
                   <a:solidFill>
                     <a:srgbClr val="000000"/>
                   </a:solidFill>
@@ -2864,7 +2863,7 @@
             </a:ln>
             <a:extLst>
               <a:ext uri="{91240B29-F687-4f45-9708-019B960494DF}">
-                <a14:hiddenLine xmlns:a14="http://schemas.microsoft.com/office/drawing/2010/main" xmlns="" w="9525">
+                <a14:hiddenLine xmlns="" xmlns:a14="http://schemas.microsoft.com/office/drawing/2010/main" w="9525">
                   <a:solidFill>
                     <a:srgbClr val="000000"/>
                   </a:solidFill>
@@ -2926,7 +2925,7 @@
             </a:ln>
             <a:extLst>
               <a:ext uri="{91240B29-F687-4f45-9708-019B960494DF}">
-                <a14:hiddenLine xmlns:a14="http://schemas.microsoft.com/office/drawing/2010/main" xmlns="" w="9525">
+                <a14:hiddenLine xmlns="" xmlns:a14="http://schemas.microsoft.com/office/drawing/2010/main" w="9525">
                   <a:solidFill>
                     <a:srgbClr val="000000"/>
                   </a:solidFill>
@@ -3016,7 +3015,7 @@
             </a:ln>
             <a:extLst>
               <a:ext uri="{91240B29-F687-4f45-9708-019B960494DF}">
-                <a14:hiddenLine xmlns:a14="http://schemas.microsoft.com/office/drawing/2010/main" xmlns="" w="9525">
+                <a14:hiddenLine xmlns="" xmlns:a14="http://schemas.microsoft.com/office/drawing/2010/main" w="9525">
                   <a:solidFill>
                     <a:srgbClr val="000000"/>
                   </a:solidFill>
@@ -3106,7 +3105,7 @@
             </a:ln>
             <a:extLst>
               <a:ext uri="{91240B29-F687-4f45-9708-019B960494DF}">
-                <a14:hiddenLine xmlns:a14="http://schemas.microsoft.com/office/drawing/2010/main" xmlns="" w="9525">
+                <a14:hiddenLine xmlns="" xmlns:a14="http://schemas.microsoft.com/office/drawing/2010/main" w="9525">
                   <a:solidFill>
                     <a:srgbClr val="000000"/>
                   </a:solidFill>
@@ -3162,7 +3161,7 @@
             </a:ln>
             <a:extLst>
               <a:ext uri="{91240B29-F687-4f45-9708-019B960494DF}">
-                <a14:hiddenLine xmlns:a14="http://schemas.microsoft.com/office/drawing/2010/main" xmlns="" w="9525">
+                <a14:hiddenLine xmlns="" xmlns:a14="http://schemas.microsoft.com/office/drawing/2010/main" w="9525">
                   <a:solidFill>
                     <a:srgbClr val="000000"/>
                   </a:solidFill>
@@ -3252,7 +3251,7 @@
             </a:ln>
             <a:extLst>
               <a:ext uri="{91240B29-F687-4f45-9708-019B960494DF}">
-                <a14:hiddenLine xmlns:a14="http://schemas.microsoft.com/office/drawing/2010/main" xmlns="" w="9525">
+                <a14:hiddenLine xmlns="" xmlns:a14="http://schemas.microsoft.com/office/drawing/2010/main" w="9525">
                   <a:solidFill>
                     <a:srgbClr val="000000"/>
                   </a:solidFill>
@@ -3308,7 +3307,7 @@
             </a:ln>
             <a:extLst>
               <a:ext uri="{91240B29-F687-4f45-9708-019B960494DF}">
-                <a14:hiddenLine xmlns:a14="http://schemas.microsoft.com/office/drawing/2010/main" xmlns="" w="9525">
+                <a14:hiddenLine xmlns="" xmlns:a14="http://schemas.microsoft.com/office/drawing/2010/main" w="9525">
                   <a:solidFill>
                     <a:srgbClr val="000000"/>
                   </a:solidFill>
@@ -3398,7 +3397,7 @@
             </a:ln>
             <a:extLst>
               <a:ext uri="{91240B29-F687-4f45-9708-019B960494DF}">
-                <a14:hiddenLine xmlns:a14="http://schemas.microsoft.com/office/drawing/2010/main" xmlns="" w="9525">
+                <a14:hiddenLine xmlns="" xmlns:a14="http://schemas.microsoft.com/office/drawing/2010/main" w="9525">
                   <a:solidFill>
                     <a:srgbClr val="000000"/>
                   </a:solidFill>
@@ -3466,7 +3465,7 @@
             </a:ln>
             <a:extLst>
               <a:ext uri="{91240B29-F687-4f45-9708-019B960494DF}">
-                <a14:hiddenLine xmlns:a14="http://schemas.microsoft.com/office/drawing/2010/main" xmlns="" w="9525">
+                <a14:hiddenLine xmlns="" xmlns:a14="http://schemas.microsoft.com/office/drawing/2010/main" w="9525">
                   <a:solidFill>
                     <a:srgbClr val="000000"/>
                   </a:solidFill>
@@ -3556,7 +3555,7 @@
             </a:ln>
             <a:extLst>
               <a:ext uri="{91240B29-F687-4f45-9708-019B960494DF}">
-                <a14:hiddenLine xmlns:a14="http://schemas.microsoft.com/office/drawing/2010/main" xmlns="" w="9525">
+                <a14:hiddenLine xmlns="" xmlns:a14="http://schemas.microsoft.com/office/drawing/2010/main" w="9525">
                   <a:solidFill>
                     <a:srgbClr val="000000"/>
                   </a:solidFill>
@@ -3624,7 +3623,7 @@
             </a:ln>
             <a:extLst>
               <a:ext uri="{91240B29-F687-4f45-9708-019B960494DF}">
-                <a14:hiddenLine xmlns:a14="http://schemas.microsoft.com/office/drawing/2010/main" xmlns="" w="9525">
+                <a14:hiddenLine xmlns="" xmlns:a14="http://schemas.microsoft.com/office/drawing/2010/main" w="9525">
                   <a:solidFill>
                     <a:srgbClr val="000000"/>
                   </a:solidFill>
@@ -3714,7 +3713,7 @@
             </a:ln>
             <a:extLst>
               <a:ext uri="{91240B29-F687-4f45-9708-019B960494DF}">
-                <a14:hiddenLine xmlns:a14="http://schemas.microsoft.com/office/drawing/2010/main" xmlns="" w="9525">
+                <a14:hiddenLine xmlns="" xmlns:a14="http://schemas.microsoft.com/office/drawing/2010/main" w="9525">
                   <a:solidFill>
                     <a:srgbClr val="000000"/>
                   </a:solidFill>
@@ -3748,7 +3747,7 @@
             </a:ln>
             <a:extLst>
               <a:ext uri="{91240B29-F687-4f45-9708-019B960494DF}">
-                <a14:hiddenLine xmlns:a14="http://schemas.microsoft.com/office/drawing/2010/main" xmlns="" w="9525">
+                <a14:hiddenLine xmlns="" xmlns:a14="http://schemas.microsoft.com/office/drawing/2010/main" w="9525">
                   <a:solidFill>
                     <a:srgbClr val="000000"/>
                   </a:solidFill>
@@ -3838,7 +3837,7 @@
             </a:ln>
             <a:extLst>
               <a:ext uri="{91240B29-F687-4f45-9708-019B960494DF}">
-                <a14:hiddenLine xmlns:a14="http://schemas.microsoft.com/office/drawing/2010/main" xmlns="" w="9525">
+                <a14:hiddenLine xmlns="" xmlns:a14="http://schemas.microsoft.com/office/drawing/2010/main" w="9525">
                   <a:solidFill>
                     <a:srgbClr val="000000"/>
                   </a:solidFill>
@@ -3900,7 +3899,7 @@
             </a:ln>
             <a:extLst>
               <a:ext uri="{91240B29-F687-4f45-9708-019B960494DF}">
-                <a14:hiddenLine xmlns:a14="http://schemas.microsoft.com/office/drawing/2010/main" xmlns="" w="9525">
+                <a14:hiddenLine xmlns="" xmlns:a14="http://schemas.microsoft.com/office/drawing/2010/main" w="9525">
                   <a:solidFill>
                     <a:srgbClr val="000000"/>
                   </a:solidFill>
@@ -3962,7 +3961,7 @@
             </a:ln>
             <a:extLst>
               <a:ext uri="{91240B29-F687-4f45-9708-019B960494DF}">
-                <a14:hiddenLine xmlns:a14="http://schemas.microsoft.com/office/drawing/2010/main" xmlns="" w="9525">
+                <a14:hiddenLine xmlns="" xmlns:a14="http://schemas.microsoft.com/office/drawing/2010/main" w="9525">
                   <a:solidFill>
                     <a:srgbClr val="000000"/>
                   </a:solidFill>
@@ -4052,7 +4051,7 @@
             </a:ln>
             <a:extLst>
               <a:ext uri="{91240B29-F687-4f45-9708-019B960494DF}">
-                <a14:hiddenLine xmlns:a14="http://schemas.microsoft.com/office/drawing/2010/main" xmlns="" w="9525">
+                <a14:hiddenLine xmlns="" xmlns:a14="http://schemas.microsoft.com/office/drawing/2010/main" w="9525">
                   <a:solidFill>
                     <a:srgbClr val="000000"/>
                   </a:solidFill>
@@ -4120,7 +4119,7 @@
             </a:ln>
             <a:extLst>
               <a:ext uri="{91240B29-F687-4f45-9708-019B960494DF}">
-                <a14:hiddenLine xmlns:a14="http://schemas.microsoft.com/office/drawing/2010/main" xmlns="" w="9525">
+                <a14:hiddenLine xmlns="" xmlns:a14="http://schemas.microsoft.com/office/drawing/2010/main" w="9525">
                   <a:solidFill>
                     <a:srgbClr val="000000"/>
                   </a:solidFill>
@@ -4182,7 +4181,7 @@
             </a:ln>
             <a:extLst>
               <a:ext uri="{91240B29-F687-4f45-9708-019B960494DF}">
-                <a14:hiddenLine xmlns:a14="http://schemas.microsoft.com/office/drawing/2010/main" xmlns="" w="9525">
+                <a14:hiddenLine xmlns="" xmlns:a14="http://schemas.microsoft.com/office/drawing/2010/main" w="9525">
                   <a:solidFill>
                     <a:srgbClr val="000000"/>
                   </a:solidFill>
@@ -4272,7 +4271,7 @@
             </a:ln>
             <a:extLst>
               <a:ext uri="{91240B29-F687-4f45-9708-019B960494DF}">
-                <a14:hiddenLine xmlns:a14="http://schemas.microsoft.com/office/drawing/2010/main" xmlns="" w="9525">
+                <a14:hiddenLine xmlns="" xmlns:a14="http://schemas.microsoft.com/office/drawing/2010/main" w="9525">
                   <a:solidFill>
                     <a:srgbClr val="000000"/>
                   </a:solidFill>
@@ -4334,7 +4333,7 @@
             </a:ln>
             <a:extLst>
               <a:ext uri="{91240B29-F687-4f45-9708-019B960494DF}">
-                <a14:hiddenLine xmlns:a14="http://schemas.microsoft.com/office/drawing/2010/main" xmlns="" w="9525">
+                <a14:hiddenLine xmlns="" xmlns:a14="http://schemas.microsoft.com/office/drawing/2010/main" w="9525">
                   <a:solidFill>
                     <a:srgbClr val="000000"/>
                   </a:solidFill>
@@ -4424,7 +4423,7 @@
             </a:ln>
             <a:extLst>
               <a:ext uri="{91240B29-F687-4f45-9708-019B960494DF}">
-                <a14:hiddenLine xmlns:a14="http://schemas.microsoft.com/office/drawing/2010/main" xmlns="" w="9525">
+                <a14:hiddenLine xmlns="" xmlns:a14="http://schemas.microsoft.com/office/drawing/2010/main" w="9525">
                   <a:solidFill>
                     <a:srgbClr val="000000"/>
                   </a:solidFill>
@@ -4486,7 +4485,7 @@
             </a:ln>
             <a:extLst>
               <a:ext uri="{91240B29-F687-4f45-9708-019B960494DF}">
-                <a14:hiddenLine xmlns:a14="http://schemas.microsoft.com/office/drawing/2010/main" xmlns="" w="9525">
+                <a14:hiddenLine xmlns="" xmlns:a14="http://schemas.microsoft.com/office/drawing/2010/main" w="9525">
                   <a:solidFill>
                     <a:srgbClr val="000000"/>
                   </a:solidFill>
@@ -4576,7 +4575,7 @@
             </a:ln>
             <a:extLst>
               <a:ext uri="{91240B29-F687-4f45-9708-019B960494DF}">
-                <a14:hiddenLine xmlns:a14="http://schemas.microsoft.com/office/drawing/2010/main" xmlns="" w="9525">
+                <a14:hiddenLine xmlns="" xmlns:a14="http://schemas.microsoft.com/office/drawing/2010/main" w="9525">
                   <a:solidFill>
                     <a:srgbClr val="000000"/>
                   </a:solidFill>
@@ -4610,7 +4609,7 @@
             </a:ln>
             <a:extLst>
               <a:ext uri="{91240B29-F687-4f45-9708-019B960494DF}">
-                <a14:hiddenLine xmlns:a14="http://schemas.microsoft.com/office/drawing/2010/main" xmlns="" w="9525">
+                <a14:hiddenLine xmlns="" xmlns:a14="http://schemas.microsoft.com/office/drawing/2010/main" w="9525">
                   <a:solidFill>
                     <a:srgbClr val="000000"/>
                   </a:solidFill>
@@ -4675,7 +4674,7 @@
             </a:ln>
             <a:extLst>
               <a:ext uri="{91240B29-F687-4f45-9708-019B960494DF}">
-                <a14:hiddenLine xmlns:a14="http://schemas.microsoft.com/office/drawing/2010/main" xmlns="" w="9525">
+                <a14:hiddenLine xmlns="" xmlns:a14="http://schemas.microsoft.com/office/drawing/2010/main" w="9525">
                   <a:solidFill>
                     <a:srgbClr val="000000"/>
                   </a:solidFill>
@@ -4765,7 +4764,7 @@
             </a:ln>
             <a:extLst>
               <a:ext uri="{91240B29-F687-4f45-9708-019B960494DF}">
-                <a14:hiddenLine xmlns:a14="http://schemas.microsoft.com/office/drawing/2010/main" xmlns="" w="9525">
+                <a14:hiddenLine xmlns="" xmlns:a14="http://schemas.microsoft.com/office/drawing/2010/main" w="9525">
                   <a:solidFill>
                     <a:srgbClr val="000000"/>
                   </a:solidFill>
@@ -4827,7 +4826,7 @@
             </a:ln>
             <a:extLst>
               <a:ext uri="{91240B29-F687-4f45-9708-019B960494DF}">
-                <a14:hiddenLine xmlns:a14="http://schemas.microsoft.com/office/drawing/2010/main" xmlns="" w="9525">
+                <a14:hiddenLine xmlns="" xmlns:a14="http://schemas.microsoft.com/office/drawing/2010/main" w="9525">
                   <a:solidFill>
                     <a:srgbClr val="000000"/>
                   </a:solidFill>
@@ -4917,7 +4916,7 @@
             </a:ln>
             <a:extLst>
               <a:ext uri="{91240B29-F687-4f45-9708-019B960494DF}">
-                <a14:hiddenLine xmlns:a14="http://schemas.microsoft.com/office/drawing/2010/main" xmlns="" w="9525">
+                <a14:hiddenLine xmlns="" xmlns:a14="http://schemas.microsoft.com/office/drawing/2010/main" w="9525">
                   <a:solidFill>
                     <a:srgbClr val="000000"/>
                   </a:solidFill>
@@ -5007,7 +5006,7 @@
             </a:ln>
             <a:extLst>
               <a:ext uri="{91240B29-F687-4f45-9708-019B960494DF}">
-                <a14:hiddenLine xmlns:a14="http://schemas.microsoft.com/office/drawing/2010/main" xmlns="" w="9525">
+                <a14:hiddenLine xmlns="" xmlns:a14="http://schemas.microsoft.com/office/drawing/2010/main" w="9525">
                   <a:solidFill>
                     <a:srgbClr val="000000"/>
                   </a:solidFill>
@@ -5072,7 +5071,7 @@
             </a:ln>
             <a:extLst>
               <a:ext uri="{91240B29-F687-4f45-9708-019B960494DF}">
-                <a14:hiddenLine xmlns:a14="http://schemas.microsoft.com/office/drawing/2010/main" xmlns="" w="9525">
+                <a14:hiddenLine xmlns="" xmlns:a14="http://schemas.microsoft.com/office/drawing/2010/main" w="9525">
                   <a:solidFill>
                     <a:srgbClr val="000000"/>
                   </a:solidFill>
@@ -5134,7 +5133,7 @@
             </a:ln>
             <a:extLst>
               <a:ext uri="{91240B29-F687-4f45-9708-019B960494DF}">
-                <a14:hiddenLine xmlns:a14="http://schemas.microsoft.com/office/drawing/2010/main" xmlns="" w="9525">
+                <a14:hiddenLine xmlns="" xmlns:a14="http://schemas.microsoft.com/office/drawing/2010/main" w="9525">
                   <a:solidFill>
                     <a:srgbClr val="000000"/>
                   </a:solidFill>
@@ -5224,7 +5223,7 @@
             </a:ln>
             <a:extLst>
               <a:ext uri="{91240B29-F687-4f45-9708-019B960494DF}">
-                <a14:hiddenLine xmlns:a14="http://schemas.microsoft.com/office/drawing/2010/main" xmlns="" w="9525">
+                <a14:hiddenLine xmlns="" xmlns:a14="http://schemas.microsoft.com/office/drawing/2010/main" w="9525">
                   <a:solidFill>
                     <a:srgbClr val="000000"/>
                   </a:solidFill>
@@ -5314,7 +5313,7 @@
             </a:ln>
             <a:extLst>
               <a:ext uri="{91240B29-F687-4f45-9708-019B960494DF}">
-                <a14:hiddenLine xmlns:a14="http://schemas.microsoft.com/office/drawing/2010/main" xmlns="" w="9525">
+                <a14:hiddenLine xmlns="" xmlns:a14="http://schemas.microsoft.com/office/drawing/2010/main" w="9525">
                   <a:solidFill>
                     <a:srgbClr val="000000"/>
                   </a:solidFill>
@@ -5376,7 +5375,7 @@
             </a:ln>
             <a:extLst>
               <a:ext uri="{91240B29-F687-4f45-9708-019B960494DF}">
-                <a14:hiddenLine xmlns:a14="http://schemas.microsoft.com/office/drawing/2010/main" xmlns="" w="9525">
+                <a14:hiddenLine xmlns="" xmlns:a14="http://schemas.microsoft.com/office/drawing/2010/main" w="9525">
                   <a:solidFill>
                     <a:srgbClr val="000000"/>
                   </a:solidFill>
@@ -5496,7 +5495,7 @@
             </a:ln>
             <a:extLst>
               <a:ext uri="{91240B29-F687-4f45-9708-019B960494DF}">
-                <a14:hiddenLine xmlns:a14="http://schemas.microsoft.com/office/drawing/2010/main" xmlns="" w="9525">
+                <a14:hiddenLine xmlns="" xmlns:a14="http://schemas.microsoft.com/office/drawing/2010/main" w="9525">
                   <a:solidFill>
                     <a:srgbClr val="000000"/>
                   </a:solidFill>
@@ -5564,7 +5563,7 @@
             </a:ln>
             <a:extLst>
               <a:ext uri="{91240B29-F687-4f45-9708-019B960494DF}">
-                <a14:hiddenLine xmlns:a14="http://schemas.microsoft.com/office/drawing/2010/main" xmlns="" w="9525">
+                <a14:hiddenLine xmlns="" xmlns:a14="http://schemas.microsoft.com/office/drawing/2010/main" w="9525">
                   <a:solidFill>
                     <a:srgbClr val="000000"/>
                   </a:solidFill>
@@ -5654,7 +5653,7 @@
             </a:ln>
             <a:extLst>
               <a:ext uri="{91240B29-F687-4f45-9708-019B960494DF}">
-                <a14:hiddenLine xmlns:a14="http://schemas.microsoft.com/office/drawing/2010/main" xmlns="" w="9525">
+                <a14:hiddenLine xmlns="" xmlns:a14="http://schemas.microsoft.com/office/drawing/2010/main" w="9525">
                   <a:solidFill>
                     <a:srgbClr val="000000"/>
                   </a:solidFill>
@@ -5794,7 +5793,7 @@
           <a:p>
             <a:fld id="{849DE176-146E-4F1E-BCCE-E46272DCA095}" type="datetimeFigureOut">
               <a:rPr lang="es-AR" smtClean="0"/>
-              <a:t>21/4/2023</a:t>
+              <a:t>16/6/2023</a:t>
             </a:fld>
             <a:endParaRPr lang="es-AR"/>
           </a:p>
@@ -6061,7 +6060,7 @@
           <a:p>
             <a:fld id="{849DE176-146E-4F1E-BCCE-E46272DCA095}" type="datetimeFigureOut">
               <a:rPr lang="es-AR" smtClean="0"/>
-              <a:t>21/4/2023</a:t>
+              <a:t>16/6/2023</a:t>
             </a:fld>
             <a:endParaRPr lang="es-AR"/>
           </a:p>
@@ -6257,7 +6256,7 @@
           <a:p>
             <a:fld id="{849DE176-146E-4F1E-BCCE-E46272DCA095}" type="datetimeFigureOut">
               <a:rPr lang="es-AR" smtClean="0"/>
-              <a:t>21/4/2023</a:t>
+              <a:t>16/6/2023</a:t>
             </a:fld>
             <a:endParaRPr lang="es-AR"/>
           </a:p>
@@ -6520,7 +6519,7 @@
           <a:p>
             <a:fld id="{849DE176-146E-4F1E-BCCE-E46272DCA095}" type="datetimeFigureOut">
               <a:rPr lang="es-AR" smtClean="0"/>
-              <a:t>21/4/2023</a:t>
+              <a:t>16/6/2023</a:t>
             </a:fld>
             <a:endParaRPr lang="es-AR"/>
           </a:p>
@@ -6954,7 +6953,7 @@
           <a:p>
             <a:fld id="{849DE176-146E-4F1E-BCCE-E46272DCA095}" type="datetimeFigureOut">
               <a:rPr lang="es-AR" smtClean="0"/>
-              <a:t>21/4/2023</a:t>
+              <a:t>16/6/2023</a:t>
             </a:fld>
             <a:endParaRPr lang="es-AR"/>
           </a:p>
@@ -7500,7 +7499,7 @@
           <a:p>
             <a:fld id="{849DE176-146E-4F1E-BCCE-E46272DCA095}" type="datetimeFigureOut">
               <a:rPr lang="es-AR" smtClean="0"/>
-              <a:t>21/4/2023</a:t>
+              <a:t>16/6/2023</a:t>
             </a:fld>
             <a:endParaRPr lang="es-AR"/>
           </a:p>
@@ -8220,7 +8219,7 @@
           <a:p>
             <a:fld id="{849DE176-146E-4F1E-BCCE-E46272DCA095}" type="datetimeFigureOut">
               <a:rPr lang="es-AR" smtClean="0"/>
-              <a:t>21/4/2023</a:t>
+              <a:t>16/6/2023</a:t>
             </a:fld>
             <a:endParaRPr lang="es-AR"/>
           </a:p>
@@ -8390,7 +8389,7 @@
           <a:p>
             <a:fld id="{849DE176-146E-4F1E-BCCE-E46272DCA095}" type="datetimeFigureOut">
               <a:rPr lang="es-AR" smtClean="0"/>
-              <a:t>21/4/2023</a:t>
+              <a:t>16/6/2023</a:t>
             </a:fld>
             <a:endParaRPr lang="es-AR"/>
           </a:p>
@@ -8570,7 +8569,7 @@
           <a:p>
             <a:fld id="{849DE176-146E-4F1E-BCCE-E46272DCA095}" type="datetimeFigureOut">
               <a:rPr lang="es-AR" smtClean="0"/>
-              <a:t>21/4/2023</a:t>
+              <a:t>16/6/2023</a:t>
             </a:fld>
             <a:endParaRPr lang="es-AR"/>
           </a:p>
@@ -8740,7 +8739,7 @@
           <a:p>
             <a:fld id="{849DE176-146E-4F1E-BCCE-E46272DCA095}" type="datetimeFigureOut">
               <a:rPr lang="es-AR" smtClean="0"/>
-              <a:t>21/4/2023</a:t>
+              <a:t>16/6/2023</a:t>
             </a:fld>
             <a:endParaRPr lang="es-AR"/>
           </a:p>
@@ -8990,7 +8989,7 @@
           <a:p>
             <a:fld id="{849DE176-146E-4F1E-BCCE-E46272DCA095}" type="datetimeFigureOut">
               <a:rPr lang="es-AR" smtClean="0"/>
-              <a:t>21/4/2023</a:t>
+              <a:t>16/6/2023</a:t>
             </a:fld>
             <a:endParaRPr lang="es-AR"/>
           </a:p>
@@ -9222,7 +9221,7 @@
           <a:p>
             <a:fld id="{849DE176-146E-4F1E-BCCE-E46272DCA095}" type="datetimeFigureOut">
               <a:rPr lang="es-AR" smtClean="0"/>
-              <a:t>21/4/2023</a:t>
+              <a:t>16/6/2023</a:t>
             </a:fld>
             <a:endParaRPr lang="es-AR"/>
           </a:p>
@@ -9603,7 +9602,7 @@
           <a:p>
             <a:fld id="{849DE176-146E-4F1E-BCCE-E46272DCA095}" type="datetimeFigureOut">
               <a:rPr lang="es-AR" smtClean="0"/>
-              <a:t>21/4/2023</a:t>
+              <a:t>16/6/2023</a:t>
             </a:fld>
             <a:endParaRPr lang="es-AR"/>
           </a:p>
@@ -9721,7 +9720,7 @@
           <a:p>
             <a:fld id="{849DE176-146E-4F1E-BCCE-E46272DCA095}" type="datetimeFigureOut">
               <a:rPr lang="es-AR" smtClean="0"/>
-              <a:t>21/4/2023</a:t>
+              <a:t>16/6/2023</a:t>
             </a:fld>
             <a:endParaRPr lang="es-AR"/>
           </a:p>
@@ -9816,7 +9815,7 @@
           <a:p>
             <a:fld id="{849DE176-146E-4F1E-BCCE-E46272DCA095}" type="datetimeFigureOut">
               <a:rPr lang="es-AR" smtClean="0"/>
-              <a:t>21/4/2023</a:t>
+              <a:t>16/6/2023</a:t>
             </a:fld>
             <a:endParaRPr lang="es-AR"/>
           </a:p>
@@ -10065,7 +10064,7 @@
           <a:p>
             <a:fld id="{849DE176-146E-4F1E-BCCE-E46272DCA095}" type="datetimeFigureOut">
               <a:rPr lang="es-AR" smtClean="0"/>
-              <a:t>21/4/2023</a:t>
+              <a:t>16/6/2023</a:t>
             </a:fld>
             <a:endParaRPr lang="es-AR"/>
           </a:p>
@@ -10345,7 +10344,7 @@
           <a:p>
             <a:fld id="{849DE176-146E-4F1E-BCCE-E46272DCA095}" type="datetimeFigureOut">
               <a:rPr lang="es-AR" smtClean="0"/>
-              <a:t>21/4/2023</a:t>
+              <a:t>16/6/2023</a:t>
             </a:fld>
             <a:endParaRPr lang="es-AR"/>
           </a:p>
@@ -10485,7 +10484,7 @@
           <a:noFill/>
           <a:extLst>
             <a:ext uri="{909E8E84-426E-40dd-AFC4-6F175D3DCCD1}">
-              <a14:hiddenFill xmlns:a14="http://schemas.microsoft.com/office/drawing/2010/main" xmlns="">
+              <a14:hiddenFill xmlns="" xmlns:a14="http://schemas.microsoft.com/office/drawing/2010/main">
                 <a:solidFill>
                   <a:srgbClr val="FFFFFF"/>
                 </a:solidFill>
@@ -10559,7 +10558,7 @@
               </a:ln>
               <a:extLst>
                 <a:ext uri="{91240B29-F687-4f45-9708-019B960494DF}">
-                  <a14:hiddenLine xmlns:a14="http://schemas.microsoft.com/office/drawing/2010/main" xmlns="" w="9525">
+                  <a14:hiddenLine xmlns="" xmlns:a14="http://schemas.microsoft.com/office/drawing/2010/main" w="9525">
                     <a:solidFill>
                       <a:srgbClr val="000000"/>
                     </a:solidFill>
@@ -10649,7 +10648,7 @@
               </a:ln>
               <a:extLst>
                 <a:ext uri="{91240B29-F687-4f45-9708-019B960494DF}">
-                  <a14:hiddenLine xmlns:a14="http://schemas.microsoft.com/office/drawing/2010/main" xmlns="" w="9525">
+                  <a14:hiddenLine xmlns="" xmlns:a14="http://schemas.microsoft.com/office/drawing/2010/main" w="9525">
                     <a:solidFill>
                       <a:srgbClr val="000000"/>
                     </a:solidFill>
@@ -10739,7 +10738,7 @@
               </a:ln>
               <a:extLst>
                 <a:ext uri="{91240B29-F687-4f45-9708-019B960494DF}">
-                  <a14:hiddenLine xmlns:a14="http://schemas.microsoft.com/office/drawing/2010/main" xmlns="" w="9525">
+                  <a14:hiddenLine xmlns="" xmlns:a14="http://schemas.microsoft.com/office/drawing/2010/main" w="9525">
                     <a:solidFill>
                       <a:srgbClr val="000000"/>
                     </a:solidFill>
@@ -10801,7 +10800,7 @@
               </a:ln>
               <a:extLst>
                 <a:ext uri="{91240B29-F687-4f45-9708-019B960494DF}">
-                  <a14:hiddenLine xmlns:a14="http://schemas.microsoft.com/office/drawing/2010/main" xmlns="" w="9525">
+                  <a14:hiddenLine xmlns="" xmlns:a14="http://schemas.microsoft.com/office/drawing/2010/main" w="9525">
                     <a:solidFill>
                       <a:srgbClr val="000000"/>
                     </a:solidFill>
@@ -10891,7 +10890,7 @@
               </a:ln>
               <a:extLst>
                 <a:ext uri="{91240B29-F687-4f45-9708-019B960494DF}">
-                  <a14:hiddenLine xmlns:a14="http://schemas.microsoft.com/office/drawing/2010/main" xmlns="" w="9525">
+                  <a14:hiddenLine xmlns="" xmlns:a14="http://schemas.microsoft.com/office/drawing/2010/main" w="9525">
                     <a:solidFill>
                       <a:srgbClr val="000000"/>
                     </a:solidFill>
@@ -10953,7 +10952,7 @@
               </a:ln>
               <a:extLst>
                 <a:ext uri="{91240B29-F687-4f45-9708-019B960494DF}">
-                  <a14:hiddenLine xmlns:a14="http://schemas.microsoft.com/office/drawing/2010/main" xmlns="" w="9525">
+                  <a14:hiddenLine xmlns="" xmlns:a14="http://schemas.microsoft.com/office/drawing/2010/main" w="9525">
                     <a:solidFill>
                       <a:srgbClr val="000000"/>
                     </a:solidFill>
@@ -11015,7 +11014,7 @@
               </a:ln>
               <a:extLst>
                 <a:ext uri="{91240B29-F687-4f45-9708-019B960494DF}">
-                  <a14:hiddenLine xmlns:a14="http://schemas.microsoft.com/office/drawing/2010/main" xmlns="" w="9525">
+                  <a14:hiddenLine xmlns="" xmlns:a14="http://schemas.microsoft.com/office/drawing/2010/main" w="9525">
                     <a:solidFill>
                       <a:srgbClr val="000000"/>
                     </a:solidFill>
@@ -11105,7 +11104,7 @@
               </a:ln>
               <a:extLst>
                 <a:ext uri="{91240B29-F687-4f45-9708-019B960494DF}">
-                  <a14:hiddenLine xmlns:a14="http://schemas.microsoft.com/office/drawing/2010/main" xmlns="" w="9525">
+                  <a14:hiddenLine xmlns="" xmlns:a14="http://schemas.microsoft.com/office/drawing/2010/main" w="9525">
                     <a:solidFill>
                       <a:srgbClr val="000000"/>
                     </a:solidFill>
@@ -11195,7 +11194,7 @@
               </a:ln>
               <a:extLst>
                 <a:ext uri="{91240B29-F687-4f45-9708-019B960494DF}">
-                  <a14:hiddenLine xmlns:a14="http://schemas.microsoft.com/office/drawing/2010/main" xmlns="" w="9525">
+                  <a14:hiddenLine xmlns="" xmlns:a14="http://schemas.microsoft.com/office/drawing/2010/main" w="9525">
                     <a:solidFill>
                       <a:srgbClr val="000000"/>
                     </a:solidFill>
@@ -11257,7 +11256,7 @@
               </a:ln>
               <a:extLst>
                 <a:ext uri="{91240B29-F687-4f45-9708-019B960494DF}">
-                  <a14:hiddenLine xmlns:a14="http://schemas.microsoft.com/office/drawing/2010/main" xmlns="" w="9525">
+                  <a14:hiddenLine xmlns="" xmlns:a14="http://schemas.microsoft.com/office/drawing/2010/main" w="9525">
                     <a:solidFill>
                       <a:srgbClr val="000000"/>
                     </a:solidFill>
@@ -11367,7 +11366,7 @@
               </a:ln>
               <a:extLst>
                 <a:ext uri="{91240B29-F687-4f45-9708-019B960494DF}">
-                  <a14:hiddenLine xmlns:a14="http://schemas.microsoft.com/office/drawing/2010/main" xmlns="" w="9525">
+                  <a14:hiddenLine xmlns="" xmlns:a14="http://schemas.microsoft.com/office/drawing/2010/main" w="9525">
                     <a:solidFill>
                       <a:srgbClr val="000000"/>
                     </a:solidFill>
@@ -11451,7 +11450,7 @@
               </a:ln>
               <a:extLst>
                 <a:ext uri="{91240B29-F687-4f45-9708-019B960494DF}">
-                  <a14:hiddenLine xmlns:a14="http://schemas.microsoft.com/office/drawing/2010/main" xmlns="" w="9525">
+                  <a14:hiddenLine xmlns="" xmlns:a14="http://schemas.microsoft.com/office/drawing/2010/main" w="9525">
                     <a:solidFill>
                       <a:srgbClr val="000000"/>
                     </a:solidFill>
@@ -11513,7 +11512,7 @@
               </a:ln>
               <a:extLst>
                 <a:ext uri="{91240B29-F687-4f45-9708-019B960494DF}">
-                  <a14:hiddenLine xmlns:a14="http://schemas.microsoft.com/office/drawing/2010/main" xmlns="" w="9525">
+                  <a14:hiddenLine xmlns="" xmlns:a14="http://schemas.microsoft.com/office/drawing/2010/main" w="9525">
                     <a:solidFill>
                       <a:srgbClr val="000000"/>
                     </a:solidFill>
@@ -11575,7 +11574,7 @@
               </a:ln>
               <a:extLst>
                 <a:ext uri="{91240B29-F687-4f45-9708-019B960494DF}">
-                  <a14:hiddenLine xmlns:a14="http://schemas.microsoft.com/office/drawing/2010/main" xmlns="" w="9525">
+                  <a14:hiddenLine xmlns="" xmlns:a14="http://schemas.microsoft.com/office/drawing/2010/main" w="9525">
                     <a:solidFill>
                       <a:srgbClr val="000000"/>
                     </a:solidFill>
@@ -11665,7 +11664,7 @@
               </a:ln>
               <a:extLst>
                 <a:ext uri="{91240B29-F687-4f45-9708-019B960494DF}">
-                  <a14:hiddenLine xmlns:a14="http://schemas.microsoft.com/office/drawing/2010/main" xmlns="" w="9525">
+                  <a14:hiddenLine xmlns="" xmlns:a14="http://schemas.microsoft.com/office/drawing/2010/main" w="9525">
                     <a:solidFill>
                       <a:srgbClr val="000000"/>
                     </a:solidFill>
@@ -11699,7 +11698,7 @@
               </a:ln>
               <a:extLst>
                 <a:ext uri="{91240B29-F687-4f45-9708-019B960494DF}">
-                  <a14:hiddenLine xmlns:a14="http://schemas.microsoft.com/office/drawing/2010/main" xmlns="" w="9525">
+                  <a14:hiddenLine xmlns="" xmlns:a14="http://schemas.microsoft.com/office/drawing/2010/main" w="9525">
                     <a:solidFill>
                       <a:srgbClr val="000000"/>
                     </a:solidFill>
@@ -11764,7 +11763,7 @@
               </a:ln>
               <a:extLst>
                 <a:ext uri="{91240B29-F687-4f45-9708-019B960494DF}">
-                  <a14:hiddenLine xmlns:a14="http://schemas.microsoft.com/office/drawing/2010/main" xmlns="" w="9525">
+                  <a14:hiddenLine xmlns="" xmlns:a14="http://schemas.microsoft.com/office/drawing/2010/main" w="9525">
                     <a:solidFill>
                       <a:srgbClr val="000000"/>
                     </a:solidFill>
@@ -11854,7 +11853,7 @@
               </a:ln>
               <a:extLst>
                 <a:ext uri="{91240B29-F687-4f45-9708-019B960494DF}">
-                  <a14:hiddenLine xmlns:a14="http://schemas.microsoft.com/office/drawing/2010/main" xmlns="" w="9525">
+                  <a14:hiddenLine xmlns="" xmlns:a14="http://schemas.microsoft.com/office/drawing/2010/main" w="9525">
                     <a:solidFill>
                       <a:srgbClr val="000000"/>
                     </a:solidFill>
@@ -11916,7 +11915,7 @@
               </a:ln>
               <a:extLst>
                 <a:ext uri="{91240B29-F687-4f45-9708-019B960494DF}">
-                  <a14:hiddenLine xmlns:a14="http://schemas.microsoft.com/office/drawing/2010/main" xmlns="" w="9525">
+                  <a14:hiddenLine xmlns="" xmlns:a14="http://schemas.microsoft.com/office/drawing/2010/main" w="9525">
                     <a:solidFill>
                       <a:srgbClr val="000000"/>
                     </a:solidFill>
@@ -12006,7 +12005,7 @@
               </a:ln>
               <a:extLst>
                 <a:ext uri="{91240B29-F687-4f45-9708-019B960494DF}">
-                  <a14:hiddenLine xmlns:a14="http://schemas.microsoft.com/office/drawing/2010/main" xmlns="" w="9525">
+                  <a14:hiddenLine xmlns="" xmlns:a14="http://schemas.microsoft.com/office/drawing/2010/main" w="9525">
                     <a:solidFill>
                       <a:srgbClr val="000000"/>
                     </a:solidFill>
@@ -12071,7 +12070,7 @@
               </a:ln>
               <a:extLst>
                 <a:ext uri="{91240B29-F687-4f45-9708-019B960494DF}">
-                  <a14:hiddenLine xmlns:a14="http://schemas.microsoft.com/office/drawing/2010/main" xmlns="" w="9525">
+                  <a14:hiddenLine xmlns="" xmlns:a14="http://schemas.microsoft.com/office/drawing/2010/main" w="9525">
                     <a:solidFill>
                       <a:srgbClr val="000000"/>
                     </a:solidFill>
@@ -12133,7 +12132,7 @@
               </a:ln>
               <a:extLst>
                 <a:ext uri="{91240B29-F687-4f45-9708-019B960494DF}">
-                  <a14:hiddenLine xmlns:a14="http://schemas.microsoft.com/office/drawing/2010/main" xmlns="" w="9525">
+                  <a14:hiddenLine xmlns="" xmlns:a14="http://schemas.microsoft.com/office/drawing/2010/main" w="9525">
                     <a:solidFill>
                       <a:srgbClr val="000000"/>
                     </a:solidFill>
@@ -12223,7 +12222,7 @@
               </a:ln>
               <a:extLst>
                 <a:ext uri="{91240B29-F687-4f45-9708-019B960494DF}">
-                  <a14:hiddenLine xmlns:a14="http://schemas.microsoft.com/office/drawing/2010/main" xmlns="" w="9525">
+                  <a14:hiddenLine xmlns="" xmlns:a14="http://schemas.microsoft.com/office/drawing/2010/main" w="9525">
                     <a:solidFill>
                       <a:srgbClr val="000000"/>
                     </a:solidFill>
@@ -12313,7 +12312,7 @@
               </a:ln>
               <a:extLst>
                 <a:ext uri="{91240B29-F687-4f45-9708-019B960494DF}">
-                  <a14:hiddenLine xmlns:a14="http://schemas.microsoft.com/office/drawing/2010/main" xmlns="" w="9525">
+                  <a14:hiddenLine xmlns="" xmlns:a14="http://schemas.microsoft.com/office/drawing/2010/main" w="9525">
                     <a:solidFill>
                       <a:srgbClr val="000000"/>
                     </a:solidFill>
@@ -12378,7 +12377,7 @@
               </a:ln>
               <a:extLst>
                 <a:ext uri="{91240B29-F687-4f45-9708-019B960494DF}">
-                  <a14:hiddenLine xmlns:a14="http://schemas.microsoft.com/office/drawing/2010/main" xmlns="" w="9525">
+                  <a14:hiddenLine xmlns="" xmlns:a14="http://schemas.microsoft.com/office/drawing/2010/main" w="9525">
                     <a:solidFill>
                       <a:srgbClr val="000000"/>
                     </a:solidFill>
@@ -12498,7 +12497,7 @@
               </a:ln>
               <a:extLst>
                 <a:ext uri="{91240B29-F687-4f45-9708-019B960494DF}">
-                  <a14:hiddenLine xmlns:a14="http://schemas.microsoft.com/office/drawing/2010/main" xmlns="" w="9525">
+                  <a14:hiddenLine xmlns="" xmlns:a14="http://schemas.microsoft.com/office/drawing/2010/main" w="9525">
                     <a:solidFill>
                       <a:srgbClr val="000000"/>
                     </a:solidFill>
@@ -12596,7 +12595,7 @@
               </a:ln>
               <a:extLst>
                 <a:ext uri="{91240B29-F687-4f45-9708-019B960494DF}">
-                  <a14:hiddenLine xmlns:a14="http://schemas.microsoft.com/office/drawing/2010/main" xmlns="" w="9525">
+                  <a14:hiddenLine xmlns="" xmlns:a14="http://schemas.microsoft.com/office/drawing/2010/main" w="9525">
                     <a:solidFill>
                       <a:srgbClr val="000000"/>
                     </a:solidFill>
@@ -12711,7 +12710,7 @@
               </a:ln>
               <a:extLst>
                 <a:ext uri="{91240B29-F687-4f45-9708-019B960494DF}">
-                  <a14:hiddenLine xmlns:a14="http://schemas.microsoft.com/office/drawing/2010/main" xmlns="" w="9525">
+                  <a14:hiddenLine xmlns="" xmlns:a14="http://schemas.microsoft.com/office/drawing/2010/main" w="9525">
                     <a:solidFill>
                       <a:srgbClr val="000000"/>
                     </a:solidFill>
@@ -12801,7 +12800,7 @@
               </a:ln>
               <a:extLst>
                 <a:ext uri="{91240B29-F687-4f45-9708-019B960494DF}">
-                  <a14:hiddenLine xmlns:a14="http://schemas.microsoft.com/office/drawing/2010/main" xmlns="" w="9525">
+                  <a14:hiddenLine xmlns="" xmlns:a14="http://schemas.microsoft.com/office/drawing/2010/main" w="9525">
                     <a:solidFill>
                       <a:srgbClr val="000000"/>
                     </a:solidFill>
@@ -12866,7 +12865,7 @@
               </a:ln>
               <a:extLst>
                 <a:ext uri="{91240B29-F687-4f45-9708-019B960494DF}">
-                  <a14:hiddenLine xmlns:a14="http://schemas.microsoft.com/office/drawing/2010/main" xmlns="" w="9525">
+                  <a14:hiddenLine xmlns="" xmlns:a14="http://schemas.microsoft.com/office/drawing/2010/main" w="9525">
                     <a:solidFill>
                       <a:srgbClr val="000000"/>
                     </a:solidFill>
@@ -12956,7 +12955,7 @@
               </a:ln>
               <a:extLst>
                 <a:ext uri="{91240B29-F687-4f45-9708-019B960494DF}">
-                  <a14:hiddenLine xmlns:a14="http://schemas.microsoft.com/office/drawing/2010/main" xmlns="" w="9525">
+                  <a14:hiddenLine xmlns="" xmlns:a14="http://schemas.microsoft.com/office/drawing/2010/main" w="9525">
                     <a:solidFill>
                       <a:srgbClr val="000000"/>
                     </a:solidFill>
@@ -13024,7 +13023,7 @@
               </a:ln>
               <a:extLst>
                 <a:ext uri="{91240B29-F687-4f45-9708-019B960494DF}">
-                  <a14:hiddenLine xmlns:a14="http://schemas.microsoft.com/office/drawing/2010/main" xmlns="" w="9525">
+                  <a14:hiddenLine xmlns="" xmlns:a14="http://schemas.microsoft.com/office/drawing/2010/main" w="9525">
                     <a:solidFill>
                       <a:srgbClr val="000000"/>
                     </a:solidFill>
@@ -13114,7 +13113,7 @@
               </a:ln>
               <a:extLst>
                 <a:ext uri="{91240B29-F687-4f45-9708-019B960494DF}">
-                  <a14:hiddenLine xmlns:a14="http://schemas.microsoft.com/office/drawing/2010/main" xmlns="" w="9525">
+                  <a14:hiddenLine xmlns="" xmlns:a14="http://schemas.microsoft.com/office/drawing/2010/main" w="9525">
                     <a:solidFill>
                       <a:srgbClr val="000000"/>
                     </a:solidFill>
@@ -13182,7 +13181,7 @@
               </a:ln>
               <a:extLst>
                 <a:ext uri="{91240B29-F687-4f45-9708-019B960494DF}">
-                  <a14:hiddenLine xmlns:a14="http://schemas.microsoft.com/office/drawing/2010/main" xmlns="" w="9525">
+                  <a14:hiddenLine xmlns="" xmlns:a14="http://schemas.microsoft.com/office/drawing/2010/main" w="9525">
                     <a:solidFill>
                       <a:srgbClr val="000000"/>
                     </a:solidFill>
@@ -13272,7 +13271,7 @@
               </a:ln>
               <a:extLst>
                 <a:ext uri="{91240B29-F687-4f45-9708-019B960494DF}">
-                  <a14:hiddenLine xmlns:a14="http://schemas.microsoft.com/office/drawing/2010/main" xmlns="" w="9525">
+                  <a14:hiddenLine xmlns="" xmlns:a14="http://schemas.microsoft.com/office/drawing/2010/main" w="9525">
                     <a:solidFill>
                       <a:srgbClr val="000000"/>
                     </a:solidFill>
@@ -13306,7 +13305,7 @@
               </a:ln>
               <a:extLst>
                 <a:ext uri="{91240B29-F687-4f45-9708-019B960494DF}">
-                  <a14:hiddenLine xmlns:a14="http://schemas.microsoft.com/office/drawing/2010/main" xmlns="" w="9525">
+                  <a14:hiddenLine xmlns="" xmlns:a14="http://schemas.microsoft.com/office/drawing/2010/main" w="9525">
                     <a:solidFill>
                       <a:srgbClr val="000000"/>
                     </a:solidFill>
@@ -13446,7 +13445,7 @@
           <a:p>
             <a:fld id="{849DE176-146E-4F1E-BCCE-E46272DCA095}" type="datetimeFigureOut">
               <a:rPr lang="es-AR" smtClean="0"/>
-              <a:t>21/4/2023</a:t>
+              <a:t>16/6/2023</a:t>
             </a:fld>
             <a:endParaRPr lang="es-AR"/>
           </a:p>
@@ -19013,307 +19012,6 @@
       </p:grpSpPr>
       <p:sp>
         <p:nvSpPr>
-          <p:cNvPr id="6" name="Subtitle 1"/>
-          <p:cNvSpPr txBox="1">
-            <a:spLocks/>
-          </p:cNvSpPr>
-          <p:nvPr/>
-        </p:nvSpPr>
-        <p:spPr>
-          <a:xfrm>
-            <a:off x="0" y="0"/>
-            <a:ext cx="12511314" cy="1085871"/>
-          </a:xfrm>
-          <a:prstGeom prst="rect">
-            <a:avLst/>
-          </a:prstGeom>
-        </p:spPr>
-        <p:txBody>
-          <a:bodyPr vert="horz" lIns="91440" tIns="45720" rIns="91440" bIns="45720" rtlCol="0">
-            <a:noAutofit/>
-          </a:bodyPr>
-          <a:lstStyle>
-            <a:lvl1pPr marL="228600" indent="-228600" algn="l" defTabSz="914400" rtl="0" eaLnBrk="1" latinLnBrk="0" hangingPunct="1">
-              <a:lnSpc>
-                <a:spcPct val="120000"/>
-              </a:lnSpc>
-              <a:spcBef>
-                <a:spcPts val="1000"/>
-              </a:spcBef>
-              <a:buSzPct val="125000"/>
-              <a:buFont typeface="Arial" panose="020B0604020202020204" pitchFamily="34" charset="0"/>
-              <a:buChar char="•"/>
-              <a:defRPr sz="2400" kern="1200">
-                <a:solidFill>
-                  <a:schemeClr val="tx1"/>
-                </a:solidFill>
-                <a:latin typeface="+mn-lt"/>
-                <a:ea typeface="+mn-ea"/>
-                <a:cs typeface="+mn-cs"/>
-              </a:defRPr>
-            </a:lvl1pPr>
-            <a:lvl2pPr marL="685800" indent="-228600" algn="l" defTabSz="914400" rtl="0" eaLnBrk="1" latinLnBrk="0" hangingPunct="1">
-              <a:lnSpc>
-                <a:spcPct val="120000"/>
-              </a:lnSpc>
-              <a:spcBef>
-                <a:spcPts val="500"/>
-              </a:spcBef>
-              <a:buSzPct val="125000"/>
-              <a:buFont typeface="Arial" panose="020B0604020202020204" pitchFamily="34" charset="0"/>
-              <a:buChar char="•"/>
-              <a:defRPr sz="2000" kern="1200">
-                <a:solidFill>
-                  <a:schemeClr val="tx1"/>
-                </a:solidFill>
-                <a:latin typeface="+mn-lt"/>
-                <a:ea typeface="+mn-ea"/>
-                <a:cs typeface="+mn-cs"/>
-              </a:defRPr>
-            </a:lvl2pPr>
-            <a:lvl3pPr marL="1143000" indent="-228600" algn="l" defTabSz="914400" rtl="0" eaLnBrk="1" latinLnBrk="0" hangingPunct="1">
-              <a:lnSpc>
-                <a:spcPct val="120000"/>
-              </a:lnSpc>
-              <a:spcBef>
-                <a:spcPts val="500"/>
-              </a:spcBef>
-              <a:buSzPct val="125000"/>
-              <a:buFont typeface="Arial" panose="020B0604020202020204" pitchFamily="34" charset="0"/>
-              <a:buChar char="•"/>
-              <a:defRPr sz="1800" kern="1200">
-                <a:solidFill>
-                  <a:schemeClr val="tx1"/>
-                </a:solidFill>
-                <a:latin typeface="+mn-lt"/>
-                <a:ea typeface="+mn-ea"/>
-                <a:cs typeface="+mn-cs"/>
-              </a:defRPr>
-            </a:lvl3pPr>
-            <a:lvl4pPr marL="1600200" indent="-228600" algn="l" defTabSz="914400" rtl="0" eaLnBrk="1" latinLnBrk="0" hangingPunct="1">
-              <a:lnSpc>
-                <a:spcPct val="120000"/>
-              </a:lnSpc>
-              <a:spcBef>
-                <a:spcPts val="500"/>
-              </a:spcBef>
-              <a:buSzPct val="125000"/>
-              <a:buFont typeface="Arial" panose="020B0604020202020204" pitchFamily="34" charset="0"/>
-              <a:buChar char="•"/>
-              <a:defRPr sz="1600" kern="1200">
-                <a:solidFill>
-                  <a:schemeClr val="tx1"/>
-                </a:solidFill>
-                <a:latin typeface="+mn-lt"/>
-                <a:ea typeface="+mn-ea"/>
-                <a:cs typeface="+mn-cs"/>
-              </a:defRPr>
-            </a:lvl4pPr>
-            <a:lvl5pPr marL="2057400" indent="-228600" algn="l" defTabSz="914400" rtl="0" eaLnBrk="1" latinLnBrk="0" hangingPunct="1">
-              <a:lnSpc>
-                <a:spcPct val="120000"/>
-              </a:lnSpc>
-              <a:spcBef>
-                <a:spcPts val="500"/>
-              </a:spcBef>
-              <a:buSzPct val="125000"/>
-              <a:buFont typeface="Arial" panose="020B0604020202020204" pitchFamily="34" charset="0"/>
-              <a:buChar char="•"/>
-              <a:defRPr sz="1600" kern="1200">
-                <a:solidFill>
-                  <a:schemeClr val="tx1"/>
-                </a:solidFill>
-                <a:latin typeface="+mn-lt"/>
-                <a:ea typeface="+mn-ea"/>
-                <a:cs typeface="+mn-cs"/>
-              </a:defRPr>
-            </a:lvl5pPr>
-            <a:lvl6pPr marL="2514600" indent="-228600" algn="l" defTabSz="914400" rtl="0" eaLnBrk="1" latinLnBrk="0" hangingPunct="1">
-              <a:lnSpc>
-                <a:spcPct val="120000"/>
-              </a:lnSpc>
-              <a:spcBef>
-                <a:spcPts val="500"/>
-              </a:spcBef>
-              <a:buSzPct val="125000"/>
-              <a:buFont typeface="Arial" panose="020B0604020202020204" pitchFamily="34" charset="0"/>
-              <a:buChar char="•"/>
-              <a:defRPr sz="1400" kern="1200">
-                <a:solidFill>
-                  <a:schemeClr val="tx1"/>
-                </a:solidFill>
-                <a:latin typeface="+mn-lt"/>
-                <a:ea typeface="+mn-ea"/>
-                <a:cs typeface="+mn-cs"/>
-              </a:defRPr>
-            </a:lvl6pPr>
-            <a:lvl7pPr marL="2971800" indent="-228600" algn="l" defTabSz="914400" rtl="0" eaLnBrk="1" latinLnBrk="0" hangingPunct="1">
-              <a:lnSpc>
-                <a:spcPct val="120000"/>
-              </a:lnSpc>
-              <a:spcBef>
-                <a:spcPts val="500"/>
-              </a:spcBef>
-              <a:buSzPct val="125000"/>
-              <a:buFont typeface="Arial" panose="020B0604020202020204" pitchFamily="34" charset="0"/>
-              <a:buChar char="•"/>
-              <a:defRPr sz="1400" kern="1200">
-                <a:solidFill>
-                  <a:schemeClr val="tx1"/>
-                </a:solidFill>
-                <a:latin typeface="+mn-lt"/>
-                <a:ea typeface="+mn-ea"/>
-                <a:cs typeface="+mn-cs"/>
-              </a:defRPr>
-            </a:lvl7pPr>
-            <a:lvl8pPr marL="3429000" indent="-228600" algn="l" defTabSz="914400" rtl="0" eaLnBrk="1" latinLnBrk="0" hangingPunct="1">
-              <a:lnSpc>
-                <a:spcPct val="120000"/>
-              </a:lnSpc>
-              <a:spcBef>
-                <a:spcPts val="500"/>
-              </a:spcBef>
-              <a:buSzPct val="125000"/>
-              <a:buFont typeface="Arial" panose="020B0604020202020204" pitchFamily="34" charset="0"/>
-              <a:buChar char="•"/>
-              <a:defRPr sz="1400" kern="1200">
-                <a:solidFill>
-                  <a:schemeClr val="tx1"/>
-                </a:solidFill>
-                <a:latin typeface="+mn-lt"/>
-                <a:ea typeface="+mn-ea"/>
-                <a:cs typeface="+mn-cs"/>
-              </a:defRPr>
-            </a:lvl8pPr>
-            <a:lvl9pPr marL="3886200" indent="-228600" algn="l" defTabSz="914400" rtl="0" eaLnBrk="1" latinLnBrk="0" hangingPunct="1">
-              <a:lnSpc>
-                <a:spcPct val="120000"/>
-              </a:lnSpc>
-              <a:spcBef>
-                <a:spcPts val="500"/>
-              </a:spcBef>
-              <a:buSzPct val="125000"/>
-              <a:buFont typeface="Arial" panose="020B0604020202020204" pitchFamily="34" charset="0"/>
-              <a:buChar char="•"/>
-              <a:defRPr sz="1400" kern="1200">
-                <a:solidFill>
-                  <a:schemeClr val="tx1"/>
-                </a:solidFill>
-                <a:latin typeface="+mn-lt"/>
-                <a:ea typeface="+mn-ea"/>
-                <a:cs typeface="+mn-cs"/>
-              </a:defRPr>
-            </a:lvl9pPr>
-          </a:lstStyle>
-          <a:p>
-            <a:pPr marL="0" indent="0" algn="ctr">
-              <a:buNone/>
-            </a:pPr>
-            <a:r>
-              <a:rPr lang="es-AR" sz="3200" dirty="0">
-                <a:solidFill>
-                  <a:schemeClr val="bg1"/>
-                </a:solidFill>
-              </a:rPr>
-              <a:t>Generative Adversarial Network (GAN) - Valor optimo del costo</a:t>
-            </a:r>
-          </a:p>
-        </p:txBody>
-      </p:sp>
-      <p:pic>
-        <p:nvPicPr>
-          <p:cNvPr id="3" name="Picture 2"/>
-          <p:cNvPicPr>
-            <a:picLocks noChangeAspect="1"/>
-          </p:cNvPicPr>
-          <p:nvPr/>
-        </p:nvPicPr>
-        <p:blipFill rotWithShape="1">
-          <a:blip r:embed="rId2"/>
-          <a:srcRect r="1318"/>
-          <a:stretch/>
-        </p:blipFill>
-        <p:spPr>
-          <a:xfrm>
-            <a:off x="960843" y="1221270"/>
-            <a:ext cx="10270314" cy="3483251"/>
-          </a:xfrm>
-          <a:prstGeom prst="rect">
-            <a:avLst/>
-          </a:prstGeom>
-        </p:spPr>
-      </p:pic>
-      <p:sp>
-        <p:nvSpPr>
-          <p:cNvPr id="4" name="CuadroTexto 3">
-            <a:extLst>
-              <a:ext uri="{FF2B5EF4-FFF2-40B4-BE49-F238E27FC236}">
-                <a16:creationId xmlns:a16="http://schemas.microsoft.com/office/drawing/2014/main" id="{E16C6773-B006-915F-DED4-D42F9BA91C1D}"/>
-              </a:ext>
-            </a:extLst>
-          </p:cNvPr>
-          <p:cNvSpPr txBox="1"/>
-          <p:nvPr/>
-        </p:nvSpPr>
-        <p:spPr>
-          <a:xfrm>
-            <a:off x="960843" y="6172885"/>
-            <a:ext cx="10153650" cy="369332"/>
-          </a:xfrm>
-          <a:prstGeom prst="rect">
-            <a:avLst/>
-          </a:prstGeom>
-          <a:noFill/>
-        </p:spPr>
-        <p:txBody>
-          <a:bodyPr wrap="square">
-            <a:spAutoFit/>
-          </a:bodyPr>
-          <a:lstStyle/>
-          <a:p>
-            <a:r>
-              <a:rPr lang="es-AR" dirty="0">
-                <a:solidFill>
-                  <a:schemeClr val="bg1"/>
-                </a:solidFill>
-              </a:rPr>
-              <a:t>https://lilianweng.github.io/posts/2017-08-20-gan/#kullbackleibler-and-jensenshannon-divergence</a:t>
-            </a:r>
-          </a:p>
-        </p:txBody>
-      </p:sp>
-    </p:spTree>
-    <p:extLst>
-      <p:ext uri="{BB962C8B-B14F-4D97-AF65-F5344CB8AC3E}">
-        <p14:creationId xmlns:p14="http://schemas.microsoft.com/office/powerpoint/2010/main" val="2815013244"/>
-      </p:ext>
-    </p:extLst>
-  </p:cSld>
-  <p:clrMapOvr>
-    <a:masterClrMapping/>
-  </p:clrMapOvr>
-</p:sld>
-</file>
-
-<file path=ppt/slides/slide15.xml><?xml version="1.0" encoding="utf-8"?>
-<p:sld xmlns:a="http://schemas.openxmlformats.org/drawingml/2006/main" xmlns:r="http://schemas.openxmlformats.org/officeDocument/2006/relationships" xmlns:p="http://schemas.openxmlformats.org/presentationml/2006/main">
-  <p:cSld>
-    <p:spTree>
-      <p:nvGrpSpPr>
-        <p:cNvPr id="1" name=""/>
-        <p:cNvGrpSpPr/>
-        <p:nvPr/>
-      </p:nvGrpSpPr>
-      <p:grpSpPr>
-        <a:xfrm>
-          <a:off x="0" y="0"/>
-          <a:ext cx="0" cy="0"/>
-          <a:chOff x="0" y="0"/>
-          <a:chExt cx="0" cy="0"/>
-        </a:xfrm>
-      </p:grpSpPr>
-      <p:sp>
-        <p:nvSpPr>
           <p:cNvPr id="5" name="Subtitle 1"/>
           <p:cNvSpPr txBox="1">
             <a:spLocks/>
@@ -19884,7 +19582,7 @@
 </p:sld>
 </file>
 
-<file path=ppt/slides/slide16.xml><?xml version="1.0" encoding="utf-8"?>
+<file path=ppt/slides/slide15.xml><?xml version="1.0" encoding="utf-8"?>
 <p:sld xmlns:a="http://schemas.openxmlformats.org/drawingml/2006/main" xmlns:r="http://schemas.openxmlformats.org/officeDocument/2006/relationships" xmlns:p="http://schemas.openxmlformats.org/presentationml/2006/main">
   <p:cSld>
     <p:spTree>
@@ -21986,7 +21684,7 @@
         </p:blipFill>
         <p:spPr>
           <a:xfrm>
-            <a:off x="1041220" y="619095"/>
+            <a:off x="1041219" y="1291203"/>
             <a:ext cx="10109559" cy="5145602"/>
           </a:xfrm>
           <a:prstGeom prst="rect">
@@ -22266,7 +21964,7 @@
         </p:nvSpPr>
         <p:spPr>
           <a:xfrm>
-            <a:off x="8918713" y="3193774"/>
+            <a:off x="8918713" y="3854391"/>
             <a:ext cx="450573" cy="1340461"/>
           </a:xfrm>
           <a:prstGeom prst="rect">
@@ -22587,6 +22285,19 @@
               </a:rPr>
               <a:t>Learning</a:t>
             </a:r>
+            <a:r>
+              <a:rPr lang="es-AR" sz="3200" dirty="0">
+                <a:solidFill>
+                  <a:schemeClr val="bg1"/>
+                </a:solidFill>
+              </a:rPr>
+              <a:t> - ¿Qué estrategia usar?</a:t>
+            </a:r>
+          </a:p>
+          <a:p>
+            <a:pPr marL="0" indent="0" algn="ctr">
+              <a:buNone/>
+            </a:pPr>
             <a:endParaRPr lang="es-AR" sz="3200" dirty="0">
               <a:solidFill>
                 <a:schemeClr val="bg1"/>
@@ -22595,231 +22306,873 @@
           </a:p>
         </p:txBody>
       </p:sp>
-      <p:sp>
-        <p:nvSpPr>
-          <p:cNvPr id="12" name="Subtitle 1">
+      <p:cxnSp>
+        <p:nvCxnSpPr>
+          <p:cNvPr id="3" name="Conector recto de flecha 2">
             <a:extLst>
               <a:ext uri="{FF2B5EF4-FFF2-40B4-BE49-F238E27FC236}">
-                <a16:creationId xmlns:a16="http://schemas.microsoft.com/office/drawing/2014/main" id="{173875A2-756C-C285-A3FC-2C04FCABF78E}"/>
+                <a16:creationId xmlns:a16="http://schemas.microsoft.com/office/drawing/2014/main" id="{5EBC6E99-81D6-E402-C1F3-2B06ADD13C83}"/>
               </a:ext>
             </a:extLst>
           </p:cNvPr>
-          <p:cNvSpPr txBox="1">
-            <a:spLocks/>
-          </p:cNvSpPr>
+          <p:cNvCxnSpPr/>
+          <p:nvPr/>
+        </p:nvCxnSpPr>
+        <p:spPr>
+          <a:xfrm>
+            <a:off x="1219200" y="3710609"/>
+            <a:ext cx="9236765" cy="0"/>
+          </a:xfrm>
+          <a:prstGeom prst="straightConnector1">
+            <a:avLst/>
+          </a:prstGeom>
+          <a:ln w="76200">
+            <a:headEnd type="triangle"/>
+            <a:tailEnd type="triangle"/>
+          </a:ln>
+        </p:spPr>
+        <p:style>
+          <a:lnRef idx="1">
+            <a:schemeClr val="accent2"/>
+          </a:lnRef>
+          <a:fillRef idx="0">
+            <a:schemeClr val="accent2"/>
+          </a:fillRef>
+          <a:effectRef idx="0">
+            <a:schemeClr val="accent2"/>
+          </a:effectRef>
+          <a:fontRef idx="minor">
+            <a:schemeClr val="tx1"/>
+          </a:fontRef>
+        </p:style>
+      </p:cxnSp>
+      <p:cxnSp>
+        <p:nvCxnSpPr>
+          <p:cNvPr id="5" name="Conector recto de flecha 4">
+            <a:extLst>
+              <a:ext uri="{FF2B5EF4-FFF2-40B4-BE49-F238E27FC236}">
+                <a16:creationId xmlns:a16="http://schemas.microsoft.com/office/drawing/2014/main" id="{79E2AA7B-0C05-90F6-2742-E9A887A241AB}"/>
+              </a:ext>
+            </a:extLst>
+          </p:cNvPr>
+          <p:cNvCxnSpPr>
+            <a:cxnSpLocks/>
+          </p:cNvCxnSpPr>
+          <p:nvPr/>
+        </p:nvCxnSpPr>
+        <p:spPr>
+          <a:xfrm>
+            <a:off x="5605670" y="1085871"/>
+            <a:ext cx="0" cy="5006083"/>
+          </a:xfrm>
+          <a:prstGeom prst="straightConnector1">
+            <a:avLst/>
+          </a:prstGeom>
+          <a:ln w="76200">
+            <a:headEnd type="triangle"/>
+            <a:tailEnd type="triangle"/>
+          </a:ln>
+        </p:spPr>
+        <p:style>
+          <a:lnRef idx="1">
+            <a:schemeClr val="accent2"/>
+          </a:lnRef>
+          <a:fillRef idx="0">
+            <a:schemeClr val="accent2"/>
+          </a:fillRef>
+          <a:effectRef idx="0">
+            <a:schemeClr val="accent2"/>
+          </a:effectRef>
+          <a:fontRef idx="minor">
+            <a:schemeClr val="tx1"/>
+          </a:fontRef>
+        </p:style>
+      </p:cxnSp>
+      <p:sp>
+        <p:nvSpPr>
+          <p:cNvPr id="9" name="CuadroTexto 8">
+            <a:extLst>
+              <a:ext uri="{FF2B5EF4-FFF2-40B4-BE49-F238E27FC236}">
+                <a16:creationId xmlns:a16="http://schemas.microsoft.com/office/drawing/2014/main" id="{3CC4C91B-D1B6-4B85-0C60-474E765AA993}"/>
+              </a:ext>
+            </a:extLst>
+          </p:cNvPr>
+          <p:cNvSpPr txBox="1"/>
           <p:nvPr/>
         </p:nvSpPr>
         <p:spPr>
           <a:xfrm>
-            <a:off x="2418522" y="842925"/>
-            <a:ext cx="7354956" cy="525127"/>
+            <a:off x="58885" y="3284452"/>
+            <a:ext cx="1789040" cy="830997"/>
           </a:xfrm>
           <a:prstGeom prst="rect">
             <a:avLst/>
           </a:prstGeom>
+          <a:noFill/>
         </p:spPr>
         <p:txBody>
-          <a:bodyPr vert="horz" lIns="91440" tIns="45720" rIns="91440" bIns="45720" rtlCol="0">
-            <a:noAutofit/>
+          <a:bodyPr wrap="square">
+            <a:spAutoFit/>
           </a:bodyPr>
-          <a:lstStyle>
-            <a:lvl1pPr marL="0" indent="0" algn="ctr" defTabSz="914400" rtl="0" eaLnBrk="1" latinLnBrk="0" hangingPunct="1">
-              <a:lnSpc>
-                <a:spcPct val="90000"/>
-              </a:lnSpc>
-              <a:spcBef>
-                <a:spcPts val="1000"/>
-              </a:spcBef>
-              <a:buFont typeface="Arial" panose="020B0604020202020204" pitchFamily="34" charset="0"/>
-              <a:buNone/>
-              <a:defRPr sz="2400" kern="1200">
-                <a:solidFill>
-                  <a:schemeClr val="tx1"/>
-                </a:solidFill>
-                <a:latin typeface="+mn-lt"/>
-                <a:ea typeface="+mn-ea"/>
-                <a:cs typeface="+mn-cs"/>
-              </a:defRPr>
-            </a:lvl1pPr>
-            <a:lvl2pPr marL="457200" indent="0" algn="ctr" defTabSz="914400" rtl="0" eaLnBrk="1" latinLnBrk="0" hangingPunct="1">
-              <a:lnSpc>
-                <a:spcPct val="90000"/>
-              </a:lnSpc>
-              <a:spcBef>
-                <a:spcPts val="500"/>
-              </a:spcBef>
-              <a:buFont typeface="Arial" panose="020B0604020202020204" pitchFamily="34" charset="0"/>
-              <a:buNone/>
-              <a:defRPr sz="2000" kern="1200">
-                <a:solidFill>
-                  <a:schemeClr val="tx1"/>
-                </a:solidFill>
-                <a:latin typeface="+mn-lt"/>
-                <a:ea typeface="+mn-ea"/>
-                <a:cs typeface="+mn-cs"/>
-              </a:defRPr>
-            </a:lvl2pPr>
-            <a:lvl3pPr marL="914400" indent="0" algn="ctr" defTabSz="914400" rtl="0" eaLnBrk="1" latinLnBrk="0" hangingPunct="1">
-              <a:lnSpc>
-                <a:spcPct val="90000"/>
-              </a:lnSpc>
-              <a:spcBef>
-                <a:spcPts val="500"/>
-              </a:spcBef>
-              <a:buFont typeface="Arial" panose="020B0604020202020204" pitchFamily="34" charset="0"/>
-              <a:buNone/>
-              <a:defRPr sz="1800" kern="1200">
-                <a:solidFill>
-                  <a:schemeClr val="tx1"/>
-                </a:solidFill>
-                <a:latin typeface="+mn-lt"/>
-                <a:ea typeface="+mn-ea"/>
-                <a:cs typeface="+mn-cs"/>
-              </a:defRPr>
-            </a:lvl3pPr>
-            <a:lvl4pPr marL="1371600" indent="0" algn="ctr" defTabSz="914400" rtl="0" eaLnBrk="1" latinLnBrk="0" hangingPunct="1">
-              <a:lnSpc>
-                <a:spcPct val="90000"/>
-              </a:lnSpc>
-              <a:spcBef>
-                <a:spcPts val="500"/>
-              </a:spcBef>
-              <a:buFont typeface="Arial" panose="020B0604020202020204" pitchFamily="34" charset="0"/>
-              <a:buNone/>
-              <a:defRPr sz="1600" kern="1200">
-                <a:solidFill>
-                  <a:schemeClr val="tx1"/>
-                </a:solidFill>
-                <a:latin typeface="+mn-lt"/>
-                <a:ea typeface="+mn-ea"/>
-                <a:cs typeface="+mn-cs"/>
-              </a:defRPr>
-            </a:lvl4pPr>
-            <a:lvl5pPr marL="1828800" indent="0" algn="ctr" defTabSz="914400" rtl="0" eaLnBrk="1" latinLnBrk="0" hangingPunct="1">
-              <a:lnSpc>
-                <a:spcPct val="90000"/>
-              </a:lnSpc>
-              <a:spcBef>
-                <a:spcPts val="500"/>
-              </a:spcBef>
-              <a:buFont typeface="Arial" panose="020B0604020202020204" pitchFamily="34" charset="0"/>
-              <a:buNone/>
-              <a:defRPr sz="1600" kern="1200">
-                <a:solidFill>
-                  <a:schemeClr val="tx1"/>
-                </a:solidFill>
-                <a:latin typeface="+mn-lt"/>
-                <a:ea typeface="+mn-ea"/>
-                <a:cs typeface="+mn-cs"/>
-              </a:defRPr>
-            </a:lvl5pPr>
-            <a:lvl6pPr marL="2286000" indent="0" algn="ctr" defTabSz="914400" rtl="0" eaLnBrk="1" latinLnBrk="0" hangingPunct="1">
-              <a:lnSpc>
-                <a:spcPct val="90000"/>
-              </a:lnSpc>
-              <a:spcBef>
-                <a:spcPts val="500"/>
-              </a:spcBef>
-              <a:buFont typeface="Arial" panose="020B0604020202020204" pitchFamily="34" charset="0"/>
-              <a:buNone/>
-              <a:defRPr sz="1600" kern="1200">
-                <a:solidFill>
-                  <a:schemeClr val="tx1"/>
-                </a:solidFill>
-                <a:latin typeface="+mn-lt"/>
-                <a:ea typeface="+mn-ea"/>
-                <a:cs typeface="+mn-cs"/>
-              </a:defRPr>
-            </a:lvl6pPr>
-            <a:lvl7pPr marL="2743200" indent="0" algn="ctr" defTabSz="914400" rtl="0" eaLnBrk="1" latinLnBrk="0" hangingPunct="1">
-              <a:lnSpc>
-                <a:spcPct val="90000"/>
-              </a:lnSpc>
-              <a:spcBef>
-                <a:spcPts val="500"/>
-              </a:spcBef>
-              <a:buFont typeface="Arial" panose="020B0604020202020204" pitchFamily="34" charset="0"/>
-              <a:buNone/>
-              <a:defRPr sz="1600" kern="1200">
-                <a:solidFill>
-                  <a:schemeClr val="tx1"/>
-                </a:solidFill>
-                <a:latin typeface="+mn-lt"/>
-                <a:ea typeface="+mn-ea"/>
-                <a:cs typeface="+mn-cs"/>
-              </a:defRPr>
-            </a:lvl7pPr>
-            <a:lvl8pPr marL="3200400" indent="0" algn="ctr" defTabSz="914400" rtl="0" eaLnBrk="1" latinLnBrk="0" hangingPunct="1">
-              <a:lnSpc>
-                <a:spcPct val="90000"/>
-              </a:lnSpc>
-              <a:spcBef>
-                <a:spcPts val="500"/>
-              </a:spcBef>
-              <a:buFont typeface="Arial" panose="020B0604020202020204" pitchFamily="34" charset="0"/>
-              <a:buNone/>
-              <a:defRPr sz="1600" kern="1200">
-                <a:solidFill>
-                  <a:schemeClr val="tx1"/>
-                </a:solidFill>
-                <a:latin typeface="+mn-lt"/>
-                <a:ea typeface="+mn-ea"/>
-                <a:cs typeface="+mn-cs"/>
-              </a:defRPr>
-            </a:lvl8pPr>
-            <a:lvl9pPr marL="3657600" indent="0" algn="ctr" defTabSz="914400" rtl="0" eaLnBrk="1" latinLnBrk="0" hangingPunct="1">
-              <a:lnSpc>
-                <a:spcPct val="90000"/>
-              </a:lnSpc>
-              <a:spcBef>
-                <a:spcPts val="500"/>
-              </a:spcBef>
-              <a:buFont typeface="Arial" panose="020B0604020202020204" pitchFamily="34" charset="0"/>
-              <a:buNone/>
-              <a:defRPr sz="1600" kern="1200">
-                <a:solidFill>
-                  <a:schemeClr val="tx1"/>
-                </a:solidFill>
-                <a:latin typeface="+mn-lt"/>
-                <a:ea typeface="+mn-ea"/>
-                <a:cs typeface="+mn-cs"/>
-              </a:defRPr>
-            </a:lvl9pPr>
-          </a:lstStyle>
+          <a:lstStyle/>
           <a:p>
             <a:r>
-              <a:rPr lang="es-AR" sz="2800" dirty="0">
+              <a:rPr lang="es-AR" sz="2400" dirty="0" err="1">
                 <a:solidFill>
                   <a:schemeClr val="bg1"/>
                 </a:solidFill>
               </a:rPr>
-              <a:t>Se reentrena la nueva arquitectura con el </a:t>
-            </a:r>
-            <a:r>
-              <a:rPr lang="es-AR" sz="2800" dirty="0" err="1">
+              <a:t>Dataset</a:t>
+            </a:r>
+            <a:r>
+              <a:rPr lang="es-AR" sz="2400" dirty="0">
                 <a:solidFill>
                   <a:schemeClr val="bg1"/>
                 </a:solidFill>
               </a:rPr>
-              <a:t>dataset</a:t>
-            </a:r>
-            <a:r>
-              <a:rPr lang="es-AR" sz="2800" dirty="0">
-                <a:solidFill>
-                  <a:schemeClr val="bg1"/>
-                </a:solidFill>
-              </a:rPr>
-              <a:t> específico bajo la tarea específica a cumplir.</a:t>
-            </a:r>
+              <a:t> pequeño </a:t>
+            </a:r>
+            <a:endParaRPr lang="es-AR" sz="2400" dirty="0"/>
           </a:p>
         </p:txBody>
       </p:sp>
+      <p:sp>
+        <p:nvSpPr>
+          <p:cNvPr id="10" name="CuadroTexto 9">
+            <a:extLst>
+              <a:ext uri="{FF2B5EF4-FFF2-40B4-BE49-F238E27FC236}">
+                <a16:creationId xmlns:a16="http://schemas.microsoft.com/office/drawing/2014/main" id="{9241FF65-4241-DE52-6A64-75594F8D8931}"/>
+              </a:ext>
+            </a:extLst>
+          </p:cNvPr>
+          <p:cNvSpPr txBox="1"/>
+          <p:nvPr/>
+        </p:nvSpPr>
+        <p:spPr>
+          <a:xfrm>
+            <a:off x="10520489" y="3199901"/>
+            <a:ext cx="1689648" cy="830997"/>
+          </a:xfrm>
+          <a:prstGeom prst="rect">
+            <a:avLst/>
+          </a:prstGeom>
+          <a:noFill/>
+        </p:spPr>
+        <p:txBody>
+          <a:bodyPr wrap="square">
+            <a:spAutoFit/>
+          </a:bodyPr>
+          <a:lstStyle/>
+          <a:p>
+            <a:r>
+              <a:rPr lang="es-AR" sz="2400" dirty="0" err="1">
+                <a:solidFill>
+                  <a:schemeClr val="bg1"/>
+                </a:solidFill>
+              </a:rPr>
+              <a:t>Dataset</a:t>
+            </a:r>
+            <a:r>
+              <a:rPr lang="es-AR" sz="2400" dirty="0">
+                <a:solidFill>
+                  <a:schemeClr val="bg1"/>
+                </a:solidFill>
+              </a:rPr>
+              <a:t> grande</a:t>
+            </a:r>
+            <a:endParaRPr lang="es-AR" sz="2400" dirty="0"/>
+          </a:p>
+        </p:txBody>
+      </p:sp>
+      <p:sp>
+        <p:nvSpPr>
+          <p:cNvPr id="11" name="CuadroTexto 10">
+            <a:extLst>
+              <a:ext uri="{FF2B5EF4-FFF2-40B4-BE49-F238E27FC236}">
+                <a16:creationId xmlns:a16="http://schemas.microsoft.com/office/drawing/2014/main" id="{786610DA-0C4D-A6B8-BCDC-9E16E3D907EF}"/>
+              </a:ext>
+            </a:extLst>
+          </p:cNvPr>
+          <p:cNvSpPr txBox="1"/>
+          <p:nvPr/>
+        </p:nvSpPr>
+        <p:spPr>
+          <a:xfrm>
+            <a:off x="5117076" y="629685"/>
+            <a:ext cx="2548961" cy="830997"/>
+          </a:xfrm>
+          <a:prstGeom prst="rect">
+            <a:avLst/>
+          </a:prstGeom>
+          <a:noFill/>
+        </p:spPr>
+        <p:txBody>
+          <a:bodyPr wrap="square">
+            <a:spAutoFit/>
+          </a:bodyPr>
+          <a:lstStyle/>
+          <a:p>
+            <a:pPr algn="ctr"/>
+            <a:r>
+              <a:rPr lang="es-AR" sz="2400" dirty="0" err="1">
+                <a:solidFill>
+                  <a:schemeClr val="bg1"/>
+                </a:solidFill>
+              </a:rPr>
+              <a:t>Dataset</a:t>
+            </a:r>
+            <a:r>
+              <a:rPr lang="es-AR" sz="2400" dirty="0">
+                <a:solidFill>
+                  <a:schemeClr val="bg1"/>
+                </a:solidFill>
+              </a:rPr>
+              <a:t> semejante al </a:t>
+            </a:r>
+            <a:r>
+              <a:rPr lang="es-AR" sz="2400" dirty="0" err="1">
+                <a:solidFill>
+                  <a:schemeClr val="bg1"/>
+                </a:solidFill>
+              </a:rPr>
+              <a:t>generic</a:t>
+            </a:r>
+            <a:endParaRPr lang="es-AR" sz="2400" dirty="0"/>
+          </a:p>
+        </p:txBody>
+      </p:sp>
+      <p:sp>
+        <p:nvSpPr>
+          <p:cNvPr id="13" name="CuadroTexto 12">
+            <a:extLst>
+              <a:ext uri="{FF2B5EF4-FFF2-40B4-BE49-F238E27FC236}">
+                <a16:creationId xmlns:a16="http://schemas.microsoft.com/office/drawing/2014/main" id="{7CEE8649-6685-48ED-332D-9CAB11E68EEF}"/>
+              </a:ext>
+            </a:extLst>
+          </p:cNvPr>
+          <p:cNvSpPr txBox="1"/>
+          <p:nvPr/>
+        </p:nvSpPr>
+        <p:spPr>
+          <a:xfrm>
+            <a:off x="4978269" y="6091954"/>
+            <a:ext cx="2198343" cy="830997"/>
+          </a:xfrm>
+          <a:prstGeom prst="rect">
+            <a:avLst/>
+          </a:prstGeom>
+          <a:noFill/>
+        </p:spPr>
+        <p:txBody>
+          <a:bodyPr wrap="square">
+            <a:spAutoFit/>
+          </a:bodyPr>
+          <a:lstStyle/>
+          <a:p>
+            <a:pPr algn="ctr"/>
+            <a:r>
+              <a:rPr lang="es-AR" sz="2400" dirty="0" err="1">
+                <a:solidFill>
+                  <a:schemeClr val="bg1"/>
+                </a:solidFill>
+              </a:rPr>
+              <a:t>Dataset</a:t>
+            </a:r>
+            <a:r>
+              <a:rPr lang="es-AR" sz="2400" dirty="0">
+                <a:solidFill>
+                  <a:schemeClr val="bg1"/>
+                </a:solidFill>
+              </a:rPr>
+              <a:t> distinto al </a:t>
+            </a:r>
+            <a:r>
+              <a:rPr lang="es-AR" sz="2400" dirty="0" err="1">
+                <a:solidFill>
+                  <a:schemeClr val="bg1"/>
+                </a:solidFill>
+              </a:rPr>
+              <a:t>generic</a:t>
+            </a:r>
+            <a:endParaRPr lang="es-AR" sz="2400" dirty="0"/>
+          </a:p>
+        </p:txBody>
+      </p:sp>
+      <p:sp>
+        <p:nvSpPr>
+          <p:cNvPr id="15" name="CuadroTexto 14">
+            <a:extLst>
+              <a:ext uri="{FF2B5EF4-FFF2-40B4-BE49-F238E27FC236}">
+                <a16:creationId xmlns:a16="http://schemas.microsoft.com/office/drawing/2014/main" id="{55F7F7D5-E549-29DA-B389-E677AFFEF69F}"/>
+              </a:ext>
+            </a:extLst>
+          </p:cNvPr>
+          <p:cNvSpPr txBox="1"/>
+          <p:nvPr/>
+        </p:nvSpPr>
+        <p:spPr>
+          <a:xfrm>
+            <a:off x="1859419" y="773083"/>
+            <a:ext cx="1994454" cy="369332"/>
+          </a:xfrm>
+          <a:prstGeom prst="rect">
+            <a:avLst/>
+          </a:prstGeom>
+          <a:noFill/>
+        </p:spPr>
+        <p:txBody>
+          <a:bodyPr wrap="square">
+            <a:spAutoFit/>
+          </a:bodyPr>
+          <a:lstStyle/>
+          <a:p>
+            <a:r>
+              <a:rPr lang="es-AR" sz="1800" dirty="0" err="1">
+                <a:solidFill>
+                  <a:srgbClr val="FF0000"/>
+                </a:solidFill>
+                <a:sym typeface="Wingdings" panose="05000000000000000000" pitchFamily="2" charset="2"/>
+              </a:rPr>
+              <a:t>feature</a:t>
+            </a:r>
+            <a:r>
+              <a:rPr lang="es-AR" sz="1800" dirty="0">
+                <a:solidFill>
+                  <a:srgbClr val="FF0000"/>
+                </a:solidFill>
+                <a:sym typeface="Wingdings" panose="05000000000000000000" pitchFamily="2" charset="2"/>
+              </a:rPr>
+              <a:t> extractor</a:t>
+            </a:r>
+            <a:endParaRPr lang="es-AR" dirty="0">
+              <a:solidFill>
+                <a:srgbClr val="FF0000"/>
+              </a:solidFill>
+            </a:endParaRPr>
+          </a:p>
+        </p:txBody>
+      </p:sp>
+      <p:sp>
+        <p:nvSpPr>
+          <p:cNvPr id="17" name="CuadroTexto 16">
+            <a:extLst>
+              <a:ext uri="{FF2B5EF4-FFF2-40B4-BE49-F238E27FC236}">
+                <a16:creationId xmlns:a16="http://schemas.microsoft.com/office/drawing/2014/main" id="{B377829B-A29D-FDCC-45F1-E09CEB0E7CDD}"/>
+              </a:ext>
+            </a:extLst>
+          </p:cNvPr>
+          <p:cNvSpPr txBox="1"/>
+          <p:nvPr/>
+        </p:nvSpPr>
+        <p:spPr>
+          <a:xfrm>
+            <a:off x="8604911" y="710996"/>
+            <a:ext cx="1643269" cy="369332"/>
+          </a:xfrm>
+          <a:prstGeom prst="rect">
+            <a:avLst/>
+          </a:prstGeom>
+          <a:noFill/>
+        </p:spPr>
+        <p:txBody>
+          <a:bodyPr wrap="square">
+            <a:spAutoFit/>
+          </a:bodyPr>
+          <a:lstStyle/>
+          <a:p>
+            <a:r>
+              <a:rPr lang="es-AR" sz="1800" dirty="0">
+                <a:solidFill>
+                  <a:srgbClr val="FF0000"/>
+                </a:solidFill>
+                <a:sym typeface="Wingdings" panose="05000000000000000000" pitchFamily="2" charset="2"/>
+              </a:rPr>
+              <a:t>fine </a:t>
+            </a:r>
+            <a:r>
+              <a:rPr lang="es-AR" sz="1800" dirty="0" err="1">
+                <a:solidFill>
+                  <a:srgbClr val="FF0000"/>
+                </a:solidFill>
+                <a:sym typeface="Wingdings" panose="05000000000000000000" pitchFamily="2" charset="2"/>
+              </a:rPr>
+              <a:t>tunning</a:t>
+            </a:r>
+            <a:endParaRPr lang="es-AR" dirty="0">
+              <a:solidFill>
+                <a:srgbClr val="FF0000"/>
+              </a:solidFill>
+            </a:endParaRPr>
+          </a:p>
+        </p:txBody>
+      </p:sp>
+      <p:sp>
+        <p:nvSpPr>
+          <p:cNvPr id="19" name="CuadroTexto 18">
+            <a:extLst>
+              <a:ext uri="{FF2B5EF4-FFF2-40B4-BE49-F238E27FC236}">
+                <a16:creationId xmlns:a16="http://schemas.microsoft.com/office/drawing/2014/main" id="{0EE19F03-CC19-C315-698F-ED1617A7B088}"/>
+              </a:ext>
+            </a:extLst>
+          </p:cNvPr>
+          <p:cNvSpPr txBox="1"/>
+          <p:nvPr/>
+        </p:nvSpPr>
+        <p:spPr>
+          <a:xfrm>
+            <a:off x="380128" y="6084917"/>
+            <a:ext cx="2411901" cy="646331"/>
+          </a:xfrm>
+          <a:prstGeom prst="rect">
+            <a:avLst/>
+          </a:prstGeom>
+          <a:noFill/>
+        </p:spPr>
+        <p:txBody>
+          <a:bodyPr wrap="square">
+            <a:spAutoFit/>
+          </a:bodyPr>
+          <a:lstStyle/>
+          <a:p>
+            <a:r>
+              <a:rPr lang="es-AR" sz="1800" dirty="0" err="1">
+                <a:solidFill>
+                  <a:srgbClr val="FF0000"/>
+                </a:solidFill>
+                <a:sym typeface="Wingdings" panose="05000000000000000000" pitchFamily="2" charset="2"/>
+              </a:rPr>
+              <a:t>feature</a:t>
+            </a:r>
+            <a:r>
+              <a:rPr lang="es-AR" sz="1800" dirty="0">
+                <a:solidFill>
+                  <a:srgbClr val="FF0000"/>
+                </a:solidFill>
+                <a:sym typeface="Wingdings" panose="05000000000000000000" pitchFamily="2" charset="2"/>
+              </a:rPr>
+              <a:t> extractor desde menor profundidad</a:t>
+            </a:r>
+            <a:endParaRPr lang="es-AR" dirty="0">
+              <a:solidFill>
+                <a:srgbClr val="FF0000"/>
+              </a:solidFill>
+            </a:endParaRPr>
+          </a:p>
+        </p:txBody>
+      </p:sp>
+      <p:sp>
+        <p:nvSpPr>
+          <p:cNvPr id="21" name="CuadroTexto 20">
+            <a:extLst>
+              <a:ext uri="{FF2B5EF4-FFF2-40B4-BE49-F238E27FC236}">
+                <a16:creationId xmlns:a16="http://schemas.microsoft.com/office/drawing/2014/main" id="{E8F43549-4D83-6AA4-3046-86BFC31F5C71}"/>
+              </a:ext>
+            </a:extLst>
+          </p:cNvPr>
+          <p:cNvSpPr txBox="1"/>
+          <p:nvPr/>
+        </p:nvSpPr>
+        <p:spPr>
+          <a:xfrm>
+            <a:off x="9095002" y="6027923"/>
+            <a:ext cx="2850973" cy="646331"/>
+          </a:xfrm>
+          <a:prstGeom prst="rect">
+            <a:avLst/>
+          </a:prstGeom>
+          <a:noFill/>
+        </p:spPr>
+        <p:txBody>
+          <a:bodyPr wrap="square">
+            <a:spAutoFit/>
+          </a:bodyPr>
+          <a:lstStyle/>
+          <a:p>
+            <a:r>
+              <a:rPr lang="es-AR" sz="1800" dirty="0">
+                <a:solidFill>
+                  <a:srgbClr val="FF0000"/>
+                </a:solidFill>
+                <a:sym typeface="Wingdings" panose="05000000000000000000" pitchFamily="2" charset="2"/>
+              </a:rPr>
+              <a:t>fine </a:t>
+            </a:r>
+            <a:r>
+              <a:rPr lang="es-AR" sz="1800" dirty="0" err="1">
+                <a:solidFill>
+                  <a:srgbClr val="FF0000"/>
+                </a:solidFill>
+                <a:sym typeface="Wingdings" panose="05000000000000000000" pitchFamily="2" charset="2"/>
+              </a:rPr>
+              <a:t>tunning</a:t>
+            </a:r>
+            <a:r>
+              <a:rPr lang="es-AR" sz="1800" dirty="0">
+                <a:solidFill>
+                  <a:srgbClr val="FF0000"/>
+                </a:solidFill>
+                <a:sym typeface="Wingdings" panose="05000000000000000000" pitchFamily="2" charset="2"/>
+              </a:rPr>
+              <a:t> (</a:t>
+            </a:r>
+            <a:r>
+              <a:rPr lang="es-AR" sz="1800" dirty="0" err="1">
+                <a:solidFill>
+                  <a:srgbClr val="FF0000"/>
+                </a:solidFill>
+                <a:sym typeface="Wingdings" panose="05000000000000000000" pitchFamily="2" charset="2"/>
+              </a:rPr>
+              <a:t>from</a:t>
+            </a:r>
+            <a:r>
+              <a:rPr lang="es-AR" sz="1800" dirty="0">
+                <a:solidFill>
+                  <a:srgbClr val="FF0000"/>
+                </a:solidFill>
+                <a:sym typeface="Wingdings" panose="05000000000000000000" pitchFamily="2" charset="2"/>
+              </a:rPr>
+              <a:t> </a:t>
+            </a:r>
+            <a:r>
+              <a:rPr lang="es-AR" sz="1800" dirty="0" err="1">
+                <a:solidFill>
+                  <a:srgbClr val="FF0000"/>
+                </a:solidFill>
+                <a:sym typeface="Wingdings" panose="05000000000000000000" pitchFamily="2" charset="2"/>
+              </a:rPr>
+              <a:t>pre-trained</a:t>
+            </a:r>
+            <a:r>
+              <a:rPr lang="es-AR" sz="1800" dirty="0">
+                <a:solidFill>
+                  <a:srgbClr val="FF0000"/>
+                </a:solidFill>
+                <a:sym typeface="Wingdings" panose="05000000000000000000" pitchFamily="2" charset="2"/>
+              </a:rPr>
+              <a:t> </a:t>
+            </a:r>
+            <a:r>
+              <a:rPr lang="es-AR" sz="1800" dirty="0" err="1">
+                <a:solidFill>
+                  <a:srgbClr val="FF0000"/>
+                </a:solidFill>
+                <a:sym typeface="Wingdings" panose="05000000000000000000" pitchFamily="2" charset="2"/>
+              </a:rPr>
+              <a:t>models</a:t>
+            </a:r>
+            <a:r>
+              <a:rPr lang="es-AR" sz="1800" dirty="0">
+                <a:solidFill>
+                  <a:srgbClr val="FF0000"/>
+                </a:solidFill>
+                <a:sym typeface="Wingdings" panose="05000000000000000000" pitchFamily="2" charset="2"/>
+              </a:rPr>
+              <a:t>)</a:t>
+            </a:r>
+            <a:endParaRPr lang="es-AR" dirty="0">
+              <a:solidFill>
+                <a:srgbClr val="FF0000"/>
+              </a:solidFill>
+            </a:endParaRPr>
+          </a:p>
+        </p:txBody>
+      </p:sp>
+      <p:grpSp>
+        <p:nvGrpSpPr>
+          <p:cNvPr id="25" name="Grupo 24">
+            <a:extLst>
+              <a:ext uri="{FF2B5EF4-FFF2-40B4-BE49-F238E27FC236}">
+                <a16:creationId xmlns:a16="http://schemas.microsoft.com/office/drawing/2014/main" id="{D52FDF2A-438C-37A9-7060-FB2E1F25DF1D}"/>
+              </a:ext>
+            </a:extLst>
+          </p:cNvPr>
+          <p:cNvGrpSpPr/>
+          <p:nvPr/>
+        </p:nvGrpSpPr>
+        <p:grpSpPr>
+          <a:xfrm>
+            <a:off x="7617003" y="1008130"/>
+            <a:ext cx="3130163" cy="2532006"/>
+            <a:chOff x="989692" y="2516687"/>
+            <a:chExt cx="4698135" cy="4095829"/>
+          </a:xfrm>
+        </p:grpSpPr>
+        <p:pic>
+          <p:nvPicPr>
+            <p:cNvPr id="22" name="Picture 1">
+              <a:extLst>
+                <a:ext uri="{FF2B5EF4-FFF2-40B4-BE49-F238E27FC236}">
+                  <a16:creationId xmlns:a16="http://schemas.microsoft.com/office/drawing/2014/main" id="{E8D21AA1-915D-899A-6121-C43BFEA2208B}"/>
+                </a:ext>
+              </a:extLst>
+            </p:cNvPr>
+            <p:cNvPicPr>
+              <a:picLocks noChangeAspect="1"/>
+            </p:cNvPicPr>
+            <p:nvPr/>
+          </p:nvPicPr>
+          <p:blipFill>
+            <a:blip r:embed="rId2" cstate="print">
+              <a:extLst>
+                <a:ext uri="{28A0092B-C50C-407E-A947-70E740481C1C}">
+                  <a14:useLocalDpi xmlns:a14="http://schemas.microsoft.com/office/drawing/2010/main" val="0"/>
+                </a:ext>
+              </a:extLst>
+            </a:blip>
+            <a:stretch>
+              <a:fillRect/>
+            </a:stretch>
+          </p:blipFill>
+          <p:spPr>
+            <a:xfrm>
+              <a:off x="989692" y="2516687"/>
+              <a:ext cx="4698135" cy="3107773"/>
+            </a:xfrm>
+            <a:prstGeom prst="rect">
+              <a:avLst/>
+            </a:prstGeom>
+          </p:spPr>
+        </p:pic>
+        <p:sp>
+          <p:nvSpPr>
+            <p:cNvPr id="23" name="Abrir llave 22">
+              <a:extLst>
+                <a:ext uri="{FF2B5EF4-FFF2-40B4-BE49-F238E27FC236}">
+                  <a16:creationId xmlns:a16="http://schemas.microsoft.com/office/drawing/2014/main" id="{DC039523-941B-5322-DBB4-73B26FEC1732}"/>
+                </a:ext>
+              </a:extLst>
+            </p:cNvPr>
+            <p:cNvSpPr/>
+            <p:nvPr/>
+          </p:nvSpPr>
+          <p:spPr>
+            <a:xfrm rot="16200000">
+              <a:off x="3115799" y="4850874"/>
+              <a:ext cx="466924" cy="1861478"/>
+            </a:xfrm>
+            <a:prstGeom prst="leftBrace">
+              <a:avLst/>
+            </a:prstGeom>
+            <a:ln>
+              <a:solidFill>
+                <a:srgbClr val="FF0000"/>
+              </a:solidFill>
+            </a:ln>
+          </p:spPr>
+          <p:style>
+            <a:lnRef idx="3">
+              <a:schemeClr val="accent3"/>
+            </a:lnRef>
+            <a:fillRef idx="0">
+              <a:schemeClr val="accent3"/>
+            </a:fillRef>
+            <a:effectRef idx="2">
+              <a:schemeClr val="accent3"/>
+            </a:effectRef>
+            <a:fontRef idx="minor">
+              <a:schemeClr val="tx1"/>
+            </a:fontRef>
+          </p:style>
+          <p:txBody>
+            <a:bodyPr rtlCol="0" anchor="ctr"/>
+            <a:lstStyle/>
+            <a:p>
+              <a:pPr algn="ctr"/>
+              <a:endParaRPr lang="es-AR"/>
+            </a:p>
+          </p:txBody>
+        </p:sp>
+        <p:sp>
+          <p:nvSpPr>
+            <p:cNvPr id="24" name="CuadroTexto 23">
+              <a:extLst>
+                <a:ext uri="{FF2B5EF4-FFF2-40B4-BE49-F238E27FC236}">
+                  <a16:creationId xmlns:a16="http://schemas.microsoft.com/office/drawing/2014/main" id="{6E2B53E6-3217-AD41-6EDD-C03F9659A0B2}"/>
+                </a:ext>
+              </a:extLst>
+            </p:cNvPr>
+            <p:cNvSpPr txBox="1"/>
+            <p:nvPr/>
+          </p:nvSpPr>
+          <p:spPr>
+            <a:xfrm>
+              <a:off x="2763762" y="6015076"/>
+              <a:ext cx="2095092" cy="597440"/>
+            </a:xfrm>
+            <a:prstGeom prst="rect">
+              <a:avLst/>
+            </a:prstGeom>
+            <a:noFill/>
+          </p:spPr>
+          <p:txBody>
+            <a:bodyPr wrap="square">
+              <a:spAutoFit/>
+            </a:bodyPr>
+            <a:lstStyle/>
+            <a:p>
+              <a:r>
+                <a:rPr lang="es-AR" dirty="0">
+                  <a:solidFill>
+                    <a:srgbClr val="FF0000"/>
+                  </a:solidFill>
+                </a:rPr>
+                <a:t>reentrenar</a:t>
+              </a:r>
+            </a:p>
+          </p:txBody>
+        </p:sp>
+      </p:grpSp>
+      <p:grpSp>
+        <p:nvGrpSpPr>
+          <p:cNvPr id="29" name="Grupo 28">
+            <a:extLst>
+              <a:ext uri="{FF2B5EF4-FFF2-40B4-BE49-F238E27FC236}">
+                <a16:creationId xmlns:a16="http://schemas.microsoft.com/office/drawing/2014/main" id="{384B1848-A929-1009-E6D8-9785B1B07B87}"/>
+              </a:ext>
+            </a:extLst>
+          </p:cNvPr>
+          <p:cNvGrpSpPr/>
+          <p:nvPr/>
+        </p:nvGrpSpPr>
+        <p:grpSpPr>
+          <a:xfrm>
+            <a:off x="1139447" y="1128223"/>
+            <a:ext cx="3093641" cy="2411912"/>
+            <a:chOff x="1139447" y="1128222"/>
+            <a:chExt cx="4698135" cy="4214431"/>
+          </a:xfrm>
+        </p:grpSpPr>
+        <p:pic>
+          <p:nvPicPr>
+            <p:cNvPr id="26" name="Picture 1">
+              <a:extLst>
+                <a:ext uri="{FF2B5EF4-FFF2-40B4-BE49-F238E27FC236}">
+                  <a16:creationId xmlns:a16="http://schemas.microsoft.com/office/drawing/2014/main" id="{771742FB-A9D8-D697-4538-6F1AF6BFE63B}"/>
+                </a:ext>
+              </a:extLst>
+            </p:cNvPr>
+            <p:cNvPicPr>
+              <a:picLocks noChangeAspect="1"/>
+            </p:cNvPicPr>
+            <p:nvPr/>
+          </p:nvPicPr>
+          <p:blipFill>
+            <a:blip r:embed="rId3" cstate="print">
+              <a:extLst>
+                <a:ext uri="{28A0092B-C50C-407E-A947-70E740481C1C}">
+                  <a14:useLocalDpi xmlns:a14="http://schemas.microsoft.com/office/drawing/2010/main" val="0"/>
+                </a:ext>
+              </a:extLst>
+            </a:blip>
+            <a:stretch>
+              <a:fillRect/>
+            </a:stretch>
+          </p:blipFill>
+          <p:spPr>
+            <a:xfrm>
+              <a:off x="1139447" y="1128222"/>
+              <a:ext cx="4698135" cy="3107773"/>
+            </a:xfrm>
+            <a:prstGeom prst="rect">
+              <a:avLst/>
+            </a:prstGeom>
+          </p:spPr>
+        </p:pic>
+        <p:sp>
+          <p:nvSpPr>
+            <p:cNvPr id="27" name="Abrir llave 26">
+              <a:extLst>
+                <a:ext uri="{FF2B5EF4-FFF2-40B4-BE49-F238E27FC236}">
+                  <a16:creationId xmlns:a16="http://schemas.microsoft.com/office/drawing/2014/main" id="{8CA25993-34E2-9A60-2763-1F875DE8F142}"/>
+                </a:ext>
+              </a:extLst>
+            </p:cNvPr>
+            <p:cNvSpPr/>
+            <p:nvPr/>
+          </p:nvSpPr>
+          <p:spPr>
+            <a:xfrm rot="16200000">
+              <a:off x="3866949" y="3979243"/>
+              <a:ext cx="466924" cy="827809"/>
+            </a:xfrm>
+            <a:prstGeom prst="leftBrace">
+              <a:avLst/>
+            </a:prstGeom>
+            <a:ln>
+              <a:solidFill>
+                <a:srgbClr val="FF0000"/>
+              </a:solidFill>
+            </a:ln>
+          </p:spPr>
+          <p:style>
+            <a:lnRef idx="3">
+              <a:schemeClr val="accent3"/>
+            </a:lnRef>
+            <a:fillRef idx="0">
+              <a:schemeClr val="accent3"/>
+            </a:fillRef>
+            <a:effectRef idx="2">
+              <a:schemeClr val="accent3"/>
+            </a:effectRef>
+            <a:fontRef idx="minor">
+              <a:schemeClr val="tx1"/>
+            </a:fontRef>
+          </p:style>
+          <p:txBody>
+            <a:bodyPr rtlCol="0" anchor="ctr"/>
+            <a:lstStyle/>
+            <a:p>
+              <a:pPr algn="ctr"/>
+              <a:endParaRPr lang="es-AR"/>
+            </a:p>
+          </p:txBody>
+        </p:sp>
+        <p:sp>
+          <p:nvSpPr>
+            <p:cNvPr id="28" name="CuadroTexto 27">
+              <a:extLst>
+                <a:ext uri="{FF2B5EF4-FFF2-40B4-BE49-F238E27FC236}">
+                  <a16:creationId xmlns:a16="http://schemas.microsoft.com/office/drawing/2014/main" id="{24249022-FA09-7788-9E2A-20CF32BC6F22}"/>
+                </a:ext>
+              </a:extLst>
+            </p:cNvPr>
+            <p:cNvSpPr txBox="1"/>
+            <p:nvPr/>
+          </p:nvSpPr>
+          <p:spPr>
+            <a:xfrm>
+              <a:off x="2916734" y="4626610"/>
+              <a:ext cx="2168460" cy="716043"/>
+            </a:xfrm>
+            <a:prstGeom prst="rect">
+              <a:avLst/>
+            </a:prstGeom>
+            <a:noFill/>
+          </p:spPr>
+          <p:txBody>
+            <a:bodyPr wrap="square">
+              <a:spAutoFit/>
+            </a:bodyPr>
+            <a:lstStyle/>
+            <a:p>
+              <a:r>
+                <a:rPr lang="es-AR" dirty="0">
+                  <a:solidFill>
+                    <a:srgbClr val="FF0000"/>
+                  </a:solidFill>
+                </a:rPr>
+                <a:t>reentrenar</a:t>
+              </a:r>
+            </a:p>
+          </p:txBody>
+        </p:sp>
+      </p:grpSp>
       <p:pic>
         <p:nvPicPr>
-          <p:cNvPr id="13" name="Picture 1">
+          <p:cNvPr id="31" name="Imagen 30">
             <a:extLst>
               <a:ext uri="{FF2B5EF4-FFF2-40B4-BE49-F238E27FC236}">
-                <a16:creationId xmlns:a16="http://schemas.microsoft.com/office/drawing/2014/main" id="{C9A2F921-87F9-F696-BC27-AD71E9B14985}"/>
+                <a16:creationId xmlns:a16="http://schemas.microsoft.com/office/drawing/2014/main" id="{CD46A953-1561-8618-5E56-CCF894E5D979}"/>
               </a:ext>
             </a:extLst>
           </p:cNvPr>
@@ -22829,7 +23182,7 @@
           <p:nvPr/>
         </p:nvPicPr>
         <p:blipFill>
-          <a:blip r:embed="rId2">
+          <a:blip r:embed="rId4">
             <a:extLst>
               <a:ext uri="{28A0092B-C50C-407E-A947-70E740481C1C}">
                 <a14:useLocalDpi xmlns:a14="http://schemas.microsoft.com/office/drawing/2010/main" val="0"/>
@@ -22842,44 +23195,8 @@
         </p:blipFill>
         <p:spPr>
           <a:xfrm>
-            <a:off x="989692" y="2516687"/>
-            <a:ext cx="4698135" cy="3107773"/>
-          </a:xfrm>
-          <a:prstGeom prst="rect">
-            <a:avLst/>
-          </a:prstGeom>
-        </p:spPr>
-      </p:pic>
-      <p:pic>
-        <p:nvPicPr>
-          <p:cNvPr id="15" name="Picture 1">
-            <a:extLst>
-              <a:ext uri="{FF2B5EF4-FFF2-40B4-BE49-F238E27FC236}">
-                <a16:creationId xmlns:a16="http://schemas.microsoft.com/office/drawing/2014/main" id="{264D80DE-3DD3-6902-30C6-7B7D7BCA6D7F}"/>
-              </a:ext>
-            </a:extLst>
-          </p:cNvPr>
-          <p:cNvPicPr>
-            <a:picLocks noChangeAspect="1"/>
-          </p:cNvPicPr>
-          <p:nvPr/>
-        </p:nvPicPr>
-        <p:blipFill>
-          <a:blip r:embed="rId2">
-            <a:extLst>
-              <a:ext uri="{28A0092B-C50C-407E-A947-70E740481C1C}">
-                <a14:useLocalDpi xmlns:a14="http://schemas.microsoft.com/office/drawing/2010/main" val="0"/>
-              </a:ext>
-            </a:extLst>
-          </a:blip>
-          <a:stretch>
-            <a:fillRect/>
-          </a:stretch>
-        </p:blipFill>
-        <p:spPr>
-          <a:xfrm>
-            <a:off x="6504175" y="2516687"/>
-            <a:ext cx="4698135" cy="3107773"/>
+            <a:off x="2079836" y="3934158"/>
+            <a:ext cx="3170737" cy="2096674"/>
           </a:xfrm>
           <a:prstGeom prst="rect">
             <a:avLst/>
@@ -22888,437 +23205,10 @@
       </p:pic>
       <p:sp>
         <p:nvSpPr>
-          <p:cNvPr id="16" name="Subtitle 1">
+          <p:cNvPr id="32" name="Abrir llave 31">
             <a:extLst>
               <a:ext uri="{FF2B5EF4-FFF2-40B4-BE49-F238E27FC236}">
-                <a16:creationId xmlns:a16="http://schemas.microsoft.com/office/drawing/2014/main" id="{AD0B28E0-D22E-F3BE-B975-F36DBFA0ECA1}"/>
-              </a:ext>
-            </a:extLst>
-          </p:cNvPr>
-          <p:cNvSpPr txBox="1">
-            <a:spLocks/>
-          </p:cNvSpPr>
-          <p:nvPr/>
-        </p:nvSpPr>
-        <p:spPr>
-          <a:xfrm>
-            <a:off x="2155339" y="1991560"/>
-            <a:ext cx="2366839" cy="525127"/>
-          </a:xfrm>
-          <a:prstGeom prst="rect">
-            <a:avLst/>
-          </a:prstGeom>
-        </p:spPr>
-        <p:txBody>
-          <a:bodyPr vert="horz" lIns="91440" tIns="45720" rIns="91440" bIns="45720" rtlCol="0">
-            <a:noAutofit/>
-          </a:bodyPr>
-          <a:lstStyle>
-            <a:lvl1pPr marL="0" indent="0" algn="ctr" defTabSz="914400" rtl="0" eaLnBrk="1" latinLnBrk="0" hangingPunct="1">
-              <a:lnSpc>
-                <a:spcPct val="90000"/>
-              </a:lnSpc>
-              <a:spcBef>
-                <a:spcPts val="1000"/>
-              </a:spcBef>
-              <a:buFont typeface="Arial" panose="020B0604020202020204" pitchFamily="34" charset="0"/>
-              <a:buNone/>
-              <a:defRPr sz="2400" kern="1200">
-                <a:solidFill>
-                  <a:schemeClr val="tx1"/>
-                </a:solidFill>
-                <a:latin typeface="+mn-lt"/>
-                <a:ea typeface="+mn-ea"/>
-                <a:cs typeface="+mn-cs"/>
-              </a:defRPr>
-            </a:lvl1pPr>
-            <a:lvl2pPr marL="457200" indent="0" algn="ctr" defTabSz="914400" rtl="0" eaLnBrk="1" latinLnBrk="0" hangingPunct="1">
-              <a:lnSpc>
-                <a:spcPct val="90000"/>
-              </a:lnSpc>
-              <a:spcBef>
-                <a:spcPts val="500"/>
-              </a:spcBef>
-              <a:buFont typeface="Arial" panose="020B0604020202020204" pitchFamily="34" charset="0"/>
-              <a:buNone/>
-              <a:defRPr sz="2000" kern="1200">
-                <a:solidFill>
-                  <a:schemeClr val="tx1"/>
-                </a:solidFill>
-                <a:latin typeface="+mn-lt"/>
-                <a:ea typeface="+mn-ea"/>
-                <a:cs typeface="+mn-cs"/>
-              </a:defRPr>
-            </a:lvl2pPr>
-            <a:lvl3pPr marL="914400" indent="0" algn="ctr" defTabSz="914400" rtl="0" eaLnBrk="1" latinLnBrk="0" hangingPunct="1">
-              <a:lnSpc>
-                <a:spcPct val="90000"/>
-              </a:lnSpc>
-              <a:spcBef>
-                <a:spcPts val="500"/>
-              </a:spcBef>
-              <a:buFont typeface="Arial" panose="020B0604020202020204" pitchFamily="34" charset="0"/>
-              <a:buNone/>
-              <a:defRPr sz="1800" kern="1200">
-                <a:solidFill>
-                  <a:schemeClr val="tx1"/>
-                </a:solidFill>
-                <a:latin typeface="+mn-lt"/>
-                <a:ea typeface="+mn-ea"/>
-                <a:cs typeface="+mn-cs"/>
-              </a:defRPr>
-            </a:lvl3pPr>
-            <a:lvl4pPr marL="1371600" indent="0" algn="ctr" defTabSz="914400" rtl="0" eaLnBrk="1" latinLnBrk="0" hangingPunct="1">
-              <a:lnSpc>
-                <a:spcPct val="90000"/>
-              </a:lnSpc>
-              <a:spcBef>
-                <a:spcPts val="500"/>
-              </a:spcBef>
-              <a:buFont typeface="Arial" panose="020B0604020202020204" pitchFamily="34" charset="0"/>
-              <a:buNone/>
-              <a:defRPr sz="1600" kern="1200">
-                <a:solidFill>
-                  <a:schemeClr val="tx1"/>
-                </a:solidFill>
-                <a:latin typeface="+mn-lt"/>
-                <a:ea typeface="+mn-ea"/>
-                <a:cs typeface="+mn-cs"/>
-              </a:defRPr>
-            </a:lvl4pPr>
-            <a:lvl5pPr marL="1828800" indent="0" algn="ctr" defTabSz="914400" rtl="0" eaLnBrk="1" latinLnBrk="0" hangingPunct="1">
-              <a:lnSpc>
-                <a:spcPct val="90000"/>
-              </a:lnSpc>
-              <a:spcBef>
-                <a:spcPts val="500"/>
-              </a:spcBef>
-              <a:buFont typeface="Arial" panose="020B0604020202020204" pitchFamily="34" charset="0"/>
-              <a:buNone/>
-              <a:defRPr sz="1600" kern="1200">
-                <a:solidFill>
-                  <a:schemeClr val="tx1"/>
-                </a:solidFill>
-                <a:latin typeface="+mn-lt"/>
-                <a:ea typeface="+mn-ea"/>
-                <a:cs typeface="+mn-cs"/>
-              </a:defRPr>
-            </a:lvl5pPr>
-            <a:lvl6pPr marL="2286000" indent="0" algn="ctr" defTabSz="914400" rtl="0" eaLnBrk="1" latinLnBrk="0" hangingPunct="1">
-              <a:lnSpc>
-                <a:spcPct val="90000"/>
-              </a:lnSpc>
-              <a:spcBef>
-                <a:spcPts val="500"/>
-              </a:spcBef>
-              <a:buFont typeface="Arial" panose="020B0604020202020204" pitchFamily="34" charset="0"/>
-              <a:buNone/>
-              <a:defRPr sz="1600" kern="1200">
-                <a:solidFill>
-                  <a:schemeClr val="tx1"/>
-                </a:solidFill>
-                <a:latin typeface="+mn-lt"/>
-                <a:ea typeface="+mn-ea"/>
-                <a:cs typeface="+mn-cs"/>
-              </a:defRPr>
-            </a:lvl6pPr>
-            <a:lvl7pPr marL="2743200" indent="0" algn="ctr" defTabSz="914400" rtl="0" eaLnBrk="1" latinLnBrk="0" hangingPunct="1">
-              <a:lnSpc>
-                <a:spcPct val="90000"/>
-              </a:lnSpc>
-              <a:spcBef>
-                <a:spcPts val="500"/>
-              </a:spcBef>
-              <a:buFont typeface="Arial" panose="020B0604020202020204" pitchFamily="34" charset="0"/>
-              <a:buNone/>
-              <a:defRPr sz="1600" kern="1200">
-                <a:solidFill>
-                  <a:schemeClr val="tx1"/>
-                </a:solidFill>
-                <a:latin typeface="+mn-lt"/>
-                <a:ea typeface="+mn-ea"/>
-                <a:cs typeface="+mn-cs"/>
-              </a:defRPr>
-            </a:lvl7pPr>
-            <a:lvl8pPr marL="3200400" indent="0" algn="ctr" defTabSz="914400" rtl="0" eaLnBrk="1" latinLnBrk="0" hangingPunct="1">
-              <a:lnSpc>
-                <a:spcPct val="90000"/>
-              </a:lnSpc>
-              <a:spcBef>
-                <a:spcPts val="500"/>
-              </a:spcBef>
-              <a:buFont typeface="Arial" panose="020B0604020202020204" pitchFamily="34" charset="0"/>
-              <a:buNone/>
-              <a:defRPr sz="1600" kern="1200">
-                <a:solidFill>
-                  <a:schemeClr val="tx1"/>
-                </a:solidFill>
-                <a:latin typeface="+mn-lt"/>
-                <a:ea typeface="+mn-ea"/>
-                <a:cs typeface="+mn-cs"/>
-              </a:defRPr>
-            </a:lvl8pPr>
-            <a:lvl9pPr marL="3657600" indent="0" algn="ctr" defTabSz="914400" rtl="0" eaLnBrk="1" latinLnBrk="0" hangingPunct="1">
-              <a:lnSpc>
-                <a:spcPct val="90000"/>
-              </a:lnSpc>
-              <a:spcBef>
-                <a:spcPts val="500"/>
-              </a:spcBef>
-              <a:buFont typeface="Arial" panose="020B0604020202020204" pitchFamily="34" charset="0"/>
-              <a:buNone/>
-              <a:defRPr sz="1600" kern="1200">
-                <a:solidFill>
-                  <a:schemeClr val="tx1"/>
-                </a:solidFill>
-                <a:latin typeface="+mn-lt"/>
-                <a:ea typeface="+mn-ea"/>
-                <a:cs typeface="+mn-cs"/>
-              </a:defRPr>
-            </a:lvl9pPr>
-          </a:lstStyle>
-          <a:p>
-            <a:r>
-              <a:rPr lang="es-AR" sz="2800" dirty="0">
-                <a:solidFill>
-                  <a:schemeClr val="bg1"/>
-                </a:solidFill>
-              </a:rPr>
-              <a:t>Fine </a:t>
-            </a:r>
-            <a:r>
-              <a:rPr lang="es-AR" sz="2800" dirty="0" err="1">
-                <a:solidFill>
-                  <a:schemeClr val="bg1"/>
-                </a:solidFill>
-              </a:rPr>
-              <a:t>tuning</a:t>
-            </a:r>
-            <a:endParaRPr lang="es-AR" sz="2800" dirty="0">
-              <a:solidFill>
-                <a:schemeClr val="bg1"/>
-              </a:solidFill>
-            </a:endParaRPr>
-          </a:p>
-        </p:txBody>
-      </p:sp>
-      <p:sp>
-        <p:nvSpPr>
-          <p:cNvPr id="17" name="Subtitle 1">
-            <a:extLst>
-              <a:ext uri="{FF2B5EF4-FFF2-40B4-BE49-F238E27FC236}">
-                <a16:creationId xmlns:a16="http://schemas.microsoft.com/office/drawing/2014/main" id="{6E44B1AE-5F03-28EE-5C2B-ABADEC460FE2}"/>
-              </a:ext>
-            </a:extLst>
-          </p:cNvPr>
-          <p:cNvSpPr txBox="1">
-            <a:spLocks/>
-          </p:cNvSpPr>
-          <p:nvPr/>
-        </p:nvSpPr>
-        <p:spPr>
-          <a:xfrm>
-            <a:off x="7481639" y="1991560"/>
-            <a:ext cx="2968284" cy="525127"/>
-          </a:xfrm>
-          <a:prstGeom prst="rect">
-            <a:avLst/>
-          </a:prstGeom>
-        </p:spPr>
-        <p:txBody>
-          <a:bodyPr vert="horz" lIns="91440" tIns="45720" rIns="91440" bIns="45720" rtlCol="0">
-            <a:noAutofit/>
-          </a:bodyPr>
-          <a:lstStyle>
-            <a:lvl1pPr marL="0" indent="0" algn="ctr" defTabSz="914400" rtl="0" eaLnBrk="1" latinLnBrk="0" hangingPunct="1">
-              <a:lnSpc>
-                <a:spcPct val="90000"/>
-              </a:lnSpc>
-              <a:spcBef>
-                <a:spcPts val="1000"/>
-              </a:spcBef>
-              <a:buFont typeface="Arial" panose="020B0604020202020204" pitchFamily="34" charset="0"/>
-              <a:buNone/>
-              <a:defRPr sz="2400" kern="1200">
-                <a:solidFill>
-                  <a:schemeClr val="tx1"/>
-                </a:solidFill>
-                <a:latin typeface="+mn-lt"/>
-                <a:ea typeface="+mn-ea"/>
-                <a:cs typeface="+mn-cs"/>
-              </a:defRPr>
-            </a:lvl1pPr>
-            <a:lvl2pPr marL="457200" indent="0" algn="ctr" defTabSz="914400" rtl="0" eaLnBrk="1" latinLnBrk="0" hangingPunct="1">
-              <a:lnSpc>
-                <a:spcPct val="90000"/>
-              </a:lnSpc>
-              <a:spcBef>
-                <a:spcPts val="500"/>
-              </a:spcBef>
-              <a:buFont typeface="Arial" panose="020B0604020202020204" pitchFamily="34" charset="0"/>
-              <a:buNone/>
-              <a:defRPr sz="2000" kern="1200">
-                <a:solidFill>
-                  <a:schemeClr val="tx1"/>
-                </a:solidFill>
-                <a:latin typeface="+mn-lt"/>
-                <a:ea typeface="+mn-ea"/>
-                <a:cs typeface="+mn-cs"/>
-              </a:defRPr>
-            </a:lvl2pPr>
-            <a:lvl3pPr marL="914400" indent="0" algn="ctr" defTabSz="914400" rtl="0" eaLnBrk="1" latinLnBrk="0" hangingPunct="1">
-              <a:lnSpc>
-                <a:spcPct val="90000"/>
-              </a:lnSpc>
-              <a:spcBef>
-                <a:spcPts val="500"/>
-              </a:spcBef>
-              <a:buFont typeface="Arial" panose="020B0604020202020204" pitchFamily="34" charset="0"/>
-              <a:buNone/>
-              <a:defRPr sz="1800" kern="1200">
-                <a:solidFill>
-                  <a:schemeClr val="tx1"/>
-                </a:solidFill>
-                <a:latin typeface="+mn-lt"/>
-                <a:ea typeface="+mn-ea"/>
-                <a:cs typeface="+mn-cs"/>
-              </a:defRPr>
-            </a:lvl3pPr>
-            <a:lvl4pPr marL="1371600" indent="0" algn="ctr" defTabSz="914400" rtl="0" eaLnBrk="1" latinLnBrk="0" hangingPunct="1">
-              <a:lnSpc>
-                <a:spcPct val="90000"/>
-              </a:lnSpc>
-              <a:spcBef>
-                <a:spcPts val="500"/>
-              </a:spcBef>
-              <a:buFont typeface="Arial" panose="020B0604020202020204" pitchFamily="34" charset="0"/>
-              <a:buNone/>
-              <a:defRPr sz="1600" kern="1200">
-                <a:solidFill>
-                  <a:schemeClr val="tx1"/>
-                </a:solidFill>
-                <a:latin typeface="+mn-lt"/>
-                <a:ea typeface="+mn-ea"/>
-                <a:cs typeface="+mn-cs"/>
-              </a:defRPr>
-            </a:lvl4pPr>
-            <a:lvl5pPr marL="1828800" indent="0" algn="ctr" defTabSz="914400" rtl="0" eaLnBrk="1" latinLnBrk="0" hangingPunct="1">
-              <a:lnSpc>
-                <a:spcPct val="90000"/>
-              </a:lnSpc>
-              <a:spcBef>
-                <a:spcPts val="500"/>
-              </a:spcBef>
-              <a:buFont typeface="Arial" panose="020B0604020202020204" pitchFamily="34" charset="0"/>
-              <a:buNone/>
-              <a:defRPr sz="1600" kern="1200">
-                <a:solidFill>
-                  <a:schemeClr val="tx1"/>
-                </a:solidFill>
-                <a:latin typeface="+mn-lt"/>
-                <a:ea typeface="+mn-ea"/>
-                <a:cs typeface="+mn-cs"/>
-              </a:defRPr>
-            </a:lvl5pPr>
-            <a:lvl6pPr marL="2286000" indent="0" algn="ctr" defTabSz="914400" rtl="0" eaLnBrk="1" latinLnBrk="0" hangingPunct="1">
-              <a:lnSpc>
-                <a:spcPct val="90000"/>
-              </a:lnSpc>
-              <a:spcBef>
-                <a:spcPts val="500"/>
-              </a:spcBef>
-              <a:buFont typeface="Arial" panose="020B0604020202020204" pitchFamily="34" charset="0"/>
-              <a:buNone/>
-              <a:defRPr sz="1600" kern="1200">
-                <a:solidFill>
-                  <a:schemeClr val="tx1"/>
-                </a:solidFill>
-                <a:latin typeface="+mn-lt"/>
-                <a:ea typeface="+mn-ea"/>
-                <a:cs typeface="+mn-cs"/>
-              </a:defRPr>
-            </a:lvl6pPr>
-            <a:lvl7pPr marL="2743200" indent="0" algn="ctr" defTabSz="914400" rtl="0" eaLnBrk="1" latinLnBrk="0" hangingPunct="1">
-              <a:lnSpc>
-                <a:spcPct val="90000"/>
-              </a:lnSpc>
-              <a:spcBef>
-                <a:spcPts val="500"/>
-              </a:spcBef>
-              <a:buFont typeface="Arial" panose="020B0604020202020204" pitchFamily="34" charset="0"/>
-              <a:buNone/>
-              <a:defRPr sz="1600" kern="1200">
-                <a:solidFill>
-                  <a:schemeClr val="tx1"/>
-                </a:solidFill>
-                <a:latin typeface="+mn-lt"/>
-                <a:ea typeface="+mn-ea"/>
-                <a:cs typeface="+mn-cs"/>
-              </a:defRPr>
-            </a:lvl7pPr>
-            <a:lvl8pPr marL="3200400" indent="0" algn="ctr" defTabSz="914400" rtl="0" eaLnBrk="1" latinLnBrk="0" hangingPunct="1">
-              <a:lnSpc>
-                <a:spcPct val="90000"/>
-              </a:lnSpc>
-              <a:spcBef>
-                <a:spcPts val="500"/>
-              </a:spcBef>
-              <a:buFont typeface="Arial" panose="020B0604020202020204" pitchFamily="34" charset="0"/>
-              <a:buNone/>
-              <a:defRPr sz="1600" kern="1200">
-                <a:solidFill>
-                  <a:schemeClr val="tx1"/>
-                </a:solidFill>
-                <a:latin typeface="+mn-lt"/>
-                <a:ea typeface="+mn-ea"/>
-                <a:cs typeface="+mn-cs"/>
-              </a:defRPr>
-            </a:lvl8pPr>
-            <a:lvl9pPr marL="3657600" indent="0" algn="ctr" defTabSz="914400" rtl="0" eaLnBrk="1" latinLnBrk="0" hangingPunct="1">
-              <a:lnSpc>
-                <a:spcPct val="90000"/>
-              </a:lnSpc>
-              <a:spcBef>
-                <a:spcPts val="500"/>
-              </a:spcBef>
-              <a:buFont typeface="Arial" panose="020B0604020202020204" pitchFamily="34" charset="0"/>
-              <a:buNone/>
-              <a:defRPr sz="1600" kern="1200">
-                <a:solidFill>
-                  <a:schemeClr val="tx1"/>
-                </a:solidFill>
-                <a:latin typeface="+mn-lt"/>
-                <a:ea typeface="+mn-ea"/>
-                <a:cs typeface="+mn-cs"/>
-              </a:defRPr>
-            </a:lvl9pPr>
-          </a:lstStyle>
-          <a:p>
-            <a:r>
-              <a:rPr lang="es-AR" sz="2800" dirty="0" err="1">
-                <a:solidFill>
-                  <a:schemeClr val="bg1"/>
-                </a:solidFill>
-              </a:rPr>
-              <a:t>Feature</a:t>
-            </a:r>
-            <a:r>
-              <a:rPr lang="es-AR" sz="2800" dirty="0">
-                <a:solidFill>
-                  <a:schemeClr val="bg1"/>
-                </a:solidFill>
-              </a:rPr>
-              <a:t> extractor</a:t>
-            </a:r>
-          </a:p>
-        </p:txBody>
-      </p:sp>
-      <p:sp>
-        <p:nvSpPr>
-          <p:cNvPr id="18" name="Abrir llave 17">
-            <a:extLst>
-              <a:ext uri="{FF2B5EF4-FFF2-40B4-BE49-F238E27FC236}">
-                <a16:creationId xmlns:a16="http://schemas.microsoft.com/office/drawing/2014/main" id="{E6AB87E9-25D4-491A-8C3E-94BD21E70872}"/>
+                <a16:creationId xmlns:a16="http://schemas.microsoft.com/office/drawing/2014/main" id="{6B9115E1-08DB-5990-8730-9030B27874B5}"/>
               </a:ext>
             </a:extLst>
           </p:cNvPr>
@@ -23327,8 +23217,8 @@
         </p:nvSpPr>
         <p:spPr>
           <a:xfrm rot="16200000">
-            <a:off x="3115799" y="4850874"/>
-            <a:ext cx="466924" cy="1861478"/>
+            <a:off x="3643162" y="5767534"/>
+            <a:ext cx="267220" cy="545098"/>
           </a:xfrm>
           <a:prstGeom prst="leftBrace">
             <a:avLst/>
@@ -23364,10 +23254,10 @@
       </p:sp>
       <p:sp>
         <p:nvSpPr>
-          <p:cNvPr id="20" name="CuadroTexto 19">
+          <p:cNvPr id="33" name="CuadroTexto 32">
             <a:extLst>
               <a:ext uri="{FF2B5EF4-FFF2-40B4-BE49-F238E27FC236}">
-                <a16:creationId xmlns:a16="http://schemas.microsoft.com/office/drawing/2014/main" id="{D36B6539-D238-981E-9681-58849C1CF412}"/>
+                <a16:creationId xmlns:a16="http://schemas.microsoft.com/office/drawing/2014/main" id="{6C8E394D-12A5-0177-516B-D96CCB3330D1}"/>
               </a:ext>
             </a:extLst>
           </p:cNvPr>
@@ -23376,8 +23266,8 @@
         </p:nvSpPr>
         <p:spPr>
           <a:xfrm>
-            <a:off x="2763763" y="6015075"/>
-            <a:ext cx="1758415" cy="461665"/>
+            <a:off x="2997341" y="6173693"/>
+            <a:ext cx="1427894" cy="409790"/>
           </a:xfrm>
           <a:prstGeom prst="rect">
             <a:avLst/>
@@ -23391,7 +23281,7 @@
           <a:lstStyle/>
           <a:p>
             <a:r>
-              <a:rPr lang="es-AR" sz="2400" dirty="0">
+              <a:rPr lang="es-AR" dirty="0">
                 <a:solidFill>
                   <a:srgbClr val="FF0000"/>
                 </a:solidFill>
@@ -23401,98 +23291,229 @@
           </a:p>
         </p:txBody>
       </p:sp>
-      <p:sp>
-        <p:nvSpPr>
-          <p:cNvPr id="21" name="Abrir llave 20">
+      <p:grpSp>
+        <p:nvGrpSpPr>
+          <p:cNvPr id="34" name="Grupo 33">
             <a:extLst>
               <a:ext uri="{FF2B5EF4-FFF2-40B4-BE49-F238E27FC236}">
-                <a16:creationId xmlns:a16="http://schemas.microsoft.com/office/drawing/2014/main" id="{E7BBE94A-759F-D4E2-7414-EB5CF7FFCA42}"/>
+                <a16:creationId xmlns:a16="http://schemas.microsoft.com/office/drawing/2014/main" id="{50EC2E31-2A2E-E2D9-8E84-E39DBF3135D8}"/>
               </a:ext>
             </a:extLst>
           </p:cNvPr>
-          <p:cNvSpPr/>
+          <p:cNvGrpSpPr/>
           <p:nvPr/>
-        </p:nvSpPr>
+        </p:nvGrpSpPr>
+        <p:grpSpPr>
+          <a:xfrm>
+            <a:off x="6215124" y="4001354"/>
+            <a:ext cx="3130163" cy="2532006"/>
+            <a:chOff x="989692" y="2516687"/>
+            <a:chExt cx="4698135" cy="4095829"/>
+          </a:xfrm>
+        </p:grpSpPr>
+        <p:pic>
+          <p:nvPicPr>
+            <p:cNvPr id="35" name="Picture 1">
+              <a:extLst>
+                <a:ext uri="{FF2B5EF4-FFF2-40B4-BE49-F238E27FC236}">
+                  <a16:creationId xmlns:a16="http://schemas.microsoft.com/office/drawing/2014/main" id="{07D7F926-21EF-D4A1-1719-B697983EDD9D}"/>
+                </a:ext>
+              </a:extLst>
+            </p:cNvPr>
+            <p:cNvPicPr>
+              <a:picLocks noChangeAspect="1"/>
+            </p:cNvPicPr>
+            <p:nvPr/>
+          </p:nvPicPr>
+          <p:blipFill>
+            <a:blip r:embed="rId2" cstate="print">
+              <a:extLst>
+                <a:ext uri="{28A0092B-C50C-407E-A947-70E740481C1C}">
+                  <a14:useLocalDpi xmlns:a14="http://schemas.microsoft.com/office/drawing/2010/main" val="0"/>
+                </a:ext>
+              </a:extLst>
+            </a:blip>
+            <a:stretch>
+              <a:fillRect/>
+            </a:stretch>
+          </p:blipFill>
+          <p:spPr>
+            <a:xfrm>
+              <a:off x="989692" y="2516687"/>
+              <a:ext cx="4698135" cy="3107773"/>
+            </a:xfrm>
+            <a:prstGeom prst="rect">
+              <a:avLst/>
+            </a:prstGeom>
+          </p:spPr>
+        </p:pic>
+        <p:sp>
+          <p:nvSpPr>
+            <p:cNvPr id="36" name="Abrir llave 35">
+              <a:extLst>
+                <a:ext uri="{FF2B5EF4-FFF2-40B4-BE49-F238E27FC236}">
+                  <a16:creationId xmlns:a16="http://schemas.microsoft.com/office/drawing/2014/main" id="{46F80C90-9CC8-14A9-77A3-F86B90B9C29F}"/>
+                </a:ext>
+              </a:extLst>
+            </p:cNvPr>
+            <p:cNvSpPr/>
+            <p:nvPr/>
+          </p:nvSpPr>
+          <p:spPr>
+            <a:xfrm rot="16200000">
+              <a:off x="3115799" y="4850874"/>
+              <a:ext cx="466924" cy="1861478"/>
+            </a:xfrm>
+            <a:prstGeom prst="leftBrace">
+              <a:avLst/>
+            </a:prstGeom>
+            <a:ln>
+              <a:solidFill>
+                <a:srgbClr val="FF0000"/>
+              </a:solidFill>
+            </a:ln>
+          </p:spPr>
+          <p:style>
+            <a:lnRef idx="3">
+              <a:schemeClr val="accent3"/>
+            </a:lnRef>
+            <a:fillRef idx="0">
+              <a:schemeClr val="accent3"/>
+            </a:fillRef>
+            <a:effectRef idx="2">
+              <a:schemeClr val="accent3"/>
+            </a:effectRef>
+            <a:fontRef idx="minor">
+              <a:schemeClr val="tx1"/>
+            </a:fontRef>
+          </p:style>
+          <p:txBody>
+            <a:bodyPr rtlCol="0" anchor="ctr"/>
+            <a:lstStyle/>
+            <a:p>
+              <a:pPr algn="ctr"/>
+              <a:endParaRPr lang="es-AR"/>
+            </a:p>
+          </p:txBody>
+        </p:sp>
+        <p:sp>
+          <p:nvSpPr>
+            <p:cNvPr id="37" name="CuadroTexto 36">
+              <a:extLst>
+                <a:ext uri="{FF2B5EF4-FFF2-40B4-BE49-F238E27FC236}">
+                  <a16:creationId xmlns:a16="http://schemas.microsoft.com/office/drawing/2014/main" id="{149CAEF8-DFA3-250B-CA28-0ACF027BA330}"/>
+                </a:ext>
+              </a:extLst>
+            </p:cNvPr>
+            <p:cNvSpPr txBox="1"/>
+            <p:nvPr/>
+          </p:nvSpPr>
+          <p:spPr>
+            <a:xfrm>
+              <a:off x="2763762" y="6015076"/>
+              <a:ext cx="2095092" cy="597440"/>
+            </a:xfrm>
+            <a:prstGeom prst="rect">
+              <a:avLst/>
+            </a:prstGeom>
+            <a:noFill/>
+          </p:spPr>
+          <p:txBody>
+            <a:bodyPr wrap="square">
+              <a:spAutoFit/>
+            </a:bodyPr>
+            <a:lstStyle/>
+            <a:p>
+              <a:r>
+                <a:rPr lang="es-AR" dirty="0">
+                  <a:solidFill>
+                    <a:srgbClr val="FF0000"/>
+                  </a:solidFill>
+                </a:rPr>
+                <a:t>reentrenar</a:t>
+              </a:r>
+            </a:p>
+          </p:txBody>
+        </p:sp>
+      </p:grpSp>
+      <p:pic>
+        <p:nvPicPr>
+          <p:cNvPr id="39" name="Imagen 38" descr="Imagen que contiene Gráfico de líneas&#10;&#10;Descripción generada automáticamente">
+            <a:extLst>
+              <a:ext uri="{FF2B5EF4-FFF2-40B4-BE49-F238E27FC236}">
+                <a16:creationId xmlns:a16="http://schemas.microsoft.com/office/drawing/2014/main" id="{CA4E3869-5994-DB70-6479-C3774F3DBEEE}"/>
+              </a:ext>
+            </a:extLst>
+          </p:cNvPr>
+          <p:cNvPicPr>
+            <a:picLocks noChangeAspect="1"/>
+          </p:cNvPicPr>
+          <p:nvPr/>
+        </p:nvPicPr>
+        <p:blipFill rotWithShape="1">
+          <a:blip r:embed="rId5">
+            <a:extLst>
+              <a:ext uri="{28A0092B-C50C-407E-A947-70E740481C1C}">
+                <a14:useLocalDpi xmlns:a14="http://schemas.microsoft.com/office/drawing/2010/main" val="0"/>
+              </a:ext>
+            </a:extLst>
+          </a:blip>
+          <a:srcRect l="21184" r="25224"/>
+          <a:stretch/>
+        </p:blipFill>
         <p:spPr>
-          <a:xfrm rot="16200000">
-            <a:off x="9231677" y="5367708"/>
-            <a:ext cx="466924" cy="827809"/>
+          <a:xfrm>
+            <a:off x="9800541" y="4266153"/>
+            <a:ext cx="2323923" cy="1526515"/>
           </a:xfrm>
-          <a:prstGeom prst="leftBrace">
+          <a:prstGeom prst="rect">
             <a:avLst/>
           </a:prstGeom>
-          <a:ln>
-            <a:solidFill>
-              <a:srgbClr val="FF0000"/>
-            </a:solidFill>
-          </a:ln>
+        </p:spPr>
+      </p:pic>
+      <p:cxnSp>
+        <p:nvCxnSpPr>
+          <p:cNvPr id="41" name="Conector recto 40">
+            <a:extLst>
+              <a:ext uri="{FF2B5EF4-FFF2-40B4-BE49-F238E27FC236}">
+                <a16:creationId xmlns:a16="http://schemas.microsoft.com/office/drawing/2014/main" id="{2305497B-CEE7-1195-8B1E-AB4A2C35B986}"/>
+              </a:ext>
+            </a:extLst>
+          </p:cNvPr>
+          <p:cNvCxnSpPr>
+            <a:cxnSpLocks/>
+          </p:cNvCxnSpPr>
+          <p:nvPr/>
+        </p:nvCxnSpPr>
+        <p:spPr>
+          <a:xfrm>
+            <a:off x="10455965" y="4810539"/>
+            <a:ext cx="0" cy="726622"/>
+          </a:xfrm>
+          <a:prstGeom prst="line">
+            <a:avLst/>
+          </a:prstGeom>
+          <a:ln w="28575"/>
         </p:spPr>
         <p:style>
-          <a:lnRef idx="3">
-            <a:schemeClr val="accent3"/>
+          <a:lnRef idx="1">
+            <a:schemeClr val="accent2"/>
           </a:lnRef>
           <a:fillRef idx="0">
-            <a:schemeClr val="accent3"/>
+            <a:schemeClr val="accent2"/>
           </a:fillRef>
-          <a:effectRef idx="2">
-            <a:schemeClr val="accent3"/>
+          <a:effectRef idx="0">
+            <a:schemeClr val="accent2"/>
           </a:effectRef>
           <a:fontRef idx="minor">
             <a:schemeClr val="tx1"/>
           </a:fontRef>
         </p:style>
-        <p:txBody>
-          <a:bodyPr rtlCol="0" anchor="ctr"/>
-          <a:lstStyle/>
-          <a:p>
-            <a:pPr algn="ctr"/>
-            <a:endParaRPr lang="es-AR"/>
-          </a:p>
-        </p:txBody>
-      </p:sp>
-      <p:sp>
-        <p:nvSpPr>
-          <p:cNvPr id="22" name="CuadroTexto 21">
-            <a:extLst>
-              <a:ext uri="{FF2B5EF4-FFF2-40B4-BE49-F238E27FC236}">
-                <a16:creationId xmlns:a16="http://schemas.microsoft.com/office/drawing/2014/main" id="{0F152222-1E01-75F9-8635-810DDAA0A9B0}"/>
-              </a:ext>
-            </a:extLst>
-          </p:cNvPr>
-          <p:cNvSpPr txBox="1"/>
-          <p:nvPr/>
-        </p:nvSpPr>
-        <p:spPr>
-          <a:xfrm>
-            <a:off x="8822805" y="6015075"/>
-            <a:ext cx="1627118" cy="461665"/>
-          </a:xfrm>
-          <a:prstGeom prst="rect">
-            <a:avLst/>
-          </a:prstGeom>
-          <a:noFill/>
-        </p:spPr>
-        <p:txBody>
-          <a:bodyPr wrap="square">
-            <a:spAutoFit/>
-          </a:bodyPr>
-          <a:lstStyle/>
-          <a:p>
-            <a:r>
-              <a:rPr lang="es-AR" sz="2400" dirty="0">
-                <a:solidFill>
-                  <a:srgbClr val="FF0000"/>
-                </a:solidFill>
-              </a:rPr>
-              <a:t>reentrenar</a:t>
-            </a:r>
-          </a:p>
-        </p:txBody>
-      </p:sp>
+      </p:cxnSp>
     </p:spTree>
     <p:extLst>
       <p:ext uri="{BB962C8B-B14F-4D97-AF65-F5344CB8AC3E}">
-        <p14:creationId xmlns:p14="http://schemas.microsoft.com/office/powerpoint/2010/main" val="3761876668"/>
+        <p14:creationId xmlns:p14="http://schemas.microsoft.com/office/powerpoint/2010/main" val="2528944947"/>
       </p:ext>
     </p:extLst>
   </p:cSld>
@@ -23743,13 +23764,7 @@
       </p:sp>
       <p:sp>
         <p:nvSpPr>
-          <p:cNvPr id="12" name="Subtitle 1">
-            <a:extLst>
-              <a:ext uri="{FF2B5EF4-FFF2-40B4-BE49-F238E27FC236}">
-                <a16:creationId xmlns:a16="http://schemas.microsoft.com/office/drawing/2014/main" id="{173875A2-756C-C285-A3FC-2C04FCABF78E}"/>
-              </a:ext>
-            </a:extLst>
-          </p:cNvPr>
+          <p:cNvPr id="5" name="Subtitle 1"/>
           <p:cNvSpPr txBox="1">
             <a:spLocks/>
           </p:cNvSpPr>
@@ -23757,8 +23772,8 @@
         </p:nvSpPr>
         <p:spPr>
           <a:xfrm>
-            <a:off x="390939" y="935691"/>
-            <a:ext cx="11410122" cy="5663892"/>
+            <a:off x="335003" y="852121"/>
+            <a:ext cx="11521994" cy="1092590"/>
           </a:xfrm>
           <a:prstGeom prst="rect">
             <a:avLst/>
@@ -23933,16 +23948,18 @@
             </a:lvl9pPr>
           </a:lstStyle>
           <a:p>
+            <a:pPr algn="l"/>
             <a:r>
               <a:rPr lang="es-AR" sz="2800" dirty="0">
                 <a:solidFill>
                   <a:schemeClr val="bg1"/>
                 </a:solidFill>
               </a:rPr>
-              <a:t>¿Qué estrategia usar?</a:t>
+              <a:t>Ventajas:</a:t>
             </a:r>
           </a:p>
           <a:p>
+            <a:pPr algn="l"/>
             <a:endParaRPr lang="es-AR" sz="2800" dirty="0">
               <a:solidFill>
                 <a:schemeClr val="bg1"/>
@@ -23950,298 +23967,189 @@
             </a:endParaRPr>
           </a:p>
           <a:p>
-            <a:pPr marL="457200" indent="-457200" algn="l">
-              <a:buFont typeface="Arial" panose="020B0604020202020204" pitchFamily="34" charset="0"/>
-              <a:buChar char="•"/>
-            </a:pPr>
-            <a:r>
-              <a:rPr lang="es-AR" sz="2800" dirty="0" err="1">
+            <a:pPr algn="l"/>
+            <a:r>
+              <a:rPr lang="es-AR" sz="2800" dirty="0">
                 <a:solidFill>
                   <a:schemeClr val="bg1"/>
                 </a:solidFill>
               </a:rPr>
-              <a:t>Dataset</a:t>
-            </a:r>
-            <a:r>
-              <a:rPr lang="es-AR" sz="2800" dirty="0">
+              <a:t>	</a:t>
+            </a:r>
+          </a:p>
+        </p:txBody>
+      </p:sp>
+      <p:pic>
+        <p:nvPicPr>
+          <p:cNvPr id="6" name="Picture 5"/>
+          <p:cNvPicPr>
+            <a:picLocks noChangeAspect="1"/>
+          </p:cNvPicPr>
+          <p:nvPr/>
+        </p:nvPicPr>
+        <p:blipFill>
+          <a:blip r:embed="rId2"/>
+          <a:stretch>
+            <a:fillRect/>
+          </a:stretch>
+        </p:blipFill>
+        <p:spPr>
+          <a:xfrm>
+            <a:off x="4405133" y="1721974"/>
+            <a:ext cx="7096122" cy="3444046"/>
+          </a:xfrm>
+          <a:prstGeom prst="rect">
+            <a:avLst/>
+          </a:prstGeom>
+        </p:spPr>
+      </p:pic>
+      <p:sp>
+        <p:nvSpPr>
+          <p:cNvPr id="7" name="Rectangle 6"/>
+          <p:cNvSpPr/>
+          <p:nvPr/>
+        </p:nvSpPr>
+        <p:spPr>
+          <a:xfrm>
+            <a:off x="335003" y="2196393"/>
+            <a:ext cx="4803667" cy="1938992"/>
+          </a:xfrm>
+          <a:prstGeom prst="rect">
+            <a:avLst/>
+          </a:prstGeom>
+        </p:spPr>
+        <p:txBody>
+          <a:bodyPr wrap="square">
+            <a:spAutoFit/>
+          </a:bodyPr>
+          <a:lstStyle/>
+          <a:p>
+            <a:r>
+              <a:rPr lang="es-AR" sz="2400" dirty="0">
                 <a:solidFill>
                   <a:schemeClr val="bg1"/>
                 </a:solidFill>
               </a:rPr>
-              <a:t> propio pequeño y semejante al original </a:t>
-            </a:r>
-            <a:r>
-              <a:rPr lang="es-AR" sz="2800" dirty="0">
-                <a:solidFill>
-                  <a:schemeClr val="bg1"/>
-                </a:solidFill>
-                <a:sym typeface="Wingdings" panose="05000000000000000000" pitchFamily="2" charset="2"/>
-              </a:rPr>
-              <a:t> </a:t>
-            </a:r>
-            <a:r>
-              <a:rPr lang="es-AR" sz="2800" dirty="0" err="1">
-                <a:solidFill>
-                  <a:schemeClr val="bg1"/>
-                </a:solidFill>
-                <a:sym typeface="Wingdings" panose="05000000000000000000" pitchFamily="2" charset="2"/>
-              </a:rPr>
-              <a:t>feature</a:t>
-            </a:r>
-            <a:r>
-              <a:rPr lang="es-AR" sz="2800" dirty="0">
-                <a:solidFill>
-                  <a:schemeClr val="bg1"/>
-                </a:solidFill>
-                <a:sym typeface="Wingdings" panose="05000000000000000000" pitchFamily="2" charset="2"/>
-              </a:rPr>
-              <a:t> extractor.</a:t>
+              <a:t>- pocos datos</a:t>
             </a:r>
           </a:p>
           <a:p>
-            <a:pPr marL="457200" indent="-457200" algn="l">
-              <a:buFont typeface="Arial" panose="020B0604020202020204" pitchFamily="34" charset="0"/>
-              <a:buChar char="•"/>
-            </a:pPr>
-            <a:endParaRPr lang="es-AR" sz="2800" dirty="0">
+            <a:r>
+              <a:rPr lang="es-AR" sz="2400" dirty="0">
+                <a:solidFill>
+                  <a:schemeClr val="bg1"/>
+                </a:solidFill>
+              </a:rPr>
+              <a:t>- </a:t>
+            </a:r>
+            <a:r>
+              <a:rPr lang="es-AR" sz="2400" dirty="0" err="1">
+                <a:solidFill>
+                  <a:schemeClr val="bg1"/>
+                </a:solidFill>
+              </a:rPr>
+              <a:t>pre-trained</a:t>
+            </a:r>
+            <a:r>
+              <a:rPr lang="es-AR" sz="2400" dirty="0">
+                <a:solidFill>
+                  <a:schemeClr val="bg1"/>
+                </a:solidFill>
+              </a:rPr>
+              <a:t> </a:t>
+            </a:r>
+            <a:r>
+              <a:rPr lang="es-AR" sz="2400" dirty="0" err="1">
+                <a:solidFill>
+                  <a:schemeClr val="bg1"/>
+                </a:solidFill>
+              </a:rPr>
+              <a:t>models</a:t>
+            </a:r>
+            <a:endParaRPr lang="es-AR" sz="2400" dirty="0">
               <a:solidFill>
                 <a:schemeClr val="bg1"/>
               </a:solidFill>
             </a:endParaRPr>
           </a:p>
           <a:p>
-            <a:pPr marL="457200" indent="-457200" algn="l">
-              <a:buFont typeface="Arial" panose="020B0604020202020204" pitchFamily="34" charset="0"/>
-              <a:buChar char="•"/>
-            </a:pPr>
-            <a:r>
-              <a:rPr lang="es-AR" sz="2800" dirty="0" err="1">
+            <a:r>
+              <a:rPr lang="es-AR" sz="2400" dirty="0">
                 <a:solidFill>
                   <a:schemeClr val="bg1"/>
                 </a:solidFill>
               </a:rPr>
-              <a:t>Dataset</a:t>
-            </a:r>
-            <a:r>
-              <a:rPr lang="es-AR" sz="2800" dirty="0">
+              <a:t>- </a:t>
+            </a:r>
+            <a:r>
+              <a:rPr lang="es-AR" sz="2400" dirty="0" err="1">
                 <a:solidFill>
                   <a:schemeClr val="bg1"/>
                 </a:solidFill>
               </a:rPr>
-              <a:t> propio grande y semejante al original </a:t>
-            </a:r>
-            <a:r>
-              <a:rPr lang="es-AR" sz="2800" dirty="0">
+              <a:t>pre-trained</a:t>
+            </a:r>
+            <a:r>
+              <a:rPr lang="es-AR" sz="2400" dirty="0">
                 <a:solidFill>
                   <a:schemeClr val="bg1"/>
                 </a:solidFill>
-                <a:sym typeface="Wingdings" panose="05000000000000000000" pitchFamily="2" charset="2"/>
-              </a:rPr>
-              <a:t> fine </a:t>
-            </a:r>
-            <a:r>
-              <a:rPr lang="es-AR" sz="2800" dirty="0" err="1">
-                <a:solidFill>
-                  <a:schemeClr val="bg1"/>
-                </a:solidFill>
-                <a:sym typeface="Wingdings" panose="05000000000000000000" pitchFamily="2" charset="2"/>
-              </a:rPr>
-              <a:t>tunning</a:t>
-            </a:r>
-            <a:r>
-              <a:rPr lang="es-AR" sz="2800" dirty="0">
-                <a:solidFill>
-                  <a:schemeClr val="bg1"/>
-                </a:solidFill>
-                <a:sym typeface="Wingdings" panose="05000000000000000000" pitchFamily="2" charset="2"/>
-              </a:rPr>
-              <a:t>.</a:t>
-            </a:r>
-          </a:p>
-          <a:p>
-            <a:pPr marL="457200" indent="-457200" algn="l">
-              <a:buFont typeface="Arial" panose="020B0604020202020204" pitchFamily="34" charset="0"/>
-              <a:buChar char="•"/>
-            </a:pPr>
-            <a:endParaRPr lang="es-AR" sz="2800" dirty="0">
-              <a:solidFill>
-                <a:schemeClr val="bg1"/>
-              </a:solidFill>
-              <a:sym typeface="Wingdings" panose="05000000000000000000" pitchFamily="2" charset="2"/>
-            </a:endParaRPr>
-          </a:p>
-          <a:p>
-            <a:pPr marL="457200" indent="-457200" algn="l">
-              <a:buFont typeface="Arial" panose="020B0604020202020204" pitchFamily="34" charset="0"/>
-              <a:buChar char="•"/>
-            </a:pPr>
-            <a:r>
-              <a:rPr lang="es-AR" sz="2800" dirty="0" err="1">
-                <a:solidFill>
-                  <a:schemeClr val="bg1"/>
-                </a:solidFill>
-                <a:sym typeface="Wingdings" panose="05000000000000000000" pitchFamily="2" charset="2"/>
-              </a:rPr>
-              <a:t>Dataset</a:t>
-            </a:r>
-            <a:r>
-              <a:rPr lang="es-AR" sz="2800" dirty="0">
-                <a:solidFill>
-                  <a:schemeClr val="bg1"/>
-                </a:solidFill>
-                <a:sym typeface="Wingdings" panose="05000000000000000000" pitchFamily="2" charset="2"/>
-              </a:rPr>
-              <a:t> propio pequeño y distinto al original  </a:t>
-            </a:r>
-            <a:r>
-              <a:rPr lang="es-AR" sz="2800" dirty="0" err="1">
-                <a:solidFill>
-                  <a:schemeClr val="bg1"/>
-                </a:solidFill>
-                <a:sym typeface="Wingdings" panose="05000000000000000000" pitchFamily="2" charset="2"/>
-              </a:rPr>
-              <a:t>feature</a:t>
-            </a:r>
-            <a:r>
-              <a:rPr lang="es-AR" sz="2800" dirty="0">
-                <a:solidFill>
-                  <a:schemeClr val="bg1"/>
-                </a:solidFill>
-                <a:sym typeface="Wingdings" panose="05000000000000000000" pitchFamily="2" charset="2"/>
-              </a:rPr>
-              <a:t> extractor desde menor profundidad.</a:t>
-            </a:r>
-          </a:p>
-          <a:p>
-            <a:pPr marL="457200" indent="-457200" algn="l">
-              <a:buFont typeface="Arial" panose="020B0604020202020204" pitchFamily="34" charset="0"/>
-              <a:buChar char="•"/>
-            </a:pPr>
-            <a:endParaRPr lang="es-AR" sz="2800" dirty="0">
-              <a:solidFill>
-                <a:schemeClr val="bg1"/>
-              </a:solidFill>
-              <a:sym typeface="Wingdings" panose="05000000000000000000" pitchFamily="2" charset="2"/>
-            </a:endParaRPr>
-          </a:p>
-          <a:p>
-            <a:pPr marL="457200" indent="-457200" algn="l">
-              <a:buFont typeface="Arial" panose="020B0604020202020204" pitchFamily="34" charset="0"/>
-              <a:buChar char="•"/>
-            </a:pPr>
-            <a:r>
-              <a:rPr lang="es-AR" sz="2800" dirty="0" err="1">
-                <a:solidFill>
-                  <a:schemeClr val="bg1"/>
-                </a:solidFill>
-                <a:sym typeface="Wingdings" panose="05000000000000000000" pitchFamily="2" charset="2"/>
-              </a:rPr>
-              <a:t>Dataset</a:t>
-            </a:r>
-            <a:r>
-              <a:rPr lang="es-AR" sz="2800" dirty="0">
-                <a:solidFill>
-                  <a:schemeClr val="bg1"/>
-                </a:solidFill>
-                <a:sym typeface="Wingdings" panose="05000000000000000000" pitchFamily="2" charset="2"/>
-              </a:rPr>
-              <a:t> propio grande y distinto al original  fine </a:t>
-            </a:r>
-            <a:r>
-              <a:rPr lang="es-AR" sz="2800" dirty="0" err="1">
-                <a:solidFill>
-                  <a:schemeClr val="bg1"/>
-                </a:solidFill>
-                <a:sym typeface="Wingdings" panose="05000000000000000000" pitchFamily="2" charset="2"/>
-              </a:rPr>
-              <a:t>tunning</a:t>
-            </a:r>
-            <a:r>
-              <a:rPr lang="es-AR" sz="2800" dirty="0">
-                <a:solidFill>
-                  <a:schemeClr val="bg1"/>
-                </a:solidFill>
-                <a:sym typeface="Wingdings" panose="05000000000000000000" pitchFamily="2" charset="2"/>
-              </a:rPr>
-              <a:t> (</a:t>
-            </a:r>
-            <a:r>
-              <a:rPr lang="es-AR" sz="2800" dirty="0" err="1">
-                <a:solidFill>
-                  <a:schemeClr val="bg1"/>
-                </a:solidFill>
-                <a:sym typeface="Wingdings" panose="05000000000000000000" pitchFamily="2" charset="2"/>
-              </a:rPr>
-              <a:t>from</a:t>
-            </a:r>
-            <a:r>
-              <a:rPr lang="es-AR" sz="2800" dirty="0">
-                <a:solidFill>
-                  <a:schemeClr val="bg1"/>
-                </a:solidFill>
-                <a:sym typeface="Wingdings" panose="05000000000000000000" pitchFamily="2" charset="2"/>
               </a:rPr>
               <a:t> </a:t>
             </a:r>
             <a:r>
-              <a:rPr lang="es-AR" sz="2800" dirty="0" err="1">
+              <a:rPr lang="es-AR" sz="2400" dirty="0" err="1">
                 <a:solidFill>
                   <a:schemeClr val="bg1"/>
                 </a:solidFill>
-                <a:sym typeface="Wingdings" panose="05000000000000000000" pitchFamily="2" charset="2"/>
               </a:rPr>
-              <a:t>pre-trained</a:t>
-            </a:r>
-            <a:r>
-              <a:rPr lang="es-AR" sz="2800" dirty="0">
-                <a:solidFill>
-                  <a:schemeClr val="bg1"/>
-                </a:solidFill>
-                <a:sym typeface="Wingdings" panose="05000000000000000000" pitchFamily="2" charset="2"/>
-              </a:rPr>
-              <a:t> </a:t>
-            </a:r>
-            <a:r>
-              <a:rPr lang="es-AR" sz="2800" dirty="0" err="1">
-                <a:solidFill>
-                  <a:schemeClr val="bg1"/>
-                </a:solidFill>
-                <a:sym typeface="Wingdings" panose="05000000000000000000" pitchFamily="2" charset="2"/>
-              </a:rPr>
-              <a:t>models</a:t>
-            </a:r>
-            <a:r>
-              <a:rPr lang="es-AR" sz="2800" dirty="0">
-                <a:solidFill>
-                  <a:schemeClr val="bg1"/>
-                </a:solidFill>
-                <a:sym typeface="Wingdings" panose="05000000000000000000" pitchFamily="2" charset="2"/>
-              </a:rPr>
-              <a:t>)</a:t>
-            </a:r>
-            <a:endParaRPr lang="es-AR" sz="2800" dirty="0">
+              <a:t>embeddings</a:t>
+            </a:r>
+            <a:endParaRPr lang="es-AR" sz="2400" dirty="0">
               <a:solidFill>
                 <a:schemeClr val="bg1"/>
               </a:solidFill>
             </a:endParaRPr>
           </a:p>
           <a:p>
-            <a:pPr marL="457200" indent="-457200" algn="l">
-              <a:buFont typeface="Arial" panose="020B0604020202020204" pitchFamily="34" charset="0"/>
-              <a:buChar char="•"/>
-            </a:pPr>
-            <a:endParaRPr lang="es-AR" sz="2800" dirty="0">
+            <a:r>
+              <a:rPr lang="es-AR" sz="2400" dirty="0">
+                <a:solidFill>
+                  <a:schemeClr val="bg1"/>
+                </a:solidFill>
+              </a:rPr>
+              <a:t>- </a:t>
+            </a:r>
+            <a:r>
+              <a:rPr lang="es-AR" sz="2400" dirty="0" err="1">
+                <a:solidFill>
+                  <a:schemeClr val="bg1"/>
+                </a:solidFill>
+              </a:rPr>
+              <a:t>Simulations</a:t>
+            </a:r>
+            <a:endParaRPr lang="es-AR" sz="2400" dirty="0">
               <a:solidFill>
                 <a:schemeClr val="bg1"/>
               </a:solidFill>
             </a:endParaRPr>
+          </a:p>
+          <a:p>
+            <a:r>
+              <a:rPr lang="es-AR" sz="2400" dirty="0">
+                <a:solidFill>
+                  <a:schemeClr val="bg1"/>
+                </a:solidFill>
+              </a:rPr>
+              <a:t>- Cambio de dominio</a:t>
+            </a:r>
           </a:p>
         </p:txBody>
       </p:sp>
     </p:spTree>
     <p:extLst>
       <p:ext uri="{BB962C8B-B14F-4D97-AF65-F5344CB8AC3E}">
-        <p14:creationId xmlns:p14="http://schemas.microsoft.com/office/powerpoint/2010/main" val="2958760871"/>
+        <p14:creationId xmlns:p14="http://schemas.microsoft.com/office/powerpoint/2010/main" val="2145966389"/>
       </p:ext>
     </p:extLst>
   </p:cSld>
@@ -24492,7 +24400,13 @@
       </p:sp>
       <p:sp>
         <p:nvSpPr>
-          <p:cNvPr id="5" name="Subtitle 1"/>
+          <p:cNvPr id="12" name="Subtitle 1">
+            <a:extLst>
+              <a:ext uri="{FF2B5EF4-FFF2-40B4-BE49-F238E27FC236}">
+                <a16:creationId xmlns:a16="http://schemas.microsoft.com/office/drawing/2014/main" id="{173875A2-756C-C285-A3FC-2C04FCABF78E}"/>
+              </a:ext>
+            </a:extLst>
+          </p:cNvPr>
           <p:cNvSpPr txBox="1">
             <a:spLocks/>
           </p:cNvSpPr>
@@ -24500,8 +24414,8 @@
         </p:nvSpPr>
         <p:spPr>
           <a:xfrm>
-            <a:off x="335003" y="852121"/>
-            <a:ext cx="11521994" cy="1092590"/>
+            <a:off x="151313" y="1052969"/>
+            <a:ext cx="2647776" cy="525127"/>
           </a:xfrm>
           <a:prstGeom prst="rect">
             <a:avLst/>
@@ -24676,101 +24590,23 @@
             </a:lvl9pPr>
           </a:lstStyle>
           <a:p>
-            <a:pPr algn="l"/>
             <a:r>
               <a:rPr lang="es-AR" sz="2800" dirty="0">
                 <a:solidFill>
-                  <a:schemeClr val="bg1"/>
+                  <a:srgbClr val="FF0000"/>
                 </a:solidFill>
               </a:rPr>
-              <a:t>Ventajas:</a:t>
-            </a:r>
-          </a:p>
-          <a:p>
-            <a:pPr algn="l"/>
+              <a:t>Ver </a:t>
+            </a:r>
+            <a:r>
+              <a:rPr lang="es-AR" sz="2800" dirty="0" err="1">
+                <a:solidFill>
+                  <a:srgbClr val="FF0000"/>
+                </a:solidFill>
+              </a:rPr>
+              <a:t>Colab</a:t>
+            </a:r>
             <a:endParaRPr lang="es-AR" sz="2800" dirty="0">
-              <a:solidFill>
-                <a:schemeClr val="bg1"/>
-              </a:solidFill>
-            </a:endParaRPr>
-          </a:p>
-          <a:p>
-            <a:pPr algn="l"/>
-            <a:r>
-              <a:rPr lang="es-AR" sz="2800" dirty="0">
-                <a:solidFill>
-                  <a:schemeClr val="bg1"/>
-                </a:solidFill>
-              </a:rPr>
-              <a:t>	</a:t>
-            </a:r>
-          </a:p>
-        </p:txBody>
-      </p:sp>
-      <p:sp>
-        <p:nvSpPr>
-          <p:cNvPr id="3" name="Rectangle 2"/>
-          <p:cNvSpPr/>
-          <p:nvPr/>
-        </p:nvSpPr>
-        <p:spPr>
-          <a:xfrm>
-            <a:off x="335003" y="5802123"/>
-            <a:ext cx="6096000" cy="830997"/>
-          </a:xfrm>
-          <a:prstGeom prst="rect">
-            <a:avLst/>
-          </a:prstGeom>
-        </p:spPr>
-        <p:txBody>
-          <a:bodyPr>
-            <a:spAutoFit/>
-          </a:bodyPr>
-          <a:lstStyle/>
-          <a:p>
-            <a:r>
-              <a:rPr lang="es-AR" sz="2400" dirty="0">
-                <a:solidFill>
-                  <a:schemeClr val="bg1"/>
-                </a:solidFill>
-              </a:rPr>
-              <a:t>Transfer </a:t>
-            </a:r>
-            <a:r>
-              <a:rPr lang="es-AR" sz="2400" dirty="0" err="1">
-                <a:solidFill>
-                  <a:schemeClr val="bg1"/>
-                </a:solidFill>
-              </a:rPr>
-              <a:t>learning</a:t>
-            </a:r>
-            <a:r>
-              <a:rPr lang="es-AR" sz="2400" dirty="0">
-                <a:solidFill>
-                  <a:schemeClr val="bg1"/>
-                </a:solidFill>
-              </a:rPr>
-              <a:t> básico:</a:t>
-            </a:r>
-          </a:p>
-          <a:p>
-            <a:r>
-              <a:rPr lang="es-AR" sz="2400" dirty="0">
-                <a:solidFill>
-                  <a:schemeClr val="bg1"/>
-                </a:solidFill>
-              </a:rPr>
-              <a:t>	- ver </a:t>
-            </a:r>
-            <a:r>
-              <a:rPr lang="es-AR" sz="2400" dirty="0" err="1">
-                <a:solidFill>
-                  <a:schemeClr val="bg1"/>
-                </a:solidFill>
-              </a:rPr>
-              <a:t>colab</a:t>
-            </a:r>
-            <a:endParaRPr lang="es-AR" sz="2400" dirty="0">
               <a:solidFill>
                 <a:schemeClr val="bg1"/>
               </a:solidFill>
@@ -24778,177 +24614,727 @@
           </a:p>
         </p:txBody>
       </p:sp>
-      <p:pic>
-        <p:nvPicPr>
-          <p:cNvPr id="6" name="Picture 5"/>
-          <p:cNvPicPr>
-            <a:picLocks noChangeAspect="1"/>
-          </p:cNvPicPr>
+      <p:grpSp>
+        <p:nvGrpSpPr>
+          <p:cNvPr id="2" name="Grupo 1">
+            <a:extLst>
+              <a:ext uri="{FF2B5EF4-FFF2-40B4-BE49-F238E27FC236}">
+                <a16:creationId xmlns:a16="http://schemas.microsoft.com/office/drawing/2014/main" id="{B84559D8-4EA6-E606-0916-F774AEFC21C2}"/>
+              </a:ext>
+            </a:extLst>
+          </p:cNvPr>
+          <p:cNvGrpSpPr/>
           <p:nvPr/>
-        </p:nvPicPr>
-        <p:blipFill>
-          <a:blip r:embed="rId2"/>
-          <a:stretch>
-            <a:fillRect/>
-          </a:stretch>
-        </p:blipFill>
-        <p:spPr>
+        </p:nvGrpSpPr>
+        <p:grpSpPr>
           <a:xfrm>
-            <a:off x="4405133" y="1721974"/>
-            <a:ext cx="7096122" cy="3444046"/>
+            <a:off x="6886910" y="2210977"/>
+            <a:ext cx="4698135" cy="4485180"/>
+            <a:chOff x="989692" y="1991560"/>
+            <a:chExt cx="4698135" cy="4485180"/>
           </a:xfrm>
-          <a:prstGeom prst="rect">
-            <a:avLst/>
-          </a:prstGeom>
-        </p:spPr>
-      </p:pic>
-      <p:sp>
-        <p:nvSpPr>
-          <p:cNvPr id="7" name="Rectangle 6"/>
-          <p:cNvSpPr/>
+        </p:grpSpPr>
+        <p:pic>
+          <p:nvPicPr>
+            <p:cNvPr id="13" name="Picture 1">
+              <a:extLst>
+                <a:ext uri="{FF2B5EF4-FFF2-40B4-BE49-F238E27FC236}">
+                  <a16:creationId xmlns:a16="http://schemas.microsoft.com/office/drawing/2014/main" id="{C9A2F921-87F9-F696-BC27-AD71E9B14985}"/>
+                </a:ext>
+              </a:extLst>
+            </p:cNvPr>
+            <p:cNvPicPr>
+              <a:picLocks noChangeAspect="1"/>
+            </p:cNvPicPr>
+            <p:nvPr/>
+          </p:nvPicPr>
+          <p:blipFill>
+            <a:blip r:embed="rId2">
+              <a:extLst>
+                <a:ext uri="{28A0092B-C50C-407E-A947-70E740481C1C}">
+                  <a14:useLocalDpi xmlns:a14="http://schemas.microsoft.com/office/drawing/2010/main" val="0"/>
+                </a:ext>
+              </a:extLst>
+            </a:blip>
+            <a:stretch>
+              <a:fillRect/>
+            </a:stretch>
+          </p:blipFill>
+          <p:spPr>
+            <a:xfrm>
+              <a:off x="989692" y="2516687"/>
+              <a:ext cx="4698135" cy="3107773"/>
+            </a:xfrm>
+            <a:prstGeom prst="rect">
+              <a:avLst/>
+            </a:prstGeom>
+          </p:spPr>
+        </p:pic>
+        <p:sp>
+          <p:nvSpPr>
+            <p:cNvPr id="16" name="Subtitle 1">
+              <a:extLst>
+                <a:ext uri="{FF2B5EF4-FFF2-40B4-BE49-F238E27FC236}">
+                  <a16:creationId xmlns:a16="http://schemas.microsoft.com/office/drawing/2014/main" id="{AD0B28E0-D22E-F3BE-B975-F36DBFA0ECA1}"/>
+                </a:ext>
+              </a:extLst>
+            </p:cNvPr>
+            <p:cNvSpPr txBox="1">
+              <a:spLocks/>
+            </p:cNvSpPr>
+            <p:nvPr/>
+          </p:nvSpPr>
+          <p:spPr>
+            <a:xfrm>
+              <a:off x="2155339" y="1991560"/>
+              <a:ext cx="2366839" cy="525127"/>
+            </a:xfrm>
+            <a:prstGeom prst="rect">
+              <a:avLst/>
+            </a:prstGeom>
+          </p:spPr>
+          <p:txBody>
+            <a:bodyPr vert="horz" lIns="91440" tIns="45720" rIns="91440" bIns="45720" rtlCol="0">
+              <a:noAutofit/>
+            </a:bodyPr>
+            <a:lstStyle>
+              <a:lvl1pPr marL="0" indent="0" algn="ctr" defTabSz="914400" rtl="0" eaLnBrk="1" latinLnBrk="0" hangingPunct="1">
+                <a:lnSpc>
+                  <a:spcPct val="90000"/>
+                </a:lnSpc>
+                <a:spcBef>
+                  <a:spcPts val="1000"/>
+                </a:spcBef>
+                <a:buFont typeface="Arial" panose="020B0604020202020204" pitchFamily="34" charset="0"/>
+                <a:buNone/>
+                <a:defRPr sz="2400" kern="1200">
+                  <a:solidFill>
+                    <a:schemeClr val="tx1"/>
+                  </a:solidFill>
+                  <a:latin typeface="+mn-lt"/>
+                  <a:ea typeface="+mn-ea"/>
+                  <a:cs typeface="+mn-cs"/>
+                </a:defRPr>
+              </a:lvl1pPr>
+              <a:lvl2pPr marL="457200" indent="0" algn="ctr" defTabSz="914400" rtl="0" eaLnBrk="1" latinLnBrk="0" hangingPunct="1">
+                <a:lnSpc>
+                  <a:spcPct val="90000"/>
+                </a:lnSpc>
+                <a:spcBef>
+                  <a:spcPts val="500"/>
+                </a:spcBef>
+                <a:buFont typeface="Arial" panose="020B0604020202020204" pitchFamily="34" charset="0"/>
+                <a:buNone/>
+                <a:defRPr sz="2000" kern="1200">
+                  <a:solidFill>
+                    <a:schemeClr val="tx1"/>
+                  </a:solidFill>
+                  <a:latin typeface="+mn-lt"/>
+                  <a:ea typeface="+mn-ea"/>
+                  <a:cs typeface="+mn-cs"/>
+                </a:defRPr>
+              </a:lvl2pPr>
+              <a:lvl3pPr marL="914400" indent="0" algn="ctr" defTabSz="914400" rtl="0" eaLnBrk="1" latinLnBrk="0" hangingPunct="1">
+                <a:lnSpc>
+                  <a:spcPct val="90000"/>
+                </a:lnSpc>
+                <a:spcBef>
+                  <a:spcPts val="500"/>
+                </a:spcBef>
+                <a:buFont typeface="Arial" panose="020B0604020202020204" pitchFamily="34" charset="0"/>
+                <a:buNone/>
+                <a:defRPr sz="1800" kern="1200">
+                  <a:solidFill>
+                    <a:schemeClr val="tx1"/>
+                  </a:solidFill>
+                  <a:latin typeface="+mn-lt"/>
+                  <a:ea typeface="+mn-ea"/>
+                  <a:cs typeface="+mn-cs"/>
+                </a:defRPr>
+              </a:lvl3pPr>
+              <a:lvl4pPr marL="1371600" indent="0" algn="ctr" defTabSz="914400" rtl="0" eaLnBrk="1" latinLnBrk="0" hangingPunct="1">
+                <a:lnSpc>
+                  <a:spcPct val="90000"/>
+                </a:lnSpc>
+                <a:spcBef>
+                  <a:spcPts val="500"/>
+                </a:spcBef>
+                <a:buFont typeface="Arial" panose="020B0604020202020204" pitchFamily="34" charset="0"/>
+                <a:buNone/>
+                <a:defRPr sz="1600" kern="1200">
+                  <a:solidFill>
+                    <a:schemeClr val="tx1"/>
+                  </a:solidFill>
+                  <a:latin typeface="+mn-lt"/>
+                  <a:ea typeface="+mn-ea"/>
+                  <a:cs typeface="+mn-cs"/>
+                </a:defRPr>
+              </a:lvl4pPr>
+              <a:lvl5pPr marL="1828800" indent="0" algn="ctr" defTabSz="914400" rtl="0" eaLnBrk="1" latinLnBrk="0" hangingPunct="1">
+                <a:lnSpc>
+                  <a:spcPct val="90000"/>
+                </a:lnSpc>
+                <a:spcBef>
+                  <a:spcPts val="500"/>
+                </a:spcBef>
+                <a:buFont typeface="Arial" panose="020B0604020202020204" pitchFamily="34" charset="0"/>
+                <a:buNone/>
+                <a:defRPr sz="1600" kern="1200">
+                  <a:solidFill>
+                    <a:schemeClr val="tx1"/>
+                  </a:solidFill>
+                  <a:latin typeface="+mn-lt"/>
+                  <a:ea typeface="+mn-ea"/>
+                  <a:cs typeface="+mn-cs"/>
+                </a:defRPr>
+              </a:lvl5pPr>
+              <a:lvl6pPr marL="2286000" indent="0" algn="ctr" defTabSz="914400" rtl="0" eaLnBrk="1" latinLnBrk="0" hangingPunct="1">
+                <a:lnSpc>
+                  <a:spcPct val="90000"/>
+                </a:lnSpc>
+                <a:spcBef>
+                  <a:spcPts val="500"/>
+                </a:spcBef>
+                <a:buFont typeface="Arial" panose="020B0604020202020204" pitchFamily="34" charset="0"/>
+                <a:buNone/>
+                <a:defRPr sz="1600" kern="1200">
+                  <a:solidFill>
+                    <a:schemeClr val="tx1"/>
+                  </a:solidFill>
+                  <a:latin typeface="+mn-lt"/>
+                  <a:ea typeface="+mn-ea"/>
+                  <a:cs typeface="+mn-cs"/>
+                </a:defRPr>
+              </a:lvl6pPr>
+              <a:lvl7pPr marL="2743200" indent="0" algn="ctr" defTabSz="914400" rtl="0" eaLnBrk="1" latinLnBrk="0" hangingPunct="1">
+                <a:lnSpc>
+                  <a:spcPct val="90000"/>
+                </a:lnSpc>
+                <a:spcBef>
+                  <a:spcPts val="500"/>
+                </a:spcBef>
+                <a:buFont typeface="Arial" panose="020B0604020202020204" pitchFamily="34" charset="0"/>
+                <a:buNone/>
+                <a:defRPr sz="1600" kern="1200">
+                  <a:solidFill>
+                    <a:schemeClr val="tx1"/>
+                  </a:solidFill>
+                  <a:latin typeface="+mn-lt"/>
+                  <a:ea typeface="+mn-ea"/>
+                  <a:cs typeface="+mn-cs"/>
+                </a:defRPr>
+              </a:lvl7pPr>
+              <a:lvl8pPr marL="3200400" indent="0" algn="ctr" defTabSz="914400" rtl="0" eaLnBrk="1" latinLnBrk="0" hangingPunct="1">
+                <a:lnSpc>
+                  <a:spcPct val="90000"/>
+                </a:lnSpc>
+                <a:spcBef>
+                  <a:spcPts val="500"/>
+                </a:spcBef>
+                <a:buFont typeface="Arial" panose="020B0604020202020204" pitchFamily="34" charset="0"/>
+                <a:buNone/>
+                <a:defRPr sz="1600" kern="1200">
+                  <a:solidFill>
+                    <a:schemeClr val="tx1"/>
+                  </a:solidFill>
+                  <a:latin typeface="+mn-lt"/>
+                  <a:ea typeface="+mn-ea"/>
+                  <a:cs typeface="+mn-cs"/>
+                </a:defRPr>
+              </a:lvl8pPr>
+              <a:lvl9pPr marL="3657600" indent="0" algn="ctr" defTabSz="914400" rtl="0" eaLnBrk="1" latinLnBrk="0" hangingPunct="1">
+                <a:lnSpc>
+                  <a:spcPct val="90000"/>
+                </a:lnSpc>
+                <a:spcBef>
+                  <a:spcPts val="500"/>
+                </a:spcBef>
+                <a:buFont typeface="Arial" panose="020B0604020202020204" pitchFamily="34" charset="0"/>
+                <a:buNone/>
+                <a:defRPr sz="1600" kern="1200">
+                  <a:solidFill>
+                    <a:schemeClr val="tx1"/>
+                  </a:solidFill>
+                  <a:latin typeface="+mn-lt"/>
+                  <a:ea typeface="+mn-ea"/>
+                  <a:cs typeface="+mn-cs"/>
+                </a:defRPr>
+              </a:lvl9pPr>
+            </a:lstStyle>
+            <a:p>
+              <a:r>
+                <a:rPr lang="es-AR" sz="2800" dirty="0">
+                  <a:solidFill>
+                    <a:schemeClr val="bg1"/>
+                  </a:solidFill>
+                </a:rPr>
+                <a:t>Fine </a:t>
+              </a:r>
+              <a:r>
+                <a:rPr lang="es-AR" sz="2800" dirty="0" err="1">
+                  <a:solidFill>
+                    <a:schemeClr val="bg1"/>
+                  </a:solidFill>
+                </a:rPr>
+                <a:t>tuning</a:t>
+              </a:r>
+              <a:endParaRPr lang="es-AR" sz="2800" dirty="0">
+                <a:solidFill>
+                  <a:schemeClr val="bg1"/>
+                </a:solidFill>
+              </a:endParaRPr>
+            </a:p>
+          </p:txBody>
+        </p:sp>
+        <p:sp>
+          <p:nvSpPr>
+            <p:cNvPr id="18" name="Abrir llave 17">
+              <a:extLst>
+                <a:ext uri="{FF2B5EF4-FFF2-40B4-BE49-F238E27FC236}">
+                  <a16:creationId xmlns:a16="http://schemas.microsoft.com/office/drawing/2014/main" id="{E6AB87E9-25D4-491A-8C3E-94BD21E70872}"/>
+                </a:ext>
+              </a:extLst>
+            </p:cNvPr>
+            <p:cNvSpPr/>
+            <p:nvPr/>
+          </p:nvSpPr>
+          <p:spPr>
+            <a:xfrm rot="16200000">
+              <a:off x="3115799" y="4850874"/>
+              <a:ext cx="466924" cy="1861478"/>
+            </a:xfrm>
+            <a:prstGeom prst="leftBrace">
+              <a:avLst/>
+            </a:prstGeom>
+            <a:ln>
+              <a:solidFill>
+                <a:srgbClr val="FF0000"/>
+              </a:solidFill>
+            </a:ln>
+          </p:spPr>
+          <p:style>
+            <a:lnRef idx="3">
+              <a:schemeClr val="accent3"/>
+            </a:lnRef>
+            <a:fillRef idx="0">
+              <a:schemeClr val="accent3"/>
+            </a:fillRef>
+            <a:effectRef idx="2">
+              <a:schemeClr val="accent3"/>
+            </a:effectRef>
+            <a:fontRef idx="minor">
+              <a:schemeClr val="tx1"/>
+            </a:fontRef>
+          </p:style>
+          <p:txBody>
+            <a:bodyPr rtlCol="0" anchor="ctr"/>
+            <a:lstStyle/>
+            <a:p>
+              <a:pPr algn="ctr"/>
+              <a:endParaRPr lang="es-AR"/>
+            </a:p>
+          </p:txBody>
+        </p:sp>
+        <p:sp>
+          <p:nvSpPr>
+            <p:cNvPr id="20" name="CuadroTexto 19">
+              <a:extLst>
+                <a:ext uri="{FF2B5EF4-FFF2-40B4-BE49-F238E27FC236}">
+                  <a16:creationId xmlns:a16="http://schemas.microsoft.com/office/drawing/2014/main" id="{D36B6539-D238-981E-9681-58849C1CF412}"/>
+                </a:ext>
+              </a:extLst>
+            </p:cNvPr>
+            <p:cNvSpPr txBox="1"/>
+            <p:nvPr/>
+          </p:nvSpPr>
+          <p:spPr>
+            <a:xfrm>
+              <a:off x="2763763" y="6015075"/>
+              <a:ext cx="1758415" cy="461665"/>
+            </a:xfrm>
+            <a:prstGeom prst="rect">
+              <a:avLst/>
+            </a:prstGeom>
+            <a:noFill/>
+          </p:spPr>
+          <p:txBody>
+            <a:bodyPr wrap="square">
+              <a:spAutoFit/>
+            </a:bodyPr>
+            <a:lstStyle/>
+            <a:p>
+              <a:r>
+                <a:rPr lang="es-AR" sz="2400" dirty="0">
+                  <a:solidFill>
+                    <a:srgbClr val="FF0000"/>
+                  </a:solidFill>
+                </a:rPr>
+                <a:t>reentrenar</a:t>
+              </a:r>
+            </a:p>
+          </p:txBody>
+        </p:sp>
+      </p:grpSp>
+      <p:grpSp>
+        <p:nvGrpSpPr>
+          <p:cNvPr id="3" name="Grupo 2">
+            <a:extLst>
+              <a:ext uri="{FF2B5EF4-FFF2-40B4-BE49-F238E27FC236}">
+                <a16:creationId xmlns:a16="http://schemas.microsoft.com/office/drawing/2014/main" id="{D9CDA50A-CE57-62FE-6E87-F8AC8BE4D97A}"/>
+              </a:ext>
+            </a:extLst>
+          </p:cNvPr>
+          <p:cNvGrpSpPr/>
           <p:nvPr/>
-        </p:nvSpPr>
-        <p:spPr>
+        </p:nvGrpSpPr>
+        <p:grpSpPr>
           <a:xfrm>
-            <a:off x="335003" y="2196393"/>
-            <a:ext cx="4803667" cy="1938992"/>
+            <a:off x="748402" y="2103223"/>
+            <a:ext cx="4698135" cy="4485180"/>
+            <a:chOff x="6504175" y="1991560"/>
+            <a:chExt cx="4698135" cy="4485180"/>
           </a:xfrm>
-          <a:prstGeom prst="rect">
-            <a:avLst/>
-          </a:prstGeom>
-        </p:spPr>
-        <p:txBody>
-          <a:bodyPr wrap="square">
-            <a:spAutoFit/>
-          </a:bodyPr>
-          <a:lstStyle/>
-          <a:p>
-            <a:r>
-              <a:rPr lang="es-AR" sz="2400" dirty="0">
-                <a:solidFill>
-                  <a:schemeClr val="bg1"/>
-                </a:solidFill>
-              </a:rPr>
-              <a:t>- pocos datos</a:t>
-            </a:r>
-          </a:p>
-          <a:p>
-            <a:r>
-              <a:rPr lang="es-AR" sz="2400" dirty="0">
-                <a:solidFill>
-                  <a:schemeClr val="bg1"/>
-                </a:solidFill>
-              </a:rPr>
-              <a:t>- </a:t>
-            </a:r>
-            <a:r>
-              <a:rPr lang="es-AR" sz="2400" dirty="0" err="1">
-                <a:solidFill>
-                  <a:schemeClr val="bg1"/>
-                </a:solidFill>
-              </a:rPr>
-              <a:t>pre-trained</a:t>
-            </a:r>
-            <a:r>
-              <a:rPr lang="es-AR" sz="2400" dirty="0">
-                <a:solidFill>
-                  <a:schemeClr val="bg1"/>
-                </a:solidFill>
-              </a:rPr>
-              <a:t> </a:t>
-            </a:r>
-            <a:r>
-              <a:rPr lang="es-AR" sz="2400" dirty="0" err="1">
-                <a:solidFill>
-                  <a:schemeClr val="bg1"/>
-                </a:solidFill>
-              </a:rPr>
-              <a:t>models</a:t>
-            </a:r>
-            <a:endParaRPr lang="es-AR" sz="2400" dirty="0">
+        </p:grpSpPr>
+        <p:pic>
+          <p:nvPicPr>
+            <p:cNvPr id="15" name="Picture 1">
+              <a:extLst>
+                <a:ext uri="{FF2B5EF4-FFF2-40B4-BE49-F238E27FC236}">
+                  <a16:creationId xmlns:a16="http://schemas.microsoft.com/office/drawing/2014/main" id="{264D80DE-3DD3-6902-30C6-7B7D7BCA6D7F}"/>
+                </a:ext>
+              </a:extLst>
+            </p:cNvPr>
+            <p:cNvPicPr>
+              <a:picLocks noChangeAspect="1"/>
+            </p:cNvPicPr>
+            <p:nvPr/>
+          </p:nvPicPr>
+          <p:blipFill>
+            <a:blip r:embed="rId2">
+              <a:extLst>
+                <a:ext uri="{28A0092B-C50C-407E-A947-70E740481C1C}">
+                  <a14:useLocalDpi xmlns:a14="http://schemas.microsoft.com/office/drawing/2010/main" val="0"/>
+                </a:ext>
+              </a:extLst>
+            </a:blip>
+            <a:stretch>
+              <a:fillRect/>
+            </a:stretch>
+          </p:blipFill>
+          <p:spPr>
+            <a:xfrm>
+              <a:off x="6504175" y="2516687"/>
+              <a:ext cx="4698135" cy="3107773"/>
+            </a:xfrm>
+            <a:prstGeom prst="rect">
+              <a:avLst/>
+            </a:prstGeom>
+          </p:spPr>
+        </p:pic>
+        <p:sp>
+          <p:nvSpPr>
+            <p:cNvPr id="17" name="Subtitle 1">
+              <a:extLst>
+                <a:ext uri="{FF2B5EF4-FFF2-40B4-BE49-F238E27FC236}">
+                  <a16:creationId xmlns:a16="http://schemas.microsoft.com/office/drawing/2014/main" id="{6E44B1AE-5F03-28EE-5C2B-ABADEC460FE2}"/>
+                </a:ext>
+              </a:extLst>
+            </p:cNvPr>
+            <p:cNvSpPr txBox="1">
+              <a:spLocks/>
+            </p:cNvSpPr>
+            <p:nvPr/>
+          </p:nvSpPr>
+          <p:spPr>
+            <a:xfrm>
+              <a:off x="7481639" y="1991560"/>
+              <a:ext cx="2968284" cy="525127"/>
+            </a:xfrm>
+            <a:prstGeom prst="rect">
+              <a:avLst/>
+            </a:prstGeom>
+          </p:spPr>
+          <p:txBody>
+            <a:bodyPr vert="horz" lIns="91440" tIns="45720" rIns="91440" bIns="45720" rtlCol="0">
+              <a:noAutofit/>
+            </a:bodyPr>
+            <a:lstStyle>
+              <a:lvl1pPr marL="0" indent="0" algn="ctr" defTabSz="914400" rtl="0" eaLnBrk="1" latinLnBrk="0" hangingPunct="1">
+                <a:lnSpc>
+                  <a:spcPct val="90000"/>
+                </a:lnSpc>
+                <a:spcBef>
+                  <a:spcPts val="1000"/>
+                </a:spcBef>
+                <a:buFont typeface="Arial" panose="020B0604020202020204" pitchFamily="34" charset="0"/>
+                <a:buNone/>
+                <a:defRPr sz="2400" kern="1200">
+                  <a:solidFill>
+                    <a:schemeClr val="tx1"/>
+                  </a:solidFill>
+                  <a:latin typeface="+mn-lt"/>
+                  <a:ea typeface="+mn-ea"/>
+                  <a:cs typeface="+mn-cs"/>
+                </a:defRPr>
+              </a:lvl1pPr>
+              <a:lvl2pPr marL="457200" indent="0" algn="ctr" defTabSz="914400" rtl="0" eaLnBrk="1" latinLnBrk="0" hangingPunct="1">
+                <a:lnSpc>
+                  <a:spcPct val="90000"/>
+                </a:lnSpc>
+                <a:spcBef>
+                  <a:spcPts val="500"/>
+                </a:spcBef>
+                <a:buFont typeface="Arial" panose="020B0604020202020204" pitchFamily="34" charset="0"/>
+                <a:buNone/>
+                <a:defRPr sz="2000" kern="1200">
+                  <a:solidFill>
+                    <a:schemeClr val="tx1"/>
+                  </a:solidFill>
+                  <a:latin typeface="+mn-lt"/>
+                  <a:ea typeface="+mn-ea"/>
+                  <a:cs typeface="+mn-cs"/>
+                </a:defRPr>
+              </a:lvl2pPr>
+              <a:lvl3pPr marL="914400" indent="0" algn="ctr" defTabSz="914400" rtl="0" eaLnBrk="1" latinLnBrk="0" hangingPunct="1">
+                <a:lnSpc>
+                  <a:spcPct val="90000"/>
+                </a:lnSpc>
+                <a:spcBef>
+                  <a:spcPts val="500"/>
+                </a:spcBef>
+                <a:buFont typeface="Arial" panose="020B0604020202020204" pitchFamily="34" charset="0"/>
+                <a:buNone/>
+                <a:defRPr sz="1800" kern="1200">
+                  <a:solidFill>
+                    <a:schemeClr val="tx1"/>
+                  </a:solidFill>
+                  <a:latin typeface="+mn-lt"/>
+                  <a:ea typeface="+mn-ea"/>
+                  <a:cs typeface="+mn-cs"/>
+                </a:defRPr>
+              </a:lvl3pPr>
+              <a:lvl4pPr marL="1371600" indent="0" algn="ctr" defTabSz="914400" rtl="0" eaLnBrk="1" latinLnBrk="0" hangingPunct="1">
+                <a:lnSpc>
+                  <a:spcPct val="90000"/>
+                </a:lnSpc>
+                <a:spcBef>
+                  <a:spcPts val="500"/>
+                </a:spcBef>
+                <a:buFont typeface="Arial" panose="020B0604020202020204" pitchFamily="34" charset="0"/>
+                <a:buNone/>
+                <a:defRPr sz="1600" kern="1200">
+                  <a:solidFill>
+                    <a:schemeClr val="tx1"/>
+                  </a:solidFill>
+                  <a:latin typeface="+mn-lt"/>
+                  <a:ea typeface="+mn-ea"/>
+                  <a:cs typeface="+mn-cs"/>
+                </a:defRPr>
+              </a:lvl4pPr>
+              <a:lvl5pPr marL="1828800" indent="0" algn="ctr" defTabSz="914400" rtl="0" eaLnBrk="1" latinLnBrk="0" hangingPunct="1">
+                <a:lnSpc>
+                  <a:spcPct val="90000"/>
+                </a:lnSpc>
+                <a:spcBef>
+                  <a:spcPts val="500"/>
+                </a:spcBef>
+                <a:buFont typeface="Arial" panose="020B0604020202020204" pitchFamily="34" charset="0"/>
+                <a:buNone/>
+                <a:defRPr sz="1600" kern="1200">
+                  <a:solidFill>
+                    <a:schemeClr val="tx1"/>
+                  </a:solidFill>
+                  <a:latin typeface="+mn-lt"/>
+                  <a:ea typeface="+mn-ea"/>
+                  <a:cs typeface="+mn-cs"/>
+                </a:defRPr>
+              </a:lvl5pPr>
+              <a:lvl6pPr marL="2286000" indent="0" algn="ctr" defTabSz="914400" rtl="0" eaLnBrk="1" latinLnBrk="0" hangingPunct="1">
+                <a:lnSpc>
+                  <a:spcPct val="90000"/>
+                </a:lnSpc>
+                <a:spcBef>
+                  <a:spcPts val="500"/>
+                </a:spcBef>
+                <a:buFont typeface="Arial" panose="020B0604020202020204" pitchFamily="34" charset="0"/>
+                <a:buNone/>
+                <a:defRPr sz="1600" kern="1200">
+                  <a:solidFill>
+                    <a:schemeClr val="tx1"/>
+                  </a:solidFill>
+                  <a:latin typeface="+mn-lt"/>
+                  <a:ea typeface="+mn-ea"/>
+                  <a:cs typeface="+mn-cs"/>
+                </a:defRPr>
+              </a:lvl6pPr>
+              <a:lvl7pPr marL="2743200" indent="0" algn="ctr" defTabSz="914400" rtl="0" eaLnBrk="1" latinLnBrk="0" hangingPunct="1">
+                <a:lnSpc>
+                  <a:spcPct val="90000"/>
+                </a:lnSpc>
+                <a:spcBef>
+                  <a:spcPts val="500"/>
+                </a:spcBef>
+                <a:buFont typeface="Arial" panose="020B0604020202020204" pitchFamily="34" charset="0"/>
+                <a:buNone/>
+                <a:defRPr sz="1600" kern="1200">
+                  <a:solidFill>
+                    <a:schemeClr val="tx1"/>
+                  </a:solidFill>
+                  <a:latin typeface="+mn-lt"/>
+                  <a:ea typeface="+mn-ea"/>
+                  <a:cs typeface="+mn-cs"/>
+                </a:defRPr>
+              </a:lvl7pPr>
+              <a:lvl8pPr marL="3200400" indent="0" algn="ctr" defTabSz="914400" rtl="0" eaLnBrk="1" latinLnBrk="0" hangingPunct="1">
+                <a:lnSpc>
+                  <a:spcPct val="90000"/>
+                </a:lnSpc>
+                <a:spcBef>
+                  <a:spcPts val="500"/>
+                </a:spcBef>
+                <a:buFont typeface="Arial" panose="020B0604020202020204" pitchFamily="34" charset="0"/>
+                <a:buNone/>
+                <a:defRPr sz="1600" kern="1200">
+                  <a:solidFill>
+                    <a:schemeClr val="tx1"/>
+                  </a:solidFill>
+                  <a:latin typeface="+mn-lt"/>
+                  <a:ea typeface="+mn-ea"/>
+                  <a:cs typeface="+mn-cs"/>
+                </a:defRPr>
+              </a:lvl8pPr>
+              <a:lvl9pPr marL="3657600" indent="0" algn="ctr" defTabSz="914400" rtl="0" eaLnBrk="1" latinLnBrk="0" hangingPunct="1">
+                <a:lnSpc>
+                  <a:spcPct val="90000"/>
+                </a:lnSpc>
+                <a:spcBef>
+                  <a:spcPts val="500"/>
+                </a:spcBef>
+                <a:buFont typeface="Arial" panose="020B0604020202020204" pitchFamily="34" charset="0"/>
+                <a:buNone/>
+                <a:defRPr sz="1600" kern="1200">
+                  <a:solidFill>
+                    <a:schemeClr val="tx1"/>
+                  </a:solidFill>
+                  <a:latin typeface="+mn-lt"/>
+                  <a:ea typeface="+mn-ea"/>
+                  <a:cs typeface="+mn-cs"/>
+                </a:defRPr>
+              </a:lvl9pPr>
+            </a:lstStyle>
+            <a:p>
+              <a:r>
+                <a:rPr lang="es-AR" sz="2800" dirty="0" err="1">
+                  <a:solidFill>
+                    <a:schemeClr val="bg1"/>
+                  </a:solidFill>
+                </a:rPr>
+                <a:t>Feature</a:t>
+              </a:r>
+              <a:r>
+                <a:rPr lang="es-AR" sz="2800" dirty="0">
+                  <a:solidFill>
+                    <a:schemeClr val="bg1"/>
+                  </a:solidFill>
+                </a:rPr>
+                <a:t> extractor</a:t>
+              </a:r>
+            </a:p>
+          </p:txBody>
+        </p:sp>
+        <p:sp>
+          <p:nvSpPr>
+            <p:cNvPr id="21" name="Abrir llave 20">
+              <a:extLst>
+                <a:ext uri="{FF2B5EF4-FFF2-40B4-BE49-F238E27FC236}">
+                  <a16:creationId xmlns:a16="http://schemas.microsoft.com/office/drawing/2014/main" id="{E7BBE94A-759F-D4E2-7414-EB5CF7FFCA42}"/>
+                </a:ext>
+              </a:extLst>
+            </p:cNvPr>
+            <p:cNvSpPr/>
+            <p:nvPr/>
+          </p:nvSpPr>
+          <p:spPr>
+            <a:xfrm rot="16200000">
+              <a:off x="9231677" y="5367708"/>
+              <a:ext cx="466924" cy="827809"/>
+            </a:xfrm>
+            <a:prstGeom prst="leftBrace">
+              <a:avLst/>
+            </a:prstGeom>
+            <a:ln>
               <a:solidFill>
-                <a:schemeClr val="bg1"/>
+                <a:srgbClr val="FF0000"/>
               </a:solidFill>
-            </a:endParaRPr>
-          </a:p>
-          <a:p>
-            <a:r>
-              <a:rPr lang="es-AR" sz="2400" dirty="0">
-                <a:solidFill>
-                  <a:schemeClr val="bg1"/>
-                </a:solidFill>
-              </a:rPr>
-              <a:t>- </a:t>
-            </a:r>
-            <a:r>
-              <a:rPr lang="es-AR" sz="2400" dirty="0" err="1">
-                <a:solidFill>
-                  <a:schemeClr val="bg1"/>
-                </a:solidFill>
-              </a:rPr>
-              <a:t>pre-trained</a:t>
-            </a:r>
-            <a:r>
-              <a:rPr lang="es-AR" sz="2400" dirty="0">
-                <a:solidFill>
-                  <a:schemeClr val="bg1"/>
-                </a:solidFill>
-              </a:rPr>
-              <a:t> </a:t>
-            </a:r>
-            <a:r>
-              <a:rPr lang="es-AR" sz="2400" dirty="0" err="1">
-                <a:solidFill>
-                  <a:schemeClr val="bg1"/>
-                </a:solidFill>
-              </a:rPr>
-              <a:t>embeddings</a:t>
-            </a:r>
-            <a:endParaRPr lang="es-AR" sz="2400" dirty="0">
-              <a:solidFill>
-                <a:schemeClr val="bg1"/>
-              </a:solidFill>
-            </a:endParaRPr>
-          </a:p>
-          <a:p>
-            <a:r>
-              <a:rPr lang="es-AR" sz="2400" dirty="0">
-                <a:solidFill>
-                  <a:schemeClr val="bg1"/>
-                </a:solidFill>
-              </a:rPr>
-              <a:t>- </a:t>
-            </a:r>
-            <a:r>
-              <a:rPr lang="es-AR" sz="2400" dirty="0" err="1">
-                <a:solidFill>
-                  <a:schemeClr val="bg1"/>
-                </a:solidFill>
-              </a:rPr>
-              <a:t>Simulations</a:t>
-            </a:r>
-            <a:endParaRPr lang="es-AR" sz="2400" dirty="0">
-              <a:solidFill>
-                <a:schemeClr val="bg1"/>
-              </a:solidFill>
-            </a:endParaRPr>
-          </a:p>
-          <a:p>
-            <a:r>
-              <a:rPr lang="es-AR" sz="2400" dirty="0">
-                <a:solidFill>
-                  <a:schemeClr val="bg1"/>
-                </a:solidFill>
-              </a:rPr>
-              <a:t>- Cambio de dominio</a:t>
-            </a:r>
-          </a:p>
-        </p:txBody>
-      </p:sp>
+            </a:ln>
+          </p:spPr>
+          <p:style>
+            <a:lnRef idx="3">
+              <a:schemeClr val="accent3"/>
+            </a:lnRef>
+            <a:fillRef idx="0">
+              <a:schemeClr val="accent3"/>
+            </a:fillRef>
+            <a:effectRef idx="2">
+              <a:schemeClr val="accent3"/>
+            </a:effectRef>
+            <a:fontRef idx="minor">
+              <a:schemeClr val="tx1"/>
+            </a:fontRef>
+          </p:style>
+          <p:txBody>
+            <a:bodyPr rtlCol="0" anchor="ctr"/>
+            <a:lstStyle/>
+            <a:p>
+              <a:pPr algn="ctr"/>
+              <a:endParaRPr lang="es-AR"/>
+            </a:p>
+          </p:txBody>
+        </p:sp>
+        <p:sp>
+          <p:nvSpPr>
+            <p:cNvPr id="22" name="CuadroTexto 21">
+              <a:extLst>
+                <a:ext uri="{FF2B5EF4-FFF2-40B4-BE49-F238E27FC236}">
+                  <a16:creationId xmlns:a16="http://schemas.microsoft.com/office/drawing/2014/main" id="{0F152222-1E01-75F9-8635-810DDAA0A9B0}"/>
+                </a:ext>
+              </a:extLst>
+            </p:cNvPr>
+            <p:cNvSpPr txBox="1"/>
+            <p:nvPr/>
+          </p:nvSpPr>
+          <p:spPr>
+            <a:xfrm>
+              <a:off x="8822805" y="6015075"/>
+              <a:ext cx="1627118" cy="461665"/>
+            </a:xfrm>
+            <a:prstGeom prst="rect">
+              <a:avLst/>
+            </a:prstGeom>
+            <a:noFill/>
+          </p:spPr>
+          <p:txBody>
+            <a:bodyPr wrap="square">
+              <a:spAutoFit/>
+            </a:bodyPr>
+            <a:lstStyle/>
+            <a:p>
+              <a:r>
+                <a:rPr lang="es-AR" sz="2400" dirty="0">
+                  <a:solidFill>
+                    <a:srgbClr val="FF0000"/>
+                  </a:solidFill>
+                </a:rPr>
+                <a:t>reentrenar</a:t>
+              </a:r>
+            </a:p>
+          </p:txBody>
+        </p:sp>
+      </p:grpSp>
     </p:spTree>
     <p:extLst>
       <p:ext uri="{BB962C8B-B14F-4D97-AF65-F5344CB8AC3E}">
-        <p14:creationId xmlns:p14="http://schemas.microsoft.com/office/powerpoint/2010/main" val="2145966389"/>
+        <p14:creationId xmlns:p14="http://schemas.microsoft.com/office/powerpoint/2010/main" val="3761876668"/>
       </p:ext>
     </p:extLst>
   </p:cSld>

--- a/clase_8/teoria/clase_8.pptx
+++ b/clase_8/teoria/clase_8.pptx
@@ -12,14 +12,15 @@
     <p:sldId id="361" r:id="rId6"/>
     <p:sldId id="354" r:id="rId7"/>
     <p:sldId id="358" r:id="rId8"/>
-    <p:sldId id="323" r:id="rId9"/>
-    <p:sldId id="332" r:id="rId10"/>
-    <p:sldId id="355" r:id="rId11"/>
-    <p:sldId id="350" r:id="rId12"/>
-    <p:sldId id="347" r:id="rId13"/>
-    <p:sldId id="351" r:id="rId14"/>
-    <p:sldId id="348" r:id="rId15"/>
-    <p:sldId id="349" r:id="rId16"/>
+    <p:sldId id="362" r:id="rId9"/>
+    <p:sldId id="323" r:id="rId10"/>
+    <p:sldId id="332" r:id="rId11"/>
+    <p:sldId id="355" r:id="rId12"/>
+    <p:sldId id="350" r:id="rId13"/>
+    <p:sldId id="347" r:id="rId14"/>
+    <p:sldId id="351" r:id="rId15"/>
+    <p:sldId id="348" r:id="rId16"/>
+    <p:sldId id="349" r:id="rId17"/>
   </p:sldIdLst>
   <p:sldSz cx="12192000" cy="6858000"/>
   <p:notesSz cx="6858000" cy="9144000"/>
@@ -129,7 +130,7 @@
 <file path=ppt/revisionInfo.xml><?xml version="1.0" encoding="utf-8"?>
 <p1510:revInfo xmlns:a="http://schemas.openxmlformats.org/drawingml/2006/main" xmlns:r="http://schemas.openxmlformats.org/officeDocument/2006/relationships" xmlns:p1510="http://schemas.microsoft.com/office/powerpoint/2015/10/main">
   <p1510:revLst>
-    <p1510:client id="{6305F822-064E-4220-B9C7-00DB7665D49D}" v="1" dt="2023-04-21T16:26:06.947"/>
+    <p1510:client id="{A4B5FBF0-88D8-43CB-AEB7-4453E11CEACE}" v="1" dt="2023-08-18T23:02:11.397"/>
   </p1510:revLst>
 </p1510:revInfo>
 </file>
@@ -539,6 +540,30 @@
           <pc:docMk/>
           <pc:sldMk cId="247673797" sldId="373"/>
         </pc:sldMkLst>
+      </pc:sldChg>
+    </pc:docChg>
+  </pc:docChgLst>
+  <pc:docChgLst>
+    <pc:chgData name="Marcos Maillot" userId="fa14b39d-e966-4ebb-a436-4f96f84b9577" providerId="ADAL" clId="{7011595B-F756-4AA4-8979-4594D887F2E6}"/>
+    <pc:docChg chg="modSld">
+      <pc:chgData name="Marcos Maillot" userId="fa14b39d-e966-4ebb-a436-4f96f84b9577" providerId="ADAL" clId="{7011595B-F756-4AA4-8979-4594D887F2E6}" dt="2022-10-13T23:51:53.653" v="2" actId="1076"/>
+      <pc:docMkLst>
+        <pc:docMk/>
+      </pc:docMkLst>
+      <pc:sldChg chg="modSp mod">
+        <pc:chgData name="Marcos Maillot" userId="fa14b39d-e966-4ebb-a436-4f96f84b9577" providerId="ADAL" clId="{7011595B-F756-4AA4-8979-4594D887F2E6}" dt="2022-10-13T23:51:53.653" v="2" actId="1076"/>
+        <pc:sldMkLst>
+          <pc:docMk/>
+          <pc:sldMk cId="1345289315" sldId="332"/>
+        </pc:sldMkLst>
+        <pc:picChg chg="mod">
+          <ac:chgData name="Marcos Maillot" userId="fa14b39d-e966-4ebb-a436-4f96f84b9577" providerId="ADAL" clId="{7011595B-F756-4AA4-8979-4594D887F2E6}" dt="2022-10-13T23:51:53.653" v="2" actId="1076"/>
+          <ac:picMkLst>
+            <pc:docMk/>
+            <pc:sldMk cId="1345289315" sldId="332"/>
+            <ac:picMk id="9" creationId="{3E8818A9-21A5-D270-0236-64EB72134CFF}"/>
+          </ac:picMkLst>
+        </pc:picChg>
       </pc:sldChg>
     </pc:docChg>
   </pc:docChgLst>
@@ -1002,26 +1027,114 @@
     </pc:docChg>
   </pc:docChgLst>
   <pc:docChgLst>
-    <pc:chgData name="Marcos Maillot" userId="fa14b39d-e966-4ebb-a436-4f96f84b9577" providerId="ADAL" clId="{7011595B-F756-4AA4-8979-4594D887F2E6}"/>
-    <pc:docChg chg="modSld">
-      <pc:chgData name="Marcos Maillot" userId="fa14b39d-e966-4ebb-a436-4f96f84b9577" providerId="ADAL" clId="{7011595B-F756-4AA4-8979-4594D887F2E6}" dt="2022-10-13T23:51:53.653" v="2" actId="1076"/>
+    <pc:chgData name="Marcos Maillot" userId="fa14b39d-e966-4ebb-a436-4f96f84b9577" providerId="ADAL" clId="{A4B5FBF0-88D8-43CB-AEB7-4453E11CEACE}"/>
+    <pc:docChg chg="custSel addSld modSld">
+      <pc:chgData name="Marcos Maillot" userId="fa14b39d-e966-4ebb-a436-4f96f84b9577" providerId="ADAL" clId="{A4B5FBF0-88D8-43CB-AEB7-4453E11CEACE}" dt="2023-08-18T23:03:11.694" v="24" actId="1076"/>
       <pc:docMkLst>
         <pc:docMk/>
       </pc:docMkLst>
-      <pc:sldChg chg="modSp mod">
-        <pc:chgData name="Marcos Maillot" userId="fa14b39d-e966-4ebb-a436-4f96f84b9577" providerId="ADAL" clId="{7011595B-F756-4AA4-8979-4594D887F2E6}" dt="2022-10-13T23:51:53.653" v="2" actId="1076"/>
+      <pc:sldChg chg="addSp delSp modSp add mod">
+        <pc:chgData name="Marcos Maillot" userId="fa14b39d-e966-4ebb-a436-4f96f84b9577" providerId="ADAL" clId="{A4B5FBF0-88D8-43CB-AEB7-4453E11CEACE}" dt="2023-08-18T23:03:11.694" v="24" actId="1076"/>
         <pc:sldMkLst>
           <pc:docMk/>
-          <pc:sldMk cId="1345289315" sldId="332"/>
+          <pc:sldMk cId="1900095533" sldId="362"/>
         </pc:sldMkLst>
+        <pc:spChg chg="add mod">
+          <ac:chgData name="Marcos Maillot" userId="fa14b39d-e966-4ebb-a436-4f96f84b9577" providerId="ADAL" clId="{A4B5FBF0-88D8-43CB-AEB7-4453E11CEACE}" dt="2023-08-18T23:03:02.255" v="18" actId="1076"/>
+          <ac:spMkLst>
+            <pc:docMk/>
+            <pc:sldMk cId="1900095533" sldId="362"/>
+            <ac:spMk id="6" creationId="{0D89458B-06A0-07DA-045D-F9FAE1B2DED5}"/>
+          </ac:spMkLst>
+        </pc:spChg>
+        <pc:spChg chg="add mod">
+          <ac:chgData name="Marcos Maillot" userId="fa14b39d-e966-4ebb-a436-4f96f84b9577" providerId="ADAL" clId="{A4B5FBF0-88D8-43CB-AEB7-4453E11CEACE}" dt="2023-08-18T23:03:11.694" v="24" actId="1076"/>
+          <ac:spMkLst>
+            <pc:docMk/>
+            <pc:sldMk cId="1900095533" sldId="362"/>
+            <ac:spMk id="8" creationId="{0D1A8245-FE45-D301-8C1C-AD588606ABAE}"/>
+          </ac:spMkLst>
+        </pc:spChg>
+        <pc:spChg chg="mod">
+          <ac:chgData name="Marcos Maillot" userId="fa14b39d-e966-4ebb-a436-4f96f84b9577" providerId="ADAL" clId="{A4B5FBF0-88D8-43CB-AEB7-4453E11CEACE}" dt="2023-08-18T23:02:42.015" v="11" actId="1076"/>
+          <ac:spMkLst>
+            <pc:docMk/>
+            <pc:sldMk cId="1900095533" sldId="362"/>
+            <ac:spMk id="9" creationId="{3CC4C91B-D1B6-4B85-0C60-474E765AA993}"/>
+          </ac:spMkLst>
+        </pc:spChg>
+        <pc:spChg chg="mod">
+          <ac:chgData name="Marcos Maillot" userId="fa14b39d-e966-4ebb-a436-4f96f84b9577" providerId="ADAL" clId="{A4B5FBF0-88D8-43CB-AEB7-4453E11CEACE}" dt="2023-08-18T23:02:45.567" v="13" actId="1076"/>
+          <ac:spMkLst>
+            <pc:docMk/>
+            <pc:sldMk cId="1900095533" sldId="362"/>
+            <ac:spMk id="10" creationId="{9241FF65-4241-DE52-6A64-75594F8D8931}"/>
+          </ac:spMkLst>
+        </pc:spChg>
+        <pc:spChg chg="mod">
+          <ac:chgData name="Marcos Maillot" userId="fa14b39d-e966-4ebb-a436-4f96f84b9577" providerId="ADAL" clId="{A4B5FBF0-88D8-43CB-AEB7-4453E11CEACE}" dt="2023-08-18T23:02:47.919" v="14" actId="1076"/>
+          <ac:spMkLst>
+            <pc:docMk/>
+            <pc:sldMk cId="1900095533" sldId="362"/>
+            <ac:spMk id="21" creationId="{E8F43549-4D83-6AA4-3046-86BFC31F5C71}"/>
+          </ac:spMkLst>
+        </pc:spChg>
+        <pc:grpChg chg="del">
+          <ac:chgData name="Marcos Maillot" userId="fa14b39d-e966-4ebb-a436-4f96f84b9577" providerId="ADAL" clId="{A4B5FBF0-88D8-43CB-AEB7-4453E11CEACE}" dt="2023-08-18T23:02:17.330" v="2" actId="478"/>
+          <ac:grpSpMkLst>
+            <pc:docMk/>
+            <pc:sldMk cId="1900095533" sldId="362"/>
+            <ac:grpSpMk id="25" creationId="{D52FDF2A-438C-37A9-7060-FB2E1F25DF1D}"/>
+          </ac:grpSpMkLst>
+        </pc:grpChg>
+        <pc:grpChg chg="del">
+          <ac:chgData name="Marcos Maillot" userId="fa14b39d-e966-4ebb-a436-4f96f84b9577" providerId="ADAL" clId="{A4B5FBF0-88D8-43CB-AEB7-4453E11CEACE}" dt="2023-08-18T23:02:15.694" v="1" actId="478"/>
+          <ac:grpSpMkLst>
+            <pc:docMk/>
+            <pc:sldMk cId="1900095533" sldId="362"/>
+            <ac:grpSpMk id="29" creationId="{384B1848-A929-1009-E6D8-9785B1B07B87}"/>
+          </ac:grpSpMkLst>
+        </pc:grpChg>
+        <pc:grpChg chg="del">
+          <ac:chgData name="Marcos Maillot" userId="fa14b39d-e966-4ebb-a436-4f96f84b9577" providerId="ADAL" clId="{A4B5FBF0-88D8-43CB-AEB7-4453E11CEACE}" dt="2023-08-18T23:02:18.120" v="3" actId="478"/>
+          <ac:grpSpMkLst>
+            <pc:docMk/>
+            <pc:sldMk cId="1900095533" sldId="362"/>
+            <ac:grpSpMk id="34" creationId="{50EC2E31-2A2E-E2D9-8E84-E39DBF3135D8}"/>
+          </ac:grpSpMkLst>
+        </pc:grpChg>
         <pc:picChg chg="mod">
-          <ac:chgData name="Marcos Maillot" userId="fa14b39d-e966-4ebb-a436-4f96f84b9577" providerId="ADAL" clId="{7011595B-F756-4AA4-8979-4594D887F2E6}" dt="2022-10-13T23:51:53.653" v="2" actId="1076"/>
+          <ac:chgData name="Marcos Maillot" userId="fa14b39d-e966-4ebb-a436-4f96f84b9577" providerId="ADAL" clId="{A4B5FBF0-88D8-43CB-AEB7-4453E11CEACE}" dt="2023-08-18T23:03:05.079" v="21" actId="1076"/>
           <ac:picMkLst>
             <pc:docMk/>
-            <pc:sldMk cId="1345289315" sldId="332"/>
-            <ac:picMk id="9" creationId="{3E8818A9-21A5-D270-0236-64EB72134CFF}"/>
+            <pc:sldMk cId="1900095533" sldId="362"/>
+            <ac:picMk id="31" creationId="{CD46A953-1561-8618-5E56-CCF894E5D979}"/>
           </ac:picMkLst>
         </pc:picChg>
+        <pc:picChg chg="del">
+          <ac:chgData name="Marcos Maillot" userId="fa14b39d-e966-4ebb-a436-4f96f84b9577" providerId="ADAL" clId="{A4B5FBF0-88D8-43CB-AEB7-4453E11CEACE}" dt="2023-08-18T23:02:44.035" v="12" actId="478"/>
+          <ac:picMkLst>
+            <pc:docMk/>
+            <pc:sldMk cId="1900095533" sldId="362"/>
+            <ac:picMk id="39" creationId="{CA4E3869-5994-DB70-6479-C3774F3DBEEE}"/>
+          </ac:picMkLst>
+        </pc:picChg>
+        <pc:cxnChg chg="mod">
+          <ac:chgData name="Marcos Maillot" userId="fa14b39d-e966-4ebb-a436-4f96f84b9577" providerId="ADAL" clId="{A4B5FBF0-88D8-43CB-AEB7-4453E11CEACE}" dt="2023-08-18T23:02:34.359" v="8" actId="1076"/>
+          <ac:cxnSpMkLst>
+            <pc:docMk/>
+            <pc:sldMk cId="1900095533" sldId="362"/>
+            <ac:cxnSpMk id="3" creationId="{5EBC6E99-81D6-E402-C1F3-2B06ADD13C83}"/>
+          </ac:cxnSpMkLst>
+        </pc:cxnChg>
+        <pc:cxnChg chg="mod">
+          <ac:chgData name="Marcos Maillot" userId="fa14b39d-e966-4ebb-a436-4f96f84b9577" providerId="ADAL" clId="{A4B5FBF0-88D8-43CB-AEB7-4453E11CEACE}" dt="2023-08-18T23:02:49.375" v="15" actId="1076"/>
+          <ac:cxnSpMkLst>
+            <pc:docMk/>
+            <pc:sldMk cId="1900095533" sldId="362"/>
+            <ac:cxnSpMk id="5" creationId="{79E2AA7B-0C05-90F6-2742-E9A887A241AB}"/>
+          </ac:cxnSpMkLst>
+        </pc:cxnChg>
       </pc:sldChg>
     </pc:docChg>
   </pc:docChgLst>
@@ -1567,7 +1680,7 @@
           <a:noFill/>
           <a:extLst>
             <a:ext uri="{909E8E84-426E-40dd-AFC4-6F175D3DCCD1}">
-              <a14:hiddenFill xmlns="" xmlns:a14="http://schemas.microsoft.com/office/drawing/2010/main">
+              <a14:hiddenFill xmlns:a14="http://schemas.microsoft.com/office/drawing/2010/main" xmlns="">
                 <a:solidFill>
                   <a:srgbClr val="FFFFFF"/>
                 </a:solidFill>
@@ -1627,7 +1740,7 @@
             </a:ln>
             <a:extLst>
               <a:ext uri="{91240B29-F687-4f45-9708-019B960494DF}">
-                <a14:hiddenLine xmlns="" xmlns:a14="http://schemas.microsoft.com/office/drawing/2010/main" w="9525">
+                <a14:hiddenLine xmlns:a14="http://schemas.microsoft.com/office/drawing/2010/main" xmlns="" w="9525">
                   <a:solidFill>
                     <a:srgbClr val="000000"/>
                   </a:solidFill>
@@ -1717,7 +1830,7 @@
             </a:ln>
             <a:extLst>
               <a:ext uri="{91240B29-F687-4f45-9708-019B960494DF}">
-                <a14:hiddenLine xmlns="" xmlns:a14="http://schemas.microsoft.com/office/drawing/2010/main" w="9525">
+                <a14:hiddenLine xmlns:a14="http://schemas.microsoft.com/office/drawing/2010/main" xmlns="" w="9525">
                   <a:solidFill>
                     <a:srgbClr val="000000"/>
                   </a:solidFill>
@@ -1807,7 +1920,7 @@
             </a:ln>
             <a:extLst>
               <a:ext uri="{91240B29-F687-4f45-9708-019B960494DF}">
-                <a14:hiddenLine xmlns="" xmlns:a14="http://schemas.microsoft.com/office/drawing/2010/main" w="9525">
+                <a14:hiddenLine xmlns:a14="http://schemas.microsoft.com/office/drawing/2010/main" xmlns="" w="9525">
                   <a:solidFill>
                     <a:srgbClr val="000000"/>
                   </a:solidFill>
@@ -1841,7 +1954,7 @@
             </a:ln>
             <a:extLst>
               <a:ext uri="{91240B29-F687-4f45-9708-019B960494DF}">
-                <a14:hiddenLine xmlns="" xmlns:a14="http://schemas.microsoft.com/office/drawing/2010/main" w="9525">
+                <a14:hiddenLine xmlns:a14="http://schemas.microsoft.com/office/drawing/2010/main" xmlns="" w="9525">
                   <a:solidFill>
                     <a:srgbClr val="000000"/>
                   </a:solidFill>
@@ -1931,7 +2044,7 @@
             </a:ln>
             <a:extLst>
               <a:ext uri="{91240B29-F687-4f45-9708-019B960494DF}">
-                <a14:hiddenLine xmlns="" xmlns:a14="http://schemas.microsoft.com/office/drawing/2010/main" w="9525">
+                <a14:hiddenLine xmlns:a14="http://schemas.microsoft.com/office/drawing/2010/main" xmlns="" w="9525">
                   <a:solidFill>
                     <a:srgbClr val="000000"/>
                   </a:solidFill>
@@ -1993,7 +2106,7 @@
             </a:ln>
             <a:extLst>
               <a:ext uri="{91240B29-F687-4f45-9708-019B960494DF}">
-                <a14:hiddenLine xmlns="" xmlns:a14="http://schemas.microsoft.com/office/drawing/2010/main" w="9525">
+                <a14:hiddenLine xmlns:a14="http://schemas.microsoft.com/office/drawing/2010/main" xmlns="" w="9525">
                   <a:solidFill>
                     <a:srgbClr val="000000"/>
                   </a:solidFill>
@@ -2055,7 +2168,7 @@
             </a:ln>
             <a:extLst>
               <a:ext uri="{91240B29-F687-4f45-9708-019B960494DF}">
-                <a14:hiddenLine xmlns="" xmlns:a14="http://schemas.microsoft.com/office/drawing/2010/main" w="9525">
+                <a14:hiddenLine xmlns:a14="http://schemas.microsoft.com/office/drawing/2010/main" xmlns="" w="9525">
                   <a:solidFill>
                     <a:srgbClr val="000000"/>
                   </a:solidFill>
@@ -2145,7 +2258,7 @@
             </a:ln>
             <a:extLst>
               <a:ext uri="{91240B29-F687-4f45-9708-019B960494DF}">
-                <a14:hiddenLine xmlns="" xmlns:a14="http://schemas.microsoft.com/office/drawing/2010/main" w="9525">
+                <a14:hiddenLine xmlns:a14="http://schemas.microsoft.com/office/drawing/2010/main" xmlns="" w="9525">
                   <a:solidFill>
                     <a:srgbClr val="000000"/>
                   </a:solidFill>
@@ -2207,7 +2320,7 @@
             </a:ln>
             <a:extLst>
               <a:ext uri="{91240B29-F687-4f45-9708-019B960494DF}">
-                <a14:hiddenLine xmlns="" xmlns:a14="http://schemas.microsoft.com/office/drawing/2010/main" w="9525">
+                <a14:hiddenLine xmlns:a14="http://schemas.microsoft.com/office/drawing/2010/main" xmlns="" w="9525">
                   <a:solidFill>
                     <a:srgbClr val="000000"/>
                   </a:solidFill>
@@ -2269,7 +2382,7 @@
             </a:ln>
             <a:extLst>
               <a:ext uri="{91240B29-F687-4f45-9708-019B960494DF}">
-                <a14:hiddenLine xmlns="" xmlns:a14="http://schemas.microsoft.com/office/drawing/2010/main" w="9525">
+                <a14:hiddenLine xmlns:a14="http://schemas.microsoft.com/office/drawing/2010/main" xmlns="" w="9525">
                   <a:solidFill>
                     <a:srgbClr val="000000"/>
                   </a:solidFill>
@@ -2359,7 +2472,7 @@
             </a:ln>
             <a:extLst>
               <a:ext uri="{91240B29-F687-4f45-9708-019B960494DF}">
-                <a14:hiddenLine xmlns="" xmlns:a14="http://schemas.microsoft.com/office/drawing/2010/main" w="9525">
+                <a14:hiddenLine xmlns:a14="http://schemas.microsoft.com/office/drawing/2010/main" xmlns="" w="9525">
                   <a:solidFill>
                     <a:srgbClr val="000000"/>
                   </a:solidFill>
@@ -2449,7 +2562,7 @@
             </a:ln>
             <a:extLst>
               <a:ext uri="{91240B29-F687-4f45-9708-019B960494DF}">
-                <a14:hiddenLine xmlns="" xmlns:a14="http://schemas.microsoft.com/office/drawing/2010/main" w="9525">
+                <a14:hiddenLine xmlns:a14="http://schemas.microsoft.com/office/drawing/2010/main" xmlns="" w="9525">
                   <a:solidFill>
                     <a:srgbClr val="000000"/>
                   </a:solidFill>
@@ -2511,7 +2624,7 @@
             </a:ln>
             <a:extLst>
               <a:ext uri="{91240B29-F687-4f45-9708-019B960494DF}">
-                <a14:hiddenLine xmlns="" xmlns:a14="http://schemas.microsoft.com/office/drawing/2010/main" w="9525">
+                <a14:hiddenLine xmlns:a14="http://schemas.microsoft.com/office/drawing/2010/main" xmlns="" w="9525">
                   <a:solidFill>
                     <a:srgbClr val="000000"/>
                   </a:solidFill>
@@ -2621,7 +2734,7 @@
             </a:ln>
             <a:extLst>
               <a:ext uri="{91240B29-F687-4f45-9708-019B960494DF}">
-                <a14:hiddenLine xmlns="" xmlns:a14="http://schemas.microsoft.com/office/drawing/2010/main" w="9525">
+                <a14:hiddenLine xmlns:a14="http://schemas.microsoft.com/office/drawing/2010/main" xmlns="" w="9525">
                   <a:solidFill>
                     <a:srgbClr val="000000"/>
                   </a:solidFill>
@@ -2683,7 +2796,7 @@
             </a:ln>
             <a:extLst>
               <a:ext uri="{91240B29-F687-4f45-9708-019B960494DF}">
-                <a14:hiddenLine xmlns="" xmlns:a14="http://schemas.microsoft.com/office/drawing/2010/main" w="9525">
+                <a14:hiddenLine xmlns:a14="http://schemas.microsoft.com/office/drawing/2010/main" xmlns="" w="9525">
                   <a:solidFill>
                     <a:srgbClr val="000000"/>
                   </a:solidFill>
@@ -2773,7 +2886,7 @@
             </a:ln>
             <a:extLst>
               <a:ext uri="{91240B29-F687-4f45-9708-019B960494DF}">
-                <a14:hiddenLine xmlns="" xmlns:a14="http://schemas.microsoft.com/office/drawing/2010/main" w="9525">
+                <a14:hiddenLine xmlns:a14="http://schemas.microsoft.com/office/drawing/2010/main" xmlns="" w="9525">
                   <a:solidFill>
                     <a:srgbClr val="000000"/>
                   </a:solidFill>
@@ -2863,7 +2976,7 @@
             </a:ln>
             <a:extLst>
               <a:ext uri="{91240B29-F687-4f45-9708-019B960494DF}">
-                <a14:hiddenLine xmlns="" xmlns:a14="http://schemas.microsoft.com/office/drawing/2010/main" w="9525">
+                <a14:hiddenLine xmlns:a14="http://schemas.microsoft.com/office/drawing/2010/main" xmlns="" w="9525">
                   <a:solidFill>
                     <a:srgbClr val="000000"/>
                   </a:solidFill>
@@ -2925,7 +3038,7 @@
             </a:ln>
             <a:extLst>
               <a:ext uri="{91240B29-F687-4f45-9708-019B960494DF}">
-                <a14:hiddenLine xmlns="" xmlns:a14="http://schemas.microsoft.com/office/drawing/2010/main" w="9525">
+                <a14:hiddenLine xmlns:a14="http://schemas.microsoft.com/office/drawing/2010/main" xmlns="" w="9525">
                   <a:solidFill>
                     <a:srgbClr val="000000"/>
                   </a:solidFill>
@@ -3015,7 +3128,7 @@
             </a:ln>
             <a:extLst>
               <a:ext uri="{91240B29-F687-4f45-9708-019B960494DF}">
-                <a14:hiddenLine xmlns="" xmlns:a14="http://schemas.microsoft.com/office/drawing/2010/main" w="9525">
+                <a14:hiddenLine xmlns:a14="http://schemas.microsoft.com/office/drawing/2010/main" xmlns="" w="9525">
                   <a:solidFill>
                     <a:srgbClr val="000000"/>
                   </a:solidFill>
@@ -3105,7 +3218,7 @@
             </a:ln>
             <a:extLst>
               <a:ext uri="{91240B29-F687-4f45-9708-019B960494DF}">
-                <a14:hiddenLine xmlns="" xmlns:a14="http://schemas.microsoft.com/office/drawing/2010/main" w="9525">
+                <a14:hiddenLine xmlns:a14="http://schemas.microsoft.com/office/drawing/2010/main" xmlns="" w="9525">
                   <a:solidFill>
                     <a:srgbClr val="000000"/>
                   </a:solidFill>
@@ -3161,7 +3274,7 @@
             </a:ln>
             <a:extLst>
               <a:ext uri="{91240B29-F687-4f45-9708-019B960494DF}">
-                <a14:hiddenLine xmlns="" xmlns:a14="http://schemas.microsoft.com/office/drawing/2010/main" w="9525">
+                <a14:hiddenLine xmlns:a14="http://schemas.microsoft.com/office/drawing/2010/main" xmlns="" w="9525">
                   <a:solidFill>
                     <a:srgbClr val="000000"/>
                   </a:solidFill>
@@ -3251,7 +3364,7 @@
             </a:ln>
             <a:extLst>
               <a:ext uri="{91240B29-F687-4f45-9708-019B960494DF}">
-                <a14:hiddenLine xmlns="" xmlns:a14="http://schemas.microsoft.com/office/drawing/2010/main" w="9525">
+                <a14:hiddenLine xmlns:a14="http://schemas.microsoft.com/office/drawing/2010/main" xmlns="" w="9525">
                   <a:solidFill>
                     <a:srgbClr val="000000"/>
                   </a:solidFill>
@@ -3307,7 +3420,7 @@
             </a:ln>
             <a:extLst>
               <a:ext uri="{91240B29-F687-4f45-9708-019B960494DF}">
-                <a14:hiddenLine xmlns="" xmlns:a14="http://schemas.microsoft.com/office/drawing/2010/main" w="9525">
+                <a14:hiddenLine xmlns:a14="http://schemas.microsoft.com/office/drawing/2010/main" xmlns="" w="9525">
                   <a:solidFill>
                     <a:srgbClr val="000000"/>
                   </a:solidFill>
@@ -3397,7 +3510,7 @@
             </a:ln>
             <a:extLst>
               <a:ext uri="{91240B29-F687-4f45-9708-019B960494DF}">
-                <a14:hiddenLine xmlns="" xmlns:a14="http://schemas.microsoft.com/office/drawing/2010/main" w="9525">
+                <a14:hiddenLine xmlns:a14="http://schemas.microsoft.com/office/drawing/2010/main" xmlns="" w="9525">
                   <a:solidFill>
                     <a:srgbClr val="000000"/>
                   </a:solidFill>
@@ -3465,7 +3578,7 @@
             </a:ln>
             <a:extLst>
               <a:ext uri="{91240B29-F687-4f45-9708-019B960494DF}">
-                <a14:hiddenLine xmlns="" xmlns:a14="http://schemas.microsoft.com/office/drawing/2010/main" w="9525">
+                <a14:hiddenLine xmlns:a14="http://schemas.microsoft.com/office/drawing/2010/main" xmlns="" w="9525">
                   <a:solidFill>
                     <a:srgbClr val="000000"/>
                   </a:solidFill>
@@ -3555,7 +3668,7 @@
             </a:ln>
             <a:extLst>
               <a:ext uri="{91240B29-F687-4f45-9708-019B960494DF}">
-                <a14:hiddenLine xmlns="" xmlns:a14="http://schemas.microsoft.com/office/drawing/2010/main" w="9525">
+                <a14:hiddenLine xmlns:a14="http://schemas.microsoft.com/office/drawing/2010/main" xmlns="" w="9525">
                   <a:solidFill>
                     <a:srgbClr val="000000"/>
                   </a:solidFill>
@@ -3623,7 +3736,7 @@
             </a:ln>
             <a:extLst>
               <a:ext uri="{91240B29-F687-4f45-9708-019B960494DF}">
-                <a14:hiddenLine xmlns="" xmlns:a14="http://schemas.microsoft.com/office/drawing/2010/main" w="9525">
+                <a14:hiddenLine xmlns:a14="http://schemas.microsoft.com/office/drawing/2010/main" xmlns="" w="9525">
                   <a:solidFill>
                     <a:srgbClr val="000000"/>
                   </a:solidFill>
@@ -3713,7 +3826,7 @@
             </a:ln>
             <a:extLst>
               <a:ext uri="{91240B29-F687-4f45-9708-019B960494DF}">
-                <a14:hiddenLine xmlns="" xmlns:a14="http://schemas.microsoft.com/office/drawing/2010/main" w="9525">
+                <a14:hiddenLine xmlns:a14="http://schemas.microsoft.com/office/drawing/2010/main" xmlns="" w="9525">
                   <a:solidFill>
                     <a:srgbClr val="000000"/>
                   </a:solidFill>
@@ -3747,7 +3860,7 @@
             </a:ln>
             <a:extLst>
               <a:ext uri="{91240B29-F687-4f45-9708-019B960494DF}">
-                <a14:hiddenLine xmlns="" xmlns:a14="http://schemas.microsoft.com/office/drawing/2010/main" w="9525">
+                <a14:hiddenLine xmlns:a14="http://schemas.microsoft.com/office/drawing/2010/main" xmlns="" w="9525">
                   <a:solidFill>
                     <a:srgbClr val="000000"/>
                   </a:solidFill>
@@ -3837,7 +3950,7 @@
             </a:ln>
             <a:extLst>
               <a:ext uri="{91240B29-F687-4f45-9708-019B960494DF}">
-                <a14:hiddenLine xmlns="" xmlns:a14="http://schemas.microsoft.com/office/drawing/2010/main" w="9525">
+                <a14:hiddenLine xmlns:a14="http://schemas.microsoft.com/office/drawing/2010/main" xmlns="" w="9525">
                   <a:solidFill>
                     <a:srgbClr val="000000"/>
                   </a:solidFill>
@@ -3899,7 +4012,7 @@
             </a:ln>
             <a:extLst>
               <a:ext uri="{91240B29-F687-4f45-9708-019B960494DF}">
-                <a14:hiddenLine xmlns="" xmlns:a14="http://schemas.microsoft.com/office/drawing/2010/main" w="9525">
+                <a14:hiddenLine xmlns:a14="http://schemas.microsoft.com/office/drawing/2010/main" xmlns="" w="9525">
                   <a:solidFill>
                     <a:srgbClr val="000000"/>
                   </a:solidFill>
@@ -3961,7 +4074,7 @@
             </a:ln>
             <a:extLst>
               <a:ext uri="{91240B29-F687-4f45-9708-019B960494DF}">
-                <a14:hiddenLine xmlns="" xmlns:a14="http://schemas.microsoft.com/office/drawing/2010/main" w="9525">
+                <a14:hiddenLine xmlns:a14="http://schemas.microsoft.com/office/drawing/2010/main" xmlns="" w="9525">
                   <a:solidFill>
                     <a:srgbClr val="000000"/>
                   </a:solidFill>
@@ -4051,7 +4164,7 @@
             </a:ln>
             <a:extLst>
               <a:ext uri="{91240B29-F687-4f45-9708-019B960494DF}">
-                <a14:hiddenLine xmlns="" xmlns:a14="http://schemas.microsoft.com/office/drawing/2010/main" w="9525">
+                <a14:hiddenLine xmlns:a14="http://schemas.microsoft.com/office/drawing/2010/main" xmlns="" w="9525">
                   <a:solidFill>
                     <a:srgbClr val="000000"/>
                   </a:solidFill>
@@ -4119,7 +4232,7 @@
             </a:ln>
             <a:extLst>
               <a:ext uri="{91240B29-F687-4f45-9708-019B960494DF}">
-                <a14:hiddenLine xmlns="" xmlns:a14="http://schemas.microsoft.com/office/drawing/2010/main" w="9525">
+                <a14:hiddenLine xmlns:a14="http://schemas.microsoft.com/office/drawing/2010/main" xmlns="" w="9525">
                   <a:solidFill>
                     <a:srgbClr val="000000"/>
                   </a:solidFill>
@@ -4181,7 +4294,7 @@
             </a:ln>
             <a:extLst>
               <a:ext uri="{91240B29-F687-4f45-9708-019B960494DF}">
-                <a14:hiddenLine xmlns="" xmlns:a14="http://schemas.microsoft.com/office/drawing/2010/main" w="9525">
+                <a14:hiddenLine xmlns:a14="http://schemas.microsoft.com/office/drawing/2010/main" xmlns="" w="9525">
                   <a:solidFill>
                     <a:srgbClr val="000000"/>
                   </a:solidFill>
@@ -4271,7 +4384,7 @@
             </a:ln>
             <a:extLst>
               <a:ext uri="{91240B29-F687-4f45-9708-019B960494DF}">
-                <a14:hiddenLine xmlns="" xmlns:a14="http://schemas.microsoft.com/office/drawing/2010/main" w="9525">
+                <a14:hiddenLine xmlns:a14="http://schemas.microsoft.com/office/drawing/2010/main" xmlns="" w="9525">
                   <a:solidFill>
                     <a:srgbClr val="000000"/>
                   </a:solidFill>
@@ -4333,7 +4446,7 @@
             </a:ln>
             <a:extLst>
               <a:ext uri="{91240B29-F687-4f45-9708-019B960494DF}">
-                <a14:hiddenLine xmlns="" xmlns:a14="http://schemas.microsoft.com/office/drawing/2010/main" w="9525">
+                <a14:hiddenLine xmlns:a14="http://schemas.microsoft.com/office/drawing/2010/main" xmlns="" w="9525">
                   <a:solidFill>
                     <a:srgbClr val="000000"/>
                   </a:solidFill>
@@ -4423,7 +4536,7 @@
             </a:ln>
             <a:extLst>
               <a:ext uri="{91240B29-F687-4f45-9708-019B960494DF}">
-                <a14:hiddenLine xmlns="" xmlns:a14="http://schemas.microsoft.com/office/drawing/2010/main" w="9525">
+                <a14:hiddenLine xmlns:a14="http://schemas.microsoft.com/office/drawing/2010/main" xmlns="" w="9525">
                   <a:solidFill>
                     <a:srgbClr val="000000"/>
                   </a:solidFill>
@@ -4485,7 +4598,7 @@
             </a:ln>
             <a:extLst>
               <a:ext uri="{91240B29-F687-4f45-9708-019B960494DF}">
-                <a14:hiddenLine xmlns="" xmlns:a14="http://schemas.microsoft.com/office/drawing/2010/main" w="9525">
+                <a14:hiddenLine xmlns:a14="http://schemas.microsoft.com/office/drawing/2010/main" xmlns="" w="9525">
                   <a:solidFill>
                     <a:srgbClr val="000000"/>
                   </a:solidFill>
@@ -4575,7 +4688,7 @@
             </a:ln>
             <a:extLst>
               <a:ext uri="{91240B29-F687-4f45-9708-019B960494DF}">
-                <a14:hiddenLine xmlns="" xmlns:a14="http://schemas.microsoft.com/office/drawing/2010/main" w="9525">
+                <a14:hiddenLine xmlns:a14="http://schemas.microsoft.com/office/drawing/2010/main" xmlns="" w="9525">
                   <a:solidFill>
                     <a:srgbClr val="000000"/>
                   </a:solidFill>
@@ -4609,7 +4722,7 @@
             </a:ln>
             <a:extLst>
               <a:ext uri="{91240B29-F687-4f45-9708-019B960494DF}">
-                <a14:hiddenLine xmlns="" xmlns:a14="http://schemas.microsoft.com/office/drawing/2010/main" w="9525">
+                <a14:hiddenLine xmlns:a14="http://schemas.microsoft.com/office/drawing/2010/main" xmlns="" w="9525">
                   <a:solidFill>
                     <a:srgbClr val="000000"/>
                   </a:solidFill>
@@ -4674,7 +4787,7 @@
             </a:ln>
             <a:extLst>
               <a:ext uri="{91240B29-F687-4f45-9708-019B960494DF}">
-                <a14:hiddenLine xmlns="" xmlns:a14="http://schemas.microsoft.com/office/drawing/2010/main" w="9525">
+                <a14:hiddenLine xmlns:a14="http://schemas.microsoft.com/office/drawing/2010/main" xmlns="" w="9525">
                   <a:solidFill>
                     <a:srgbClr val="000000"/>
                   </a:solidFill>
@@ -4764,7 +4877,7 @@
             </a:ln>
             <a:extLst>
               <a:ext uri="{91240B29-F687-4f45-9708-019B960494DF}">
-                <a14:hiddenLine xmlns="" xmlns:a14="http://schemas.microsoft.com/office/drawing/2010/main" w="9525">
+                <a14:hiddenLine xmlns:a14="http://schemas.microsoft.com/office/drawing/2010/main" xmlns="" w="9525">
                   <a:solidFill>
                     <a:srgbClr val="000000"/>
                   </a:solidFill>
@@ -4826,7 +4939,7 @@
             </a:ln>
             <a:extLst>
               <a:ext uri="{91240B29-F687-4f45-9708-019B960494DF}">
-                <a14:hiddenLine xmlns="" xmlns:a14="http://schemas.microsoft.com/office/drawing/2010/main" w="9525">
+                <a14:hiddenLine xmlns:a14="http://schemas.microsoft.com/office/drawing/2010/main" xmlns="" w="9525">
                   <a:solidFill>
                     <a:srgbClr val="000000"/>
                   </a:solidFill>
@@ -4916,7 +5029,7 @@
             </a:ln>
             <a:extLst>
               <a:ext uri="{91240B29-F687-4f45-9708-019B960494DF}">
-                <a14:hiddenLine xmlns="" xmlns:a14="http://schemas.microsoft.com/office/drawing/2010/main" w="9525">
+                <a14:hiddenLine xmlns:a14="http://schemas.microsoft.com/office/drawing/2010/main" xmlns="" w="9525">
                   <a:solidFill>
                     <a:srgbClr val="000000"/>
                   </a:solidFill>
@@ -5006,7 +5119,7 @@
             </a:ln>
             <a:extLst>
               <a:ext uri="{91240B29-F687-4f45-9708-019B960494DF}">
-                <a14:hiddenLine xmlns="" xmlns:a14="http://schemas.microsoft.com/office/drawing/2010/main" w="9525">
+                <a14:hiddenLine xmlns:a14="http://schemas.microsoft.com/office/drawing/2010/main" xmlns="" w="9525">
                   <a:solidFill>
                     <a:srgbClr val="000000"/>
                   </a:solidFill>
@@ -5071,7 +5184,7 @@
             </a:ln>
             <a:extLst>
               <a:ext uri="{91240B29-F687-4f45-9708-019B960494DF}">
-                <a14:hiddenLine xmlns="" xmlns:a14="http://schemas.microsoft.com/office/drawing/2010/main" w="9525">
+                <a14:hiddenLine xmlns:a14="http://schemas.microsoft.com/office/drawing/2010/main" xmlns="" w="9525">
                   <a:solidFill>
                     <a:srgbClr val="000000"/>
                   </a:solidFill>
@@ -5133,7 +5246,7 @@
             </a:ln>
             <a:extLst>
               <a:ext uri="{91240B29-F687-4f45-9708-019B960494DF}">
-                <a14:hiddenLine xmlns="" xmlns:a14="http://schemas.microsoft.com/office/drawing/2010/main" w="9525">
+                <a14:hiddenLine xmlns:a14="http://schemas.microsoft.com/office/drawing/2010/main" xmlns="" w="9525">
                   <a:solidFill>
                     <a:srgbClr val="000000"/>
                   </a:solidFill>
@@ -5223,7 +5336,7 @@
             </a:ln>
             <a:extLst>
               <a:ext uri="{91240B29-F687-4f45-9708-019B960494DF}">
-                <a14:hiddenLine xmlns="" xmlns:a14="http://schemas.microsoft.com/office/drawing/2010/main" w="9525">
+                <a14:hiddenLine xmlns:a14="http://schemas.microsoft.com/office/drawing/2010/main" xmlns="" w="9525">
                   <a:solidFill>
                     <a:srgbClr val="000000"/>
                   </a:solidFill>
@@ -5313,7 +5426,7 @@
             </a:ln>
             <a:extLst>
               <a:ext uri="{91240B29-F687-4f45-9708-019B960494DF}">
-                <a14:hiddenLine xmlns="" xmlns:a14="http://schemas.microsoft.com/office/drawing/2010/main" w="9525">
+                <a14:hiddenLine xmlns:a14="http://schemas.microsoft.com/office/drawing/2010/main" xmlns="" w="9525">
                   <a:solidFill>
                     <a:srgbClr val="000000"/>
                   </a:solidFill>
@@ -5375,7 +5488,7 @@
             </a:ln>
             <a:extLst>
               <a:ext uri="{91240B29-F687-4f45-9708-019B960494DF}">
-                <a14:hiddenLine xmlns="" xmlns:a14="http://schemas.microsoft.com/office/drawing/2010/main" w="9525">
+                <a14:hiddenLine xmlns:a14="http://schemas.microsoft.com/office/drawing/2010/main" xmlns="" w="9525">
                   <a:solidFill>
                     <a:srgbClr val="000000"/>
                   </a:solidFill>
@@ -5495,7 +5608,7 @@
             </a:ln>
             <a:extLst>
               <a:ext uri="{91240B29-F687-4f45-9708-019B960494DF}">
-                <a14:hiddenLine xmlns="" xmlns:a14="http://schemas.microsoft.com/office/drawing/2010/main" w="9525">
+                <a14:hiddenLine xmlns:a14="http://schemas.microsoft.com/office/drawing/2010/main" xmlns="" w="9525">
                   <a:solidFill>
                     <a:srgbClr val="000000"/>
                   </a:solidFill>
@@ -5563,7 +5676,7 @@
             </a:ln>
             <a:extLst>
               <a:ext uri="{91240B29-F687-4f45-9708-019B960494DF}">
-                <a14:hiddenLine xmlns="" xmlns:a14="http://schemas.microsoft.com/office/drawing/2010/main" w="9525">
+                <a14:hiddenLine xmlns:a14="http://schemas.microsoft.com/office/drawing/2010/main" xmlns="" w="9525">
                   <a:solidFill>
                     <a:srgbClr val="000000"/>
                   </a:solidFill>
@@ -5653,7 +5766,7 @@
             </a:ln>
             <a:extLst>
               <a:ext uri="{91240B29-F687-4f45-9708-019B960494DF}">
-                <a14:hiddenLine xmlns="" xmlns:a14="http://schemas.microsoft.com/office/drawing/2010/main" w="9525">
+                <a14:hiddenLine xmlns:a14="http://schemas.microsoft.com/office/drawing/2010/main" xmlns="" w="9525">
                   <a:solidFill>
                     <a:srgbClr val="000000"/>
                   </a:solidFill>
@@ -5793,7 +5906,7 @@
           <a:p>
             <a:fld id="{849DE176-146E-4F1E-BCCE-E46272DCA095}" type="datetimeFigureOut">
               <a:rPr lang="es-AR" smtClean="0"/>
-              <a:t>16/6/2023</a:t>
+              <a:t>18/8/2023</a:t>
             </a:fld>
             <a:endParaRPr lang="es-AR"/>
           </a:p>
@@ -6060,7 +6173,7 @@
           <a:p>
             <a:fld id="{849DE176-146E-4F1E-BCCE-E46272DCA095}" type="datetimeFigureOut">
               <a:rPr lang="es-AR" smtClean="0"/>
-              <a:t>16/6/2023</a:t>
+              <a:t>18/8/2023</a:t>
             </a:fld>
             <a:endParaRPr lang="es-AR"/>
           </a:p>
@@ -6256,7 +6369,7 @@
           <a:p>
             <a:fld id="{849DE176-146E-4F1E-BCCE-E46272DCA095}" type="datetimeFigureOut">
               <a:rPr lang="es-AR" smtClean="0"/>
-              <a:t>16/6/2023</a:t>
+              <a:t>18/8/2023</a:t>
             </a:fld>
             <a:endParaRPr lang="es-AR"/>
           </a:p>
@@ -6519,7 +6632,7 @@
           <a:p>
             <a:fld id="{849DE176-146E-4F1E-BCCE-E46272DCA095}" type="datetimeFigureOut">
               <a:rPr lang="es-AR" smtClean="0"/>
-              <a:t>16/6/2023</a:t>
+              <a:t>18/8/2023</a:t>
             </a:fld>
             <a:endParaRPr lang="es-AR"/>
           </a:p>
@@ -6953,7 +7066,7 @@
           <a:p>
             <a:fld id="{849DE176-146E-4F1E-BCCE-E46272DCA095}" type="datetimeFigureOut">
               <a:rPr lang="es-AR" smtClean="0"/>
-              <a:t>16/6/2023</a:t>
+              <a:t>18/8/2023</a:t>
             </a:fld>
             <a:endParaRPr lang="es-AR"/>
           </a:p>
@@ -7499,7 +7612,7 @@
           <a:p>
             <a:fld id="{849DE176-146E-4F1E-BCCE-E46272DCA095}" type="datetimeFigureOut">
               <a:rPr lang="es-AR" smtClean="0"/>
-              <a:t>16/6/2023</a:t>
+              <a:t>18/8/2023</a:t>
             </a:fld>
             <a:endParaRPr lang="es-AR"/>
           </a:p>
@@ -8219,7 +8332,7 @@
           <a:p>
             <a:fld id="{849DE176-146E-4F1E-BCCE-E46272DCA095}" type="datetimeFigureOut">
               <a:rPr lang="es-AR" smtClean="0"/>
-              <a:t>16/6/2023</a:t>
+              <a:t>18/8/2023</a:t>
             </a:fld>
             <a:endParaRPr lang="es-AR"/>
           </a:p>
@@ -8389,7 +8502,7 @@
           <a:p>
             <a:fld id="{849DE176-146E-4F1E-BCCE-E46272DCA095}" type="datetimeFigureOut">
               <a:rPr lang="es-AR" smtClean="0"/>
-              <a:t>16/6/2023</a:t>
+              <a:t>18/8/2023</a:t>
             </a:fld>
             <a:endParaRPr lang="es-AR"/>
           </a:p>
@@ -8569,7 +8682,7 @@
           <a:p>
             <a:fld id="{849DE176-146E-4F1E-BCCE-E46272DCA095}" type="datetimeFigureOut">
               <a:rPr lang="es-AR" smtClean="0"/>
-              <a:t>16/6/2023</a:t>
+              <a:t>18/8/2023</a:t>
             </a:fld>
             <a:endParaRPr lang="es-AR"/>
           </a:p>
@@ -8739,7 +8852,7 @@
           <a:p>
             <a:fld id="{849DE176-146E-4F1E-BCCE-E46272DCA095}" type="datetimeFigureOut">
               <a:rPr lang="es-AR" smtClean="0"/>
-              <a:t>16/6/2023</a:t>
+              <a:t>18/8/2023</a:t>
             </a:fld>
             <a:endParaRPr lang="es-AR"/>
           </a:p>
@@ -8989,7 +9102,7 @@
           <a:p>
             <a:fld id="{849DE176-146E-4F1E-BCCE-E46272DCA095}" type="datetimeFigureOut">
               <a:rPr lang="es-AR" smtClean="0"/>
-              <a:t>16/6/2023</a:t>
+              <a:t>18/8/2023</a:t>
             </a:fld>
             <a:endParaRPr lang="es-AR"/>
           </a:p>
@@ -9221,7 +9334,7 @@
           <a:p>
             <a:fld id="{849DE176-146E-4F1E-BCCE-E46272DCA095}" type="datetimeFigureOut">
               <a:rPr lang="es-AR" smtClean="0"/>
-              <a:t>16/6/2023</a:t>
+              <a:t>18/8/2023</a:t>
             </a:fld>
             <a:endParaRPr lang="es-AR"/>
           </a:p>
@@ -9602,7 +9715,7 @@
           <a:p>
             <a:fld id="{849DE176-146E-4F1E-BCCE-E46272DCA095}" type="datetimeFigureOut">
               <a:rPr lang="es-AR" smtClean="0"/>
-              <a:t>16/6/2023</a:t>
+              <a:t>18/8/2023</a:t>
             </a:fld>
             <a:endParaRPr lang="es-AR"/>
           </a:p>
@@ -9720,7 +9833,7 @@
           <a:p>
             <a:fld id="{849DE176-146E-4F1E-BCCE-E46272DCA095}" type="datetimeFigureOut">
               <a:rPr lang="es-AR" smtClean="0"/>
-              <a:t>16/6/2023</a:t>
+              <a:t>18/8/2023</a:t>
             </a:fld>
             <a:endParaRPr lang="es-AR"/>
           </a:p>
@@ -9815,7 +9928,7 @@
           <a:p>
             <a:fld id="{849DE176-146E-4F1E-BCCE-E46272DCA095}" type="datetimeFigureOut">
               <a:rPr lang="es-AR" smtClean="0"/>
-              <a:t>16/6/2023</a:t>
+              <a:t>18/8/2023</a:t>
             </a:fld>
             <a:endParaRPr lang="es-AR"/>
           </a:p>
@@ -10064,7 +10177,7 @@
           <a:p>
             <a:fld id="{849DE176-146E-4F1E-BCCE-E46272DCA095}" type="datetimeFigureOut">
               <a:rPr lang="es-AR" smtClean="0"/>
-              <a:t>16/6/2023</a:t>
+              <a:t>18/8/2023</a:t>
             </a:fld>
             <a:endParaRPr lang="es-AR"/>
           </a:p>
@@ -10344,7 +10457,7 @@
           <a:p>
             <a:fld id="{849DE176-146E-4F1E-BCCE-E46272DCA095}" type="datetimeFigureOut">
               <a:rPr lang="es-AR" smtClean="0"/>
-              <a:t>16/6/2023</a:t>
+              <a:t>18/8/2023</a:t>
             </a:fld>
             <a:endParaRPr lang="es-AR"/>
           </a:p>
@@ -10484,7 +10597,7 @@
           <a:noFill/>
           <a:extLst>
             <a:ext uri="{909E8E84-426E-40dd-AFC4-6F175D3DCCD1}">
-              <a14:hiddenFill xmlns="" xmlns:a14="http://schemas.microsoft.com/office/drawing/2010/main">
+              <a14:hiddenFill xmlns:a14="http://schemas.microsoft.com/office/drawing/2010/main" xmlns="">
                 <a:solidFill>
                   <a:srgbClr val="FFFFFF"/>
                 </a:solidFill>
@@ -10558,7 +10671,7 @@
               </a:ln>
               <a:extLst>
                 <a:ext uri="{91240B29-F687-4f45-9708-019B960494DF}">
-                  <a14:hiddenLine xmlns="" xmlns:a14="http://schemas.microsoft.com/office/drawing/2010/main" w="9525">
+                  <a14:hiddenLine xmlns:a14="http://schemas.microsoft.com/office/drawing/2010/main" xmlns="" w="9525">
                     <a:solidFill>
                       <a:srgbClr val="000000"/>
                     </a:solidFill>
@@ -10648,7 +10761,7 @@
               </a:ln>
               <a:extLst>
                 <a:ext uri="{91240B29-F687-4f45-9708-019B960494DF}">
-                  <a14:hiddenLine xmlns="" xmlns:a14="http://schemas.microsoft.com/office/drawing/2010/main" w="9525">
+                  <a14:hiddenLine xmlns:a14="http://schemas.microsoft.com/office/drawing/2010/main" xmlns="" w="9525">
                     <a:solidFill>
                       <a:srgbClr val="000000"/>
                     </a:solidFill>
@@ -10738,7 +10851,7 @@
               </a:ln>
               <a:extLst>
                 <a:ext uri="{91240B29-F687-4f45-9708-019B960494DF}">
-                  <a14:hiddenLine xmlns="" xmlns:a14="http://schemas.microsoft.com/office/drawing/2010/main" w="9525">
+                  <a14:hiddenLine xmlns:a14="http://schemas.microsoft.com/office/drawing/2010/main" xmlns="" w="9525">
                     <a:solidFill>
                       <a:srgbClr val="000000"/>
                     </a:solidFill>
@@ -10800,7 +10913,7 @@
               </a:ln>
               <a:extLst>
                 <a:ext uri="{91240B29-F687-4f45-9708-019B960494DF}">
-                  <a14:hiddenLine xmlns="" xmlns:a14="http://schemas.microsoft.com/office/drawing/2010/main" w="9525">
+                  <a14:hiddenLine xmlns:a14="http://schemas.microsoft.com/office/drawing/2010/main" xmlns="" w="9525">
                     <a:solidFill>
                       <a:srgbClr val="000000"/>
                     </a:solidFill>
@@ -10890,7 +11003,7 @@
               </a:ln>
               <a:extLst>
                 <a:ext uri="{91240B29-F687-4f45-9708-019B960494DF}">
-                  <a14:hiddenLine xmlns="" xmlns:a14="http://schemas.microsoft.com/office/drawing/2010/main" w="9525">
+                  <a14:hiddenLine xmlns:a14="http://schemas.microsoft.com/office/drawing/2010/main" xmlns="" w="9525">
                     <a:solidFill>
                       <a:srgbClr val="000000"/>
                     </a:solidFill>
@@ -10952,7 +11065,7 @@
               </a:ln>
               <a:extLst>
                 <a:ext uri="{91240B29-F687-4f45-9708-019B960494DF}">
-                  <a14:hiddenLine xmlns="" xmlns:a14="http://schemas.microsoft.com/office/drawing/2010/main" w="9525">
+                  <a14:hiddenLine xmlns:a14="http://schemas.microsoft.com/office/drawing/2010/main" xmlns="" w="9525">
                     <a:solidFill>
                       <a:srgbClr val="000000"/>
                     </a:solidFill>
@@ -11014,7 +11127,7 @@
               </a:ln>
               <a:extLst>
                 <a:ext uri="{91240B29-F687-4f45-9708-019B960494DF}">
-                  <a14:hiddenLine xmlns="" xmlns:a14="http://schemas.microsoft.com/office/drawing/2010/main" w="9525">
+                  <a14:hiddenLine xmlns:a14="http://schemas.microsoft.com/office/drawing/2010/main" xmlns="" w="9525">
                     <a:solidFill>
                       <a:srgbClr val="000000"/>
                     </a:solidFill>
@@ -11104,7 +11217,7 @@
               </a:ln>
               <a:extLst>
                 <a:ext uri="{91240B29-F687-4f45-9708-019B960494DF}">
-                  <a14:hiddenLine xmlns="" xmlns:a14="http://schemas.microsoft.com/office/drawing/2010/main" w="9525">
+                  <a14:hiddenLine xmlns:a14="http://schemas.microsoft.com/office/drawing/2010/main" xmlns="" w="9525">
                     <a:solidFill>
                       <a:srgbClr val="000000"/>
                     </a:solidFill>
@@ -11194,7 +11307,7 @@
               </a:ln>
               <a:extLst>
                 <a:ext uri="{91240B29-F687-4f45-9708-019B960494DF}">
-                  <a14:hiddenLine xmlns="" xmlns:a14="http://schemas.microsoft.com/office/drawing/2010/main" w="9525">
+                  <a14:hiddenLine xmlns:a14="http://schemas.microsoft.com/office/drawing/2010/main" xmlns="" w="9525">
                     <a:solidFill>
                       <a:srgbClr val="000000"/>
                     </a:solidFill>
@@ -11256,7 +11369,7 @@
               </a:ln>
               <a:extLst>
                 <a:ext uri="{91240B29-F687-4f45-9708-019B960494DF}">
-                  <a14:hiddenLine xmlns="" xmlns:a14="http://schemas.microsoft.com/office/drawing/2010/main" w="9525">
+                  <a14:hiddenLine xmlns:a14="http://schemas.microsoft.com/office/drawing/2010/main" xmlns="" w="9525">
                     <a:solidFill>
                       <a:srgbClr val="000000"/>
                     </a:solidFill>
@@ -11366,7 +11479,7 @@
               </a:ln>
               <a:extLst>
                 <a:ext uri="{91240B29-F687-4f45-9708-019B960494DF}">
-                  <a14:hiddenLine xmlns="" xmlns:a14="http://schemas.microsoft.com/office/drawing/2010/main" w="9525">
+                  <a14:hiddenLine xmlns:a14="http://schemas.microsoft.com/office/drawing/2010/main" xmlns="" w="9525">
                     <a:solidFill>
                       <a:srgbClr val="000000"/>
                     </a:solidFill>
@@ -11450,7 +11563,7 @@
               </a:ln>
               <a:extLst>
                 <a:ext uri="{91240B29-F687-4f45-9708-019B960494DF}">
-                  <a14:hiddenLine xmlns="" xmlns:a14="http://schemas.microsoft.com/office/drawing/2010/main" w="9525">
+                  <a14:hiddenLine xmlns:a14="http://schemas.microsoft.com/office/drawing/2010/main" xmlns="" w="9525">
                     <a:solidFill>
                       <a:srgbClr val="000000"/>
                     </a:solidFill>
@@ -11512,7 +11625,7 @@
               </a:ln>
               <a:extLst>
                 <a:ext uri="{91240B29-F687-4f45-9708-019B960494DF}">
-                  <a14:hiddenLine xmlns="" xmlns:a14="http://schemas.microsoft.com/office/drawing/2010/main" w="9525">
+                  <a14:hiddenLine xmlns:a14="http://schemas.microsoft.com/office/drawing/2010/main" xmlns="" w="9525">
                     <a:solidFill>
                       <a:srgbClr val="000000"/>
                     </a:solidFill>
@@ -11574,7 +11687,7 @@
               </a:ln>
               <a:extLst>
                 <a:ext uri="{91240B29-F687-4f45-9708-019B960494DF}">
-                  <a14:hiddenLine xmlns="" xmlns:a14="http://schemas.microsoft.com/office/drawing/2010/main" w="9525">
+                  <a14:hiddenLine xmlns:a14="http://schemas.microsoft.com/office/drawing/2010/main" xmlns="" w="9525">
                     <a:solidFill>
                       <a:srgbClr val="000000"/>
                     </a:solidFill>
@@ -11664,7 +11777,7 @@
               </a:ln>
               <a:extLst>
                 <a:ext uri="{91240B29-F687-4f45-9708-019B960494DF}">
-                  <a14:hiddenLine xmlns="" xmlns:a14="http://schemas.microsoft.com/office/drawing/2010/main" w="9525">
+                  <a14:hiddenLine xmlns:a14="http://schemas.microsoft.com/office/drawing/2010/main" xmlns="" w="9525">
                     <a:solidFill>
                       <a:srgbClr val="000000"/>
                     </a:solidFill>
@@ -11698,7 +11811,7 @@
               </a:ln>
               <a:extLst>
                 <a:ext uri="{91240B29-F687-4f45-9708-019B960494DF}">
-                  <a14:hiddenLine xmlns="" xmlns:a14="http://schemas.microsoft.com/office/drawing/2010/main" w="9525">
+                  <a14:hiddenLine xmlns:a14="http://schemas.microsoft.com/office/drawing/2010/main" xmlns="" w="9525">
                     <a:solidFill>
                       <a:srgbClr val="000000"/>
                     </a:solidFill>
@@ -11763,7 +11876,7 @@
               </a:ln>
               <a:extLst>
                 <a:ext uri="{91240B29-F687-4f45-9708-019B960494DF}">
-                  <a14:hiddenLine xmlns="" xmlns:a14="http://schemas.microsoft.com/office/drawing/2010/main" w="9525">
+                  <a14:hiddenLine xmlns:a14="http://schemas.microsoft.com/office/drawing/2010/main" xmlns="" w="9525">
                     <a:solidFill>
                       <a:srgbClr val="000000"/>
                     </a:solidFill>
@@ -11853,7 +11966,7 @@
               </a:ln>
               <a:extLst>
                 <a:ext uri="{91240B29-F687-4f45-9708-019B960494DF}">
-                  <a14:hiddenLine xmlns="" xmlns:a14="http://schemas.microsoft.com/office/drawing/2010/main" w="9525">
+                  <a14:hiddenLine xmlns:a14="http://schemas.microsoft.com/office/drawing/2010/main" xmlns="" w="9525">
                     <a:solidFill>
                       <a:srgbClr val="000000"/>
                     </a:solidFill>
@@ -11915,7 +12028,7 @@
               </a:ln>
               <a:extLst>
                 <a:ext uri="{91240B29-F687-4f45-9708-019B960494DF}">
-                  <a14:hiddenLine xmlns="" xmlns:a14="http://schemas.microsoft.com/office/drawing/2010/main" w="9525">
+                  <a14:hiddenLine xmlns:a14="http://schemas.microsoft.com/office/drawing/2010/main" xmlns="" w="9525">
                     <a:solidFill>
                       <a:srgbClr val="000000"/>
                     </a:solidFill>
@@ -12005,7 +12118,7 @@
               </a:ln>
               <a:extLst>
                 <a:ext uri="{91240B29-F687-4f45-9708-019B960494DF}">
-                  <a14:hiddenLine xmlns="" xmlns:a14="http://schemas.microsoft.com/office/drawing/2010/main" w="9525">
+                  <a14:hiddenLine xmlns:a14="http://schemas.microsoft.com/office/drawing/2010/main" xmlns="" w="9525">
                     <a:solidFill>
                       <a:srgbClr val="000000"/>
                     </a:solidFill>
@@ -12070,7 +12183,7 @@
               </a:ln>
               <a:extLst>
                 <a:ext uri="{91240B29-F687-4f45-9708-019B960494DF}">
-                  <a14:hiddenLine xmlns="" xmlns:a14="http://schemas.microsoft.com/office/drawing/2010/main" w="9525">
+                  <a14:hiddenLine xmlns:a14="http://schemas.microsoft.com/office/drawing/2010/main" xmlns="" w="9525">
                     <a:solidFill>
                       <a:srgbClr val="000000"/>
                     </a:solidFill>
@@ -12132,7 +12245,7 @@
               </a:ln>
               <a:extLst>
                 <a:ext uri="{91240B29-F687-4f45-9708-019B960494DF}">
-                  <a14:hiddenLine xmlns="" xmlns:a14="http://schemas.microsoft.com/office/drawing/2010/main" w="9525">
+                  <a14:hiddenLine xmlns:a14="http://schemas.microsoft.com/office/drawing/2010/main" xmlns="" w="9525">
                     <a:solidFill>
                       <a:srgbClr val="000000"/>
                     </a:solidFill>
@@ -12222,7 +12335,7 @@
               </a:ln>
               <a:extLst>
                 <a:ext uri="{91240B29-F687-4f45-9708-019B960494DF}">
-                  <a14:hiddenLine xmlns="" xmlns:a14="http://schemas.microsoft.com/office/drawing/2010/main" w="9525">
+                  <a14:hiddenLine xmlns:a14="http://schemas.microsoft.com/office/drawing/2010/main" xmlns="" w="9525">
                     <a:solidFill>
                       <a:srgbClr val="000000"/>
                     </a:solidFill>
@@ -12312,7 +12425,7 @@
               </a:ln>
               <a:extLst>
                 <a:ext uri="{91240B29-F687-4f45-9708-019B960494DF}">
-                  <a14:hiddenLine xmlns="" xmlns:a14="http://schemas.microsoft.com/office/drawing/2010/main" w="9525">
+                  <a14:hiddenLine xmlns:a14="http://schemas.microsoft.com/office/drawing/2010/main" xmlns="" w="9525">
                     <a:solidFill>
                       <a:srgbClr val="000000"/>
                     </a:solidFill>
@@ -12377,7 +12490,7 @@
               </a:ln>
               <a:extLst>
                 <a:ext uri="{91240B29-F687-4f45-9708-019B960494DF}">
-                  <a14:hiddenLine xmlns="" xmlns:a14="http://schemas.microsoft.com/office/drawing/2010/main" w="9525">
+                  <a14:hiddenLine xmlns:a14="http://schemas.microsoft.com/office/drawing/2010/main" xmlns="" w="9525">
                     <a:solidFill>
                       <a:srgbClr val="000000"/>
                     </a:solidFill>
@@ -12497,7 +12610,7 @@
               </a:ln>
               <a:extLst>
                 <a:ext uri="{91240B29-F687-4f45-9708-019B960494DF}">
-                  <a14:hiddenLine xmlns="" xmlns:a14="http://schemas.microsoft.com/office/drawing/2010/main" w="9525">
+                  <a14:hiddenLine xmlns:a14="http://schemas.microsoft.com/office/drawing/2010/main" xmlns="" w="9525">
                     <a:solidFill>
                       <a:srgbClr val="000000"/>
                     </a:solidFill>
@@ -12595,7 +12708,7 @@
               </a:ln>
               <a:extLst>
                 <a:ext uri="{91240B29-F687-4f45-9708-019B960494DF}">
-                  <a14:hiddenLine xmlns="" xmlns:a14="http://schemas.microsoft.com/office/drawing/2010/main" w="9525">
+                  <a14:hiddenLine xmlns:a14="http://schemas.microsoft.com/office/drawing/2010/main" xmlns="" w="9525">
                     <a:solidFill>
                       <a:srgbClr val="000000"/>
                     </a:solidFill>
@@ -12710,7 +12823,7 @@
               </a:ln>
               <a:extLst>
                 <a:ext uri="{91240B29-F687-4f45-9708-019B960494DF}">
-                  <a14:hiddenLine xmlns="" xmlns:a14="http://schemas.microsoft.com/office/drawing/2010/main" w="9525">
+                  <a14:hiddenLine xmlns:a14="http://schemas.microsoft.com/office/drawing/2010/main" xmlns="" w="9525">
                     <a:solidFill>
                       <a:srgbClr val="000000"/>
                     </a:solidFill>
@@ -12800,7 +12913,7 @@
               </a:ln>
               <a:extLst>
                 <a:ext uri="{91240B29-F687-4f45-9708-019B960494DF}">
-                  <a14:hiddenLine xmlns="" xmlns:a14="http://schemas.microsoft.com/office/drawing/2010/main" w="9525">
+                  <a14:hiddenLine xmlns:a14="http://schemas.microsoft.com/office/drawing/2010/main" xmlns="" w="9525">
                     <a:solidFill>
                       <a:srgbClr val="000000"/>
                     </a:solidFill>
@@ -12865,7 +12978,7 @@
               </a:ln>
               <a:extLst>
                 <a:ext uri="{91240B29-F687-4f45-9708-019B960494DF}">
-                  <a14:hiddenLine xmlns="" xmlns:a14="http://schemas.microsoft.com/office/drawing/2010/main" w="9525">
+                  <a14:hiddenLine xmlns:a14="http://schemas.microsoft.com/office/drawing/2010/main" xmlns="" w="9525">
                     <a:solidFill>
                       <a:srgbClr val="000000"/>
                     </a:solidFill>
@@ -12955,7 +13068,7 @@
               </a:ln>
               <a:extLst>
                 <a:ext uri="{91240B29-F687-4f45-9708-019B960494DF}">
-                  <a14:hiddenLine xmlns="" xmlns:a14="http://schemas.microsoft.com/office/drawing/2010/main" w="9525">
+                  <a14:hiddenLine xmlns:a14="http://schemas.microsoft.com/office/drawing/2010/main" xmlns="" w="9525">
                     <a:solidFill>
                       <a:srgbClr val="000000"/>
                     </a:solidFill>
@@ -13023,7 +13136,7 @@
               </a:ln>
               <a:extLst>
                 <a:ext uri="{91240B29-F687-4f45-9708-019B960494DF}">
-                  <a14:hiddenLine xmlns="" xmlns:a14="http://schemas.microsoft.com/office/drawing/2010/main" w="9525">
+                  <a14:hiddenLine xmlns:a14="http://schemas.microsoft.com/office/drawing/2010/main" xmlns="" w="9525">
                     <a:solidFill>
                       <a:srgbClr val="000000"/>
                     </a:solidFill>
@@ -13113,7 +13226,7 @@
               </a:ln>
               <a:extLst>
                 <a:ext uri="{91240B29-F687-4f45-9708-019B960494DF}">
-                  <a14:hiddenLine xmlns="" xmlns:a14="http://schemas.microsoft.com/office/drawing/2010/main" w="9525">
+                  <a14:hiddenLine xmlns:a14="http://schemas.microsoft.com/office/drawing/2010/main" xmlns="" w="9525">
                     <a:solidFill>
                       <a:srgbClr val="000000"/>
                     </a:solidFill>
@@ -13181,7 +13294,7 @@
               </a:ln>
               <a:extLst>
                 <a:ext uri="{91240B29-F687-4f45-9708-019B960494DF}">
-                  <a14:hiddenLine xmlns="" xmlns:a14="http://schemas.microsoft.com/office/drawing/2010/main" w="9525">
+                  <a14:hiddenLine xmlns:a14="http://schemas.microsoft.com/office/drawing/2010/main" xmlns="" w="9525">
                     <a:solidFill>
                       <a:srgbClr val="000000"/>
                     </a:solidFill>
@@ -13271,7 +13384,7 @@
               </a:ln>
               <a:extLst>
                 <a:ext uri="{91240B29-F687-4f45-9708-019B960494DF}">
-                  <a14:hiddenLine xmlns="" xmlns:a14="http://schemas.microsoft.com/office/drawing/2010/main" w="9525">
+                  <a14:hiddenLine xmlns:a14="http://schemas.microsoft.com/office/drawing/2010/main" xmlns="" w="9525">
                     <a:solidFill>
                       <a:srgbClr val="000000"/>
                     </a:solidFill>
@@ -13305,7 +13418,7 @@
               </a:ln>
               <a:extLst>
                 <a:ext uri="{91240B29-F687-4f45-9708-019B960494DF}">
-                  <a14:hiddenLine xmlns="" xmlns:a14="http://schemas.microsoft.com/office/drawing/2010/main" w="9525">
+                  <a14:hiddenLine xmlns:a14="http://schemas.microsoft.com/office/drawing/2010/main" xmlns="" w="9525">
                     <a:solidFill>
                       <a:srgbClr val="000000"/>
                     </a:solidFill>
@@ -13445,7 +13558,7 @@
           <a:p>
             <a:fld id="{849DE176-146E-4F1E-BCCE-E46272DCA095}" type="datetimeFigureOut">
               <a:rPr lang="es-AR" smtClean="0"/>
-              <a:t>16/6/2023</a:t>
+              <a:t>18/8/2023</a:t>
             </a:fld>
             <a:endParaRPr lang="es-AR"/>
           </a:p>
@@ -14823,6 +14936,543 @@
       </p:sp>
       <p:sp>
         <p:nvSpPr>
+          <p:cNvPr id="6" name="Subtitle 1"/>
+          <p:cNvSpPr txBox="1">
+            <a:spLocks/>
+          </p:cNvSpPr>
+          <p:nvPr/>
+        </p:nvSpPr>
+        <p:spPr>
+          <a:xfrm>
+            <a:off x="1638300" y="792341"/>
+            <a:ext cx="10553700" cy="1090659"/>
+          </a:xfrm>
+          <a:prstGeom prst="rect">
+            <a:avLst/>
+          </a:prstGeom>
+        </p:spPr>
+        <p:txBody>
+          <a:bodyPr vert="horz" lIns="91440" tIns="45720" rIns="91440" bIns="45720" rtlCol="0">
+            <a:noAutofit/>
+          </a:bodyPr>
+          <a:lstStyle>
+            <a:lvl1pPr marL="0" indent="0" algn="ctr" defTabSz="914400" rtl="0" eaLnBrk="1" latinLnBrk="0" hangingPunct="1">
+              <a:lnSpc>
+                <a:spcPct val="90000"/>
+              </a:lnSpc>
+              <a:spcBef>
+                <a:spcPts val="1000"/>
+              </a:spcBef>
+              <a:buFont typeface="Arial" panose="020B0604020202020204" pitchFamily="34" charset="0"/>
+              <a:buNone/>
+              <a:defRPr sz="2400" kern="1200">
+                <a:solidFill>
+                  <a:schemeClr val="tx1"/>
+                </a:solidFill>
+                <a:latin typeface="+mn-lt"/>
+                <a:ea typeface="+mn-ea"/>
+                <a:cs typeface="+mn-cs"/>
+              </a:defRPr>
+            </a:lvl1pPr>
+            <a:lvl2pPr marL="457200" indent="0" algn="ctr" defTabSz="914400" rtl="0" eaLnBrk="1" latinLnBrk="0" hangingPunct="1">
+              <a:lnSpc>
+                <a:spcPct val="90000"/>
+              </a:lnSpc>
+              <a:spcBef>
+                <a:spcPts val="500"/>
+              </a:spcBef>
+              <a:buFont typeface="Arial" panose="020B0604020202020204" pitchFamily="34" charset="0"/>
+              <a:buNone/>
+              <a:defRPr sz="2000" kern="1200">
+                <a:solidFill>
+                  <a:schemeClr val="tx1"/>
+                </a:solidFill>
+                <a:latin typeface="+mn-lt"/>
+                <a:ea typeface="+mn-ea"/>
+                <a:cs typeface="+mn-cs"/>
+              </a:defRPr>
+            </a:lvl2pPr>
+            <a:lvl3pPr marL="914400" indent="0" algn="ctr" defTabSz="914400" rtl="0" eaLnBrk="1" latinLnBrk="0" hangingPunct="1">
+              <a:lnSpc>
+                <a:spcPct val="90000"/>
+              </a:lnSpc>
+              <a:spcBef>
+                <a:spcPts val="500"/>
+              </a:spcBef>
+              <a:buFont typeface="Arial" panose="020B0604020202020204" pitchFamily="34" charset="0"/>
+              <a:buNone/>
+              <a:defRPr sz="1800" kern="1200">
+                <a:solidFill>
+                  <a:schemeClr val="tx1"/>
+                </a:solidFill>
+                <a:latin typeface="+mn-lt"/>
+                <a:ea typeface="+mn-ea"/>
+                <a:cs typeface="+mn-cs"/>
+              </a:defRPr>
+            </a:lvl3pPr>
+            <a:lvl4pPr marL="1371600" indent="0" algn="ctr" defTabSz="914400" rtl="0" eaLnBrk="1" latinLnBrk="0" hangingPunct="1">
+              <a:lnSpc>
+                <a:spcPct val="90000"/>
+              </a:lnSpc>
+              <a:spcBef>
+                <a:spcPts val="500"/>
+              </a:spcBef>
+              <a:buFont typeface="Arial" panose="020B0604020202020204" pitchFamily="34" charset="0"/>
+              <a:buNone/>
+              <a:defRPr sz="1600" kern="1200">
+                <a:solidFill>
+                  <a:schemeClr val="tx1"/>
+                </a:solidFill>
+                <a:latin typeface="+mn-lt"/>
+                <a:ea typeface="+mn-ea"/>
+                <a:cs typeface="+mn-cs"/>
+              </a:defRPr>
+            </a:lvl4pPr>
+            <a:lvl5pPr marL="1828800" indent="0" algn="ctr" defTabSz="914400" rtl="0" eaLnBrk="1" latinLnBrk="0" hangingPunct="1">
+              <a:lnSpc>
+                <a:spcPct val="90000"/>
+              </a:lnSpc>
+              <a:spcBef>
+                <a:spcPts val="500"/>
+              </a:spcBef>
+              <a:buFont typeface="Arial" panose="020B0604020202020204" pitchFamily="34" charset="0"/>
+              <a:buNone/>
+              <a:defRPr sz="1600" kern="1200">
+                <a:solidFill>
+                  <a:schemeClr val="tx1"/>
+                </a:solidFill>
+                <a:latin typeface="+mn-lt"/>
+                <a:ea typeface="+mn-ea"/>
+                <a:cs typeface="+mn-cs"/>
+              </a:defRPr>
+            </a:lvl5pPr>
+            <a:lvl6pPr marL="2286000" indent="0" algn="ctr" defTabSz="914400" rtl="0" eaLnBrk="1" latinLnBrk="0" hangingPunct="1">
+              <a:lnSpc>
+                <a:spcPct val="90000"/>
+              </a:lnSpc>
+              <a:spcBef>
+                <a:spcPts val="500"/>
+              </a:spcBef>
+              <a:buFont typeface="Arial" panose="020B0604020202020204" pitchFamily="34" charset="0"/>
+              <a:buNone/>
+              <a:defRPr sz="1600" kern="1200">
+                <a:solidFill>
+                  <a:schemeClr val="tx1"/>
+                </a:solidFill>
+                <a:latin typeface="+mn-lt"/>
+                <a:ea typeface="+mn-ea"/>
+                <a:cs typeface="+mn-cs"/>
+              </a:defRPr>
+            </a:lvl6pPr>
+            <a:lvl7pPr marL="2743200" indent="0" algn="ctr" defTabSz="914400" rtl="0" eaLnBrk="1" latinLnBrk="0" hangingPunct="1">
+              <a:lnSpc>
+                <a:spcPct val="90000"/>
+              </a:lnSpc>
+              <a:spcBef>
+                <a:spcPts val="500"/>
+              </a:spcBef>
+              <a:buFont typeface="Arial" panose="020B0604020202020204" pitchFamily="34" charset="0"/>
+              <a:buNone/>
+              <a:defRPr sz="1600" kern="1200">
+                <a:solidFill>
+                  <a:schemeClr val="tx1"/>
+                </a:solidFill>
+                <a:latin typeface="+mn-lt"/>
+                <a:ea typeface="+mn-ea"/>
+                <a:cs typeface="+mn-cs"/>
+              </a:defRPr>
+            </a:lvl7pPr>
+            <a:lvl8pPr marL="3200400" indent="0" algn="ctr" defTabSz="914400" rtl="0" eaLnBrk="1" latinLnBrk="0" hangingPunct="1">
+              <a:lnSpc>
+                <a:spcPct val="90000"/>
+              </a:lnSpc>
+              <a:spcBef>
+                <a:spcPts val="500"/>
+              </a:spcBef>
+              <a:buFont typeface="Arial" panose="020B0604020202020204" pitchFamily="34" charset="0"/>
+              <a:buNone/>
+              <a:defRPr sz="1600" kern="1200">
+                <a:solidFill>
+                  <a:schemeClr val="tx1"/>
+                </a:solidFill>
+                <a:latin typeface="+mn-lt"/>
+                <a:ea typeface="+mn-ea"/>
+                <a:cs typeface="+mn-cs"/>
+              </a:defRPr>
+            </a:lvl8pPr>
+            <a:lvl9pPr marL="3657600" indent="0" algn="ctr" defTabSz="914400" rtl="0" eaLnBrk="1" latinLnBrk="0" hangingPunct="1">
+              <a:lnSpc>
+                <a:spcPct val="90000"/>
+              </a:lnSpc>
+              <a:spcBef>
+                <a:spcPts val="500"/>
+              </a:spcBef>
+              <a:buFont typeface="Arial" panose="020B0604020202020204" pitchFamily="34" charset="0"/>
+              <a:buNone/>
+              <a:defRPr sz="1600" kern="1200">
+                <a:solidFill>
+                  <a:schemeClr val="tx1"/>
+                </a:solidFill>
+                <a:latin typeface="+mn-lt"/>
+                <a:ea typeface="+mn-ea"/>
+                <a:cs typeface="+mn-cs"/>
+              </a:defRPr>
+            </a:lvl9pPr>
+          </a:lstStyle>
+          <a:p>
+            <a:pPr algn="l"/>
+            <a:r>
+              <a:rPr lang="es-AR" sz="2800" dirty="0">
+                <a:solidFill>
+                  <a:schemeClr val="bg1"/>
+                </a:solidFill>
+              </a:rPr>
+              <a:t>2 redes neuronales enfrentadas:   </a:t>
+            </a:r>
+            <a:r>
+              <a:rPr lang="es-AR" sz="2800" b="1" dirty="0">
+                <a:solidFill>
+                  <a:schemeClr val="bg1"/>
+                </a:solidFill>
+              </a:rPr>
+              <a:t>G</a:t>
+            </a:r>
+            <a:r>
+              <a:rPr lang="es-AR" sz="2800" dirty="0">
+                <a:solidFill>
+                  <a:schemeClr val="bg1"/>
+                </a:solidFill>
+              </a:rPr>
+              <a:t>enerador -  </a:t>
+            </a:r>
+            <a:r>
+              <a:rPr lang="es-AR" sz="2800" b="1" dirty="0">
+                <a:solidFill>
+                  <a:schemeClr val="bg1"/>
+                </a:solidFill>
+              </a:rPr>
+              <a:t>D</a:t>
+            </a:r>
+            <a:r>
+              <a:rPr lang="es-AR" sz="2800" dirty="0">
+                <a:solidFill>
+                  <a:schemeClr val="bg1"/>
+                </a:solidFill>
+              </a:rPr>
+              <a:t>iscriminador	</a:t>
+            </a:r>
+          </a:p>
+          <a:p>
+            <a:pPr algn="l"/>
+            <a:endParaRPr lang="es-AR" sz="2800" dirty="0">
+              <a:solidFill>
+                <a:schemeClr val="bg1"/>
+              </a:solidFill>
+            </a:endParaRPr>
+          </a:p>
+        </p:txBody>
+      </p:sp>
+      <p:pic>
+        <p:nvPicPr>
+          <p:cNvPr id="9" name="Imagen 8" descr="Forma&#10;&#10;Descripción generada automáticamente con confianza baja">
+            <a:extLst>
+              <a:ext uri="{FF2B5EF4-FFF2-40B4-BE49-F238E27FC236}">
+                <a16:creationId xmlns:a16="http://schemas.microsoft.com/office/drawing/2014/main" id="{3E8818A9-21A5-D270-0236-64EB72134CFF}"/>
+              </a:ext>
+            </a:extLst>
+          </p:cNvPr>
+          <p:cNvPicPr>
+            <a:picLocks noChangeAspect="1"/>
+          </p:cNvPicPr>
+          <p:nvPr/>
+        </p:nvPicPr>
+        <p:blipFill>
+          <a:blip r:embed="rId2">
+            <a:extLst>
+              <a:ext uri="{28A0092B-C50C-407E-A947-70E740481C1C}">
+                <a14:useLocalDpi xmlns:a14="http://schemas.microsoft.com/office/drawing/2010/main" val="0"/>
+              </a:ext>
+            </a:extLst>
+          </a:blip>
+          <a:stretch>
+            <a:fillRect/>
+          </a:stretch>
+        </p:blipFill>
+        <p:spPr>
+          <a:xfrm>
+            <a:off x="819150" y="1463098"/>
+            <a:ext cx="10553700" cy="4602561"/>
+          </a:xfrm>
+          <a:prstGeom prst="rect">
+            <a:avLst/>
+          </a:prstGeom>
+        </p:spPr>
+      </p:pic>
+    </p:spTree>
+    <p:extLst>
+      <p:ext uri="{BB962C8B-B14F-4D97-AF65-F5344CB8AC3E}">
+        <p14:creationId xmlns:p14="http://schemas.microsoft.com/office/powerpoint/2010/main" val="1345289315"/>
+      </p:ext>
+    </p:extLst>
+  </p:cSld>
+  <p:clrMapOvr>
+    <a:masterClrMapping/>
+  </p:clrMapOvr>
+</p:sld>
+</file>
+
+<file path=ppt/slides/slide11.xml><?xml version="1.0" encoding="utf-8"?>
+<p:sld xmlns:a="http://schemas.openxmlformats.org/drawingml/2006/main" xmlns:r="http://schemas.openxmlformats.org/officeDocument/2006/relationships" xmlns:p="http://schemas.openxmlformats.org/presentationml/2006/main">
+  <p:cSld>
+    <p:spTree>
+      <p:nvGrpSpPr>
+        <p:cNvPr id="1" name=""/>
+        <p:cNvGrpSpPr/>
+        <p:nvPr/>
+      </p:nvGrpSpPr>
+      <p:grpSpPr>
+        <a:xfrm>
+          <a:off x="0" y="0"/>
+          <a:ext cx="0" cy="0"/>
+          <a:chOff x="0" y="0"/>
+          <a:chExt cx="0" cy="0"/>
+        </a:xfrm>
+      </p:grpSpPr>
+      <p:sp>
+        <p:nvSpPr>
+          <p:cNvPr id="4" name="Subtitle 1"/>
+          <p:cNvSpPr txBox="1">
+            <a:spLocks/>
+          </p:cNvSpPr>
+          <p:nvPr/>
+        </p:nvSpPr>
+        <p:spPr>
+          <a:xfrm>
+            <a:off x="0" y="0"/>
+            <a:ext cx="12511314" cy="1085871"/>
+          </a:xfrm>
+          <a:prstGeom prst="rect">
+            <a:avLst/>
+          </a:prstGeom>
+        </p:spPr>
+        <p:txBody>
+          <a:bodyPr vert="horz" lIns="91440" tIns="45720" rIns="91440" bIns="45720" rtlCol="0">
+            <a:noAutofit/>
+          </a:bodyPr>
+          <a:lstStyle>
+            <a:lvl1pPr marL="228600" indent="-228600" algn="l" defTabSz="914400" rtl="0" eaLnBrk="1" latinLnBrk="0" hangingPunct="1">
+              <a:lnSpc>
+                <a:spcPct val="120000"/>
+              </a:lnSpc>
+              <a:spcBef>
+                <a:spcPts val="1000"/>
+              </a:spcBef>
+              <a:buSzPct val="125000"/>
+              <a:buFont typeface="Arial" panose="020B0604020202020204" pitchFamily="34" charset="0"/>
+              <a:buChar char="•"/>
+              <a:defRPr sz="2400" kern="1200">
+                <a:solidFill>
+                  <a:schemeClr val="tx1"/>
+                </a:solidFill>
+                <a:latin typeface="+mn-lt"/>
+                <a:ea typeface="+mn-ea"/>
+                <a:cs typeface="+mn-cs"/>
+              </a:defRPr>
+            </a:lvl1pPr>
+            <a:lvl2pPr marL="685800" indent="-228600" algn="l" defTabSz="914400" rtl="0" eaLnBrk="1" latinLnBrk="0" hangingPunct="1">
+              <a:lnSpc>
+                <a:spcPct val="120000"/>
+              </a:lnSpc>
+              <a:spcBef>
+                <a:spcPts val="500"/>
+              </a:spcBef>
+              <a:buSzPct val="125000"/>
+              <a:buFont typeface="Arial" panose="020B0604020202020204" pitchFamily="34" charset="0"/>
+              <a:buChar char="•"/>
+              <a:defRPr sz="2000" kern="1200">
+                <a:solidFill>
+                  <a:schemeClr val="tx1"/>
+                </a:solidFill>
+                <a:latin typeface="+mn-lt"/>
+                <a:ea typeface="+mn-ea"/>
+                <a:cs typeface="+mn-cs"/>
+              </a:defRPr>
+            </a:lvl2pPr>
+            <a:lvl3pPr marL="1143000" indent="-228600" algn="l" defTabSz="914400" rtl="0" eaLnBrk="1" latinLnBrk="0" hangingPunct="1">
+              <a:lnSpc>
+                <a:spcPct val="120000"/>
+              </a:lnSpc>
+              <a:spcBef>
+                <a:spcPts val="500"/>
+              </a:spcBef>
+              <a:buSzPct val="125000"/>
+              <a:buFont typeface="Arial" panose="020B0604020202020204" pitchFamily="34" charset="0"/>
+              <a:buChar char="•"/>
+              <a:defRPr sz="1800" kern="1200">
+                <a:solidFill>
+                  <a:schemeClr val="tx1"/>
+                </a:solidFill>
+                <a:latin typeface="+mn-lt"/>
+                <a:ea typeface="+mn-ea"/>
+                <a:cs typeface="+mn-cs"/>
+              </a:defRPr>
+            </a:lvl3pPr>
+            <a:lvl4pPr marL="1600200" indent="-228600" algn="l" defTabSz="914400" rtl="0" eaLnBrk="1" latinLnBrk="0" hangingPunct="1">
+              <a:lnSpc>
+                <a:spcPct val="120000"/>
+              </a:lnSpc>
+              <a:spcBef>
+                <a:spcPts val="500"/>
+              </a:spcBef>
+              <a:buSzPct val="125000"/>
+              <a:buFont typeface="Arial" panose="020B0604020202020204" pitchFamily="34" charset="0"/>
+              <a:buChar char="•"/>
+              <a:defRPr sz="1600" kern="1200">
+                <a:solidFill>
+                  <a:schemeClr val="tx1"/>
+                </a:solidFill>
+                <a:latin typeface="+mn-lt"/>
+                <a:ea typeface="+mn-ea"/>
+                <a:cs typeface="+mn-cs"/>
+              </a:defRPr>
+            </a:lvl4pPr>
+            <a:lvl5pPr marL="2057400" indent="-228600" algn="l" defTabSz="914400" rtl="0" eaLnBrk="1" latinLnBrk="0" hangingPunct="1">
+              <a:lnSpc>
+                <a:spcPct val="120000"/>
+              </a:lnSpc>
+              <a:spcBef>
+                <a:spcPts val="500"/>
+              </a:spcBef>
+              <a:buSzPct val="125000"/>
+              <a:buFont typeface="Arial" panose="020B0604020202020204" pitchFamily="34" charset="0"/>
+              <a:buChar char="•"/>
+              <a:defRPr sz="1600" kern="1200">
+                <a:solidFill>
+                  <a:schemeClr val="tx1"/>
+                </a:solidFill>
+                <a:latin typeface="+mn-lt"/>
+                <a:ea typeface="+mn-ea"/>
+                <a:cs typeface="+mn-cs"/>
+              </a:defRPr>
+            </a:lvl5pPr>
+            <a:lvl6pPr marL="2514600" indent="-228600" algn="l" defTabSz="914400" rtl="0" eaLnBrk="1" latinLnBrk="0" hangingPunct="1">
+              <a:lnSpc>
+                <a:spcPct val="120000"/>
+              </a:lnSpc>
+              <a:spcBef>
+                <a:spcPts val="500"/>
+              </a:spcBef>
+              <a:buSzPct val="125000"/>
+              <a:buFont typeface="Arial" panose="020B0604020202020204" pitchFamily="34" charset="0"/>
+              <a:buChar char="•"/>
+              <a:defRPr sz="1400" kern="1200">
+                <a:solidFill>
+                  <a:schemeClr val="tx1"/>
+                </a:solidFill>
+                <a:latin typeface="+mn-lt"/>
+                <a:ea typeface="+mn-ea"/>
+                <a:cs typeface="+mn-cs"/>
+              </a:defRPr>
+            </a:lvl6pPr>
+            <a:lvl7pPr marL="2971800" indent="-228600" algn="l" defTabSz="914400" rtl="0" eaLnBrk="1" latinLnBrk="0" hangingPunct="1">
+              <a:lnSpc>
+                <a:spcPct val="120000"/>
+              </a:lnSpc>
+              <a:spcBef>
+                <a:spcPts val="500"/>
+              </a:spcBef>
+              <a:buSzPct val="125000"/>
+              <a:buFont typeface="Arial" panose="020B0604020202020204" pitchFamily="34" charset="0"/>
+              <a:buChar char="•"/>
+              <a:defRPr sz="1400" kern="1200">
+                <a:solidFill>
+                  <a:schemeClr val="tx1"/>
+                </a:solidFill>
+                <a:latin typeface="+mn-lt"/>
+                <a:ea typeface="+mn-ea"/>
+                <a:cs typeface="+mn-cs"/>
+              </a:defRPr>
+            </a:lvl7pPr>
+            <a:lvl8pPr marL="3429000" indent="-228600" algn="l" defTabSz="914400" rtl="0" eaLnBrk="1" latinLnBrk="0" hangingPunct="1">
+              <a:lnSpc>
+                <a:spcPct val="120000"/>
+              </a:lnSpc>
+              <a:spcBef>
+                <a:spcPts val="500"/>
+              </a:spcBef>
+              <a:buSzPct val="125000"/>
+              <a:buFont typeface="Arial" panose="020B0604020202020204" pitchFamily="34" charset="0"/>
+              <a:buChar char="•"/>
+              <a:defRPr sz="1400" kern="1200">
+                <a:solidFill>
+                  <a:schemeClr val="tx1"/>
+                </a:solidFill>
+                <a:latin typeface="+mn-lt"/>
+                <a:ea typeface="+mn-ea"/>
+                <a:cs typeface="+mn-cs"/>
+              </a:defRPr>
+            </a:lvl8pPr>
+            <a:lvl9pPr marL="3886200" indent="-228600" algn="l" defTabSz="914400" rtl="0" eaLnBrk="1" latinLnBrk="0" hangingPunct="1">
+              <a:lnSpc>
+                <a:spcPct val="120000"/>
+              </a:lnSpc>
+              <a:spcBef>
+                <a:spcPts val="500"/>
+              </a:spcBef>
+              <a:buSzPct val="125000"/>
+              <a:buFont typeface="Arial" panose="020B0604020202020204" pitchFamily="34" charset="0"/>
+              <a:buChar char="•"/>
+              <a:defRPr sz="1400" kern="1200">
+                <a:solidFill>
+                  <a:schemeClr val="tx1"/>
+                </a:solidFill>
+                <a:latin typeface="+mn-lt"/>
+                <a:ea typeface="+mn-ea"/>
+                <a:cs typeface="+mn-cs"/>
+              </a:defRPr>
+            </a:lvl9pPr>
+          </a:lstStyle>
+          <a:p>
+            <a:pPr marL="0" indent="0" algn="ctr">
+              <a:buNone/>
+            </a:pPr>
+            <a:r>
+              <a:rPr lang="es-AR" sz="3200" dirty="0" err="1">
+                <a:solidFill>
+                  <a:schemeClr val="bg1"/>
+                </a:solidFill>
+              </a:rPr>
+              <a:t>Generative</a:t>
+            </a:r>
+            <a:r>
+              <a:rPr lang="es-AR" sz="3200" dirty="0">
+                <a:solidFill>
+                  <a:schemeClr val="bg1"/>
+                </a:solidFill>
+              </a:rPr>
+              <a:t> </a:t>
+            </a:r>
+            <a:r>
+              <a:rPr lang="es-AR" sz="3200" dirty="0" err="1">
+                <a:solidFill>
+                  <a:schemeClr val="bg1"/>
+                </a:solidFill>
+              </a:rPr>
+              <a:t>Adversarial</a:t>
+            </a:r>
+            <a:r>
+              <a:rPr lang="es-AR" sz="3200" dirty="0">
+                <a:solidFill>
+                  <a:schemeClr val="bg1"/>
+                </a:solidFill>
+              </a:rPr>
+              <a:t> Network (GAN)</a:t>
+            </a:r>
+          </a:p>
+        </p:txBody>
+      </p:sp>
+      <p:sp>
+        <p:nvSpPr>
           <p:cNvPr id="5" name="Subtitle 1"/>
           <p:cNvSpPr txBox="1">
             <a:spLocks/>
@@ -15854,7 +16504,7 @@
 </p:sld>
 </file>
 
-<file path=ppt/slides/slide11.xml><?xml version="1.0" encoding="utf-8"?>
+<file path=ppt/slides/slide12.xml><?xml version="1.0" encoding="utf-8"?>
 <p:sld xmlns:a="http://schemas.openxmlformats.org/drawingml/2006/main" xmlns:r="http://schemas.openxmlformats.org/officeDocument/2006/relationships" xmlns:p="http://schemas.openxmlformats.org/presentationml/2006/main">
   <p:cSld>
     <p:spTree>
@@ -17280,7 +17930,7 @@
 </p:sld>
 </file>
 
-<file path=ppt/slides/slide12.xml><?xml version="1.0" encoding="utf-8"?>
+<file path=ppt/slides/slide13.xml><?xml version="1.0" encoding="utf-8"?>
 <p:sld xmlns:a="http://schemas.openxmlformats.org/drawingml/2006/main" xmlns:r="http://schemas.openxmlformats.org/officeDocument/2006/relationships" xmlns:p="http://schemas.openxmlformats.org/presentationml/2006/main">
   <p:cSld>
     <p:spTree>
@@ -18314,7 +18964,7 @@
 </p:sld>
 </file>
 
-<file path=ppt/slides/slide13.xml><?xml version="1.0" encoding="utf-8"?>
+<file path=ppt/slides/slide14.xml><?xml version="1.0" encoding="utf-8"?>
 <p:sld xmlns:a="http://schemas.openxmlformats.org/drawingml/2006/main" xmlns:r="http://schemas.openxmlformats.org/officeDocument/2006/relationships" xmlns:p="http://schemas.openxmlformats.org/presentationml/2006/main">
   <p:cSld>
     <p:spTree>
@@ -18993,7 +19643,7 @@
 </p:sld>
 </file>
 
-<file path=ppt/slides/slide14.xml><?xml version="1.0" encoding="utf-8"?>
+<file path=ppt/slides/slide15.xml><?xml version="1.0" encoding="utf-8"?>
 <p:sld xmlns:a="http://schemas.openxmlformats.org/drawingml/2006/main" xmlns:r="http://schemas.openxmlformats.org/officeDocument/2006/relationships" xmlns:p="http://schemas.openxmlformats.org/presentationml/2006/main">
   <p:cSld>
     <p:spTree>
@@ -19582,7 +20232,7 @@
 </p:sld>
 </file>
 
-<file path=ppt/slides/slide15.xml><?xml version="1.0" encoding="utf-8"?>
+<file path=ppt/slides/slide16.xml><?xml version="1.0" encoding="utf-8"?>
 <p:sld xmlns:a="http://schemas.openxmlformats.org/drawingml/2006/main" xmlns:r="http://schemas.openxmlformats.org/officeDocument/2006/relationships" xmlns:p="http://schemas.openxmlformats.org/presentationml/2006/main">
   <p:cSld>
     <p:spTree>
@@ -25363,6 +26013,1083 @@
       </p:grpSpPr>
       <p:sp>
         <p:nvSpPr>
+          <p:cNvPr id="4" name="Subtitle 1"/>
+          <p:cNvSpPr txBox="1">
+            <a:spLocks/>
+          </p:cNvSpPr>
+          <p:nvPr/>
+        </p:nvSpPr>
+        <p:spPr>
+          <a:xfrm>
+            <a:off x="-159657" y="0"/>
+            <a:ext cx="12511314" cy="1085871"/>
+          </a:xfrm>
+          <a:prstGeom prst="rect">
+            <a:avLst/>
+          </a:prstGeom>
+        </p:spPr>
+        <p:txBody>
+          <a:bodyPr vert="horz" lIns="91440" tIns="45720" rIns="91440" bIns="45720" rtlCol="0">
+            <a:noAutofit/>
+          </a:bodyPr>
+          <a:lstStyle>
+            <a:lvl1pPr marL="228600" indent="-228600" algn="l" defTabSz="914400" rtl="0" eaLnBrk="1" latinLnBrk="0" hangingPunct="1">
+              <a:lnSpc>
+                <a:spcPct val="120000"/>
+              </a:lnSpc>
+              <a:spcBef>
+                <a:spcPts val="1000"/>
+              </a:spcBef>
+              <a:buSzPct val="125000"/>
+              <a:buFont typeface="Arial" panose="020B0604020202020204" pitchFamily="34" charset="0"/>
+              <a:buChar char="•"/>
+              <a:defRPr sz="2400" kern="1200">
+                <a:solidFill>
+                  <a:schemeClr val="tx1"/>
+                </a:solidFill>
+                <a:latin typeface="+mn-lt"/>
+                <a:ea typeface="+mn-ea"/>
+                <a:cs typeface="+mn-cs"/>
+              </a:defRPr>
+            </a:lvl1pPr>
+            <a:lvl2pPr marL="685800" indent="-228600" algn="l" defTabSz="914400" rtl="0" eaLnBrk="1" latinLnBrk="0" hangingPunct="1">
+              <a:lnSpc>
+                <a:spcPct val="120000"/>
+              </a:lnSpc>
+              <a:spcBef>
+                <a:spcPts val="500"/>
+              </a:spcBef>
+              <a:buSzPct val="125000"/>
+              <a:buFont typeface="Arial" panose="020B0604020202020204" pitchFamily="34" charset="0"/>
+              <a:buChar char="•"/>
+              <a:defRPr sz="2000" kern="1200">
+                <a:solidFill>
+                  <a:schemeClr val="tx1"/>
+                </a:solidFill>
+                <a:latin typeface="+mn-lt"/>
+                <a:ea typeface="+mn-ea"/>
+                <a:cs typeface="+mn-cs"/>
+              </a:defRPr>
+            </a:lvl2pPr>
+            <a:lvl3pPr marL="1143000" indent="-228600" algn="l" defTabSz="914400" rtl="0" eaLnBrk="1" latinLnBrk="0" hangingPunct="1">
+              <a:lnSpc>
+                <a:spcPct val="120000"/>
+              </a:lnSpc>
+              <a:spcBef>
+                <a:spcPts val="500"/>
+              </a:spcBef>
+              <a:buSzPct val="125000"/>
+              <a:buFont typeface="Arial" panose="020B0604020202020204" pitchFamily="34" charset="0"/>
+              <a:buChar char="•"/>
+              <a:defRPr sz="1800" kern="1200">
+                <a:solidFill>
+                  <a:schemeClr val="tx1"/>
+                </a:solidFill>
+                <a:latin typeface="+mn-lt"/>
+                <a:ea typeface="+mn-ea"/>
+                <a:cs typeface="+mn-cs"/>
+              </a:defRPr>
+            </a:lvl3pPr>
+            <a:lvl4pPr marL="1600200" indent="-228600" algn="l" defTabSz="914400" rtl="0" eaLnBrk="1" latinLnBrk="0" hangingPunct="1">
+              <a:lnSpc>
+                <a:spcPct val="120000"/>
+              </a:lnSpc>
+              <a:spcBef>
+                <a:spcPts val="500"/>
+              </a:spcBef>
+              <a:buSzPct val="125000"/>
+              <a:buFont typeface="Arial" panose="020B0604020202020204" pitchFamily="34" charset="0"/>
+              <a:buChar char="•"/>
+              <a:defRPr sz="1600" kern="1200">
+                <a:solidFill>
+                  <a:schemeClr val="tx1"/>
+                </a:solidFill>
+                <a:latin typeface="+mn-lt"/>
+                <a:ea typeface="+mn-ea"/>
+                <a:cs typeface="+mn-cs"/>
+              </a:defRPr>
+            </a:lvl4pPr>
+            <a:lvl5pPr marL="2057400" indent="-228600" algn="l" defTabSz="914400" rtl="0" eaLnBrk="1" latinLnBrk="0" hangingPunct="1">
+              <a:lnSpc>
+                <a:spcPct val="120000"/>
+              </a:lnSpc>
+              <a:spcBef>
+                <a:spcPts val="500"/>
+              </a:spcBef>
+              <a:buSzPct val="125000"/>
+              <a:buFont typeface="Arial" panose="020B0604020202020204" pitchFamily="34" charset="0"/>
+              <a:buChar char="•"/>
+              <a:defRPr sz="1600" kern="1200">
+                <a:solidFill>
+                  <a:schemeClr val="tx1"/>
+                </a:solidFill>
+                <a:latin typeface="+mn-lt"/>
+                <a:ea typeface="+mn-ea"/>
+                <a:cs typeface="+mn-cs"/>
+              </a:defRPr>
+            </a:lvl5pPr>
+            <a:lvl6pPr marL="2514600" indent="-228600" algn="l" defTabSz="914400" rtl="0" eaLnBrk="1" latinLnBrk="0" hangingPunct="1">
+              <a:lnSpc>
+                <a:spcPct val="120000"/>
+              </a:lnSpc>
+              <a:spcBef>
+                <a:spcPts val="500"/>
+              </a:spcBef>
+              <a:buSzPct val="125000"/>
+              <a:buFont typeface="Arial" panose="020B0604020202020204" pitchFamily="34" charset="0"/>
+              <a:buChar char="•"/>
+              <a:defRPr sz="1400" kern="1200">
+                <a:solidFill>
+                  <a:schemeClr val="tx1"/>
+                </a:solidFill>
+                <a:latin typeface="+mn-lt"/>
+                <a:ea typeface="+mn-ea"/>
+                <a:cs typeface="+mn-cs"/>
+              </a:defRPr>
+            </a:lvl6pPr>
+            <a:lvl7pPr marL="2971800" indent="-228600" algn="l" defTabSz="914400" rtl="0" eaLnBrk="1" latinLnBrk="0" hangingPunct="1">
+              <a:lnSpc>
+                <a:spcPct val="120000"/>
+              </a:lnSpc>
+              <a:spcBef>
+                <a:spcPts val="500"/>
+              </a:spcBef>
+              <a:buSzPct val="125000"/>
+              <a:buFont typeface="Arial" panose="020B0604020202020204" pitchFamily="34" charset="0"/>
+              <a:buChar char="•"/>
+              <a:defRPr sz="1400" kern="1200">
+                <a:solidFill>
+                  <a:schemeClr val="tx1"/>
+                </a:solidFill>
+                <a:latin typeface="+mn-lt"/>
+                <a:ea typeface="+mn-ea"/>
+                <a:cs typeface="+mn-cs"/>
+              </a:defRPr>
+            </a:lvl7pPr>
+            <a:lvl8pPr marL="3429000" indent="-228600" algn="l" defTabSz="914400" rtl="0" eaLnBrk="1" latinLnBrk="0" hangingPunct="1">
+              <a:lnSpc>
+                <a:spcPct val="120000"/>
+              </a:lnSpc>
+              <a:spcBef>
+                <a:spcPts val="500"/>
+              </a:spcBef>
+              <a:buSzPct val="125000"/>
+              <a:buFont typeface="Arial" panose="020B0604020202020204" pitchFamily="34" charset="0"/>
+              <a:buChar char="•"/>
+              <a:defRPr sz="1400" kern="1200">
+                <a:solidFill>
+                  <a:schemeClr val="tx1"/>
+                </a:solidFill>
+                <a:latin typeface="+mn-lt"/>
+                <a:ea typeface="+mn-ea"/>
+                <a:cs typeface="+mn-cs"/>
+              </a:defRPr>
+            </a:lvl8pPr>
+            <a:lvl9pPr marL="3886200" indent="-228600" algn="l" defTabSz="914400" rtl="0" eaLnBrk="1" latinLnBrk="0" hangingPunct="1">
+              <a:lnSpc>
+                <a:spcPct val="120000"/>
+              </a:lnSpc>
+              <a:spcBef>
+                <a:spcPts val="500"/>
+              </a:spcBef>
+              <a:buSzPct val="125000"/>
+              <a:buFont typeface="Arial" panose="020B0604020202020204" pitchFamily="34" charset="0"/>
+              <a:buChar char="•"/>
+              <a:defRPr sz="1400" kern="1200">
+                <a:solidFill>
+                  <a:schemeClr val="tx1"/>
+                </a:solidFill>
+                <a:latin typeface="+mn-lt"/>
+                <a:ea typeface="+mn-ea"/>
+                <a:cs typeface="+mn-cs"/>
+              </a:defRPr>
+            </a:lvl9pPr>
+          </a:lstStyle>
+          <a:p>
+            <a:pPr marL="0" indent="0" algn="ctr">
+              <a:buNone/>
+            </a:pPr>
+            <a:r>
+              <a:rPr lang="es-AR" sz="3200" dirty="0">
+                <a:solidFill>
+                  <a:schemeClr val="bg1"/>
+                </a:solidFill>
+              </a:rPr>
+              <a:t>Transfer </a:t>
+            </a:r>
+            <a:r>
+              <a:rPr lang="es-AR" sz="3200" dirty="0" err="1">
+                <a:solidFill>
+                  <a:schemeClr val="bg1"/>
+                </a:solidFill>
+              </a:rPr>
+              <a:t>Learning</a:t>
+            </a:r>
+            <a:r>
+              <a:rPr lang="es-AR" sz="3200" dirty="0">
+                <a:solidFill>
+                  <a:schemeClr val="bg1"/>
+                </a:solidFill>
+              </a:rPr>
+              <a:t> - ¿Qué estrategia usar?</a:t>
+            </a:r>
+          </a:p>
+          <a:p>
+            <a:pPr marL="0" indent="0" algn="ctr">
+              <a:buNone/>
+            </a:pPr>
+            <a:endParaRPr lang="es-AR" sz="3200" dirty="0">
+              <a:solidFill>
+                <a:schemeClr val="bg1"/>
+              </a:solidFill>
+            </a:endParaRPr>
+          </a:p>
+        </p:txBody>
+      </p:sp>
+      <p:cxnSp>
+        <p:nvCxnSpPr>
+          <p:cNvPr id="3" name="Conector recto de flecha 2">
+            <a:extLst>
+              <a:ext uri="{FF2B5EF4-FFF2-40B4-BE49-F238E27FC236}">
+                <a16:creationId xmlns:a16="http://schemas.microsoft.com/office/drawing/2014/main" id="{5EBC6E99-81D6-E402-C1F3-2B06ADD13C83}"/>
+              </a:ext>
+            </a:extLst>
+          </p:cNvPr>
+          <p:cNvCxnSpPr/>
+          <p:nvPr/>
+        </p:nvCxnSpPr>
+        <p:spPr>
+          <a:xfrm>
+            <a:off x="1219200" y="2345635"/>
+            <a:ext cx="9236765" cy="0"/>
+          </a:xfrm>
+          <a:prstGeom prst="straightConnector1">
+            <a:avLst/>
+          </a:prstGeom>
+          <a:ln w="76200">
+            <a:headEnd type="triangle"/>
+            <a:tailEnd type="triangle"/>
+          </a:ln>
+        </p:spPr>
+        <p:style>
+          <a:lnRef idx="1">
+            <a:schemeClr val="accent2"/>
+          </a:lnRef>
+          <a:fillRef idx="0">
+            <a:schemeClr val="accent2"/>
+          </a:fillRef>
+          <a:effectRef idx="0">
+            <a:schemeClr val="accent2"/>
+          </a:effectRef>
+          <a:fontRef idx="minor">
+            <a:schemeClr val="tx1"/>
+          </a:fontRef>
+        </p:style>
+      </p:cxnSp>
+      <p:cxnSp>
+        <p:nvCxnSpPr>
+          <p:cNvPr id="5" name="Conector recto de flecha 4">
+            <a:extLst>
+              <a:ext uri="{FF2B5EF4-FFF2-40B4-BE49-F238E27FC236}">
+                <a16:creationId xmlns:a16="http://schemas.microsoft.com/office/drawing/2014/main" id="{79E2AA7B-0C05-90F6-2742-E9A887A241AB}"/>
+              </a:ext>
+            </a:extLst>
+          </p:cNvPr>
+          <p:cNvCxnSpPr>
+            <a:cxnSpLocks/>
+          </p:cNvCxnSpPr>
+          <p:nvPr/>
+        </p:nvCxnSpPr>
+        <p:spPr>
+          <a:xfrm>
+            <a:off x="8288889" y="1167610"/>
+            <a:ext cx="0" cy="5006083"/>
+          </a:xfrm>
+          <a:prstGeom prst="straightConnector1">
+            <a:avLst/>
+          </a:prstGeom>
+          <a:ln w="76200">
+            <a:headEnd type="triangle"/>
+            <a:tailEnd type="triangle"/>
+          </a:ln>
+        </p:spPr>
+        <p:style>
+          <a:lnRef idx="1">
+            <a:schemeClr val="accent2"/>
+          </a:lnRef>
+          <a:fillRef idx="0">
+            <a:schemeClr val="accent2"/>
+          </a:fillRef>
+          <a:effectRef idx="0">
+            <a:schemeClr val="accent2"/>
+          </a:effectRef>
+          <a:fontRef idx="minor">
+            <a:schemeClr val="tx1"/>
+          </a:fontRef>
+        </p:style>
+      </p:cxnSp>
+      <p:sp>
+        <p:nvSpPr>
+          <p:cNvPr id="9" name="CuadroTexto 8">
+            <a:extLst>
+              <a:ext uri="{FF2B5EF4-FFF2-40B4-BE49-F238E27FC236}">
+                <a16:creationId xmlns:a16="http://schemas.microsoft.com/office/drawing/2014/main" id="{3CC4C91B-D1B6-4B85-0C60-474E765AA993}"/>
+              </a:ext>
+            </a:extLst>
+          </p:cNvPr>
+          <p:cNvSpPr txBox="1"/>
+          <p:nvPr/>
+        </p:nvSpPr>
+        <p:spPr>
+          <a:xfrm>
+            <a:off x="-33779" y="1730107"/>
+            <a:ext cx="1789040" cy="830997"/>
+          </a:xfrm>
+          <a:prstGeom prst="rect">
+            <a:avLst/>
+          </a:prstGeom>
+          <a:noFill/>
+        </p:spPr>
+        <p:txBody>
+          <a:bodyPr wrap="square">
+            <a:spAutoFit/>
+          </a:bodyPr>
+          <a:lstStyle/>
+          <a:p>
+            <a:r>
+              <a:rPr lang="es-AR" sz="2400" dirty="0" err="1">
+                <a:solidFill>
+                  <a:schemeClr val="bg1"/>
+                </a:solidFill>
+              </a:rPr>
+              <a:t>Dataset</a:t>
+            </a:r>
+            <a:r>
+              <a:rPr lang="es-AR" sz="2400" dirty="0">
+                <a:solidFill>
+                  <a:schemeClr val="bg1"/>
+                </a:solidFill>
+              </a:rPr>
+              <a:t> pequeño </a:t>
+            </a:r>
+            <a:endParaRPr lang="es-AR" sz="2400" dirty="0"/>
+          </a:p>
+        </p:txBody>
+      </p:sp>
+      <p:sp>
+        <p:nvSpPr>
+          <p:cNvPr id="10" name="CuadroTexto 9">
+            <a:extLst>
+              <a:ext uri="{FF2B5EF4-FFF2-40B4-BE49-F238E27FC236}">
+                <a16:creationId xmlns:a16="http://schemas.microsoft.com/office/drawing/2014/main" id="{9241FF65-4241-DE52-6A64-75594F8D8931}"/>
+              </a:ext>
+            </a:extLst>
+          </p:cNvPr>
+          <p:cNvSpPr txBox="1"/>
+          <p:nvPr/>
+        </p:nvSpPr>
+        <p:spPr>
+          <a:xfrm>
+            <a:off x="10520488" y="2345635"/>
+            <a:ext cx="1689648" cy="830997"/>
+          </a:xfrm>
+          <a:prstGeom prst="rect">
+            <a:avLst/>
+          </a:prstGeom>
+          <a:noFill/>
+        </p:spPr>
+        <p:txBody>
+          <a:bodyPr wrap="square">
+            <a:spAutoFit/>
+          </a:bodyPr>
+          <a:lstStyle/>
+          <a:p>
+            <a:r>
+              <a:rPr lang="es-AR" sz="2400" dirty="0" err="1">
+                <a:solidFill>
+                  <a:schemeClr val="bg1"/>
+                </a:solidFill>
+              </a:rPr>
+              <a:t>Dataset</a:t>
+            </a:r>
+            <a:r>
+              <a:rPr lang="es-AR" sz="2400" dirty="0">
+                <a:solidFill>
+                  <a:schemeClr val="bg1"/>
+                </a:solidFill>
+              </a:rPr>
+              <a:t> grande</a:t>
+            </a:r>
+            <a:endParaRPr lang="es-AR" sz="2400" dirty="0"/>
+          </a:p>
+        </p:txBody>
+      </p:sp>
+      <p:sp>
+        <p:nvSpPr>
+          <p:cNvPr id="11" name="CuadroTexto 10">
+            <a:extLst>
+              <a:ext uri="{FF2B5EF4-FFF2-40B4-BE49-F238E27FC236}">
+                <a16:creationId xmlns:a16="http://schemas.microsoft.com/office/drawing/2014/main" id="{786610DA-0C4D-A6B8-BCDC-9E16E3D907EF}"/>
+              </a:ext>
+            </a:extLst>
+          </p:cNvPr>
+          <p:cNvSpPr txBox="1"/>
+          <p:nvPr/>
+        </p:nvSpPr>
+        <p:spPr>
+          <a:xfrm>
+            <a:off x="5117076" y="629685"/>
+            <a:ext cx="2548961" cy="830997"/>
+          </a:xfrm>
+          <a:prstGeom prst="rect">
+            <a:avLst/>
+          </a:prstGeom>
+          <a:noFill/>
+        </p:spPr>
+        <p:txBody>
+          <a:bodyPr wrap="square">
+            <a:spAutoFit/>
+          </a:bodyPr>
+          <a:lstStyle/>
+          <a:p>
+            <a:pPr algn="ctr"/>
+            <a:r>
+              <a:rPr lang="es-AR" sz="2400" dirty="0" err="1">
+                <a:solidFill>
+                  <a:schemeClr val="bg1"/>
+                </a:solidFill>
+              </a:rPr>
+              <a:t>Dataset</a:t>
+            </a:r>
+            <a:r>
+              <a:rPr lang="es-AR" sz="2400" dirty="0">
+                <a:solidFill>
+                  <a:schemeClr val="bg1"/>
+                </a:solidFill>
+              </a:rPr>
+              <a:t> semejante al </a:t>
+            </a:r>
+            <a:r>
+              <a:rPr lang="es-AR" sz="2400" dirty="0" err="1">
+                <a:solidFill>
+                  <a:schemeClr val="bg1"/>
+                </a:solidFill>
+              </a:rPr>
+              <a:t>generic</a:t>
+            </a:r>
+            <a:endParaRPr lang="es-AR" sz="2400" dirty="0"/>
+          </a:p>
+        </p:txBody>
+      </p:sp>
+      <p:sp>
+        <p:nvSpPr>
+          <p:cNvPr id="13" name="CuadroTexto 12">
+            <a:extLst>
+              <a:ext uri="{FF2B5EF4-FFF2-40B4-BE49-F238E27FC236}">
+                <a16:creationId xmlns:a16="http://schemas.microsoft.com/office/drawing/2014/main" id="{7CEE8649-6685-48ED-332D-9CAB11E68EEF}"/>
+              </a:ext>
+            </a:extLst>
+          </p:cNvPr>
+          <p:cNvSpPr txBox="1"/>
+          <p:nvPr/>
+        </p:nvSpPr>
+        <p:spPr>
+          <a:xfrm>
+            <a:off x="4978269" y="6091954"/>
+            <a:ext cx="2198343" cy="830997"/>
+          </a:xfrm>
+          <a:prstGeom prst="rect">
+            <a:avLst/>
+          </a:prstGeom>
+          <a:noFill/>
+        </p:spPr>
+        <p:txBody>
+          <a:bodyPr wrap="square">
+            <a:spAutoFit/>
+          </a:bodyPr>
+          <a:lstStyle/>
+          <a:p>
+            <a:pPr algn="ctr"/>
+            <a:r>
+              <a:rPr lang="es-AR" sz="2400" dirty="0" err="1">
+                <a:solidFill>
+                  <a:schemeClr val="bg1"/>
+                </a:solidFill>
+              </a:rPr>
+              <a:t>Dataset</a:t>
+            </a:r>
+            <a:r>
+              <a:rPr lang="es-AR" sz="2400" dirty="0">
+                <a:solidFill>
+                  <a:schemeClr val="bg1"/>
+                </a:solidFill>
+              </a:rPr>
+              <a:t> distinto al </a:t>
+            </a:r>
+            <a:r>
+              <a:rPr lang="es-AR" sz="2400" dirty="0" err="1">
+                <a:solidFill>
+                  <a:schemeClr val="bg1"/>
+                </a:solidFill>
+              </a:rPr>
+              <a:t>generic</a:t>
+            </a:r>
+            <a:endParaRPr lang="es-AR" sz="2400" dirty="0"/>
+          </a:p>
+        </p:txBody>
+      </p:sp>
+      <p:sp>
+        <p:nvSpPr>
+          <p:cNvPr id="15" name="CuadroTexto 14">
+            <a:extLst>
+              <a:ext uri="{FF2B5EF4-FFF2-40B4-BE49-F238E27FC236}">
+                <a16:creationId xmlns:a16="http://schemas.microsoft.com/office/drawing/2014/main" id="{55F7F7D5-E549-29DA-B389-E677AFFEF69F}"/>
+              </a:ext>
+            </a:extLst>
+          </p:cNvPr>
+          <p:cNvSpPr txBox="1"/>
+          <p:nvPr/>
+        </p:nvSpPr>
+        <p:spPr>
+          <a:xfrm>
+            <a:off x="1859419" y="773083"/>
+            <a:ext cx="1994454" cy="369332"/>
+          </a:xfrm>
+          <a:prstGeom prst="rect">
+            <a:avLst/>
+          </a:prstGeom>
+          <a:noFill/>
+        </p:spPr>
+        <p:txBody>
+          <a:bodyPr wrap="square">
+            <a:spAutoFit/>
+          </a:bodyPr>
+          <a:lstStyle/>
+          <a:p>
+            <a:r>
+              <a:rPr lang="es-AR" sz="1800" dirty="0" err="1">
+                <a:solidFill>
+                  <a:srgbClr val="FF0000"/>
+                </a:solidFill>
+                <a:sym typeface="Wingdings" panose="05000000000000000000" pitchFamily="2" charset="2"/>
+              </a:rPr>
+              <a:t>feature</a:t>
+            </a:r>
+            <a:r>
+              <a:rPr lang="es-AR" sz="1800" dirty="0">
+                <a:solidFill>
+                  <a:srgbClr val="FF0000"/>
+                </a:solidFill>
+                <a:sym typeface="Wingdings" panose="05000000000000000000" pitchFamily="2" charset="2"/>
+              </a:rPr>
+              <a:t> extractor</a:t>
+            </a:r>
+            <a:endParaRPr lang="es-AR" dirty="0">
+              <a:solidFill>
+                <a:srgbClr val="FF0000"/>
+              </a:solidFill>
+            </a:endParaRPr>
+          </a:p>
+        </p:txBody>
+      </p:sp>
+      <p:sp>
+        <p:nvSpPr>
+          <p:cNvPr id="17" name="CuadroTexto 16">
+            <a:extLst>
+              <a:ext uri="{FF2B5EF4-FFF2-40B4-BE49-F238E27FC236}">
+                <a16:creationId xmlns:a16="http://schemas.microsoft.com/office/drawing/2014/main" id="{B377829B-A29D-FDCC-45F1-E09CEB0E7CDD}"/>
+              </a:ext>
+            </a:extLst>
+          </p:cNvPr>
+          <p:cNvSpPr txBox="1"/>
+          <p:nvPr/>
+        </p:nvSpPr>
+        <p:spPr>
+          <a:xfrm>
+            <a:off x="8604911" y="710996"/>
+            <a:ext cx="1643269" cy="369332"/>
+          </a:xfrm>
+          <a:prstGeom prst="rect">
+            <a:avLst/>
+          </a:prstGeom>
+          <a:noFill/>
+        </p:spPr>
+        <p:txBody>
+          <a:bodyPr wrap="square">
+            <a:spAutoFit/>
+          </a:bodyPr>
+          <a:lstStyle/>
+          <a:p>
+            <a:r>
+              <a:rPr lang="es-AR" sz="1800" dirty="0">
+                <a:solidFill>
+                  <a:srgbClr val="FF0000"/>
+                </a:solidFill>
+                <a:sym typeface="Wingdings" panose="05000000000000000000" pitchFamily="2" charset="2"/>
+              </a:rPr>
+              <a:t>fine </a:t>
+            </a:r>
+            <a:r>
+              <a:rPr lang="es-AR" sz="1800" dirty="0" err="1">
+                <a:solidFill>
+                  <a:srgbClr val="FF0000"/>
+                </a:solidFill>
+                <a:sym typeface="Wingdings" panose="05000000000000000000" pitchFamily="2" charset="2"/>
+              </a:rPr>
+              <a:t>tunning</a:t>
+            </a:r>
+            <a:endParaRPr lang="es-AR" dirty="0">
+              <a:solidFill>
+                <a:srgbClr val="FF0000"/>
+              </a:solidFill>
+            </a:endParaRPr>
+          </a:p>
+        </p:txBody>
+      </p:sp>
+      <p:sp>
+        <p:nvSpPr>
+          <p:cNvPr id="19" name="CuadroTexto 18">
+            <a:extLst>
+              <a:ext uri="{FF2B5EF4-FFF2-40B4-BE49-F238E27FC236}">
+                <a16:creationId xmlns:a16="http://schemas.microsoft.com/office/drawing/2014/main" id="{0EE19F03-CC19-C315-698F-ED1617A7B088}"/>
+              </a:ext>
+            </a:extLst>
+          </p:cNvPr>
+          <p:cNvSpPr txBox="1"/>
+          <p:nvPr/>
+        </p:nvSpPr>
+        <p:spPr>
+          <a:xfrm>
+            <a:off x="380128" y="6084917"/>
+            <a:ext cx="2411901" cy="646331"/>
+          </a:xfrm>
+          <a:prstGeom prst="rect">
+            <a:avLst/>
+          </a:prstGeom>
+          <a:noFill/>
+        </p:spPr>
+        <p:txBody>
+          <a:bodyPr wrap="square">
+            <a:spAutoFit/>
+          </a:bodyPr>
+          <a:lstStyle/>
+          <a:p>
+            <a:r>
+              <a:rPr lang="es-AR" sz="1800" dirty="0" err="1">
+                <a:solidFill>
+                  <a:srgbClr val="FF0000"/>
+                </a:solidFill>
+                <a:sym typeface="Wingdings" panose="05000000000000000000" pitchFamily="2" charset="2"/>
+              </a:rPr>
+              <a:t>feature</a:t>
+            </a:r>
+            <a:r>
+              <a:rPr lang="es-AR" sz="1800" dirty="0">
+                <a:solidFill>
+                  <a:srgbClr val="FF0000"/>
+                </a:solidFill>
+                <a:sym typeface="Wingdings" panose="05000000000000000000" pitchFamily="2" charset="2"/>
+              </a:rPr>
+              <a:t> extractor desde menor profundidad</a:t>
+            </a:r>
+            <a:endParaRPr lang="es-AR" dirty="0">
+              <a:solidFill>
+                <a:srgbClr val="FF0000"/>
+              </a:solidFill>
+            </a:endParaRPr>
+          </a:p>
+        </p:txBody>
+      </p:sp>
+      <p:sp>
+        <p:nvSpPr>
+          <p:cNvPr id="21" name="CuadroTexto 20">
+            <a:extLst>
+              <a:ext uri="{FF2B5EF4-FFF2-40B4-BE49-F238E27FC236}">
+                <a16:creationId xmlns:a16="http://schemas.microsoft.com/office/drawing/2014/main" id="{E8F43549-4D83-6AA4-3046-86BFC31F5C71}"/>
+              </a:ext>
+            </a:extLst>
+          </p:cNvPr>
+          <p:cNvSpPr txBox="1"/>
+          <p:nvPr/>
+        </p:nvSpPr>
+        <p:spPr>
+          <a:xfrm>
+            <a:off x="9030478" y="4158665"/>
+            <a:ext cx="2850973" cy="646331"/>
+          </a:xfrm>
+          <a:prstGeom prst="rect">
+            <a:avLst/>
+          </a:prstGeom>
+          <a:noFill/>
+        </p:spPr>
+        <p:txBody>
+          <a:bodyPr wrap="square">
+            <a:spAutoFit/>
+          </a:bodyPr>
+          <a:lstStyle/>
+          <a:p>
+            <a:r>
+              <a:rPr lang="es-AR" sz="1800" dirty="0">
+                <a:solidFill>
+                  <a:srgbClr val="FF0000"/>
+                </a:solidFill>
+                <a:sym typeface="Wingdings" panose="05000000000000000000" pitchFamily="2" charset="2"/>
+              </a:rPr>
+              <a:t>fine </a:t>
+            </a:r>
+            <a:r>
+              <a:rPr lang="es-AR" sz="1800" dirty="0" err="1">
+                <a:solidFill>
+                  <a:srgbClr val="FF0000"/>
+                </a:solidFill>
+                <a:sym typeface="Wingdings" panose="05000000000000000000" pitchFamily="2" charset="2"/>
+              </a:rPr>
+              <a:t>tunning</a:t>
+            </a:r>
+            <a:r>
+              <a:rPr lang="es-AR" sz="1800" dirty="0">
+                <a:solidFill>
+                  <a:srgbClr val="FF0000"/>
+                </a:solidFill>
+                <a:sym typeface="Wingdings" panose="05000000000000000000" pitchFamily="2" charset="2"/>
+              </a:rPr>
+              <a:t> (</a:t>
+            </a:r>
+            <a:r>
+              <a:rPr lang="es-AR" sz="1800" dirty="0" err="1">
+                <a:solidFill>
+                  <a:srgbClr val="FF0000"/>
+                </a:solidFill>
+                <a:sym typeface="Wingdings" panose="05000000000000000000" pitchFamily="2" charset="2"/>
+              </a:rPr>
+              <a:t>from</a:t>
+            </a:r>
+            <a:r>
+              <a:rPr lang="es-AR" sz="1800" dirty="0">
+                <a:solidFill>
+                  <a:srgbClr val="FF0000"/>
+                </a:solidFill>
+                <a:sym typeface="Wingdings" panose="05000000000000000000" pitchFamily="2" charset="2"/>
+              </a:rPr>
+              <a:t> </a:t>
+            </a:r>
+            <a:r>
+              <a:rPr lang="es-AR" sz="1800" dirty="0" err="1">
+                <a:solidFill>
+                  <a:srgbClr val="FF0000"/>
+                </a:solidFill>
+                <a:sym typeface="Wingdings" panose="05000000000000000000" pitchFamily="2" charset="2"/>
+              </a:rPr>
+              <a:t>pre-trained</a:t>
+            </a:r>
+            <a:r>
+              <a:rPr lang="es-AR" sz="1800" dirty="0">
+                <a:solidFill>
+                  <a:srgbClr val="FF0000"/>
+                </a:solidFill>
+                <a:sym typeface="Wingdings" panose="05000000000000000000" pitchFamily="2" charset="2"/>
+              </a:rPr>
+              <a:t> </a:t>
+            </a:r>
+            <a:r>
+              <a:rPr lang="es-AR" sz="1800" dirty="0" err="1">
+                <a:solidFill>
+                  <a:srgbClr val="FF0000"/>
+                </a:solidFill>
+                <a:sym typeface="Wingdings" panose="05000000000000000000" pitchFamily="2" charset="2"/>
+              </a:rPr>
+              <a:t>models</a:t>
+            </a:r>
+            <a:r>
+              <a:rPr lang="es-AR" sz="1800" dirty="0">
+                <a:solidFill>
+                  <a:srgbClr val="FF0000"/>
+                </a:solidFill>
+                <a:sym typeface="Wingdings" panose="05000000000000000000" pitchFamily="2" charset="2"/>
+              </a:rPr>
+              <a:t>)</a:t>
+            </a:r>
+            <a:endParaRPr lang="es-AR" dirty="0">
+              <a:solidFill>
+                <a:srgbClr val="FF0000"/>
+              </a:solidFill>
+            </a:endParaRPr>
+          </a:p>
+        </p:txBody>
+      </p:sp>
+      <p:pic>
+        <p:nvPicPr>
+          <p:cNvPr id="31" name="Imagen 30">
+            <a:extLst>
+              <a:ext uri="{FF2B5EF4-FFF2-40B4-BE49-F238E27FC236}">
+                <a16:creationId xmlns:a16="http://schemas.microsoft.com/office/drawing/2014/main" id="{CD46A953-1561-8618-5E56-CCF894E5D979}"/>
+              </a:ext>
+            </a:extLst>
+          </p:cNvPr>
+          <p:cNvPicPr>
+            <a:picLocks noChangeAspect="1"/>
+          </p:cNvPicPr>
+          <p:nvPr/>
+        </p:nvPicPr>
+        <p:blipFill>
+          <a:blip r:embed="rId2">
+            <a:extLst>
+              <a:ext uri="{28A0092B-C50C-407E-A947-70E740481C1C}">
+                <a14:useLocalDpi xmlns:a14="http://schemas.microsoft.com/office/drawing/2010/main" val="0"/>
+              </a:ext>
+            </a:extLst>
+          </a:blip>
+          <a:stretch>
+            <a:fillRect/>
+          </a:stretch>
+        </p:blipFill>
+        <p:spPr>
+          <a:xfrm>
+            <a:off x="2062711" y="3936150"/>
+            <a:ext cx="3170737" cy="2096674"/>
+          </a:xfrm>
+          <a:prstGeom prst="rect">
+            <a:avLst/>
+          </a:prstGeom>
+        </p:spPr>
+      </p:pic>
+      <p:sp>
+        <p:nvSpPr>
+          <p:cNvPr id="32" name="Abrir llave 31">
+            <a:extLst>
+              <a:ext uri="{FF2B5EF4-FFF2-40B4-BE49-F238E27FC236}">
+                <a16:creationId xmlns:a16="http://schemas.microsoft.com/office/drawing/2014/main" id="{6B9115E1-08DB-5990-8730-9030B27874B5}"/>
+              </a:ext>
+            </a:extLst>
+          </p:cNvPr>
+          <p:cNvSpPr/>
+          <p:nvPr/>
+        </p:nvSpPr>
+        <p:spPr>
+          <a:xfrm rot="16200000">
+            <a:off x="3643162" y="5767534"/>
+            <a:ext cx="267220" cy="545098"/>
+          </a:xfrm>
+          <a:prstGeom prst="leftBrace">
+            <a:avLst/>
+          </a:prstGeom>
+          <a:ln>
+            <a:solidFill>
+              <a:srgbClr val="FF0000"/>
+            </a:solidFill>
+          </a:ln>
+        </p:spPr>
+        <p:style>
+          <a:lnRef idx="3">
+            <a:schemeClr val="accent3"/>
+          </a:lnRef>
+          <a:fillRef idx="0">
+            <a:schemeClr val="accent3"/>
+          </a:fillRef>
+          <a:effectRef idx="2">
+            <a:schemeClr val="accent3"/>
+          </a:effectRef>
+          <a:fontRef idx="minor">
+            <a:schemeClr val="tx1"/>
+          </a:fontRef>
+        </p:style>
+        <p:txBody>
+          <a:bodyPr rtlCol="0" anchor="ctr"/>
+          <a:lstStyle/>
+          <a:p>
+            <a:pPr algn="ctr"/>
+            <a:endParaRPr lang="es-AR"/>
+          </a:p>
+        </p:txBody>
+      </p:sp>
+      <p:sp>
+        <p:nvSpPr>
+          <p:cNvPr id="33" name="CuadroTexto 32">
+            <a:extLst>
+              <a:ext uri="{FF2B5EF4-FFF2-40B4-BE49-F238E27FC236}">
+                <a16:creationId xmlns:a16="http://schemas.microsoft.com/office/drawing/2014/main" id="{6C8E394D-12A5-0177-516B-D96CCB3330D1}"/>
+              </a:ext>
+            </a:extLst>
+          </p:cNvPr>
+          <p:cNvSpPr txBox="1"/>
+          <p:nvPr/>
+        </p:nvSpPr>
+        <p:spPr>
+          <a:xfrm>
+            <a:off x="2997341" y="6173693"/>
+            <a:ext cx="1427894" cy="409790"/>
+          </a:xfrm>
+          <a:prstGeom prst="rect">
+            <a:avLst/>
+          </a:prstGeom>
+          <a:noFill/>
+        </p:spPr>
+        <p:txBody>
+          <a:bodyPr wrap="square">
+            <a:spAutoFit/>
+          </a:bodyPr>
+          <a:lstStyle/>
+          <a:p>
+            <a:r>
+              <a:rPr lang="es-AR" dirty="0">
+                <a:solidFill>
+                  <a:srgbClr val="FF0000"/>
+                </a:solidFill>
+              </a:rPr>
+              <a:t>reentrenar</a:t>
+            </a:r>
+          </a:p>
+        </p:txBody>
+      </p:sp>
+      <p:cxnSp>
+        <p:nvCxnSpPr>
+          <p:cNvPr id="41" name="Conector recto 40">
+            <a:extLst>
+              <a:ext uri="{FF2B5EF4-FFF2-40B4-BE49-F238E27FC236}">
+                <a16:creationId xmlns:a16="http://schemas.microsoft.com/office/drawing/2014/main" id="{2305497B-CEE7-1195-8B1E-AB4A2C35B986}"/>
+              </a:ext>
+            </a:extLst>
+          </p:cNvPr>
+          <p:cNvCxnSpPr>
+            <a:cxnSpLocks/>
+          </p:cNvCxnSpPr>
+          <p:nvPr/>
+        </p:nvCxnSpPr>
+        <p:spPr>
+          <a:xfrm>
+            <a:off x="10455965" y="4810539"/>
+            <a:ext cx="0" cy="726622"/>
+          </a:xfrm>
+          <a:prstGeom prst="line">
+            <a:avLst/>
+          </a:prstGeom>
+          <a:ln w="28575"/>
+        </p:spPr>
+        <p:style>
+          <a:lnRef idx="1">
+            <a:schemeClr val="accent2"/>
+          </a:lnRef>
+          <a:fillRef idx="0">
+            <a:schemeClr val="accent2"/>
+          </a:fillRef>
+          <a:effectRef idx="0">
+            <a:schemeClr val="accent2"/>
+          </a:effectRef>
+          <a:fontRef idx="minor">
+            <a:schemeClr val="tx1"/>
+          </a:fontRef>
+        </p:style>
+      </p:cxnSp>
+      <p:sp>
+        <p:nvSpPr>
+          <p:cNvPr id="6" name="CuadroTexto 5">
+            <a:extLst>
+              <a:ext uri="{FF2B5EF4-FFF2-40B4-BE49-F238E27FC236}">
+                <a16:creationId xmlns:a16="http://schemas.microsoft.com/office/drawing/2014/main" id="{0D89458B-06A0-07DA-045D-F9FAE1B2DED5}"/>
+              </a:ext>
+            </a:extLst>
+          </p:cNvPr>
+          <p:cNvSpPr txBox="1"/>
+          <p:nvPr/>
+        </p:nvSpPr>
+        <p:spPr>
+          <a:xfrm>
+            <a:off x="405877" y="2679228"/>
+            <a:ext cx="6255026" cy="923330"/>
+          </a:xfrm>
+          <a:prstGeom prst="rect">
+            <a:avLst/>
+          </a:prstGeom>
+          <a:noFill/>
+        </p:spPr>
+        <p:txBody>
+          <a:bodyPr wrap="square">
+            <a:spAutoFit/>
+          </a:bodyPr>
+          <a:lstStyle/>
+          <a:p>
+            <a:r>
+              <a:rPr lang="es-AR" dirty="0">
+                <a:solidFill>
+                  <a:srgbClr val="FF0000"/>
+                </a:solidFill>
+              </a:rPr>
+              <a:t>https://discuss.pytorch.org/t/how-can-i-replace-the-forward-method-of-a-predefined-torchvision-model-with-my-customized-forward-function/54224/8</a:t>
+            </a:r>
+          </a:p>
+        </p:txBody>
+      </p:sp>
+      <p:sp>
+        <p:nvSpPr>
+          <p:cNvPr id="8" name="CuadroTexto 7">
+            <a:extLst>
+              <a:ext uri="{FF2B5EF4-FFF2-40B4-BE49-F238E27FC236}">
+                <a16:creationId xmlns:a16="http://schemas.microsoft.com/office/drawing/2014/main" id="{0D1A8245-FE45-D301-8C1C-AD588606ABAE}"/>
+              </a:ext>
+            </a:extLst>
+          </p:cNvPr>
+          <p:cNvSpPr txBox="1"/>
+          <p:nvPr/>
+        </p:nvSpPr>
+        <p:spPr>
+          <a:xfrm>
+            <a:off x="5321835" y="3905395"/>
+            <a:ext cx="2674200" cy="1748623"/>
+          </a:xfrm>
+          <a:prstGeom prst="rect">
+            <a:avLst/>
+          </a:prstGeom>
+          <a:noFill/>
+        </p:spPr>
+        <p:txBody>
+          <a:bodyPr wrap="square">
+            <a:spAutoFit/>
+          </a:bodyPr>
+          <a:lstStyle/>
+          <a:p>
+            <a:r>
+              <a:rPr lang="es-AR" dirty="0">
+                <a:solidFill>
+                  <a:srgbClr val="FF0000"/>
+                </a:solidFill>
+              </a:rPr>
+              <a:t>https://github.com/mortezamg63/Accessing-and-modifying-different-layers-of-a-pretrained-model-in-pytorch/blob/master/README.md</a:t>
+            </a:r>
+          </a:p>
+        </p:txBody>
+      </p:sp>
+    </p:spTree>
+    <p:extLst>
+      <p:ext uri="{BB962C8B-B14F-4D97-AF65-F5344CB8AC3E}">
+        <p14:creationId xmlns:p14="http://schemas.microsoft.com/office/powerpoint/2010/main" val="1900095533"/>
+      </p:ext>
+    </p:extLst>
+  </p:cSld>
+  <p:clrMapOvr>
+    <a:masterClrMapping/>
+  </p:clrMapOvr>
+</p:sld>
+</file>
+
+<file path=ppt/slides/slide9.xml><?xml version="1.0" encoding="utf-8"?>
+<p:sld xmlns:a="http://schemas.openxmlformats.org/drawingml/2006/main" xmlns:r="http://schemas.openxmlformats.org/officeDocument/2006/relationships" xmlns:p="http://schemas.openxmlformats.org/presentationml/2006/main">
+  <p:cSld>
+    <p:spTree>
+      <p:nvGrpSpPr>
+        <p:cNvPr id="1" name=""/>
+        <p:cNvGrpSpPr/>
+        <p:nvPr/>
+      </p:nvGrpSpPr>
+      <p:grpSpPr>
+        <a:xfrm>
+          <a:off x="0" y="0"/>
+          <a:ext cx="0" cy="0"/>
+          <a:chOff x="0" y="0"/>
+          <a:chExt cx="0" cy="0"/>
+        </a:xfrm>
+      </p:grpSpPr>
+      <p:sp>
+        <p:nvSpPr>
           <p:cNvPr id="5" name="Subtitle 1"/>
           <p:cNvSpPr txBox="1">
             <a:spLocks/>
@@ -25592,543 +27319,6 @@
     <p:extLst>
       <p:ext uri="{BB962C8B-B14F-4D97-AF65-F5344CB8AC3E}">
         <p14:creationId xmlns:p14="http://schemas.microsoft.com/office/powerpoint/2010/main" val="1474830832"/>
-      </p:ext>
-    </p:extLst>
-  </p:cSld>
-  <p:clrMapOvr>
-    <a:masterClrMapping/>
-  </p:clrMapOvr>
-</p:sld>
-</file>
-
-<file path=ppt/slides/slide9.xml><?xml version="1.0" encoding="utf-8"?>
-<p:sld xmlns:a="http://schemas.openxmlformats.org/drawingml/2006/main" xmlns:r="http://schemas.openxmlformats.org/officeDocument/2006/relationships" xmlns:p="http://schemas.openxmlformats.org/presentationml/2006/main">
-  <p:cSld>
-    <p:spTree>
-      <p:nvGrpSpPr>
-        <p:cNvPr id="1" name=""/>
-        <p:cNvGrpSpPr/>
-        <p:nvPr/>
-      </p:nvGrpSpPr>
-      <p:grpSpPr>
-        <a:xfrm>
-          <a:off x="0" y="0"/>
-          <a:ext cx="0" cy="0"/>
-          <a:chOff x="0" y="0"/>
-          <a:chExt cx="0" cy="0"/>
-        </a:xfrm>
-      </p:grpSpPr>
-      <p:sp>
-        <p:nvSpPr>
-          <p:cNvPr id="4" name="Subtitle 1"/>
-          <p:cNvSpPr txBox="1">
-            <a:spLocks/>
-          </p:cNvSpPr>
-          <p:nvPr/>
-        </p:nvSpPr>
-        <p:spPr>
-          <a:xfrm>
-            <a:off x="0" y="0"/>
-            <a:ext cx="12511314" cy="1085871"/>
-          </a:xfrm>
-          <a:prstGeom prst="rect">
-            <a:avLst/>
-          </a:prstGeom>
-        </p:spPr>
-        <p:txBody>
-          <a:bodyPr vert="horz" lIns="91440" tIns="45720" rIns="91440" bIns="45720" rtlCol="0">
-            <a:noAutofit/>
-          </a:bodyPr>
-          <a:lstStyle>
-            <a:lvl1pPr marL="228600" indent="-228600" algn="l" defTabSz="914400" rtl="0" eaLnBrk="1" latinLnBrk="0" hangingPunct="1">
-              <a:lnSpc>
-                <a:spcPct val="120000"/>
-              </a:lnSpc>
-              <a:spcBef>
-                <a:spcPts val="1000"/>
-              </a:spcBef>
-              <a:buSzPct val="125000"/>
-              <a:buFont typeface="Arial" panose="020B0604020202020204" pitchFamily="34" charset="0"/>
-              <a:buChar char="•"/>
-              <a:defRPr sz="2400" kern="1200">
-                <a:solidFill>
-                  <a:schemeClr val="tx1"/>
-                </a:solidFill>
-                <a:latin typeface="+mn-lt"/>
-                <a:ea typeface="+mn-ea"/>
-                <a:cs typeface="+mn-cs"/>
-              </a:defRPr>
-            </a:lvl1pPr>
-            <a:lvl2pPr marL="685800" indent="-228600" algn="l" defTabSz="914400" rtl="0" eaLnBrk="1" latinLnBrk="0" hangingPunct="1">
-              <a:lnSpc>
-                <a:spcPct val="120000"/>
-              </a:lnSpc>
-              <a:spcBef>
-                <a:spcPts val="500"/>
-              </a:spcBef>
-              <a:buSzPct val="125000"/>
-              <a:buFont typeface="Arial" panose="020B0604020202020204" pitchFamily="34" charset="0"/>
-              <a:buChar char="•"/>
-              <a:defRPr sz="2000" kern="1200">
-                <a:solidFill>
-                  <a:schemeClr val="tx1"/>
-                </a:solidFill>
-                <a:latin typeface="+mn-lt"/>
-                <a:ea typeface="+mn-ea"/>
-                <a:cs typeface="+mn-cs"/>
-              </a:defRPr>
-            </a:lvl2pPr>
-            <a:lvl3pPr marL="1143000" indent="-228600" algn="l" defTabSz="914400" rtl="0" eaLnBrk="1" latinLnBrk="0" hangingPunct="1">
-              <a:lnSpc>
-                <a:spcPct val="120000"/>
-              </a:lnSpc>
-              <a:spcBef>
-                <a:spcPts val="500"/>
-              </a:spcBef>
-              <a:buSzPct val="125000"/>
-              <a:buFont typeface="Arial" panose="020B0604020202020204" pitchFamily="34" charset="0"/>
-              <a:buChar char="•"/>
-              <a:defRPr sz="1800" kern="1200">
-                <a:solidFill>
-                  <a:schemeClr val="tx1"/>
-                </a:solidFill>
-                <a:latin typeface="+mn-lt"/>
-                <a:ea typeface="+mn-ea"/>
-                <a:cs typeface="+mn-cs"/>
-              </a:defRPr>
-            </a:lvl3pPr>
-            <a:lvl4pPr marL="1600200" indent="-228600" algn="l" defTabSz="914400" rtl="0" eaLnBrk="1" latinLnBrk="0" hangingPunct="1">
-              <a:lnSpc>
-                <a:spcPct val="120000"/>
-              </a:lnSpc>
-              <a:spcBef>
-                <a:spcPts val="500"/>
-              </a:spcBef>
-              <a:buSzPct val="125000"/>
-              <a:buFont typeface="Arial" panose="020B0604020202020204" pitchFamily="34" charset="0"/>
-              <a:buChar char="•"/>
-              <a:defRPr sz="1600" kern="1200">
-                <a:solidFill>
-                  <a:schemeClr val="tx1"/>
-                </a:solidFill>
-                <a:latin typeface="+mn-lt"/>
-                <a:ea typeface="+mn-ea"/>
-                <a:cs typeface="+mn-cs"/>
-              </a:defRPr>
-            </a:lvl4pPr>
-            <a:lvl5pPr marL="2057400" indent="-228600" algn="l" defTabSz="914400" rtl="0" eaLnBrk="1" latinLnBrk="0" hangingPunct="1">
-              <a:lnSpc>
-                <a:spcPct val="120000"/>
-              </a:lnSpc>
-              <a:spcBef>
-                <a:spcPts val="500"/>
-              </a:spcBef>
-              <a:buSzPct val="125000"/>
-              <a:buFont typeface="Arial" panose="020B0604020202020204" pitchFamily="34" charset="0"/>
-              <a:buChar char="•"/>
-              <a:defRPr sz="1600" kern="1200">
-                <a:solidFill>
-                  <a:schemeClr val="tx1"/>
-                </a:solidFill>
-                <a:latin typeface="+mn-lt"/>
-                <a:ea typeface="+mn-ea"/>
-                <a:cs typeface="+mn-cs"/>
-              </a:defRPr>
-            </a:lvl5pPr>
-            <a:lvl6pPr marL="2514600" indent="-228600" algn="l" defTabSz="914400" rtl="0" eaLnBrk="1" latinLnBrk="0" hangingPunct="1">
-              <a:lnSpc>
-                <a:spcPct val="120000"/>
-              </a:lnSpc>
-              <a:spcBef>
-                <a:spcPts val="500"/>
-              </a:spcBef>
-              <a:buSzPct val="125000"/>
-              <a:buFont typeface="Arial" panose="020B0604020202020204" pitchFamily="34" charset="0"/>
-              <a:buChar char="•"/>
-              <a:defRPr sz="1400" kern="1200">
-                <a:solidFill>
-                  <a:schemeClr val="tx1"/>
-                </a:solidFill>
-                <a:latin typeface="+mn-lt"/>
-                <a:ea typeface="+mn-ea"/>
-                <a:cs typeface="+mn-cs"/>
-              </a:defRPr>
-            </a:lvl6pPr>
-            <a:lvl7pPr marL="2971800" indent="-228600" algn="l" defTabSz="914400" rtl="0" eaLnBrk="1" latinLnBrk="0" hangingPunct="1">
-              <a:lnSpc>
-                <a:spcPct val="120000"/>
-              </a:lnSpc>
-              <a:spcBef>
-                <a:spcPts val="500"/>
-              </a:spcBef>
-              <a:buSzPct val="125000"/>
-              <a:buFont typeface="Arial" panose="020B0604020202020204" pitchFamily="34" charset="0"/>
-              <a:buChar char="•"/>
-              <a:defRPr sz="1400" kern="1200">
-                <a:solidFill>
-                  <a:schemeClr val="tx1"/>
-                </a:solidFill>
-                <a:latin typeface="+mn-lt"/>
-                <a:ea typeface="+mn-ea"/>
-                <a:cs typeface="+mn-cs"/>
-              </a:defRPr>
-            </a:lvl7pPr>
-            <a:lvl8pPr marL="3429000" indent="-228600" algn="l" defTabSz="914400" rtl="0" eaLnBrk="1" latinLnBrk="0" hangingPunct="1">
-              <a:lnSpc>
-                <a:spcPct val="120000"/>
-              </a:lnSpc>
-              <a:spcBef>
-                <a:spcPts val="500"/>
-              </a:spcBef>
-              <a:buSzPct val="125000"/>
-              <a:buFont typeface="Arial" panose="020B0604020202020204" pitchFamily="34" charset="0"/>
-              <a:buChar char="•"/>
-              <a:defRPr sz="1400" kern="1200">
-                <a:solidFill>
-                  <a:schemeClr val="tx1"/>
-                </a:solidFill>
-                <a:latin typeface="+mn-lt"/>
-                <a:ea typeface="+mn-ea"/>
-                <a:cs typeface="+mn-cs"/>
-              </a:defRPr>
-            </a:lvl8pPr>
-            <a:lvl9pPr marL="3886200" indent="-228600" algn="l" defTabSz="914400" rtl="0" eaLnBrk="1" latinLnBrk="0" hangingPunct="1">
-              <a:lnSpc>
-                <a:spcPct val="120000"/>
-              </a:lnSpc>
-              <a:spcBef>
-                <a:spcPts val="500"/>
-              </a:spcBef>
-              <a:buSzPct val="125000"/>
-              <a:buFont typeface="Arial" panose="020B0604020202020204" pitchFamily="34" charset="0"/>
-              <a:buChar char="•"/>
-              <a:defRPr sz="1400" kern="1200">
-                <a:solidFill>
-                  <a:schemeClr val="tx1"/>
-                </a:solidFill>
-                <a:latin typeface="+mn-lt"/>
-                <a:ea typeface="+mn-ea"/>
-                <a:cs typeface="+mn-cs"/>
-              </a:defRPr>
-            </a:lvl9pPr>
-          </a:lstStyle>
-          <a:p>
-            <a:pPr marL="0" indent="0" algn="ctr">
-              <a:buNone/>
-            </a:pPr>
-            <a:r>
-              <a:rPr lang="es-AR" sz="3200" dirty="0" err="1">
-                <a:solidFill>
-                  <a:schemeClr val="bg1"/>
-                </a:solidFill>
-              </a:rPr>
-              <a:t>Generative</a:t>
-            </a:r>
-            <a:r>
-              <a:rPr lang="es-AR" sz="3200" dirty="0">
-                <a:solidFill>
-                  <a:schemeClr val="bg1"/>
-                </a:solidFill>
-              </a:rPr>
-              <a:t> </a:t>
-            </a:r>
-            <a:r>
-              <a:rPr lang="es-AR" sz="3200" dirty="0" err="1">
-                <a:solidFill>
-                  <a:schemeClr val="bg1"/>
-                </a:solidFill>
-              </a:rPr>
-              <a:t>Adversarial</a:t>
-            </a:r>
-            <a:r>
-              <a:rPr lang="es-AR" sz="3200" dirty="0">
-                <a:solidFill>
-                  <a:schemeClr val="bg1"/>
-                </a:solidFill>
-              </a:rPr>
-              <a:t> Network (GAN)</a:t>
-            </a:r>
-          </a:p>
-        </p:txBody>
-      </p:sp>
-      <p:sp>
-        <p:nvSpPr>
-          <p:cNvPr id="6" name="Subtitle 1"/>
-          <p:cNvSpPr txBox="1">
-            <a:spLocks/>
-          </p:cNvSpPr>
-          <p:nvPr/>
-        </p:nvSpPr>
-        <p:spPr>
-          <a:xfrm>
-            <a:off x="1638300" y="792341"/>
-            <a:ext cx="10553700" cy="1090659"/>
-          </a:xfrm>
-          <a:prstGeom prst="rect">
-            <a:avLst/>
-          </a:prstGeom>
-        </p:spPr>
-        <p:txBody>
-          <a:bodyPr vert="horz" lIns="91440" tIns="45720" rIns="91440" bIns="45720" rtlCol="0">
-            <a:noAutofit/>
-          </a:bodyPr>
-          <a:lstStyle>
-            <a:lvl1pPr marL="0" indent="0" algn="ctr" defTabSz="914400" rtl="0" eaLnBrk="1" latinLnBrk="0" hangingPunct="1">
-              <a:lnSpc>
-                <a:spcPct val="90000"/>
-              </a:lnSpc>
-              <a:spcBef>
-                <a:spcPts val="1000"/>
-              </a:spcBef>
-              <a:buFont typeface="Arial" panose="020B0604020202020204" pitchFamily="34" charset="0"/>
-              <a:buNone/>
-              <a:defRPr sz="2400" kern="1200">
-                <a:solidFill>
-                  <a:schemeClr val="tx1"/>
-                </a:solidFill>
-                <a:latin typeface="+mn-lt"/>
-                <a:ea typeface="+mn-ea"/>
-                <a:cs typeface="+mn-cs"/>
-              </a:defRPr>
-            </a:lvl1pPr>
-            <a:lvl2pPr marL="457200" indent="0" algn="ctr" defTabSz="914400" rtl="0" eaLnBrk="1" latinLnBrk="0" hangingPunct="1">
-              <a:lnSpc>
-                <a:spcPct val="90000"/>
-              </a:lnSpc>
-              <a:spcBef>
-                <a:spcPts val="500"/>
-              </a:spcBef>
-              <a:buFont typeface="Arial" panose="020B0604020202020204" pitchFamily="34" charset="0"/>
-              <a:buNone/>
-              <a:defRPr sz="2000" kern="1200">
-                <a:solidFill>
-                  <a:schemeClr val="tx1"/>
-                </a:solidFill>
-                <a:latin typeface="+mn-lt"/>
-                <a:ea typeface="+mn-ea"/>
-                <a:cs typeface="+mn-cs"/>
-              </a:defRPr>
-            </a:lvl2pPr>
-            <a:lvl3pPr marL="914400" indent="0" algn="ctr" defTabSz="914400" rtl="0" eaLnBrk="1" latinLnBrk="0" hangingPunct="1">
-              <a:lnSpc>
-                <a:spcPct val="90000"/>
-              </a:lnSpc>
-              <a:spcBef>
-                <a:spcPts val="500"/>
-              </a:spcBef>
-              <a:buFont typeface="Arial" panose="020B0604020202020204" pitchFamily="34" charset="0"/>
-              <a:buNone/>
-              <a:defRPr sz="1800" kern="1200">
-                <a:solidFill>
-                  <a:schemeClr val="tx1"/>
-                </a:solidFill>
-                <a:latin typeface="+mn-lt"/>
-                <a:ea typeface="+mn-ea"/>
-                <a:cs typeface="+mn-cs"/>
-              </a:defRPr>
-            </a:lvl3pPr>
-            <a:lvl4pPr marL="1371600" indent="0" algn="ctr" defTabSz="914400" rtl="0" eaLnBrk="1" latinLnBrk="0" hangingPunct="1">
-              <a:lnSpc>
-                <a:spcPct val="90000"/>
-              </a:lnSpc>
-              <a:spcBef>
-                <a:spcPts val="500"/>
-              </a:spcBef>
-              <a:buFont typeface="Arial" panose="020B0604020202020204" pitchFamily="34" charset="0"/>
-              <a:buNone/>
-              <a:defRPr sz="1600" kern="1200">
-                <a:solidFill>
-                  <a:schemeClr val="tx1"/>
-                </a:solidFill>
-                <a:latin typeface="+mn-lt"/>
-                <a:ea typeface="+mn-ea"/>
-                <a:cs typeface="+mn-cs"/>
-              </a:defRPr>
-            </a:lvl4pPr>
-            <a:lvl5pPr marL="1828800" indent="0" algn="ctr" defTabSz="914400" rtl="0" eaLnBrk="1" latinLnBrk="0" hangingPunct="1">
-              <a:lnSpc>
-                <a:spcPct val="90000"/>
-              </a:lnSpc>
-              <a:spcBef>
-                <a:spcPts val="500"/>
-              </a:spcBef>
-              <a:buFont typeface="Arial" panose="020B0604020202020204" pitchFamily="34" charset="0"/>
-              <a:buNone/>
-              <a:defRPr sz="1600" kern="1200">
-                <a:solidFill>
-                  <a:schemeClr val="tx1"/>
-                </a:solidFill>
-                <a:latin typeface="+mn-lt"/>
-                <a:ea typeface="+mn-ea"/>
-                <a:cs typeface="+mn-cs"/>
-              </a:defRPr>
-            </a:lvl5pPr>
-            <a:lvl6pPr marL="2286000" indent="0" algn="ctr" defTabSz="914400" rtl="0" eaLnBrk="1" latinLnBrk="0" hangingPunct="1">
-              <a:lnSpc>
-                <a:spcPct val="90000"/>
-              </a:lnSpc>
-              <a:spcBef>
-                <a:spcPts val="500"/>
-              </a:spcBef>
-              <a:buFont typeface="Arial" panose="020B0604020202020204" pitchFamily="34" charset="0"/>
-              <a:buNone/>
-              <a:defRPr sz="1600" kern="1200">
-                <a:solidFill>
-                  <a:schemeClr val="tx1"/>
-                </a:solidFill>
-                <a:latin typeface="+mn-lt"/>
-                <a:ea typeface="+mn-ea"/>
-                <a:cs typeface="+mn-cs"/>
-              </a:defRPr>
-            </a:lvl6pPr>
-            <a:lvl7pPr marL="2743200" indent="0" algn="ctr" defTabSz="914400" rtl="0" eaLnBrk="1" latinLnBrk="0" hangingPunct="1">
-              <a:lnSpc>
-                <a:spcPct val="90000"/>
-              </a:lnSpc>
-              <a:spcBef>
-                <a:spcPts val="500"/>
-              </a:spcBef>
-              <a:buFont typeface="Arial" panose="020B0604020202020204" pitchFamily="34" charset="0"/>
-              <a:buNone/>
-              <a:defRPr sz="1600" kern="1200">
-                <a:solidFill>
-                  <a:schemeClr val="tx1"/>
-                </a:solidFill>
-                <a:latin typeface="+mn-lt"/>
-                <a:ea typeface="+mn-ea"/>
-                <a:cs typeface="+mn-cs"/>
-              </a:defRPr>
-            </a:lvl7pPr>
-            <a:lvl8pPr marL="3200400" indent="0" algn="ctr" defTabSz="914400" rtl="0" eaLnBrk="1" latinLnBrk="0" hangingPunct="1">
-              <a:lnSpc>
-                <a:spcPct val="90000"/>
-              </a:lnSpc>
-              <a:spcBef>
-                <a:spcPts val="500"/>
-              </a:spcBef>
-              <a:buFont typeface="Arial" panose="020B0604020202020204" pitchFamily="34" charset="0"/>
-              <a:buNone/>
-              <a:defRPr sz="1600" kern="1200">
-                <a:solidFill>
-                  <a:schemeClr val="tx1"/>
-                </a:solidFill>
-                <a:latin typeface="+mn-lt"/>
-                <a:ea typeface="+mn-ea"/>
-                <a:cs typeface="+mn-cs"/>
-              </a:defRPr>
-            </a:lvl8pPr>
-            <a:lvl9pPr marL="3657600" indent="0" algn="ctr" defTabSz="914400" rtl="0" eaLnBrk="1" latinLnBrk="0" hangingPunct="1">
-              <a:lnSpc>
-                <a:spcPct val="90000"/>
-              </a:lnSpc>
-              <a:spcBef>
-                <a:spcPts val="500"/>
-              </a:spcBef>
-              <a:buFont typeface="Arial" panose="020B0604020202020204" pitchFamily="34" charset="0"/>
-              <a:buNone/>
-              <a:defRPr sz="1600" kern="1200">
-                <a:solidFill>
-                  <a:schemeClr val="tx1"/>
-                </a:solidFill>
-                <a:latin typeface="+mn-lt"/>
-                <a:ea typeface="+mn-ea"/>
-                <a:cs typeface="+mn-cs"/>
-              </a:defRPr>
-            </a:lvl9pPr>
-          </a:lstStyle>
-          <a:p>
-            <a:pPr algn="l"/>
-            <a:r>
-              <a:rPr lang="es-AR" sz="2800" dirty="0">
-                <a:solidFill>
-                  <a:schemeClr val="bg1"/>
-                </a:solidFill>
-              </a:rPr>
-              <a:t>2 redes neuronales enfrentadas:   </a:t>
-            </a:r>
-            <a:r>
-              <a:rPr lang="es-AR" sz="2800" b="1" dirty="0">
-                <a:solidFill>
-                  <a:schemeClr val="bg1"/>
-                </a:solidFill>
-              </a:rPr>
-              <a:t>G</a:t>
-            </a:r>
-            <a:r>
-              <a:rPr lang="es-AR" sz="2800" dirty="0">
-                <a:solidFill>
-                  <a:schemeClr val="bg1"/>
-                </a:solidFill>
-              </a:rPr>
-              <a:t>enerador -  </a:t>
-            </a:r>
-            <a:r>
-              <a:rPr lang="es-AR" sz="2800" b="1" dirty="0">
-                <a:solidFill>
-                  <a:schemeClr val="bg1"/>
-                </a:solidFill>
-              </a:rPr>
-              <a:t>D</a:t>
-            </a:r>
-            <a:r>
-              <a:rPr lang="es-AR" sz="2800" dirty="0">
-                <a:solidFill>
-                  <a:schemeClr val="bg1"/>
-                </a:solidFill>
-              </a:rPr>
-              <a:t>iscriminador	</a:t>
-            </a:r>
-          </a:p>
-          <a:p>
-            <a:pPr algn="l"/>
-            <a:endParaRPr lang="es-AR" sz="2800" dirty="0">
-              <a:solidFill>
-                <a:schemeClr val="bg1"/>
-              </a:solidFill>
-            </a:endParaRPr>
-          </a:p>
-        </p:txBody>
-      </p:sp>
-      <p:pic>
-        <p:nvPicPr>
-          <p:cNvPr id="9" name="Imagen 8" descr="Forma&#10;&#10;Descripción generada automáticamente con confianza baja">
-            <a:extLst>
-              <a:ext uri="{FF2B5EF4-FFF2-40B4-BE49-F238E27FC236}">
-                <a16:creationId xmlns:a16="http://schemas.microsoft.com/office/drawing/2014/main" id="{3E8818A9-21A5-D270-0236-64EB72134CFF}"/>
-              </a:ext>
-            </a:extLst>
-          </p:cNvPr>
-          <p:cNvPicPr>
-            <a:picLocks noChangeAspect="1"/>
-          </p:cNvPicPr>
-          <p:nvPr/>
-        </p:nvPicPr>
-        <p:blipFill>
-          <a:blip r:embed="rId2">
-            <a:extLst>
-              <a:ext uri="{28A0092B-C50C-407E-A947-70E740481C1C}">
-                <a14:useLocalDpi xmlns:a14="http://schemas.microsoft.com/office/drawing/2010/main" val="0"/>
-              </a:ext>
-            </a:extLst>
-          </a:blip>
-          <a:stretch>
-            <a:fillRect/>
-          </a:stretch>
-        </p:blipFill>
-        <p:spPr>
-          <a:xfrm>
-            <a:off x="819150" y="1463098"/>
-            <a:ext cx="10553700" cy="4602561"/>
-          </a:xfrm>
-          <a:prstGeom prst="rect">
-            <a:avLst/>
-          </a:prstGeom>
-        </p:spPr>
-      </p:pic>
-    </p:spTree>
-    <p:extLst>
-      <p:ext uri="{BB962C8B-B14F-4D97-AF65-F5344CB8AC3E}">
-        <p14:creationId xmlns:p14="http://schemas.microsoft.com/office/powerpoint/2010/main" val="1345289315"/>
       </p:ext>
     </p:extLst>
   </p:cSld>

--- a/clase_8/teoria/clase_8.pptx
+++ b/clase_8/teoria/clase_8.pptx
@@ -12,15 +12,16 @@
     <p:sldId id="361" r:id="rId6"/>
     <p:sldId id="354" r:id="rId7"/>
     <p:sldId id="358" r:id="rId8"/>
-    <p:sldId id="362" r:id="rId9"/>
-    <p:sldId id="323" r:id="rId10"/>
-    <p:sldId id="332" r:id="rId11"/>
-    <p:sldId id="355" r:id="rId12"/>
-    <p:sldId id="350" r:id="rId13"/>
-    <p:sldId id="347" r:id="rId14"/>
-    <p:sldId id="351" r:id="rId15"/>
-    <p:sldId id="348" r:id="rId16"/>
-    <p:sldId id="349" r:id="rId17"/>
+    <p:sldId id="363" r:id="rId9"/>
+    <p:sldId id="362" r:id="rId10"/>
+    <p:sldId id="323" r:id="rId11"/>
+    <p:sldId id="332" r:id="rId12"/>
+    <p:sldId id="355" r:id="rId13"/>
+    <p:sldId id="350" r:id="rId14"/>
+    <p:sldId id="347" r:id="rId15"/>
+    <p:sldId id="351" r:id="rId16"/>
+    <p:sldId id="348" r:id="rId17"/>
+    <p:sldId id="349" r:id="rId18"/>
   </p:sldIdLst>
   <p:sldSz cx="12192000" cy="6858000"/>
   <p:notesSz cx="6858000" cy="9144000"/>
@@ -130,13 +131,125 @@
 <file path=ppt/revisionInfo.xml><?xml version="1.0" encoding="utf-8"?>
 <p1510:revInfo xmlns:a="http://schemas.openxmlformats.org/drawingml/2006/main" xmlns:r="http://schemas.openxmlformats.org/officeDocument/2006/relationships" xmlns:p1510="http://schemas.microsoft.com/office/powerpoint/2015/10/main">
   <p1510:revLst>
-    <p1510:client id="{A4B5FBF0-88D8-43CB-AEB7-4453E11CEACE}" v="1" dt="2023-08-18T23:02:11.397"/>
+    <p1510:client id="{0BECDD63-AA0E-4F05-9B9F-79BBF0C86FD4}" v="1" dt="2023-10-18T23:02:44.564"/>
   </p1510:revLst>
 </p1510:revInfo>
 </file>
 
 <file path=ppt/changesInfos/changesInfo1.xml><?xml version="1.0" encoding="utf-8"?>
 <pc:chgInfo xmlns:a="http://schemas.openxmlformats.org/drawingml/2006/main" xmlns:r="http://schemas.openxmlformats.org/officeDocument/2006/relationships" xmlns:ac="http://schemas.microsoft.com/office/drawing/2013/main/command" xmlns:pc="http://schemas.microsoft.com/office/powerpoint/2013/main/command">
+  <pc:docChgLst>
+    <pc:chgData name="Marcos Maillot" userId="fa14b39d-e966-4ebb-a436-4f96f84b9577" providerId="ADAL" clId="{A4B5FBF0-88D8-43CB-AEB7-4453E11CEACE}"/>
+    <pc:docChg chg="custSel addSld modSld">
+      <pc:chgData name="Marcos Maillot" userId="fa14b39d-e966-4ebb-a436-4f96f84b9577" providerId="ADAL" clId="{A4B5FBF0-88D8-43CB-AEB7-4453E11CEACE}" dt="2023-08-18T23:03:11.694" v="24" actId="1076"/>
+      <pc:docMkLst>
+        <pc:docMk/>
+      </pc:docMkLst>
+      <pc:sldChg chg="addSp delSp modSp add mod">
+        <pc:chgData name="Marcos Maillot" userId="fa14b39d-e966-4ebb-a436-4f96f84b9577" providerId="ADAL" clId="{A4B5FBF0-88D8-43CB-AEB7-4453E11CEACE}" dt="2023-08-18T23:03:11.694" v="24" actId="1076"/>
+        <pc:sldMkLst>
+          <pc:docMk/>
+          <pc:sldMk cId="1900095533" sldId="362"/>
+        </pc:sldMkLst>
+        <pc:spChg chg="add mod">
+          <ac:chgData name="Marcos Maillot" userId="fa14b39d-e966-4ebb-a436-4f96f84b9577" providerId="ADAL" clId="{A4B5FBF0-88D8-43CB-AEB7-4453E11CEACE}" dt="2023-08-18T23:03:02.255" v="18" actId="1076"/>
+          <ac:spMkLst>
+            <pc:docMk/>
+            <pc:sldMk cId="1900095533" sldId="362"/>
+            <ac:spMk id="6" creationId="{0D89458B-06A0-07DA-045D-F9FAE1B2DED5}"/>
+          </ac:spMkLst>
+        </pc:spChg>
+        <pc:spChg chg="add mod">
+          <ac:chgData name="Marcos Maillot" userId="fa14b39d-e966-4ebb-a436-4f96f84b9577" providerId="ADAL" clId="{A4B5FBF0-88D8-43CB-AEB7-4453E11CEACE}" dt="2023-08-18T23:03:11.694" v="24" actId="1076"/>
+          <ac:spMkLst>
+            <pc:docMk/>
+            <pc:sldMk cId="1900095533" sldId="362"/>
+            <ac:spMk id="8" creationId="{0D1A8245-FE45-D301-8C1C-AD588606ABAE}"/>
+          </ac:spMkLst>
+        </pc:spChg>
+        <pc:spChg chg="mod">
+          <ac:chgData name="Marcos Maillot" userId="fa14b39d-e966-4ebb-a436-4f96f84b9577" providerId="ADAL" clId="{A4B5FBF0-88D8-43CB-AEB7-4453E11CEACE}" dt="2023-08-18T23:02:42.015" v="11" actId="1076"/>
+          <ac:spMkLst>
+            <pc:docMk/>
+            <pc:sldMk cId="1900095533" sldId="362"/>
+            <ac:spMk id="9" creationId="{3CC4C91B-D1B6-4B85-0C60-474E765AA993}"/>
+          </ac:spMkLst>
+        </pc:spChg>
+        <pc:spChg chg="mod">
+          <ac:chgData name="Marcos Maillot" userId="fa14b39d-e966-4ebb-a436-4f96f84b9577" providerId="ADAL" clId="{A4B5FBF0-88D8-43CB-AEB7-4453E11CEACE}" dt="2023-08-18T23:02:45.567" v="13" actId="1076"/>
+          <ac:spMkLst>
+            <pc:docMk/>
+            <pc:sldMk cId="1900095533" sldId="362"/>
+            <ac:spMk id="10" creationId="{9241FF65-4241-DE52-6A64-75594F8D8931}"/>
+          </ac:spMkLst>
+        </pc:spChg>
+        <pc:spChg chg="mod">
+          <ac:chgData name="Marcos Maillot" userId="fa14b39d-e966-4ebb-a436-4f96f84b9577" providerId="ADAL" clId="{A4B5FBF0-88D8-43CB-AEB7-4453E11CEACE}" dt="2023-08-18T23:02:47.919" v="14" actId="1076"/>
+          <ac:spMkLst>
+            <pc:docMk/>
+            <pc:sldMk cId="1900095533" sldId="362"/>
+            <ac:spMk id="21" creationId="{E8F43549-4D83-6AA4-3046-86BFC31F5C71}"/>
+          </ac:spMkLst>
+        </pc:spChg>
+        <pc:grpChg chg="del">
+          <ac:chgData name="Marcos Maillot" userId="fa14b39d-e966-4ebb-a436-4f96f84b9577" providerId="ADAL" clId="{A4B5FBF0-88D8-43CB-AEB7-4453E11CEACE}" dt="2023-08-18T23:02:17.330" v="2" actId="478"/>
+          <ac:grpSpMkLst>
+            <pc:docMk/>
+            <pc:sldMk cId="1900095533" sldId="362"/>
+            <ac:grpSpMk id="25" creationId="{D52FDF2A-438C-37A9-7060-FB2E1F25DF1D}"/>
+          </ac:grpSpMkLst>
+        </pc:grpChg>
+        <pc:grpChg chg="del">
+          <ac:chgData name="Marcos Maillot" userId="fa14b39d-e966-4ebb-a436-4f96f84b9577" providerId="ADAL" clId="{A4B5FBF0-88D8-43CB-AEB7-4453E11CEACE}" dt="2023-08-18T23:02:15.694" v="1" actId="478"/>
+          <ac:grpSpMkLst>
+            <pc:docMk/>
+            <pc:sldMk cId="1900095533" sldId="362"/>
+            <ac:grpSpMk id="29" creationId="{384B1848-A929-1009-E6D8-9785B1B07B87}"/>
+          </ac:grpSpMkLst>
+        </pc:grpChg>
+        <pc:grpChg chg="del">
+          <ac:chgData name="Marcos Maillot" userId="fa14b39d-e966-4ebb-a436-4f96f84b9577" providerId="ADAL" clId="{A4B5FBF0-88D8-43CB-AEB7-4453E11CEACE}" dt="2023-08-18T23:02:18.120" v="3" actId="478"/>
+          <ac:grpSpMkLst>
+            <pc:docMk/>
+            <pc:sldMk cId="1900095533" sldId="362"/>
+            <ac:grpSpMk id="34" creationId="{50EC2E31-2A2E-E2D9-8E84-E39DBF3135D8}"/>
+          </ac:grpSpMkLst>
+        </pc:grpChg>
+        <pc:picChg chg="mod">
+          <ac:chgData name="Marcos Maillot" userId="fa14b39d-e966-4ebb-a436-4f96f84b9577" providerId="ADAL" clId="{A4B5FBF0-88D8-43CB-AEB7-4453E11CEACE}" dt="2023-08-18T23:03:05.079" v="21" actId="1076"/>
+          <ac:picMkLst>
+            <pc:docMk/>
+            <pc:sldMk cId="1900095533" sldId="362"/>
+            <ac:picMk id="31" creationId="{CD46A953-1561-8618-5E56-CCF894E5D979}"/>
+          </ac:picMkLst>
+        </pc:picChg>
+        <pc:picChg chg="del">
+          <ac:chgData name="Marcos Maillot" userId="fa14b39d-e966-4ebb-a436-4f96f84b9577" providerId="ADAL" clId="{A4B5FBF0-88D8-43CB-AEB7-4453E11CEACE}" dt="2023-08-18T23:02:44.035" v="12" actId="478"/>
+          <ac:picMkLst>
+            <pc:docMk/>
+            <pc:sldMk cId="1900095533" sldId="362"/>
+            <ac:picMk id="39" creationId="{CA4E3869-5994-DB70-6479-C3774F3DBEEE}"/>
+          </ac:picMkLst>
+        </pc:picChg>
+        <pc:cxnChg chg="mod">
+          <ac:chgData name="Marcos Maillot" userId="fa14b39d-e966-4ebb-a436-4f96f84b9577" providerId="ADAL" clId="{A4B5FBF0-88D8-43CB-AEB7-4453E11CEACE}" dt="2023-08-18T23:02:34.359" v="8" actId="1076"/>
+          <ac:cxnSpMkLst>
+            <pc:docMk/>
+            <pc:sldMk cId="1900095533" sldId="362"/>
+            <ac:cxnSpMk id="3" creationId="{5EBC6E99-81D6-E402-C1F3-2B06ADD13C83}"/>
+          </ac:cxnSpMkLst>
+        </pc:cxnChg>
+        <pc:cxnChg chg="mod">
+          <ac:chgData name="Marcos Maillot" userId="fa14b39d-e966-4ebb-a436-4f96f84b9577" providerId="ADAL" clId="{A4B5FBF0-88D8-43CB-AEB7-4453E11CEACE}" dt="2023-08-18T23:02:49.375" v="15" actId="1076"/>
+          <ac:cxnSpMkLst>
+            <pc:docMk/>
+            <pc:sldMk cId="1900095533" sldId="362"/>
+            <ac:cxnSpMk id="5" creationId="{79E2AA7B-0C05-90F6-2742-E9A887A241AB}"/>
+          </ac:cxnSpMkLst>
+        </pc:cxnChg>
+      </pc:sldChg>
+    </pc:docChg>
+  </pc:docChgLst>
   <pc:docChgLst>
     <pc:chgData name="Marcos Maillot" userId="fa14b39d-e966-4ebb-a436-4f96f84b9577" providerId="ADAL" clId="{C67A5E07-7B56-4089-85E1-8865881B7BF6}"/>
     <pc:docChg chg="custSel addSld delSld modSld sldOrd">
@@ -544,26 +657,690 @@
     </pc:docChg>
   </pc:docChgLst>
   <pc:docChgLst>
-    <pc:chgData name="Marcos Maillot" userId="fa14b39d-e966-4ebb-a436-4f96f84b9577" providerId="ADAL" clId="{7011595B-F756-4AA4-8979-4594D887F2E6}"/>
-    <pc:docChg chg="modSld">
-      <pc:chgData name="Marcos Maillot" userId="fa14b39d-e966-4ebb-a436-4f96f84b9577" providerId="ADAL" clId="{7011595B-F756-4AA4-8979-4594D887F2E6}" dt="2022-10-13T23:51:53.653" v="2" actId="1076"/>
+    <pc:chgData name="Marcos Maillot" userId="fa14b39d-e966-4ebb-a436-4f96f84b9577" providerId="ADAL" clId="{6305F822-064E-4220-B9C7-00DB7665D49D}"/>
+    <pc:docChg chg="custSel addSld modSld">
+      <pc:chgData name="Marcos Maillot" userId="fa14b39d-e966-4ebb-a436-4f96f84b9577" providerId="ADAL" clId="{6305F822-064E-4220-B9C7-00DB7665D49D}" dt="2023-04-21T16:38:11.405" v="574" actId="478"/>
       <pc:docMkLst>
         <pc:docMk/>
       </pc:docMkLst>
       <pc:sldChg chg="modSp mod">
-        <pc:chgData name="Marcos Maillot" userId="fa14b39d-e966-4ebb-a436-4f96f84b9577" providerId="ADAL" clId="{7011595B-F756-4AA4-8979-4594D887F2E6}" dt="2022-10-13T23:51:53.653" v="2" actId="1076"/>
+        <pc:chgData name="Marcos Maillot" userId="fa14b39d-e966-4ebb-a436-4f96f84b9577" providerId="ADAL" clId="{6305F822-064E-4220-B9C7-00DB7665D49D}" dt="2023-04-21T16:35:26.546" v="562" actId="1076"/>
+        <pc:sldMkLst>
+          <pc:docMk/>
+          <pc:sldMk cId="787285808" sldId="256"/>
+        </pc:sldMkLst>
+        <pc:spChg chg="mod">
+          <ac:chgData name="Marcos Maillot" userId="fa14b39d-e966-4ebb-a436-4f96f84b9577" providerId="ADAL" clId="{6305F822-064E-4220-B9C7-00DB7665D49D}" dt="2023-04-21T16:35:26.546" v="562" actId="1076"/>
+          <ac:spMkLst>
+            <pc:docMk/>
+            <pc:sldMk cId="787285808" sldId="256"/>
+            <ac:spMk id="6" creationId="{00000000-0000-0000-0000-000000000000}"/>
+          </ac:spMkLst>
+        </pc:spChg>
+        <pc:spChg chg="mod">
+          <ac:chgData name="Marcos Maillot" userId="fa14b39d-e966-4ebb-a436-4f96f84b9577" providerId="ADAL" clId="{6305F822-064E-4220-B9C7-00DB7665D49D}" dt="2023-04-21T16:35:22.986" v="561" actId="20577"/>
+          <ac:spMkLst>
+            <pc:docMk/>
+            <pc:sldMk cId="787285808" sldId="256"/>
+            <ac:spMk id="8" creationId="{00000000-0000-0000-0000-000000000000}"/>
+          </ac:spMkLst>
+        </pc:spChg>
+      </pc:sldChg>
+      <pc:sldChg chg="delSp mod">
+        <pc:chgData name="Marcos Maillot" userId="fa14b39d-e966-4ebb-a436-4f96f84b9577" providerId="ADAL" clId="{6305F822-064E-4220-B9C7-00DB7665D49D}" dt="2023-04-21T16:37:29.396" v="570" actId="478"/>
+        <pc:sldMkLst>
+          <pc:docMk/>
+          <pc:sldMk cId="973184105" sldId="347"/>
+        </pc:sldMkLst>
+        <pc:inkChg chg="del">
+          <ac:chgData name="Marcos Maillot" userId="fa14b39d-e966-4ebb-a436-4f96f84b9577" providerId="ADAL" clId="{6305F822-064E-4220-B9C7-00DB7665D49D}" dt="2023-04-21T16:37:29.396" v="570" actId="478"/>
+          <ac:inkMkLst>
+            <pc:docMk/>
+            <pc:sldMk cId="973184105" sldId="347"/>
+            <ac:inkMk id="4" creationId="{FBD1DF55-1D32-692D-7F82-5AF6692BB069}"/>
+          </ac:inkMkLst>
+        </pc:inkChg>
+      </pc:sldChg>
+      <pc:sldChg chg="delSp mod">
+        <pc:chgData name="Marcos Maillot" userId="fa14b39d-e966-4ebb-a436-4f96f84b9577" providerId="ADAL" clId="{6305F822-064E-4220-B9C7-00DB7665D49D}" dt="2023-04-21T16:38:04.726" v="573" actId="478"/>
+        <pc:sldMkLst>
+          <pc:docMk/>
+          <pc:sldMk cId="2703650191" sldId="348"/>
+        </pc:sldMkLst>
+        <pc:inkChg chg="del">
+          <ac:chgData name="Marcos Maillot" userId="fa14b39d-e966-4ebb-a436-4f96f84b9577" providerId="ADAL" clId="{6305F822-064E-4220-B9C7-00DB7665D49D}" dt="2023-04-21T16:38:04.726" v="573" actId="478"/>
+          <ac:inkMkLst>
+            <pc:docMk/>
+            <pc:sldMk cId="2703650191" sldId="348"/>
+            <ac:inkMk id="2" creationId="{F7B2D392-AA62-C216-B618-458640C35E92}"/>
+          </ac:inkMkLst>
+        </pc:inkChg>
+      </pc:sldChg>
+      <pc:sldChg chg="delSp mod">
+        <pc:chgData name="Marcos Maillot" userId="fa14b39d-e966-4ebb-a436-4f96f84b9577" providerId="ADAL" clId="{6305F822-064E-4220-B9C7-00DB7665D49D}" dt="2023-04-21T16:38:11.405" v="574" actId="478"/>
+        <pc:sldMkLst>
+          <pc:docMk/>
+          <pc:sldMk cId="543162145" sldId="349"/>
+        </pc:sldMkLst>
+        <pc:inkChg chg="del">
+          <ac:chgData name="Marcos Maillot" userId="fa14b39d-e966-4ebb-a436-4f96f84b9577" providerId="ADAL" clId="{6305F822-064E-4220-B9C7-00DB7665D49D}" dt="2023-04-21T16:38:11.405" v="574" actId="478"/>
+          <ac:inkMkLst>
+            <pc:docMk/>
+            <pc:sldMk cId="543162145" sldId="349"/>
+            <ac:inkMk id="3" creationId="{04156308-32B7-E22A-653F-E3550144EA7F}"/>
+          </ac:inkMkLst>
+        </pc:inkChg>
+      </pc:sldChg>
+      <pc:sldChg chg="delSp mod">
+        <pc:chgData name="Marcos Maillot" userId="fa14b39d-e966-4ebb-a436-4f96f84b9577" providerId="ADAL" clId="{6305F822-064E-4220-B9C7-00DB7665D49D}" dt="2023-04-21T16:37:09.195" v="569" actId="478"/>
+        <pc:sldMkLst>
+          <pc:docMk/>
+          <pc:sldMk cId="3302342433" sldId="350"/>
+        </pc:sldMkLst>
+        <pc:inkChg chg="del">
+          <ac:chgData name="Marcos Maillot" userId="fa14b39d-e966-4ebb-a436-4f96f84b9577" providerId="ADAL" clId="{6305F822-064E-4220-B9C7-00DB7665D49D}" dt="2023-04-21T16:37:09.195" v="569" actId="478"/>
+          <ac:inkMkLst>
+            <pc:docMk/>
+            <pc:sldMk cId="3302342433" sldId="350"/>
+            <ac:inkMk id="2" creationId="{53C00B13-E41A-B715-5A95-1BE6EC5330FE}"/>
+          </ac:inkMkLst>
+        </pc:inkChg>
+      </pc:sldChg>
+      <pc:sldChg chg="delSp mod">
+        <pc:chgData name="Marcos Maillot" userId="fa14b39d-e966-4ebb-a436-4f96f84b9577" providerId="ADAL" clId="{6305F822-064E-4220-B9C7-00DB7665D49D}" dt="2023-04-21T16:37:56.505" v="571" actId="478"/>
+        <pc:sldMkLst>
+          <pc:docMk/>
+          <pc:sldMk cId="2542735254" sldId="351"/>
+        </pc:sldMkLst>
+        <pc:inkChg chg="del">
+          <ac:chgData name="Marcos Maillot" userId="fa14b39d-e966-4ebb-a436-4f96f84b9577" providerId="ADAL" clId="{6305F822-064E-4220-B9C7-00DB7665D49D}" dt="2023-04-21T16:37:56.505" v="571" actId="478"/>
+          <ac:inkMkLst>
+            <pc:docMk/>
+            <pc:sldMk cId="2542735254" sldId="351"/>
+            <ac:inkMk id="2" creationId="{C335C49F-7C8B-4011-7A83-BF03ACA7F176}"/>
+          </ac:inkMkLst>
+        </pc:inkChg>
+      </pc:sldChg>
+      <pc:sldChg chg="delSp mod">
+        <pc:chgData name="Marcos Maillot" userId="fa14b39d-e966-4ebb-a436-4f96f84b9577" providerId="ADAL" clId="{6305F822-064E-4220-B9C7-00DB7665D49D}" dt="2023-04-21T16:37:58.878" v="572" actId="478"/>
+        <pc:sldMkLst>
+          <pc:docMk/>
+          <pc:sldMk cId="2815013244" sldId="353"/>
+        </pc:sldMkLst>
+        <pc:inkChg chg="del">
+          <ac:chgData name="Marcos Maillot" userId="fa14b39d-e966-4ebb-a436-4f96f84b9577" providerId="ADAL" clId="{6305F822-064E-4220-B9C7-00DB7665D49D}" dt="2023-04-21T16:37:58.878" v="572" actId="478"/>
+          <ac:inkMkLst>
+            <pc:docMk/>
+            <pc:sldMk cId="2815013244" sldId="353"/>
+            <ac:inkMk id="2" creationId="{C35E2606-750A-7833-E7FA-E42C45867906}"/>
+          </ac:inkMkLst>
+        </pc:inkChg>
+      </pc:sldChg>
+      <pc:sldChg chg="delSp mod">
+        <pc:chgData name="Marcos Maillot" userId="fa14b39d-e966-4ebb-a436-4f96f84b9577" providerId="ADAL" clId="{6305F822-064E-4220-B9C7-00DB7665D49D}" dt="2023-04-21T16:36:54.546" v="568" actId="478"/>
+        <pc:sldMkLst>
+          <pc:docMk/>
+          <pc:sldMk cId="2307917589" sldId="355"/>
+        </pc:sldMkLst>
+        <pc:inkChg chg="del">
+          <ac:chgData name="Marcos Maillot" userId="fa14b39d-e966-4ebb-a436-4f96f84b9577" providerId="ADAL" clId="{6305F822-064E-4220-B9C7-00DB7665D49D}" dt="2023-04-21T16:36:54.546" v="568" actId="478"/>
+          <ac:inkMkLst>
+            <pc:docMk/>
+            <pc:sldMk cId="2307917589" sldId="355"/>
+            <ac:inkMk id="2" creationId="{C97C5AB7-B83A-CFD2-CB93-E99FAB943EC7}"/>
+          </ac:inkMkLst>
+        </pc:inkChg>
+      </pc:sldChg>
+      <pc:sldChg chg="delSp modSp add mod">
+        <pc:chgData name="Marcos Maillot" userId="fa14b39d-e966-4ebb-a436-4f96f84b9577" providerId="ADAL" clId="{6305F822-064E-4220-B9C7-00DB7665D49D}" dt="2023-04-21T16:35:48.615" v="567" actId="14100"/>
+        <pc:sldMkLst>
+          <pc:docMk/>
+          <pc:sldMk cId="2958760871" sldId="360"/>
+        </pc:sldMkLst>
+        <pc:spChg chg="mod">
+          <ac:chgData name="Marcos Maillot" userId="fa14b39d-e966-4ebb-a436-4f96f84b9577" providerId="ADAL" clId="{6305F822-064E-4220-B9C7-00DB7665D49D}" dt="2023-04-21T16:35:48.615" v="567" actId="14100"/>
+          <ac:spMkLst>
+            <pc:docMk/>
+            <pc:sldMk cId="2958760871" sldId="360"/>
+            <ac:spMk id="12" creationId="{173875A2-756C-C285-A3FC-2C04FCABF78E}"/>
+          </ac:spMkLst>
+        </pc:spChg>
+        <pc:spChg chg="del mod">
+          <ac:chgData name="Marcos Maillot" userId="fa14b39d-e966-4ebb-a436-4f96f84b9577" providerId="ADAL" clId="{6305F822-064E-4220-B9C7-00DB7665D49D}" dt="2023-04-21T16:31:50.476" v="511" actId="478"/>
+          <ac:spMkLst>
+            <pc:docMk/>
+            <pc:sldMk cId="2958760871" sldId="360"/>
+            <ac:spMk id="16" creationId="{AD0B28E0-D22E-F3BE-B975-F36DBFA0ECA1}"/>
+          </ac:spMkLst>
+        </pc:spChg>
+        <pc:spChg chg="del">
+          <ac:chgData name="Marcos Maillot" userId="fa14b39d-e966-4ebb-a436-4f96f84b9577" providerId="ADAL" clId="{6305F822-064E-4220-B9C7-00DB7665D49D}" dt="2023-04-21T16:27:01.217" v="97" actId="478"/>
+          <ac:spMkLst>
+            <pc:docMk/>
+            <pc:sldMk cId="2958760871" sldId="360"/>
+            <ac:spMk id="17" creationId="{6E44B1AE-5F03-28EE-5C2B-ABADEC460FE2}"/>
+          </ac:spMkLst>
+        </pc:spChg>
+        <pc:spChg chg="del">
+          <ac:chgData name="Marcos Maillot" userId="fa14b39d-e966-4ebb-a436-4f96f84b9577" providerId="ADAL" clId="{6305F822-064E-4220-B9C7-00DB7665D49D}" dt="2023-04-21T16:26:57.427" v="93" actId="478"/>
+          <ac:spMkLst>
+            <pc:docMk/>
+            <pc:sldMk cId="2958760871" sldId="360"/>
+            <ac:spMk id="18" creationId="{E6AB87E9-25D4-491A-8C3E-94BD21E70872}"/>
+          </ac:spMkLst>
+        </pc:spChg>
+        <pc:spChg chg="del">
+          <ac:chgData name="Marcos Maillot" userId="fa14b39d-e966-4ebb-a436-4f96f84b9577" providerId="ADAL" clId="{6305F822-064E-4220-B9C7-00DB7665D49D}" dt="2023-04-21T16:26:57.427" v="93" actId="478"/>
+          <ac:spMkLst>
+            <pc:docMk/>
+            <pc:sldMk cId="2958760871" sldId="360"/>
+            <ac:spMk id="20" creationId="{D36B6539-D238-981E-9681-58849C1CF412}"/>
+          </ac:spMkLst>
+        </pc:spChg>
+        <pc:spChg chg="del">
+          <ac:chgData name="Marcos Maillot" userId="fa14b39d-e966-4ebb-a436-4f96f84b9577" providerId="ADAL" clId="{6305F822-064E-4220-B9C7-00DB7665D49D}" dt="2023-04-21T16:26:59.747" v="96" actId="478"/>
+          <ac:spMkLst>
+            <pc:docMk/>
+            <pc:sldMk cId="2958760871" sldId="360"/>
+            <ac:spMk id="21" creationId="{E7BBE94A-759F-D4E2-7414-EB5CF7FFCA42}"/>
+          </ac:spMkLst>
+        </pc:spChg>
+        <pc:spChg chg="del mod">
+          <ac:chgData name="Marcos Maillot" userId="fa14b39d-e966-4ebb-a436-4f96f84b9577" providerId="ADAL" clId="{6305F822-064E-4220-B9C7-00DB7665D49D}" dt="2023-04-21T16:27:10.067" v="100" actId="478"/>
+          <ac:spMkLst>
+            <pc:docMk/>
+            <pc:sldMk cId="2958760871" sldId="360"/>
+            <ac:spMk id="22" creationId="{0F152222-1E01-75F9-8635-810DDAA0A9B0}"/>
+          </ac:spMkLst>
+        </pc:spChg>
+        <pc:picChg chg="del">
+          <ac:chgData name="Marcos Maillot" userId="fa14b39d-e966-4ebb-a436-4f96f84b9577" providerId="ADAL" clId="{6305F822-064E-4220-B9C7-00DB7665D49D}" dt="2023-04-21T16:26:55.626" v="92" actId="478"/>
+          <ac:picMkLst>
+            <pc:docMk/>
+            <pc:sldMk cId="2958760871" sldId="360"/>
+            <ac:picMk id="13" creationId="{C9A2F921-87F9-F696-BC27-AD71E9B14985}"/>
+          </ac:picMkLst>
+        </pc:picChg>
+        <pc:picChg chg="del mod">
+          <ac:chgData name="Marcos Maillot" userId="fa14b39d-e966-4ebb-a436-4f96f84b9577" providerId="ADAL" clId="{6305F822-064E-4220-B9C7-00DB7665D49D}" dt="2023-04-21T16:26:58.457" v="95" actId="478"/>
+          <ac:picMkLst>
+            <pc:docMk/>
+            <pc:sldMk cId="2958760871" sldId="360"/>
+            <ac:picMk id="15" creationId="{264D80DE-3DD3-6902-30C6-7B7D7BCA6D7F}"/>
+          </ac:picMkLst>
+        </pc:picChg>
+      </pc:sldChg>
+    </pc:docChg>
+  </pc:docChgLst>
+  <pc:docChgLst>
+    <pc:chgData name="Marcos Maillot" userId="fa14b39d-e966-4ebb-a436-4f96f84b9577" providerId="ADAL" clId="{0BECDD63-AA0E-4F05-9B9F-79BBF0C86FD4}"/>
+    <pc:docChg chg="undo custSel addSld modSld sldOrd">
+      <pc:chgData name="Marcos Maillot" userId="fa14b39d-e966-4ebb-a436-4f96f84b9577" providerId="ADAL" clId="{0BECDD63-AA0E-4F05-9B9F-79BBF0C86FD4}" dt="2023-10-18T23:24:23.660" v="26"/>
+      <pc:docMkLst>
+        <pc:docMk/>
+      </pc:docMkLst>
+      <pc:sldChg chg="modSp mod">
+        <pc:chgData name="Marcos Maillot" userId="fa14b39d-e966-4ebb-a436-4f96f84b9577" providerId="ADAL" clId="{0BECDD63-AA0E-4F05-9B9F-79BBF0C86FD4}" dt="2023-10-16T15:39:04.698" v="3" actId="1076"/>
+        <pc:sldMkLst>
+          <pc:docMk/>
+          <pc:sldMk cId="2528944947" sldId="361"/>
+        </pc:sldMkLst>
+        <pc:spChg chg="mod">
+          <ac:chgData name="Marcos Maillot" userId="fa14b39d-e966-4ebb-a436-4f96f84b9577" providerId="ADAL" clId="{0BECDD63-AA0E-4F05-9B9F-79BBF0C86FD4}" dt="2023-10-16T15:39:04.245" v="2" actId="1076"/>
+          <ac:spMkLst>
+            <pc:docMk/>
+            <pc:sldMk cId="2528944947" sldId="361"/>
+            <ac:spMk id="13" creationId="{7CEE8649-6685-48ED-332D-9CAB11E68EEF}"/>
+          </ac:spMkLst>
+        </pc:spChg>
+        <pc:spChg chg="mod">
+          <ac:chgData name="Marcos Maillot" userId="fa14b39d-e966-4ebb-a436-4f96f84b9577" providerId="ADAL" clId="{0BECDD63-AA0E-4F05-9B9F-79BBF0C86FD4}" dt="2023-10-16T15:39:04.698" v="3" actId="1076"/>
+          <ac:spMkLst>
+            <pc:docMk/>
+            <pc:sldMk cId="2528944947" sldId="361"/>
+            <ac:spMk id="19" creationId="{0EE19F03-CC19-C315-698F-ED1617A7B088}"/>
+          </ac:spMkLst>
+        </pc:spChg>
+      </pc:sldChg>
+      <pc:sldChg chg="addSp delSp modSp add mod ord">
+        <pc:chgData name="Marcos Maillot" userId="fa14b39d-e966-4ebb-a436-4f96f84b9577" providerId="ADAL" clId="{0BECDD63-AA0E-4F05-9B9F-79BBF0C86FD4}" dt="2023-10-18T23:24:23.660" v="26"/>
+        <pc:sldMkLst>
+          <pc:docMk/>
+          <pc:sldMk cId="2561978675" sldId="363"/>
+        </pc:sldMkLst>
+        <pc:spChg chg="add mod">
+          <ac:chgData name="Marcos Maillot" userId="fa14b39d-e966-4ebb-a436-4f96f84b9577" providerId="ADAL" clId="{0BECDD63-AA0E-4F05-9B9F-79BBF0C86FD4}" dt="2023-10-18T23:04:04.949" v="24" actId="1076"/>
+          <ac:spMkLst>
+            <pc:docMk/>
+            <pc:sldMk cId="2561978675" sldId="363"/>
+            <ac:spMk id="7" creationId="{700844DC-699E-EFA9-F8E4-7446F1ED942C}"/>
+          </ac:spMkLst>
+        </pc:spChg>
+        <pc:spChg chg="mod">
+          <ac:chgData name="Marcos Maillot" userId="fa14b39d-e966-4ebb-a436-4f96f84b9577" providerId="ADAL" clId="{0BECDD63-AA0E-4F05-9B9F-79BBF0C86FD4}" dt="2023-10-18T23:03:13.725" v="15" actId="1076"/>
+          <ac:spMkLst>
+            <pc:docMk/>
+            <pc:sldMk cId="2561978675" sldId="363"/>
+            <ac:spMk id="9" creationId="{3CC4C91B-D1B6-4B85-0C60-474E765AA993}"/>
+          </ac:spMkLst>
+        </pc:spChg>
+        <pc:spChg chg="mod">
+          <ac:chgData name="Marcos Maillot" userId="fa14b39d-e966-4ebb-a436-4f96f84b9577" providerId="ADAL" clId="{0BECDD63-AA0E-4F05-9B9F-79BBF0C86FD4}" dt="2023-10-18T23:03:13.725" v="15" actId="1076"/>
+          <ac:spMkLst>
+            <pc:docMk/>
+            <pc:sldMk cId="2561978675" sldId="363"/>
+            <ac:spMk id="10" creationId="{9241FF65-4241-DE52-6A64-75594F8D8931}"/>
+          </ac:spMkLst>
+        </pc:spChg>
+        <pc:spChg chg="mod">
+          <ac:chgData name="Marcos Maillot" userId="fa14b39d-e966-4ebb-a436-4f96f84b9577" providerId="ADAL" clId="{0BECDD63-AA0E-4F05-9B9F-79BBF0C86FD4}" dt="2023-10-18T23:03:08.398" v="14" actId="1076"/>
+          <ac:spMkLst>
+            <pc:docMk/>
+            <pc:sldMk cId="2561978675" sldId="363"/>
+            <ac:spMk id="11" creationId="{786610DA-0C4D-A6B8-BCDC-9E16E3D907EF}"/>
+          </ac:spMkLst>
+        </pc:spChg>
+        <pc:spChg chg="mod">
+          <ac:chgData name="Marcos Maillot" userId="fa14b39d-e966-4ebb-a436-4f96f84b9577" providerId="ADAL" clId="{0BECDD63-AA0E-4F05-9B9F-79BBF0C86FD4}" dt="2023-10-18T23:03:08.398" v="14" actId="1076"/>
+          <ac:spMkLst>
+            <pc:docMk/>
+            <pc:sldMk cId="2561978675" sldId="363"/>
+            <ac:spMk id="13" creationId="{7CEE8649-6685-48ED-332D-9CAB11E68EEF}"/>
+          </ac:spMkLst>
+        </pc:spChg>
+        <pc:spChg chg="del">
+          <ac:chgData name="Marcos Maillot" userId="fa14b39d-e966-4ebb-a436-4f96f84b9577" providerId="ADAL" clId="{0BECDD63-AA0E-4F05-9B9F-79BBF0C86FD4}" dt="2023-10-18T23:02:55.991" v="10" actId="478"/>
+          <ac:spMkLst>
+            <pc:docMk/>
+            <pc:sldMk cId="2561978675" sldId="363"/>
+            <ac:spMk id="15" creationId="{55F7F7D5-E549-29DA-B389-E677AFFEF69F}"/>
+          </ac:spMkLst>
+        </pc:spChg>
+        <pc:spChg chg="del">
+          <ac:chgData name="Marcos Maillot" userId="fa14b39d-e966-4ebb-a436-4f96f84b9577" providerId="ADAL" clId="{0BECDD63-AA0E-4F05-9B9F-79BBF0C86FD4}" dt="2023-10-18T23:02:59.525" v="12" actId="478"/>
+          <ac:spMkLst>
+            <pc:docMk/>
+            <pc:sldMk cId="2561978675" sldId="363"/>
+            <ac:spMk id="17" creationId="{B377829B-A29D-FDCC-45F1-E09CEB0E7CDD}"/>
+          </ac:spMkLst>
+        </pc:spChg>
+        <pc:spChg chg="del">
+          <ac:chgData name="Marcos Maillot" userId="fa14b39d-e966-4ebb-a436-4f96f84b9577" providerId="ADAL" clId="{0BECDD63-AA0E-4F05-9B9F-79BBF0C86FD4}" dt="2023-10-18T23:02:51.780" v="8" actId="478"/>
+          <ac:spMkLst>
+            <pc:docMk/>
+            <pc:sldMk cId="2561978675" sldId="363"/>
+            <ac:spMk id="19" creationId="{0EE19F03-CC19-C315-698F-ED1617A7B088}"/>
+          </ac:spMkLst>
+        </pc:spChg>
+        <pc:spChg chg="mod">
+          <ac:chgData name="Marcos Maillot" userId="fa14b39d-e966-4ebb-a436-4f96f84b9577" providerId="ADAL" clId="{0BECDD63-AA0E-4F05-9B9F-79BBF0C86FD4}" dt="2023-10-18T23:03:30.358" v="18" actId="1076"/>
+          <ac:spMkLst>
+            <pc:docMk/>
+            <pc:sldMk cId="2561978675" sldId="363"/>
+            <ac:spMk id="21" creationId="{E8F43549-4D83-6AA4-3046-86BFC31F5C71}"/>
+          </ac:spMkLst>
+        </pc:spChg>
+        <pc:spChg chg="mod">
+          <ac:chgData name="Marcos Maillot" userId="fa14b39d-e966-4ebb-a436-4f96f84b9577" providerId="ADAL" clId="{0BECDD63-AA0E-4F05-9B9F-79BBF0C86FD4}" dt="2023-10-18T23:02:48.036" v="6" actId="6549"/>
+          <ac:spMkLst>
+            <pc:docMk/>
+            <pc:sldMk cId="2561978675" sldId="363"/>
+            <ac:spMk id="28" creationId="{24249022-FA09-7788-9E2A-20CF32BC6F22}"/>
+          </ac:spMkLst>
+        </pc:spChg>
+        <pc:spChg chg="del">
+          <ac:chgData name="Marcos Maillot" userId="fa14b39d-e966-4ebb-a436-4f96f84b9577" providerId="ADAL" clId="{0BECDD63-AA0E-4F05-9B9F-79BBF0C86FD4}" dt="2023-10-18T23:02:51.780" v="8" actId="478"/>
+          <ac:spMkLst>
+            <pc:docMk/>
+            <pc:sldMk cId="2561978675" sldId="363"/>
+            <ac:spMk id="32" creationId="{6B9115E1-08DB-5990-8730-9030B27874B5}"/>
+          </ac:spMkLst>
+        </pc:spChg>
+        <pc:spChg chg="del">
+          <ac:chgData name="Marcos Maillot" userId="fa14b39d-e966-4ebb-a436-4f96f84b9577" providerId="ADAL" clId="{0BECDD63-AA0E-4F05-9B9F-79BBF0C86FD4}" dt="2023-10-18T23:02:54.468" v="9" actId="478"/>
+          <ac:spMkLst>
+            <pc:docMk/>
+            <pc:sldMk cId="2561978675" sldId="363"/>
+            <ac:spMk id="33" creationId="{6C8E394D-12A5-0177-516B-D96CCB3330D1}"/>
+          </ac:spMkLst>
+        </pc:spChg>
+        <pc:grpChg chg="del">
+          <ac:chgData name="Marcos Maillot" userId="fa14b39d-e966-4ebb-a436-4f96f84b9577" providerId="ADAL" clId="{0BECDD63-AA0E-4F05-9B9F-79BBF0C86FD4}" dt="2023-10-18T23:02:56.580" v="11" actId="478"/>
+          <ac:grpSpMkLst>
+            <pc:docMk/>
+            <pc:sldMk cId="2561978675" sldId="363"/>
+            <ac:grpSpMk id="25" creationId="{D52FDF2A-438C-37A9-7060-FB2E1F25DF1D}"/>
+          </ac:grpSpMkLst>
+        </pc:grpChg>
+        <pc:grpChg chg="del">
+          <ac:chgData name="Marcos Maillot" userId="fa14b39d-e966-4ebb-a436-4f96f84b9577" providerId="ADAL" clId="{0BECDD63-AA0E-4F05-9B9F-79BBF0C86FD4}" dt="2023-10-18T23:02:49.615" v="7" actId="478"/>
+          <ac:grpSpMkLst>
+            <pc:docMk/>
+            <pc:sldMk cId="2561978675" sldId="363"/>
+            <ac:grpSpMk id="29" creationId="{384B1848-A929-1009-E6D8-9785B1B07B87}"/>
+          </ac:grpSpMkLst>
+        </pc:grpChg>
+        <pc:grpChg chg="mod">
+          <ac:chgData name="Marcos Maillot" userId="fa14b39d-e966-4ebb-a436-4f96f84b9577" providerId="ADAL" clId="{0BECDD63-AA0E-4F05-9B9F-79BBF0C86FD4}" dt="2023-10-18T23:03:26.556" v="17" actId="14100"/>
+          <ac:grpSpMkLst>
+            <pc:docMk/>
+            <pc:sldMk cId="2561978675" sldId="363"/>
+            <ac:grpSpMk id="34" creationId="{50EC2E31-2A2E-E2D9-8E84-E39DBF3135D8}"/>
+          </ac:grpSpMkLst>
+        </pc:grpChg>
+        <pc:picChg chg="del">
+          <ac:chgData name="Marcos Maillot" userId="fa14b39d-e966-4ebb-a436-4f96f84b9577" providerId="ADAL" clId="{0BECDD63-AA0E-4F05-9B9F-79BBF0C86FD4}" dt="2023-10-18T23:02:47.166" v="5" actId="478"/>
+          <ac:picMkLst>
+            <pc:docMk/>
+            <pc:sldMk cId="2561978675" sldId="363"/>
+            <ac:picMk id="31" creationId="{CD46A953-1561-8618-5E56-CCF894E5D979}"/>
+          </ac:picMkLst>
+        </pc:picChg>
+        <pc:picChg chg="mod">
+          <ac:chgData name="Marcos Maillot" userId="fa14b39d-e966-4ebb-a436-4f96f84b9577" providerId="ADAL" clId="{0BECDD63-AA0E-4F05-9B9F-79BBF0C86FD4}" dt="2023-10-18T23:03:30.358" v="18" actId="1076"/>
+          <ac:picMkLst>
+            <pc:docMk/>
+            <pc:sldMk cId="2561978675" sldId="363"/>
+            <ac:picMk id="39" creationId="{CA4E3869-5994-DB70-6479-C3774F3DBEEE}"/>
+          </ac:picMkLst>
+        </pc:picChg>
+        <pc:cxnChg chg="mod">
+          <ac:chgData name="Marcos Maillot" userId="fa14b39d-e966-4ebb-a436-4f96f84b9577" providerId="ADAL" clId="{0BECDD63-AA0E-4F05-9B9F-79BBF0C86FD4}" dt="2023-10-18T23:03:13.725" v="15" actId="1076"/>
+          <ac:cxnSpMkLst>
+            <pc:docMk/>
+            <pc:sldMk cId="2561978675" sldId="363"/>
+            <ac:cxnSpMk id="3" creationId="{5EBC6E99-81D6-E402-C1F3-2B06ADD13C83}"/>
+          </ac:cxnSpMkLst>
+        </pc:cxnChg>
+        <pc:cxnChg chg="mod">
+          <ac:chgData name="Marcos Maillot" userId="fa14b39d-e966-4ebb-a436-4f96f84b9577" providerId="ADAL" clId="{0BECDD63-AA0E-4F05-9B9F-79BBF0C86FD4}" dt="2023-10-18T23:03:03.062" v="13" actId="1076"/>
+          <ac:cxnSpMkLst>
+            <pc:docMk/>
+            <pc:sldMk cId="2561978675" sldId="363"/>
+            <ac:cxnSpMk id="5" creationId="{79E2AA7B-0C05-90F6-2742-E9A887A241AB}"/>
+          </ac:cxnSpMkLst>
+        </pc:cxnChg>
+        <pc:cxnChg chg="mod">
+          <ac:chgData name="Marcos Maillot" userId="fa14b39d-e966-4ebb-a436-4f96f84b9577" providerId="ADAL" clId="{0BECDD63-AA0E-4F05-9B9F-79BBF0C86FD4}" dt="2023-10-18T23:03:44.919" v="19" actId="1076"/>
+          <ac:cxnSpMkLst>
+            <pc:docMk/>
+            <pc:sldMk cId="2561978675" sldId="363"/>
+            <ac:cxnSpMk id="41" creationId="{2305497B-CEE7-1195-8B1E-AB4A2C35B986}"/>
+          </ac:cxnSpMkLst>
+        </pc:cxnChg>
+      </pc:sldChg>
+    </pc:docChg>
+  </pc:docChgLst>
+  <pc:docChgLst>
+    <pc:chgData name="Marcos Maillot" userId="fa14b39d-e966-4ebb-a436-4f96f84b9577" providerId="ADAL" clId="{563234E5-F6F0-42B1-B4AF-C6677841636B}"/>
+    <pc:docChg chg="custSel addSld delSld modSld sldOrd">
+      <pc:chgData name="Marcos Maillot" userId="fa14b39d-e966-4ebb-a436-4f96f84b9577" providerId="ADAL" clId="{563234E5-F6F0-42B1-B4AF-C6677841636B}" dt="2022-10-13T18:58:31.012" v="264" actId="207"/>
+      <pc:docMkLst>
+        <pc:docMk/>
+      </pc:docMkLst>
+      <pc:sldChg chg="addSp delSp modSp mod">
+        <pc:chgData name="Marcos Maillot" userId="fa14b39d-e966-4ebb-a436-4f96f84b9577" providerId="ADAL" clId="{563234E5-F6F0-42B1-B4AF-C6677841636B}" dt="2022-10-13T18:20:45.545" v="57" actId="1076"/>
         <pc:sldMkLst>
           <pc:docMk/>
           <pc:sldMk cId="1345289315" sldId="332"/>
         </pc:sldMkLst>
-        <pc:picChg chg="mod">
-          <ac:chgData name="Marcos Maillot" userId="fa14b39d-e966-4ebb-a436-4f96f84b9577" providerId="ADAL" clId="{7011595B-F756-4AA4-8979-4594D887F2E6}" dt="2022-10-13T23:51:53.653" v="2" actId="1076"/>
+        <pc:spChg chg="del">
+          <ac:chgData name="Marcos Maillot" userId="fa14b39d-e966-4ebb-a436-4f96f84b9577" providerId="ADAL" clId="{563234E5-F6F0-42B1-B4AF-C6677841636B}" dt="2022-10-13T18:20:20.877" v="47" actId="478"/>
+          <ac:spMkLst>
+            <pc:docMk/>
+            <pc:sldMk cId="1345289315" sldId="332"/>
+            <ac:spMk id="5" creationId="{00000000-0000-0000-0000-000000000000}"/>
+          </ac:spMkLst>
+        </pc:spChg>
+        <pc:spChg chg="mod">
+          <ac:chgData name="Marcos Maillot" userId="fa14b39d-e966-4ebb-a436-4f96f84b9577" providerId="ADAL" clId="{563234E5-F6F0-42B1-B4AF-C6677841636B}" dt="2022-10-13T18:20:41.876" v="55" actId="1076"/>
+          <ac:spMkLst>
+            <pc:docMk/>
+            <pc:sldMk cId="1345289315" sldId="332"/>
+            <ac:spMk id="6" creationId="{00000000-0000-0000-0000-000000000000}"/>
+          </ac:spMkLst>
+        </pc:spChg>
+        <pc:spChg chg="del">
+          <ac:chgData name="Marcos Maillot" userId="fa14b39d-e966-4ebb-a436-4f96f84b9577" providerId="ADAL" clId="{563234E5-F6F0-42B1-B4AF-C6677841636B}" dt="2022-10-13T18:20:17.230" v="46" actId="478"/>
+          <ac:spMkLst>
+            <pc:docMk/>
+            <pc:sldMk cId="1345289315" sldId="332"/>
+            <ac:spMk id="7" creationId="{00000000-0000-0000-0000-000000000000}"/>
+          </ac:spMkLst>
+        </pc:spChg>
+        <pc:spChg chg="del">
+          <ac:chgData name="Marcos Maillot" userId="fa14b39d-e966-4ebb-a436-4f96f84b9577" providerId="ADAL" clId="{563234E5-F6F0-42B1-B4AF-C6677841636B}" dt="2022-10-13T18:20:03.461" v="43" actId="478"/>
+          <ac:spMkLst>
+            <pc:docMk/>
+            <pc:sldMk cId="1345289315" sldId="332"/>
+            <ac:spMk id="8" creationId="{00000000-0000-0000-0000-000000000000}"/>
+          </ac:spMkLst>
+        </pc:spChg>
+        <pc:picChg chg="del">
+          <ac:chgData name="Marcos Maillot" userId="fa14b39d-e966-4ebb-a436-4f96f84b9577" providerId="ADAL" clId="{563234E5-F6F0-42B1-B4AF-C6677841636B}" dt="2022-10-13T18:19:57.728" v="42" actId="478"/>
+          <ac:picMkLst>
+            <pc:docMk/>
+            <pc:sldMk cId="1345289315" sldId="332"/>
+            <ac:picMk id="3" creationId="{00000000-0000-0000-0000-000000000000}"/>
+          </ac:picMkLst>
+        </pc:picChg>
+        <pc:picChg chg="add mod">
+          <ac:chgData name="Marcos Maillot" userId="fa14b39d-e966-4ebb-a436-4f96f84b9577" providerId="ADAL" clId="{563234E5-F6F0-42B1-B4AF-C6677841636B}" dt="2022-10-13T18:20:45.545" v="57" actId="1076"/>
           <ac:picMkLst>
             <pc:docMk/>
             <pc:sldMk cId="1345289315" sldId="332"/>
             <ac:picMk id="9" creationId="{3E8818A9-21A5-D270-0236-64EB72134CFF}"/>
           </ac:picMkLst>
         </pc:picChg>
+      </pc:sldChg>
+      <pc:sldChg chg="addSp modSp mod">
+        <pc:chgData name="Marcos Maillot" userId="fa14b39d-e966-4ebb-a436-4f96f84b9577" providerId="ADAL" clId="{563234E5-F6F0-42B1-B4AF-C6677841636B}" dt="2022-10-13T18:34:54.598" v="147" actId="20577"/>
+        <pc:sldMkLst>
+          <pc:docMk/>
+          <pc:sldMk cId="973184105" sldId="347"/>
+        </pc:sldMkLst>
+        <pc:spChg chg="add mod">
+          <ac:chgData name="Marcos Maillot" userId="fa14b39d-e966-4ebb-a436-4f96f84b9577" providerId="ADAL" clId="{563234E5-F6F0-42B1-B4AF-C6677841636B}" dt="2022-10-13T18:25:44.705" v="127" actId="1076"/>
+          <ac:spMkLst>
+            <pc:docMk/>
+            <pc:sldMk cId="973184105" sldId="347"/>
+            <ac:spMk id="2" creationId="{896BF1DF-9999-CAC6-85C3-BFB9B5054968}"/>
+          </ac:spMkLst>
+        </pc:spChg>
+        <pc:spChg chg="mod">
+          <ac:chgData name="Marcos Maillot" userId="fa14b39d-e966-4ebb-a436-4f96f84b9577" providerId="ADAL" clId="{563234E5-F6F0-42B1-B4AF-C6677841636B}" dt="2022-10-13T18:15:44.261" v="34"/>
+          <ac:spMkLst>
+            <pc:docMk/>
+            <pc:sldMk cId="973184105" sldId="347"/>
+            <ac:spMk id="5" creationId="{00000000-0000-0000-0000-000000000000}"/>
+          </ac:spMkLst>
+        </pc:spChg>
+        <pc:spChg chg="mod">
+          <ac:chgData name="Marcos Maillot" userId="fa14b39d-e966-4ebb-a436-4f96f84b9577" providerId="ADAL" clId="{563234E5-F6F0-42B1-B4AF-C6677841636B}" dt="2022-10-13T18:34:54.598" v="147" actId="20577"/>
+          <ac:spMkLst>
+            <pc:docMk/>
+            <pc:sldMk cId="973184105" sldId="347"/>
+            <ac:spMk id="6" creationId="{00000000-0000-0000-0000-000000000000}"/>
+          </ac:spMkLst>
+        </pc:spChg>
+        <pc:picChg chg="mod">
+          <ac:chgData name="Marcos Maillot" userId="fa14b39d-e966-4ebb-a436-4f96f84b9577" providerId="ADAL" clId="{563234E5-F6F0-42B1-B4AF-C6677841636B}" dt="2022-10-13T18:15:06.702" v="25" actId="1076"/>
+          <ac:picMkLst>
+            <pc:docMk/>
+            <pc:sldMk cId="973184105" sldId="347"/>
+            <ac:picMk id="11" creationId="{00000000-0000-0000-0000-000000000000}"/>
+          </ac:picMkLst>
+        </pc:picChg>
+      </pc:sldChg>
+      <pc:sldChg chg="addSp modSp mod">
+        <pc:chgData name="Marcos Maillot" userId="fa14b39d-e966-4ebb-a436-4f96f84b9577" providerId="ADAL" clId="{563234E5-F6F0-42B1-B4AF-C6677841636B}" dt="2022-10-13T18:58:31.012" v="264" actId="207"/>
+        <pc:sldMkLst>
+          <pc:docMk/>
+          <pc:sldMk cId="543162145" sldId="349"/>
+        </pc:sldMkLst>
+        <pc:spChg chg="mod">
+          <ac:chgData name="Marcos Maillot" userId="fa14b39d-e966-4ebb-a436-4f96f84b9577" providerId="ADAL" clId="{563234E5-F6F0-42B1-B4AF-C6677841636B}" dt="2022-10-13T18:56:42.570" v="261" actId="1076"/>
+          <ac:spMkLst>
+            <pc:docMk/>
+            <pc:sldMk cId="543162145" sldId="349"/>
+            <ac:spMk id="2" creationId="{00000000-0000-0000-0000-000000000000}"/>
+          </ac:spMkLst>
+        </pc:spChg>
+        <pc:spChg chg="add mod">
+          <ac:chgData name="Marcos Maillot" userId="fa14b39d-e966-4ebb-a436-4f96f84b9577" providerId="ADAL" clId="{563234E5-F6F0-42B1-B4AF-C6677841636B}" dt="2022-10-13T18:58:31.012" v="264" actId="207"/>
+          <ac:spMkLst>
+            <pc:docMk/>
+            <pc:sldMk cId="543162145" sldId="349"/>
+            <ac:spMk id="4" creationId="{6DFD0C03-5399-D56F-87FA-4672DB96FF80}"/>
+          </ac:spMkLst>
+        </pc:spChg>
+      </pc:sldChg>
+      <pc:sldChg chg="modSp mod">
+        <pc:chgData name="Marcos Maillot" userId="fa14b39d-e966-4ebb-a436-4f96f84b9577" providerId="ADAL" clId="{563234E5-F6F0-42B1-B4AF-C6677841636B}" dt="2022-10-13T18:37:36.186" v="211" actId="1076"/>
+        <pc:sldMkLst>
+          <pc:docMk/>
+          <pc:sldMk cId="2542735254" sldId="351"/>
+        </pc:sldMkLst>
+        <pc:spChg chg="mod">
+          <ac:chgData name="Marcos Maillot" userId="fa14b39d-e966-4ebb-a436-4f96f84b9577" providerId="ADAL" clId="{563234E5-F6F0-42B1-B4AF-C6677841636B}" dt="2022-10-13T18:35:21.241" v="196" actId="20577"/>
+          <ac:spMkLst>
+            <pc:docMk/>
+            <pc:sldMk cId="2542735254" sldId="351"/>
+            <ac:spMk id="6" creationId="{00000000-0000-0000-0000-000000000000}"/>
+          </ac:spMkLst>
+        </pc:spChg>
+        <pc:spChg chg="mod">
+          <ac:chgData name="Marcos Maillot" userId="fa14b39d-e966-4ebb-a436-4f96f84b9577" providerId="ADAL" clId="{563234E5-F6F0-42B1-B4AF-C6677841636B}" dt="2022-10-13T18:37:36.186" v="211" actId="1076"/>
+          <ac:spMkLst>
+            <pc:docMk/>
+            <pc:sldMk cId="2542735254" sldId="351"/>
+            <ac:spMk id="17" creationId="{00000000-0000-0000-0000-000000000000}"/>
+          </ac:spMkLst>
+        </pc:spChg>
+      </pc:sldChg>
+      <pc:sldChg chg="addSp delSp modSp del mod ord">
+        <pc:chgData name="Marcos Maillot" userId="fa14b39d-e966-4ebb-a436-4f96f84b9577" providerId="ADAL" clId="{563234E5-F6F0-42B1-B4AF-C6677841636B}" dt="2022-10-13T18:54:11.306" v="255" actId="47"/>
+        <pc:sldMkLst>
+          <pc:docMk/>
+          <pc:sldMk cId="1886603860" sldId="352"/>
+        </pc:sldMkLst>
+        <pc:spChg chg="add del mod">
+          <ac:chgData name="Marcos Maillot" userId="fa14b39d-e966-4ebb-a436-4f96f84b9577" providerId="ADAL" clId="{563234E5-F6F0-42B1-B4AF-C6677841636B}" dt="2022-10-13T18:18:36.250" v="35" actId="478"/>
+          <ac:spMkLst>
+            <pc:docMk/>
+            <pc:sldMk cId="1886603860" sldId="352"/>
+            <ac:spMk id="2" creationId="{2F2FCC41-1517-CA54-3826-17B212E44E40}"/>
+          </ac:spMkLst>
+        </pc:spChg>
+        <pc:spChg chg="add del mod">
+          <ac:chgData name="Marcos Maillot" userId="fa14b39d-e966-4ebb-a436-4f96f84b9577" providerId="ADAL" clId="{563234E5-F6F0-42B1-B4AF-C6677841636B}" dt="2022-10-13T18:52:10.016" v="245" actId="478"/>
+          <ac:spMkLst>
+            <pc:docMk/>
+            <pc:sldMk cId="1886603860" sldId="352"/>
+            <ac:spMk id="3" creationId="{408EBDE3-EF01-C64E-33F2-4D271D826B41}"/>
+          </ac:spMkLst>
+        </pc:spChg>
+        <pc:spChg chg="del mod">
+          <ac:chgData name="Marcos Maillot" userId="fa14b39d-e966-4ebb-a436-4f96f84b9577" providerId="ADAL" clId="{563234E5-F6F0-42B1-B4AF-C6677841636B}" dt="2022-10-13T18:08:50.330" v="10" actId="478"/>
+          <ac:spMkLst>
+            <pc:docMk/>
+            <pc:sldMk cId="1886603860" sldId="352"/>
+            <ac:spMk id="5" creationId="{00000000-0000-0000-0000-000000000000}"/>
+          </ac:spMkLst>
+        </pc:spChg>
+        <pc:spChg chg="mod">
+          <ac:chgData name="Marcos Maillot" userId="fa14b39d-e966-4ebb-a436-4f96f84b9577" providerId="ADAL" clId="{563234E5-F6F0-42B1-B4AF-C6677841636B}" dt="2022-10-13T18:35:10.861" v="170" actId="14100"/>
+          <ac:spMkLst>
+            <pc:docMk/>
+            <pc:sldMk cId="1886603860" sldId="352"/>
+            <ac:spMk id="6" creationId="{00000000-0000-0000-0000-000000000000}"/>
+          </ac:spMkLst>
+        </pc:spChg>
+        <pc:spChg chg="add mod">
+          <ac:chgData name="Marcos Maillot" userId="fa14b39d-e966-4ebb-a436-4f96f84b9577" providerId="ADAL" clId="{563234E5-F6F0-42B1-B4AF-C6677841636B}" dt="2022-10-13T18:51:10.396" v="244" actId="1076"/>
+          <ac:spMkLst>
+            <pc:docMk/>
+            <pc:sldMk cId="1886603860" sldId="352"/>
+            <ac:spMk id="7" creationId="{8FAB41AE-B829-C329-01D9-9989D591552F}"/>
+          </ac:spMkLst>
+        </pc:spChg>
+        <pc:spChg chg="mod">
+          <ac:chgData name="Marcos Maillot" userId="fa14b39d-e966-4ebb-a436-4f96f84b9577" providerId="ADAL" clId="{563234E5-F6F0-42B1-B4AF-C6677841636B}" dt="2022-10-13T18:52:23.804" v="252" actId="1076"/>
+          <ac:spMkLst>
+            <pc:docMk/>
+            <pc:sldMk cId="1886603860" sldId="352"/>
+            <ac:spMk id="9" creationId="{00000000-0000-0000-0000-000000000000}"/>
+          </ac:spMkLst>
+        </pc:spChg>
+        <pc:picChg chg="mod">
+          <ac:chgData name="Marcos Maillot" userId="fa14b39d-e966-4ebb-a436-4f96f84b9577" providerId="ADAL" clId="{563234E5-F6F0-42B1-B4AF-C6677841636B}" dt="2022-10-13T18:52:24.907" v="253" actId="1076"/>
+          <ac:picMkLst>
+            <pc:docMk/>
+            <pc:sldMk cId="1886603860" sldId="352"/>
+            <ac:picMk id="8" creationId="{00000000-0000-0000-0000-000000000000}"/>
+          </ac:picMkLst>
+        </pc:picChg>
+        <pc:picChg chg="mod">
+          <ac:chgData name="Marcos Maillot" userId="fa14b39d-e966-4ebb-a436-4f96f84b9577" providerId="ADAL" clId="{563234E5-F6F0-42B1-B4AF-C6677841636B}" dt="2022-10-13T18:52:25.996" v="254" actId="1076"/>
+          <ac:picMkLst>
+            <pc:docMk/>
+            <pc:sldMk cId="1886603860" sldId="352"/>
+            <ac:picMk id="10" creationId="{00000000-0000-0000-0000-000000000000}"/>
+          </ac:picMkLst>
+        </pc:picChg>
+        <pc:picChg chg="del mod">
+          <ac:chgData name="Marcos Maillot" userId="fa14b39d-e966-4ebb-a436-4f96f84b9577" providerId="ADAL" clId="{563234E5-F6F0-42B1-B4AF-C6677841636B}" dt="2022-10-13T18:52:10.850" v="246" actId="478"/>
+          <ac:picMkLst>
+            <pc:docMk/>
+            <pc:sldMk cId="1886603860" sldId="352"/>
+            <ac:picMk id="11" creationId="{00000000-0000-0000-0000-000000000000}"/>
+          </ac:picMkLst>
+        </pc:picChg>
+      </pc:sldChg>
+      <pc:sldChg chg="addSp modSp mod">
+        <pc:chgData name="Marcos Maillot" userId="fa14b39d-e966-4ebb-a436-4f96f84b9577" providerId="ADAL" clId="{563234E5-F6F0-42B1-B4AF-C6677841636B}" dt="2022-10-13T18:54:28.998" v="260" actId="1076"/>
+        <pc:sldMkLst>
+          <pc:docMk/>
+          <pc:sldMk cId="2815013244" sldId="353"/>
+        </pc:sldMkLst>
+        <pc:spChg chg="add mod">
+          <ac:chgData name="Marcos Maillot" userId="fa14b39d-e966-4ebb-a436-4f96f84b9577" providerId="ADAL" clId="{563234E5-F6F0-42B1-B4AF-C6677841636B}" dt="2022-10-13T18:54:28.998" v="260" actId="1076"/>
+          <ac:spMkLst>
+            <pc:docMk/>
+            <pc:sldMk cId="2815013244" sldId="353"/>
+            <ac:spMk id="4" creationId="{E16C6773-B006-915F-DED4-D42F9BA91C1D}"/>
+          </ac:spMkLst>
+        </pc:spChg>
+        <pc:spChg chg="mod">
+          <ac:chgData name="Marcos Maillot" userId="fa14b39d-e966-4ebb-a436-4f96f84b9577" providerId="ADAL" clId="{563234E5-F6F0-42B1-B4AF-C6677841636B}" dt="2022-10-13T18:48:59.164" v="236" actId="20577"/>
+          <ac:spMkLst>
+            <pc:docMk/>
+            <pc:sldMk cId="2815013244" sldId="353"/>
+            <ac:spMk id="6" creationId="{00000000-0000-0000-0000-000000000000}"/>
+          </ac:spMkLst>
+        </pc:spChg>
+      </pc:sldChg>
+      <pc:sldChg chg="delSp add mod">
+        <pc:chgData name="Marcos Maillot" userId="fa14b39d-e966-4ebb-a436-4f96f84b9577" providerId="ADAL" clId="{563234E5-F6F0-42B1-B4AF-C6677841636B}" dt="2022-10-13T18:19:52.161" v="41" actId="478"/>
+        <pc:sldMkLst>
+          <pc:docMk/>
+          <pc:sldMk cId="2307917589" sldId="355"/>
+        </pc:sldMkLst>
+        <pc:picChg chg="del">
+          <ac:chgData name="Marcos Maillot" userId="fa14b39d-e966-4ebb-a436-4f96f84b9577" providerId="ADAL" clId="{563234E5-F6F0-42B1-B4AF-C6677841636B}" dt="2022-10-13T18:19:52.161" v="41" actId="478"/>
+          <ac:picMkLst>
+            <pc:docMk/>
+            <pc:sldMk cId="2307917589" sldId="355"/>
+            <ac:picMk id="9" creationId="{3E8818A9-21A5-D270-0236-64EB72134CFF}"/>
+          </ac:picMkLst>
+        </pc:picChg>
+      </pc:sldChg>
+      <pc:sldChg chg="add del">
+        <pc:chgData name="Marcos Maillot" userId="fa14b39d-e966-4ebb-a436-4f96f84b9577" providerId="ADAL" clId="{563234E5-F6F0-42B1-B4AF-C6677841636B}" dt="2022-10-13T18:24:00.752" v="59" actId="47"/>
+        <pc:sldMkLst>
+          <pc:docMk/>
+          <pc:sldMk cId="335086815" sldId="356"/>
+        </pc:sldMkLst>
       </pc:sldChg>
     </pc:docChg>
   </pc:docChgLst>
@@ -1027,601 +1804,24 @@
     </pc:docChg>
   </pc:docChgLst>
   <pc:docChgLst>
-    <pc:chgData name="Marcos Maillot" userId="fa14b39d-e966-4ebb-a436-4f96f84b9577" providerId="ADAL" clId="{A4B5FBF0-88D8-43CB-AEB7-4453E11CEACE}"/>
-    <pc:docChg chg="custSel addSld modSld">
-      <pc:chgData name="Marcos Maillot" userId="fa14b39d-e966-4ebb-a436-4f96f84b9577" providerId="ADAL" clId="{A4B5FBF0-88D8-43CB-AEB7-4453E11CEACE}" dt="2023-08-18T23:03:11.694" v="24" actId="1076"/>
+    <pc:chgData name="Marcos Maillot" userId="fa14b39d-e966-4ebb-a436-4f96f84b9577" providerId="ADAL" clId="{7011595B-F756-4AA4-8979-4594D887F2E6}"/>
+    <pc:docChg chg="modSld">
+      <pc:chgData name="Marcos Maillot" userId="fa14b39d-e966-4ebb-a436-4f96f84b9577" providerId="ADAL" clId="{7011595B-F756-4AA4-8979-4594D887F2E6}" dt="2022-10-13T23:51:53.653" v="2" actId="1076"/>
       <pc:docMkLst>
         <pc:docMk/>
       </pc:docMkLst>
-      <pc:sldChg chg="addSp delSp modSp add mod">
-        <pc:chgData name="Marcos Maillot" userId="fa14b39d-e966-4ebb-a436-4f96f84b9577" providerId="ADAL" clId="{A4B5FBF0-88D8-43CB-AEB7-4453E11CEACE}" dt="2023-08-18T23:03:11.694" v="24" actId="1076"/>
-        <pc:sldMkLst>
-          <pc:docMk/>
-          <pc:sldMk cId="1900095533" sldId="362"/>
-        </pc:sldMkLst>
-        <pc:spChg chg="add mod">
-          <ac:chgData name="Marcos Maillot" userId="fa14b39d-e966-4ebb-a436-4f96f84b9577" providerId="ADAL" clId="{A4B5FBF0-88D8-43CB-AEB7-4453E11CEACE}" dt="2023-08-18T23:03:02.255" v="18" actId="1076"/>
-          <ac:spMkLst>
-            <pc:docMk/>
-            <pc:sldMk cId="1900095533" sldId="362"/>
-            <ac:spMk id="6" creationId="{0D89458B-06A0-07DA-045D-F9FAE1B2DED5}"/>
-          </ac:spMkLst>
-        </pc:spChg>
-        <pc:spChg chg="add mod">
-          <ac:chgData name="Marcos Maillot" userId="fa14b39d-e966-4ebb-a436-4f96f84b9577" providerId="ADAL" clId="{A4B5FBF0-88D8-43CB-AEB7-4453E11CEACE}" dt="2023-08-18T23:03:11.694" v="24" actId="1076"/>
-          <ac:spMkLst>
-            <pc:docMk/>
-            <pc:sldMk cId="1900095533" sldId="362"/>
-            <ac:spMk id="8" creationId="{0D1A8245-FE45-D301-8C1C-AD588606ABAE}"/>
-          </ac:spMkLst>
-        </pc:spChg>
-        <pc:spChg chg="mod">
-          <ac:chgData name="Marcos Maillot" userId="fa14b39d-e966-4ebb-a436-4f96f84b9577" providerId="ADAL" clId="{A4B5FBF0-88D8-43CB-AEB7-4453E11CEACE}" dt="2023-08-18T23:02:42.015" v="11" actId="1076"/>
-          <ac:spMkLst>
-            <pc:docMk/>
-            <pc:sldMk cId="1900095533" sldId="362"/>
-            <ac:spMk id="9" creationId="{3CC4C91B-D1B6-4B85-0C60-474E765AA993}"/>
-          </ac:spMkLst>
-        </pc:spChg>
-        <pc:spChg chg="mod">
-          <ac:chgData name="Marcos Maillot" userId="fa14b39d-e966-4ebb-a436-4f96f84b9577" providerId="ADAL" clId="{A4B5FBF0-88D8-43CB-AEB7-4453E11CEACE}" dt="2023-08-18T23:02:45.567" v="13" actId="1076"/>
-          <ac:spMkLst>
-            <pc:docMk/>
-            <pc:sldMk cId="1900095533" sldId="362"/>
-            <ac:spMk id="10" creationId="{9241FF65-4241-DE52-6A64-75594F8D8931}"/>
-          </ac:spMkLst>
-        </pc:spChg>
-        <pc:spChg chg="mod">
-          <ac:chgData name="Marcos Maillot" userId="fa14b39d-e966-4ebb-a436-4f96f84b9577" providerId="ADAL" clId="{A4B5FBF0-88D8-43CB-AEB7-4453E11CEACE}" dt="2023-08-18T23:02:47.919" v="14" actId="1076"/>
-          <ac:spMkLst>
-            <pc:docMk/>
-            <pc:sldMk cId="1900095533" sldId="362"/>
-            <ac:spMk id="21" creationId="{E8F43549-4D83-6AA4-3046-86BFC31F5C71}"/>
-          </ac:spMkLst>
-        </pc:spChg>
-        <pc:grpChg chg="del">
-          <ac:chgData name="Marcos Maillot" userId="fa14b39d-e966-4ebb-a436-4f96f84b9577" providerId="ADAL" clId="{A4B5FBF0-88D8-43CB-AEB7-4453E11CEACE}" dt="2023-08-18T23:02:17.330" v="2" actId="478"/>
-          <ac:grpSpMkLst>
-            <pc:docMk/>
-            <pc:sldMk cId="1900095533" sldId="362"/>
-            <ac:grpSpMk id="25" creationId="{D52FDF2A-438C-37A9-7060-FB2E1F25DF1D}"/>
-          </ac:grpSpMkLst>
-        </pc:grpChg>
-        <pc:grpChg chg="del">
-          <ac:chgData name="Marcos Maillot" userId="fa14b39d-e966-4ebb-a436-4f96f84b9577" providerId="ADAL" clId="{A4B5FBF0-88D8-43CB-AEB7-4453E11CEACE}" dt="2023-08-18T23:02:15.694" v="1" actId="478"/>
-          <ac:grpSpMkLst>
-            <pc:docMk/>
-            <pc:sldMk cId="1900095533" sldId="362"/>
-            <ac:grpSpMk id="29" creationId="{384B1848-A929-1009-E6D8-9785B1B07B87}"/>
-          </ac:grpSpMkLst>
-        </pc:grpChg>
-        <pc:grpChg chg="del">
-          <ac:chgData name="Marcos Maillot" userId="fa14b39d-e966-4ebb-a436-4f96f84b9577" providerId="ADAL" clId="{A4B5FBF0-88D8-43CB-AEB7-4453E11CEACE}" dt="2023-08-18T23:02:18.120" v="3" actId="478"/>
-          <ac:grpSpMkLst>
-            <pc:docMk/>
-            <pc:sldMk cId="1900095533" sldId="362"/>
-            <ac:grpSpMk id="34" creationId="{50EC2E31-2A2E-E2D9-8E84-E39DBF3135D8}"/>
-          </ac:grpSpMkLst>
-        </pc:grpChg>
-        <pc:picChg chg="mod">
-          <ac:chgData name="Marcos Maillot" userId="fa14b39d-e966-4ebb-a436-4f96f84b9577" providerId="ADAL" clId="{A4B5FBF0-88D8-43CB-AEB7-4453E11CEACE}" dt="2023-08-18T23:03:05.079" v="21" actId="1076"/>
-          <ac:picMkLst>
-            <pc:docMk/>
-            <pc:sldMk cId="1900095533" sldId="362"/>
-            <ac:picMk id="31" creationId="{CD46A953-1561-8618-5E56-CCF894E5D979}"/>
-          </ac:picMkLst>
-        </pc:picChg>
-        <pc:picChg chg="del">
-          <ac:chgData name="Marcos Maillot" userId="fa14b39d-e966-4ebb-a436-4f96f84b9577" providerId="ADAL" clId="{A4B5FBF0-88D8-43CB-AEB7-4453E11CEACE}" dt="2023-08-18T23:02:44.035" v="12" actId="478"/>
-          <ac:picMkLst>
-            <pc:docMk/>
-            <pc:sldMk cId="1900095533" sldId="362"/>
-            <ac:picMk id="39" creationId="{CA4E3869-5994-DB70-6479-C3774F3DBEEE}"/>
-          </ac:picMkLst>
-        </pc:picChg>
-        <pc:cxnChg chg="mod">
-          <ac:chgData name="Marcos Maillot" userId="fa14b39d-e966-4ebb-a436-4f96f84b9577" providerId="ADAL" clId="{A4B5FBF0-88D8-43CB-AEB7-4453E11CEACE}" dt="2023-08-18T23:02:34.359" v="8" actId="1076"/>
-          <ac:cxnSpMkLst>
-            <pc:docMk/>
-            <pc:sldMk cId="1900095533" sldId="362"/>
-            <ac:cxnSpMk id="3" creationId="{5EBC6E99-81D6-E402-C1F3-2B06ADD13C83}"/>
-          </ac:cxnSpMkLst>
-        </pc:cxnChg>
-        <pc:cxnChg chg="mod">
-          <ac:chgData name="Marcos Maillot" userId="fa14b39d-e966-4ebb-a436-4f96f84b9577" providerId="ADAL" clId="{A4B5FBF0-88D8-43CB-AEB7-4453E11CEACE}" dt="2023-08-18T23:02:49.375" v="15" actId="1076"/>
-          <ac:cxnSpMkLst>
-            <pc:docMk/>
-            <pc:sldMk cId="1900095533" sldId="362"/>
-            <ac:cxnSpMk id="5" creationId="{79E2AA7B-0C05-90F6-2742-E9A887A241AB}"/>
-          </ac:cxnSpMkLst>
-        </pc:cxnChg>
-      </pc:sldChg>
-    </pc:docChg>
-  </pc:docChgLst>
-  <pc:docChgLst>
-    <pc:chgData name="Marcos Maillot" userId="fa14b39d-e966-4ebb-a436-4f96f84b9577" providerId="ADAL" clId="{563234E5-F6F0-42B1-B4AF-C6677841636B}"/>
-    <pc:docChg chg="custSel addSld delSld modSld sldOrd">
-      <pc:chgData name="Marcos Maillot" userId="fa14b39d-e966-4ebb-a436-4f96f84b9577" providerId="ADAL" clId="{563234E5-F6F0-42B1-B4AF-C6677841636B}" dt="2022-10-13T18:58:31.012" v="264" actId="207"/>
-      <pc:docMkLst>
-        <pc:docMk/>
-      </pc:docMkLst>
-      <pc:sldChg chg="addSp delSp modSp mod">
-        <pc:chgData name="Marcos Maillot" userId="fa14b39d-e966-4ebb-a436-4f96f84b9577" providerId="ADAL" clId="{563234E5-F6F0-42B1-B4AF-C6677841636B}" dt="2022-10-13T18:20:45.545" v="57" actId="1076"/>
+      <pc:sldChg chg="modSp mod">
+        <pc:chgData name="Marcos Maillot" userId="fa14b39d-e966-4ebb-a436-4f96f84b9577" providerId="ADAL" clId="{7011595B-F756-4AA4-8979-4594D887F2E6}" dt="2022-10-13T23:51:53.653" v="2" actId="1076"/>
         <pc:sldMkLst>
           <pc:docMk/>
           <pc:sldMk cId="1345289315" sldId="332"/>
         </pc:sldMkLst>
-        <pc:spChg chg="del">
-          <ac:chgData name="Marcos Maillot" userId="fa14b39d-e966-4ebb-a436-4f96f84b9577" providerId="ADAL" clId="{563234E5-F6F0-42B1-B4AF-C6677841636B}" dt="2022-10-13T18:20:20.877" v="47" actId="478"/>
-          <ac:spMkLst>
-            <pc:docMk/>
-            <pc:sldMk cId="1345289315" sldId="332"/>
-            <ac:spMk id="5" creationId="{00000000-0000-0000-0000-000000000000}"/>
-          </ac:spMkLst>
-        </pc:spChg>
-        <pc:spChg chg="mod">
-          <ac:chgData name="Marcos Maillot" userId="fa14b39d-e966-4ebb-a436-4f96f84b9577" providerId="ADAL" clId="{563234E5-F6F0-42B1-B4AF-C6677841636B}" dt="2022-10-13T18:20:41.876" v="55" actId="1076"/>
-          <ac:spMkLst>
-            <pc:docMk/>
-            <pc:sldMk cId="1345289315" sldId="332"/>
-            <ac:spMk id="6" creationId="{00000000-0000-0000-0000-000000000000}"/>
-          </ac:spMkLst>
-        </pc:spChg>
-        <pc:spChg chg="del">
-          <ac:chgData name="Marcos Maillot" userId="fa14b39d-e966-4ebb-a436-4f96f84b9577" providerId="ADAL" clId="{563234E5-F6F0-42B1-B4AF-C6677841636B}" dt="2022-10-13T18:20:17.230" v="46" actId="478"/>
-          <ac:spMkLst>
-            <pc:docMk/>
-            <pc:sldMk cId="1345289315" sldId="332"/>
-            <ac:spMk id="7" creationId="{00000000-0000-0000-0000-000000000000}"/>
-          </ac:spMkLst>
-        </pc:spChg>
-        <pc:spChg chg="del">
-          <ac:chgData name="Marcos Maillot" userId="fa14b39d-e966-4ebb-a436-4f96f84b9577" providerId="ADAL" clId="{563234E5-F6F0-42B1-B4AF-C6677841636B}" dt="2022-10-13T18:20:03.461" v="43" actId="478"/>
-          <ac:spMkLst>
-            <pc:docMk/>
-            <pc:sldMk cId="1345289315" sldId="332"/>
-            <ac:spMk id="8" creationId="{00000000-0000-0000-0000-000000000000}"/>
-          </ac:spMkLst>
-        </pc:spChg>
-        <pc:picChg chg="del">
-          <ac:chgData name="Marcos Maillot" userId="fa14b39d-e966-4ebb-a436-4f96f84b9577" providerId="ADAL" clId="{563234E5-F6F0-42B1-B4AF-C6677841636B}" dt="2022-10-13T18:19:57.728" v="42" actId="478"/>
-          <ac:picMkLst>
-            <pc:docMk/>
-            <pc:sldMk cId="1345289315" sldId="332"/>
-            <ac:picMk id="3" creationId="{00000000-0000-0000-0000-000000000000}"/>
-          </ac:picMkLst>
-        </pc:picChg>
-        <pc:picChg chg="add mod">
-          <ac:chgData name="Marcos Maillot" userId="fa14b39d-e966-4ebb-a436-4f96f84b9577" providerId="ADAL" clId="{563234E5-F6F0-42B1-B4AF-C6677841636B}" dt="2022-10-13T18:20:45.545" v="57" actId="1076"/>
+        <pc:picChg chg="mod">
+          <ac:chgData name="Marcos Maillot" userId="fa14b39d-e966-4ebb-a436-4f96f84b9577" providerId="ADAL" clId="{7011595B-F756-4AA4-8979-4594D887F2E6}" dt="2022-10-13T23:51:53.653" v="2" actId="1076"/>
           <ac:picMkLst>
             <pc:docMk/>
             <pc:sldMk cId="1345289315" sldId="332"/>
             <ac:picMk id="9" creationId="{3E8818A9-21A5-D270-0236-64EB72134CFF}"/>
-          </ac:picMkLst>
-        </pc:picChg>
-      </pc:sldChg>
-      <pc:sldChg chg="addSp modSp mod">
-        <pc:chgData name="Marcos Maillot" userId="fa14b39d-e966-4ebb-a436-4f96f84b9577" providerId="ADAL" clId="{563234E5-F6F0-42B1-B4AF-C6677841636B}" dt="2022-10-13T18:34:54.598" v="147" actId="20577"/>
-        <pc:sldMkLst>
-          <pc:docMk/>
-          <pc:sldMk cId="973184105" sldId="347"/>
-        </pc:sldMkLst>
-        <pc:spChg chg="add mod">
-          <ac:chgData name="Marcos Maillot" userId="fa14b39d-e966-4ebb-a436-4f96f84b9577" providerId="ADAL" clId="{563234E5-F6F0-42B1-B4AF-C6677841636B}" dt="2022-10-13T18:25:44.705" v="127" actId="1076"/>
-          <ac:spMkLst>
-            <pc:docMk/>
-            <pc:sldMk cId="973184105" sldId="347"/>
-            <ac:spMk id="2" creationId="{896BF1DF-9999-CAC6-85C3-BFB9B5054968}"/>
-          </ac:spMkLst>
-        </pc:spChg>
-        <pc:spChg chg="mod">
-          <ac:chgData name="Marcos Maillot" userId="fa14b39d-e966-4ebb-a436-4f96f84b9577" providerId="ADAL" clId="{563234E5-F6F0-42B1-B4AF-C6677841636B}" dt="2022-10-13T18:15:44.261" v="34"/>
-          <ac:spMkLst>
-            <pc:docMk/>
-            <pc:sldMk cId="973184105" sldId="347"/>
-            <ac:spMk id="5" creationId="{00000000-0000-0000-0000-000000000000}"/>
-          </ac:spMkLst>
-        </pc:spChg>
-        <pc:spChg chg="mod">
-          <ac:chgData name="Marcos Maillot" userId="fa14b39d-e966-4ebb-a436-4f96f84b9577" providerId="ADAL" clId="{563234E5-F6F0-42B1-B4AF-C6677841636B}" dt="2022-10-13T18:34:54.598" v="147" actId="20577"/>
-          <ac:spMkLst>
-            <pc:docMk/>
-            <pc:sldMk cId="973184105" sldId="347"/>
-            <ac:spMk id="6" creationId="{00000000-0000-0000-0000-000000000000}"/>
-          </ac:spMkLst>
-        </pc:spChg>
-        <pc:picChg chg="mod">
-          <ac:chgData name="Marcos Maillot" userId="fa14b39d-e966-4ebb-a436-4f96f84b9577" providerId="ADAL" clId="{563234E5-F6F0-42B1-B4AF-C6677841636B}" dt="2022-10-13T18:15:06.702" v="25" actId="1076"/>
-          <ac:picMkLst>
-            <pc:docMk/>
-            <pc:sldMk cId="973184105" sldId="347"/>
-            <ac:picMk id="11" creationId="{00000000-0000-0000-0000-000000000000}"/>
-          </ac:picMkLst>
-        </pc:picChg>
-      </pc:sldChg>
-      <pc:sldChg chg="addSp modSp mod">
-        <pc:chgData name="Marcos Maillot" userId="fa14b39d-e966-4ebb-a436-4f96f84b9577" providerId="ADAL" clId="{563234E5-F6F0-42B1-B4AF-C6677841636B}" dt="2022-10-13T18:58:31.012" v="264" actId="207"/>
-        <pc:sldMkLst>
-          <pc:docMk/>
-          <pc:sldMk cId="543162145" sldId="349"/>
-        </pc:sldMkLst>
-        <pc:spChg chg="mod">
-          <ac:chgData name="Marcos Maillot" userId="fa14b39d-e966-4ebb-a436-4f96f84b9577" providerId="ADAL" clId="{563234E5-F6F0-42B1-B4AF-C6677841636B}" dt="2022-10-13T18:56:42.570" v="261" actId="1076"/>
-          <ac:spMkLst>
-            <pc:docMk/>
-            <pc:sldMk cId="543162145" sldId="349"/>
-            <ac:spMk id="2" creationId="{00000000-0000-0000-0000-000000000000}"/>
-          </ac:spMkLst>
-        </pc:spChg>
-        <pc:spChg chg="add mod">
-          <ac:chgData name="Marcos Maillot" userId="fa14b39d-e966-4ebb-a436-4f96f84b9577" providerId="ADAL" clId="{563234E5-F6F0-42B1-B4AF-C6677841636B}" dt="2022-10-13T18:58:31.012" v="264" actId="207"/>
-          <ac:spMkLst>
-            <pc:docMk/>
-            <pc:sldMk cId="543162145" sldId="349"/>
-            <ac:spMk id="4" creationId="{6DFD0C03-5399-D56F-87FA-4672DB96FF80}"/>
-          </ac:spMkLst>
-        </pc:spChg>
-      </pc:sldChg>
-      <pc:sldChg chg="modSp mod">
-        <pc:chgData name="Marcos Maillot" userId="fa14b39d-e966-4ebb-a436-4f96f84b9577" providerId="ADAL" clId="{563234E5-F6F0-42B1-B4AF-C6677841636B}" dt="2022-10-13T18:37:36.186" v="211" actId="1076"/>
-        <pc:sldMkLst>
-          <pc:docMk/>
-          <pc:sldMk cId="2542735254" sldId="351"/>
-        </pc:sldMkLst>
-        <pc:spChg chg="mod">
-          <ac:chgData name="Marcos Maillot" userId="fa14b39d-e966-4ebb-a436-4f96f84b9577" providerId="ADAL" clId="{563234E5-F6F0-42B1-B4AF-C6677841636B}" dt="2022-10-13T18:35:21.241" v="196" actId="20577"/>
-          <ac:spMkLst>
-            <pc:docMk/>
-            <pc:sldMk cId="2542735254" sldId="351"/>
-            <ac:spMk id="6" creationId="{00000000-0000-0000-0000-000000000000}"/>
-          </ac:spMkLst>
-        </pc:spChg>
-        <pc:spChg chg="mod">
-          <ac:chgData name="Marcos Maillot" userId="fa14b39d-e966-4ebb-a436-4f96f84b9577" providerId="ADAL" clId="{563234E5-F6F0-42B1-B4AF-C6677841636B}" dt="2022-10-13T18:37:36.186" v="211" actId="1076"/>
-          <ac:spMkLst>
-            <pc:docMk/>
-            <pc:sldMk cId="2542735254" sldId="351"/>
-            <ac:spMk id="17" creationId="{00000000-0000-0000-0000-000000000000}"/>
-          </ac:spMkLst>
-        </pc:spChg>
-      </pc:sldChg>
-      <pc:sldChg chg="addSp delSp modSp del mod ord">
-        <pc:chgData name="Marcos Maillot" userId="fa14b39d-e966-4ebb-a436-4f96f84b9577" providerId="ADAL" clId="{563234E5-F6F0-42B1-B4AF-C6677841636B}" dt="2022-10-13T18:54:11.306" v="255" actId="47"/>
-        <pc:sldMkLst>
-          <pc:docMk/>
-          <pc:sldMk cId="1886603860" sldId="352"/>
-        </pc:sldMkLst>
-        <pc:spChg chg="add del mod">
-          <ac:chgData name="Marcos Maillot" userId="fa14b39d-e966-4ebb-a436-4f96f84b9577" providerId="ADAL" clId="{563234E5-F6F0-42B1-B4AF-C6677841636B}" dt="2022-10-13T18:18:36.250" v="35" actId="478"/>
-          <ac:spMkLst>
-            <pc:docMk/>
-            <pc:sldMk cId="1886603860" sldId="352"/>
-            <ac:spMk id="2" creationId="{2F2FCC41-1517-CA54-3826-17B212E44E40}"/>
-          </ac:spMkLst>
-        </pc:spChg>
-        <pc:spChg chg="add del mod">
-          <ac:chgData name="Marcos Maillot" userId="fa14b39d-e966-4ebb-a436-4f96f84b9577" providerId="ADAL" clId="{563234E5-F6F0-42B1-B4AF-C6677841636B}" dt="2022-10-13T18:52:10.016" v="245" actId="478"/>
-          <ac:spMkLst>
-            <pc:docMk/>
-            <pc:sldMk cId="1886603860" sldId="352"/>
-            <ac:spMk id="3" creationId="{408EBDE3-EF01-C64E-33F2-4D271D826B41}"/>
-          </ac:spMkLst>
-        </pc:spChg>
-        <pc:spChg chg="del mod">
-          <ac:chgData name="Marcos Maillot" userId="fa14b39d-e966-4ebb-a436-4f96f84b9577" providerId="ADAL" clId="{563234E5-F6F0-42B1-B4AF-C6677841636B}" dt="2022-10-13T18:08:50.330" v="10" actId="478"/>
-          <ac:spMkLst>
-            <pc:docMk/>
-            <pc:sldMk cId="1886603860" sldId="352"/>
-            <ac:spMk id="5" creationId="{00000000-0000-0000-0000-000000000000}"/>
-          </ac:spMkLst>
-        </pc:spChg>
-        <pc:spChg chg="mod">
-          <ac:chgData name="Marcos Maillot" userId="fa14b39d-e966-4ebb-a436-4f96f84b9577" providerId="ADAL" clId="{563234E5-F6F0-42B1-B4AF-C6677841636B}" dt="2022-10-13T18:35:10.861" v="170" actId="14100"/>
-          <ac:spMkLst>
-            <pc:docMk/>
-            <pc:sldMk cId="1886603860" sldId="352"/>
-            <ac:spMk id="6" creationId="{00000000-0000-0000-0000-000000000000}"/>
-          </ac:spMkLst>
-        </pc:spChg>
-        <pc:spChg chg="add mod">
-          <ac:chgData name="Marcos Maillot" userId="fa14b39d-e966-4ebb-a436-4f96f84b9577" providerId="ADAL" clId="{563234E5-F6F0-42B1-B4AF-C6677841636B}" dt="2022-10-13T18:51:10.396" v="244" actId="1076"/>
-          <ac:spMkLst>
-            <pc:docMk/>
-            <pc:sldMk cId="1886603860" sldId="352"/>
-            <ac:spMk id="7" creationId="{8FAB41AE-B829-C329-01D9-9989D591552F}"/>
-          </ac:spMkLst>
-        </pc:spChg>
-        <pc:spChg chg="mod">
-          <ac:chgData name="Marcos Maillot" userId="fa14b39d-e966-4ebb-a436-4f96f84b9577" providerId="ADAL" clId="{563234E5-F6F0-42B1-B4AF-C6677841636B}" dt="2022-10-13T18:52:23.804" v="252" actId="1076"/>
-          <ac:spMkLst>
-            <pc:docMk/>
-            <pc:sldMk cId="1886603860" sldId="352"/>
-            <ac:spMk id="9" creationId="{00000000-0000-0000-0000-000000000000}"/>
-          </ac:spMkLst>
-        </pc:spChg>
-        <pc:picChg chg="mod">
-          <ac:chgData name="Marcos Maillot" userId="fa14b39d-e966-4ebb-a436-4f96f84b9577" providerId="ADAL" clId="{563234E5-F6F0-42B1-B4AF-C6677841636B}" dt="2022-10-13T18:52:24.907" v="253" actId="1076"/>
-          <ac:picMkLst>
-            <pc:docMk/>
-            <pc:sldMk cId="1886603860" sldId="352"/>
-            <ac:picMk id="8" creationId="{00000000-0000-0000-0000-000000000000}"/>
-          </ac:picMkLst>
-        </pc:picChg>
-        <pc:picChg chg="mod">
-          <ac:chgData name="Marcos Maillot" userId="fa14b39d-e966-4ebb-a436-4f96f84b9577" providerId="ADAL" clId="{563234E5-F6F0-42B1-B4AF-C6677841636B}" dt="2022-10-13T18:52:25.996" v="254" actId="1076"/>
-          <ac:picMkLst>
-            <pc:docMk/>
-            <pc:sldMk cId="1886603860" sldId="352"/>
-            <ac:picMk id="10" creationId="{00000000-0000-0000-0000-000000000000}"/>
-          </ac:picMkLst>
-        </pc:picChg>
-        <pc:picChg chg="del mod">
-          <ac:chgData name="Marcos Maillot" userId="fa14b39d-e966-4ebb-a436-4f96f84b9577" providerId="ADAL" clId="{563234E5-F6F0-42B1-B4AF-C6677841636B}" dt="2022-10-13T18:52:10.850" v="246" actId="478"/>
-          <ac:picMkLst>
-            <pc:docMk/>
-            <pc:sldMk cId="1886603860" sldId="352"/>
-            <ac:picMk id="11" creationId="{00000000-0000-0000-0000-000000000000}"/>
-          </ac:picMkLst>
-        </pc:picChg>
-      </pc:sldChg>
-      <pc:sldChg chg="addSp modSp mod">
-        <pc:chgData name="Marcos Maillot" userId="fa14b39d-e966-4ebb-a436-4f96f84b9577" providerId="ADAL" clId="{563234E5-F6F0-42B1-B4AF-C6677841636B}" dt="2022-10-13T18:54:28.998" v="260" actId="1076"/>
-        <pc:sldMkLst>
-          <pc:docMk/>
-          <pc:sldMk cId="2815013244" sldId="353"/>
-        </pc:sldMkLst>
-        <pc:spChg chg="add mod">
-          <ac:chgData name="Marcos Maillot" userId="fa14b39d-e966-4ebb-a436-4f96f84b9577" providerId="ADAL" clId="{563234E5-F6F0-42B1-B4AF-C6677841636B}" dt="2022-10-13T18:54:28.998" v="260" actId="1076"/>
-          <ac:spMkLst>
-            <pc:docMk/>
-            <pc:sldMk cId="2815013244" sldId="353"/>
-            <ac:spMk id="4" creationId="{E16C6773-B006-915F-DED4-D42F9BA91C1D}"/>
-          </ac:spMkLst>
-        </pc:spChg>
-        <pc:spChg chg="mod">
-          <ac:chgData name="Marcos Maillot" userId="fa14b39d-e966-4ebb-a436-4f96f84b9577" providerId="ADAL" clId="{563234E5-F6F0-42B1-B4AF-C6677841636B}" dt="2022-10-13T18:48:59.164" v="236" actId="20577"/>
-          <ac:spMkLst>
-            <pc:docMk/>
-            <pc:sldMk cId="2815013244" sldId="353"/>
-            <ac:spMk id="6" creationId="{00000000-0000-0000-0000-000000000000}"/>
-          </ac:spMkLst>
-        </pc:spChg>
-      </pc:sldChg>
-      <pc:sldChg chg="delSp add mod">
-        <pc:chgData name="Marcos Maillot" userId="fa14b39d-e966-4ebb-a436-4f96f84b9577" providerId="ADAL" clId="{563234E5-F6F0-42B1-B4AF-C6677841636B}" dt="2022-10-13T18:19:52.161" v="41" actId="478"/>
-        <pc:sldMkLst>
-          <pc:docMk/>
-          <pc:sldMk cId="2307917589" sldId="355"/>
-        </pc:sldMkLst>
-        <pc:picChg chg="del">
-          <ac:chgData name="Marcos Maillot" userId="fa14b39d-e966-4ebb-a436-4f96f84b9577" providerId="ADAL" clId="{563234E5-F6F0-42B1-B4AF-C6677841636B}" dt="2022-10-13T18:19:52.161" v="41" actId="478"/>
-          <ac:picMkLst>
-            <pc:docMk/>
-            <pc:sldMk cId="2307917589" sldId="355"/>
-            <ac:picMk id="9" creationId="{3E8818A9-21A5-D270-0236-64EB72134CFF}"/>
-          </ac:picMkLst>
-        </pc:picChg>
-      </pc:sldChg>
-      <pc:sldChg chg="add del">
-        <pc:chgData name="Marcos Maillot" userId="fa14b39d-e966-4ebb-a436-4f96f84b9577" providerId="ADAL" clId="{563234E5-F6F0-42B1-B4AF-C6677841636B}" dt="2022-10-13T18:24:00.752" v="59" actId="47"/>
-        <pc:sldMkLst>
-          <pc:docMk/>
-          <pc:sldMk cId="335086815" sldId="356"/>
-        </pc:sldMkLst>
-      </pc:sldChg>
-    </pc:docChg>
-  </pc:docChgLst>
-  <pc:docChgLst>
-    <pc:chgData name="Marcos Maillot" userId="fa14b39d-e966-4ebb-a436-4f96f84b9577" providerId="ADAL" clId="{6305F822-064E-4220-B9C7-00DB7665D49D}"/>
-    <pc:docChg chg="custSel addSld modSld">
-      <pc:chgData name="Marcos Maillot" userId="fa14b39d-e966-4ebb-a436-4f96f84b9577" providerId="ADAL" clId="{6305F822-064E-4220-B9C7-00DB7665D49D}" dt="2023-04-21T16:38:11.405" v="574" actId="478"/>
-      <pc:docMkLst>
-        <pc:docMk/>
-      </pc:docMkLst>
-      <pc:sldChg chg="modSp mod">
-        <pc:chgData name="Marcos Maillot" userId="fa14b39d-e966-4ebb-a436-4f96f84b9577" providerId="ADAL" clId="{6305F822-064E-4220-B9C7-00DB7665D49D}" dt="2023-04-21T16:35:26.546" v="562" actId="1076"/>
-        <pc:sldMkLst>
-          <pc:docMk/>
-          <pc:sldMk cId="787285808" sldId="256"/>
-        </pc:sldMkLst>
-        <pc:spChg chg="mod">
-          <ac:chgData name="Marcos Maillot" userId="fa14b39d-e966-4ebb-a436-4f96f84b9577" providerId="ADAL" clId="{6305F822-064E-4220-B9C7-00DB7665D49D}" dt="2023-04-21T16:35:26.546" v="562" actId="1076"/>
-          <ac:spMkLst>
-            <pc:docMk/>
-            <pc:sldMk cId="787285808" sldId="256"/>
-            <ac:spMk id="6" creationId="{00000000-0000-0000-0000-000000000000}"/>
-          </ac:spMkLst>
-        </pc:spChg>
-        <pc:spChg chg="mod">
-          <ac:chgData name="Marcos Maillot" userId="fa14b39d-e966-4ebb-a436-4f96f84b9577" providerId="ADAL" clId="{6305F822-064E-4220-B9C7-00DB7665D49D}" dt="2023-04-21T16:35:22.986" v="561" actId="20577"/>
-          <ac:spMkLst>
-            <pc:docMk/>
-            <pc:sldMk cId="787285808" sldId="256"/>
-            <ac:spMk id="8" creationId="{00000000-0000-0000-0000-000000000000}"/>
-          </ac:spMkLst>
-        </pc:spChg>
-      </pc:sldChg>
-      <pc:sldChg chg="delSp mod">
-        <pc:chgData name="Marcos Maillot" userId="fa14b39d-e966-4ebb-a436-4f96f84b9577" providerId="ADAL" clId="{6305F822-064E-4220-B9C7-00DB7665D49D}" dt="2023-04-21T16:37:29.396" v="570" actId="478"/>
-        <pc:sldMkLst>
-          <pc:docMk/>
-          <pc:sldMk cId="973184105" sldId="347"/>
-        </pc:sldMkLst>
-        <pc:inkChg chg="del">
-          <ac:chgData name="Marcos Maillot" userId="fa14b39d-e966-4ebb-a436-4f96f84b9577" providerId="ADAL" clId="{6305F822-064E-4220-B9C7-00DB7665D49D}" dt="2023-04-21T16:37:29.396" v="570" actId="478"/>
-          <ac:inkMkLst>
-            <pc:docMk/>
-            <pc:sldMk cId="973184105" sldId="347"/>
-            <ac:inkMk id="4" creationId="{FBD1DF55-1D32-692D-7F82-5AF6692BB069}"/>
-          </ac:inkMkLst>
-        </pc:inkChg>
-      </pc:sldChg>
-      <pc:sldChg chg="delSp mod">
-        <pc:chgData name="Marcos Maillot" userId="fa14b39d-e966-4ebb-a436-4f96f84b9577" providerId="ADAL" clId="{6305F822-064E-4220-B9C7-00DB7665D49D}" dt="2023-04-21T16:38:04.726" v="573" actId="478"/>
-        <pc:sldMkLst>
-          <pc:docMk/>
-          <pc:sldMk cId="2703650191" sldId="348"/>
-        </pc:sldMkLst>
-        <pc:inkChg chg="del">
-          <ac:chgData name="Marcos Maillot" userId="fa14b39d-e966-4ebb-a436-4f96f84b9577" providerId="ADAL" clId="{6305F822-064E-4220-B9C7-00DB7665D49D}" dt="2023-04-21T16:38:04.726" v="573" actId="478"/>
-          <ac:inkMkLst>
-            <pc:docMk/>
-            <pc:sldMk cId="2703650191" sldId="348"/>
-            <ac:inkMk id="2" creationId="{F7B2D392-AA62-C216-B618-458640C35E92}"/>
-          </ac:inkMkLst>
-        </pc:inkChg>
-      </pc:sldChg>
-      <pc:sldChg chg="delSp mod">
-        <pc:chgData name="Marcos Maillot" userId="fa14b39d-e966-4ebb-a436-4f96f84b9577" providerId="ADAL" clId="{6305F822-064E-4220-B9C7-00DB7665D49D}" dt="2023-04-21T16:38:11.405" v="574" actId="478"/>
-        <pc:sldMkLst>
-          <pc:docMk/>
-          <pc:sldMk cId="543162145" sldId="349"/>
-        </pc:sldMkLst>
-        <pc:inkChg chg="del">
-          <ac:chgData name="Marcos Maillot" userId="fa14b39d-e966-4ebb-a436-4f96f84b9577" providerId="ADAL" clId="{6305F822-064E-4220-B9C7-00DB7665D49D}" dt="2023-04-21T16:38:11.405" v="574" actId="478"/>
-          <ac:inkMkLst>
-            <pc:docMk/>
-            <pc:sldMk cId="543162145" sldId="349"/>
-            <ac:inkMk id="3" creationId="{04156308-32B7-E22A-653F-E3550144EA7F}"/>
-          </ac:inkMkLst>
-        </pc:inkChg>
-      </pc:sldChg>
-      <pc:sldChg chg="delSp mod">
-        <pc:chgData name="Marcos Maillot" userId="fa14b39d-e966-4ebb-a436-4f96f84b9577" providerId="ADAL" clId="{6305F822-064E-4220-B9C7-00DB7665D49D}" dt="2023-04-21T16:37:09.195" v="569" actId="478"/>
-        <pc:sldMkLst>
-          <pc:docMk/>
-          <pc:sldMk cId="3302342433" sldId="350"/>
-        </pc:sldMkLst>
-        <pc:inkChg chg="del">
-          <ac:chgData name="Marcos Maillot" userId="fa14b39d-e966-4ebb-a436-4f96f84b9577" providerId="ADAL" clId="{6305F822-064E-4220-B9C7-00DB7665D49D}" dt="2023-04-21T16:37:09.195" v="569" actId="478"/>
-          <ac:inkMkLst>
-            <pc:docMk/>
-            <pc:sldMk cId="3302342433" sldId="350"/>
-            <ac:inkMk id="2" creationId="{53C00B13-E41A-B715-5A95-1BE6EC5330FE}"/>
-          </ac:inkMkLst>
-        </pc:inkChg>
-      </pc:sldChg>
-      <pc:sldChg chg="delSp mod">
-        <pc:chgData name="Marcos Maillot" userId="fa14b39d-e966-4ebb-a436-4f96f84b9577" providerId="ADAL" clId="{6305F822-064E-4220-B9C7-00DB7665D49D}" dt="2023-04-21T16:37:56.505" v="571" actId="478"/>
-        <pc:sldMkLst>
-          <pc:docMk/>
-          <pc:sldMk cId="2542735254" sldId="351"/>
-        </pc:sldMkLst>
-        <pc:inkChg chg="del">
-          <ac:chgData name="Marcos Maillot" userId="fa14b39d-e966-4ebb-a436-4f96f84b9577" providerId="ADAL" clId="{6305F822-064E-4220-B9C7-00DB7665D49D}" dt="2023-04-21T16:37:56.505" v="571" actId="478"/>
-          <ac:inkMkLst>
-            <pc:docMk/>
-            <pc:sldMk cId="2542735254" sldId="351"/>
-            <ac:inkMk id="2" creationId="{C335C49F-7C8B-4011-7A83-BF03ACA7F176}"/>
-          </ac:inkMkLst>
-        </pc:inkChg>
-      </pc:sldChg>
-      <pc:sldChg chg="delSp mod">
-        <pc:chgData name="Marcos Maillot" userId="fa14b39d-e966-4ebb-a436-4f96f84b9577" providerId="ADAL" clId="{6305F822-064E-4220-B9C7-00DB7665D49D}" dt="2023-04-21T16:37:58.878" v="572" actId="478"/>
-        <pc:sldMkLst>
-          <pc:docMk/>
-          <pc:sldMk cId="2815013244" sldId="353"/>
-        </pc:sldMkLst>
-        <pc:inkChg chg="del">
-          <ac:chgData name="Marcos Maillot" userId="fa14b39d-e966-4ebb-a436-4f96f84b9577" providerId="ADAL" clId="{6305F822-064E-4220-B9C7-00DB7665D49D}" dt="2023-04-21T16:37:58.878" v="572" actId="478"/>
-          <ac:inkMkLst>
-            <pc:docMk/>
-            <pc:sldMk cId="2815013244" sldId="353"/>
-            <ac:inkMk id="2" creationId="{C35E2606-750A-7833-E7FA-E42C45867906}"/>
-          </ac:inkMkLst>
-        </pc:inkChg>
-      </pc:sldChg>
-      <pc:sldChg chg="delSp mod">
-        <pc:chgData name="Marcos Maillot" userId="fa14b39d-e966-4ebb-a436-4f96f84b9577" providerId="ADAL" clId="{6305F822-064E-4220-B9C7-00DB7665D49D}" dt="2023-04-21T16:36:54.546" v="568" actId="478"/>
-        <pc:sldMkLst>
-          <pc:docMk/>
-          <pc:sldMk cId="2307917589" sldId="355"/>
-        </pc:sldMkLst>
-        <pc:inkChg chg="del">
-          <ac:chgData name="Marcos Maillot" userId="fa14b39d-e966-4ebb-a436-4f96f84b9577" providerId="ADAL" clId="{6305F822-064E-4220-B9C7-00DB7665D49D}" dt="2023-04-21T16:36:54.546" v="568" actId="478"/>
-          <ac:inkMkLst>
-            <pc:docMk/>
-            <pc:sldMk cId="2307917589" sldId="355"/>
-            <ac:inkMk id="2" creationId="{C97C5AB7-B83A-CFD2-CB93-E99FAB943EC7}"/>
-          </ac:inkMkLst>
-        </pc:inkChg>
-      </pc:sldChg>
-      <pc:sldChg chg="delSp modSp add mod">
-        <pc:chgData name="Marcos Maillot" userId="fa14b39d-e966-4ebb-a436-4f96f84b9577" providerId="ADAL" clId="{6305F822-064E-4220-B9C7-00DB7665D49D}" dt="2023-04-21T16:35:48.615" v="567" actId="14100"/>
-        <pc:sldMkLst>
-          <pc:docMk/>
-          <pc:sldMk cId="2958760871" sldId="360"/>
-        </pc:sldMkLst>
-        <pc:spChg chg="mod">
-          <ac:chgData name="Marcos Maillot" userId="fa14b39d-e966-4ebb-a436-4f96f84b9577" providerId="ADAL" clId="{6305F822-064E-4220-B9C7-00DB7665D49D}" dt="2023-04-21T16:35:48.615" v="567" actId="14100"/>
-          <ac:spMkLst>
-            <pc:docMk/>
-            <pc:sldMk cId="2958760871" sldId="360"/>
-            <ac:spMk id="12" creationId="{173875A2-756C-C285-A3FC-2C04FCABF78E}"/>
-          </ac:spMkLst>
-        </pc:spChg>
-        <pc:spChg chg="del mod">
-          <ac:chgData name="Marcos Maillot" userId="fa14b39d-e966-4ebb-a436-4f96f84b9577" providerId="ADAL" clId="{6305F822-064E-4220-B9C7-00DB7665D49D}" dt="2023-04-21T16:31:50.476" v="511" actId="478"/>
-          <ac:spMkLst>
-            <pc:docMk/>
-            <pc:sldMk cId="2958760871" sldId="360"/>
-            <ac:spMk id="16" creationId="{AD0B28E0-D22E-F3BE-B975-F36DBFA0ECA1}"/>
-          </ac:spMkLst>
-        </pc:spChg>
-        <pc:spChg chg="del">
-          <ac:chgData name="Marcos Maillot" userId="fa14b39d-e966-4ebb-a436-4f96f84b9577" providerId="ADAL" clId="{6305F822-064E-4220-B9C7-00DB7665D49D}" dt="2023-04-21T16:27:01.217" v="97" actId="478"/>
-          <ac:spMkLst>
-            <pc:docMk/>
-            <pc:sldMk cId="2958760871" sldId="360"/>
-            <ac:spMk id="17" creationId="{6E44B1AE-5F03-28EE-5C2B-ABADEC460FE2}"/>
-          </ac:spMkLst>
-        </pc:spChg>
-        <pc:spChg chg="del">
-          <ac:chgData name="Marcos Maillot" userId="fa14b39d-e966-4ebb-a436-4f96f84b9577" providerId="ADAL" clId="{6305F822-064E-4220-B9C7-00DB7665D49D}" dt="2023-04-21T16:26:57.427" v="93" actId="478"/>
-          <ac:spMkLst>
-            <pc:docMk/>
-            <pc:sldMk cId="2958760871" sldId="360"/>
-            <ac:spMk id="18" creationId="{E6AB87E9-25D4-491A-8C3E-94BD21E70872}"/>
-          </ac:spMkLst>
-        </pc:spChg>
-        <pc:spChg chg="del">
-          <ac:chgData name="Marcos Maillot" userId="fa14b39d-e966-4ebb-a436-4f96f84b9577" providerId="ADAL" clId="{6305F822-064E-4220-B9C7-00DB7665D49D}" dt="2023-04-21T16:26:57.427" v="93" actId="478"/>
-          <ac:spMkLst>
-            <pc:docMk/>
-            <pc:sldMk cId="2958760871" sldId="360"/>
-            <ac:spMk id="20" creationId="{D36B6539-D238-981E-9681-58849C1CF412}"/>
-          </ac:spMkLst>
-        </pc:spChg>
-        <pc:spChg chg="del">
-          <ac:chgData name="Marcos Maillot" userId="fa14b39d-e966-4ebb-a436-4f96f84b9577" providerId="ADAL" clId="{6305F822-064E-4220-B9C7-00DB7665D49D}" dt="2023-04-21T16:26:59.747" v="96" actId="478"/>
-          <ac:spMkLst>
-            <pc:docMk/>
-            <pc:sldMk cId="2958760871" sldId="360"/>
-            <ac:spMk id="21" creationId="{E7BBE94A-759F-D4E2-7414-EB5CF7FFCA42}"/>
-          </ac:spMkLst>
-        </pc:spChg>
-        <pc:spChg chg="del mod">
-          <ac:chgData name="Marcos Maillot" userId="fa14b39d-e966-4ebb-a436-4f96f84b9577" providerId="ADAL" clId="{6305F822-064E-4220-B9C7-00DB7665D49D}" dt="2023-04-21T16:27:10.067" v="100" actId="478"/>
-          <ac:spMkLst>
-            <pc:docMk/>
-            <pc:sldMk cId="2958760871" sldId="360"/>
-            <ac:spMk id="22" creationId="{0F152222-1E01-75F9-8635-810DDAA0A9B0}"/>
-          </ac:spMkLst>
-        </pc:spChg>
-        <pc:picChg chg="del">
-          <ac:chgData name="Marcos Maillot" userId="fa14b39d-e966-4ebb-a436-4f96f84b9577" providerId="ADAL" clId="{6305F822-064E-4220-B9C7-00DB7665D49D}" dt="2023-04-21T16:26:55.626" v="92" actId="478"/>
-          <ac:picMkLst>
-            <pc:docMk/>
-            <pc:sldMk cId="2958760871" sldId="360"/>
-            <ac:picMk id="13" creationId="{C9A2F921-87F9-F696-BC27-AD71E9B14985}"/>
-          </ac:picMkLst>
-        </pc:picChg>
-        <pc:picChg chg="del mod">
-          <ac:chgData name="Marcos Maillot" userId="fa14b39d-e966-4ebb-a436-4f96f84b9577" providerId="ADAL" clId="{6305F822-064E-4220-B9C7-00DB7665D49D}" dt="2023-04-21T16:26:58.457" v="95" actId="478"/>
-          <ac:picMkLst>
-            <pc:docMk/>
-            <pc:sldMk cId="2958760871" sldId="360"/>
-            <ac:picMk id="15" creationId="{264D80DE-3DD3-6902-30C6-7B7D7BCA6D7F}"/>
           </ac:picMkLst>
         </pc:picChg>
       </pc:sldChg>
@@ -5906,7 +6106,7 @@
           <a:p>
             <a:fld id="{849DE176-146E-4F1E-BCCE-E46272DCA095}" type="datetimeFigureOut">
               <a:rPr lang="es-AR" smtClean="0"/>
-              <a:t>18/8/2023</a:t>
+              <a:t>18/10/2023</a:t>
             </a:fld>
             <a:endParaRPr lang="es-AR"/>
           </a:p>
@@ -6173,7 +6373,7 @@
           <a:p>
             <a:fld id="{849DE176-146E-4F1E-BCCE-E46272DCA095}" type="datetimeFigureOut">
               <a:rPr lang="es-AR" smtClean="0"/>
-              <a:t>18/8/2023</a:t>
+              <a:t>18/10/2023</a:t>
             </a:fld>
             <a:endParaRPr lang="es-AR"/>
           </a:p>
@@ -6369,7 +6569,7 @@
           <a:p>
             <a:fld id="{849DE176-146E-4F1E-BCCE-E46272DCA095}" type="datetimeFigureOut">
               <a:rPr lang="es-AR" smtClean="0"/>
-              <a:t>18/8/2023</a:t>
+              <a:t>18/10/2023</a:t>
             </a:fld>
             <a:endParaRPr lang="es-AR"/>
           </a:p>
@@ -6632,7 +6832,7 @@
           <a:p>
             <a:fld id="{849DE176-146E-4F1E-BCCE-E46272DCA095}" type="datetimeFigureOut">
               <a:rPr lang="es-AR" smtClean="0"/>
-              <a:t>18/8/2023</a:t>
+              <a:t>18/10/2023</a:t>
             </a:fld>
             <a:endParaRPr lang="es-AR"/>
           </a:p>
@@ -7066,7 +7266,7 @@
           <a:p>
             <a:fld id="{849DE176-146E-4F1E-BCCE-E46272DCA095}" type="datetimeFigureOut">
               <a:rPr lang="es-AR" smtClean="0"/>
-              <a:t>18/8/2023</a:t>
+              <a:t>18/10/2023</a:t>
             </a:fld>
             <a:endParaRPr lang="es-AR"/>
           </a:p>
@@ -7612,7 +7812,7 @@
           <a:p>
             <a:fld id="{849DE176-146E-4F1E-BCCE-E46272DCA095}" type="datetimeFigureOut">
               <a:rPr lang="es-AR" smtClean="0"/>
-              <a:t>18/8/2023</a:t>
+              <a:t>18/10/2023</a:t>
             </a:fld>
             <a:endParaRPr lang="es-AR"/>
           </a:p>
@@ -8332,7 +8532,7 @@
           <a:p>
             <a:fld id="{849DE176-146E-4F1E-BCCE-E46272DCA095}" type="datetimeFigureOut">
               <a:rPr lang="es-AR" smtClean="0"/>
-              <a:t>18/8/2023</a:t>
+              <a:t>18/10/2023</a:t>
             </a:fld>
             <a:endParaRPr lang="es-AR"/>
           </a:p>
@@ -8502,7 +8702,7 @@
           <a:p>
             <a:fld id="{849DE176-146E-4F1E-BCCE-E46272DCA095}" type="datetimeFigureOut">
               <a:rPr lang="es-AR" smtClean="0"/>
-              <a:t>18/8/2023</a:t>
+              <a:t>18/10/2023</a:t>
             </a:fld>
             <a:endParaRPr lang="es-AR"/>
           </a:p>
@@ -8682,7 +8882,7 @@
           <a:p>
             <a:fld id="{849DE176-146E-4F1E-BCCE-E46272DCA095}" type="datetimeFigureOut">
               <a:rPr lang="es-AR" smtClean="0"/>
-              <a:t>18/8/2023</a:t>
+              <a:t>18/10/2023</a:t>
             </a:fld>
             <a:endParaRPr lang="es-AR"/>
           </a:p>
@@ -8852,7 +9052,7 @@
           <a:p>
             <a:fld id="{849DE176-146E-4F1E-BCCE-E46272DCA095}" type="datetimeFigureOut">
               <a:rPr lang="es-AR" smtClean="0"/>
-              <a:t>18/8/2023</a:t>
+              <a:t>18/10/2023</a:t>
             </a:fld>
             <a:endParaRPr lang="es-AR"/>
           </a:p>
@@ -9102,7 +9302,7 @@
           <a:p>
             <a:fld id="{849DE176-146E-4F1E-BCCE-E46272DCA095}" type="datetimeFigureOut">
               <a:rPr lang="es-AR" smtClean="0"/>
-              <a:t>18/8/2023</a:t>
+              <a:t>18/10/2023</a:t>
             </a:fld>
             <a:endParaRPr lang="es-AR"/>
           </a:p>
@@ -9334,7 +9534,7 @@
           <a:p>
             <a:fld id="{849DE176-146E-4F1E-BCCE-E46272DCA095}" type="datetimeFigureOut">
               <a:rPr lang="es-AR" smtClean="0"/>
-              <a:t>18/8/2023</a:t>
+              <a:t>18/10/2023</a:t>
             </a:fld>
             <a:endParaRPr lang="es-AR"/>
           </a:p>
@@ -9715,7 +9915,7 @@
           <a:p>
             <a:fld id="{849DE176-146E-4F1E-BCCE-E46272DCA095}" type="datetimeFigureOut">
               <a:rPr lang="es-AR" smtClean="0"/>
-              <a:t>18/8/2023</a:t>
+              <a:t>18/10/2023</a:t>
             </a:fld>
             <a:endParaRPr lang="es-AR"/>
           </a:p>
@@ -9833,7 +10033,7 @@
           <a:p>
             <a:fld id="{849DE176-146E-4F1E-BCCE-E46272DCA095}" type="datetimeFigureOut">
               <a:rPr lang="es-AR" smtClean="0"/>
-              <a:t>18/8/2023</a:t>
+              <a:t>18/10/2023</a:t>
             </a:fld>
             <a:endParaRPr lang="es-AR"/>
           </a:p>
@@ -9928,7 +10128,7 @@
           <a:p>
             <a:fld id="{849DE176-146E-4F1E-BCCE-E46272DCA095}" type="datetimeFigureOut">
               <a:rPr lang="es-AR" smtClean="0"/>
-              <a:t>18/8/2023</a:t>
+              <a:t>18/10/2023</a:t>
             </a:fld>
             <a:endParaRPr lang="es-AR"/>
           </a:p>
@@ -10177,7 +10377,7 @@
           <a:p>
             <a:fld id="{849DE176-146E-4F1E-BCCE-E46272DCA095}" type="datetimeFigureOut">
               <a:rPr lang="es-AR" smtClean="0"/>
-              <a:t>18/8/2023</a:t>
+              <a:t>18/10/2023</a:t>
             </a:fld>
             <a:endParaRPr lang="es-AR"/>
           </a:p>
@@ -10457,7 +10657,7 @@
           <a:p>
             <a:fld id="{849DE176-146E-4F1E-BCCE-E46272DCA095}" type="datetimeFigureOut">
               <a:rPr lang="es-AR" smtClean="0"/>
-              <a:t>18/8/2023</a:t>
+              <a:t>18/10/2023</a:t>
             </a:fld>
             <a:endParaRPr lang="es-AR"/>
           </a:p>
@@ -13558,7 +13758,7 @@
           <a:p>
             <a:fld id="{849DE176-146E-4F1E-BCCE-E46272DCA095}" type="datetimeFigureOut">
               <a:rPr lang="es-AR" smtClean="0"/>
-              <a:t>18/8/2023</a:t>
+              <a:t>18/10/2023</a:t>
             </a:fld>
             <a:endParaRPr lang="es-AR"/>
           </a:p>
@@ -14703,6 +14903,263 @@
       </p:grpSpPr>
       <p:sp>
         <p:nvSpPr>
+          <p:cNvPr id="5" name="Subtitle 1"/>
+          <p:cNvSpPr txBox="1">
+            <a:spLocks/>
+          </p:cNvSpPr>
+          <p:nvPr/>
+        </p:nvSpPr>
+        <p:spPr>
+          <a:xfrm>
+            <a:off x="2918124" y="692083"/>
+            <a:ext cx="5753514" cy="441862"/>
+          </a:xfrm>
+          <a:prstGeom prst="rect">
+            <a:avLst/>
+          </a:prstGeom>
+        </p:spPr>
+        <p:txBody>
+          <a:bodyPr vert="horz" lIns="91440" tIns="45720" rIns="91440" bIns="45720" rtlCol="0">
+            <a:noAutofit/>
+          </a:bodyPr>
+          <a:lstStyle>
+            <a:lvl1pPr marL="0" indent="0" algn="ctr" defTabSz="914400" rtl="0" eaLnBrk="1" latinLnBrk="0" hangingPunct="1">
+              <a:lnSpc>
+                <a:spcPct val="90000"/>
+              </a:lnSpc>
+              <a:spcBef>
+                <a:spcPts val="1000"/>
+              </a:spcBef>
+              <a:buFont typeface="Arial" panose="020B0604020202020204" pitchFamily="34" charset="0"/>
+              <a:buNone/>
+              <a:defRPr sz="2400" kern="1200">
+                <a:solidFill>
+                  <a:schemeClr val="tx1"/>
+                </a:solidFill>
+                <a:latin typeface="+mn-lt"/>
+                <a:ea typeface="+mn-ea"/>
+                <a:cs typeface="+mn-cs"/>
+              </a:defRPr>
+            </a:lvl1pPr>
+            <a:lvl2pPr marL="457200" indent="0" algn="ctr" defTabSz="914400" rtl="0" eaLnBrk="1" latinLnBrk="0" hangingPunct="1">
+              <a:lnSpc>
+                <a:spcPct val="90000"/>
+              </a:lnSpc>
+              <a:spcBef>
+                <a:spcPts val="500"/>
+              </a:spcBef>
+              <a:buFont typeface="Arial" panose="020B0604020202020204" pitchFamily="34" charset="0"/>
+              <a:buNone/>
+              <a:defRPr sz="2000" kern="1200">
+                <a:solidFill>
+                  <a:schemeClr val="tx1"/>
+                </a:solidFill>
+                <a:latin typeface="+mn-lt"/>
+                <a:ea typeface="+mn-ea"/>
+                <a:cs typeface="+mn-cs"/>
+              </a:defRPr>
+            </a:lvl2pPr>
+            <a:lvl3pPr marL="914400" indent="0" algn="ctr" defTabSz="914400" rtl="0" eaLnBrk="1" latinLnBrk="0" hangingPunct="1">
+              <a:lnSpc>
+                <a:spcPct val="90000"/>
+              </a:lnSpc>
+              <a:spcBef>
+                <a:spcPts val="500"/>
+              </a:spcBef>
+              <a:buFont typeface="Arial" panose="020B0604020202020204" pitchFamily="34" charset="0"/>
+              <a:buNone/>
+              <a:defRPr sz="1800" kern="1200">
+                <a:solidFill>
+                  <a:schemeClr val="tx1"/>
+                </a:solidFill>
+                <a:latin typeface="+mn-lt"/>
+                <a:ea typeface="+mn-ea"/>
+                <a:cs typeface="+mn-cs"/>
+              </a:defRPr>
+            </a:lvl3pPr>
+            <a:lvl4pPr marL="1371600" indent="0" algn="ctr" defTabSz="914400" rtl="0" eaLnBrk="1" latinLnBrk="0" hangingPunct="1">
+              <a:lnSpc>
+                <a:spcPct val="90000"/>
+              </a:lnSpc>
+              <a:spcBef>
+                <a:spcPts val="500"/>
+              </a:spcBef>
+              <a:buFont typeface="Arial" panose="020B0604020202020204" pitchFamily="34" charset="0"/>
+              <a:buNone/>
+              <a:defRPr sz="1600" kern="1200">
+                <a:solidFill>
+                  <a:schemeClr val="tx1"/>
+                </a:solidFill>
+                <a:latin typeface="+mn-lt"/>
+                <a:ea typeface="+mn-ea"/>
+                <a:cs typeface="+mn-cs"/>
+              </a:defRPr>
+            </a:lvl4pPr>
+            <a:lvl5pPr marL="1828800" indent="0" algn="ctr" defTabSz="914400" rtl="0" eaLnBrk="1" latinLnBrk="0" hangingPunct="1">
+              <a:lnSpc>
+                <a:spcPct val="90000"/>
+              </a:lnSpc>
+              <a:spcBef>
+                <a:spcPts val="500"/>
+              </a:spcBef>
+              <a:buFont typeface="Arial" panose="020B0604020202020204" pitchFamily="34" charset="0"/>
+              <a:buNone/>
+              <a:defRPr sz="1600" kern="1200">
+                <a:solidFill>
+                  <a:schemeClr val="tx1"/>
+                </a:solidFill>
+                <a:latin typeface="+mn-lt"/>
+                <a:ea typeface="+mn-ea"/>
+                <a:cs typeface="+mn-cs"/>
+              </a:defRPr>
+            </a:lvl5pPr>
+            <a:lvl6pPr marL="2286000" indent="0" algn="ctr" defTabSz="914400" rtl="0" eaLnBrk="1" latinLnBrk="0" hangingPunct="1">
+              <a:lnSpc>
+                <a:spcPct val="90000"/>
+              </a:lnSpc>
+              <a:spcBef>
+                <a:spcPts val="500"/>
+              </a:spcBef>
+              <a:buFont typeface="Arial" panose="020B0604020202020204" pitchFamily="34" charset="0"/>
+              <a:buNone/>
+              <a:defRPr sz="1600" kern="1200">
+                <a:solidFill>
+                  <a:schemeClr val="tx1"/>
+                </a:solidFill>
+                <a:latin typeface="+mn-lt"/>
+                <a:ea typeface="+mn-ea"/>
+                <a:cs typeface="+mn-cs"/>
+              </a:defRPr>
+            </a:lvl6pPr>
+            <a:lvl7pPr marL="2743200" indent="0" algn="ctr" defTabSz="914400" rtl="0" eaLnBrk="1" latinLnBrk="0" hangingPunct="1">
+              <a:lnSpc>
+                <a:spcPct val="90000"/>
+              </a:lnSpc>
+              <a:spcBef>
+                <a:spcPts val="500"/>
+              </a:spcBef>
+              <a:buFont typeface="Arial" panose="020B0604020202020204" pitchFamily="34" charset="0"/>
+              <a:buNone/>
+              <a:defRPr sz="1600" kern="1200">
+                <a:solidFill>
+                  <a:schemeClr val="tx1"/>
+                </a:solidFill>
+                <a:latin typeface="+mn-lt"/>
+                <a:ea typeface="+mn-ea"/>
+                <a:cs typeface="+mn-cs"/>
+              </a:defRPr>
+            </a:lvl7pPr>
+            <a:lvl8pPr marL="3200400" indent="0" algn="ctr" defTabSz="914400" rtl="0" eaLnBrk="1" latinLnBrk="0" hangingPunct="1">
+              <a:lnSpc>
+                <a:spcPct val="90000"/>
+              </a:lnSpc>
+              <a:spcBef>
+                <a:spcPts val="500"/>
+              </a:spcBef>
+              <a:buFont typeface="Arial" panose="020B0604020202020204" pitchFamily="34" charset="0"/>
+              <a:buNone/>
+              <a:defRPr sz="1600" kern="1200">
+                <a:solidFill>
+                  <a:schemeClr val="tx1"/>
+                </a:solidFill>
+                <a:latin typeface="+mn-lt"/>
+                <a:ea typeface="+mn-ea"/>
+                <a:cs typeface="+mn-cs"/>
+              </a:defRPr>
+            </a:lvl8pPr>
+            <a:lvl9pPr marL="3657600" indent="0" algn="ctr" defTabSz="914400" rtl="0" eaLnBrk="1" latinLnBrk="0" hangingPunct="1">
+              <a:lnSpc>
+                <a:spcPct val="90000"/>
+              </a:lnSpc>
+              <a:spcBef>
+                <a:spcPts val="500"/>
+              </a:spcBef>
+              <a:buFont typeface="Arial" panose="020B0604020202020204" pitchFamily="34" charset="0"/>
+              <a:buNone/>
+              <a:defRPr sz="1600" kern="1200">
+                <a:solidFill>
+                  <a:schemeClr val="tx1"/>
+                </a:solidFill>
+                <a:latin typeface="+mn-lt"/>
+                <a:ea typeface="+mn-ea"/>
+                <a:cs typeface="+mn-cs"/>
+              </a:defRPr>
+            </a:lvl9pPr>
+          </a:lstStyle>
+          <a:p>
+            <a:r>
+              <a:rPr lang="es-AR" sz="3200" b="1" dirty="0">
+                <a:solidFill>
+                  <a:srgbClr val="FF0000"/>
+                </a:solidFill>
+              </a:rPr>
+              <a:t>¡Un merecido descanso!</a:t>
+            </a:r>
+          </a:p>
+        </p:txBody>
+      </p:sp>
+      <p:pic>
+        <p:nvPicPr>
+          <p:cNvPr id="2" name="Picture 1"/>
+          <p:cNvPicPr>
+            <a:picLocks noChangeAspect="1"/>
+          </p:cNvPicPr>
+          <p:nvPr/>
+        </p:nvPicPr>
+        <p:blipFill>
+          <a:blip r:embed="rId2">
+            <a:extLst>
+              <a:ext uri="{28A0092B-C50C-407E-A947-70E740481C1C}">
+                <a14:useLocalDpi xmlns:a14="http://schemas.microsoft.com/office/drawing/2010/main" val="0"/>
+              </a:ext>
+            </a:extLst>
+          </a:blip>
+          <a:stretch>
+            <a:fillRect/>
+          </a:stretch>
+        </p:blipFill>
+        <p:spPr>
+          <a:xfrm>
+            <a:off x="798489" y="1391524"/>
+            <a:ext cx="10774523" cy="4899874"/>
+          </a:xfrm>
+          <a:prstGeom prst="rect">
+            <a:avLst/>
+          </a:prstGeom>
+        </p:spPr>
+      </p:pic>
+    </p:spTree>
+    <p:extLst>
+      <p:ext uri="{BB962C8B-B14F-4D97-AF65-F5344CB8AC3E}">
+        <p14:creationId xmlns:p14="http://schemas.microsoft.com/office/powerpoint/2010/main" val="1474830832"/>
+      </p:ext>
+    </p:extLst>
+  </p:cSld>
+  <p:clrMapOvr>
+    <a:masterClrMapping/>
+  </p:clrMapOvr>
+</p:sld>
+</file>
+
+<file path=ppt/slides/slide11.xml><?xml version="1.0" encoding="utf-8"?>
+<p:sld xmlns:a="http://schemas.openxmlformats.org/drawingml/2006/main" xmlns:r="http://schemas.openxmlformats.org/officeDocument/2006/relationships" xmlns:p="http://schemas.openxmlformats.org/presentationml/2006/main">
+  <p:cSld>
+    <p:spTree>
+      <p:nvGrpSpPr>
+        <p:cNvPr id="1" name=""/>
+        <p:cNvGrpSpPr/>
+        <p:nvPr/>
+      </p:nvGrpSpPr>
+      <p:grpSpPr>
+        <a:xfrm>
+          <a:off x="0" y="0"/>
+          <a:ext cx="0" cy="0"/>
+          <a:chOff x="0" y="0"/>
+          <a:chExt cx="0" cy="0"/>
+        </a:xfrm>
+      </p:grpSpPr>
+      <p:sp>
+        <p:nvSpPr>
           <p:cNvPr id="4" name="Subtitle 1"/>
           <p:cNvSpPr txBox="1">
             <a:spLocks/>
@@ -15221,7 +15678,7 @@
 </p:sld>
 </file>
 
-<file path=ppt/slides/slide11.xml><?xml version="1.0" encoding="utf-8"?>
+<file path=ppt/slides/slide12.xml><?xml version="1.0" encoding="utf-8"?>
 <p:sld xmlns:a="http://schemas.openxmlformats.org/drawingml/2006/main" xmlns:r="http://schemas.openxmlformats.org/officeDocument/2006/relationships" xmlns:p="http://schemas.openxmlformats.org/presentationml/2006/main">
   <p:cSld>
     <p:spTree>
@@ -16504,7 +16961,7 @@
 </p:sld>
 </file>
 
-<file path=ppt/slides/slide12.xml><?xml version="1.0" encoding="utf-8"?>
+<file path=ppt/slides/slide13.xml><?xml version="1.0" encoding="utf-8"?>
 <p:sld xmlns:a="http://schemas.openxmlformats.org/drawingml/2006/main" xmlns:r="http://schemas.openxmlformats.org/officeDocument/2006/relationships" xmlns:p="http://schemas.openxmlformats.org/presentationml/2006/main">
   <p:cSld>
     <p:spTree>
@@ -17930,7 +18387,7 @@
 </p:sld>
 </file>
 
-<file path=ppt/slides/slide13.xml><?xml version="1.0" encoding="utf-8"?>
+<file path=ppt/slides/slide14.xml><?xml version="1.0" encoding="utf-8"?>
 <p:sld xmlns:a="http://schemas.openxmlformats.org/drawingml/2006/main" xmlns:r="http://schemas.openxmlformats.org/officeDocument/2006/relationships" xmlns:p="http://schemas.openxmlformats.org/presentationml/2006/main">
   <p:cSld>
     <p:spTree>
@@ -18964,7 +19421,7 @@
 </p:sld>
 </file>
 
-<file path=ppt/slides/slide14.xml><?xml version="1.0" encoding="utf-8"?>
+<file path=ppt/slides/slide15.xml><?xml version="1.0" encoding="utf-8"?>
 <p:sld xmlns:a="http://schemas.openxmlformats.org/drawingml/2006/main" xmlns:r="http://schemas.openxmlformats.org/officeDocument/2006/relationships" xmlns:p="http://schemas.openxmlformats.org/presentationml/2006/main">
   <p:cSld>
     <p:spTree>
@@ -19643,7 +20100,7 @@
 </p:sld>
 </file>
 
-<file path=ppt/slides/slide15.xml><?xml version="1.0" encoding="utf-8"?>
+<file path=ppt/slides/slide16.xml><?xml version="1.0" encoding="utf-8"?>
 <p:sld xmlns:a="http://schemas.openxmlformats.org/drawingml/2006/main" xmlns:r="http://schemas.openxmlformats.org/officeDocument/2006/relationships" xmlns:p="http://schemas.openxmlformats.org/presentationml/2006/main">
   <p:cSld>
     <p:spTree>
@@ -20232,7 +20689,7 @@
 </p:sld>
 </file>
 
-<file path=ppt/slides/slide16.xml><?xml version="1.0" encoding="utf-8"?>
+<file path=ppt/slides/slide17.xml><?xml version="1.0" encoding="utf-8"?>
 <p:sld xmlns:a="http://schemas.openxmlformats.org/drawingml/2006/main" xmlns:r="http://schemas.openxmlformats.org/officeDocument/2006/relationships" xmlns:p="http://schemas.openxmlformats.org/presentationml/2006/main">
   <p:cSld>
     <p:spTree>
@@ -26260,6 +26717,945 @@
         </p:nvCxnSpPr>
         <p:spPr>
           <a:xfrm>
+            <a:off x="1163703" y="1881739"/>
+            <a:ext cx="9236765" cy="0"/>
+          </a:xfrm>
+          <a:prstGeom prst="straightConnector1">
+            <a:avLst/>
+          </a:prstGeom>
+          <a:ln w="76200">
+            <a:headEnd type="triangle"/>
+            <a:tailEnd type="triangle"/>
+          </a:ln>
+        </p:spPr>
+        <p:style>
+          <a:lnRef idx="1">
+            <a:schemeClr val="accent2"/>
+          </a:lnRef>
+          <a:fillRef idx="0">
+            <a:schemeClr val="accent2"/>
+          </a:fillRef>
+          <a:effectRef idx="0">
+            <a:schemeClr val="accent2"/>
+          </a:effectRef>
+          <a:fontRef idx="minor">
+            <a:schemeClr val="tx1"/>
+          </a:fontRef>
+        </p:style>
+      </p:cxnSp>
+      <p:cxnSp>
+        <p:nvCxnSpPr>
+          <p:cNvPr id="5" name="Conector recto de flecha 4">
+            <a:extLst>
+              <a:ext uri="{FF2B5EF4-FFF2-40B4-BE49-F238E27FC236}">
+                <a16:creationId xmlns:a16="http://schemas.microsoft.com/office/drawing/2014/main" id="{79E2AA7B-0C05-90F6-2742-E9A887A241AB}"/>
+              </a:ext>
+            </a:extLst>
+          </p:cNvPr>
+          <p:cNvCxnSpPr>
+            <a:cxnSpLocks/>
+          </p:cNvCxnSpPr>
+          <p:nvPr/>
+        </p:nvCxnSpPr>
+        <p:spPr>
+          <a:xfrm>
+            <a:off x="2557670" y="1157944"/>
+            <a:ext cx="0" cy="5006083"/>
+          </a:xfrm>
+          <a:prstGeom prst="straightConnector1">
+            <a:avLst/>
+          </a:prstGeom>
+          <a:ln w="76200">
+            <a:headEnd type="triangle"/>
+            <a:tailEnd type="triangle"/>
+          </a:ln>
+        </p:spPr>
+        <p:style>
+          <a:lnRef idx="1">
+            <a:schemeClr val="accent2"/>
+          </a:lnRef>
+          <a:fillRef idx="0">
+            <a:schemeClr val="accent2"/>
+          </a:fillRef>
+          <a:effectRef idx="0">
+            <a:schemeClr val="accent2"/>
+          </a:effectRef>
+          <a:fontRef idx="minor">
+            <a:schemeClr val="tx1"/>
+          </a:fontRef>
+        </p:style>
+      </p:cxnSp>
+      <p:sp>
+        <p:nvSpPr>
+          <p:cNvPr id="9" name="CuadroTexto 8">
+            <a:extLst>
+              <a:ext uri="{FF2B5EF4-FFF2-40B4-BE49-F238E27FC236}">
+                <a16:creationId xmlns:a16="http://schemas.microsoft.com/office/drawing/2014/main" id="{3CC4C91B-D1B6-4B85-0C60-474E765AA993}"/>
+              </a:ext>
+            </a:extLst>
+          </p:cNvPr>
+          <p:cNvSpPr txBox="1"/>
+          <p:nvPr/>
+        </p:nvSpPr>
+        <p:spPr>
+          <a:xfrm>
+            <a:off x="3388" y="1455582"/>
+            <a:ext cx="1789040" cy="830997"/>
+          </a:xfrm>
+          <a:prstGeom prst="rect">
+            <a:avLst/>
+          </a:prstGeom>
+          <a:noFill/>
+        </p:spPr>
+        <p:txBody>
+          <a:bodyPr wrap="square">
+            <a:spAutoFit/>
+          </a:bodyPr>
+          <a:lstStyle/>
+          <a:p>
+            <a:r>
+              <a:rPr lang="es-AR" sz="2400" dirty="0" err="1">
+                <a:solidFill>
+                  <a:schemeClr val="bg1"/>
+                </a:solidFill>
+              </a:rPr>
+              <a:t>Dataset</a:t>
+            </a:r>
+            <a:r>
+              <a:rPr lang="es-AR" sz="2400" dirty="0">
+                <a:solidFill>
+                  <a:schemeClr val="bg1"/>
+                </a:solidFill>
+              </a:rPr>
+              <a:t> pequeño </a:t>
+            </a:r>
+            <a:endParaRPr lang="es-AR" sz="2400" dirty="0"/>
+          </a:p>
+        </p:txBody>
+      </p:sp>
+      <p:sp>
+        <p:nvSpPr>
+          <p:cNvPr id="10" name="CuadroTexto 9">
+            <a:extLst>
+              <a:ext uri="{FF2B5EF4-FFF2-40B4-BE49-F238E27FC236}">
+                <a16:creationId xmlns:a16="http://schemas.microsoft.com/office/drawing/2014/main" id="{9241FF65-4241-DE52-6A64-75594F8D8931}"/>
+              </a:ext>
+            </a:extLst>
+          </p:cNvPr>
+          <p:cNvSpPr txBox="1"/>
+          <p:nvPr/>
+        </p:nvSpPr>
+        <p:spPr>
+          <a:xfrm>
+            <a:off x="10464992" y="1371031"/>
+            <a:ext cx="1689648" cy="830997"/>
+          </a:xfrm>
+          <a:prstGeom prst="rect">
+            <a:avLst/>
+          </a:prstGeom>
+          <a:noFill/>
+        </p:spPr>
+        <p:txBody>
+          <a:bodyPr wrap="square">
+            <a:spAutoFit/>
+          </a:bodyPr>
+          <a:lstStyle/>
+          <a:p>
+            <a:r>
+              <a:rPr lang="es-AR" sz="2400" dirty="0" err="1">
+                <a:solidFill>
+                  <a:schemeClr val="bg1"/>
+                </a:solidFill>
+              </a:rPr>
+              <a:t>Dataset</a:t>
+            </a:r>
+            <a:r>
+              <a:rPr lang="es-AR" sz="2400" dirty="0">
+                <a:solidFill>
+                  <a:schemeClr val="bg1"/>
+                </a:solidFill>
+              </a:rPr>
+              <a:t> grande</a:t>
+            </a:r>
+            <a:endParaRPr lang="es-AR" sz="2400" dirty="0"/>
+          </a:p>
+        </p:txBody>
+      </p:sp>
+      <p:sp>
+        <p:nvSpPr>
+          <p:cNvPr id="11" name="CuadroTexto 10">
+            <a:extLst>
+              <a:ext uri="{FF2B5EF4-FFF2-40B4-BE49-F238E27FC236}">
+                <a16:creationId xmlns:a16="http://schemas.microsoft.com/office/drawing/2014/main" id="{786610DA-0C4D-A6B8-BCDC-9E16E3D907EF}"/>
+              </a:ext>
+            </a:extLst>
+          </p:cNvPr>
+          <p:cNvSpPr txBox="1"/>
+          <p:nvPr/>
+        </p:nvSpPr>
+        <p:spPr>
+          <a:xfrm>
+            <a:off x="2441986" y="564734"/>
+            <a:ext cx="2548961" cy="830997"/>
+          </a:xfrm>
+          <a:prstGeom prst="rect">
+            <a:avLst/>
+          </a:prstGeom>
+          <a:noFill/>
+        </p:spPr>
+        <p:txBody>
+          <a:bodyPr wrap="square">
+            <a:spAutoFit/>
+          </a:bodyPr>
+          <a:lstStyle/>
+          <a:p>
+            <a:pPr algn="ctr"/>
+            <a:r>
+              <a:rPr lang="es-AR" sz="2400" dirty="0" err="1">
+                <a:solidFill>
+                  <a:schemeClr val="bg1"/>
+                </a:solidFill>
+              </a:rPr>
+              <a:t>Dataset</a:t>
+            </a:r>
+            <a:r>
+              <a:rPr lang="es-AR" sz="2400" dirty="0">
+                <a:solidFill>
+                  <a:schemeClr val="bg1"/>
+                </a:solidFill>
+              </a:rPr>
+              <a:t> semejante al </a:t>
+            </a:r>
+            <a:r>
+              <a:rPr lang="es-AR" sz="2400" dirty="0" err="1">
+                <a:solidFill>
+                  <a:schemeClr val="bg1"/>
+                </a:solidFill>
+              </a:rPr>
+              <a:t>generic</a:t>
+            </a:r>
+            <a:endParaRPr lang="es-AR" sz="2400" dirty="0"/>
+          </a:p>
+        </p:txBody>
+      </p:sp>
+      <p:sp>
+        <p:nvSpPr>
+          <p:cNvPr id="13" name="CuadroTexto 12">
+            <a:extLst>
+              <a:ext uri="{FF2B5EF4-FFF2-40B4-BE49-F238E27FC236}">
+                <a16:creationId xmlns:a16="http://schemas.microsoft.com/office/drawing/2014/main" id="{7CEE8649-6685-48ED-332D-9CAB11E68EEF}"/>
+              </a:ext>
+            </a:extLst>
+          </p:cNvPr>
+          <p:cNvSpPr txBox="1"/>
+          <p:nvPr/>
+        </p:nvSpPr>
+        <p:spPr>
+          <a:xfrm>
+            <a:off x="2303179" y="6027003"/>
+            <a:ext cx="2198343" cy="830997"/>
+          </a:xfrm>
+          <a:prstGeom prst="rect">
+            <a:avLst/>
+          </a:prstGeom>
+          <a:noFill/>
+        </p:spPr>
+        <p:txBody>
+          <a:bodyPr wrap="square">
+            <a:spAutoFit/>
+          </a:bodyPr>
+          <a:lstStyle/>
+          <a:p>
+            <a:pPr algn="ctr"/>
+            <a:r>
+              <a:rPr lang="es-AR" sz="2400" dirty="0" err="1">
+                <a:solidFill>
+                  <a:schemeClr val="bg1"/>
+                </a:solidFill>
+              </a:rPr>
+              <a:t>Dataset</a:t>
+            </a:r>
+            <a:r>
+              <a:rPr lang="es-AR" sz="2400" dirty="0">
+                <a:solidFill>
+                  <a:schemeClr val="bg1"/>
+                </a:solidFill>
+              </a:rPr>
+              <a:t> distinto al </a:t>
+            </a:r>
+            <a:r>
+              <a:rPr lang="es-AR" sz="2400" dirty="0" err="1">
+                <a:solidFill>
+                  <a:schemeClr val="bg1"/>
+                </a:solidFill>
+              </a:rPr>
+              <a:t>generic</a:t>
+            </a:r>
+            <a:endParaRPr lang="es-AR" sz="2400" dirty="0"/>
+          </a:p>
+        </p:txBody>
+      </p:sp>
+      <p:sp>
+        <p:nvSpPr>
+          <p:cNvPr id="21" name="CuadroTexto 20">
+            <a:extLst>
+              <a:ext uri="{FF2B5EF4-FFF2-40B4-BE49-F238E27FC236}">
+                <a16:creationId xmlns:a16="http://schemas.microsoft.com/office/drawing/2014/main" id="{E8F43549-4D83-6AA4-3046-86BFC31F5C71}"/>
+              </a:ext>
+            </a:extLst>
+          </p:cNvPr>
+          <p:cNvSpPr txBox="1"/>
+          <p:nvPr/>
+        </p:nvSpPr>
+        <p:spPr>
+          <a:xfrm>
+            <a:off x="7372042" y="4597691"/>
+            <a:ext cx="3395143" cy="646331"/>
+          </a:xfrm>
+          <a:prstGeom prst="rect">
+            <a:avLst/>
+          </a:prstGeom>
+          <a:noFill/>
+        </p:spPr>
+        <p:txBody>
+          <a:bodyPr wrap="square">
+            <a:spAutoFit/>
+          </a:bodyPr>
+          <a:lstStyle/>
+          <a:p>
+            <a:r>
+              <a:rPr lang="es-AR" sz="1800" dirty="0">
+                <a:solidFill>
+                  <a:srgbClr val="FF0000"/>
+                </a:solidFill>
+                <a:sym typeface="Wingdings" panose="05000000000000000000" pitchFamily="2" charset="2"/>
+              </a:rPr>
+              <a:t>fine </a:t>
+            </a:r>
+            <a:r>
+              <a:rPr lang="es-AR" sz="1800" dirty="0" err="1">
+                <a:solidFill>
+                  <a:srgbClr val="FF0000"/>
+                </a:solidFill>
+                <a:sym typeface="Wingdings" panose="05000000000000000000" pitchFamily="2" charset="2"/>
+              </a:rPr>
+              <a:t>tunning</a:t>
+            </a:r>
+            <a:r>
+              <a:rPr lang="es-AR" sz="1800" dirty="0">
+                <a:solidFill>
+                  <a:srgbClr val="FF0000"/>
+                </a:solidFill>
+                <a:sym typeface="Wingdings" panose="05000000000000000000" pitchFamily="2" charset="2"/>
+              </a:rPr>
+              <a:t> (</a:t>
+            </a:r>
+            <a:r>
+              <a:rPr lang="es-AR" sz="1800" dirty="0" err="1">
+                <a:solidFill>
+                  <a:srgbClr val="FF0000"/>
+                </a:solidFill>
+                <a:sym typeface="Wingdings" panose="05000000000000000000" pitchFamily="2" charset="2"/>
+              </a:rPr>
+              <a:t>from</a:t>
+            </a:r>
+            <a:r>
+              <a:rPr lang="es-AR" sz="1800" dirty="0">
+                <a:solidFill>
+                  <a:srgbClr val="FF0000"/>
+                </a:solidFill>
+                <a:sym typeface="Wingdings" panose="05000000000000000000" pitchFamily="2" charset="2"/>
+              </a:rPr>
+              <a:t> </a:t>
+            </a:r>
+            <a:r>
+              <a:rPr lang="es-AR" sz="1800" dirty="0" err="1">
+                <a:solidFill>
+                  <a:srgbClr val="FF0000"/>
+                </a:solidFill>
+                <a:sym typeface="Wingdings" panose="05000000000000000000" pitchFamily="2" charset="2"/>
+              </a:rPr>
+              <a:t>pre-trained</a:t>
+            </a:r>
+            <a:r>
+              <a:rPr lang="es-AR" sz="1800" dirty="0">
+                <a:solidFill>
+                  <a:srgbClr val="FF0000"/>
+                </a:solidFill>
+                <a:sym typeface="Wingdings" panose="05000000000000000000" pitchFamily="2" charset="2"/>
+              </a:rPr>
+              <a:t> </a:t>
+            </a:r>
+            <a:r>
+              <a:rPr lang="es-AR" sz="1800" dirty="0" err="1">
+                <a:solidFill>
+                  <a:srgbClr val="FF0000"/>
+                </a:solidFill>
+                <a:sym typeface="Wingdings" panose="05000000000000000000" pitchFamily="2" charset="2"/>
+              </a:rPr>
+              <a:t>models</a:t>
+            </a:r>
+            <a:r>
+              <a:rPr lang="es-AR" sz="1800" dirty="0">
+                <a:solidFill>
+                  <a:srgbClr val="FF0000"/>
+                </a:solidFill>
+                <a:sym typeface="Wingdings" panose="05000000000000000000" pitchFamily="2" charset="2"/>
+              </a:rPr>
+              <a:t>)</a:t>
+            </a:r>
+            <a:endParaRPr lang="es-AR" dirty="0">
+              <a:solidFill>
+                <a:srgbClr val="FF0000"/>
+              </a:solidFill>
+            </a:endParaRPr>
+          </a:p>
+        </p:txBody>
+      </p:sp>
+      <p:grpSp>
+        <p:nvGrpSpPr>
+          <p:cNvPr id="34" name="Grupo 33">
+            <a:extLst>
+              <a:ext uri="{FF2B5EF4-FFF2-40B4-BE49-F238E27FC236}">
+                <a16:creationId xmlns:a16="http://schemas.microsoft.com/office/drawing/2014/main" id="{50EC2E31-2A2E-E2D9-8E84-E39DBF3135D8}"/>
+              </a:ext>
+            </a:extLst>
+          </p:cNvPr>
+          <p:cNvGrpSpPr/>
+          <p:nvPr/>
+        </p:nvGrpSpPr>
+        <p:grpSpPr>
+          <a:xfrm>
+            <a:off x="3127532" y="2626525"/>
+            <a:ext cx="3727622" cy="3018891"/>
+            <a:chOff x="989692" y="2516687"/>
+            <a:chExt cx="4698135" cy="4095829"/>
+          </a:xfrm>
+        </p:grpSpPr>
+        <p:pic>
+          <p:nvPicPr>
+            <p:cNvPr id="35" name="Picture 1">
+              <a:extLst>
+                <a:ext uri="{FF2B5EF4-FFF2-40B4-BE49-F238E27FC236}">
+                  <a16:creationId xmlns:a16="http://schemas.microsoft.com/office/drawing/2014/main" id="{07D7F926-21EF-D4A1-1719-B697983EDD9D}"/>
+                </a:ext>
+              </a:extLst>
+            </p:cNvPr>
+            <p:cNvPicPr>
+              <a:picLocks noChangeAspect="1"/>
+            </p:cNvPicPr>
+            <p:nvPr/>
+          </p:nvPicPr>
+          <p:blipFill>
+            <a:blip r:embed="rId2" cstate="print">
+              <a:extLst>
+                <a:ext uri="{28A0092B-C50C-407E-A947-70E740481C1C}">
+                  <a14:useLocalDpi xmlns:a14="http://schemas.microsoft.com/office/drawing/2010/main" val="0"/>
+                </a:ext>
+              </a:extLst>
+            </a:blip>
+            <a:stretch>
+              <a:fillRect/>
+            </a:stretch>
+          </p:blipFill>
+          <p:spPr>
+            <a:xfrm>
+              <a:off x="989692" y="2516687"/>
+              <a:ext cx="4698135" cy="3107773"/>
+            </a:xfrm>
+            <a:prstGeom prst="rect">
+              <a:avLst/>
+            </a:prstGeom>
+          </p:spPr>
+        </p:pic>
+        <p:sp>
+          <p:nvSpPr>
+            <p:cNvPr id="36" name="Abrir llave 35">
+              <a:extLst>
+                <a:ext uri="{FF2B5EF4-FFF2-40B4-BE49-F238E27FC236}">
+                  <a16:creationId xmlns:a16="http://schemas.microsoft.com/office/drawing/2014/main" id="{46F80C90-9CC8-14A9-77A3-F86B90B9C29F}"/>
+                </a:ext>
+              </a:extLst>
+            </p:cNvPr>
+            <p:cNvSpPr/>
+            <p:nvPr/>
+          </p:nvSpPr>
+          <p:spPr>
+            <a:xfrm rot="16200000">
+              <a:off x="3115799" y="4850874"/>
+              <a:ext cx="466924" cy="1861478"/>
+            </a:xfrm>
+            <a:prstGeom prst="leftBrace">
+              <a:avLst/>
+            </a:prstGeom>
+            <a:ln>
+              <a:solidFill>
+                <a:srgbClr val="FF0000"/>
+              </a:solidFill>
+            </a:ln>
+          </p:spPr>
+          <p:style>
+            <a:lnRef idx="3">
+              <a:schemeClr val="accent3"/>
+            </a:lnRef>
+            <a:fillRef idx="0">
+              <a:schemeClr val="accent3"/>
+            </a:fillRef>
+            <a:effectRef idx="2">
+              <a:schemeClr val="accent3"/>
+            </a:effectRef>
+            <a:fontRef idx="minor">
+              <a:schemeClr val="tx1"/>
+            </a:fontRef>
+          </p:style>
+          <p:txBody>
+            <a:bodyPr rtlCol="0" anchor="ctr"/>
+            <a:lstStyle/>
+            <a:p>
+              <a:pPr algn="ctr"/>
+              <a:endParaRPr lang="es-AR"/>
+            </a:p>
+          </p:txBody>
+        </p:sp>
+        <p:sp>
+          <p:nvSpPr>
+            <p:cNvPr id="37" name="CuadroTexto 36">
+              <a:extLst>
+                <a:ext uri="{FF2B5EF4-FFF2-40B4-BE49-F238E27FC236}">
+                  <a16:creationId xmlns:a16="http://schemas.microsoft.com/office/drawing/2014/main" id="{149CAEF8-DFA3-250B-CA28-0ACF027BA330}"/>
+                </a:ext>
+              </a:extLst>
+            </p:cNvPr>
+            <p:cNvSpPr txBox="1"/>
+            <p:nvPr/>
+          </p:nvSpPr>
+          <p:spPr>
+            <a:xfrm>
+              <a:off x="2763762" y="6015076"/>
+              <a:ext cx="2095092" cy="597440"/>
+            </a:xfrm>
+            <a:prstGeom prst="rect">
+              <a:avLst/>
+            </a:prstGeom>
+            <a:noFill/>
+          </p:spPr>
+          <p:txBody>
+            <a:bodyPr wrap="square">
+              <a:spAutoFit/>
+            </a:bodyPr>
+            <a:lstStyle/>
+            <a:p>
+              <a:r>
+                <a:rPr lang="es-AR" dirty="0">
+                  <a:solidFill>
+                    <a:srgbClr val="FF0000"/>
+                  </a:solidFill>
+                </a:rPr>
+                <a:t>reentrenar</a:t>
+              </a:r>
+            </a:p>
+          </p:txBody>
+        </p:sp>
+      </p:grpSp>
+      <p:pic>
+        <p:nvPicPr>
+          <p:cNvPr id="39" name="Imagen 38" descr="Imagen que contiene Gráfico de líneas&#10;&#10;Descripción generada automáticamente">
+            <a:extLst>
+              <a:ext uri="{FF2B5EF4-FFF2-40B4-BE49-F238E27FC236}">
+                <a16:creationId xmlns:a16="http://schemas.microsoft.com/office/drawing/2014/main" id="{CA4E3869-5994-DB70-6479-C3774F3DBEEE}"/>
+              </a:ext>
+            </a:extLst>
+          </p:cNvPr>
+          <p:cNvPicPr>
+            <a:picLocks noChangeAspect="1"/>
+          </p:cNvPicPr>
+          <p:nvPr/>
+        </p:nvPicPr>
+        <p:blipFill rotWithShape="1">
+          <a:blip r:embed="rId3">
+            <a:extLst>
+              <a:ext uri="{28A0092B-C50C-407E-A947-70E740481C1C}">
+                <a14:useLocalDpi xmlns:a14="http://schemas.microsoft.com/office/drawing/2010/main" val="0"/>
+              </a:ext>
+            </a:extLst>
+          </a:blip>
+          <a:srcRect l="21184" r="25224"/>
+          <a:stretch/>
+        </p:blipFill>
+        <p:spPr>
+          <a:xfrm>
+            <a:off x="8174879" y="2835921"/>
+            <a:ext cx="2770795" cy="1820052"/>
+          </a:xfrm>
+          <a:prstGeom prst="rect">
+            <a:avLst/>
+          </a:prstGeom>
+        </p:spPr>
+      </p:pic>
+      <p:cxnSp>
+        <p:nvCxnSpPr>
+          <p:cNvPr id="41" name="Conector recto 40">
+            <a:extLst>
+              <a:ext uri="{FF2B5EF4-FFF2-40B4-BE49-F238E27FC236}">
+                <a16:creationId xmlns:a16="http://schemas.microsoft.com/office/drawing/2014/main" id="{2305497B-CEE7-1195-8B1E-AB4A2C35B986}"/>
+              </a:ext>
+            </a:extLst>
+          </p:cNvPr>
+          <p:cNvCxnSpPr>
+            <a:cxnSpLocks/>
+          </p:cNvCxnSpPr>
+          <p:nvPr/>
+        </p:nvCxnSpPr>
+        <p:spPr>
+          <a:xfrm>
+            <a:off x="8933240" y="3429000"/>
+            <a:ext cx="0" cy="866346"/>
+          </a:xfrm>
+          <a:prstGeom prst="line">
+            <a:avLst/>
+          </a:prstGeom>
+          <a:ln w="28575"/>
+        </p:spPr>
+        <p:style>
+          <a:lnRef idx="1">
+            <a:schemeClr val="accent2"/>
+          </a:lnRef>
+          <a:fillRef idx="0">
+            <a:schemeClr val="accent2"/>
+          </a:fillRef>
+          <a:effectRef idx="0">
+            <a:schemeClr val="accent2"/>
+          </a:effectRef>
+          <a:fontRef idx="minor">
+            <a:schemeClr val="tx1"/>
+          </a:fontRef>
+        </p:style>
+      </p:cxnSp>
+      <p:sp>
+        <p:nvSpPr>
+          <p:cNvPr id="7" name="CuadroTexto 6">
+            <a:extLst>
+              <a:ext uri="{FF2B5EF4-FFF2-40B4-BE49-F238E27FC236}">
+                <a16:creationId xmlns:a16="http://schemas.microsoft.com/office/drawing/2014/main" id="{700844DC-699E-EFA9-F8E4-7446F1ED942C}"/>
+              </a:ext>
+            </a:extLst>
+          </p:cNvPr>
+          <p:cNvSpPr txBox="1"/>
+          <p:nvPr/>
+        </p:nvSpPr>
+        <p:spPr>
+          <a:xfrm>
+            <a:off x="7663144" y="5517696"/>
+            <a:ext cx="4267566" cy="646331"/>
+          </a:xfrm>
+          <a:prstGeom prst="rect">
+            <a:avLst/>
+          </a:prstGeom>
+          <a:noFill/>
+        </p:spPr>
+        <p:txBody>
+          <a:bodyPr wrap="square">
+            <a:spAutoFit/>
+          </a:bodyPr>
+          <a:lstStyle>
+            <a:defPPr>
+              <a:defRPr lang="es-AR"/>
+            </a:defPPr>
+            <a:lvl1pPr>
+              <a:defRPr>
+                <a:solidFill>
+                  <a:srgbClr val="FF0000"/>
+                </a:solidFill>
+              </a:defRPr>
+            </a:lvl1pPr>
+          </a:lstStyle>
+          <a:p>
+            <a:r>
+              <a:rPr lang="es-AR" dirty="0"/>
+              <a:t>https://pytorch.org/blog/introducing-torchvision-new-multi-weight-support-api/</a:t>
+            </a:r>
+          </a:p>
+        </p:txBody>
+      </p:sp>
+    </p:spTree>
+    <p:extLst>
+      <p:ext uri="{BB962C8B-B14F-4D97-AF65-F5344CB8AC3E}">
+        <p14:creationId xmlns:p14="http://schemas.microsoft.com/office/powerpoint/2010/main" val="2561978675"/>
+      </p:ext>
+    </p:extLst>
+  </p:cSld>
+  <p:clrMapOvr>
+    <a:masterClrMapping/>
+  </p:clrMapOvr>
+</p:sld>
+</file>
+
+<file path=ppt/slides/slide9.xml><?xml version="1.0" encoding="utf-8"?>
+<p:sld xmlns:a="http://schemas.openxmlformats.org/drawingml/2006/main" xmlns:r="http://schemas.openxmlformats.org/officeDocument/2006/relationships" xmlns:p="http://schemas.openxmlformats.org/presentationml/2006/main">
+  <p:cSld>
+    <p:spTree>
+      <p:nvGrpSpPr>
+        <p:cNvPr id="1" name=""/>
+        <p:cNvGrpSpPr/>
+        <p:nvPr/>
+      </p:nvGrpSpPr>
+      <p:grpSpPr>
+        <a:xfrm>
+          <a:off x="0" y="0"/>
+          <a:ext cx="0" cy="0"/>
+          <a:chOff x="0" y="0"/>
+          <a:chExt cx="0" cy="0"/>
+        </a:xfrm>
+      </p:grpSpPr>
+      <p:sp>
+        <p:nvSpPr>
+          <p:cNvPr id="4" name="Subtitle 1"/>
+          <p:cNvSpPr txBox="1">
+            <a:spLocks/>
+          </p:cNvSpPr>
+          <p:nvPr/>
+        </p:nvSpPr>
+        <p:spPr>
+          <a:xfrm>
+            <a:off x="-159657" y="0"/>
+            <a:ext cx="12511314" cy="1085871"/>
+          </a:xfrm>
+          <a:prstGeom prst="rect">
+            <a:avLst/>
+          </a:prstGeom>
+        </p:spPr>
+        <p:txBody>
+          <a:bodyPr vert="horz" lIns="91440" tIns="45720" rIns="91440" bIns="45720" rtlCol="0">
+            <a:noAutofit/>
+          </a:bodyPr>
+          <a:lstStyle>
+            <a:lvl1pPr marL="228600" indent="-228600" algn="l" defTabSz="914400" rtl="0" eaLnBrk="1" latinLnBrk="0" hangingPunct="1">
+              <a:lnSpc>
+                <a:spcPct val="120000"/>
+              </a:lnSpc>
+              <a:spcBef>
+                <a:spcPts val="1000"/>
+              </a:spcBef>
+              <a:buSzPct val="125000"/>
+              <a:buFont typeface="Arial" panose="020B0604020202020204" pitchFamily="34" charset="0"/>
+              <a:buChar char="•"/>
+              <a:defRPr sz="2400" kern="1200">
+                <a:solidFill>
+                  <a:schemeClr val="tx1"/>
+                </a:solidFill>
+                <a:latin typeface="+mn-lt"/>
+                <a:ea typeface="+mn-ea"/>
+                <a:cs typeface="+mn-cs"/>
+              </a:defRPr>
+            </a:lvl1pPr>
+            <a:lvl2pPr marL="685800" indent="-228600" algn="l" defTabSz="914400" rtl="0" eaLnBrk="1" latinLnBrk="0" hangingPunct="1">
+              <a:lnSpc>
+                <a:spcPct val="120000"/>
+              </a:lnSpc>
+              <a:spcBef>
+                <a:spcPts val="500"/>
+              </a:spcBef>
+              <a:buSzPct val="125000"/>
+              <a:buFont typeface="Arial" panose="020B0604020202020204" pitchFamily="34" charset="0"/>
+              <a:buChar char="•"/>
+              <a:defRPr sz="2000" kern="1200">
+                <a:solidFill>
+                  <a:schemeClr val="tx1"/>
+                </a:solidFill>
+                <a:latin typeface="+mn-lt"/>
+                <a:ea typeface="+mn-ea"/>
+                <a:cs typeface="+mn-cs"/>
+              </a:defRPr>
+            </a:lvl2pPr>
+            <a:lvl3pPr marL="1143000" indent="-228600" algn="l" defTabSz="914400" rtl="0" eaLnBrk="1" latinLnBrk="0" hangingPunct="1">
+              <a:lnSpc>
+                <a:spcPct val="120000"/>
+              </a:lnSpc>
+              <a:spcBef>
+                <a:spcPts val="500"/>
+              </a:spcBef>
+              <a:buSzPct val="125000"/>
+              <a:buFont typeface="Arial" panose="020B0604020202020204" pitchFamily="34" charset="0"/>
+              <a:buChar char="•"/>
+              <a:defRPr sz="1800" kern="1200">
+                <a:solidFill>
+                  <a:schemeClr val="tx1"/>
+                </a:solidFill>
+                <a:latin typeface="+mn-lt"/>
+                <a:ea typeface="+mn-ea"/>
+                <a:cs typeface="+mn-cs"/>
+              </a:defRPr>
+            </a:lvl3pPr>
+            <a:lvl4pPr marL="1600200" indent="-228600" algn="l" defTabSz="914400" rtl="0" eaLnBrk="1" latinLnBrk="0" hangingPunct="1">
+              <a:lnSpc>
+                <a:spcPct val="120000"/>
+              </a:lnSpc>
+              <a:spcBef>
+                <a:spcPts val="500"/>
+              </a:spcBef>
+              <a:buSzPct val="125000"/>
+              <a:buFont typeface="Arial" panose="020B0604020202020204" pitchFamily="34" charset="0"/>
+              <a:buChar char="•"/>
+              <a:defRPr sz="1600" kern="1200">
+                <a:solidFill>
+                  <a:schemeClr val="tx1"/>
+                </a:solidFill>
+                <a:latin typeface="+mn-lt"/>
+                <a:ea typeface="+mn-ea"/>
+                <a:cs typeface="+mn-cs"/>
+              </a:defRPr>
+            </a:lvl4pPr>
+            <a:lvl5pPr marL="2057400" indent="-228600" algn="l" defTabSz="914400" rtl="0" eaLnBrk="1" latinLnBrk="0" hangingPunct="1">
+              <a:lnSpc>
+                <a:spcPct val="120000"/>
+              </a:lnSpc>
+              <a:spcBef>
+                <a:spcPts val="500"/>
+              </a:spcBef>
+              <a:buSzPct val="125000"/>
+              <a:buFont typeface="Arial" panose="020B0604020202020204" pitchFamily="34" charset="0"/>
+              <a:buChar char="•"/>
+              <a:defRPr sz="1600" kern="1200">
+                <a:solidFill>
+                  <a:schemeClr val="tx1"/>
+                </a:solidFill>
+                <a:latin typeface="+mn-lt"/>
+                <a:ea typeface="+mn-ea"/>
+                <a:cs typeface="+mn-cs"/>
+              </a:defRPr>
+            </a:lvl5pPr>
+            <a:lvl6pPr marL="2514600" indent="-228600" algn="l" defTabSz="914400" rtl="0" eaLnBrk="1" latinLnBrk="0" hangingPunct="1">
+              <a:lnSpc>
+                <a:spcPct val="120000"/>
+              </a:lnSpc>
+              <a:spcBef>
+                <a:spcPts val="500"/>
+              </a:spcBef>
+              <a:buSzPct val="125000"/>
+              <a:buFont typeface="Arial" panose="020B0604020202020204" pitchFamily="34" charset="0"/>
+              <a:buChar char="•"/>
+              <a:defRPr sz="1400" kern="1200">
+                <a:solidFill>
+                  <a:schemeClr val="tx1"/>
+                </a:solidFill>
+                <a:latin typeface="+mn-lt"/>
+                <a:ea typeface="+mn-ea"/>
+                <a:cs typeface="+mn-cs"/>
+              </a:defRPr>
+            </a:lvl6pPr>
+            <a:lvl7pPr marL="2971800" indent="-228600" algn="l" defTabSz="914400" rtl="0" eaLnBrk="1" latinLnBrk="0" hangingPunct="1">
+              <a:lnSpc>
+                <a:spcPct val="120000"/>
+              </a:lnSpc>
+              <a:spcBef>
+                <a:spcPts val="500"/>
+              </a:spcBef>
+              <a:buSzPct val="125000"/>
+              <a:buFont typeface="Arial" panose="020B0604020202020204" pitchFamily="34" charset="0"/>
+              <a:buChar char="•"/>
+              <a:defRPr sz="1400" kern="1200">
+                <a:solidFill>
+                  <a:schemeClr val="tx1"/>
+                </a:solidFill>
+                <a:latin typeface="+mn-lt"/>
+                <a:ea typeface="+mn-ea"/>
+                <a:cs typeface="+mn-cs"/>
+              </a:defRPr>
+            </a:lvl7pPr>
+            <a:lvl8pPr marL="3429000" indent="-228600" algn="l" defTabSz="914400" rtl="0" eaLnBrk="1" latinLnBrk="0" hangingPunct="1">
+              <a:lnSpc>
+                <a:spcPct val="120000"/>
+              </a:lnSpc>
+              <a:spcBef>
+                <a:spcPts val="500"/>
+              </a:spcBef>
+              <a:buSzPct val="125000"/>
+              <a:buFont typeface="Arial" panose="020B0604020202020204" pitchFamily="34" charset="0"/>
+              <a:buChar char="•"/>
+              <a:defRPr sz="1400" kern="1200">
+                <a:solidFill>
+                  <a:schemeClr val="tx1"/>
+                </a:solidFill>
+                <a:latin typeface="+mn-lt"/>
+                <a:ea typeface="+mn-ea"/>
+                <a:cs typeface="+mn-cs"/>
+              </a:defRPr>
+            </a:lvl8pPr>
+            <a:lvl9pPr marL="3886200" indent="-228600" algn="l" defTabSz="914400" rtl="0" eaLnBrk="1" latinLnBrk="0" hangingPunct="1">
+              <a:lnSpc>
+                <a:spcPct val="120000"/>
+              </a:lnSpc>
+              <a:spcBef>
+                <a:spcPts val="500"/>
+              </a:spcBef>
+              <a:buSzPct val="125000"/>
+              <a:buFont typeface="Arial" panose="020B0604020202020204" pitchFamily="34" charset="0"/>
+              <a:buChar char="•"/>
+              <a:defRPr sz="1400" kern="1200">
+                <a:solidFill>
+                  <a:schemeClr val="tx1"/>
+                </a:solidFill>
+                <a:latin typeface="+mn-lt"/>
+                <a:ea typeface="+mn-ea"/>
+                <a:cs typeface="+mn-cs"/>
+              </a:defRPr>
+            </a:lvl9pPr>
+          </a:lstStyle>
+          <a:p>
+            <a:pPr marL="0" indent="0" algn="ctr">
+              <a:buNone/>
+            </a:pPr>
+            <a:r>
+              <a:rPr lang="es-AR" sz="3200" dirty="0">
+                <a:solidFill>
+                  <a:schemeClr val="bg1"/>
+                </a:solidFill>
+              </a:rPr>
+              <a:t>Transfer </a:t>
+            </a:r>
+            <a:r>
+              <a:rPr lang="es-AR" sz="3200" dirty="0" err="1">
+                <a:solidFill>
+                  <a:schemeClr val="bg1"/>
+                </a:solidFill>
+              </a:rPr>
+              <a:t>Learning</a:t>
+            </a:r>
+            <a:r>
+              <a:rPr lang="es-AR" sz="3200" dirty="0">
+                <a:solidFill>
+                  <a:schemeClr val="bg1"/>
+                </a:solidFill>
+              </a:rPr>
+              <a:t> - ¿Qué estrategia usar?</a:t>
+            </a:r>
+          </a:p>
+          <a:p>
+            <a:pPr marL="0" indent="0" algn="ctr">
+              <a:buNone/>
+            </a:pPr>
+            <a:endParaRPr lang="es-AR" sz="3200" dirty="0">
+              <a:solidFill>
+                <a:schemeClr val="bg1"/>
+              </a:solidFill>
+            </a:endParaRPr>
+          </a:p>
+        </p:txBody>
+      </p:sp>
+      <p:cxnSp>
+        <p:nvCxnSpPr>
+          <p:cNvPr id="3" name="Conector recto de flecha 2">
+            <a:extLst>
+              <a:ext uri="{FF2B5EF4-FFF2-40B4-BE49-F238E27FC236}">
+                <a16:creationId xmlns:a16="http://schemas.microsoft.com/office/drawing/2014/main" id="{5EBC6E99-81D6-E402-C1F3-2B06ADD13C83}"/>
+              </a:ext>
+            </a:extLst>
+          </p:cNvPr>
+          <p:cNvCxnSpPr/>
+          <p:nvPr/>
+        </p:nvCxnSpPr>
+        <p:spPr>
+          <a:xfrm>
             <a:off x="1219200" y="2345635"/>
             <a:ext cx="9236765" cy="0"/>
           </a:xfrm>
@@ -27062,263 +28458,6 @@
     <p:extLst>
       <p:ext uri="{BB962C8B-B14F-4D97-AF65-F5344CB8AC3E}">
         <p14:creationId xmlns:p14="http://schemas.microsoft.com/office/powerpoint/2010/main" val="1900095533"/>
-      </p:ext>
-    </p:extLst>
-  </p:cSld>
-  <p:clrMapOvr>
-    <a:masterClrMapping/>
-  </p:clrMapOvr>
-</p:sld>
-</file>
-
-<file path=ppt/slides/slide9.xml><?xml version="1.0" encoding="utf-8"?>
-<p:sld xmlns:a="http://schemas.openxmlformats.org/drawingml/2006/main" xmlns:r="http://schemas.openxmlformats.org/officeDocument/2006/relationships" xmlns:p="http://schemas.openxmlformats.org/presentationml/2006/main">
-  <p:cSld>
-    <p:spTree>
-      <p:nvGrpSpPr>
-        <p:cNvPr id="1" name=""/>
-        <p:cNvGrpSpPr/>
-        <p:nvPr/>
-      </p:nvGrpSpPr>
-      <p:grpSpPr>
-        <a:xfrm>
-          <a:off x="0" y="0"/>
-          <a:ext cx="0" cy="0"/>
-          <a:chOff x="0" y="0"/>
-          <a:chExt cx="0" cy="0"/>
-        </a:xfrm>
-      </p:grpSpPr>
-      <p:sp>
-        <p:nvSpPr>
-          <p:cNvPr id="5" name="Subtitle 1"/>
-          <p:cNvSpPr txBox="1">
-            <a:spLocks/>
-          </p:cNvSpPr>
-          <p:nvPr/>
-        </p:nvSpPr>
-        <p:spPr>
-          <a:xfrm>
-            <a:off x="2918124" y="692083"/>
-            <a:ext cx="5753514" cy="441862"/>
-          </a:xfrm>
-          <a:prstGeom prst="rect">
-            <a:avLst/>
-          </a:prstGeom>
-        </p:spPr>
-        <p:txBody>
-          <a:bodyPr vert="horz" lIns="91440" tIns="45720" rIns="91440" bIns="45720" rtlCol="0">
-            <a:noAutofit/>
-          </a:bodyPr>
-          <a:lstStyle>
-            <a:lvl1pPr marL="0" indent="0" algn="ctr" defTabSz="914400" rtl="0" eaLnBrk="1" latinLnBrk="0" hangingPunct="1">
-              <a:lnSpc>
-                <a:spcPct val="90000"/>
-              </a:lnSpc>
-              <a:spcBef>
-                <a:spcPts val="1000"/>
-              </a:spcBef>
-              <a:buFont typeface="Arial" panose="020B0604020202020204" pitchFamily="34" charset="0"/>
-              <a:buNone/>
-              <a:defRPr sz="2400" kern="1200">
-                <a:solidFill>
-                  <a:schemeClr val="tx1"/>
-                </a:solidFill>
-                <a:latin typeface="+mn-lt"/>
-                <a:ea typeface="+mn-ea"/>
-                <a:cs typeface="+mn-cs"/>
-              </a:defRPr>
-            </a:lvl1pPr>
-            <a:lvl2pPr marL="457200" indent="0" algn="ctr" defTabSz="914400" rtl="0" eaLnBrk="1" latinLnBrk="0" hangingPunct="1">
-              <a:lnSpc>
-                <a:spcPct val="90000"/>
-              </a:lnSpc>
-              <a:spcBef>
-                <a:spcPts val="500"/>
-              </a:spcBef>
-              <a:buFont typeface="Arial" panose="020B0604020202020204" pitchFamily="34" charset="0"/>
-              <a:buNone/>
-              <a:defRPr sz="2000" kern="1200">
-                <a:solidFill>
-                  <a:schemeClr val="tx1"/>
-                </a:solidFill>
-                <a:latin typeface="+mn-lt"/>
-                <a:ea typeface="+mn-ea"/>
-                <a:cs typeface="+mn-cs"/>
-              </a:defRPr>
-            </a:lvl2pPr>
-            <a:lvl3pPr marL="914400" indent="0" algn="ctr" defTabSz="914400" rtl="0" eaLnBrk="1" latinLnBrk="0" hangingPunct="1">
-              <a:lnSpc>
-                <a:spcPct val="90000"/>
-              </a:lnSpc>
-              <a:spcBef>
-                <a:spcPts val="500"/>
-              </a:spcBef>
-              <a:buFont typeface="Arial" panose="020B0604020202020204" pitchFamily="34" charset="0"/>
-              <a:buNone/>
-              <a:defRPr sz="1800" kern="1200">
-                <a:solidFill>
-                  <a:schemeClr val="tx1"/>
-                </a:solidFill>
-                <a:latin typeface="+mn-lt"/>
-                <a:ea typeface="+mn-ea"/>
-                <a:cs typeface="+mn-cs"/>
-              </a:defRPr>
-            </a:lvl3pPr>
-            <a:lvl4pPr marL="1371600" indent="0" algn="ctr" defTabSz="914400" rtl="0" eaLnBrk="1" latinLnBrk="0" hangingPunct="1">
-              <a:lnSpc>
-                <a:spcPct val="90000"/>
-              </a:lnSpc>
-              <a:spcBef>
-                <a:spcPts val="500"/>
-              </a:spcBef>
-              <a:buFont typeface="Arial" panose="020B0604020202020204" pitchFamily="34" charset="0"/>
-              <a:buNone/>
-              <a:defRPr sz="1600" kern="1200">
-                <a:solidFill>
-                  <a:schemeClr val="tx1"/>
-                </a:solidFill>
-                <a:latin typeface="+mn-lt"/>
-                <a:ea typeface="+mn-ea"/>
-                <a:cs typeface="+mn-cs"/>
-              </a:defRPr>
-            </a:lvl4pPr>
-            <a:lvl5pPr marL="1828800" indent="0" algn="ctr" defTabSz="914400" rtl="0" eaLnBrk="1" latinLnBrk="0" hangingPunct="1">
-              <a:lnSpc>
-                <a:spcPct val="90000"/>
-              </a:lnSpc>
-              <a:spcBef>
-                <a:spcPts val="500"/>
-              </a:spcBef>
-              <a:buFont typeface="Arial" panose="020B0604020202020204" pitchFamily="34" charset="0"/>
-              <a:buNone/>
-              <a:defRPr sz="1600" kern="1200">
-                <a:solidFill>
-                  <a:schemeClr val="tx1"/>
-                </a:solidFill>
-                <a:latin typeface="+mn-lt"/>
-                <a:ea typeface="+mn-ea"/>
-                <a:cs typeface="+mn-cs"/>
-              </a:defRPr>
-            </a:lvl5pPr>
-            <a:lvl6pPr marL="2286000" indent="0" algn="ctr" defTabSz="914400" rtl="0" eaLnBrk="1" latinLnBrk="0" hangingPunct="1">
-              <a:lnSpc>
-                <a:spcPct val="90000"/>
-              </a:lnSpc>
-              <a:spcBef>
-                <a:spcPts val="500"/>
-              </a:spcBef>
-              <a:buFont typeface="Arial" panose="020B0604020202020204" pitchFamily="34" charset="0"/>
-              <a:buNone/>
-              <a:defRPr sz="1600" kern="1200">
-                <a:solidFill>
-                  <a:schemeClr val="tx1"/>
-                </a:solidFill>
-                <a:latin typeface="+mn-lt"/>
-                <a:ea typeface="+mn-ea"/>
-                <a:cs typeface="+mn-cs"/>
-              </a:defRPr>
-            </a:lvl6pPr>
-            <a:lvl7pPr marL="2743200" indent="0" algn="ctr" defTabSz="914400" rtl="0" eaLnBrk="1" latinLnBrk="0" hangingPunct="1">
-              <a:lnSpc>
-                <a:spcPct val="90000"/>
-              </a:lnSpc>
-              <a:spcBef>
-                <a:spcPts val="500"/>
-              </a:spcBef>
-              <a:buFont typeface="Arial" panose="020B0604020202020204" pitchFamily="34" charset="0"/>
-              <a:buNone/>
-              <a:defRPr sz="1600" kern="1200">
-                <a:solidFill>
-                  <a:schemeClr val="tx1"/>
-                </a:solidFill>
-                <a:latin typeface="+mn-lt"/>
-                <a:ea typeface="+mn-ea"/>
-                <a:cs typeface="+mn-cs"/>
-              </a:defRPr>
-            </a:lvl7pPr>
-            <a:lvl8pPr marL="3200400" indent="0" algn="ctr" defTabSz="914400" rtl="0" eaLnBrk="1" latinLnBrk="0" hangingPunct="1">
-              <a:lnSpc>
-                <a:spcPct val="90000"/>
-              </a:lnSpc>
-              <a:spcBef>
-                <a:spcPts val="500"/>
-              </a:spcBef>
-              <a:buFont typeface="Arial" panose="020B0604020202020204" pitchFamily="34" charset="0"/>
-              <a:buNone/>
-              <a:defRPr sz="1600" kern="1200">
-                <a:solidFill>
-                  <a:schemeClr val="tx1"/>
-                </a:solidFill>
-                <a:latin typeface="+mn-lt"/>
-                <a:ea typeface="+mn-ea"/>
-                <a:cs typeface="+mn-cs"/>
-              </a:defRPr>
-            </a:lvl8pPr>
-            <a:lvl9pPr marL="3657600" indent="0" algn="ctr" defTabSz="914400" rtl="0" eaLnBrk="1" latinLnBrk="0" hangingPunct="1">
-              <a:lnSpc>
-                <a:spcPct val="90000"/>
-              </a:lnSpc>
-              <a:spcBef>
-                <a:spcPts val="500"/>
-              </a:spcBef>
-              <a:buFont typeface="Arial" panose="020B0604020202020204" pitchFamily="34" charset="0"/>
-              <a:buNone/>
-              <a:defRPr sz="1600" kern="1200">
-                <a:solidFill>
-                  <a:schemeClr val="tx1"/>
-                </a:solidFill>
-                <a:latin typeface="+mn-lt"/>
-                <a:ea typeface="+mn-ea"/>
-                <a:cs typeface="+mn-cs"/>
-              </a:defRPr>
-            </a:lvl9pPr>
-          </a:lstStyle>
-          <a:p>
-            <a:r>
-              <a:rPr lang="es-AR" sz="3200" b="1" dirty="0">
-                <a:solidFill>
-                  <a:srgbClr val="FF0000"/>
-                </a:solidFill>
-              </a:rPr>
-              <a:t>¡Un merecido descanso!</a:t>
-            </a:r>
-          </a:p>
-        </p:txBody>
-      </p:sp>
-      <p:pic>
-        <p:nvPicPr>
-          <p:cNvPr id="2" name="Picture 1"/>
-          <p:cNvPicPr>
-            <a:picLocks noChangeAspect="1"/>
-          </p:cNvPicPr>
-          <p:nvPr/>
-        </p:nvPicPr>
-        <p:blipFill>
-          <a:blip r:embed="rId2">
-            <a:extLst>
-              <a:ext uri="{28A0092B-C50C-407E-A947-70E740481C1C}">
-                <a14:useLocalDpi xmlns:a14="http://schemas.microsoft.com/office/drawing/2010/main" val="0"/>
-              </a:ext>
-            </a:extLst>
-          </a:blip>
-          <a:stretch>
-            <a:fillRect/>
-          </a:stretch>
-        </p:blipFill>
-        <p:spPr>
-          <a:xfrm>
-            <a:off x="798489" y="1391524"/>
-            <a:ext cx="10774523" cy="4899874"/>
-          </a:xfrm>
-          <a:prstGeom prst="rect">
-            <a:avLst/>
-          </a:prstGeom>
-        </p:spPr>
-      </p:pic>
-    </p:spTree>
-    <p:extLst>
-      <p:ext uri="{BB962C8B-B14F-4D97-AF65-F5344CB8AC3E}">
-        <p14:creationId xmlns:p14="http://schemas.microsoft.com/office/powerpoint/2010/main" val="1474830832"/>
       </p:ext>
     </p:extLst>
   </p:cSld>

--- a/clase_8/teoria/clase_8.pptx
+++ b/clase_8/teoria/clase_8.pptx
@@ -7,21 +7,22 @@
   <p:sldIdLst>
     <p:sldId id="256" r:id="rId2"/>
     <p:sldId id="357" r:id="rId3"/>
-    <p:sldId id="334" r:id="rId4"/>
-    <p:sldId id="359" r:id="rId5"/>
+    <p:sldId id="354" r:id="rId4"/>
+    <p:sldId id="334" r:id="rId5"/>
     <p:sldId id="361" r:id="rId6"/>
-    <p:sldId id="354" r:id="rId7"/>
+    <p:sldId id="359" r:id="rId7"/>
     <p:sldId id="358" r:id="rId8"/>
-    <p:sldId id="363" r:id="rId9"/>
-    <p:sldId id="362" r:id="rId10"/>
+    <p:sldId id="362" r:id="rId9"/>
+    <p:sldId id="363" r:id="rId10"/>
     <p:sldId id="323" r:id="rId11"/>
     <p:sldId id="332" r:id="rId12"/>
     <p:sldId id="355" r:id="rId13"/>
     <p:sldId id="350" r:id="rId14"/>
     <p:sldId id="347" r:id="rId15"/>
     <p:sldId id="351" r:id="rId16"/>
-    <p:sldId id="348" r:id="rId17"/>
-    <p:sldId id="349" r:id="rId18"/>
+    <p:sldId id="364" r:id="rId17"/>
+    <p:sldId id="348" r:id="rId18"/>
+    <p:sldId id="349" r:id="rId19"/>
   </p:sldIdLst>
   <p:sldSz cx="12192000" cy="6858000"/>
   <p:notesSz cx="6858000" cy="9144000"/>
@@ -131,7 +132,7 @@
 <file path=ppt/revisionInfo.xml><?xml version="1.0" encoding="utf-8"?>
 <p1510:revInfo xmlns:a="http://schemas.openxmlformats.org/drawingml/2006/main" xmlns:r="http://schemas.openxmlformats.org/officeDocument/2006/relationships" xmlns:p1510="http://schemas.microsoft.com/office/powerpoint/2015/10/main">
   <p1510:revLst>
-    <p1510:client id="{0BECDD63-AA0E-4F05-9B9F-79BBF0C86FD4}" v="1" dt="2023-10-18T23:02:44.564"/>
+    <p1510:client id="{582622D0-86C3-4581-8AC3-C68B59312C02}" v="1" dt="2023-12-13T20:34:04.601"/>
   </p1510:revLst>
 </p1510:revInfo>
 </file>
@@ -652,6 +653,96 @@
         <pc:sldMkLst>
           <pc:docMk/>
           <pc:sldMk cId="247673797" sldId="373"/>
+        </pc:sldMkLst>
+      </pc:sldChg>
+    </pc:docChg>
+  </pc:docChgLst>
+  <pc:docChgLst>
+    <pc:chgData name="Marcos Maillot" userId="fa14b39d-e966-4ebb-a436-4f96f84b9577" providerId="ADAL" clId="{582622D0-86C3-4581-8AC3-C68B59312C02}"/>
+    <pc:docChg chg="custSel addSld modSld sldOrd">
+      <pc:chgData name="Marcos Maillot" userId="fa14b39d-e966-4ebb-a436-4f96f84b9577" providerId="ADAL" clId="{582622D0-86C3-4581-8AC3-C68B59312C02}" dt="2023-12-14T00:44:59.095" v="19" actId="729"/>
+      <pc:docMkLst>
+        <pc:docMk/>
+      </pc:docMkLst>
+      <pc:sldChg chg="delSp modSp mod">
+        <pc:chgData name="Marcos Maillot" userId="fa14b39d-e966-4ebb-a436-4f96f84b9577" providerId="ADAL" clId="{582622D0-86C3-4581-8AC3-C68B59312C02}" dt="2023-12-13T15:07:37.467" v="4" actId="1076"/>
+        <pc:sldMkLst>
+          <pc:docMk/>
+          <pc:sldMk cId="787285808" sldId="256"/>
+        </pc:sldMkLst>
+        <pc:spChg chg="del">
+          <ac:chgData name="Marcos Maillot" userId="fa14b39d-e966-4ebb-a436-4f96f84b9577" providerId="ADAL" clId="{582622D0-86C3-4581-8AC3-C68B59312C02}" dt="2023-12-13T15:07:28.736" v="1" actId="478"/>
+          <ac:spMkLst>
+            <pc:docMk/>
+            <pc:sldMk cId="787285808" sldId="256"/>
+            <ac:spMk id="6" creationId="{00000000-0000-0000-0000-000000000000}"/>
+          </ac:spMkLst>
+        </pc:spChg>
+        <pc:spChg chg="mod">
+          <ac:chgData name="Marcos Maillot" userId="fa14b39d-e966-4ebb-a436-4f96f84b9577" providerId="ADAL" clId="{582622D0-86C3-4581-8AC3-C68B59312C02}" dt="2023-12-13T15:07:37.467" v="4" actId="1076"/>
+          <ac:spMkLst>
+            <pc:docMk/>
+            <pc:sldMk cId="787285808" sldId="256"/>
+            <ac:spMk id="8" creationId="{00000000-0000-0000-0000-000000000000}"/>
+          </ac:spMkLst>
+        </pc:spChg>
+      </pc:sldChg>
+      <pc:sldChg chg="addSp modSp mod modShow">
+        <pc:chgData name="Marcos Maillot" userId="fa14b39d-e966-4ebb-a436-4f96f84b9577" providerId="ADAL" clId="{582622D0-86C3-4581-8AC3-C68B59312C02}" dt="2023-12-14T00:44:55.799" v="18" actId="729"/>
+        <pc:sldMkLst>
+          <pc:docMk/>
+          <pc:sldMk cId="973184105" sldId="347"/>
+        </pc:sldMkLst>
+        <pc:spChg chg="add mod">
+          <ac:chgData name="Marcos Maillot" userId="fa14b39d-e966-4ebb-a436-4f96f84b9577" providerId="ADAL" clId="{582622D0-86C3-4581-8AC3-C68B59312C02}" dt="2023-12-13T20:36:36.648" v="17" actId="1076"/>
+          <ac:spMkLst>
+            <pc:docMk/>
+            <pc:sldMk cId="973184105" sldId="347"/>
+            <ac:spMk id="7" creationId="{1F24B687-3B3C-ADFA-726B-AE3D08239213}"/>
+          </ac:spMkLst>
+        </pc:spChg>
+        <pc:picChg chg="mod">
+          <ac:chgData name="Marcos Maillot" userId="fa14b39d-e966-4ebb-a436-4f96f84b9577" providerId="ADAL" clId="{582622D0-86C3-4581-8AC3-C68B59312C02}" dt="2023-12-13T20:36:31.550" v="15" actId="1076"/>
+          <ac:picMkLst>
+            <pc:docMk/>
+            <pc:sldMk cId="973184105" sldId="347"/>
+            <ac:picMk id="3" creationId="{00000000-0000-0000-0000-000000000000}"/>
+          </ac:picMkLst>
+        </pc:picChg>
+      </pc:sldChg>
+      <pc:sldChg chg="mod modShow">
+        <pc:chgData name="Marcos Maillot" userId="fa14b39d-e966-4ebb-a436-4f96f84b9577" providerId="ADAL" clId="{582622D0-86C3-4581-8AC3-C68B59312C02}" dt="2023-12-14T00:44:59.095" v="19" actId="729"/>
+        <pc:sldMkLst>
+          <pc:docMk/>
+          <pc:sldMk cId="2542735254" sldId="351"/>
+        </pc:sldMkLst>
+      </pc:sldChg>
+      <pc:sldChg chg="ord">
+        <pc:chgData name="Marcos Maillot" userId="fa14b39d-e966-4ebb-a436-4f96f84b9577" providerId="ADAL" clId="{582622D0-86C3-4581-8AC3-C68B59312C02}" dt="2023-12-13T15:09:06.472" v="6"/>
+        <pc:sldMkLst>
+          <pc:docMk/>
+          <pc:sldMk cId="2145966389" sldId="354"/>
+        </pc:sldMkLst>
+      </pc:sldChg>
+      <pc:sldChg chg="ord">
+        <pc:chgData name="Marcos Maillot" userId="fa14b39d-e966-4ebb-a436-4f96f84b9577" providerId="ADAL" clId="{582622D0-86C3-4581-8AC3-C68B59312C02}" dt="2023-12-13T15:09:41.152" v="8"/>
+        <pc:sldMkLst>
+          <pc:docMk/>
+          <pc:sldMk cId="1421392979" sldId="359"/>
+        </pc:sldMkLst>
+      </pc:sldChg>
+      <pc:sldChg chg="ord">
+        <pc:chgData name="Marcos Maillot" userId="fa14b39d-e966-4ebb-a436-4f96f84b9577" providerId="ADAL" clId="{582622D0-86C3-4581-8AC3-C68B59312C02}" dt="2023-12-13T15:10:29.376" v="10"/>
+        <pc:sldMkLst>
+          <pc:docMk/>
+          <pc:sldMk cId="1900095533" sldId="362"/>
+        </pc:sldMkLst>
+      </pc:sldChg>
+      <pc:sldChg chg="add">
+        <pc:chgData name="Marcos Maillot" userId="fa14b39d-e966-4ebb-a436-4f96f84b9577" providerId="ADAL" clId="{582622D0-86C3-4581-8AC3-C68B59312C02}" dt="2023-12-13T20:34:04.598" v="13"/>
+        <pc:sldMkLst>
+          <pc:docMk/>
+          <pc:sldMk cId="927860414" sldId="364"/>
         </pc:sldMkLst>
       </pc:sldChg>
     </pc:docChg>
@@ -1880,7 +1971,7 @@
           <a:noFill/>
           <a:extLst>
             <a:ext uri="{909E8E84-426E-40dd-AFC4-6F175D3DCCD1}">
-              <a14:hiddenFill xmlns:a14="http://schemas.microsoft.com/office/drawing/2010/main" xmlns="">
+              <a14:hiddenFill xmlns="" xmlns:a14="http://schemas.microsoft.com/office/drawing/2010/main">
                 <a:solidFill>
                   <a:srgbClr val="FFFFFF"/>
                 </a:solidFill>
@@ -1940,7 +2031,7 @@
             </a:ln>
             <a:extLst>
               <a:ext uri="{91240B29-F687-4f45-9708-019B960494DF}">
-                <a14:hiddenLine xmlns:a14="http://schemas.microsoft.com/office/drawing/2010/main" xmlns="" w="9525">
+                <a14:hiddenLine xmlns="" xmlns:a14="http://schemas.microsoft.com/office/drawing/2010/main" w="9525">
                   <a:solidFill>
                     <a:srgbClr val="000000"/>
                   </a:solidFill>
@@ -2030,7 +2121,7 @@
             </a:ln>
             <a:extLst>
               <a:ext uri="{91240B29-F687-4f45-9708-019B960494DF}">
-                <a14:hiddenLine xmlns:a14="http://schemas.microsoft.com/office/drawing/2010/main" xmlns="" w="9525">
+                <a14:hiddenLine xmlns="" xmlns:a14="http://schemas.microsoft.com/office/drawing/2010/main" w="9525">
                   <a:solidFill>
                     <a:srgbClr val="000000"/>
                   </a:solidFill>
@@ -2120,7 +2211,7 @@
             </a:ln>
             <a:extLst>
               <a:ext uri="{91240B29-F687-4f45-9708-019B960494DF}">
-                <a14:hiddenLine xmlns:a14="http://schemas.microsoft.com/office/drawing/2010/main" xmlns="" w="9525">
+                <a14:hiddenLine xmlns="" xmlns:a14="http://schemas.microsoft.com/office/drawing/2010/main" w="9525">
                   <a:solidFill>
                     <a:srgbClr val="000000"/>
                   </a:solidFill>
@@ -2154,7 +2245,7 @@
             </a:ln>
             <a:extLst>
               <a:ext uri="{91240B29-F687-4f45-9708-019B960494DF}">
-                <a14:hiddenLine xmlns:a14="http://schemas.microsoft.com/office/drawing/2010/main" xmlns="" w="9525">
+                <a14:hiddenLine xmlns="" xmlns:a14="http://schemas.microsoft.com/office/drawing/2010/main" w="9525">
                   <a:solidFill>
                     <a:srgbClr val="000000"/>
                   </a:solidFill>
@@ -2244,7 +2335,7 @@
             </a:ln>
             <a:extLst>
               <a:ext uri="{91240B29-F687-4f45-9708-019B960494DF}">
-                <a14:hiddenLine xmlns:a14="http://schemas.microsoft.com/office/drawing/2010/main" xmlns="" w="9525">
+                <a14:hiddenLine xmlns="" xmlns:a14="http://schemas.microsoft.com/office/drawing/2010/main" w="9525">
                   <a:solidFill>
                     <a:srgbClr val="000000"/>
                   </a:solidFill>
@@ -2306,7 +2397,7 @@
             </a:ln>
             <a:extLst>
               <a:ext uri="{91240B29-F687-4f45-9708-019B960494DF}">
-                <a14:hiddenLine xmlns:a14="http://schemas.microsoft.com/office/drawing/2010/main" xmlns="" w="9525">
+                <a14:hiddenLine xmlns="" xmlns:a14="http://schemas.microsoft.com/office/drawing/2010/main" w="9525">
                   <a:solidFill>
                     <a:srgbClr val="000000"/>
                   </a:solidFill>
@@ -2368,7 +2459,7 @@
             </a:ln>
             <a:extLst>
               <a:ext uri="{91240B29-F687-4f45-9708-019B960494DF}">
-                <a14:hiddenLine xmlns:a14="http://schemas.microsoft.com/office/drawing/2010/main" xmlns="" w="9525">
+                <a14:hiddenLine xmlns="" xmlns:a14="http://schemas.microsoft.com/office/drawing/2010/main" w="9525">
                   <a:solidFill>
                     <a:srgbClr val="000000"/>
                   </a:solidFill>
@@ -2458,7 +2549,7 @@
             </a:ln>
             <a:extLst>
               <a:ext uri="{91240B29-F687-4f45-9708-019B960494DF}">
-                <a14:hiddenLine xmlns:a14="http://schemas.microsoft.com/office/drawing/2010/main" xmlns="" w="9525">
+                <a14:hiddenLine xmlns="" xmlns:a14="http://schemas.microsoft.com/office/drawing/2010/main" w="9525">
                   <a:solidFill>
                     <a:srgbClr val="000000"/>
                   </a:solidFill>
@@ -2520,7 +2611,7 @@
             </a:ln>
             <a:extLst>
               <a:ext uri="{91240B29-F687-4f45-9708-019B960494DF}">
-                <a14:hiddenLine xmlns:a14="http://schemas.microsoft.com/office/drawing/2010/main" xmlns="" w="9525">
+                <a14:hiddenLine xmlns="" xmlns:a14="http://schemas.microsoft.com/office/drawing/2010/main" w="9525">
                   <a:solidFill>
                     <a:srgbClr val="000000"/>
                   </a:solidFill>
@@ -2582,7 +2673,7 @@
             </a:ln>
             <a:extLst>
               <a:ext uri="{91240B29-F687-4f45-9708-019B960494DF}">
-                <a14:hiddenLine xmlns:a14="http://schemas.microsoft.com/office/drawing/2010/main" xmlns="" w="9525">
+                <a14:hiddenLine xmlns="" xmlns:a14="http://schemas.microsoft.com/office/drawing/2010/main" w="9525">
                   <a:solidFill>
                     <a:srgbClr val="000000"/>
                   </a:solidFill>
@@ -2672,7 +2763,7 @@
             </a:ln>
             <a:extLst>
               <a:ext uri="{91240B29-F687-4f45-9708-019B960494DF}">
-                <a14:hiddenLine xmlns:a14="http://schemas.microsoft.com/office/drawing/2010/main" xmlns="" w="9525">
+                <a14:hiddenLine xmlns="" xmlns:a14="http://schemas.microsoft.com/office/drawing/2010/main" w="9525">
                   <a:solidFill>
                     <a:srgbClr val="000000"/>
                   </a:solidFill>
@@ -2762,7 +2853,7 @@
             </a:ln>
             <a:extLst>
               <a:ext uri="{91240B29-F687-4f45-9708-019B960494DF}">
-                <a14:hiddenLine xmlns:a14="http://schemas.microsoft.com/office/drawing/2010/main" xmlns="" w="9525">
+                <a14:hiddenLine xmlns="" xmlns:a14="http://schemas.microsoft.com/office/drawing/2010/main" w="9525">
                   <a:solidFill>
                     <a:srgbClr val="000000"/>
                   </a:solidFill>
@@ -2824,7 +2915,7 @@
             </a:ln>
             <a:extLst>
               <a:ext uri="{91240B29-F687-4f45-9708-019B960494DF}">
-                <a14:hiddenLine xmlns:a14="http://schemas.microsoft.com/office/drawing/2010/main" xmlns="" w="9525">
+                <a14:hiddenLine xmlns="" xmlns:a14="http://schemas.microsoft.com/office/drawing/2010/main" w="9525">
                   <a:solidFill>
                     <a:srgbClr val="000000"/>
                   </a:solidFill>
@@ -2934,7 +3025,7 @@
             </a:ln>
             <a:extLst>
               <a:ext uri="{91240B29-F687-4f45-9708-019B960494DF}">
-                <a14:hiddenLine xmlns:a14="http://schemas.microsoft.com/office/drawing/2010/main" xmlns="" w="9525">
+                <a14:hiddenLine xmlns="" xmlns:a14="http://schemas.microsoft.com/office/drawing/2010/main" w="9525">
                   <a:solidFill>
                     <a:srgbClr val="000000"/>
                   </a:solidFill>
@@ -2996,7 +3087,7 @@
             </a:ln>
             <a:extLst>
               <a:ext uri="{91240B29-F687-4f45-9708-019B960494DF}">
-                <a14:hiddenLine xmlns:a14="http://schemas.microsoft.com/office/drawing/2010/main" xmlns="" w="9525">
+                <a14:hiddenLine xmlns="" xmlns:a14="http://schemas.microsoft.com/office/drawing/2010/main" w="9525">
                   <a:solidFill>
                     <a:srgbClr val="000000"/>
                   </a:solidFill>
@@ -3086,7 +3177,7 @@
             </a:ln>
             <a:extLst>
               <a:ext uri="{91240B29-F687-4f45-9708-019B960494DF}">
-                <a14:hiddenLine xmlns:a14="http://schemas.microsoft.com/office/drawing/2010/main" xmlns="" w="9525">
+                <a14:hiddenLine xmlns="" xmlns:a14="http://schemas.microsoft.com/office/drawing/2010/main" w="9525">
                   <a:solidFill>
                     <a:srgbClr val="000000"/>
                   </a:solidFill>
@@ -3176,7 +3267,7 @@
             </a:ln>
             <a:extLst>
               <a:ext uri="{91240B29-F687-4f45-9708-019B960494DF}">
-                <a14:hiddenLine xmlns:a14="http://schemas.microsoft.com/office/drawing/2010/main" xmlns="" w="9525">
+                <a14:hiddenLine xmlns="" xmlns:a14="http://schemas.microsoft.com/office/drawing/2010/main" w="9525">
                   <a:solidFill>
                     <a:srgbClr val="000000"/>
                   </a:solidFill>
@@ -3238,7 +3329,7 @@
             </a:ln>
             <a:extLst>
               <a:ext uri="{91240B29-F687-4f45-9708-019B960494DF}">
-                <a14:hiddenLine xmlns:a14="http://schemas.microsoft.com/office/drawing/2010/main" xmlns="" w="9525">
+                <a14:hiddenLine xmlns="" xmlns:a14="http://schemas.microsoft.com/office/drawing/2010/main" w="9525">
                   <a:solidFill>
                     <a:srgbClr val="000000"/>
                   </a:solidFill>
@@ -3328,7 +3419,7 @@
             </a:ln>
             <a:extLst>
               <a:ext uri="{91240B29-F687-4f45-9708-019B960494DF}">
-                <a14:hiddenLine xmlns:a14="http://schemas.microsoft.com/office/drawing/2010/main" xmlns="" w="9525">
+                <a14:hiddenLine xmlns="" xmlns:a14="http://schemas.microsoft.com/office/drawing/2010/main" w="9525">
                   <a:solidFill>
                     <a:srgbClr val="000000"/>
                   </a:solidFill>
@@ -3418,7 +3509,7 @@
             </a:ln>
             <a:extLst>
               <a:ext uri="{91240B29-F687-4f45-9708-019B960494DF}">
-                <a14:hiddenLine xmlns:a14="http://schemas.microsoft.com/office/drawing/2010/main" xmlns="" w="9525">
+                <a14:hiddenLine xmlns="" xmlns:a14="http://schemas.microsoft.com/office/drawing/2010/main" w="9525">
                   <a:solidFill>
                     <a:srgbClr val="000000"/>
                   </a:solidFill>
@@ -3474,7 +3565,7 @@
             </a:ln>
             <a:extLst>
               <a:ext uri="{91240B29-F687-4f45-9708-019B960494DF}">
-                <a14:hiddenLine xmlns:a14="http://schemas.microsoft.com/office/drawing/2010/main" xmlns="" w="9525">
+                <a14:hiddenLine xmlns="" xmlns:a14="http://schemas.microsoft.com/office/drawing/2010/main" w="9525">
                   <a:solidFill>
                     <a:srgbClr val="000000"/>
                   </a:solidFill>
@@ -3564,7 +3655,7 @@
             </a:ln>
             <a:extLst>
               <a:ext uri="{91240B29-F687-4f45-9708-019B960494DF}">
-                <a14:hiddenLine xmlns:a14="http://schemas.microsoft.com/office/drawing/2010/main" xmlns="" w="9525">
+                <a14:hiddenLine xmlns="" xmlns:a14="http://schemas.microsoft.com/office/drawing/2010/main" w="9525">
                   <a:solidFill>
                     <a:srgbClr val="000000"/>
                   </a:solidFill>
@@ -3620,7 +3711,7 @@
             </a:ln>
             <a:extLst>
               <a:ext uri="{91240B29-F687-4f45-9708-019B960494DF}">
-                <a14:hiddenLine xmlns:a14="http://schemas.microsoft.com/office/drawing/2010/main" xmlns="" w="9525">
+                <a14:hiddenLine xmlns="" xmlns:a14="http://schemas.microsoft.com/office/drawing/2010/main" w="9525">
                   <a:solidFill>
                     <a:srgbClr val="000000"/>
                   </a:solidFill>
@@ -3710,7 +3801,7 @@
             </a:ln>
             <a:extLst>
               <a:ext uri="{91240B29-F687-4f45-9708-019B960494DF}">
-                <a14:hiddenLine xmlns:a14="http://schemas.microsoft.com/office/drawing/2010/main" xmlns="" w="9525">
+                <a14:hiddenLine xmlns="" xmlns:a14="http://schemas.microsoft.com/office/drawing/2010/main" w="9525">
                   <a:solidFill>
                     <a:srgbClr val="000000"/>
                   </a:solidFill>
@@ -3778,7 +3869,7 @@
             </a:ln>
             <a:extLst>
               <a:ext uri="{91240B29-F687-4f45-9708-019B960494DF}">
-                <a14:hiddenLine xmlns:a14="http://schemas.microsoft.com/office/drawing/2010/main" xmlns="" w="9525">
+                <a14:hiddenLine xmlns="" xmlns:a14="http://schemas.microsoft.com/office/drawing/2010/main" w="9525">
                   <a:solidFill>
                     <a:srgbClr val="000000"/>
                   </a:solidFill>
@@ -3868,7 +3959,7 @@
             </a:ln>
             <a:extLst>
               <a:ext uri="{91240B29-F687-4f45-9708-019B960494DF}">
-                <a14:hiddenLine xmlns:a14="http://schemas.microsoft.com/office/drawing/2010/main" xmlns="" w="9525">
+                <a14:hiddenLine xmlns="" xmlns:a14="http://schemas.microsoft.com/office/drawing/2010/main" w="9525">
                   <a:solidFill>
                     <a:srgbClr val="000000"/>
                   </a:solidFill>
@@ -3936,7 +4027,7 @@
             </a:ln>
             <a:extLst>
               <a:ext uri="{91240B29-F687-4f45-9708-019B960494DF}">
-                <a14:hiddenLine xmlns:a14="http://schemas.microsoft.com/office/drawing/2010/main" xmlns="" w="9525">
+                <a14:hiddenLine xmlns="" xmlns:a14="http://schemas.microsoft.com/office/drawing/2010/main" w="9525">
                   <a:solidFill>
                     <a:srgbClr val="000000"/>
                   </a:solidFill>
@@ -4026,7 +4117,7 @@
             </a:ln>
             <a:extLst>
               <a:ext uri="{91240B29-F687-4f45-9708-019B960494DF}">
-                <a14:hiddenLine xmlns:a14="http://schemas.microsoft.com/office/drawing/2010/main" xmlns="" w="9525">
+                <a14:hiddenLine xmlns="" xmlns:a14="http://schemas.microsoft.com/office/drawing/2010/main" w="9525">
                   <a:solidFill>
                     <a:srgbClr val="000000"/>
                   </a:solidFill>
@@ -4060,7 +4151,7 @@
             </a:ln>
             <a:extLst>
               <a:ext uri="{91240B29-F687-4f45-9708-019B960494DF}">
-                <a14:hiddenLine xmlns:a14="http://schemas.microsoft.com/office/drawing/2010/main" xmlns="" w="9525">
+                <a14:hiddenLine xmlns="" xmlns:a14="http://schemas.microsoft.com/office/drawing/2010/main" w="9525">
                   <a:solidFill>
                     <a:srgbClr val="000000"/>
                   </a:solidFill>
@@ -4150,7 +4241,7 @@
             </a:ln>
             <a:extLst>
               <a:ext uri="{91240B29-F687-4f45-9708-019B960494DF}">
-                <a14:hiddenLine xmlns:a14="http://schemas.microsoft.com/office/drawing/2010/main" xmlns="" w="9525">
+                <a14:hiddenLine xmlns="" xmlns:a14="http://schemas.microsoft.com/office/drawing/2010/main" w="9525">
                   <a:solidFill>
                     <a:srgbClr val="000000"/>
                   </a:solidFill>
@@ -4212,7 +4303,7 @@
             </a:ln>
             <a:extLst>
               <a:ext uri="{91240B29-F687-4f45-9708-019B960494DF}">
-                <a14:hiddenLine xmlns:a14="http://schemas.microsoft.com/office/drawing/2010/main" xmlns="" w="9525">
+                <a14:hiddenLine xmlns="" xmlns:a14="http://schemas.microsoft.com/office/drawing/2010/main" w="9525">
                   <a:solidFill>
                     <a:srgbClr val="000000"/>
                   </a:solidFill>
@@ -4274,7 +4365,7 @@
             </a:ln>
             <a:extLst>
               <a:ext uri="{91240B29-F687-4f45-9708-019B960494DF}">
-                <a14:hiddenLine xmlns:a14="http://schemas.microsoft.com/office/drawing/2010/main" xmlns="" w="9525">
+                <a14:hiddenLine xmlns="" xmlns:a14="http://schemas.microsoft.com/office/drawing/2010/main" w="9525">
                   <a:solidFill>
                     <a:srgbClr val="000000"/>
                   </a:solidFill>
@@ -4364,7 +4455,7 @@
             </a:ln>
             <a:extLst>
               <a:ext uri="{91240B29-F687-4f45-9708-019B960494DF}">
-                <a14:hiddenLine xmlns:a14="http://schemas.microsoft.com/office/drawing/2010/main" xmlns="" w="9525">
+                <a14:hiddenLine xmlns="" xmlns:a14="http://schemas.microsoft.com/office/drawing/2010/main" w="9525">
                   <a:solidFill>
                     <a:srgbClr val="000000"/>
                   </a:solidFill>
@@ -4432,7 +4523,7 @@
             </a:ln>
             <a:extLst>
               <a:ext uri="{91240B29-F687-4f45-9708-019B960494DF}">
-                <a14:hiddenLine xmlns:a14="http://schemas.microsoft.com/office/drawing/2010/main" xmlns="" w="9525">
+                <a14:hiddenLine xmlns="" xmlns:a14="http://schemas.microsoft.com/office/drawing/2010/main" w="9525">
                   <a:solidFill>
                     <a:srgbClr val="000000"/>
                   </a:solidFill>
@@ -4494,7 +4585,7 @@
             </a:ln>
             <a:extLst>
               <a:ext uri="{91240B29-F687-4f45-9708-019B960494DF}">
-                <a14:hiddenLine xmlns:a14="http://schemas.microsoft.com/office/drawing/2010/main" xmlns="" w="9525">
+                <a14:hiddenLine xmlns="" xmlns:a14="http://schemas.microsoft.com/office/drawing/2010/main" w="9525">
                   <a:solidFill>
                     <a:srgbClr val="000000"/>
                   </a:solidFill>
@@ -4584,7 +4675,7 @@
             </a:ln>
             <a:extLst>
               <a:ext uri="{91240B29-F687-4f45-9708-019B960494DF}">
-                <a14:hiddenLine xmlns:a14="http://schemas.microsoft.com/office/drawing/2010/main" xmlns="" w="9525">
+                <a14:hiddenLine xmlns="" xmlns:a14="http://schemas.microsoft.com/office/drawing/2010/main" w="9525">
                   <a:solidFill>
                     <a:srgbClr val="000000"/>
                   </a:solidFill>
@@ -4646,7 +4737,7 @@
             </a:ln>
             <a:extLst>
               <a:ext uri="{91240B29-F687-4f45-9708-019B960494DF}">
-                <a14:hiddenLine xmlns:a14="http://schemas.microsoft.com/office/drawing/2010/main" xmlns="" w="9525">
+                <a14:hiddenLine xmlns="" xmlns:a14="http://schemas.microsoft.com/office/drawing/2010/main" w="9525">
                   <a:solidFill>
                     <a:srgbClr val="000000"/>
                   </a:solidFill>
@@ -4736,7 +4827,7 @@
             </a:ln>
             <a:extLst>
               <a:ext uri="{91240B29-F687-4f45-9708-019B960494DF}">
-                <a14:hiddenLine xmlns:a14="http://schemas.microsoft.com/office/drawing/2010/main" xmlns="" w="9525">
+                <a14:hiddenLine xmlns="" xmlns:a14="http://schemas.microsoft.com/office/drawing/2010/main" w="9525">
                   <a:solidFill>
                     <a:srgbClr val="000000"/>
                   </a:solidFill>
@@ -4798,7 +4889,7 @@
             </a:ln>
             <a:extLst>
               <a:ext uri="{91240B29-F687-4f45-9708-019B960494DF}">
-                <a14:hiddenLine xmlns:a14="http://schemas.microsoft.com/office/drawing/2010/main" xmlns="" w="9525">
+                <a14:hiddenLine xmlns="" xmlns:a14="http://schemas.microsoft.com/office/drawing/2010/main" w="9525">
                   <a:solidFill>
                     <a:srgbClr val="000000"/>
                   </a:solidFill>
@@ -4888,7 +4979,7 @@
             </a:ln>
             <a:extLst>
               <a:ext uri="{91240B29-F687-4f45-9708-019B960494DF}">
-                <a14:hiddenLine xmlns:a14="http://schemas.microsoft.com/office/drawing/2010/main" xmlns="" w="9525">
+                <a14:hiddenLine xmlns="" xmlns:a14="http://schemas.microsoft.com/office/drawing/2010/main" w="9525">
                   <a:solidFill>
                     <a:srgbClr val="000000"/>
                   </a:solidFill>
@@ -4922,7 +5013,7 @@
             </a:ln>
             <a:extLst>
               <a:ext uri="{91240B29-F687-4f45-9708-019B960494DF}">
-                <a14:hiddenLine xmlns:a14="http://schemas.microsoft.com/office/drawing/2010/main" xmlns="" w="9525">
+                <a14:hiddenLine xmlns="" xmlns:a14="http://schemas.microsoft.com/office/drawing/2010/main" w="9525">
                   <a:solidFill>
                     <a:srgbClr val="000000"/>
                   </a:solidFill>
@@ -4987,7 +5078,7 @@
             </a:ln>
             <a:extLst>
               <a:ext uri="{91240B29-F687-4f45-9708-019B960494DF}">
-                <a14:hiddenLine xmlns:a14="http://schemas.microsoft.com/office/drawing/2010/main" xmlns="" w="9525">
+                <a14:hiddenLine xmlns="" xmlns:a14="http://schemas.microsoft.com/office/drawing/2010/main" w="9525">
                   <a:solidFill>
                     <a:srgbClr val="000000"/>
                   </a:solidFill>
@@ -5077,7 +5168,7 @@
             </a:ln>
             <a:extLst>
               <a:ext uri="{91240B29-F687-4f45-9708-019B960494DF}">
-                <a14:hiddenLine xmlns:a14="http://schemas.microsoft.com/office/drawing/2010/main" xmlns="" w="9525">
+                <a14:hiddenLine xmlns="" xmlns:a14="http://schemas.microsoft.com/office/drawing/2010/main" w="9525">
                   <a:solidFill>
                     <a:srgbClr val="000000"/>
                   </a:solidFill>
@@ -5139,7 +5230,7 @@
             </a:ln>
             <a:extLst>
               <a:ext uri="{91240B29-F687-4f45-9708-019B960494DF}">
-                <a14:hiddenLine xmlns:a14="http://schemas.microsoft.com/office/drawing/2010/main" xmlns="" w="9525">
+                <a14:hiddenLine xmlns="" xmlns:a14="http://schemas.microsoft.com/office/drawing/2010/main" w="9525">
                   <a:solidFill>
                     <a:srgbClr val="000000"/>
                   </a:solidFill>
@@ -5229,7 +5320,7 @@
             </a:ln>
             <a:extLst>
               <a:ext uri="{91240B29-F687-4f45-9708-019B960494DF}">
-                <a14:hiddenLine xmlns:a14="http://schemas.microsoft.com/office/drawing/2010/main" xmlns="" w="9525">
+                <a14:hiddenLine xmlns="" xmlns:a14="http://schemas.microsoft.com/office/drawing/2010/main" w="9525">
                   <a:solidFill>
                     <a:srgbClr val="000000"/>
                   </a:solidFill>
@@ -5319,7 +5410,7 @@
             </a:ln>
             <a:extLst>
               <a:ext uri="{91240B29-F687-4f45-9708-019B960494DF}">
-                <a14:hiddenLine xmlns:a14="http://schemas.microsoft.com/office/drawing/2010/main" xmlns="" w="9525">
+                <a14:hiddenLine xmlns="" xmlns:a14="http://schemas.microsoft.com/office/drawing/2010/main" w="9525">
                   <a:solidFill>
                     <a:srgbClr val="000000"/>
                   </a:solidFill>
@@ -5384,7 +5475,7 @@
             </a:ln>
             <a:extLst>
               <a:ext uri="{91240B29-F687-4f45-9708-019B960494DF}">
-                <a14:hiddenLine xmlns:a14="http://schemas.microsoft.com/office/drawing/2010/main" xmlns="" w="9525">
+                <a14:hiddenLine xmlns="" xmlns:a14="http://schemas.microsoft.com/office/drawing/2010/main" w="9525">
                   <a:solidFill>
                     <a:srgbClr val="000000"/>
                   </a:solidFill>
@@ -5446,7 +5537,7 @@
             </a:ln>
             <a:extLst>
               <a:ext uri="{91240B29-F687-4f45-9708-019B960494DF}">
-                <a14:hiddenLine xmlns:a14="http://schemas.microsoft.com/office/drawing/2010/main" xmlns="" w="9525">
+                <a14:hiddenLine xmlns="" xmlns:a14="http://schemas.microsoft.com/office/drawing/2010/main" w="9525">
                   <a:solidFill>
                     <a:srgbClr val="000000"/>
                   </a:solidFill>
@@ -5536,7 +5627,7 @@
             </a:ln>
             <a:extLst>
               <a:ext uri="{91240B29-F687-4f45-9708-019B960494DF}">
-                <a14:hiddenLine xmlns:a14="http://schemas.microsoft.com/office/drawing/2010/main" xmlns="" w="9525">
+                <a14:hiddenLine xmlns="" xmlns:a14="http://schemas.microsoft.com/office/drawing/2010/main" w="9525">
                   <a:solidFill>
                     <a:srgbClr val="000000"/>
                   </a:solidFill>
@@ -5626,7 +5717,7 @@
             </a:ln>
             <a:extLst>
               <a:ext uri="{91240B29-F687-4f45-9708-019B960494DF}">
-                <a14:hiddenLine xmlns:a14="http://schemas.microsoft.com/office/drawing/2010/main" xmlns="" w="9525">
+                <a14:hiddenLine xmlns="" xmlns:a14="http://schemas.microsoft.com/office/drawing/2010/main" w="9525">
                   <a:solidFill>
                     <a:srgbClr val="000000"/>
                   </a:solidFill>
@@ -5688,7 +5779,7 @@
             </a:ln>
             <a:extLst>
               <a:ext uri="{91240B29-F687-4f45-9708-019B960494DF}">
-                <a14:hiddenLine xmlns:a14="http://schemas.microsoft.com/office/drawing/2010/main" xmlns="" w="9525">
+                <a14:hiddenLine xmlns="" xmlns:a14="http://schemas.microsoft.com/office/drawing/2010/main" w="9525">
                   <a:solidFill>
                     <a:srgbClr val="000000"/>
                   </a:solidFill>
@@ -5808,7 +5899,7 @@
             </a:ln>
             <a:extLst>
               <a:ext uri="{91240B29-F687-4f45-9708-019B960494DF}">
-                <a14:hiddenLine xmlns:a14="http://schemas.microsoft.com/office/drawing/2010/main" xmlns="" w="9525">
+                <a14:hiddenLine xmlns="" xmlns:a14="http://schemas.microsoft.com/office/drawing/2010/main" w="9525">
                   <a:solidFill>
                     <a:srgbClr val="000000"/>
                   </a:solidFill>
@@ -5876,7 +5967,7 @@
             </a:ln>
             <a:extLst>
               <a:ext uri="{91240B29-F687-4f45-9708-019B960494DF}">
-                <a14:hiddenLine xmlns:a14="http://schemas.microsoft.com/office/drawing/2010/main" xmlns="" w="9525">
+                <a14:hiddenLine xmlns="" xmlns:a14="http://schemas.microsoft.com/office/drawing/2010/main" w="9525">
                   <a:solidFill>
                     <a:srgbClr val="000000"/>
                   </a:solidFill>
@@ -5966,7 +6057,7 @@
             </a:ln>
             <a:extLst>
               <a:ext uri="{91240B29-F687-4f45-9708-019B960494DF}">
-                <a14:hiddenLine xmlns:a14="http://schemas.microsoft.com/office/drawing/2010/main" xmlns="" w="9525">
+                <a14:hiddenLine xmlns="" xmlns:a14="http://schemas.microsoft.com/office/drawing/2010/main" w="9525">
                   <a:solidFill>
                     <a:srgbClr val="000000"/>
                   </a:solidFill>
@@ -6106,7 +6197,7 @@
           <a:p>
             <a:fld id="{849DE176-146E-4F1E-BCCE-E46272DCA095}" type="datetimeFigureOut">
               <a:rPr lang="es-AR" smtClean="0"/>
-              <a:t>18/10/2023</a:t>
+              <a:t>13/12/2023</a:t>
             </a:fld>
             <a:endParaRPr lang="es-AR"/>
           </a:p>
@@ -6373,7 +6464,7 @@
           <a:p>
             <a:fld id="{849DE176-146E-4F1E-BCCE-E46272DCA095}" type="datetimeFigureOut">
               <a:rPr lang="es-AR" smtClean="0"/>
-              <a:t>18/10/2023</a:t>
+              <a:t>13/12/2023</a:t>
             </a:fld>
             <a:endParaRPr lang="es-AR"/>
           </a:p>
@@ -6569,7 +6660,7 @@
           <a:p>
             <a:fld id="{849DE176-146E-4F1E-BCCE-E46272DCA095}" type="datetimeFigureOut">
               <a:rPr lang="es-AR" smtClean="0"/>
-              <a:t>18/10/2023</a:t>
+              <a:t>13/12/2023</a:t>
             </a:fld>
             <a:endParaRPr lang="es-AR"/>
           </a:p>
@@ -6832,7 +6923,7 @@
           <a:p>
             <a:fld id="{849DE176-146E-4F1E-BCCE-E46272DCA095}" type="datetimeFigureOut">
               <a:rPr lang="es-AR" smtClean="0"/>
-              <a:t>18/10/2023</a:t>
+              <a:t>13/12/2023</a:t>
             </a:fld>
             <a:endParaRPr lang="es-AR"/>
           </a:p>
@@ -7266,7 +7357,7 @@
           <a:p>
             <a:fld id="{849DE176-146E-4F1E-BCCE-E46272DCA095}" type="datetimeFigureOut">
               <a:rPr lang="es-AR" smtClean="0"/>
-              <a:t>18/10/2023</a:t>
+              <a:t>13/12/2023</a:t>
             </a:fld>
             <a:endParaRPr lang="es-AR"/>
           </a:p>
@@ -7812,7 +7903,7 @@
           <a:p>
             <a:fld id="{849DE176-146E-4F1E-BCCE-E46272DCA095}" type="datetimeFigureOut">
               <a:rPr lang="es-AR" smtClean="0"/>
-              <a:t>18/10/2023</a:t>
+              <a:t>13/12/2023</a:t>
             </a:fld>
             <a:endParaRPr lang="es-AR"/>
           </a:p>
@@ -8532,7 +8623,7 @@
           <a:p>
             <a:fld id="{849DE176-146E-4F1E-BCCE-E46272DCA095}" type="datetimeFigureOut">
               <a:rPr lang="es-AR" smtClean="0"/>
-              <a:t>18/10/2023</a:t>
+              <a:t>13/12/2023</a:t>
             </a:fld>
             <a:endParaRPr lang="es-AR"/>
           </a:p>
@@ -8702,7 +8793,7 @@
           <a:p>
             <a:fld id="{849DE176-146E-4F1E-BCCE-E46272DCA095}" type="datetimeFigureOut">
               <a:rPr lang="es-AR" smtClean="0"/>
-              <a:t>18/10/2023</a:t>
+              <a:t>13/12/2023</a:t>
             </a:fld>
             <a:endParaRPr lang="es-AR"/>
           </a:p>
@@ -8882,7 +8973,7 @@
           <a:p>
             <a:fld id="{849DE176-146E-4F1E-BCCE-E46272DCA095}" type="datetimeFigureOut">
               <a:rPr lang="es-AR" smtClean="0"/>
-              <a:t>18/10/2023</a:t>
+              <a:t>13/12/2023</a:t>
             </a:fld>
             <a:endParaRPr lang="es-AR"/>
           </a:p>
@@ -9052,7 +9143,7 @@
           <a:p>
             <a:fld id="{849DE176-146E-4F1E-BCCE-E46272DCA095}" type="datetimeFigureOut">
               <a:rPr lang="es-AR" smtClean="0"/>
-              <a:t>18/10/2023</a:t>
+              <a:t>13/12/2023</a:t>
             </a:fld>
             <a:endParaRPr lang="es-AR"/>
           </a:p>
@@ -9302,7 +9393,7 @@
           <a:p>
             <a:fld id="{849DE176-146E-4F1E-BCCE-E46272DCA095}" type="datetimeFigureOut">
               <a:rPr lang="es-AR" smtClean="0"/>
-              <a:t>18/10/2023</a:t>
+              <a:t>13/12/2023</a:t>
             </a:fld>
             <a:endParaRPr lang="es-AR"/>
           </a:p>
@@ -9534,7 +9625,7 @@
           <a:p>
             <a:fld id="{849DE176-146E-4F1E-BCCE-E46272DCA095}" type="datetimeFigureOut">
               <a:rPr lang="es-AR" smtClean="0"/>
-              <a:t>18/10/2023</a:t>
+              <a:t>13/12/2023</a:t>
             </a:fld>
             <a:endParaRPr lang="es-AR"/>
           </a:p>
@@ -9915,7 +10006,7 @@
           <a:p>
             <a:fld id="{849DE176-146E-4F1E-BCCE-E46272DCA095}" type="datetimeFigureOut">
               <a:rPr lang="es-AR" smtClean="0"/>
-              <a:t>18/10/2023</a:t>
+              <a:t>13/12/2023</a:t>
             </a:fld>
             <a:endParaRPr lang="es-AR"/>
           </a:p>
@@ -10033,7 +10124,7 @@
           <a:p>
             <a:fld id="{849DE176-146E-4F1E-BCCE-E46272DCA095}" type="datetimeFigureOut">
               <a:rPr lang="es-AR" smtClean="0"/>
-              <a:t>18/10/2023</a:t>
+              <a:t>13/12/2023</a:t>
             </a:fld>
             <a:endParaRPr lang="es-AR"/>
           </a:p>
@@ -10128,7 +10219,7 @@
           <a:p>
             <a:fld id="{849DE176-146E-4F1E-BCCE-E46272DCA095}" type="datetimeFigureOut">
               <a:rPr lang="es-AR" smtClean="0"/>
-              <a:t>18/10/2023</a:t>
+              <a:t>13/12/2023</a:t>
             </a:fld>
             <a:endParaRPr lang="es-AR"/>
           </a:p>
@@ -10377,7 +10468,7 @@
           <a:p>
             <a:fld id="{849DE176-146E-4F1E-BCCE-E46272DCA095}" type="datetimeFigureOut">
               <a:rPr lang="es-AR" smtClean="0"/>
-              <a:t>18/10/2023</a:t>
+              <a:t>13/12/2023</a:t>
             </a:fld>
             <a:endParaRPr lang="es-AR"/>
           </a:p>
@@ -10657,7 +10748,7 @@
           <a:p>
             <a:fld id="{849DE176-146E-4F1E-BCCE-E46272DCA095}" type="datetimeFigureOut">
               <a:rPr lang="es-AR" smtClean="0"/>
-              <a:t>18/10/2023</a:t>
+              <a:t>13/12/2023</a:t>
             </a:fld>
             <a:endParaRPr lang="es-AR"/>
           </a:p>
@@ -10797,7 +10888,7 @@
           <a:noFill/>
           <a:extLst>
             <a:ext uri="{909E8E84-426E-40dd-AFC4-6F175D3DCCD1}">
-              <a14:hiddenFill xmlns:a14="http://schemas.microsoft.com/office/drawing/2010/main" xmlns="">
+              <a14:hiddenFill xmlns="" xmlns:a14="http://schemas.microsoft.com/office/drawing/2010/main">
                 <a:solidFill>
                   <a:srgbClr val="FFFFFF"/>
                 </a:solidFill>
@@ -10871,7 +10962,7 @@
               </a:ln>
               <a:extLst>
                 <a:ext uri="{91240B29-F687-4f45-9708-019B960494DF}">
-                  <a14:hiddenLine xmlns:a14="http://schemas.microsoft.com/office/drawing/2010/main" xmlns="" w="9525">
+                  <a14:hiddenLine xmlns="" xmlns:a14="http://schemas.microsoft.com/office/drawing/2010/main" w="9525">
                     <a:solidFill>
                       <a:srgbClr val="000000"/>
                     </a:solidFill>
@@ -10961,7 +11052,7 @@
               </a:ln>
               <a:extLst>
                 <a:ext uri="{91240B29-F687-4f45-9708-019B960494DF}">
-                  <a14:hiddenLine xmlns:a14="http://schemas.microsoft.com/office/drawing/2010/main" xmlns="" w="9525">
+                  <a14:hiddenLine xmlns="" xmlns:a14="http://schemas.microsoft.com/office/drawing/2010/main" w="9525">
                     <a:solidFill>
                       <a:srgbClr val="000000"/>
                     </a:solidFill>
@@ -11051,7 +11142,7 @@
               </a:ln>
               <a:extLst>
                 <a:ext uri="{91240B29-F687-4f45-9708-019B960494DF}">
-                  <a14:hiddenLine xmlns:a14="http://schemas.microsoft.com/office/drawing/2010/main" xmlns="" w="9525">
+                  <a14:hiddenLine xmlns="" xmlns:a14="http://schemas.microsoft.com/office/drawing/2010/main" w="9525">
                     <a:solidFill>
                       <a:srgbClr val="000000"/>
                     </a:solidFill>
@@ -11113,7 +11204,7 @@
               </a:ln>
               <a:extLst>
                 <a:ext uri="{91240B29-F687-4f45-9708-019B960494DF}">
-                  <a14:hiddenLine xmlns:a14="http://schemas.microsoft.com/office/drawing/2010/main" xmlns="" w="9525">
+                  <a14:hiddenLine xmlns="" xmlns:a14="http://schemas.microsoft.com/office/drawing/2010/main" w="9525">
                     <a:solidFill>
                       <a:srgbClr val="000000"/>
                     </a:solidFill>
@@ -11203,7 +11294,7 @@
               </a:ln>
               <a:extLst>
                 <a:ext uri="{91240B29-F687-4f45-9708-019B960494DF}">
-                  <a14:hiddenLine xmlns:a14="http://schemas.microsoft.com/office/drawing/2010/main" xmlns="" w="9525">
+                  <a14:hiddenLine xmlns="" xmlns:a14="http://schemas.microsoft.com/office/drawing/2010/main" w="9525">
                     <a:solidFill>
                       <a:srgbClr val="000000"/>
                     </a:solidFill>
@@ -11265,7 +11356,7 @@
               </a:ln>
               <a:extLst>
                 <a:ext uri="{91240B29-F687-4f45-9708-019B960494DF}">
-                  <a14:hiddenLine xmlns:a14="http://schemas.microsoft.com/office/drawing/2010/main" xmlns="" w="9525">
+                  <a14:hiddenLine xmlns="" xmlns:a14="http://schemas.microsoft.com/office/drawing/2010/main" w="9525">
                     <a:solidFill>
                       <a:srgbClr val="000000"/>
                     </a:solidFill>
@@ -11327,7 +11418,7 @@
               </a:ln>
               <a:extLst>
                 <a:ext uri="{91240B29-F687-4f45-9708-019B960494DF}">
-                  <a14:hiddenLine xmlns:a14="http://schemas.microsoft.com/office/drawing/2010/main" xmlns="" w="9525">
+                  <a14:hiddenLine xmlns="" xmlns:a14="http://schemas.microsoft.com/office/drawing/2010/main" w="9525">
                     <a:solidFill>
                       <a:srgbClr val="000000"/>
                     </a:solidFill>
@@ -11417,7 +11508,7 @@
               </a:ln>
               <a:extLst>
                 <a:ext uri="{91240B29-F687-4f45-9708-019B960494DF}">
-                  <a14:hiddenLine xmlns:a14="http://schemas.microsoft.com/office/drawing/2010/main" xmlns="" w="9525">
+                  <a14:hiddenLine xmlns="" xmlns:a14="http://schemas.microsoft.com/office/drawing/2010/main" w="9525">
                     <a:solidFill>
                       <a:srgbClr val="000000"/>
                     </a:solidFill>
@@ -11507,7 +11598,7 @@
               </a:ln>
               <a:extLst>
                 <a:ext uri="{91240B29-F687-4f45-9708-019B960494DF}">
-                  <a14:hiddenLine xmlns:a14="http://schemas.microsoft.com/office/drawing/2010/main" xmlns="" w="9525">
+                  <a14:hiddenLine xmlns="" xmlns:a14="http://schemas.microsoft.com/office/drawing/2010/main" w="9525">
                     <a:solidFill>
                       <a:srgbClr val="000000"/>
                     </a:solidFill>
@@ -11569,7 +11660,7 @@
               </a:ln>
               <a:extLst>
                 <a:ext uri="{91240B29-F687-4f45-9708-019B960494DF}">
-                  <a14:hiddenLine xmlns:a14="http://schemas.microsoft.com/office/drawing/2010/main" xmlns="" w="9525">
+                  <a14:hiddenLine xmlns="" xmlns:a14="http://schemas.microsoft.com/office/drawing/2010/main" w="9525">
                     <a:solidFill>
                       <a:srgbClr val="000000"/>
                     </a:solidFill>
@@ -11679,7 +11770,7 @@
               </a:ln>
               <a:extLst>
                 <a:ext uri="{91240B29-F687-4f45-9708-019B960494DF}">
-                  <a14:hiddenLine xmlns:a14="http://schemas.microsoft.com/office/drawing/2010/main" xmlns="" w="9525">
+                  <a14:hiddenLine xmlns="" xmlns:a14="http://schemas.microsoft.com/office/drawing/2010/main" w="9525">
                     <a:solidFill>
                       <a:srgbClr val="000000"/>
                     </a:solidFill>
@@ -11763,7 +11854,7 @@
               </a:ln>
               <a:extLst>
                 <a:ext uri="{91240B29-F687-4f45-9708-019B960494DF}">
-                  <a14:hiddenLine xmlns:a14="http://schemas.microsoft.com/office/drawing/2010/main" xmlns="" w="9525">
+                  <a14:hiddenLine xmlns="" xmlns:a14="http://schemas.microsoft.com/office/drawing/2010/main" w="9525">
                     <a:solidFill>
                       <a:srgbClr val="000000"/>
                     </a:solidFill>
@@ -11825,7 +11916,7 @@
               </a:ln>
               <a:extLst>
                 <a:ext uri="{91240B29-F687-4f45-9708-019B960494DF}">
-                  <a14:hiddenLine xmlns:a14="http://schemas.microsoft.com/office/drawing/2010/main" xmlns="" w="9525">
+                  <a14:hiddenLine xmlns="" xmlns:a14="http://schemas.microsoft.com/office/drawing/2010/main" w="9525">
                     <a:solidFill>
                       <a:srgbClr val="000000"/>
                     </a:solidFill>
@@ -11887,7 +11978,7 @@
               </a:ln>
               <a:extLst>
                 <a:ext uri="{91240B29-F687-4f45-9708-019B960494DF}">
-                  <a14:hiddenLine xmlns:a14="http://schemas.microsoft.com/office/drawing/2010/main" xmlns="" w="9525">
+                  <a14:hiddenLine xmlns="" xmlns:a14="http://schemas.microsoft.com/office/drawing/2010/main" w="9525">
                     <a:solidFill>
                       <a:srgbClr val="000000"/>
                     </a:solidFill>
@@ -11977,7 +12068,7 @@
               </a:ln>
               <a:extLst>
                 <a:ext uri="{91240B29-F687-4f45-9708-019B960494DF}">
-                  <a14:hiddenLine xmlns:a14="http://schemas.microsoft.com/office/drawing/2010/main" xmlns="" w="9525">
+                  <a14:hiddenLine xmlns="" xmlns:a14="http://schemas.microsoft.com/office/drawing/2010/main" w="9525">
                     <a:solidFill>
                       <a:srgbClr val="000000"/>
                     </a:solidFill>
@@ -12011,7 +12102,7 @@
               </a:ln>
               <a:extLst>
                 <a:ext uri="{91240B29-F687-4f45-9708-019B960494DF}">
-                  <a14:hiddenLine xmlns:a14="http://schemas.microsoft.com/office/drawing/2010/main" xmlns="" w="9525">
+                  <a14:hiddenLine xmlns="" xmlns:a14="http://schemas.microsoft.com/office/drawing/2010/main" w="9525">
                     <a:solidFill>
                       <a:srgbClr val="000000"/>
                     </a:solidFill>
@@ -12076,7 +12167,7 @@
               </a:ln>
               <a:extLst>
                 <a:ext uri="{91240B29-F687-4f45-9708-019B960494DF}">
-                  <a14:hiddenLine xmlns:a14="http://schemas.microsoft.com/office/drawing/2010/main" xmlns="" w="9525">
+                  <a14:hiddenLine xmlns="" xmlns:a14="http://schemas.microsoft.com/office/drawing/2010/main" w="9525">
                     <a:solidFill>
                       <a:srgbClr val="000000"/>
                     </a:solidFill>
@@ -12166,7 +12257,7 @@
               </a:ln>
               <a:extLst>
                 <a:ext uri="{91240B29-F687-4f45-9708-019B960494DF}">
-                  <a14:hiddenLine xmlns:a14="http://schemas.microsoft.com/office/drawing/2010/main" xmlns="" w="9525">
+                  <a14:hiddenLine xmlns="" xmlns:a14="http://schemas.microsoft.com/office/drawing/2010/main" w="9525">
                     <a:solidFill>
                       <a:srgbClr val="000000"/>
                     </a:solidFill>
@@ -12228,7 +12319,7 @@
               </a:ln>
               <a:extLst>
                 <a:ext uri="{91240B29-F687-4f45-9708-019B960494DF}">
-                  <a14:hiddenLine xmlns:a14="http://schemas.microsoft.com/office/drawing/2010/main" xmlns="" w="9525">
+                  <a14:hiddenLine xmlns="" xmlns:a14="http://schemas.microsoft.com/office/drawing/2010/main" w="9525">
                     <a:solidFill>
                       <a:srgbClr val="000000"/>
                     </a:solidFill>
@@ -12318,7 +12409,7 @@
               </a:ln>
               <a:extLst>
                 <a:ext uri="{91240B29-F687-4f45-9708-019B960494DF}">
-                  <a14:hiddenLine xmlns:a14="http://schemas.microsoft.com/office/drawing/2010/main" xmlns="" w="9525">
+                  <a14:hiddenLine xmlns="" xmlns:a14="http://schemas.microsoft.com/office/drawing/2010/main" w="9525">
                     <a:solidFill>
                       <a:srgbClr val="000000"/>
                     </a:solidFill>
@@ -12383,7 +12474,7 @@
               </a:ln>
               <a:extLst>
                 <a:ext uri="{91240B29-F687-4f45-9708-019B960494DF}">
-                  <a14:hiddenLine xmlns:a14="http://schemas.microsoft.com/office/drawing/2010/main" xmlns="" w="9525">
+                  <a14:hiddenLine xmlns="" xmlns:a14="http://schemas.microsoft.com/office/drawing/2010/main" w="9525">
                     <a:solidFill>
                       <a:srgbClr val="000000"/>
                     </a:solidFill>
@@ -12445,7 +12536,7 @@
               </a:ln>
               <a:extLst>
                 <a:ext uri="{91240B29-F687-4f45-9708-019B960494DF}">
-                  <a14:hiddenLine xmlns:a14="http://schemas.microsoft.com/office/drawing/2010/main" xmlns="" w="9525">
+                  <a14:hiddenLine xmlns="" xmlns:a14="http://schemas.microsoft.com/office/drawing/2010/main" w="9525">
                     <a:solidFill>
                       <a:srgbClr val="000000"/>
                     </a:solidFill>
@@ -12535,7 +12626,7 @@
               </a:ln>
               <a:extLst>
                 <a:ext uri="{91240B29-F687-4f45-9708-019B960494DF}">
-                  <a14:hiddenLine xmlns:a14="http://schemas.microsoft.com/office/drawing/2010/main" xmlns="" w="9525">
+                  <a14:hiddenLine xmlns="" xmlns:a14="http://schemas.microsoft.com/office/drawing/2010/main" w="9525">
                     <a:solidFill>
                       <a:srgbClr val="000000"/>
                     </a:solidFill>
@@ -12625,7 +12716,7 @@
               </a:ln>
               <a:extLst>
                 <a:ext uri="{91240B29-F687-4f45-9708-019B960494DF}">
-                  <a14:hiddenLine xmlns:a14="http://schemas.microsoft.com/office/drawing/2010/main" xmlns="" w="9525">
+                  <a14:hiddenLine xmlns="" xmlns:a14="http://schemas.microsoft.com/office/drawing/2010/main" w="9525">
                     <a:solidFill>
                       <a:srgbClr val="000000"/>
                     </a:solidFill>
@@ -12690,7 +12781,7 @@
               </a:ln>
               <a:extLst>
                 <a:ext uri="{91240B29-F687-4f45-9708-019B960494DF}">
-                  <a14:hiddenLine xmlns:a14="http://schemas.microsoft.com/office/drawing/2010/main" xmlns="" w="9525">
+                  <a14:hiddenLine xmlns="" xmlns:a14="http://schemas.microsoft.com/office/drawing/2010/main" w="9525">
                     <a:solidFill>
                       <a:srgbClr val="000000"/>
                     </a:solidFill>
@@ -12810,7 +12901,7 @@
               </a:ln>
               <a:extLst>
                 <a:ext uri="{91240B29-F687-4f45-9708-019B960494DF}">
-                  <a14:hiddenLine xmlns:a14="http://schemas.microsoft.com/office/drawing/2010/main" xmlns="" w="9525">
+                  <a14:hiddenLine xmlns="" xmlns:a14="http://schemas.microsoft.com/office/drawing/2010/main" w="9525">
                     <a:solidFill>
                       <a:srgbClr val="000000"/>
                     </a:solidFill>
@@ -12908,7 +12999,7 @@
               </a:ln>
               <a:extLst>
                 <a:ext uri="{91240B29-F687-4f45-9708-019B960494DF}">
-                  <a14:hiddenLine xmlns:a14="http://schemas.microsoft.com/office/drawing/2010/main" xmlns="" w="9525">
+                  <a14:hiddenLine xmlns="" xmlns:a14="http://schemas.microsoft.com/office/drawing/2010/main" w="9525">
                     <a:solidFill>
                       <a:srgbClr val="000000"/>
                     </a:solidFill>
@@ -13023,7 +13114,7 @@
               </a:ln>
               <a:extLst>
                 <a:ext uri="{91240B29-F687-4f45-9708-019B960494DF}">
-                  <a14:hiddenLine xmlns:a14="http://schemas.microsoft.com/office/drawing/2010/main" xmlns="" w="9525">
+                  <a14:hiddenLine xmlns="" xmlns:a14="http://schemas.microsoft.com/office/drawing/2010/main" w="9525">
                     <a:solidFill>
                       <a:srgbClr val="000000"/>
                     </a:solidFill>
@@ -13113,7 +13204,7 @@
               </a:ln>
               <a:extLst>
                 <a:ext uri="{91240B29-F687-4f45-9708-019B960494DF}">
-                  <a14:hiddenLine xmlns:a14="http://schemas.microsoft.com/office/drawing/2010/main" xmlns="" w="9525">
+                  <a14:hiddenLine xmlns="" xmlns:a14="http://schemas.microsoft.com/office/drawing/2010/main" w="9525">
                     <a:solidFill>
                       <a:srgbClr val="000000"/>
                     </a:solidFill>
@@ -13178,7 +13269,7 @@
               </a:ln>
               <a:extLst>
                 <a:ext uri="{91240B29-F687-4f45-9708-019B960494DF}">
-                  <a14:hiddenLine xmlns:a14="http://schemas.microsoft.com/office/drawing/2010/main" xmlns="" w="9525">
+                  <a14:hiddenLine xmlns="" xmlns:a14="http://schemas.microsoft.com/office/drawing/2010/main" w="9525">
                     <a:solidFill>
                       <a:srgbClr val="000000"/>
                     </a:solidFill>
@@ -13268,7 +13359,7 @@
               </a:ln>
               <a:extLst>
                 <a:ext uri="{91240B29-F687-4f45-9708-019B960494DF}">
-                  <a14:hiddenLine xmlns:a14="http://schemas.microsoft.com/office/drawing/2010/main" xmlns="" w="9525">
+                  <a14:hiddenLine xmlns="" xmlns:a14="http://schemas.microsoft.com/office/drawing/2010/main" w="9525">
                     <a:solidFill>
                       <a:srgbClr val="000000"/>
                     </a:solidFill>
@@ -13336,7 +13427,7 @@
               </a:ln>
               <a:extLst>
                 <a:ext uri="{91240B29-F687-4f45-9708-019B960494DF}">
-                  <a14:hiddenLine xmlns:a14="http://schemas.microsoft.com/office/drawing/2010/main" xmlns="" w="9525">
+                  <a14:hiddenLine xmlns="" xmlns:a14="http://schemas.microsoft.com/office/drawing/2010/main" w="9525">
                     <a:solidFill>
                       <a:srgbClr val="000000"/>
                     </a:solidFill>
@@ -13426,7 +13517,7 @@
               </a:ln>
               <a:extLst>
                 <a:ext uri="{91240B29-F687-4f45-9708-019B960494DF}">
-                  <a14:hiddenLine xmlns:a14="http://schemas.microsoft.com/office/drawing/2010/main" xmlns="" w="9525">
+                  <a14:hiddenLine xmlns="" xmlns:a14="http://schemas.microsoft.com/office/drawing/2010/main" w="9525">
                     <a:solidFill>
                       <a:srgbClr val="000000"/>
                     </a:solidFill>
@@ -13494,7 +13585,7 @@
               </a:ln>
               <a:extLst>
                 <a:ext uri="{91240B29-F687-4f45-9708-019B960494DF}">
-                  <a14:hiddenLine xmlns:a14="http://schemas.microsoft.com/office/drawing/2010/main" xmlns="" w="9525">
+                  <a14:hiddenLine xmlns="" xmlns:a14="http://schemas.microsoft.com/office/drawing/2010/main" w="9525">
                     <a:solidFill>
                       <a:srgbClr val="000000"/>
                     </a:solidFill>
@@ -13584,7 +13675,7 @@
               </a:ln>
               <a:extLst>
                 <a:ext uri="{91240B29-F687-4f45-9708-019B960494DF}">
-                  <a14:hiddenLine xmlns:a14="http://schemas.microsoft.com/office/drawing/2010/main" xmlns="" w="9525">
+                  <a14:hiddenLine xmlns="" xmlns:a14="http://schemas.microsoft.com/office/drawing/2010/main" w="9525">
                     <a:solidFill>
                       <a:srgbClr val="000000"/>
                     </a:solidFill>
@@ -13618,7 +13709,7 @@
               </a:ln>
               <a:extLst>
                 <a:ext uri="{91240B29-F687-4f45-9708-019B960494DF}">
-                  <a14:hiddenLine xmlns:a14="http://schemas.microsoft.com/office/drawing/2010/main" xmlns="" w="9525">
+                  <a14:hiddenLine xmlns="" xmlns:a14="http://schemas.microsoft.com/office/drawing/2010/main" w="9525">
                     <a:solidFill>
                       <a:srgbClr val="000000"/>
                     </a:solidFill>
@@ -13758,7 +13849,7 @@
           <a:p>
             <a:fld id="{849DE176-146E-4F1E-BCCE-E46272DCA095}" type="datetimeFigureOut">
               <a:rPr lang="es-AR" smtClean="0"/>
-              <a:t>18/10/2023</a:t>
+              <a:t>13/12/2023</a:t>
             </a:fld>
             <a:endParaRPr lang="es-AR"/>
           </a:p>
@@ -14477,7 +14568,7 @@
       </p:sp>
       <p:sp>
         <p:nvSpPr>
-          <p:cNvPr id="6" name="Subtitle 1"/>
+          <p:cNvPr id="8" name="Subtitle 1"/>
           <p:cNvSpPr txBox="1">
             <a:spLocks/>
           </p:cNvSpPr>
@@ -14485,8 +14576,8 @@
         </p:nvSpPr>
         <p:spPr>
           <a:xfrm>
-            <a:off x="10369011" y="6357838"/>
-            <a:ext cx="1822989" cy="500162"/>
+            <a:off x="3196760" y="140083"/>
+            <a:ext cx="6517084" cy="500162"/>
           </a:xfrm>
           <a:prstGeom prst="rect">
             <a:avLst/>
@@ -14668,205 +14759,7 @@
                   <a:schemeClr val="bg1"/>
                 </a:solidFill>
               </a:rPr>
-              <a:t>Abril 2023</a:t>
-            </a:r>
-          </a:p>
-        </p:txBody>
-      </p:sp>
-      <p:sp>
-        <p:nvSpPr>
-          <p:cNvPr id="8" name="Subtitle 1"/>
-          <p:cNvSpPr txBox="1">
-            <a:spLocks/>
-          </p:cNvSpPr>
-          <p:nvPr/>
-        </p:nvSpPr>
-        <p:spPr>
-          <a:xfrm>
-            <a:off x="1650455" y="153335"/>
-            <a:ext cx="8891089" cy="500162"/>
-          </a:xfrm>
-          <a:prstGeom prst="rect">
-            <a:avLst/>
-          </a:prstGeom>
-        </p:spPr>
-        <p:txBody>
-          <a:bodyPr vert="horz" lIns="91440" tIns="45720" rIns="91440" bIns="45720" rtlCol="0">
-            <a:noAutofit/>
-          </a:bodyPr>
-          <a:lstStyle>
-            <a:lvl1pPr marL="0" indent="0" algn="ctr" defTabSz="914400" rtl="0" eaLnBrk="1" latinLnBrk="0" hangingPunct="1">
-              <a:lnSpc>
-                <a:spcPct val="90000"/>
-              </a:lnSpc>
-              <a:spcBef>
-                <a:spcPts val="1000"/>
-              </a:spcBef>
-              <a:buFont typeface="Arial" panose="020B0604020202020204" pitchFamily="34" charset="0"/>
-              <a:buNone/>
-              <a:defRPr sz="2400" kern="1200">
-                <a:solidFill>
-                  <a:schemeClr val="tx1"/>
-                </a:solidFill>
-                <a:latin typeface="+mn-lt"/>
-                <a:ea typeface="+mn-ea"/>
-                <a:cs typeface="+mn-cs"/>
-              </a:defRPr>
-            </a:lvl1pPr>
-            <a:lvl2pPr marL="457200" indent="0" algn="ctr" defTabSz="914400" rtl="0" eaLnBrk="1" latinLnBrk="0" hangingPunct="1">
-              <a:lnSpc>
-                <a:spcPct val="90000"/>
-              </a:lnSpc>
-              <a:spcBef>
-                <a:spcPts val="500"/>
-              </a:spcBef>
-              <a:buFont typeface="Arial" panose="020B0604020202020204" pitchFamily="34" charset="0"/>
-              <a:buNone/>
-              <a:defRPr sz="2000" kern="1200">
-                <a:solidFill>
-                  <a:schemeClr val="tx1"/>
-                </a:solidFill>
-                <a:latin typeface="+mn-lt"/>
-                <a:ea typeface="+mn-ea"/>
-                <a:cs typeface="+mn-cs"/>
-              </a:defRPr>
-            </a:lvl2pPr>
-            <a:lvl3pPr marL="914400" indent="0" algn="ctr" defTabSz="914400" rtl="0" eaLnBrk="1" latinLnBrk="0" hangingPunct="1">
-              <a:lnSpc>
-                <a:spcPct val="90000"/>
-              </a:lnSpc>
-              <a:spcBef>
-                <a:spcPts val="500"/>
-              </a:spcBef>
-              <a:buFont typeface="Arial" panose="020B0604020202020204" pitchFamily="34" charset="0"/>
-              <a:buNone/>
-              <a:defRPr sz="1800" kern="1200">
-                <a:solidFill>
-                  <a:schemeClr val="tx1"/>
-                </a:solidFill>
-                <a:latin typeface="+mn-lt"/>
-                <a:ea typeface="+mn-ea"/>
-                <a:cs typeface="+mn-cs"/>
-              </a:defRPr>
-            </a:lvl3pPr>
-            <a:lvl4pPr marL="1371600" indent="0" algn="ctr" defTabSz="914400" rtl="0" eaLnBrk="1" latinLnBrk="0" hangingPunct="1">
-              <a:lnSpc>
-                <a:spcPct val="90000"/>
-              </a:lnSpc>
-              <a:spcBef>
-                <a:spcPts val="500"/>
-              </a:spcBef>
-              <a:buFont typeface="Arial" panose="020B0604020202020204" pitchFamily="34" charset="0"/>
-              <a:buNone/>
-              <a:defRPr sz="1600" kern="1200">
-                <a:solidFill>
-                  <a:schemeClr val="tx1"/>
-                </a:solidFill>
-                <a:latin typeface="+mn-lt"/>
-                <a:ea typeface="+mn-ea"/>
-                <a:cs typeface="+mn-cs"/>
-              </a:defRPr>
-            </a:lvl4pPr>
-            <a:lvl5pPr marL="1828800" indent="0" algn="ctr" defTabSz="914400" rtl="0" eaLnBrk="1" latinLnBrk="0" hangingPunct="1">
-              <a:lnSpc>
-                <a:spcPct val="90000"/>
-              </a:lnSpc>
-              <a:spcBef>
-                <a:spcPts val="500"/>
-              </a:spcBef>
-              <a:buFont typeface="Arial" panose="020B0604020202020204" pitchFamily="34" charset="0"/>
-              <a:buNone/>
-              <a:defRPr sz="1600" kern="1200">
-                <a:solidFill>
-                  <a:schemeClr val="tx1"/>
-                </a:solidFill>
-                <a:latin typeface="+mn-lt"/>
-                <a:ea typeface="+mn-ea"/>
-                <a:cs typeface="+mn-cs"/>
-              </a:defRPr>
-            </a:lvl5pPr>
-            <a:lvl6pPr marL="2286000" indent="0" algn="ctr" defTabSz="914400" rtl="0" eaLnBrk="1" latinLnBrk="0" hangingPunct="1">
-              <a:lnSpc>
-                <a:spcPct val="90000"/>
-              </a:lnSpc>
-              <a:spcBef>
-                <a:spcPts val="500"/>
-              </a:spcBef>
-              <a:buFont typeface="Arial" panose="020B0604020202020204" pitchFamily="34" charset="0"/>
-              <a:buNone/>
-              <a:defRPr sz="1600" kern="1200">
-                <a:solidFill>
-                  <a:schemeClr val="tx1"/>
-                </a:solidFill>
-                <a:latin typeface="+mn-lt"/>
-                <a:ea typeface="+mn-ea"/>
-                <a:cs typeface="+mn-cs"/>
-              </a:defRPr>
-            </a:lvl6pPr>
-            <a:lvl7pPr marL="2743200" indent="0" algn="ctr" defTabSz="914400" rtl="0" eaLnBrk="1" latinLnBrk="0" hangingPunct="1">
-              <a:lnSpc>
-                <a:spcPct val="90000"/>
-              </a:lnSpc>
-              <a:spcBef>
-                <a:spcPts val="500"/>
-              </a:spcBef>
-              <a:buFont typeface="Arial" panose="020B0604020202020204" pitchFamily="34" charset="0"/>
-              <a:buNone/>
-              <a:defRPr sz="1600" kern="1200">
-                <a:solidFill>
-                  <a:schemeClr val="tx1"/>
-                </a:solidFill>
-                <a:latin typeface="+mn-lt"/>
-                <a:ea typeface="+mn-ea"/>
-                <a:cs typeface="+mn-cs"/>
-              </a:defRPr>
-            </a:lvl7pPr>
-            <a:lvl8pPr marL="3200400" indent="0" algn="ctr" defTabSz="914400" rtl="0" eaLnBrk="1" latinLnBrk="0" hangingPunct="1">
-              <a:lnSpc>
-                <a:spcPct val="90000"/>
-              </a:lnSpc>
-              <a:spcBef>
-                <a:spcPts val="500"/>
-              </a:spcBef>
-              <a:buFont typeface="Arial" panose="020B0604020202020204" pitchFamily="34" charset="0"/>
-              <a:buNone/>
-              <a:defRPr sz="1600" kern="1200">
-                <a:solidFill>
-                  <a:schemeClr val="tx1"/>
-                </a:solidFill>
-                <a:latin typeface="+mn-lt"/>
-                <a:ea typeface="+mn-ea"/>
-                <a:cs typeface="+mn-cs"/>
-              </a:defRPr>
-            </a:lvl8pPr>
-            <a:lvl9pPr marL="3657600" indent="0" algn="ctr" defTabSz="914400" rtl="0" eaLnBrk="1" latinLnBrk="0" hangingPunct="1">
-              <a:lnSpc>
-                <a:spcPct val="90000"/>
-              </a:lnSpc>
-              <a:spcBef>
-                <a:spcPts val="500"/>
-              </a:spcBef>
-              <a:buFont typeface="Arial" panose="020B0604020202020204" pitchFamily="34" charset="0"/>
-              <a:buNone/>
-              <a:defRPr sz="1600" kern="1200">
-                <a:solidFill>
-                  <a:schemeClr val="tx1"/>
-                </a:solidFill>
-                <a:latin typeface="+mn-lt"/>
-                <a:ea typeface="+mn-ea"/>
-                <a:cs typeface="+mn-cs"/>
-              </a:defRPr>
-            </a:lvl9pPr>
-          </a:lstStyle>
-          <a:p>
-            <a:pPr algn="l"/>
-            <a:r>
-              <a:rPr lang="es-AR" dirty="0">
-                <a:solidFill>
-                  <a:schemeClr val="bg1"/>
-                </a:solidFill>
-              </a:rPr>
-              <a:t>Carrera de Especialización en Inteligencia Artificial – 8ta cohorte 2023</a:t>
+              <a:t>Carrera de Especialización en Inteligencia Artificial</a:t>
             </a:r>
           </a:p>
         </p:txBody>
@@ -19180,7 +19073,7 @@
         </p:blipFill>
         <p:spPr>
           <a:xfrm>
-            <a:off x="1558579" y="5254581"/>
+            <a:off x="1470049" y="4801576"/>
             <a:ext cx="9251901" cy="1052177"/>
           </a:xfrm>
           <a:prstGeom prst="rect">
@@ -19405,6 +19298,41 @@
                 <a:schemeClr val="bg1"/>
               </a:solidFill>
             </a:endParaRPr>
+          </a:p>
+        </p:txBody>
+      </p:sp>
+      <p:sp>
+        <p:nvSpPr>
+          <p:cNvPr id="7" name="CuadroTexto 6">
+            <a:extLst>
+              <a:ext uri="{FF2B5EF4-FFF2-40B4-BE49-F238E27FC236}">
+                <a16:creationId xmlns:a16="http://schemas.microsoft.com/office/drawing/2014/main" id="{1F24B687-3B3C-ADFA-726B-AE3D08239213}"/>
+              </a:ext>
+            </a:extLst>
+          </p:cNvPr>
+          <p:cNvSpPr txBox="1"/>
+          <p:nvPr/>
+        </p:nvSpPr>
+        <p:spPr>
+          <a:xfrm>
+            <a:off x="331365" y="6356425"/>
+            <a:ext cx="6316910" cy="369332"/>
+          </a:xfrm>
+          <a:prstGeom prst="rect">
+            <a:avLst/>
+          </a:prstGeom>
+          <a:noFill/>
+        </p:spPr>
+        <p:txBody>
+          <a:bodyPr wrap="square">
+            <a:spAutoFit/>
+          </a:bodyPr>
+          <a:lstStyle/>
+          <a:p>
+            <a:r>
+              <a:rPr lang="es-AR" dirty="0"/>
+              <a:t>https://neptune.ai/blog/gan-loss-functions</a:t>
+            </a:r>
           </a:p>
         </p:txBody>
       </p:sp>
@@ -20679,6 +20607,595 @@
     </p:spTree>
     <p:extLst>
       <p:ext uri="{BB962C8B-B14F-4D97-AF65-F5344CB8AC3E}">
+        <p14:creationId xmlns:p14="http://schemas.microsoft.com/office/powerpoint/2010/main" val="927860414"/>
+      </p:ext>
+    </p:extLst>
+  </p:cSld>
+  <p:clrMapOvr>
+    <a:masterClrMapping/>
+  </p:clrMapOvr>
+</p:sld>
+</file>
+
+<file path=ppt/slides/slide17.xml><?xml version="1.0" encoding="utf-8"?>
+<p:sld xmlns:a="http://schemas.openxmlformats.org/drawingml/2006/main" xmlns:r="http://schemas.openxmlformats.org/officeDocument/2006/relationships" xmlns:p="http://schemas.openxmlformats.org/presentationml/2006/main">
+  <p:cSld>
+    <p:spTree>
+      <p:nvGrpSpPr>
+        <p:cNvPr id="1" name=""/>
+        <p:cNvGrpSpPr/>
+        <p:nvPr/>
+      </p:nvGrpSpPr>
+      <p:grpSpPr>
+        <a:xfrm>
+          <a:off x="0" y="0"/>
+          <a:ext cx="0" cy="0"/>
+          <a:chOff x="0" y="0"/>
+          <a:chExt cx="0" cy="0"/>
+        </a:xfrm>
+      </p:grpSpPr>
+      <p:sp>
+        <p:nvSpPr>
+          <p:cNvPr id="5" name="Subtitle 1"/>
+          <p:cNvSpPr txBox="1">
+            <a:spLocks/>
+          </p:cNvSpPr>
+          <p:nvPr/>
+        </p:nvSpPr>
+        <p:spPr>
+          <a:xfrm>
+            <a:off x="296366" y="1085871"/>
+            <a:ext cx="11521994" cy="1085871"/>
+          </a:xfrm>
+          <a:prstGeom prst="rect">
+            <a:avLst/>
+          </a:prstGeom>
+        </p:spPr>
+        <p:txBody>
+          <a:bodyPr vert="horz" lIns="91440" tIns="45720" rIns="91440" bIns="45720" rtlCol="0">
+            <a:noAutofit/>
+          </a:bodyPr>
+          <a:lstStyle>
+            <a:lvl1pPr marL="0" indent="0" algn="ctr" defTabSz="914400" rtl="0" eaLnBrk="1" latinLnBrk="0" hangingPunct="1">
+              <a:lnSpc>
+                <a:spcPct val="90000"/>
+              </a:lnSpc>
+              <a:spcBef>
+                <a:spcPts val="1000"/>
+              </a:spcBef>
+              <a:buFont typeface="Arial" panose="020B0604020202020204" pitchFamily="34" charset="0"/>
+              <a:buNone/>
+              <a:defRPr sz="2400" kern="1200">
+                <a:solidFill>
+                  <a:schemeClr val="tx1"/>
+                </a:solidFill>
+                <a:latin typeface="+mn-lt"/>
+                <a:ea typeface="+mn-ea"/>
+                <a:cs typeface="+mn-cs"/>
+              </a:defRPr>
+            </a:lvl1pPr>
+            <a:lvl2pPr marL="457200" indent="0" algn="ctr" defTabSz="914400" rtl="0" eaLnBrk="1" latinLnBrk="0" hangingPunct="1">
+              <a:lnSpc>
+                <a:spcPct val="90000"/>
+              </a:lnSpc>
+              <a:spcBef>
+                <a:spcPts val="500"/>
+              </a:spcBef>
+              <a:buFont typeface="Arial" panose="020B0604020202020204" pitchFamily="34" charset="0"/>
+              <a:buNone/>
+              <a:defRPr sz="2000" kern="1200">
+                <a:solidFill>
+                  <a:schemeClr val="tx1"/>
+                </a:solidFill>
+                <a:latin typeface="+mn-lt"/>
+                <a:ea typeface="+mn-ea"/>
+                <a:cs typeface="+mn-cs"/>
+              </a:defRPr>
+            </a:lvl2pPr>
+            <a:lvl3pPr marL="914400" indent="0" algn="ctr" defTabSz="914400" rtl="0" eaLnBrk="1" latinLnBrk="0" hangingPunct="1">
+              <a:lnSpc>
+                <a:spcPct val="90000"/>
+              </a:lnSpc>
+              <a:spcBef>
+                <a:spcPts val="500"/>
+              </a:spcBef>
+              <a:buFont typeface="Arial" panose="020B0604020202020204" pitchFamily="34" charset="0"/>
+              <a:buNone/>
+              <a:defRPr sz="1800" kern="1200">
+                <a:solidFill>
+                  <a:schemeClr val="tx1"/>
+                </a:solidFill>
+                <a:latin typeface="+mn-lt"/>
+                <a:ea typeface="+mn-ea"/>
+                <a:cs typeface="+mn-cs"/>
+              </a:defRPr>
+            </a:lvl3pPr>
+            <a:lvl4pPr marL="1371600" indent="0" algn="ctr" defTabSz="914400" rtl="0" eaLnBrk="1" latinLnBrk="0" hangingPunct="1">
+              <a:lnSpc>
+                <a:spcPct val="90000"/>
+              </a:lnSpc>
+              <a:spcBef>
+                <a:spcPts val="500"/>
+              </a:spcBef>
+              <a:buFont typeface="Arial" panose="020B0604020202020204" pitchFamily="34" charset="0"/>
+              <a:buNone/>
+              <a:defRPr sz="1600" kern="1200">
+                <a:solidFill>
+                  <a:schemeClr val="tx1"/>
+                </a:solidFill>
+                <a:latin typeface="+mn-lt"/>
+                <a:ea typeface="+mn-ea"/>
+                <a:cs typeface="+mn-cs"/>
+              </a:defRPr>
+            </a:lvl4pPr>
+            <a:lvl5pPr marL="1828800" indent="0" algn="ctr" defTabSz="914400" rtl="0" eaLnBrk="1" latinLnBrk="0" hangingPunct="1">
+              <a:lnSpc>
+                <a:spcPct val="90000"/>
+              </a:lnSpc>
+              <a:spcBef>
+                <a:spcPts val="500"/>
+              </a:spcBef>
+              <a:buFont typeface="Arial" panose="020B0604020202020204" pitchFamily="34" charset="0"/>
+              <a:buNone/>
+              <a:defRPr sz="1600" kern="1200">
+                <a:solidFill>
+                  <a:schemeClr val="tx1"/>
+                </a:solidFill>
+                <a:latin typeface="+mn-lt"/>
+                <a:ea typeface="+mn-ea"/>
+                <a:cs typeface="+mn-cs"/>
+              </a:defRPr>
+            </a:lvl5pPr>
+            <a:lvl6pPr marL="2286000" indent="0" algn="ctr" defTabSz="914400" rtl="0" eaLnBrk="1" latinLnBrk="0" hangingPunct="1">
+              <a:lnSpc>
+                <a:spcPct val="90000"/>
+              </a:lnSpc>
+              <a:spcBef>
+                <a:spcPts val="500"/>
+              </a:spcBef>
+              <a:buFont typeface="Arial" panose="020B0604020202020204" pitchFamily="34" charset="0"/>
+              <a:buNone/>
+              <a:defRPr sz="1600" kern="1200">
+                <a:solidFill>
+                  <a:schemeClr val="tx1"/>
+                </a:solidFill>
+                <a:latin typeface="+mn-lt"/>
+                <a:ea typeface="+mn-ea"/>
+                <a:cs typeface="+mn-cs"/>
+              </a:defRPr>
+            </a:lvl6pPr>
+            <a:lvl7pPr marL="2743200" indent="0" algn="ctr" defTabSz="914400" rtl="0" eaLnBrk="1" latinLnBrk="0" hangingPunct="1">
+              <a:lnSpc>
+                <a:spcPct val="90000"/>
+              </a:lnSpc>
+              <a:spcBef>
+                <a:spcPts val="500"/>
+              </a:spcBef>
+              <a:buFont typeface="Arial" panose="020B0604020202020204" pitchFamily="34" charset="0"/>
+              <a:buNone/>
+              <a:defRPr sz="1600" kern="1200">
+                <a:solidFill>
+                  <a:schemeClr val="tx1"/>
+                </a:solidFill>
+                <a:latin typeface="+mn-lt"/>
+                <a:ea typeface="+mn-ea"/>
+                <a:cs typeface="+mn-cs"/>
+              </a:defRPr>
+            </a:lvl7pPr>
+            <a:lvl8pPr marL="3200400" indent="0" algn="ctr" defTabSz="914400" rtl="0" eaLnBrk="1" latinLnBrk="0" hangingPunct="1">
+              <a:lnSpc>
+                <a:spcPct val="90000"/>
+              </a:lnSpc>
+              <a:spcBef>
+                <a:spcPts val="500"/>
+              </a:spcBef>
+              <a:buFont typeface="Arial" panose="020B0604020202020204" pitchFamily="34" charset="0"/>
+              <a:buNone/>
+              <a:defRPr sz="1600" kern="1200">
+                <a:solidFill>
+                  <a:schemeClr val="tx1"/>
+                </a:solidFill>
+                <a:latin typeface="+mn-lt"/>
+                <a:ea typeface="+mn-ea"/>
+                <a:cs typeface="+mn-cs"/>
+              </a:defRPr>
+            </a:lvl8pPr>
+            <a:lvl9pPr marL="3657600" indent="0" algn="ctr" defTabSz="914400" rtl="0" eaLnBrk="1" latinLnBrk="0" hangingPunct="1">
+              <a:lnSpc>
+                <a:spcPct val="90000"/>
+              </a:lnSpc>
+              <a:spcBef>
+                <a:spcPts val="500"/>
+              </a:spcBef>
+              <a:buFont typeface="Arial" panose="020B0604020202020204" pitchFamily="34" charset="0"/>
+              <a:buNone/>
+              <a:defRPr sz="1600" kern="1200">
+                <a:solidFill>
+                  <a:schemeClr val="tx1"/>
+                </a:solidFill>
+                <a:latin typeface="+mn-lt"/>
+                <a:ea typeface="+mn-ea"/>
+                <a:cs typeface="+mn-cs"/>
+              </a:defRPr>
+            </a:lvl9pPr>
+          </a:lstStyle>
+          <a:p>
+            <a:pPr algn="l"/>
+            <a:r>
+              <a:rPr lang="es-AR" sz="2800" dirty="0" err="1">
+                <a:solidFill>
+                  <a:schemeClr val="bg1"/>
+                </a:solidFill>
+              </a:rPr>
+              <a:t>Conditionals</a:t>
+            </a:r>
+            <a:r>
+              <a:rPr lang="es-AR" sz="2800" dirty="0">
+                <a:solidFill>
+                  <a:schemeClr val="bg1"/>
+                </a:solidFill>
+              </a:rPr>
+              <a:t> </a:t>
+            </a:r>
+            <a:r>
+              <a:rPr lang="es-AR" sz="2800" dirty="0" err="1">
+                <a:solidFill>
+                  <a:schemeClr val="bg1"/>
+                </a:solidFill>
+              </a:rPr>
+              <a:t>GANs</a:t>
+            </a:r>
+            <a:endParaRPr lang="es-AR" sz="2800" dirty="0">
+              <a:solidFill>
+                <a:schemeClr val="bg1"/>
+              </a:solidFill>
+            </a:endParaRPr>
+          </a:p>
+          <a:p>
+            <a:pPr algn="l"/>
+            <a:endParaRPr lang="es-AR" sz="2800" dirty="0">
+              <a:solidFill>
+                <a:schemeClr val="bg1"/>
+              </a:solidFill>
+            </a:endParaRPr>
+          </a:p>
+          <a:p>
+            <a:pPr algn="l"/>
+            <a:r>
+              <a:rPr lang="es-AR" sz="2800" dirty="0">
+                <a:solidFill>
+                  <a:schemeClr val="bg1"/>
+                </a:solidFill>
+              </a:rPr>
+              <a:t>Se le pasa un ‘</a:t>
+            </a:r>
+            <a:r>
+              <a:rPr lang="es-AR" sz="2800" dirty="0" err="1">
+                <a:solidFill>
+                  <a:schemeClr val="bg1"/>
+                </a:solidFill>
+              </a:rPr>
+              <a:t>label</a:t>
+            </a:r>
+            <a:r>
+              <a:rPr lang="es-AR" sz="2800" dirty="0">
+                <a:solidFill>
+                  <a:schemeClr val="bg1"/>
+                </a:solidFill>
+              </a:rPr>
+              <a:t>’ para que genere algo bajo ese ‘</a:t>
+            </a:r>
+            <a:r>
+              <a:rPr lang="es-AR" sz="2800" dirty="0" err="1">
+                <a:solidFill>
+                  <a:schemeClr val="bg1"/>
+                </a:solidFill>
+              </a:rPr>
+              <a:t>label</a:t>
+            </a:r>
+            <a:r>
+              <a:rPr lang="es-AR" sz="2800" dirty="0">
+                <a:solidFill>
+                  <a:schemeClr val="bg1"/>
+                </a:solidFill>
+              </a:rPr>
+              <a:t>’</a:t>
+            </a:r>
+          </a:p>
+        </p:txBody>
+      </p:sp>
+      <p:sp>
+        <p:nvSpPr>
+          <p:cNvPr id="6" name="Subtitle 1"/>
+          <p:cNvSpPr txBox="1">
+            <a:spLocks/>
+          </p:cNvSpPr>
+          <p:nvPr/>
+        </p:nvSpPr>
+        <p:spPr>
+          <a:xfrm>
+            <a:off x="0" y="0"/>
+            <a:ext cx="12511314" cy="1085871"/>
+          </a:xfrm>
+          <a:prstGeom prst="rect">
+            <a:avLst/>
+          </a:prstGeom>
+        </p:spPr>
+        <p:txBody>
+          <a:bodyPr vert="horz" lIns="91440" tIns="45720" rIns="91440" bIns="45720" rtlCol="0">
+            <a:noAutofit/>
+          </a:bodyPr>
+          <a:lstStyle>
+            <a:lvl1pPr marL="228600" indent="-228600" algn="l" defTabSz="914400" rtl="0" eaLnBrk="1" latinLnBrk="0" hangingPunct="1">
+              <a:lnSpc>
+                <a:spcPct val="120000"/>
+              </a:lnSpc>
+              <a:spcBef>
+                <a:spcPts val="1000"/>
+              </a:spcBef>
+              <a:buSzPct val="125000"/>
+              <a:buFont typeface="Arial" panose="020B0604020202020204" pitchFamily="34" charset="0"/>
+              <a:buChar char="•"/>
+              <a:defRPr sz="2400" kern="1200">
+                <a:solidFill>
+                  <a:schemeClr val="tx1"/>
+                </a:solidFill>
+                <a:latin typeface="+mn-lt"/>
+                <a:ea typeface="+mn-ea"/>
+                <a:cs typeface="+mn-cs"/>
+              </a:defRPr>
+            </a:lvl1pPr>
+            <a:lvl2pPr marL="685800" indent="-228600" algn="l" defTabSz="914400" rtl="0" eaLnBrk="1" latinLnBrk="0" hangingPunct="1">
+              <a:lnSpc>
+                <a:spcPct val="120000"/>
+              </a:lnSpc>
+              <a:spcBef>
+                <a:spcPts val="500"/>
+              </a:spcBef>
+              <a:buSzPct val="125000"/>
+              <a:buFont typeface="Arial" panose="020B0604020202020204" pitchFamily="34" charset="0"/>
+              <a:buChar char="•"/>
+              <a:defRPr sz="2000" kern="1200">
+                <a:solidFill>
+                  <a:schemeClr val="tx1"/>
+                </a:solidFill>
+                <a:latin typeface="+mn-lt"/>
+                <a:ea typeface="+mn-ea"/>
+                <a:cs typeface="+mn-cs"/>
+              </a:defRPr>
+            </a:lvl2pPr>
+            <a:lvl3pPr marL="1143000" indent="-228600" algn="l" defTabSz="914400" rtl="0" eaLnBrk="1" latinLnBrk="0" hangingPunct="1">
+              <a:lnSpc>
+                <a:spcPct val="120000"/>
+              </a:lnSpc>
+              <a:spcBef>
+                <a:spcPts val="500"/>
+              </a:spcBef>
+              <a:buSzPct val="125000"/>
+              <a:buFont typeface="Arial" panose="020B0604020202020204" pitchFamily="34" charset="0"/>
+              <a:buChar char="•"/>
+              <a:defRPr sz="1800" kern="1200">
+                <a:solidFill>
+                  <a:schemeClr val="tx1"/>
+                </a:solidFill>
+                <a:latin typeface="+mn-lt"/>
+                <a:ea typeface="+mn-ea"/>
+                <a:cs typeface="+mn-cs"/>
+              </a:defRPr>
+            </a:lvl3pPr>
+            <a:lvl4pPr marL="1600200" indent="-228600" algn="l" defTabSz="914400" rtl="0" eaLnBrk="1" latinLnBrk="0" hangingPunct="1">
+              <a:lnSpc>
+                <a:spcPct val="120000"/>
+              </a:lnSpc>
+              <a:spcBef>
+                <a:spcPts val="500"/>
+              </a:spcBef>
+              <a:buSzPct val="125000"/>
+              <a:buFont typeface="Arial" panose="020B0604020202020204" pitchFamily="34" charset="0"/>
+              <a:buChar char="•"/>
+              <a:defRPr sz="1600" kern="1200">
+                <a:solidFill>
+                  <a:schemeClr val="tx1"/>
+                </a:solidFill>
+                <a:latin typeface="+mn-lt"/>
+                <a:ea typeface="+mn-ea"/>
+                <a:cs typeface="+mn-cs"/>
+              </a:defRPr>
+            </a:lvl4pPr>
+            <a:lvl5pPr marL="2057400" indent="-228600" algn="l" defTabSz="914400" rtl="0" eaLnBrk="1" latinLnBrk="0" hangingPunct="1">
+              <a:lnSpc>
+                <a:spcPct val="120000"/>
+              </a:lnSpc>
+              <a:spcBef>
+                <a:spcPts val="500"/>
+              </a:spcBef>
+              <a:buSzPct val="125000"/>
+              <a:buFont typeface="Arial" panose="020B0604020202020204" pitchFamily="34" charset="0"/>
+              <a:buChar char="•"/>
+              <a:defRPr sz="1600" kern="1200">
+                <a:solidFill>
+                  <a:schemeClr val="tx1"/>
+                </a:solidFill>
+                <a:latin typeface="+mn-lt"/>
+                <a:ea typeface="+mn-ea"/>
+                <a:cs typeface="+mn-cs"/>
+              </a:defRPr>
+            </a:lvl5pPr>
+            <a:lvl6pPr marL="2514600" indent="-228600" algn="l" defTabSz="914400" rtl="0" eaLnBrk="1" latinLnBrk="0" hangingPunct="1">
+              <a:lnSpc>
+                <a:spcPct val="120000"/>
+              </a:lnSpc>
+              <a:spcBef>
+                <a:spcPts val="500"/>
+              </a:spcBef>
+              <a:buSzPct val="125000"/>
+              <a:buFont typeface="Arial" panose="020B0604020202020204" pitchFamily="34" charset="0"/>
+              <a:buChar char="•"/>
+              <a:defRPr sz="1400" kern="1200">
+                <a:solidFill>
+                  <a:schemeClr val="tx1"/>
+                </a:solidFill>
+                <a:latin typeface="+mn-lt"/>
+                <a:ea typeface="+mn-ea"/>
+                <a:cs typeface="+mn-cs"/>
+              </a:defRPr>
+            </a:lvl6pPr>
+            <a:lvl7pPr marL="2971800" indent="-228600" algn="l" defTabSz="914400" rtl="0" eaLnBrk="1" latinLnBrk="0" hangingPunct="1">
+              <a:lnSpc>
+                <a:spcPct val="120000"/>
+              </a:lnSpc>
+              <a:spcBef>
+                <a:spcPts val="500"/>
+              </a:spcBef>
+              <a:buSzPct val="125000"/>
+              <a:buFont typeface="Arial" panose="020B0604020202020204" pitchFamily="34" charset="0"/>
+              <a:buChar char="•"/>
+              <a:defRPr sz="1400" kern="1200">
+                <a:solidFill>
+                  <a:schemeClr val="tx1"/>
+                </a:solidFill>
+                <a:latin typeface="+mn-lt"/>
+                <a:ea typeface="+mn-ea"/>
+                <a:cs typeface="+mn-cs"/>
+              </a:defRPr>
+            </a:lvl7pPr>
+            <a:lvl8pPr marL="3429000" indent="-228600" algn="l" defTabSz="914400" rtl="0" eaLnBrk="1" latinLnBrk="0" hangingPunct="1">
+              <a:lnSpc>
+                <a:spcPct val="120000"/>
+              </a:lnSpc>
+              <a:spcBef>
+                <a:spcPts val="500"/>
+              </a:spcBef>
+              <a:buSzPct val="125000"/>
+              <a:buFont typeface="Arial" panose="020B0604020202020204" pitchFamily="34" charset="0"/>
+              <a:buChar char="•"/>
+              <a:defRPr sz="1400" kern="1200">
+                <a:solidFill>
+                  <a:schemeClr val="tx1"/>
+                </a:solidFill>
+                <a:latin typeface="+mn-lt"/>
+                <a:ea typeface="+mn-ea"/>
+                <a:cs typeface="+mn-cs"/>
+              </a:defRPr>
+            </a:lvl8pPr>
+            <a:lvl9pPr marL="3886200" indent="-228600" algn="l" defTabSz="914400" rtl="0" eaLnBrk="1" latinLnBrk="0" hangingPunct="1">
+              <a:lnSpc>
+                <a:spcPct val="120000"/>
+              </a:lnSpc>
+              <a:spcBef>
+                <a:spcPts val="500"/>
+              </a:spcBef>
+              <a:buSzPct val="125000"/>
+              <a:buFont typeface="Arial" panose="020B0604020202020204" pitchFamily="34" charset="0"/>
+              <a:buChar char="•"/>
+              <a:defRPr sz="1400" kern="1200">
+                <a:solidFill>
+                  <a:schemeClr val="tx1"/>
+                </a:solidFill>
+                <a:latin typeface="+mn-lt"/>
+                <a:ea typeface="+mn-ea"/>
+                <a:cs typeface="+mn-cs"/>
+              </a:defRPr>
+            </a:lvl9pPr>
+          </a:lstStyle>
+          <a:p>
+            <a:pPr marL="0" indent="0" algn="ctr">
+              <a:buNone/>
+            </a:pPr>
+            <a:r>
+              <a:rPr lang="es-AR" sz="3200" dirty="0" err="1">
+                <a:solidFill>
+                  <a:schemeClr val="bg1"/>
+                </a:solidFill>
+              </a:rPr>
+              <a:t>Generative</a:t>
+            </a:r>
+            <a:r>
+              <a:rPr lang="es-AR" sz="3200" dirty="0">
+                <a:solidFill>
+                  <a:schemeClr val="bg1"/>
+                </a:solidFill>
+              </a:rPr>
+              <a:t> </a:t>
+            </a:r>
+            <a:r>
+              <a:rPr lang="es-AR" sz="3200" dirty="0" err="1">
+                <a:solidFill>
+                  <a:schemeClr val="bg1"/>
+                </a:solidFill>
+              </a:rPr>
+              <a:t>Adversarial</a:t>
+            </a:r>
+            <a:r>
+              <a:rPr lang="es-AR" sz="3200" dirty="0">
+                <a:solidFill>
+                  <a:schemeClr val="bg1"/>
+                </a:solidFill>
+              </a:rPr>
+              <a:t> Network (GAN)</a:t>
+            </a:r>
+          </a:p>
+        </p:txBody>
+      </p:sp>
+      <p:pic>
+        <p:nvPicPr>
+          <p:cNvPr id="3" name="Picture 2"/>
+          <p:cNvPicPr>
+            <a:picLocks noChangeAspect="1"/>
+          </p:cNvPicPr>
+          <p:nvPr/>
+        </p:nvPicPr>
+        <p:blipFill>
+          <a:blip r:embed="rId2"/>
+          <a:stretch>
+            <a:fillRect/>
+          </a:stretch>
+        </p:blipFill>
+        <p:spPr>
+          <a:xfrm>
+            <a:off x="2021217" y="2682830"/>
+            <a:ext cx="7599675" cy="3089299"/>
+          </a:xfrm>
+          <a:prstGeom prst="rect">
+            <a:avLst/>
+          </a:prstGeom>
+        </p:spPr>
+      </p:pic>
+      <p:sp>
+        <p:nvSpPr>
+          <p:cNvPr id="8" name="Rectangle 7"/>
+          <p:cNvSpPr/>
+          <p:nvPr/>
+        </p:nvSpPr>
+        <p:spPr>
+          <a:xfrm>
+            <a:off x="150252" y="6215708"/>
+            <a:ext cx="11814221" cy="369332"/>
+          </a:xfrm>
+          <a:prstGeom prst="rect">
+            <a:avLst/>
+          </a:prstGeom>
+        </p:spPr>
+        <p:txBody>
+          <a:bodyPr wrap="square">
+            <a:spAutoFit/>
+          </a:bodyPr>
+          <a:lstStyle/>
+          <a:p>
+            <a:r>
+              <a:rPr lang="es-AR" dirty="0">
+                <a:solidFill>
+                  <a:schemeClr val="bg1"/>
+                </a:solidFill>
+              </a:rPr>
+              <a:t>https://machinelearningmastery.com/impressive-applications-of-generative-adversarial-networks/</a:t>
+            </a:r>
+          </a:p>
+        </p:txBody>
+      </p:sp>
+    </p:spTree>
+    <p:extLst>
+      <p:ext uri="{BB962C8B-B14F-4D97-AF65-F5344CB8AC3E}">
         <p14:creationId xmlns:p14="http://schemas.microsoft.com/office/powerpoint/2010/main" val="2703650191"/>
       </p:ext>
     </p:extLst>
@@ -20689,7 +21206,7 @@
 </p:sld>
 </file>
 
-<file path=ppt/slides/slide17.xml><?xml version="1.0" encoding="utf-8"?>
+<file path=ppt/slides/slide18.xml><?xml version="1.0" encoding="utf-8"?>
 <p:sld xmlns:a="http://schemas.openxmlformats.org/drawingml/2006/main" xmlns:r="http://schemas.openxmlformats.org/officeDocument/2006/relationships" xmlns:p="http://schemas.openxmlformats.org/presentationml/2006/main">
   <p:cSld>
     <p:spTree>
@@ -21827,6 +22344,642 @@
 </file>
 
 <file path=ppt/slides/slide3.xml><?xml version="1.0" encoding="utf-8"?>
+<p:sld xmlns:a="http://schemas.openxmlformats.org/drawingml/2006/main" xmlns:r="http://schemas.openxmlformats.org/officeDocument/2006/relationships" xmlns:p="http://schemas.openxmlformats.org/presentationml/2006/main">
+  <p:cSld>
+    <p:spTree>
+      <p:nvGrpSpPr>
+        <p:cNvPr id="1" name=""/>
+        <p:cNvGrpSpPr/>
+        <p:nvPr/>
+      </p:nvGrpSpPr>
+      <p:grpSpPr>
+        <a:xfrm>
+          <a:off x="0" y="0"/>
+          <a:ext cx="0" cy="0"/>
+          <a:chOff x="0" y="0"/>
+          <a:chExt cx="0" cy="0"/>
+        </a:xfrm>
+      </p:grpSpPr>
+      <p:sp>
+        <p:nvSpPr>
+          <p:cNvPr id="4" name="Subtitle 1"/>
+          <p:cNvSpPr txBox="1">
+            <a:spLocks/>
+          </p:cNvSpPr>
+          <p:nvPr/>
+        </p:nvSpPr>
+        <p:spPr>
+          <a:xfrm>
+            <a:off x="-159657" y="0"/>
+            <a:ext cx="12511314" cy="1085871"/>
+          </a:xfrm>
+          <a:prstGeom prst="rect">
+            <a:avLst/>
+          </a:prstGeom>
+        </p:spPr>
+        <p:txBody>
+          <a:bodyPr vert="horz" lIns="91440" tIns="45720" rIns="91440" bIns="45720" rtlCol="0">
+            <a:noAutofit/>
+          </a:bodyPr>
+          <a:lstStyle>
+            <a:lvl1pPr marL="228600" indent="-228600" algn="l" defTabSz="914400" rtl="0" eaLnBrk="1" latinLnBrk="0" hangingPunct="1">
+              <a:lnSpc>
+                <a:spcPct val="120000"/>
+              </a:lnSpc>
+              <a:spcBef>
+                <a:spcPts val="1000"/>
+              </a:spcBef>
+              <a:buSzPct val="125000"/>
+              <a:buFont typeface="Arial" panose="020B0604020202020204" pitchFamily="34" charset="0"/>
+              <a:buChar char="•"/>
+              <a:defRPr sz="2400" kern="1200">
+                <a:solidFill>
+                  <a:schemeClr val="tx1"/>
+                </a:solidFill>
+                <a:latin typeface="+mn-lt"/>
+                <a:ea typeface="+mn-ea"/>
+                <a:cs typeface="+mn-cs"/>
+              </a:defRPr>
+            </a:lvl1pPr>
+            <a:lvl2pPr marL="685800" indent="-228600" algn="l" defTabSz="914400" rtl="0" eaLnBrk="1" latinLnBrk="0" hangingPunct="1">
+              <a:lnSpc>
+                <a:spcPct val="120000"/>
+              </a:lnSpc>
+              <a:spcBef>
+                <a:spcPts val="500"/>
+              </a:spcBef>
+              <a:buSzPct val="125000"/>
+              <a:buFont typeface="Arial" panose="020B0604020202020204" pitchFamily="34" charset="0"/>
+              <a:buChar char="•"/>
+              <a:defRPr sz="2000" kern="1200">
+                <a:solidFill>
+                  <a:schemeClr val="tx1"/>
+                </a:solidFill>
+                <a:latin typeface="+mn-lt"/>
+                <a:ea typeface="+mn-ea"/>
+                <a:cs typeface="+mn-cs"/>
+              </a:defRPr>
+            </a:lvl2pPr>
+            <a:lvl3pPr marL="1143000" indent="-228600" algn="l" defTabSz="914400" rtl="0" eaLnBrk="1" latinLnBrk="0" hangingPunct="1">
+              <a:lnSpc>
+                <a:spcPct val="120000"/>
+              </a:lnSpc>
+              <a:spcBef>
+                <a:spcPts val="500"/>
+              </a:spcBef>
+              <a:buSzPct val="125000"/>
+              <a:buFont typeface="Arial" panose="020B0604020202020204" pitchFamily="34" charset="0"/>
+              <a:buChar char="•"/>
+              <a:defRPr sz="1800" kern="1200">
+                <a:solidFill>
+                  <a:schemeClr val="tx1"/>
+                </a:solidFill>
+                <a:latin typeface="+mn-lt"/>
+                <a:ea typeface="+mn-ea"/>
+                <a:cs typeface="+mn-cs"/>
+              </a:defRPr>
+            </a:lvl3pPr>
+            <a:lvl4pPr marL="1600200" indent="-228600" algn="l" defTabSz="914400" rtl="0" eaLnBrk="1" latinLnBrk="0" hangingPunct="1">
+              <a:lnSpc>
+                <a:spcPct val="120000"/>
+              </a:lnSpc>
+              <a:spcBef>
+                <a:spcPts val="500"/>
+              </a:spcBef>
+              <a:buSzPct val="125000"/>
+              <a:buFont typeface="Arial" panose="020B0604020202020204" pitchFamily="34" charset="0"/>
+              <a:buChar char="•"/>
+              <a:defRPr sz="1600" kern="1200">
+                <a:solidFill>
+                  <a:schemeClr val="tx1"/>
+                </a:solidFill>
+                <a:latin typeface="+mn-lt"/>
+                <a:ea typeface="+mn-ea"/>
+                <a:cs typeface="+mn-cs"/>
+              </a:defRPr>
+            </a:lvl4pPr>
+            <a:lvl5pPr marL="2057400" indent="-228600" algn="l" defTabSz="914400" rtl="0" eaLnBrk="1" latinLnBrk="0" hangingPunct="1">
+              <a:lnSpc>
+                <a:spcPct val="120000"/>
+              </a:lnSpc>
+              <a:spcBef>
+                <a:spcPts val="500"/>
+              </a:spcBef>
+              <a:buSzPct val="125000"/>
+              <a:buFont typeface="Arial" panose="020B0604020202020204" pitchFamily="34" charset="0"/>
+              <a:buChar char="•"/>
+              <a:defRPr sz="1600" kern="1200">
+                <a:solidFill>
+                  <a:schemeClr val="tx1"/>
+                </a:solidFill>
+                <a:latin typeface="+mn-lt"/>
+                <a:ea typeface="+mn-ea"/>
+                <a:cs typeface="+mn-cs"/>
+              </a:defRPr>
+            </a:lvl5pPr>
+            <a:lvl6pPr marL="2514600" indent="-228600" algn="l" defTabSz="914400" rtl="0" eaLnBrk="1" latinLnBrk="0" hangingPunct="1">
+              <a:lnSpc>
+                <a:spcPct val="120000"/>
+              </a:lnSpc>
+              <a:spcBef>
+                <a:spcPts val="500"/>
+              </a:spcBef>
+              <a:buSzPct val="125000"/>
+              <a:buFont typeface="Arial" panose="020B0604020202020204" pitchFamily="34" charset="0"/>
+              <a:buChar char="•"/>
+              <a:defRPr sz="1400" kern="1200">
+                <a:solidFill>
+                  <a:schemeClr val="tx1"/>
+                </a:solidFill>
+                <a:latin typeface="+mn-lt"/>
+                <a:ea typeface="+mn-ea"/>
+                <a:cs typeface="+mn-cs"/>
+              </a:defRPr>
+            </a:lvl6pPr>
+            <a:lvl7pPr marL="2971800" indent="-228600" algn="l" defTabSz="914400" rtl="0" eaLnBrk="1" latinLnBrk="0" hangingPunct="1">
+              <a:lnSpc>
+                <a:spcPct val="120000"/>
+              </a:lnSpc>
+              <a:spcBef>
+                <a:spcPts val="500"/>
+              </a:spcBef>
+              <a:buSzPct val="125000"/>
+              <a:buFont typeface="Arial" panose="020B0604020202020204" pitchFamily="34" charset="0"/>
+              <a:buChar char="•"/>
+              <a:defRPr sz="1400" kern="1200">
+                <a:solidFill>
+                  <a:schemeClr val="tx1"/>
+                </a:solidFill>
+                <a:latin typeface="+mn-lt"/>
+                <a:ea typeface="+mn-ea"/>
+                <a:cs typeface="+mn-cs"/>
+              </a:defRPr>
+            </a:lvl7pPr>
+            <a:lvl8pPr marL="3429000" indent="-228600" algn="l" defTabSz="914400" rtl="0" eaLnBrk="1" latinLnBrk="0" hangingPunct="1">
+              <a:lnSpc>
+                <a:spcPct val="120000"/>
+              </a:lnSpc>
+              <a:spcBef>
+                <a:spcPts val="500"/>
+              </a:spcBef>
+              <a:buSzPct val="125000"/>
+              <a:buFont typeface="Arial" panose="020B0604020202020204" pitchFamily="34" charset="0"/>
+              <a:buChar char="•"/>
+              <a:defRPr sz="1400" kern="1200">
+                <a:solidFill>
+                  <a:schemeClr val="tx1"/>
+                </a:solidFill>
+                <a:latin typeface="+mn-lt"/>
+                <a:ea typeface="+mn-ea"/>
+                <a:cs typeface="+mn-cs"/>
+              </a:defRPr>
+            </a:lvl8pPr>
+            <a:lvl9pPr marL="3886200" indent="-228600" algn="l" defTabSz="914400" rtl="0" eaLnBrk="1" latinLnBrk="0" hangingPunct="1">
+              <a:lnSpc>
+                <a:spcPct val="120000"/>
+              </a:lnSpc>
+              <a:spcBef>
+                <a:spcPts val="500"/>
+              </a:spcBef>
+              <a:buSzPct val="125000"/>
+              <a:buFont typeface="Arial" panose="020B0604020202020204" pitchFamily="34" charset="0"/>
+              <a:buChar char="•"/>
+              <a:defRPr sz="1400" kern="1200">
+                <a:solidFill>
+                  <a:schemeClr val="tx1"/>
+                </a:solidFill>
+                <a:latin typeface="+mn-lt"/>
+                <a:ea typeface="+mn-ea"/>
+                <a:cs typeface="+mn-cs"/>
+              </a:defRPr>
+            </a:lvl9pPr>
+          </a:lstStyle>
+          <a:p>
+            <a:pPr marL="0" indent="0" algn="ctr">
+              <a:buNone/>
+            </a:pPr>
+            <a:r>
+              <a:rPr lang="es-AR" sz="3200" dirty="0">
+                <a:solidFill>
+                  <a:schemeClr val="bg1"/>
+                </a:solidFill>
+              </a:rPr>
+              <a:t>Transfer </a:t>
+            </a:r>
+            <a:r>
+              <a:rPr lang="es-AR" sz="3200" dirty="0" err="1">
+                <a:solidFill>
+                  <a:schemeClr val="bg1"/>
+                </a:solidFill>
+              </a:rPr>
+              <a:t>Learning</a:t>
+            </a:r>
+            <a:endParaRPr lang="es-AR" sz="3200" dirty="0">
+              <a:solidFill>
+                <a:schemeClr val="bg1"/>
+              </a:solidFill>
+            </a:endParaRPr>
+          </a:p>
+        </p:txBody>
+      </p:sp>
+      <p:sp>
+        <p:nvSpPr>
+          <p:cNvPr id="5" name="Subtitle 1"/>
+          <p:cNvSpPr txBox="1">
+            <a:spLocks/>
+          </p:cNvSpPr>
+          <p:nvPr/>
+        </p:nvSpPr>
+        <p:spPr>
+          <a:xfrm>
+            <a:off x="335003" y="852121"/>
+            <a:ext cx="11521994" cy="1092590"/>
+          </a:xfrm>
+          <a:prstGeom prst="rect">
+            <a:avLst/>
+          </a:prstGeom>
+        </p:spPr>
+        <p:txBody>
+          <a:bodyPr vert="horz" lIns="91440" tIns="45720" rIns="91440" bIns="45720" rtlCol="0">
+            <a:noAutofit/>
+          </a:bodyPr>
+          <a:lstStyle>
+            <a:lvl1pPr marL="0" indent="0" algn="ctr" defTabSz="914400" rtl="0" eaLnBrk="1" latinLnBrk="0" hangingPunct="1">
+              <a:lnSpc>
+                <a:spcPct val="90000"/>
+              </a:lnSpc>
+              <a:spcBef>
+                <a:spcPts val="1000"/>
+              </a:spcBef>
+              <a:buFont typeface="Arial" panose="020B0604020202020204" pitchFamily="34" charset="0"/>
+              <a:buNone/>
+              <a:defRPr sz="2400" kern="1200">
+                <a:solidFill>
+                  <a:schemeClr val="tx1"/>
+                </a:solidFill>
+                <a:latin typeface="+mn-lt"/>
+                <a:ea typeface="+mn-ea"/>
+                <a:cs typeface="+mn-cs"/>
+              </a:defRPr>
+            </a:lvl1pPr>
+            <a:lvl2pPr marL="457200" indent="0" algn="ctr" defTabSz="914400" rtl="0" eaLnBrk="1" latinLnBrk="0" hangingPunct="1">
+              <a:lnSpc>
+                <a:spcPct val="90000"/>
+              </a:lnSpc>
+              <a:spcBef>
+                <a:spcPts val="500"/>
+              </a:spcBef>
+              <a:buFont typeface="Arial" panose="020B0604020202020204" pitchFamily="34" charset="0"/>
+              <a:buNone/>
+              <a:defRPr sz="2000" kern="1200">
+                <a:solidFill>
+                  <a:schemeClr val="tx1"/>
+                </a:solidFill>
+                <a:latin typeface="+mn-lt"/>
+                <a:ea typeface="+mn-ea"/>
+                <a:cs typeface="+mn-cs"/>
+              </a:defRPr>
+            </a:lvl2pPr>
+            <a:lvl3pPr marL="914400" indent="0" algn="ctr" defTabSz="914400" rtl="0" eaLnBrk="1" latinLnBrk="0" hangingPunct="1">
+              <a:lnSpc>
+                <a:spcPct val="90000"/>
+              </a:lnSpc>
+              <a:spcBef>
+                <a:spcPts val="500"/>
+              </a:spcBef>
+              <a:buFont typeface="Arial" panose="020B0604020202020204" pitchFamily="34" charset="0"/>
+              <a:buNone/>
+              <a:defRPr sz="1800" kern="1200">
+                <a:solidFill>
+                  <a:schemeClr val="tx1"/>
+                </a:solidFill>
+                <a:latin typeface="+mn-lt"/>
+                <a:ea typeface="+mn-ea"/>
+                <a:cs typeface="+mn-cs"/>
+              </a:defRPr>
+            </a:lvl3pPr>
+            <a:lvl4pPr marL="1371600" indent="0" algn="ctr" defTabSz="914400" rtl="0" eaLnBrk="1" latinLnBrk="0" hangingPunct="1">
+              <a:lnSpc>
+                <a:spcPct val="90000"/>
+              </a:lnSpc>
+              <a:spcBef>
+                <a:spcPts val="500"/>
+              </a:spcBef>
+              <a:buFont typeface="Arial" panose="020B0604020202020204" pitchFamily="34" charset="0"/>
+              <a:buNone/>
+              <a:defRPr sz="1600" kern="1200">
+                <a:solidFill>
+                  <a:schemeClr val="tx1"/>
+                </a:solidFill>
+                <a:latin typeface="+mn-lt"/>
+                <a:ea typeface="+mn-ea"/>
+                <a:cs typeface="+mn-cs"/>
+              </a:defRPr>
+            </a:lvl4pPr>
+            <a:lvl5pPr marL="1828800" indent="0" algn="ctr" defTabSz="914400" rtl="0" eaLnBrk="1" latinLnBrk="0" hangingPunct="1">
+              <a:lnSpc>
+                <a:spcPct val="90000"/>
+              </a:lnSpc>
+              <a:spcBef>
+                <a:spcPts val="500"/>
+              </a:spcBef>
+              <a:buFont typeface="Arial" panose="020B0604020202020204" pitchFamily="34" charset="0"/>
+              <a:buNone/>
+              <a:defRPr sz="1600" kern="1200">
+                <a:solidFill>
+                  <a:schemeClr val="tx1"/>
+                </a:solidFill>
+                <a:latin typeface="+mn-lt"/>
+                <a:ea typeface="+mn-ea"/>
+                <a:cs typeface="+mn-cs"/>
+              </a:defRPr>
+            </a:lvl5pPr>
+            <a:lvl6pPr marL="2286000" indent="0" algn="ctr" defTabSz="914400" rtl="0" eaLnBrk="1" latinLnBrk="0" hangingPunct="1">
+              <a:lnSpc>
+                <a:spcPct val="90000"/>
+              </a:lnSpc>
+              <a:spcBef>
+                <a:spcPts val="500"/>
+              </a:spcBef>
+              <a:buFont typeface="Arial" panose="020B0604020202020204" pitchFamily="34" charset="0"/>
+              <a:buNone/>
+              <a:defRPr sz="1600" kern="1200">
+                <a:solidFill>
+                  <a:schemeClr val="tx1"/>
+                </a:solidFill>
+                <a:latin typeface="+mn-lt"/>
+                <a:ea typeface="+mn-ea"/>
+                <a:cs typeface="+mn-cs"/>
+              </a:defRPr>
+            </a:lvl6pPr>
+            <a:lvl7pPr marL="2743200" indent="0" algn="ctr" defTabSz="914400" rtl="0" eaLnBrk="1" latinLnBrk="0" hangingPunct="1">
+              <a:lnSpc>
+                <a:spcPct val="90000"/>
+              </a:lnSpc>
+              <a:spcBef>
+                <a:spcPts val="500"/>
+              </a:spcBef>
+              <a:buFont typeface="Arial" panose="020B0604020202020204" pitchFamily="34" charset="0"/>
+              <a:buNone/>
+              <a:defRPr sz="1600" kern="1200">
+                <a:solidFill>
+                  <a:schemeClr val="tx1"/>
+                </a:solidFill>
+                <a:latin typeface="+mn-lt"/>
+                <a:ea typeface="+mn-ea"/>
+                <a:cs typeface="+mn-cs"/>
+              </a:defRPr>
+            </a:lvl7pPr>
+            <a:lvl8pPr marL="3200400" indent="0" algn="ctr" defTabSz="914400" rtl="0" eaLnBrk="1" latinLnBrk="0" hangingPunct="1">
+              <a:lnSpc>
+                <a:spcPct val="90000"/>
+              </a:lnSpc>
+              <a:spcBef>
+                <a:spcPts val="500"/>
+              </a:spcBef>
+              <a:buFont typeface="Arial" panose="020B0604020202020204" pitchFamily="34" charset="0"/>
+              <a:buNone/>
+              <a:defRPr sz="1600" kern="1200">
+                <a:solidFill>
+                  <a:schemeClr val="tx1"/>
+                </a:solidFill>
+                <a:latin typeface="+mn-lt"/>
+                <a:ea typeface="+mn-ea"/>
+                <a:cs typeface="+mn-cs"/>
+              </a:defRPr>
+            </a:lvl8pPr>
+            <a:lvl9pPr marL="3657600" indent="0" algn="ctr" defTabSz="914400" rtl="0" eaLnBrk="1" latinLnBrk="0" hangingPunct="1">
+              <a:lnSpc>
+                <a:spcPct val="90000"/>
+              </a:lnSpc>
+              <a:spcBef>
+                <a:spcPts val="500"/>
+              </a:spcBef>
+              <a:buFont typeface="Arial" panose="020B0604020202020204" pitchFamily="34" charset="0"/>
+              <a:buNone/>
+              <a:defRPr sz="1600" kern="1200">
+                <a:solidFill>
+                  <a:schemeClr val="tx1"/>
+                </a:solidFill>
+                <a:latin typeface="+mn-lt"/>
+                <a:ea typeface="+mn-ea"/>
+                <a:cs typeface="+mn-cs"/>
+              </a:defRPr>
+            </a:lvl9pPr>
+          </a:lstStyle>
+          <a:p>
+            <a:pPr algn="l"/>
+            <a:r>
+              <a:rPr lang="es-AR" sz="2800" dirty="0">
+                <a:solidFill>
+                  <a:schemeClr val="bg1"/>
+                </a:solidFill>
+              </a:rPr>
+              <a:t>Ventajas:</a:t>
+            </a:r>
+          </a:p>
+          <a:p>
+            <a:pPr algn="l"/>
+            <a:endParaRPr lang="es-AR" sz="2800" dirty="0">
+              <a:solidFill>
+                <a:schemeClr val="bg1"/>
+              </a:solidFill>
+            </a:endParaRPr>
+          </a:p>
+          <a:p>
+            <a:pPr algn="l"/>
+            <a:r>
+              <a:rPr lang="es-AR" sz="2800" dirty="0">
+                <a:solidFill>
+                  <a:schemeClr val="bg1"/>
+                </a:solidFill>
+              </a:rPr>
+              <a:t>	</a:t>
+            </a:r>
+          </a:p>
+        </p:txBody>
+      </p:sp>
+      <p:pic>
+        <p:nvPicPr>
+          <p:cNvPr id="6" name="Picture 5"/>
+          <p:cNvPicPr>
+            <a:picLocks noChangeAspect="1"/>
+          </p:cNvPicPr>
+          <p:nvPr/>
+        </p:nvPicPr>
+        <p:blipFill>
+          <a:blip r:embed="rId2"/>
+          <a:stretch>
+            <a:fillRect/>
+          </a:stretch>
+        </p:blipFill>
+        <p:spPr>
+          <a:xfrm>
+            <a:off x="4405133" y="1721974"/>
+            <a:ext cx="7096122" cy="3444046"/>
+          </a:xfrm>
+          <a:prstGeom prst="rect">
+            <a:avLst/>
+          </a:prstGeom>
+        </p:spPr>
+      </p:pic>
+      <p:sp>
+        <p:nvSpPr>
+          <p:cNvPr id="7" name="Rectangle 6"/>
+          <p:cNvSpPr/>
+          <p:nvPr/>
+        </p:nvSpPr>
+        <p:spPr>
+          <a:xfrm>
+            <a:off x="335003" y="2196393"/>
+            <a:ext cx="4803667" cy="1938992"/>
+          </a:xfrm>
+          <a:prstGeom prst="rect">
+            <a:avLst/>
+          </a:prstGeom>
+        </p:spPr>
+        <p:txBody>
+          <a:bodyPr wrap="square">
+            <a:spAutoFit/>
+          </a:bodyPr>
+          <a:lstStyle/>
+          <a:p>
+            <a:r>
+              <a:rPr lang="es-AR" sz="2400" dirty="0">
+                <a:solidFill>
+                  <a:schemeClr val="bg1"/>
+                </a:solidFill>
+              </a:rPr>
+              <a:t>- pocos datos</a:t>
+            </a:r>
+          </a:p>
+          <a:p>
+            <a:r>
+              <a:rPr lang="es-AR" sz="2400" dirty="0">
+                <a:solidFill>
+                  <a:schemeClr val="bg1"/>
+                </a:solidFill>
+              </a:rPr>
+              <a:t>- </a:t>
+            </a:r>
+            <a:r>
+              <a:rPr lang="es-AR" sz="2400" dirty="0" err="1">
+                <a:solidFill>
+                  <a:schemeClr val="bg1"/>
+                </a:solidFill>
+              </a:rPr>
+              <a:t>pre-trained</a:t>
+            </a:r>
+            <a:r>
+              <a:rPr lang="es-AR" sz="2400" dirty="0">
+                <a:solidFill>
+                  <a:schemeClr val="bg1"/>
+                </a:solidFill>
+              </a:rPr>
+              <a:t> </a:t>
+            </a:r>
+            <a:r>
+              <a:rPr lang="es-AR" sz="2400" dirty="0" err="1">
+                <a:solidFill>
+                  <a:schemeClr val="bg1"/>
+                </a:solidFill>
+              </a:rPr>
+              <a:t>models</a:t>
+            </a:r>
+            <a:endParaRPr lang="es-AR" sz="2400" dirty="0">
+              <a:solidFill>
+                <a:schemeClr val="bg1"/>
+              </a:solidFill>
+            </a:endParaRPr>
+          </a:p>
+          <a:p>
+            <a:r>
+              <a:rPr lang="es-AR" sz="2400" dirty="0">
+                <a:solidFill>
+                  <a:schemeClr val="bg1"/>
+                </a:solidFill>
+              </a:rPr>
+              <a:t>- </a:t>
+            </a:r>
+            <a:r>
+              <a:rPr lang="es-AR" sz="2400" dirty="0" err="1">
+                <a:solidFill>
+                  <a:schemeClr val="bg1"/>
+                </a:solidFill>
+              </a:rPr>
+              <a:t>pre-trained</a:t>
+            </a:r>
+            <a:r>
+              <a:rPr lang="es-AR" sz="2400" dirty="0">
+                <a:solidFill>
+                  <a:schemeClr val="bg1"/>
+                </a:solidFill>
+              </a:rPr>
+              <a:t> </a:t>
+            </a:r>
+            <a:r>
+              <a:rPr lang="es-AR" sz="2400" dirty="0" err="1">
+                <a:solidFill>
+                  <a:schemeClr val="bg1"/>
+                </a:solidFill>
+              </a:rPr>
+              <a:t>embeddings</a:t>
+            </a:r>
+            <a:endParaRPr lang="es-AR" sz="2400" dirty="0">
+              <a:solidFill>
+                <a:schemeClr val="bg1"/>
+              </a:solidFill>
+            </a:endParaRPr>
+          </a:p>
+          <a:p>
+            <a:r>
+              <a:rPr lang="es-AR" sz="2400" dirty="0">
+                <a:solidFill>
+                  <a:schemeClr val="bg1"/>
+                </a:solidFill>
+              </a:rPr>
+              <a:t>- </a:t>
+            </a:r>
+            <a:r>
+              <a:rPr lang="es-AR" sz="2400" dirty="0" err="1">
+                <a:solidFill>
+                  <a:schemeClr val="bg1"/>
+                </a:solidFill>
+              </a:rPr>
+              <a:t>Simulations</a:t>
+            </a:r>
+            <a:endParaRPr lang="es-AR" sz="2400" dirty="0">
+              <a:solidFill>
+                <a:schemeClr val="bg1"/>
+              </a:solidFill>
+            </a:endParaRPr>
+          </a:p>
+          <a:p>
+            <a:r>
+              <a:rPr lang="es-AR" sz="2400" dirty="0">
+                <a:solidFill>
+                  <a:schemeClr val="bg1"/>
+                </a:solidFill>
+              </a:rPr>
+              <a:t>- Cambio de dominio</a:t>
+            </a:r>
+          </a:p>
+        </p:txBody>
+      </p:sp>
+    </p:spTree>
+    <p:extLst>
+      <p:ext uri="{BB962C8B-B14F-4D97-AF65-F5344CB8AC3E}">
+        <p14:creationId xmlns:p14="http://schemas.microsoft.com/office/powerpoint/2010/main" val="2145966389"/>
+      </p:ext>
+    </p:extLst>
+  </p:cSld>
+  <p:clrMapOvr>
+    <a:masterClrMapping/>
+  </p:clrMapOvr>
+</p:sld>
+</file>
+
+<file path=ppt/slides/slide4.xml><?xml version="1.0" encoding="utf-8"?>
 <p:sld xmlns:a="http://schemas.openxmlformats.org/drawingml/2006/main" xmlns:r="http://schemas.openxmlformats.org/officeDocument/2006/relationships" xmlns:p="http://schemas.openxmlformats.org/presentationml/2006/main">
   <p:cSld>
     <p:spTree>
@@ -22516,642 +23669,6 @@
     <p:extLst>
       <p:ext uri="{BB962C8B-B14F-4D97-AF65-F5344CB8AC3E}">
         <p14:creationId xmlns:p14="http://schemas.microsoft.com/office/powerpoint/2010/main" val="2159571415"/>
-      </p:ext>
-    </p:extLst>
-  </p:cSld>
-  <p:clrMapOvr>
-    <a:masterClrMapping/>
-  </p:clrMapOvr>
-</p:sld>
-</file>
-
-<file path=ppt/slides/slide4.xml><?xml version="1.0" encoding="utf-8"?>
-<p:sld xmlns:a="http://schemas.openxmlformats.org/drawingml/2006/main" xmlns:r="http://schemas.openxmlformats.org/officeDocument/2006/relationships" xmlns:p="http://schemas.openxmlformats.org/presentationml/2006/main">
-  <p:cSld>
-    <p:spTree>
-      <p:nvGrpSpPr>
-        <p:cNvPr id="1" name=""/>
-        <p:cNvGrpSpPr/>
-        <p:nvPr/>
-      </p:nvGrpSpPr>
-      <p:grpSpPr>
-        <a:xfrm>
-          <a:off x="0" y="0"/>
-          <a:ext cx="0" cy="0"/>
-          <a:chOff x="0" y="0"/>
-          <a:chExt cx="0" cy="0"/>
-        </a:xfrm>
-      </p:grpSpPr>
-      <p:sp>
-        <p:nvSpPr>
-          <p:cNvPr id="4" name="Subtitle 1"/>
-          <p:cNvSpPr txBox="1">
-            <a:spLocks/>
-          </p:cNvSpPr>
-          <p:nvPr/>
-        </p:nvSpPr>
-        <p:spPr>
-          <a:xfrm>
-            <a:off x="-159657" y="0"/>
-            <a:ext cx="12511314" cy="1085871"/>
-          </a:xfrm>
-          <a:prstGeom prst="rect">
-            <a:avLst/>
-          </a:prstGeom>
-        </p:spPr>
-        <p:txBody>
-          <a:bodyPr vert="horz" lIns="91440" tIns="45720" rIns="91440" bIns="45720" rtlCol="0">
-            <a:noAutofit/>
-          </a:bodyPr>
-          <a:lstStyle>
-            <a:lvl1pPr marL="228600" indent="-228600" algn="l" defTabSz="914400" rtl="0" eaLnBrk="1" latinLnBrk="0" hangingPunct="1">
-              <a:lnSpc>
-                <a:spcPct val="120000"/>
-              </a:lnSpc>
-              <a:spcBef>
-                <a:spcPts val="1000"/>
-              </a:spcBef>
-              <a:buSzPct val="125000"/>
-              <a:buFont typeface="Arial" panose="020B0604020202020204" pitchFamily="34" charset="0"/>
-              <a:buChar char="•"/>
-              <a:defRPr sz="2400" kern="1200">
-                <a:solidFill>
-                  <a:schemeClr val="tx1"/>
-                </a:solidFill>
-                <a:latin typeface="+mn-lt"/>
-                <a:ea typeface="+mn-ea"/>
-                <a:cs typeface="+mn-cs"/>
-              </a:defRPr>
-            </a:lvl1pPr>
-            <a:lvl2pPr marL="685800" indent="-228600" algn="l" defTabSz="914400" rtl="0" eaLnBrk="1" latinLnBrk="0" hangingPunct="1">
-              <a:lnSpc>
-                <a:spcPct val="120000"/>
-              </a:lnSpc>
-              <a:spcBef>
-                <a:spcPts val="500"/>
-              </a:spcBef>
-              <a:buSzPct val="125000"/>
-              <a:buFont typeface="Arial" panose="020B0604020202020204" pitchFamily="34" charset="0"/>
-              <a:buChar char="•"/>
-              <a:defRPr sz="2000" kern="1200">
-                <a:solidFill>
-                  <a:schemeClr val="tx1"/>
-                </a:solidFill>
-                <a:latin typeface="+mn-lt"/>
-                <a:ea typeface="+mn-ea"/>
-                <a:cs typeface="+mn-cs"/>
-              </a:defRPr>
-            </a:lvl2pPr>
-            <a:lvl3pPr marL="1143000" indent="-228600" algn="l" defTabSz="914400" rtl="0" eaLnBrk="1" latinLnBrk="0" hangingPunct="1">
-              <a:lnSpc>
-                <a:spcPct val="120000"/>
-              </a:lnSpc>
-              <a:spcBef>
-                <a:spcPts val="500"/>
-              </a:spcBef>
-              <a:buSzPct val="125000"/>
-              <a:buFont typeface="Arial" panose="020B0604020202020204" pitchFamily="34" charset="0"/>
-              <a:buChar char="•"/>
-              <a:defRPr sz="1800" kern="1200">
-                <a:solidFill>
-                  <a:schemeClr val="tx1"/>
-                </a:solidFill>
-                <a:latin typeface="+mn-lt"/>
-                <a:ea typeface="+mn-ea"/>
-                <a:cs typeface="+mn-cs"/>
-              </a:defRPr>
-            </a:lvl3pPr>
-            <a:lvl4pPr marL="1600200" indent="-228600" algn="l" defTabSz="914400" rtl="0" eaLnBrk="1" latinLnBrk="0" hangingPunct="1">
-              <a:lnSpc>
-                <a:spcPct val="120000"/>
-              </a:lnSpc>
-              <a:spcBef>
-                <a:spcPts val="500"/>
-              </a:spcBef>
-              <a:buSzPct val="125000"/>
-              <a:buFont typeface="Arial" panose="020B0604020202020204" pitchFamily="34" charset="0"/>
-              <a:buChar char="•"/>
-              <a:defRPr sz="1600" kern="1200">
-                <a:solidFill>
-                  <a:schemeClr val="tx1"/>
-                </a:solidFill>
-                <a:latin typeface="+mn-lt"/>
-                <a:ea typeface="+mn-ea"/>
-                <a:cs typeface="+mn-cs"/>
-              </a:defRPr>
-            </a:lvl4pPr>
-            <a:lvl5pPr marL="2057400" indent="-228600" algn="l" defTabSz="914400" rtl="0" eaLnBrk="1" latinLnBrk="0" hangingPunct="1">
-              <a:lnSpc>
-                <a:spcPct val="120000"/>
-              </a:lnSpc>
-              <a:spcBef>
-                <a:spcPts val="500"/>
-              </a:spcBef>
-              <a:buSzPct val="125000"/>
-              <a:buFont typeface="Arial" panose="020B0604020202020204" pitchFamily="34" charset="0"/>
-              <a:buChar char="•"/>
-              <a:defRPr sz="1600" kern="1200">
-                <a:solidFill>
-                  <a:schemeClr val="tx1"/>
-                </a:solidFill>
-                <a:latin typeface="+mn-lt"/>
-                <a:ea typeface="+mn-ea"/>
-                <a:cs typeface="+mn-cs"/>
-              </a:defRPr>
-            </a:lvl5pPr>
-            <a:lvl6pPr marL="2514600" indent="-228600" algn="l" defTabSz="914400" rtl="0" eaLnBrk="1" latinLnBrk="0" hangingPunct="1">
-              <a:lnSpc>
-                <a:spcPct val="120000"/>
-              </a:lnSpc>
-              <a:spcBef>
-                <a:spcPts val="500"/>
-              </a:spcBef>
-              <a:buSzPct val="125000"/>
-              <a:buFont typeface="Arial" panose="020B0604020202020204" pitchFamily="34" charset="0"/>
-              <a:buChar char="•"/>
-              <a:defRPr sz="1400" kern="1200">
-                <a:solidFill>
-                  <a:schemeClr val="tx1"/>
-                </a:solidFill>
-                <a:latin typeface="+mn-lt"/>
-                <a:ea typeface="+mn-ea"/>
-                <a:cs typeface="+mn-cs"/>
-              </a:defRPr>
-            </a:lvl6pPr>
-            <a:lvl7pPr marL="2971800" indent="-228600" algn="l" defTabSz="914400" rtl="0" eaLnBrk="1" latinLnBrk="0" hangingPunct="1">
-              <a:lnSpc>
-                <a:spcPct val="120000"/>
-              </a:lnSpc>
-              <a:spcBef>
-                <a:spcPts val="500"/>
-              </a:spcBef>
-              <a:buSzPct val="125000"/>
-              <a:buFont typeface="Arial" panose="020B0604020202020204" pitchFamily="34" charset="0"/>
-              <a:buChar char="•"/>
-              <a:defRPr sz="1400" kern="1200">
-                <a:solidFill>
-                  <a:schemeClr val="tx1"/>
-                </a:solidFill>
-                <a:latin typeface="+mn-lt"/>
-                <a:ea typeface="+mn-ea"/>
-                <a:cs typeface="+mn-cs"/>
-              </a:defRPr>
-            </a:lvl7pPr>
-            <a:lvl8pPr marL="3429000" indent="-228600" algn="l" defTabSz="914400" rtl="0" eaLnBrk="1" latinLnBrk="0" hangingPunct="1">
-              <a:lnSpc>
-                <a:spcPct val="120000"/>
-              </a:lnSpc>
-              <a:spcBef>
-                <a:spcPts val="500"/>
-              </a:spcBef>
-              <a:buSzPct val="125000"/>
-              <a:buFont typeface="Arial" panose="020B0604020202020204" pitchFamily="34" charset="0"/>
-              <a:buChar char="•"/>
-              <a:defRPr sz="1400" kern="1200">
-                <a:solidFill>
-                  <a:schemeClr val="tx1"/>
-                </a:solidFill>
-                <a:latin typeface="+mn-lt"/>
-                <a:ea typeface="+mn-ea"/>
-                <a:cs typeface="+mn-cs"/>
-              </a:defRPr>
-            </a:lvl8pPr>
-            <a:lvl9pPr marL="3886200" indent="-228600" algn="l" defTabSz="914400" rtl="0" eaLnBrk="1" latinLnBrk="0" hangingPunct="1">
-              <a:lnSpc>
-                <a:spcPct val="120000"/>
-              </a:lnSpc>
-              <a:spcBef>
-                <a:spcPts val="500"/>
-              </a:spcBef>
-              <a:buSzPct val="125000"/>
-              <a:buFont typeface="Arial" panose="020B0604020202020204" pitchFamily="34" charset="0"/>
-              <a:buChar char="•"/>
-              <a:defRPr sz="1400" kern="1200">
-                <a:solidFill>
-                  <a:schemeClr val="tx1"/>
-                </a:solidFill>
-                <a:latin typeface="+mn-lt"/>
-                <a:ea typeface="+mn-ea"/>
-                <a:cs typeface="+mn-cs"/>
-              </a:defRPr>
-            </a:lvl9pPr>
-          </a:lstStyle>
-          <a:p>
-            <a:pPr marL="0" indent="0" algn="ctr">
-              <a:buNone/>
-            </a:pPr>
-            <a:r>
-              <a:rPr lang="es-AR" sz="3200" dirty="0">
-                <a:solidFill>
-                  <a:schemeClr val="bg1"/>
-                </a:solidFill>
-              </a:rPr>
-              <a:t>Transfer </a:t>
-            </a:r>
-            <a:r>
-              <a:rPr lang="es-AR" sz="3200" dirty="0" err="1">
-                <a:solidFill>
-                  <a:schemeClr val="bg1"/>
-                </a:solidFill>
-              </a:rPr>
-              <a:t>Learning</a:t>
-            </a:r>
-            <a:endParaRPr lang="es-AR" sz="3200" dirty="0">
-              <a:solidFill>
-                <a:schemeClr val="bg1"/>
-              </a:solidFill>
-            </a:endParaRPr>
-          </a:p>
-        </p:txBody>
-      </p:sp>
-      <p:pic>
-        <p:nvPicPr>
-          <p:cNvPr id="9" name="Imagen 8" descr="Diagrama&#10;&#10;Descripción generada automáticamente">
-            <a:extLst>
-              <a:ext uri="{FF2B5EF4-FFF2-40B4-BE49-F238E27FC236}">
-                <a16:creationId xmlns:a16="http://schemas.microsoft.com/office/drawing/2014/main" id="{CAD75AC6-F426-A89B-6E22-7D517D91405C}"/>
-              </a:ext>
-            </a:extLst>
-          </p:cNvPr>
-          <p:cNvPicPr>
-            <a:picLocks noChangeAspect="1"/>
-          </p:cNvPicPr>
-          <p:nvPr/>
-        </p:nvPicPr>
-        <p:blipFill rotWithShape="1">
-          <a:blip r:embed="rId2">
-            <a:extLst>
-              <a:ext uri="{28A0092B-C50C-407E-A947-70E740481C1C}">
-                <a14:useLocalDpi xmlns:a14="http://schemas.microsoft.com/office/drawing/2010/main" val="0"/>
-              </a:ext>
-            </a:extLst>
-          </a:blip>
-          <a:srcRect b="5426"/>
-          <a:stretch/>
-        </p:blipFill>
-        <p:spPr>
-          <a:xfrm>
-            <a:off x="1041219" y="1291203"/>
-            <a:ext cx="10109559" cy="5145602"/>
-          </a:xfrm>
-          <a:prstGeom prst="rect">
-            <a:avLst/>
-          </a:prstGeom>
-        </p:spPr>
-      </p:pic>
-      <p:sp>
-        <p:nvSpPr>
-          <p:cNvPr id="6" name="Subtitle 1">
-            <a:extLst>
-              <a:ext uri="{FF2B5EF4-FFF2-40B4-BE49-F238E27FC236}">
-                <a16:creationId xmlns:a16="http://schemas.microsoft.com/office/drawing/2014/main" id="{0B1F693C-35A7-B023-F5EE-281D7DA45931}"/>
-              </a:ext>
-            </a:extLst>
-          </p:cNvPr>
-          <p:cNvSpPr txBox="1">
-            <a:spLocks/>
-          </p:cNvSpPr>
-          <p:nvPr/>
-        </p:nvSpPr>
-        <p:spPr>
-          <a:xfrm>
-            <a:off x="1558979" y="743305"/>
-            <a:ext cx="9074040" cy="685131"/>
-          </a:xfrm>
-          <a:prstGeom prst="rect">
-            <a:avLst/>
-          </a:prstGeom>
-        </p:spPr>
-        <p:txBody>
-          <a:bodyPr vert="horz" lIns="91440" tIns="45720" rIns="91440" bIns="45720" rtlCol="0">
-            <a:noAutofit/>
-          </a:bodyPr>
-          <a:lstStyle>
-            <a:lvl1pPr marL="0" indent="0" algn="ctr" defTabSz="914400" rtl="0" eaLnBrk="1" latinLnBrk="0" hangingPunct="1">
-              <a:lnSpc>
-                <a:spcPct val="90000"/>
-              </a:lnSpc>
-              <a:spcBef>
-                <a:spcPts val="1000"/>
-              </a:spcBef>
-              <a:buFont typeface="Arial" panose="020B0604020202020204" pitchFamily="34" charset="0"/>
-              <a:buNone/>
-              <a:defRPr sz="2400" kern="1200">
-                <a:solidFill>
-                  <a:schemeClr val="tx1"/>
-                </a:solidFill>
-                <a:latin typeface="+mn-lt"/>
-                <a:ea typeface="+mn-ea"/>
-                <a:cs typeface="+mn-cs"/>
-              </a:defRPr>
-            </a:lvl1pPr>
-            <a:lvl2pPr marL="457200" indent="0" algn="ctr" defTabSz="914400" rtl="0" eaLnBrk="1" latinLnBrk="0" hangingPunct="1">
-              <a:lnSpc>
-                <a:spcPct val="90000"/>
-              </a:lnSpc>
-              <a:spcBef>
-                <a:spcPts val="500"/>
-              </a:spcBef>
-              <a:buFont typeface="Arial" panose="020B0604020202020204" pitchFamily="34" charset="0"/>
-              <a:buNone/>
-              <a:defRPr sz="2000" kern="1200">
-                <a:solidFill>
-                  <a:schemeClr val="tx1"/>
-                </a:solidFill>
-                <a:latin typeface="+mn-lt"/>
-                <a:ea typeface="+mn-ea"/>
-                <a:cs typeface="+mn-cs"/>
-              </a:defRPr>
-            </a:lvl2pPr>
-            <a:lvl3pPr marL="914400" indent="0" algn="ctr" defTabSz="914400" rtl="0" eaLnBrk="1" latinLnBrk="0" hangingPunct="1">
-              <a:lnSpc>
-                <a:spcPct val="90000"/>
-              </a:lnSpc>
-              <a:spcBef>
-                <a:spcPts val="500"/>
-              </a:spcBef>
-              <a:buFont typeface="Arial" panose="020B0604020202020204" pitchFamily="34" charset="0"/>
-              <a:buNone/>
-              <a:defRPr sz="1800" kern="1200">
-                <a:solidFill>
-                  <a:schemeClr val="tx1"/>
-                </a:solidFill>
-                <a:latin typeface="+mn-lt"/>
-                <a:ea typeface="+mn-ea"/>
-                <a:cs typeface="+mn-cs"/>
-              </a:defRPr>
-            </a:lvl3pPr>
-            <a:lvl4pPr marL="1371600" indent="0" algn="ctr" defTabSz="914400" rtl="0" eaLnBrk="1" latinLnBrk="0" hangingPunct="1">
-              <a:lnSpc>
-                <a:spcPct val="90000"/>
-              </a:lnSpc>
-              <a:spcBef>
-                <a:spcPts val="500"/>
-              </a:spcBef>
-              <a:buFont typeface="Arial" panose="020B0604020202020204" pitchFamily="34" charset="0"/>
-              <a:buNone/>
-              <a:defRPr sz="1600" kern="1200">
-                <a:solidFill>
-                  <a:schemeClr val="tx1"/>
-                </a:solidFill>
-                <a:latin typeface="+mn-lt"/>
-                <a:ea typeface="+mn-ea"/>
-                <a:cs typeface="+mn-cs"/>
-              </a:defRPr>
-            </a:lvl4pPr>
-            <a:lvl5pPr marL="1828800" indent="0" algn="ctr" defTabSz="914400" rtl="0" eaLnBrk="1" latinLnBrk="0" hangingPunct="1">
-              <a:lnSpc>
-                <a:spcPct val="90000"/>
-              </a:lnSpc>
-              <a:spcBef>
-                <a:spcPts val="500"/>
-              </a:spcBef>
-              <a:buFont typeface="Arial" panose="020B0604020202020204" pitchFamily="34" charset="0"/>
-              <a:buNone/>
-              <a:defRPr sz="1600" kern="1200">
-                <a:solidFill>
-                  <a:schemeClr val="tx1"/>
-                </a:solidFill>
-                <a:latin typeface="+mn-lt"/>
-                <a:ea typeface="+mn-ea"/>
-                <a:cs typeface="+mn-cs"/>
-              </a:defRPr>
-            </a:lvl5pPr>
-            <a:lvl6pPr marL="2286000" indent="0" algn="ctr" defTabSz="914400" rtl="0" eaLnBrk="1" latinLnBrk="0" hangingPunct="1">
-              <a:lnSpc>
-                <a:spcPct val="90000"/>
-              </a:lnSpc>
-              <a:spcBef>
-                <a:spcPts val="500"/>
-              </a:spcBef>
-              <a:buFont typeface="Arial" panose="020B0604020202020204" pitchFamily="34" charset="0"/>
-              <a:buNone/>
-              <a:defRPr sz="1600" kern="1200">
-                <a:solidFill>
-                  <a:schemeClr val="tx1"/>
-                </a:solidFill>
-                <a:latin typeface="+mn-lt"/>
-                <a:ea typeface="+mn-ea"/>
-                <a:cs typeface="+mn-cs"/>
-              </a:defRPr>
-            </a:lvl6pPr>
-            <a:lvl7pPr marL="2743200" indent="0" algn="ctr" defTabSz="914400" rtl="0" eaLnBrk="1" latinLnBrk="0" hangingPunct="1">
-              <a:lnSpc>
-                <a:spcPct val="90000"/>
-              </a:lnSpc>
-              <a:spcBef>
-                <a:spcPts val="500"/>
-              </a:spcBef>
-              <a:buFont typeface="Arial" panose="020B0604020202020204" pitchFamily="34" charset="0"/>
-              <a:buNone/>
-              <a:defRPr sz="1600" kern="1200">
-                <a:solidFill>
-                  <a:schemeClr val="tx1"/>
-                </a:solidFill>
-                <a:latin typeface="+mn-lt"/>
-                <a:ea typeface="+mn-ea"/>
-                <a:cs typeface="+mn-cs"/>
-              </a:defRPr>
-            </a:lvl7pPr>
-            <a:lvl8pPr marL="3200400" indent="0" algn="ctr" defTabSz="914400" rtl="0" eaLnBrk="1" latinLnBrk="0" hangingPunct="1">
-              <a:lnSpc>
-                <a:spcPct val="90000"/>
-              </a:lnSpc>
-              <a:spcBef>
-                <a:spcPts val="500"/>
-              </a:spcBef>
-              <a:buFont typeface="Arial" panose="020B0604020202020204" pitchFamily="34" charset="0"/>
-              <a:buNone/>
-              <a:defRPr sz="1600" kern="1200">
-                <a:solidFill>
-                  <a:schemeClr val="tx1"/>
-                </a:solidFill>
-                <a:latin typeface="+mn-lt"/>
-                <a:ea typeface="+mn-ea"/>
-                <a:cs typeface="+mn-cs"/>
-              </a:defRPr>
-            </a:lvl8pPr>
-            <a:lvl9pPr marL="3657600" indent="0" algn="ctr" defTabSz="914400" rtl="0" eaLnBrk="1" latinLnBrk="0" hangingPunct="1">
-              <a:lnSpc>
-                <a:spcPct val="90000"/>
-              </a:lnSpc>
-              <a:spcBef>
-                <a:spcPts val="500"/>
-              </a:spcBef>
-              <a:buFont typeface="Arial" panose="020B0604020202020204" pitchFamily="34" charset="0"/>
-              <a:buNone/>
-              <a:defRPr sz="1600" kern="1200">
-                <a:solidFill>
-                  <a:schemeClr val="tx1"/>
-                </a:solidFill>
-                <a:latin typeface="+mn-lt"/>
-                <a:ea typeface="+mn-ea"/>
-                <a:cs typeface="+mn-cs"/>
-              </a:defRPr>
-            </a:lvl9pPr>
-          </a:lstStyle>
-          <a:p>
-            <a:pPr algn="l"/>
-            <a:r>
-              <a:rPr lang="es-AR" sz="2800" dirty="0">
-                <a:solidFill>
-                  <a:schemeClr val="bg1"/>
-                </a:solidFill>
-              </a:rPr>
-              <a:t>Adaptación de modelo base para cumplir la tarea específica</a:t>
-            </a:r>
-          </a:p>
-        </p:txBody>
-      </p:sp>
-      <p:sp>
-        <p:nvSpPr>
-          <p:cNvPr id="7" name="Rectángulo 6">
-            <a:extLst>
-              <a:ext uri="{FF2B5EF4-FFF2-40B4-BE49-F238E27FC236}">
-                <a16:creationId xmlns:a16="http://schemas.microsoft.com/office/drawing/2014/main" id="{61C14DF4-D601-9FFD-0A11-E03B498DF495}"/>
-              </a:ext>
-            </a:extLst>
-          </p:cNvPr>
-          <p:cNvSpPr/>
-          <p:nvPr/>
-        </p:nvSpPr>
-        <p:spPr>
-          <a:xfrm>
-            <a:off x="9369286" y="4876800"/>
-            <a:ext cx="940905" cy="318052"/>
-          </a:xfrm>
-          <a:prstGeom prst="rect">
-            <a:avLst/>
-          </a:prstGeom>
-          <a:solidFill>
-            <a:schemeClr val="tx1"/>
-          </a:solidFill>
-          <a:ln>
-            <a:solidFill>
-              <a:schemeClr val="tx1"/>
-            </a:solidFill>
-          </a:ln>
-        </p:spPr>
-        <p:style>
-          <a:lnRef idx="2">
-            <a:schemeClr val="accent1">
-              <a:shade val="50000"/>
-            </a:schemeClr>
-          </a:lnRef>
-          <a:fillRef idx="1">
-            <a:schemeClr val="accent1"/>
-          </a:fillRef>
-          <a:effectRef idx="0">
-            <a:schemeClr val="accent1"/>
-          </a:effectRef>
-          <a:fontRef idx="minor">
-            <a:schemeClr val="lt1"/>
-          </a:fontRef>
-        </p:style>
-        <p:txBody>
-          <a:bodyPr rtlCol="0" anchor="ctr"/>
-          <a:lstStyle/>
-          <a:p>
-            <a:pPr algn="ctr"/>
-            <a:endParaRPr lang="es-AR"/>
-          </a:p>
-        </p:txBody>
-      </p:sp>
-      <p:sp>
-        <p:nvSpPr>
-          <p:cNvPr id="8" name="Rectángulo 7">
-            <a:extLst>
-              <a:ext uri="{FF2B5EF4-FFF2-40B4-BE49-F238E27FC236}">
-                <a16:creationId xmlns:a16="http://schemas.microsoft.com/office/drawing/2014/main" id="{BAECB4F2-1E11-B922-893C-8D96EE926D04}"/>
-              </a:ext>
-            </a:extLst>
-          </p:cNvPr>
-          <p:cNvSpPr/>
-          <p:nvPr/>
-        </p:nvSpPr>
-        <p:spPr>
-          <a:xfrm>
-            <a:off x="8918713" y="3854391"/>
-            <a:ext cx="450573" cy="1340461"/>
-          </a:xfrm>
-          <a:prstGeom prst="rect">
-            <a:avLst/>
-          </a:prstGeom>
-          <a:noFill/>
-          <a:ln w="38100">
-            <a:solidFill>
-              <a:srgbClr val="FF0000"/>
-            </a:solidFill>
-          </a:ln>
-        </p:spPr>
-        <p:style>
-          <a:lnRef idx="2">
-            <a:schemeClr val="accent1">
-              <a:shade val="50000"/>
-            </a:schemeClr>
-          </a:lnRef>
-          <a:fillRef idx="1">
-            <a:schemeClr val="accent1"/>
-          </a:fillRef>
-          <a:effectRef idx="0">
-            <a:schemeClr val="accent1"/>
-          </a:effectRef>
-          <a:fontRef idx="minor">
-            <a:schemeClr val="lt1"/>
-          </a:fontRef>
-        </p:style>
-        <p:txBody>
-          <a:bodyPr rtlCol="0" anchor="ctr"/>
-          <a:lstStyle/>
-          <a:p>
-            <a:pPr algn="ctr"/>
-            <a:endParaRPr lang="es-AR"/>
-          </a:p>
-        </p:txBody>
-      </p:sp>
-      <p:sp>
-        <p:nvSpPr>
-          <p:cNvPr id="10" name="CuadroTexto 9">
-            <a:extLst>
-              <a:ext uri="{FF2B5EF4-FFF2-40B4-BE49-F238E27FC236}">
-                <a16:creationId xmlns:a16="http://schemas.microsoft.com/office/drawing/2014/main" id="{8A4AC9A4-ECB8-4DF2-7952-1B11551758AE}"/>
-              </a:ext>
-            </a:extLst>
-          </p:cNvPr>
-          <p:cNvSpPr txBox="1"/>
-          <p:nvPr/>
-        </p:nvSpPr>
-        <p:spPr>
-          <a:xfrm>
-            <a:off x="9554697" y="3191896"/>
-            <a:ext cx="1410671" cy="400110"/>
-          </a:xfrm>
-          <a:prstGeom prst="rect">
-            <a:avLst/>
-          </a:prstGeom>
-          <a:noFill/>
-        </p:spPr>
-        <p:txBody>
-          <a:bodyPr wrap="square">
-            <a:spAutoFit/>
-          </a:bodyPr>
-          <a:lstStyle/>
-          <a:p>
-            <a:r>
-              <a:rPr lang="es-AR" sz="2000" dirty="0">
-                <a:solidFill>
-                  <a:srgbClr val="FF0000"/>
-                </a:solidFill>
-              </a:rPr>
-              <a:t>Nuevo!</a:t>
-            </a:r>
-          </a:p>
-        </p:txBody>
-      </p:sp>
-    </p:spTree>
-    <p:extLst>
-      <p:ext uri="{BB962C8B-B14F-4D97-AF65-F5344CB8AC3E}">
-        <p14:creationId xmlns:p14="http://schemas.microsoft.com/office/powerpoint/2010/main" val="1421392979"/>
       </p:ext>
     </p:extLst>
   </p:cSld>
@@ -24869,9 +25386,50 @@
           </a:p>
         </p:txBody>
       </p:sp>
+      <p:pic>
+        <p:nvPicPr>
+          <p:cNvPr id="9" name="Imagen 8" descr="Diagrama&#10;&#10;Descripción generada automáticamente">
+            <a:extLst>
+              <a:ext uri="{FF2B5EF4-FFF2-40B4-BE49-F238E27FC236}">
+                <a16:creationId xmlns:a16="http://schemas.microsoft.com/office/drawing/2014/main" id="{CAD75AC6-F426-A89B-6E22-7D517D91405C}"/>
+              </a:ext>
+            </a:extLst>
+          </p:cNvPr>
+          <p:cNvPicPr>
+            <a:picLocks noChangeAspect="1"/>
+          </p:cNvPicPr>
+          <p:nvPr/>
+        </p:nvPicPr>
+        <p:blipFill rotWithShape="1">
+          <a:blip r:embed="rId2">
+            <a:extLst>
+              <a:ext uri="{28A0092B-C50C-407E-A947-70E740481C1C}">
+                <a14:useLocalDpi xmlns:a14="http://schemas.microsoft.com/office/drawing/2010/main" val="0"/>
+              </a:ext>
+            </a:extLst>
+          </a:blip>
+          <a:srcRect b="5426"/>
+          <a:stretch/>
+        </p:blipFill>
+        <p:spPr>
+          <a:xfrm>
+            <a:off x="1041219" y="1291203"/>
+            <a:ext cx="10109559" cy="5145602"/>
+          </a:xfrm>
+          <a:prstGeom prst="rect">
+            <a:avLst/>
+          </a:prstGeom>
+        </p:spPr>
+      </p:pic>
       <p:sp>
         <p:nvSpPr>
-          <p:cNvPr id="5" name="Subtitle 1"/>
+          <p:cNvPr id="6" name="Subtitle 1">
+            <a:extLst>
+              <a:ext uri="{FF2B5EF4-FFF2-40B4-BE49-F238E27FC236}">
+                <a16:creationId xmlns:a16="http://schemas.microsoft.com/office/drawing/2014/main" id="{0B1F693C-35A7-B023-F5EE-281D7DA45931}"/>
+              </a:ext>
+            </a:extLst>
+          </p:cNvPr>
           <p:cNvSpPr txBox="1">
             <a:spLocks/>
           </p:cNvSpPr>
@@ -24879,8 +25437,8 @@
         </p:nvSpPr>
         <p:spPr>
           <a:xfrm>
-            <a:off x="335003" y="852121"/>
-            <a:ext cx="11521994" cy="1092590"/>
+            <a:off x="1558979" y="743305"/>
+            <a:ext cx="9074040" cy="685131"/>
           </a:xfrm>
           <a:prstGeom prst="rect">
             <a:avLst/>
@@ -25062,68 +25620,138 @@
                   <a:schemeClr val="bg1"/>
                 </a:solidFill>
               </a:rPr>
-              <a:t>Ventajas:</a:t>
-            </a:r>
-          </a:p>
-          <a:p>
-            <a:pPr algn="l"/>
-            <a:endParaRPr lang="es-AR" sz="2800" dirty="0">
-              <a:solidFill>
-                <a:schemeClr val="bg1"/>
-              </a:solidFill>
-            </a:endParaRPr>
-          </a:p>
-          <a:p>
-            <a:pPr algn="l"/>
-            <a:r>
-              <a:rPr lang="es-AR" sz="2800" dirty="0">
-                <a:solidFill>
-                  <a:schemeClr val="bg1"/>
-                </a:solidFill>
-              </a:rPr>
-              <a:t>	</a:t>
+              <a:t>Adaptación de modelo base para cumplir la tarea específica</a:t>
             </a:r>
           </a:p>
         </p:txBody>
       </p:sp>
-      <p:pic>
-        <p:nvPicPr>
-          <p:cNvPr id="6" name="Picture 5"/>
-          <p:cNvPicPr>
-            <a:picLocks noChangeAspect="1"/>
-          </p:cNvPicPr>
-          <p:nvPr/>
-        </p:nvPicPr>
-        <p:blipFill>
-          <a:blip r:embed="rId2"/>
-          <a:stretch>
-            <a:fillRect/>
-          </a:stretch>
-        </p:blipFill>
-        <p:spPr>
-          <a:xfrm>
-            <a:off x="4405133" y="1721974"/>
-            <a:ext cx="7096122" cy="3444046"/>
-          </a:xfrm>
-          <a:prstGeom prst="rect">
-            <a:avLst/>
-          </a:prstGeom>
-        </p:spPr>
-      </p:pic>
       <p:sp>
         <p:nvSpPr>
-          <p:cNvPr id="7" name="Rectangle 6"/>
+          <p:cNvPr id="7" name="Rectángulo 6">
+            <a:extLst>
+              <a:ext uri="{FF2B5EF4-FFF2-40B4-BE49-F238E27FC236}">
+                <a16:creationId xmlns:a16="http://schemas.microsoft.com/office/drawing/2014/main" id="{61C14DF4-D601-9FFD-0A11-E03B498DF495}"/>
+              </a:ext>
+            </a:extLst>
+          </p:cNvPr>
           <p:cNvSpPr/>
           <p:nvPr/>
         </p:nvSpPr>
         <p:spPr>
           <a:xfrm>
-            <a:off x="335003" y="2196393"/>
-            <a:ext cx="4803667" cy="1938992"/>
+            <a:off x="9369286" y="4876800"/>
+            <a:ext cx="940905" cy="318052"/>
           </a:xfrm>
           <a:prstGeom prst="rect">
             <a:avLst/>
           </a:prstGeom>
+          <a:solidFill>
+            <a:schemeClr val="tx1"/>
+          </a:solidFill>
+          <a:ln>
+            <a:solidFill>
+              <a:schemeClr val="tx1"/>
+            </a:solidFill>
+          </a:ln>
+        </p:spPr>
+        <p:style>
+          <a:lnRef idx="2">
+            <a:schemeClr val="accent1">
+              <a:shade val="50000"/>
+            </a:schemeClr>
+          </a:lnRef>
+          <a:fillRef idx="1">
+            <a:schemeClr val="accent1"/>
+          </a:fillRef>
+          <a:effectRef idx="0">
+            <a:schemeClr val="accent1"/>
+          </a:effectRef>
+          <a:fontRef idx="minor">
+            <a:schemeClr val="lt1"/>
+          </a:fontRef>
+        </p:style>
+        <p:txBody>
+          <a:bodyPr rtlCol="0" anchor="ctr"/>
+          <a:lstStyle/>
+          <a:p>
+            <a:pPr algn="ctr"/>
+            <a:endParaRPr lang="es-AR"/>
+          </a:p>
+        </p:txBody>
+      </p:sp>
+      <p:sp>
+        <p:nvSpPr>
+          <p:cNvPr id="8" name="Rectángulo 7">
+            <a:extLst>
+              <a:ext uri="{FF2B5EF4-FFF2-40B4-BE49-F238E27FC236}">
+                <a16:creationId xmlns:a16="http://schemas.microsoft.com/office/drawing/2014/main" id="{BAECB4F2-1E11-B922-893C-8D96EE926D04}"/>
+              </a:ext>
+            </a:extLst>
+          </p:cNvPr>
+          <p:cNvSpPr/>
+          <p:nvPr/>
+        </p:nvSpPr>
+        <p:spPr>
+          <a:xfrm>
+            <a:off x="8918713" y="3854391"/>
+            <a:ext cx="450573" cy="1340461"/>
+          </a:xfrm>
+          <a:prstGeom prst="rect">
+            <a:avLst/>
+          </a:prstGeom>
+          <a:noFill/>
+          <a:ln w="38100">
+            <a:solidFill>
+              <a:srgbClr val="FF0000"/>
+            </a:solidFill>
+          </a:ln>
+        </p:spPr>
+        <p:style>
+          <a:lnRef idx="2">
+            <a:schemeClr val="accent1">
+              <a:shade val="50000"/>
+            </a:schemeClr>
+          </a:lnRef>
+          <a:fillRef idx="1">
+            <a:schemeClr val="accent1"/>
+          </a:fillRef>
+          <a:effectRef idx="0">
+            <a:schemeClr val="accent1"/>
+          </a:effectRef>
+          <a:fontRef idx="minor">
+            <a:schemeClr val="lt1"/>
+          </a:fontRef>
+        </p:style>
+        <p:txBody>
+          <a:bodyPr rtlCol="0" anchor="ctr"/>
+          <a:lstStyle/>
+          <a:p>
+            <a:pPr algn="ctr"/>
+            <a:endParaRPr lang="es-AR"/>
+          </a:p>
+        </p:txBody>
+      </p:sp>
+      <p:sp>
+        <p:nvSpPr>
+          <p:cNvPr id="10" name="CuadroTexto 9">
+            <a:extLst>
+              <a:ext uri="{FF2B5EF4-FFF2-40B4-BE49-F238E27FC236}">
+                <a16:creationId xmlns:a16="http://schemas.microsoft.com/office/drawing/2014/main" id="{8A4AC9A4-ECB8-4DF2-7952-1B11551758AE}"/>
+              </a:ext>
+            </a:extLst>
+          </p:cNvPr>
+          <p:cNvSpPr txBox="1"/>
+          <p:nvPr/>
+        </p:nvSpPr>
+        <p:spPr>
+          <a:xfrm>
+            <a:off x="9554697" y="3191896"/>
+            <a:ext cx="1410671" cy="400110"/>
+          </a:xfrm>
+          <a:prstGeom prst="rect">
+            <a:avLst/>
+          </a:prstGeom>
+          <a:noFill/>
         </p:spPr>
         <p:txBody>
           <a:bodyPr wrap="square">
@@ -25132,123 +25760,12 @@
           <a:lstStyle/>
           <a:p>
             <a:r>
-              <a:rPr lang="es-AR" sz="2400" dirty="0">
-                <a:solidFill>
-                  <a:schemeClr val="bg1"/>
+              <a:rPr lang="es-AR" sz="2000" dirty="0">
+                <a:solidFill>
+                  <a:srgbClr val="FF0000"/>
                 </a:solidFill>
               </a:rPr>
-              <a:t>- pocos datos</a:t>
-            </a:r>
-          </a:p>
-          <a:p>
-            <a:r>
-              <a:rPr lang="es-AR" sz="2400" dirty="0">
-                <a:solidFill>
-                  <a:schemeClr val="bg1"/>
-                </a:solidFill>
-              </a:rPr>
-              <a:t>- </a:t>
-            </a:r>
-            <a:r>
-              <a:rPr lang="es-AR" sz="2400" dirty="0" err="1">
-                <a:solidFill>
-                  <a:schemeClr val="bg1"/>
-                </a:solidFill>
-              </a:rPr>
-              <a:t>pre-trained</a:t>
-            </a:r>
-            <a:r>
-              <a:rPr lang="es-AR" sz="2400" dirty="0">
-                <a:solidFill>
-                  <a:schemeClr val="bg1"/>
-                </a:solidFill>
-              </a:rPr>
-              <a:t> </a:t>
-            </a:r>
-            <a:r>
-              <a:rPr lang="es-AR" sz="2400" dirty="0" err="1">
-                <a:solidFill>
-                  <a:schemeClr val="bg1"/>
-                </a:solidFill>
-              </a:rPr>
-              <a:t>models</a:t>
-            </a:r>
-            <a:endParaRPr lang="es-AR" sz="2400" dirty="0">
-              <a:solidFill>
-                <a:schemeClr val="bg1"/>
-              </a:solidFill>
-            </a:endParaRPr>
-          </a:p>
-          <a:p>
-            <a:r>
-              <a:rPr lang="es-AR" sz="2400" dirty="0">
-                <a:solidFill>
-                  <a:schemeClr val="bg1"/>
-                </a:solidFill>
-              </a:rPr>
-              <a:t>- </a:t>
-            </a:r>
-            <a:r>
-              <a:rPr lang="es-AR" sz="2400" dirty="0" err="1">
-                <a:solidFill>
-                  <a:schemeClr val="bg1"/>
-                </a:solidFill>
-              </a:rPr>
-              <a:t>pre-trained</a:t>
-            </a:r>
-            <a:r>
-              <a:rPr lang="es-AR" sz="2400" dirty="0">
-                <a:solidFill>
-                  <a:schemeClr val="bg1"/>
-                </a:solidFill>
-              </a:rPr>
-              <a:t> </a:t>
-            </a:r>
-            <a:r>
-              <a:rPr lang="es-AR" sz="2400" dirty="0" err="1">
-                <a:solidFill>
-                  <a:schemeClr val="bg1"/>
-                </a:solidFill>
-              </a:rPr>
-              <a:t>embeddings</a:t>
-            </a:r>
-            <a:endParaRPr lang="es-AR" sz="2400" dirty="0">
-              <a:solidFill>
-                <a:schemeClr val="bg1"/>
-              </a:solidFill>
-            </a:endParaRPr>
-          </a:p>
-          <a:p>
-            <a:r>
-              <a:rPr lang="es-AR" sz="2400" dirty="0">
-                <a:solidFill>
-                  <a:schemeClr val="bg1"/>
-                </a:solidFill>
-              </a:rPr>
-              <a:t>- </a:t>
-            </a:r>
-            <a:r>
-              <a:rPr lang="es-AR" sz="2400" dirty="0" err="1">
-                <a:solidFill>
-                  <a:schemeClr val="bg1"/>
-                </a:solidFill>
-              </a:rPr>
-              <a:t>Simulations</a:t>
-            </a:r>
-            <a:endParaRPr lang="es-AR" sz="2400" dirty="0">
-              <a:solidFill>
-                <a:schemeClr val="bg1"/>
-              </a:solidFill>
-            </a:endParaRPr>
-          </a:p>
-          <a:p>
-            <a:r>
-              <a:rPr lang="es-AR" sz="2400" dirty="0">
-                <a:solidFill>
-                  <a:schemeClr val="bg1"/>
-                </a:solidFill>
-              </a:rPr>
-              <a:t>- Cambio de dominio</a:t>
+              <a:t>Nuevo!</a:t>
             </a:r>
           </a:p>
         </p:txBody>
@@ -25256,7 +25773,7 @@
     </p:spTree>
     <p:extLst>
       <p:ext uri="{BB962C8B-B14F-4D97-AF65-F5344CB8AC3E}">
-        <p14:creationId xmlns:p14="http://schemas.microsoft.com/office/powerpoint/2010/main" val="2145966389"/>
+        <p14:creationId xmlns:p14="http://schemas.microsoft.com/office/powerpoint/2010/main" val="1421392979"/>
       </p:ext>
     </p:extLst>
   </p:cSld>
@@ -26717,6 +27234,1083 @@
         </p:nvCxnSpPr>
         <p:spPr>
           <a:xfrm>
+            <a:off x="1219200" y="2345635"/>
+            <a:ext cx="9236765" cy="0"/>
+          </a:xfrm>
+          <a:prstGeom prst="straightConnector1">
+            <a:avLst/>
+          </a:prstGeom>
+          <a:ln w="76200">
+            <a:headEnd type="triangle"/>
+            <a:tailEnd type="triangle"/>
+          </a:ln>
+        </p:spPr>
+        <p:style>
+          <a:lnRef idx="1">
+            <a:schemeClr val="accent2"/>
+          </a:lnRef>
+          <a:fillRef idx="0">
+            <a:schemeClr val="accent2"/>
+          </a:fillRef>
+          <a:effectRef idx="0">
+            <a:schemeClr val="accent2"/>
+          </a:effectRef>
+          <a:fontRef idx="minor">
+            <a:schemeClr val="tx1"/>
+          </a:fontRef>
+        </p:style>
+      </p:cxnSp>
+      <p:cxnSp>
+        <p:nvCxnSpPr>
+          <p:cNvPr id="5" name="Conector recto de flecha 4">
+            <a:extLst>
+              <a:ext uri="{FF2B5EF4-FFF2-40B4-BE49-F238E27FC236}">
+                <a16:creationId xmlns:a16="http://schemas.microsoft.com/office/drawing/2014/main" id="{79E2AA7B-0C05-90F6-2742-E9A887A241AB}"/>
+              </a:ext>
+            </a:extLst>
+          </p:cNvPr>
+          <p:cNvCxnSpPr>
+            <a:cxnSpLocks/>
+          </p:cNvCxnSpPr>
+          <p:nvPr/>
+        </p:nvCxnSpPr>
+        <p:spPr>
+          <a:xfrm>
+            <a:off x="8288889" y="1167610"/>
+            <a:ext cx="0" cy="5006083"/>
+          </a:xfrm>
+          <a:prstGeom prst="straightConnector1">
+            <a:avLst/>
+          </a:prstGeom>
+          <a:ln w="76200">
+            <a:headEnd type="triangle"/>
+            <a:tailEnd type="triangle"/>
+          </a:ln>
+        </p:spPr>
+        <p:style>
+          <a:lnRef idx="1">
+            <a:schemeClr val="accent2"/>
+          </a:lnRef>
+          <a:fillRef idx="0">
+            <a:schemeClr val="accent2"/>
+          </a:fillRef>
+          <a:effectRef idx="0">
+            <a:schemeClr val="accent2"/>
+          </a:effectRef>
+          <a:fontRef idx="minor">
+            <a:schemeClr val="tx1"/>
+          </a:fontRef>
+        </p:style>
+      </p:cxnSp>
+      <p:sp>
+        <p:nvSpPr>
+          <p:cNvPr id="9" name="CuadroTexto 8">
+            <a:extLst>
+              <a:ext uri="{FF2B5EF4-FFF2-40B4-BE49-F238E27FC236}">
+                <a16:creationId xmlns:a16="http://schemas.microsoft.com/office/drawing/2014/main" id="{3CC4C91B-D1B6-4B85-0C60-474E765AA993}"/>
+              </a:ext>
+            </a:extLst>
+          </p:cNvPr>
+          <p:cNvSpPr txBox="1"/>
+          <p:nvPr/>
+        </p:nvSpPr>
+        <p:spPr>
+          <a:xfrm>
+            <a:off x="-33779" y="1730107"/>
+            <a:ext cx="1789040" cy="830997"/>
+          </a:xfrm>
+          <a:prstGeom prst="rect">
+            <a:avLst/>
+          </a:prstGeom>
+          <a:noFill/>
+        </p:spPr>
+        <p:txBody>
+          <a:bodyPr wrap="square">
+            <a:spAutoFit/>
+          </a:bodyPr>
+          <a:lstStyle/>
+          <a:p>
+            <a:r>
+              <a:rPr lang="es-AR" sz="2400" dirty="0" err="1">
+                <a:solidFill>
+                  <a:schemeClr val="bg1"/>
+                </a:solidFill>
+              </a:rPr>
+              <a:t>Dataset</a:t>
+            </a:r>
+            <a:r>
+              <a:rPr lang="es-AR" sz="2400" dirty="0">
+                <a:solidFill>
+                  <a:schemeClr val="bg1"/>
+                </a:solidFill>
+              </a:rPr>
+              <a:t> pequeño </a:t>
+            </a:r>
+            <a:endParaRPr lang="es-AR" sz="2400" dirty="0"/>
+          </a:p>
+        </p:txBody>
+      </p:sp>
+      <p:sp>
+        <p:nvSpPr>
+          <p:cNvPr id="10" name="CuadroTexto 9">
+            <a:extLst>
+              <a:ext uri="{FF2B5EF4-FFF2-40B4-BE49-F238E27FC236}">
+                <a16:creationId xmlns:a16="http://schemas.microsoft.com/office/drawing/2014/main" id="{9241FF65-4241-DE52-6A64-75594F8D8931}"/>
+              </a:ext>
+            </a:extLst>
+          </p:cNvPr>
+          <p:cNvSpPr txBox="1"/>
+          <p:nvPr/>
+        </p:nvSpPr>
+        <p:spPr>
+          <a:xfrm>
+            <a:off x="10520488" y="2345635"/>
+            <a:ext cx="1689648" cy="830997"/>
+          </a:xfrm>
+          <a:prstGeom prst="rect">
+            <a:avLst/>
+          </a:prstGeom>
+          <a:noFill/>
+        </p:spPr>
+        <p:txBody>
+          <a:bodyPr wrap="square">
+            <a:spAutoFit/>
+          </a:bodyPr>
+          <a:lstStyle/>
+          <a:p>
+            <a:r>
+              <a:rPr lang="es-AR" sz="2400" dirty="0" err="1">
+                <a:solidFill>
+                  <a:schemeClr val="bg1"/>
+                </a:solidFill>
+              </a:rPr>
+              <a:t>Dataset</a:t>
+            </a:r>
+            <a:r>
+              <a:rPr lang="es-AR" sz="2400" dirty="0">
+                <a:solidFill>
+                  <a:schemeClr val="bg1"/>
+                </a:solidFill>
+              </a:rPr>
+              <a:t> grande</a:t>
+            </a:r>
+            <a:endParaRPr lang="es-AR" sz="2400" dirty="0"/>
+          </a:p>
+        </p:txBody>
+      </p:sp>
+      <p:sp>
+        <p:nvSpPr>
+          <p:cNvPr id="11" name="CuadroTexto 10">
+            <a:extLst>
+              <a:ext uri="{FF2B5EF4-FFF2-40B4-BE49-F238E27FC236}">
+                <a16:creationId xmlns:a16="http://schemas.microsoft.com/office/drawing/2014/main" id="{786610DA-0C4D-A6B8-BCDC-9E16E3D907EF}"/>
+              </a:ext>
+            </a:extLst>
+          </p:cNvPr>
+          <p:cNvSpPr txBox="1"/>
+          <p:nvPr/>
+        </p:nvSpPr>
+        <p:spPr>
+          <a:xfrm>
+            <a:off x="5117076" y="629685"/>
+            <a:ext cx="2548961" cy="830997"/>
+          </a:xfrm>
+          <a:prstGeom prst="rect">
+            <a:avLst/>
+          </a:prstGeom>
+          <a:noFill/>
+        </p:spPr>
+        <p:txBody>
+          <a:bodyPr wrap="square">
+            <a:spAutoFit/>
+          </a:bodyPr>
+          <a:lstStyle/>
+          <a:p>
+            <a:pPr algn="ctr"/>
+            <a:r>
+              <a:rPr lang="es-AR" sz="2400" dirty="0" err="1">
+                <a:solidFill>
+                  <a:schemeClr val="bg1"/>
+                </a:solidFill>
+              </a:rPr>
+              <a:t>Dataset</a:t>
+            </a:r>
+            <a:r>
+              <a:rPr lang="es-AR" sz="2400" dirty="0">
+                <a:solidFill>
+                  <a:schemeClr val="bg1"/>
+                </a:solidFill>
+              </a:rPr>
+              <a:t> semejante al </a:t>
+            </a:r>
+            <a:r>
+              <a:rPr lang="es-AR" sz="2400" dirty="0" err="1">
+                <a:solidFill>
+                  <a:schemeClr val="bg1"/>
+                </a:solidFill>
+              </a:rPr>
+              <a:t>generic</a:t>
+            </a:r>
+            <a:endParaRPr lang="es-AR" sz="2400" dirty="0"/>
+          </a:p>
+        </p:txBody>
+      </p:sp>
+      <p:sp>
+        <p:nvSpPr>
+          <p:cNvPr id="13" name="CuadroTexto 12">
+            <a:extLst>
+              <a:ext uri="{FF2B5EF4-FFF2-40B4-BE49-F238E27FC236}">
+                <a16:creationId xmlns:a16="http://schemas.microsoft.com/office/drawing/2014/main" id="{7CEE8649-6685-48ED-332D-9CAB11E68EEF}"/>
+              </a:ext>
+            </a:extLst>
+          </p:cNvPr>
+          <p:cNvSpPr txBox="1"/>
+          <p:nvPr/>
+        </p:nvSpPr>
+        <p:spPr>
+          <a:xfrm>
+            <a:off x="4978269" y="6091954"/>
+            <a:ext cx="2198343" cy="830997"/>
+          </a:xfrm>
+          <a:prstGeom prst="rect">
+            <a:avLst/>
+          </a:prstGeom>
+          <a:noFill/>
+        </p:spPr>
+        <p:txBody>
+          <a:bodyPr wrap="square">
+            <a:spAutoFit/>
+          </a:bodyPr>
+          <a:lstStyle/>
+          <a:p>
+            <a:pPr algn="ctr"/>
+            <a:r>
+              <a:rPr lang="es-AR" sz="2400" dirty="0" err="1">
+                <a:solidFill>
+                  <a:schemeClr val="bg1"/>
+                </a:solidFill>
+              </a:rPr>
+              <a:t>Dataset</a:t>
+            </a:r>
+            <a:r>
+              <a:rPr lang="es-AR" sz="2400" dirty="0">
+                <a:solidFill>
+                  <a:schemeClr val="bg1"/>
+                </a:solidFill>
+              </a:rPr>
+              <a:t> distinto al </a:t>
+            </a:r>
+            <a:r>
+              <a:rPr lang="es-AR" sz="2400" dirty="0" err="1">
+                <a:solidFill>
+                  <a:schemeClr val="bg1"/>
+                </a:solidFill>
+              </a:rPr>
+              <a:t>generic</a:t>
+            </a:r>
+            <a:endParaRPr lang="es-AR" sz="2400" dirty="0"/>
+          </a:p>
+        </p:txBody>
+      </p:sp>
+      <p:sp>
+        <p:nvSpPr>
+          <p:cNvPr id="15" name="CuadroTexto 14">
+            <a:extLst>
+              <a:ext uri="{FF2B5EF4-FFF2-40B4-BE49-F238E27FC236}">
+                <a16:creationId xmlns:a16="http://schemas.microsoft.com/office/drawing/2014/main" id="{55F7F7D5-E549-29DA-B389-E677AFFEF69F}"/>
+              </a:ext>
+            </a:extLst>
+          </p:cNvPr>
+          <p:cNvSpPr txBox="1"/>
+          <p:nvPr/>
+        </p:nvSpPr>
+        <p:spPr>
+          <a:xfrm>
+            <a:off x="1859419" y="773083"/>
+            <a:ext cx="1994454" cy="369332"/>
+          </a:xfrm>
+          <a:prstGeom prst="rect">
+            <a:avLst/>
+          </a:prstGeom>
+          <a:noFill/>
+        </p:spPr>
+        <p:txBody>
+          <a:bodyPr wrap="square">
+            <a:spAutoFit/>
+          </a:bodyPr>
+          <a:lstStyle/>
+          <a:p>
+            <a:r>
+              <a:rPr lang="es-AR" sz="1800" dirty="0" err="1">
+                <a:solidFill>
+                  <a:srgbClr val="FF0000"/>
+                </a:solidFill>
+                <a:sym typeface="Wingdings" panose="05000000000000000000" pitchFamily="2" charset="2"/>
+              </a:rPr>
+              <a:t>feature</a:t>
+            </a:r>
+            <a:r>
+              <a:rPr lang="es-AR" sz="1800" dirty="0">
+                <a:solidFill>
+                  <a:srgbClr val="FF0000"/>
+                </a:solidFill>
+                <a:sym typeface="Wingdings" panose="05000000000000000000" pitchFamily="2" charset="2"/>
+              </a:rPr>
+              <a:t> extractor</a:t>
+            </a:r>
+            <a:endParaRPr lang="es-AR" dirty="0">
+              <a:solidFill>
+                <a:srgbClr val="FF0000"/>
+              </a:solidFill>
+            </a:endParaRPr>
+          </a:p>
+        </p:txBody>
+      </p:sp>
+      <p:sp>
+        <p:nvSpPr>
+          <p:cNvPr id="17" name="CuadroTexto 16">
+            <a:extLst>
+              <a:ext uri="{FF2B5EF4-FFF2-40B4-BE49-F238E27FC236}">
+                <a16:creationId xmlns:a16="http://schemas.microsoft.com/office/drawing/2014/main" id="{B377829B-A29D-FDCC-45F1-E09CEB0E7CDD}"/>
+              </a:ext>
+            </a:extLst>
+          </p:cNvPr>
+          <p:cNvSpPr txBox="1"/>
+          <p:nvPr/>
+        </p:nvSpPr>
+        <p:spPr>
+          <a:xfrm>
+            <a:off x="8604911" y="710996"/>
+            <a:ext cx="1643269" cy="369332"/>
+          </a:xfrm>
+          <a:prstGeom prst="rect">
+            <a:avLst/>
+          </a:prstGeom>
+          <a:noFill/>
+        </p:spPr>
+        <p:txBody>
+          <a:bodyPr wrap="square">
+            <a:spAutoFit/>
+          </a:bodyPr>
+          <a:lstStyle/>
+          <a:p>
+            <a:r>
+              <a:rPr lang="es-AR" sz="1800" dirty="0">
+                <a:solidFill>
+                  <a:srgbClr val="FF0000"/>
+                </a:solidFill>
+                <a:sym typeface="Wingdings" panose="05000000000000000000" pitchFamily="2" charset="2"/>
+              </a:rPr>
+              <a:t>fine </a:t>
+            </a:r>
+            <a:r>
+              <a:rPr lang="es-AR" sz="1800" dirty="0" err="1">
+                <a:solidFill>
+                  <a:srgbClr val="FF0000"/>
+                </a:solidFill>
+                <a:sym typeface="Wingdings" panose="05000000000000000000" pitchFamily="2" charset="2"/>
+              </a:rPr>
+              <a:t>tunning</a:t>
+            </a:r>
+            <a:endParaRPr lang="es-AR" dirty="0">
+              <a:solidFill>
+                <a:srgbClr val="FF0000"/>
+              </a:solidFill>
+            </a:endParaRPr>
+          </a:p>
+        </p:txBody>
+      </p:sp>
+      <p:sp>
+        <p:nvSpPr>
+          <p:cNvPr id="19" name="CuadroTexto 18">
+            <a:extLst>
+              <a:ext uri="{FF2B5EF4-FFF2-40B4-BE49-F238E27FC236}">
+                <a16:creationId xmlns:a16="http://schemas.microsoft.com/office/drawing/2014/main" id="{0EE19F03-CC19-C315-698F-ED1617A7B088}"/>
+              </a:ext>
+            </a:extLst>
+          </p:cNvPr>
+          <p:cNvSpPr txBox="1"/>
+          <p:nvPr/>
+        </p:nvSpPr>
+        <p:spPr>
+          <a:xfrm>
+            <a:off x="380128" y="6084917"/>
+            <a:ext cx="2411901" cy="646331"/>
+          </a:xfrm>
+          <a:prstGeom prst="rect">
+            <a:avLst/>
+          </a:prstGeom>
+          <a:noFill/>
+        </p:spPr>
+        <p:txBody>
+          <a:bodyPr wrap="square">
+            <a:spAutoFit/>
+          </a:bodyPr>
+          <a:lstStyle/>
+          <a:p>
+            <a:r>
+              <a:rPr lang="es-AR" sz="1800" dirty="0" err="1">
+                <a:solidFill>
+                  <a:srgbClr val="FF0000"/>
+                </a:solidFill>
+                <a:sym typeface="Wingdings" panose="05000000000000000000" pitchFamily="2" charset="2"/>
+              </a:rPr>
+              <a:t>feature</a:t>
+            </a:r>
+            <a:r>
+              <a:rPr lang="es-AR" sz="1800" dirty="0">
+                <a:solidFill>
+                  <a:srgbClr val="FF0000"/>
+                </a:solidFill>
+                <a:sym typeface="Wingdings" panose="05000000000000000000" pitchFamily="2" charset="2"/>
+              </a:rPr>
+              <a:t> extractor desde menor profundidad</a:t>
+            </a:r>
+            <a:endParaRPr lang="es-AR" dirty="0">
+              <a:solidFill>
+                <a:srgbClr val="FF0000"/>
+              </a:solidFill>
+            </a:endParaRPr>
+          </a:p>
+        </p:txBody>
+      </p:sp>
+      <p:sp>
+        <p:nvSpPr>
+          <p:cNvPr id="21" name="CuadroTexto 20">
+            <a:extLst>
+              <a:ext uri="{FF2B5EF4-FFF2-40B4-BE49-F238E27FC236}">
+                <a16:creationId xmlns:a16="http://schemas.microsoft.com/office/drawing/2014/main" id="{E8F43549-4D83-6AA4-3046-86BFC31F5C71}"/>
+              </a:ext>
+            </a:extLst>
+          </p:cNvPr>
+          <p:cNvSpPr txBox="1"/>
+          <p:nvPr/>
+        </p:nvSpPr>
+        <p:spPr>
+          <a:xfrm>
+            <a:off x="9030478" y="4158665"/>
+            <a:ext cx="2850973" cy="646331"/>
+          </a:xfrm>
+          <a:prstGeom prst="rect">
+            <a:avLst/>
+          </a:prstGeom>
+          <a:noFill/>
+        </p:spPr>
+        <p:txBody>
+          <a:bodyPr wrap="square">
+            <a:spAutoFit/>
+          </a:bodyPr>
+          <a:lstStyle/>
+          <a:p>
+            <a:r>
+              <a:rPr lang="es-AR" sz="1800" dirty="0">
+                <a:solidFill>
+                  <a:srgbClr val="FF0000"/>
+                </a:solidFill>
+                <a:sym typeface="Wingdings" panose="05000000000000000000" pitchFamily="2" charset="2"/>
+              </a:rPr>
+              <a:t>fine </a:t>
+            </a:r>
+            <a:r>
+              <a:rPr lang="es-AR" sz="1800" dirty="0" err="1">
+                <a:solidFill>
+                  <a:srgbClr val="FF0000"/>
+                </a:solidFill>
+                <a:sym typeface="Wingdings" panose="05000000000000000000" pitchFamily="2" charset="2"/>
+              </a:rPr>
+              <a:t>tunning</a:t>
+            </a:r>
+            <a:r>
+              <a:rPr lang="es-AR" sz="1800" dirty="0">
+                <a:solidFill>
+                  <a:srgbClr val="FF0000"/>
+                </a:solidFill>
+                <a:sym typeface="Wingdings" panose="05000000000000000000" pitchFamily="2" charset="2"/>
+              </a:rPr>
+              <a:t> (</a:t>
+            </a:r>
+            <a:r>
+              <a:rPr lang="es-AR" sz="1800" dirty="0" err="1">
+                <a:solidFill>
+                  <a:srgbClr val="FF0000"/>
+                </a:solidFill>
+                <a:sym typeface="Wingdings" panose="05000000000000000000" pitchFamily="2" charset="2"/>
+              </a:rPr>
+              <a:t>from</a:t>
+            </a:r>
+            <a:r>
+              <a:rPr lang="es-AR" sz="1800" dirty="0">
+                <a:solidFill>
+                  <a:srgbClr val="FF0000"/>
+                </a:solidFill>
+                <a:sym typeface="Wingdings" panose="05000000000000000000" pitchFamily="2" charset="2"/>
+              </a:rPr>
+              <a:t> </a:t>
+            </a:r>
+            <a:r>
+              <a:rPr lang="es-AR" sz="1800" dirty="0" err="1">
+                <a:solidFill>
+                  <a:srgbClr val="FF0000"/>
+                </a:solidFill>
+                <a:sym typeface="Wingdings" panose="05000000000000000000" pitchFamily="2" charset="2"/>
+              </a:rPr>
+              <a:t>pre-trained</a:t>
+            </a:r>
+            <a:r>
+              <a:rPr lang="es-AR" sz="1800" dirty="0">
+                <a:solidFill>
+                  <a:srgbClr val="FF0000"/>
+                </a:solidFill>
+                <a:sym typeface="Wingdings" panose="05000000000000000000" pitchFamily="2" charset="2"/>
+              </a:rPr>
+              <a:t> </a:t>
+            </a:r>
+            <a:r>
+              <a:rPr lang="es-AR" sz="1800" dirty="0" err="1">
+                <a:solidFill>
+                  <a:srgbClr val="FF0000"/>
+                </a:solidFill>
+                <a:sym typeface="Wingdings" panose="05000000000000000000" pitchFamily="2" charset="2"/>
+              </a:rPr>
+              <a:t>models</a:t>
+            </a:r>
+            <a:r>
+              <a:rPr lang="es-AR" sz="1800" dirty="0">
+                <a:solidFill>
+                  <a:srgbClr val="FF0000"/>
+                </a:solidFill>
+                <a:sym typeface="Wingdings" panose="05000000000000000000" pitchFamily="2" charset="2"/>
+              </a:rPr>
+              <a:t>)</a:t>
+            </a:r>
+            <a:endParaRPr lang="es-AR" dirty="0">
+              <a:solidFill>
+                <a:srgbClr val="FF0000"/>
+              </a:solidFill>
+            </a:endParaRPr>
+          </a:p>
+        </p:txBody>
+      </p:sp>
+      <p:pic>
+        <p:nvPicPr>
+          <p:cNvPr id="31" name="Imagen 30">
+            <a:extLst>
+              <a:ext uri="{FF2B5EF4-FFF2-40B4-BE49-F238E27FC236}">
+                <a16:creationId xmlns:a16="http://schemas.microsoft.com/office/drawing/2014/main" id="{CD46A953-1561-8618-5E56-CCF894E5D979}"/>
+              </a:ext>
+            </a:extLst>
+          </p:cNvPr>
+          <p:cNvPicPr>
+            <a:picLocks noChangeAspect="1"/>
+          </p:cNvPicPr>
+          <p:nvPr/>
+        </p:nvPicPr>
+        <p:blipFill>
+          <a:blip r:embed="rId2">
+            <a:extLst>
+              <a:ext uri="{28A0092B-C50C-407E-A947-70E740481C1C}">
+                <a14:useLocalDpi xmlns:a14="http://schemas.microsoft.com/office/drawing/2010/main" val="0"/>
+              </a:ext>
+            </a:extLst>
+          </a:blip>
+          <a:stretch>
+            <a:fillRect/>
+          </a:stretch>
+        </p:blipFill>
+        <p:spPr>
+          <a:xfrm>
+            <a:off x="2062711" y="3936150"/>
+            <a:ext cx="3170737" cy="2096674"/>
+          </a:xfrm>
+          <a:prstGeom prst="rect">
+            <a:avLst/>
+          </a:prstGeom>
+        </p:spPr>
+      </p:pic>
+      <p:sp>
+        <p:nvSpPr>
+          <p:cNvPr id="32" name="Abrir llave 31">
+            <a:extLst>
+              <a:ext uri="{FF2B5EF4-FFF2-40B4-BE49-F238E27FC236}">
+                <a16:creationId xmlns:a16="http://schemas.microsoft.com/office/drawing/2014/main" id="{6B9115E1-08DB-5990-8730-9030B27874B5}"/>
+              </a:ext>
+            </a:extLst>
+          </p:cNvPr>
+          <p:cNvSpPr/>
+          <p:nvPr/>
+        </p:nvSpPr>
+        <p:spPr>
+          <a:xfrm rot="16200000">
+            <a:off x="3643162" y="5767534"/>
+            <a:ext cx="267220" cy="545098"/>
+          </a:xfrm>
+          <a:prstGeom prst="leftBrace">
+            <a:avLst/>
+          </a:prstGeom>
+          <a:ln>
+            <a:solidFill>
+              <a:srgbClr val="FF0000"/>
+            </a:solidFill>
+          </a:ln>
+        </p:spPr>
+        <p:style>
+          <a:lnRef idx="3">
+            <a:schemeClr val="accent3"/>
+          </a:lnRef>
+          <a:fillRef idx="0">
+            <a:schemeClr val="accent3"/>
+          </a:fillRef>
+          <a:effectRef idx="2">
+            <a:schemeClr val="accent3"/>
+          </a:effectRef>
+          <a:fontRef idx="minor">
+            <a:schemeClr val="tx1"/>
+          </a:fontRef>
+        </p:style>
+        <p:txBody>
+          <a:bodyPr rtlCol="0" anchor="ctr"/>
+          <a:lstStyle/>
+          <a:p>
+            <a:pPr algn="ctr"/>
+            <a:endParaRPr lang="es-AR"/>
+          </a:p>
+        </p:txBody>
+      </p:sp>
+      <p:sp>
+        <p:nvSpPr>
+          <p:cNvPr id="33" name="CuadroTexto 32">
+            <a:extLst>
+              <a:ext uri="{FF2B5EF4-FFF2-40B4-BE49-F238E27FC236}">
+                <a16:creationId xmlns:a16="http://schemas.microsoft.com/office/drawing/2014/main" id="{6C8E394D-12A5-0177-516B-D96CCB3330D1}"/>
+              </a:ext>
+            </a:extLst>
+          </p:cNvPr>
+          <p:cNvSpPr txBox="1"/>
+          <p:nvPr/>
+        </p:nvSpPr>
+        <p:spPr>
+          <a:xfrm>
+            <a:off x="2997341" y="6173693"/>
+            <a:ext cx="1427894" cy="409790"/>
+          </a:xfrm>
+          <a:prstGeom prst="rect">
+            <a:avLst/>
+          </a:prstGeom>
+          <a:noFill/>
+        </p:spPr>
+        <p:txBody>
+          <a:bodyPr wrap="square">
+            <a:spAutoFit/>
+          </a:bodyPr>
+          <a:lstStyle/>
+          <a:p>
+            <a:r>
+              <a:rPr lang="es-AR" dirty="0">
+                <a:solidFill>
+                  <a:srgbClr val="FF0000"/>
+                </a:solidFill>
+              </a:rPr>
+              <a:t>reentrenar</a:t>
+            </a:r>
+          </a:p>
+        </p:txBody>
+      </p:sp>
+      <p:cxnSp>
+        <p:nvCxnSpPr>
+          <p:cNvPr id="41" name="Conector recto 40">
+            <a:extLst>
+              <a:ext uri="{FF2B5EF4-FFF2-40B4-BE49-F238E27FC236}">
+                <a16:creationId xmlns:a16="http://schemas.microsoft.com/office/drawing/2014/main" id="{2305497B-CEE7-1195-8B1E-AB4A2C35B986}"/>
+              </a:ext>
+            </a:extLst>
+          </p:cNvPr>
+          <p:cNvCxnSpPr>
+            <a:cxnSpLocks/>
+          </p:cNvCxnSpPr>
+          <p:nvPr/>
+        </p:nvCxnSpPr>
+        <p:spPr>
+          <a:xfrm>
+            <a:off x="10455965" y="4810539"/>
+            <a:ext cx="0" cy="726622"/>
+          </a:xfrm>
+          <a:prstGeom prst="line">
+            <a:avLst/>
+          </a:prstGeom>
+          <a:ln w="28575"/>
+        </p:spPr>
+        <p:style>
+          <a:lnRef idx="1">
+            <a:schemeClr val="accent2"/>
+          </a:lnRef>
+          <a:fillRef idx="0">
+            <a:schemeClr val="accent2"/>
+          </a:fillRef>
+          <a:effectRef idx="0">
+            <a:schemeClr val="accent2"/>
+          </a:effectRef>
+          <a:fontRef idx="minor">
+            <a:schemeClr val="tx1"/>
+          </a:fontRef>
+        </p:style>
+      </p:cxnSp>
+      <p:sp>
+        <p:nvSpPr>
+          <p:cNvPr id="6" name="CuadroTexto 5">
+            <a:extLst>
+              <a:ext uri="{FF2B5EF4-FFF2-40B4-BE49-F238E27FC236}">
+                <a16:creationId xmlns:a16="http://schemas.microsoft.com/office/drawing/2014/main" id="{0D89458B-06A0-07DA-045D-F9FAE1B2DED5}"/>
+              </a:ext>
+            </a:extLst>
+          </p:cNvPr>
+          <p:cNvSpPr txBox="1"/>
+          <p:nvPr/>
+        </p:nvSpPr>
+        <p:spPr>
+          <a:xfrm>
+            <a:off x="405877" y="2679228"/>
+            <a:ext cx="6255026" cy="923330"/>
+          </a:xfrm>
+          <a:prstGeom prst="rect">
+            <a:avLst/>
+          </a:prstGeom>
+          <a:noFill/>
+        </p:spPr>
+        <p:txBody>
+          <a:bodyPr wrap="square">
+            <a:spAutoFit/>
+          </a:bodyPr>
+          <a:lstStyle/>
+          <a:p>
+            <a:r>
+              <a:rPr lang="es-AR" dirty="0">
+                <a:solidFill>
+                  <a:srgbClr val="FF0000"/>
+                </a:solidFill>
+              </a:rPr>
+              <a:t>https://discuss.pytorch.org/t/how-can-i-replace-the-forward-method-of-a-predefined-torchvision-model-with-my-customized-forward-function/54224/8</a:t>
+            </a:r>
+          </a:p>
+        </p:txBody>
+      </p:sp>
+      <p:sp>
+        <p:nvSpPr>
+          <p:cNvPr id="8" name="CuadroTexto 7">
+            <a:extLst>
+              <a:ext uri="{FF2B5EF4-FFF2-40B4-BE49-F238E27FC236}">
+                <a16:creationId xmlns:a16="http://schemas.microsoft.com/office/drawing/2014/main" id="{0D1A8245-FE45-D301-8C1C-AD588606ABAE}"/>
+              </a:ext>
+            </a:extLst>
+          </p:cNvPr>
+          <p:cNvSpPr txBox="1"/>
+          <p:nvPr/>
+        </p:nvSpPr>
+        <p:spPr>
+          <a:xfrm>
+            <a:off x="5321835" y="3905395"/>
+            <a:ext cx="2674200" cy="1748623"/>
+          </a:xfrm>
+          <a:prstGeom prst="rect">
+            <a:avLst/>
+          </a:prstGeom>
+          <a:noFill/>
+        </p:spPr>
+        <p:txBody>
+          <a:bodyPr wrap="square">
+            <a:spAutoFit/>
+          </a:bodyPr>
+          <a:lstStyle/>
+          <a:p>
+            <a:r>
+              <a:rPr lang="es-AR" dirty="0">
+                <a:solidFill>
+                  <a:srgbClr val="FF0000"/>
+                </a:solidFill>
+              </a:rPr>
+              <a:t>https://github.com/mortezamg63/Accessing-and-modifying-different-layers-of-a-pretrained-model-in-pytorch/blob/master/README.md</a:t>
+            </a:r>
+          </a:p>
+        </p:txBody>
+      </p:sp>
+    </p:spTree>
+    <p:extLst>
+      <p:ext uri="{BB962C8B-B14F-4D97-AF65-F5344CB8AC3E}">
+        <p14:creationId xmlns:p14="http://schemas.microsoft.com/office/powerpoint/2010/main" val="1900095533"/>
+      </p:ext>
+    </p:extLst>
+  </p:cSld>
+  <p:clrMapOvr>
+    <a:masterClrMapping/>
+  </p:clrMapOvr>
+</p:sld>
+</file>
+
+<file path=ppt/slides/slide9.xml><?xml version="1.0" encoding="utf-8"?>
+<p:sld xmlns:a="http://schemas.openxmlformats.org/drawingml/2006/main" xmlns:r="http://schemas.openxmlformats.org/officeDocument/2006/relationships" xmlns:p="http://schemas.openxmlformats.org/presentationml/2006/main">
+  <p:cSld>
+    <p:spTree>
+      <p:nvGrpSpPr>
+        <p:cNvPr id="1" name=""/>
+        <p:cNvGrpSpPr/>
+        <p:nvPr/>
+      </p:nvGrpSpPr>
+      <p:grpSpPr>
+        <a:xfrm>
+          <a:off x="0" y="0"/>
+          <a:ext cx="0" cy="0"/>
+          <a:chOff x="0" y="0"/>
+          <a:chExt cx="0" cy="0"/>
+        </a:xfrm>
+      </p:grpSpPr>
+      <p:sp>
+        <p:nvSpPr>
+          <p:cNvPr id="4" name="Subtitle 1"/>
+          <p:cNvSpPr txBox="1">
+            <a:spLocks/>
+          </p:cNvSpPr>
+          <p:nvPr/>
+        </p:nvSpPr>
+        <p:spPr>
+          <a:xfrm>
+            <a:off x="-159657" y="0"/>
+            <a:ext cx="12511314" cy="1085871"/>
+          </a:xfrm>
+          <a:prstGeom prst="rect">
+            <a:avLst/>
+          </a:prstGeom>
+        </p:spPr>
+        <p:txBody>
+          <a:bodyPr vert="horz" lIns="91440" tIns="45720" rIns="91440" bIns="45720" rtlCol="0">
+            <a:noAutofit/>
+          </a:bodyPr>
+          <a:lstStyle>
+            <a:lvl1pPr marL="228600" indent="-228600" algn="l" defTabSz="914400" rtl="0" eaLnBrk="1" latinLnBrk="0" hangingPunct="1">
+              <a:lnSpc>
+                <a:spcPct val="120000"/>
+              </a:lnSpc>
+              <a:spcBef>
+                <a:spcPts val="1000"/>
+              </a:spcBef>
+              <a:buSzPct val="125000"/>
+              <a:buFont typeface="Arial" panose="020B0604020202020204" pitchFamily="34" charset="0"/>
+              <a:buChar char="•"/>
+              <a:defRPr sz="2400" kern="1200">
+                <a:solidFill>
+                  <a:schemeClr val="tx1"/>
+                </a:solidFill>
+                <a:latin typeface="+mn-lt"/>
+                <a:ea typeface="+mn-ea"/>
+                <a:cs typeface="+mn-cs"/>
+              </a:defRPr>
+            </a:lvl1pPr>
+            <a:lvl2pPr marL="685800" indent="-228600" algn="l" defTabSz="914400" rtl="0" eaLnBrk="1" latinLnBrk="0" hangingPunct="1">
+              <a:lnSpc>
+                <a:spcPct val="120000"/>
+              </a:lnSpc>
+              <a:spcBef>
+                <a:spcPts val="500"/>
+              </a:spcBef>
+              <a:buSzPct val="125000"/>
+              <a:buFont typeface="Arial" panose="020B0604020202020204" pitchFamily="34" charset="0"/>
+              <a:buChar char="•"/>
+              <a:defRPr sz="2000" kern="1200">
+                <a:solidFill>
+                  <a:schemeClr val="tx1"/>
+                </a:solidFill>
+                <a:latin typeface="+mn-lt"/>
+                <a:ea typeface="+mn-ea"/>
+                <a:cs typeface="+mn-cs"/>
+              </a:defRPr>
+            </a:lvl2pPr>
+            <a:lvl3pPr marL="1143000" indent="-228600" algn="l" defTabSz="914400" rtl="0" eaLnBrk="1" latinLnBrk="0" hangingPunct="1">
+              <a:lnSpc>
+                <a:spcPct val="120000"/>
+              </a:lnSpc>
+              <a:spcBef>
+                <a:spcPts val="500"/>
+              </a:spcBef>
+              <a:buSzPct val="125000"/>
+              <a:buFont typeface="Arial" panose="020B0604020202020204" pitchFamily="34" charset="0"/>
+              <a:buChar char="•"/>
+              <a:defRPr sz="1800" kern="1200">
+                <a:solidFill>
+                  <a:schemeClr val="tx1"/>
+                </a:solidFill>
+                <a:latin typeface="+mn-lt"/>
+                <a:ea typeface="+mn-ea"/>
+                <a:cs typeface="+mn-cs"/>
+              </a:defRPr>
+            </a:lvl3pPr>
+            <a:lvl4pPr marL="1600200" indent="-228600" algn="l" defTabSz="914400" rtl="0" eaLnBrk="1" latinLnBrk="0" hangingPunct="1">
+              <a:lnSpc>
+                <a:spcPct val="120000"/>
+              </a:lnSpc>
+              <a:spcBef>
+                <a:spcPts val="500"/>
+              </a:spcBef>
+              <a:buSzPct val="125000"/>
+              <a:buFont typeface="Arial" panose="020B0604020202020204" pitchFamily="34" charset="0"/>
+              <a:buChar char="•"/>
+              <a:defRPr sz="1600" kern="1200">
+                <a:solidFill>
+                  <a:schemeClr val="tx1"/>
+                </a:solidFill>
+                <a:latin typeface="+mn-lt"/>
+                <a:ea typeface="+mn-ea"/>
+                <a:cs typeface="+mn-cs"/>
+              </a:defRPr>
+            </a:lvl4pPr>
+            <a:lvl5pPr marL="2057400" indent="-228600" algn="l" defTabSz="914400" rtl="0" eaLnBrk="1" latinLnBrk="0" hangingPunct="1">
+              <a:lnSpc>
+                <a:spcPct val="120000"/>
+              </a:lnSpc>
+              <a:spcBef>
+                <a:spcPts val="500"/>
+              </a:spcBef>
+              <a:buSzPct val="125000"/>
+              <a:buFont typeface="Arial" panose="020B0604020202020204" pitchFamily="34" charset="0"/>
+              <a:buChar char="•"/>
+              <a:defRPr sz="1600" kern="1200">
+                <a:solidFill>
+                  <a:schemeClr val="tx1"/>
+                </a:solidFill>
+                <a:latin typeface="+mn-lt"/>
+                <a:ea typeface="+mn-ea"/>
+                <a:cs typeface="+mn-cs"/>
+              </a:defRPr>
+            </a:lvl5pPr>
+            <a:lvl6pPr marL="2514600" indent="-228600" algn="l" defTabSz="914400" rtl="0" eaLnBrk="1" latinLnBrk="0" hangingPunct="1">
+              <a:lnSpc>
+                <a:spcPct val="120000"/>
+              </a:lnSpc>
+              <a:spcBef>
+                <a:spcPts val="500"/>
+              </a:spcBef>
+              <a:buSzPct val="125000"/>
+              <a:buFont typeface="Arial" panose="020B0604020202020204" pitchFamily="34" charset="0"/>
+              <a:buChar char="•"/>
+              <a:defRPr sz="1400" kern="1200">
+                <a:solidFill>
+                  <a:schemeClr val="tx1"/>
+                </a:solidFill>
+                <a:latin typeface="+mn-lt"/>
+                <a:ea typeface="+mn-ea"/>
+                <a:cs typeface="+mn-cs"/>
+              </a:defRPr>
+            </a:lvl6pPr>
+            <a:lvl7pPr marL="2971800" indent="-228600" algn="l" defTabSz="914400" rtl="0" eaLnBrk="1" latinLnBrk="0" hangingPunct="1">
+              <a:lnSpc>
+                <a:spcPct val="120000"/>
+              </a:lnSpc>
+              <a:spcBef>
+                <a:spcPts val="500"/>
+              </a:spcBef>
+              <a:buSzPct val="125000"/>
+              <a:buFont typeface="Arial" panose="020B0604020202020204" pitchFamily="34" charset="0"/>
+              <a:buChar char="•"/>
+              <a:defRPr sz="1400" kern="1200">
+                <a:solidFill>
+                  <a:schemeClr val="tx1"/>
+                </a:solidFill>
+                <a:latin typeface="+mn-lt"/>
+                <a:ea typeface="+mn-ea"/>
+                <a:cs typeface="+mn-cs"/>
+              </a:defRPr>
+            </a:lvl7pPr>
+            <a:lvl8pPr marL="3429000" indent="-228600" algn="l" defTabSz="914400" rtl="0" eaLnBrk="1" latinLnBrk="0" hangingPunct="1">
+              <a:lnSpc>
+                <a:spcPct val="120000"/>
+              </a:lnSpc>
+              <a:spcBef>
+                <a:spcPts val="500"/>
+              </a:spcBef>
+              <a:buSzPct val="125000"/>
+              <a:buFont typeface="Arial" panose="020B0604020202020204" pitchFamily="34" charset="0"/>
+              <a:buChar char="•"/>
+              <a:defRPr sz="1400" kern="1200">
+                <a:solidFill>
+                  <a:schemeClr val="tx1"/>
+                </a:solidFill>
+                <a:latin typeface="+mn-lt"/>
+                <a:ea typeface="+mn-ea"/>
+                <a:cs typeface="+mn-cs"/>
+              </a:defRPr>
+            </a:lvl8pPr>
+            <a:lvl9pPr marL="3886200" indent="-228600" algn="l" defTabSz="914400" rtl="0" eaLnBrk="1" latinLnBrk="0" hangingPunct="1">
+              <a:lnSpc>
+                <a:spcPct val="120000"/>
+              </a:lnSpc>
+              <a:spcBef>
+                <a:spcPts val="500"/>
+              </a:spcBef>
+              <a:buSzPct val="125000"/>
+              <a:buFont typeface="Arial" panose="020B0604020202020204" pitchFamily="34" charset="0"/>
+              <a:buChar char="•"/>
+              <a:defRPr sz="1400" kern="1200">
+                <a:solidFill>
+                  <a:schemeClr val="tx1"/>
+                </a:solidFill>
+                <a:latin typeface="+mn-lt"/>
+                <a:ea typeface="+mn-ea"/>
+                <a:cs typeface="+mn-cs"/>
+              </a:defRPr>
+            </a:lvl9pPr>
+          </a:lstStyle>
+          <a:p>
+            <a:pPr marL="0" indent="0" algn="ctr">
+              <a:buNone/>
+            </a:pPr>
+            <a:r>
+              <a:rPr lang="es-AR" sz="3200" dirty="0">
+                <a:solidFill>
+                  <a:schemeClr val="bg1"/>
+                </a:solidFill>
+              </a:rPr>
+              <a:t>Transfer </a:t>
+            </a:r>
+            <a:r>
+              <a:rPr lang="es-AR" sz="3200" dirty="0" err="1">
+                <a:solidFill>
+                  <a:schemeClr val="bg1"/>
+                </a:solidFill>
+              </a:rPr>
+              <a:t>Learning</a:t>
+            </a:r>
+            <a:r>
+              <a:rPr lang="es-AR" sz="3200" dirty="0">
+                <a:solidFill>
+                  <a:schemeClr val="bg1"/>
+                </a:solidFill>
+              </a:rPr>
+              <a:t> - ¿Qué estrategia usar?</a:t>
+            </a:r>
+          </a:p>
+          <a:p>
+            <a:pPr marL="0" indent="0" algn="ctr">
+              <a:buNone/>
+            </a:pPr>
+            <a:endParaRPr lang="es-AR" sz="3200" dirty="0">
+              <a:solidFill>
+                <a:schemeClr val="bg1"/>
+              </a:solidFill>
+            </a:endParaRPr>
+          </a:p>
+        </p:txBody>
+      </p:sp>
+      <p:cxnSp>
+        <p:nvCxnSpPr>
+          <p:cNvPr id="3" name="Conector recto de flecha 2">
+            <a:extLst>
+              <a:ext uri="{FF2B5EF4-FFF2-40B4-BE49-F238E27FC236}">
+                <a16:creationId xmlns:a16="http://schemas.microsoft.com/office/drawing/2014/main" id="{5EBC6E99-81D6-E402-C1F3-2B06ADD13C83}"/>
+              </a:ext>
+            </a:extLst>
+          </p:cNvPr>
+          <p:cNvCxnSpPr/>
+          <p:nvPr/>
+        </p:nvCxnSpPr>
+        <p:spPr>
+          <a:xfrm>
             <a:off x="1163703" y="1881739"/>
             <a:ext cx="9236765" cy="0"/>
           </a:xfrm>
@@ -27390,1083 +28984,6 @@
 </p:sld>
 </file>
 
-<file path=ppt/slides/slide9.xml><?xml version="1.0" encoding="utf-8"?>
-<p:sld xmlns:a="http://schemas.openxmlformats.org/drawingml/2006/main" xmlns:r="http://schemas.openxmlformats.org/officeDocument/2006/relationships" xmlns:p="http://schemas.openxmlformats.org/presentationml/2006/main">
-  <p:cSld>
-    <p:spTree>
-      <p:nvGrpSpPr>
-        <p:cNvPr id="1" name=""/>
-        <p:cNvGrpSpPr/>
-        <p:nvPr/>
-      </p:nvGrpSpPr>
-      <p:grpSpPr>
-        <a:xfrm>
-          <a:off x="0" y="0"/>
-          <a:ext cx="0" cy="0"/>
-          <a:chOff x="0" y="0"/>
-          <a:chExt cx="0" cy="0"/>
-        </a:xfrm>
-      </p:grpSpPr>
-      <p:sp>
-        <p:nvSpPr>
-          <p:cNvPr id="4" name="Subtitle 1"/>
-          <p:cNvSpPr txBox="1">
-            <a:spLocks/>
-          </p:cNvSpPr>
-          <p:nvPr/>
-        </p:nvSpPr>
-        <p:spPr>
-          <a:xfrm>
-            <a:off x="-159657" y="0"/>
-            <a:ext cx="12511314" cy="1085871"/>
-          </a:xfrm>
-          <a:prstGeom prst="rect">
-            <a:avLst/>
-          </a:prstGeom>
-        </p:spPr>
-        <p:txBody>
-          <a:bodyPr vert="horz" lIns="91440" tIns="45720" rIns="91440" bIns="45720" rtlCol="0">
-            <a:noAutofit/>
-          </a:bodyPr>
-          <a:lstStyle>
-            <a:lvl1pPr marL="228600" indent="-228600" algn="l" defTabSz="914400" rtl="0" eaLnBrk="1" latinLnBrk="0" hangingPunct="1">
-              <a:lnSpc>
-                <a:spcPct val="120000"/>
-              </a:lnSpc>
-              <a:spcBef>
-                <a:spcPts val="1000"/>
-              </a:spcBef>
-              <a:buSzPct val="125000"/>
-              <a:buFont typeface="Arial" panose="020B0604020202020204" pitchFamily="34" charset="0"/>
-              <a:buChar char="•"/>
-              <a:defRPr sz="2400" kern="1200">
-                <a:solidFill>
-                  <a:schemeClr val="tx1"/>
-                </a:solidFill>
-                <a:latin typeface="+mn-lt"/>
-                <a:ea typeface="+mn-ea"/>
-                <a:cs typeface="+mn-cs"/>
-              </a:defRPr>
-            </a:lvl1pPr>
-            <a:lvl2pPr marL="685800" indent="-228600" algn="l" defTabSz="914400" rtl="0" eaLnBrk="1" latinLnBrk="0" hangingPunct="1">
-              <a:lnSpc>
-                <a:spcPct val="120000"/>
-              </a:lnSpc>
-              <a:spcBef>
-                <a:spcPts val="500"/>
-              </a:spcBef>
-              <a:buSzPct val="125000"/>
-              <a:buFont typeface="Arial" panose="020B0604020202020204" pitchFamily="34" charset="0"/>
-              <a:buChar char="•"/>
-              <a:defRPr sz="2000" kern="1200">
-                <a:solidFill>
-                  <a:schemeClr val="tx1"/>
-                </a:solidFill>
-                <a:latin typeface="+mn-lt"/>
-                <a:ea typeface="+mn-ea"/>
-                <a:cs typeface="+mn-cs"/>
-              </a:defRPr>
-            </a:lvl2pPr>
-            <a:lvl3pPr marL="1143000" indent="-228600" algn="l" defTabSz="914400" rtl="0" eaLnBrk="1" latinLnBrk="0" hangingPunct="1">
-              <a:lnSpc>
-                <a:spcPct val="120000"/>
-              </a:lnSpc>
-              <a:spcBef>
-                <a:spcPts val="500"/>
-              </a:spcBef>
-              <a:buSzPct val="125000"/>
-              <a:buFont typeface="Arial" panose="020B0604020202020204" pitchFamily="34" charset="0"/>
-              <a:buChar char="•"/>
-              <a:defRPr sz="1800" kern="1200">
-                <a:solidFill>
-                  <a:schemeClr val="tx1"/>
-                </a:solidFill>
-                <a:latin typeface="+mn-lt"/>
-                <a:ea typeface="+mn-ea"/>
-                <a:cs typeface="+mn-cs"/>
-              </a:defRPr>
-            </a:lvl3pPr>
-            <a:lvl4pPr marL="1600200" indent="-228600" algn="l" defTabSz="914400" rtl="0" eaLnBrk="1" latinLnBrk="0" hangingPunct="1">
-              <a:lnSpc>
-                <a:spcPct val="120000"/>
-              </a:lnSpc>
-              <a:spcBef>
-                <a:spcPts val="500"/>
-              </a:spcBef>
-              <a:buSzPct val="125000"/>
-              <a:buFont typeface="Arial" panose="020B0604020202020204" pitchFamily="34" charset="0"/>
-              <a:buChar char="•"/>
-              <a:defRPr sz="1600" kern="1200">
-                <a:solidFill>
-                  <a:schemeClr val="tx1"/>
-                </a:solidFill>
-                <a:latin typeface="+mn-lt"/>
-                <a:ea typeface="+mn-ea"/>
-                <a:cs typeface="+mn-cs"/>
-              </a:defRPr>
-            </a:lvl4pPr>
-            <a:lvl5pPr marL="2057400" indent="-228600" algn="l" defTabSz="914400" rtl="0" eaLnBrk="1" latinLnBrk="0" hangingPunct="1">
-              <a:lnSpc>
-                <a:spcPct val="120000"/>
-              </a:lnSpc>
-              <a:spcBef>
-                <a:spcPts val="500"/>
-              </a:spcBef>
-              <a:buSzPct val="125000"/>
-              <a:buFont typeface="Arial" panose="020B0604020202020204" pitchFamily="34" charset="0"/>
-              <a:buChar char="•"/>
-              <a:defRPr sz="1600" kern="1200">
-                <a:solidFill>
-                  <a:schemeClr val="tx1"/>
-                </a:solidFill>
-                <a:latin typeface="+mn-lt"/>
-                <a:ea typeface="+mn-ea"/>
-                <a:cs typeface="+mn-cs"/>
-              </a:defRPr>
-            </a:lvl5pPr>
-            <a:lvl6pPr marL="2514600" indent="-228600" algn="l" defTabSz="914400" rtl="0" eaLnBrk="1" latinLnBrk="0" hangingPunct="1">
-              <a:lnSpc>
-                <a:spcPct val="120000"/>
-              </a:lnSpc>
-              <a:spcBef>
-                <a:spcPts val="500"/>
-              </a:spcBef>
-              <a:buSzPct val="125000"/>
-              <a:buFont typeface="Arial" panose="020B0604020202020204" pitchFamily="34" charset="0"/>
-              <a:buChar char="•"/>
-              <a:defRPr sz="1400" kern="1200">
-                <a:solidFill>
-                  <a:schemeClr val="tx1"/>
-                </a:solidFill>
-                <a:latin typeface="+mn-lt"/>
-                <a:ea typeface="+mn-ea"/>
-                <a:cs typeface="+mn-cs"/>
-              </a:defRPr>
-            </a:lvl6pPr>
-            <a:lvl7pPr marL="2971800" indent="-228600" algn="l" defTabSz="914400" rtl="0" eaLnBrk="1" latinLnBrk="0" hangingPunct="1">
-              <a:lnSpc>
-                <a:spcPct val="120000"/>
-              </a:lnSpc>
-              <a:spcBef>
-                <a:spcPts val="500"/>
-              </a:spcBef>
-              <a:buSzPct val="125000"/>
-              <a:buFont typeface="Arial" panose="020B0604020202020204" pitchFamily="34" charset="0"/>
-              <a:buChar char="•"/>
-              <a:defRPr sz="1400" kern="1200">
-                <a:solidFill>
-                  <a:schemeClr val="tx1"/>
-                </a:solidFill>
-                <a:latin typeface="+mn-lt"/>
-                <a:ea typeface="+mn-ea"/>
-                <a:cs typeface="+mn-cs"/>
-              </a:defRPr>
-            </a:lvl7pPr>
-            <a:lvl8pPr marL="3429000" indent="-228600" algn="l" defTabSz="914400" rtl="0" eaLnBrk="1" latinLnBrk="0" hangingPunct="1">
-              <a:lnSpc>
-                <a:spcPct val="120000"/>
-              </a:lnSpc>
-              <a:spcBef>
-                <a:spcPts val="500"/>
-              </a:spcBef>
-              <a:buSzPct val="125000"/>
-              <a:buFont typeface="Arial" panose="020B0604020202020204" pitchFamily="34" charset="0"/>
-              <a:buChar char="•"/>
-              <a:defRPr sz="1400" kern="1200">
-                <a:solidFill>
-                  <a:schemeClr val="tx1"/>
-                </a:solidFill>
-                <a:latin typeface="+mn-lt"/>
-                <a:ea typeface="+mn-ea"/>
-                <a:cs typeface="+mn-cs"/>
-              </a:defRPr>
-            </a:lvl8pPr>
-            <a:lvl9pPr marL="3886200" indent="-228600" algn="l" defTabSz="914400" rtl="0" eaLnBrk="1" latinLnBrk="0" hangingPunct="1">
-              <a:lnSpc>
-                <a:spcPct val="120000"/>
-              </a:lnSpc>
-              <a:spcBef>
-                <a:spcPts val="500"/>
-              </a:spcBef>
-              <a:buSzPct val="125000"/>
-              <a:buFont typeface="Arial" panose="020B0604020202020204" pitchFamily="34" charset="0"/>
-              <a:buChar char="•"/>
-              <a:defRPr sz="1400" kern="1200">
-                <a:solidFill>
-                  <a:schemeClr val="tx1"/>
-                </a:solidFill>
-                <a:latin typeface="+mn-lt"/>
-                <a:ea typeface="+mn-ea"/>
-                <a:cs typeface="+mn-cs"/>
-              </a:defRPr>
-            </a:lvl9pPr>
-          </a:lstStyle>
-          <a:p>
-            <a:pPr marL="0" indent="0" algn="ctr">
-              <a:buNone/>
-            </a:pPr>
-            <a:r>
-              <a:rPr lang="es-AR" sz="3200" dirty="0">
-                <a:solidFill>
-                  <a:schemeClr val="bg1"/>
-                </a:solidFill>
-              </a:rPr>
-              <a:t>Transfer </a:t>
-            </a:r>
-            <a:r>
-              <a:rPr lang="es-AR" sz="3200" dirty="0" err="1">
-                <a:solidFill>
-                  <a:schemeClr val="bg1"/>
-                </a:solidFill>
-              </a:rPr>
-              <a:t>Learning</a:t>
-            </a:r>
-            <a:r>
-              <a:rPr lang="es-AR" sz="3200" dirty="0">
-                <a:solidFill>
-                  <a:schemeClr val="bg1"/>
-                </a:solidFill>
-              </a:rPr>
-              <a:t> - ¿Qué estrategia usar?</a:t>
-            </a:r>
-          </a:p>
-          <a:p>
-            <a:pPr marL="0" indent="0" algn="ctr">
-              <a:buNone/>
-            </a:pPr>
-            <a:endParaRPr lang="es-AR" sz="3200" dirty="0">
-              <a:solidFill>
-                <a:schemeClr val="bg1"/>
-              </a:solidFill>
-            </a:endParaRPr>
-          </a:p>
-        </p:txBody>
-      </p:sp>
-      <p:cxnSp>
-        <p:nvCxnSpPr>
-          <p:cNvPr id="3" name="Conector recto de flecha 2">
-            <a:extLst>
-              <a:ext uri="{FF2B5EF4-FFF2-40B4-BE49-F238E27FC236}">
-                <a16:creationId xmlns:a16="http://schemas.microsoft.com/office/drawing/2014/main" id="{5EBC6E99-81D6-E402-C1F3-2B06ADD13C83}"/>
-              </a:ext>
-            </a:extLst>
-          </p:cNvPr>
-          <p:cNvCxnSpPr/>
-          <p:nvPr/>
-        </p:nvCxnSpPr>
-        <p:spPr>
-          <a:xfrm>
-            <a:off x="1219200" y="2345635"/>
-            <a:ext cx="9236765" cy="0"/>
-          </a:xfrm>
-          <a:prstGeom prst="straightConnector1">
-            <a:avLst/>
-          </a:prstGeom>
-          <a:ln w="76200">
-            <a:headEnd type="triangle"/>
-            <a:tailEnd type="triangle"/>
-          </a:ln>
-        </p:spPr>
-        <p:style>
-          <a:lnRef idx="1">
-            <a:schemeClr val="accent2"/>
-          </a:lnRef>
-          <a:fillRef idx="0">
-            <a:schemeClr val="accent2"/>
-          </a:fillRef>
-          <a:effectRef idx="0">
-            <a:schemeClr val="accent2"/>
-          </a:effectRef>
-          <a:fontRef idx="minor">
-            <a:schemeClr val="tx1"/>
-          </a:fontRef>
-        </p:style>
-      </p:cxnSp>
-      <p:cxnSp>
-        <p:nvCxnSpPr>
-          <p:cNvPr id="5" name="Conector recto de flecha 4">
-            <a:extLst>
-              <a:ext uri="{FF2B5EF4-FFF2-40B4-BE49-F238E27FC236}">
-                <a16:creationId xmlns:a16="http://schemas.microsoft.com/office/drawing/2014/main" id="{79E2AA7B-0C05-90F6-2742-E9A887A241AB}"/>
-              </a:ext>
-            </a:extLst>
-          </p:cNvPr>
-          <p:cNvCxnSpPr>
-            <a:cxnSpLocks/>
-          </p:cNvCxnSpPr>
-          <p:nvPr/>
-        </p:nvCxnSpPr>
-        <p:spPr>
-          <a:xfrm>
-            <a:off x="8288889" y="1167610"/>
-            <a:ext cx="0" cy="5006083"/>
-          </a:xfrm>
-          <a:prstGeom prst="straightConnector1">
-            <a:avLst/>
-          </a:prstGeom>
-          <a:ln w="76200">
-            <a:headEnd type="triangle"/>
-            <a:tailEnd type="triangle"/>
-          </a:ln>
-        </p:spPr>
-        <p:style>
-          <a:lnRef idx="1">
-            <a:schemeClr val="accent2"/>
-          </a:lnRef>
-          <a:fillRef idx="0">
-            <a:schemeClr val="accent2"/>
-          </a:fillRef>
-          <a:effectRef idx="0">
-            <a:schemeClr val="accent2"/>
-          </a:effectRef>
-          <a:fontRef idx="minor">
-            <a:schemeClr val="tx1"/>
-          </a:fontRef>
-        </p:style>
-      </p:cxnSp>
-      <p:sp>
-        <p:nvSpPr>
-          <p:cNvPr id="9" name="CuadroTexto 8">
-            <a:extLst>
-              <a:ext uri="{FF2B5EF4-FFF2-40B4-BE49-F238E27FC236}">
-                <a16:creationId xmlns:a16="http://schemas.microsoft.com/office/drawing/2014/main" id="{3CC4C91B-D1B6-4B85-0C60-474E765AA993}"/>
-              </a:ext>
-            </a:extLst>
-          </p:cNvPr>
-          <p:cNvSpPr txBox="1"/>
-          <p:nvPr/>
-        </p:nvSpPr>
-        <p:spPr>
-          <a:xfrm>
-            <a:off x="-33779" y="1730107"/>
-            <a:ext cx="1789040" cy="830997"/>
-          </a:xfrm>
-          <a:prstGeom prst="rect">
-            <a:avLst/>
-          </a:prstGeom>
-          <a:noFill/>
-        </p:spPr>
-        <p:txBody>
-          <a:bodyPr wrap="square">
-            <a:spAutoFit/>
-          </a:bodyPr>
-          <a:lstStyle/>
-          <a:p>
-            <a:r>
-              <a:rPr lang="es-AR" sz="2400" dirty="0" err="1">
-                <a:solidFill>
-                  <a:schemeClr val="bg1"/>
-                </a:solidFill>
-              </a:rPr>
-              <a:t>Dataset</a:t>
-            </a:r>
-            <a:r>
-              <a:rPr lang="es-AR" sz="2400" dirty="0">
-                <a:solidFill>
-                  <a:schemeClr val="bg1"/>
-                </a:solidFill>
-              </a:rPr>
-              <a:t> pequeño </a:t>
-            </a:r>
-            <a:endParaRPr lang="es-AR" sz="2400" dirty="0"/>
-          </a:p>
-        </p:txBody>
-      </p:sp>
-      <p:sp>
-        <p:nvSpPr>
-          <p:cNvPr id="10" name="CuadroTexto 9">
-            <a:extLst>
-              <a:ext uri="{FF2B5EF4-FFF2-40B4-BE49-F238E27FC236}">
-                <a16:creationId xmlns:a16="http://schemas.microsoft.com/office/drawing/2014/main" id="{9241FF65-4241-DE52-6A64-75594F8D8931}"/>
-              </a:ext>
-            </a:extLst>
-          </p:cNvPr>
-          <p:cNvSpPr txBox="1"/>
-          <p:nvPr/>
-        </p:nvSpPr>
-        <p:spPr>
-          <a:xfrm>
-            <a:off x="10520488" y="2345635"/>
-            <a:ext cx="1689648" cy="830997"/>
-          </a:xfrm>
-          <a:prstGeom prst="rect">
-            <a:avLst/>
-          </a:prstGeom>
-          <a:noFill/>
-        </p:spPr>
-        <p:txBody>
-          <a:bodyPr wrap="square">
-            <a:spAutoFit/>
-          </a:bodyPr>
-          <a:lstStyle/>
-          <a:p>
-            <a:r>
-              <a:rPr lang="es-AR" sz="2400" dirty="0" err="1">
-                <a:solidFill>
-                  <a:schemeClr val="bg1"/>
-                </a:solidFill>
-              </a:rPr>
-              <a:t>Dataset</a:t>
-            </a:r>
-            <a:r>
-              <a:rPr lang="es-AR" sz="2400" dirty="0">
-                <a:solidFill>
-                  <a:schemeClr val="bg1"/>
-                </a:solidFill>
-              </a:rPr>
-              <a:t> grande</a:t>
-            </a:r>
-            <a:endParaRPr lang="es-AR" sz="2400" dirty="0"/>
-          </a:p>
-        </p:txBody>
-      </p:sp>
-      <p:sp>
-        <p:nvSpPr>
-          <p:cNvPr id="11" name="CuadroTexto 10">
-            <a:extLst>
-              <a:ext uri="{FF2B5EF4-FFF2-40B4-BE49-F238E27FC236}">
-                <a16:creationId xmlns:a16="http://schemas.microsoft.com/office/drawing/2014/main" id="{786610DA-0C4D-A6B8-BCDC-9E16E3D907EF}"/>
-              </a:ext>
-            </a:extLst>
-          </p:cNvPr>
-          <p:cNvSpPr txBox="1"/>
-          <p:nvPr/>
-        </p:nvSpPr>
-        <p:spPr>
-          <a:xfrm>
-            <a:off x="5117076" y="629685"/>
-            <a:ext cx="2548961" cy="830997"/>
-          </a:xfrm>
-          <a:prstGeom prst="rect">
-            <a:avLst/>
-          </a:prstGeom>
-          <a:noFill/>
-        </p:spPr>
-        <p:txBody>
-          <a:bodyPr wrap="square">
-            <a:spAutoFit/>
-          </a:bodyPr>
-          <a:lstStyle/>
-          <a:p>
-            <a:pPr algn="ctr"/>
-            <a:r>
-              <a:rPr lang="es-AR" sz="2400" dirty="0" err="1">
-                <a:solidFill>
-                  <a:schemeClr val="bg1"/>
-                </a:solidFill>
-              </a:rPr>
-              <a:t>Dataset</a:t>
-            </a:r>
-            <a:r>
-              <a:rPr lang="es-AR" sz="2400" dirty="0">
-                <a:solidFill>
-                  <a:schemeClr val="bg1"/>
-                </a:solidFill>
-              </a:rPr>
-              <a:t> semejante al </a:t>
-            </a:r>
-            <a:r>
-              <a:rPr lang="es-AR" sz="2400" dirty="0" err="1">
-                <a:solidFill>
-                  <a:schemeClr val="bg1"/>
-                </a:solidFill>
-              </a:rPr>
-              <a:t>generic</a:t>
-            </a:r>
-            <a:endParaRPr lang="es-AR" sz="2400" dirty="0"/>
-          </a:p>
-        </p:txBody>
-      </p:sp>
-      <p:sp>
-        <p:nvSpPr>
-          <p:cNvPr id="13" name="CuadroTexto 12">
-            <a:extLst>
-              <a:ext uri="{FF2B5EF4-FFF2-40B4-BE49-F238E27FC236}">
-                <a16:creationId xmlns:a16="http://schemas.microsoft.com/office/drawing/2014/main" id="{7CEE8649-6685-48ED-332D-9CAB11E68EEF}"/>
-              </a:ext>
-            </a:extLst>
-          </p:cNvPr>
-          <p:cNvSpPr txBox="1"/>
-          <p:nvPr/>
-        </p:nvSpPr>
-        <p:spPr>
-          <a:xfrm>
-            <a:off x="4978269" y="6091954"/>
-            <a:ext cx="2198343" cy="830997"/>
-          </a:xfrm>
-          <a:prstGeom prst="rect">
-            <a:avLst/>
-          </a:prstGeom>
-          <a:noFill/>
-        </p:spPr>
-        <p:txBody>
-          <a:bodyPr wrap="square">
-            <a:spAutoFit/>
-          </a:bodyPr>
-          <a:lstStyle/>
-          <a:p>
-            <a:pPr algn="ctr"/>
-            <a:r>
-              <a:rPr lang="es-AR" sz="2400" dirty="0" err="1">
-                <a:solidFill>
-                  <a:schemeClr val="bg1"/>
-                </a:solidFill>
-              </a:rPr>
-              <a:t>Dataset</a:t>
-            </a:r>
-            <a:r>
-              <a:rPr lang="es-AR" sz="2400" dirty="0">
-                <a:solidFill>
-                  <a:schemeClr val="bg1"/>
-                </a:solidFill>
-              </a:rPr>
-              <a:t> distinto al </a:t>
-            </a:r>
-            <a:r>
-              <a:rPr lang="es-AR" sz="2400" dirty="0" err="1">
-                <a:solidFill>
-                  <a:schemeClr val="bg1"/>
-                </a:solidFill>
-              </a:rPr>
-              <a:t>generic</a:t>
-            </a:r>
-            <a:endParaRPr lang="es-AR" sz="2400" dirty="0"/>
-          </a:p>
-        </p:txBody>
-      </p:sp>
-      <p:sp>
-        <p:nvSpPr>
-          <p:cNvPr id="15" name="CuadroTexto 14">
-            <a:extLst>
-              <a:ext uri="{FF2B5EF4-FFF2-40B4-BE49-F238E27FC236}">
-                <a16:creationId xmlns:a16="http://schemas.microsoft.com/office/drawing/2014/main" id="{55F7F7D5-E549-29DA-B389-E677AFFEF69F}"/>
-              </a:ext>
-            </a:extLst>
-          </p:cNvPr>
-          <p:cNvSpPr txBox="1"/>
-          <p:nvPr/>
-        </p:nvSpPr>
-        <p:spPr>
-          <a:xfrm>
-            <a:off x="1859419" y="773083"/>
-            <a:ext cx="1994454" cy="369332"/>
-          </a:xfrm>
-          <a:prstGeom prst="rect">
-            <a:avLst/>
-          </a:prstGeom>
-          <a:noFill/>
-        </p:spPr>
-        <p:txBody>
-          <a:bodyPr wrap="square">
-            <a:spAutoFit/>
-          </a:bodyPr>
-          <a:lstStyle/>
-          <a:p>
-            <a:r>
-              <a:rPr lang="es-AR" sz="1800" dirty="0" err="1">
-                <a:solidFill>
-                  <a:srgbClr val="FF0000"/>
-                </a:solidFill>
-                <a:sym typeface="Wingdings" panose="05000000000000000000" pitchFamily="2" charset="2"/>
-              </a:rPr>
-              <a:t>feature</a:t>
-            </a:r>
-            <a:r>
-              <a:rPr lang="es-AR" sz="1800" dirty="0">
-                <a:solidFill>
-                  <a:srgbClr val="FF0000"/>
-                </a:solidFill>
-                <a:sym typeface="Wingdings" panose="05000000000000000000" pitchFamily="2" charset="2"/>
-              </a:rPr>
-              <a:t> extractor</a:t>
-            </a:r>
-            <a:endParaRPr lang="es-AR" dirty="0">
-              <a:solidFill>
-                <a:srgbClr val="FF0000"/>
-              </a:solidFill>
-            </a:endParaRPr>
-          </a:p>
-        </p:txBody>
-      </p:sp>
-      <p:sp>
-        <p:nvSpPr>
-          <p:cNvPr id="17" name="CuadroTexto 16">
-            <a:extLst>
-              <a:ext uri="{FF2B5EF4-FFF2-40B4-BE49-F238E27FC236}">
-                <a16:creationId xmlns:a16="http://schemas.microsoft.com/office/drawing/2014/main" id="{B377829B-A29D-FDCC-45F1-E09CEB0E7CDD}"/>
-              </a:ext>
-            </a:extLst>
-          </p:cNvPr>
-          <p:cNvSpPr txBox="1"/>
-          <p:nvPr/>
-        </p:nvSpPr>
-        <p:spPr>
-          <a:xfrm>
-            <a:off x="8604911" y="710996"/>
-            <a:ext cx="1643269" cy="369332"/>
-          </a:xfrm>
-          <a:prstGeom prst="rect">
-            <a:avLst/>
-          </a:prstGeom>
-          <a:noFill/>
-        </p:spPr>
-        <p:txBody>
-          <a:bodyPr wrap="square">
-            <a:spAutoFit/>
-          </a:bodyPr>
-          <a:lstStyle/>
-          <a:p>
-            <a:r>
-              <a:rPr lang="es-AR" sz="1800" dirty="0">
-                <a:solidFill>
-                  <a:srgbClr val="FF0000"/>
-                </a:solidFill>
-                <a:sym typeface="Wingdings" panose="05000000000000000000" pitchFamily="2" charset="2"/>
-              </a:rPr>
-              <a:t>fine </a:t>
-            </a:r>
-            <a:r>
-              <a:rPr lang="es-AR" sz="1800" dirty="0" err="1">
-                <a:solidFill>
-                  <a:srgbClr val="FF0000"/>
-                </a:solidFill>
-                <a:sym typeface="Wingdings" panose="05000000000000000000" pitchFamily="2" charset="2"/>
-              </a:rPr>
-              <a:t>tunning</a:t>
-            </a:r>
-            <a:endParaRPr lang="es-AR" dirty="0">
-              <a:solidFill>
-                <a:srgbClr val="FF0000"/>
-              </a:solidFill>
-            </a:endParaRPr>
-          </a:p>
-        </p:txBody>
-      </p:sp>
-      <p:sp>
-        <p:nvSpPr>
-          <p:cNvPr id="19" name="CuadroTexto 18">
-            <a:extLst>
-              <a:ext uri="{FF2B5EF4-FFF2-40B4-BE49-F238E27FC236}">
-                <a16:creationId xmlns:a16="http://schemas.microsoft.com/office/drawing/2014/main" id="{0EE19F03-CC19-C315-698F-ED1617A7B088}"/>
-              </a:ext>
-            </a:extLst>
-          </p:cNvPr>
-          <p:cNvSpPr txBox="1"/>
-          <p:nvPr/>
-        </p:nvSpPr>
-        <p:spPr>
-          <a:xfrm>
-            <a:off x="380128" y="6084917"/>
-            <a:ext cx="2411901" cy="646331"/>
-          </a:xfrm>
-          <a:prstGeom prst="rect">
-            <a:avLst/>
-          </a:prstGeom>
-          <a:noFill/>
-        </p:spPr>
-        <p:txBody>
-          <a:bodyPr wrap="square">
-            <a:spAutoFit/>
-          </a:bodyPr>
-          <a:lstStyle/>
-          <a:p>
-            <a:r>
-              <a:rPr lang="es-AR" sz="1800" dirty="0" err="1">
-                <a:solidFill>
-                  <a:srgbClr val="FF0000"/>
-                </a:solidFill>
-                <a:sym typeface="Wingdings" panose="05000000000000000000" pitchFamily="2" charset="2"/>
-              </a:rPr>
-              <a:t>feature</a:t>
-            </a:r>
-            <a:r>
-              <a:rPr lang="es-AR" sz="1800" dirty="0">
-                <a:solidFill>
-                  <a:srgbClr val="FF0000"/>
-                </a:solidFill>
-                <a:sym typeface="Wingdings" panose="05000000000000000000" pitchFamily="2" charset="2"/>
-              </a:rPr>
-              <a:t> extractor desde menor profundidad</a:t>
-            </a:r>
-            <a:endParaRPr lang="es-AR" dirty="0">
-              <a:solidFill>
-                <a:srgbClr val="FF0000"/>
-              </a:solidFill>
-            </a:endParaRPr>
-          </a:p>
-        </p:txBody>
-      </p:sp>
-      <p:sp>
-        <p:nvSpPr>
-          <p:cNvPr id="21" name="CuadroTexto 20">
-            <a:extLst>
-              <a:ext uri="{FF2B5EF4-FFF2-40B4-BE49-F238E27FC236}">
-                <a16:creationId xmlns:a16="http://schemas.microsoft.com/office/drawing/2014/main" id="{E8F43549-4D83-6AA4-3046-86BFC31F5C71}"/>
-              </a:ext>
-            </a:extLst>
-          </p:cNvPr>
-          <p:cNvSpPr txBox="1"/>
-          <p:nvPr/>
-        </p:nvSpPr>
-        <p:spPr>
-          <a:xfrm>
-            <a:off x="9030478" y="4158665"/>
-            <a:ext cx="2850973" cy="646331"/>
-          </a:xfrm>
-          <a:prstGeom prst="rect">
-            <a:avLst/>
-          </a:prstGeom>
-          <a:noFill/>
-        </p:spPr>
-        <p:txBody>
-          <a:bodyPr wrap="square">
-            <a:spAutoFit/>
-          </a:bodyPr>
-          <a:lstStyle/>
-          <a:p>
-            <a:r>
-              <a:rPr lang="es-AR" sz="1800" dirty="0">
-                <a:solidFill>
-                  <a:srgbClr val="FF0000"/>
-                </a:solidFill>
-                <a:sym typeface="Wingdings" panose="05000000000000000000" pitchFamily="2" charset="2"/>
-              </a:rPr>
-              <a:t>fine </a:t>
-            </a:r>
-            <a:r>
-              <a:rPr lang="es-AR" sz="1800" dirty="0" err="1">
-                <a:solidFill>
-                  <a:srgbClr val="FF0000"/>
-                </a:solidFill>
-                <a:sym typeface="Wingdings" panose="05000000000000000000" pitchFamily="2" charset="2"/>
-              </a:rPr>
-              <a:t>tunning</a:t>
-            </a:r>
-            <a:r>
-              <a:rPr lang="es-AR" sz="1800" dirty="0">
-                <a:solidFill>
-                  <a:srgbClr val="FF0000"/>
-                </a:solidFill>
-                <a:sym typeface="Wingdings" panose="05000000000000000000" pitchFamily="2" charset="2"/>
-              </a:rPr>
-              <a:t> (</a:t>
-            </a:r>
-            <a:r>
-              <a:rPr lang="es-AR" sz="1800" dirty="0" err="1">
-                <a:solidFill>
-                  <a:srgbClr val="FF0000"/>
-                </a:solidFill>
-                <a:sym typeface="Wingdings" panose="05000000000000000000" pitchFamily="2" charset="2"/>
-              </a:rPr>
-              <a:t>from</a:t>
-            </a:r>
-            <a:r>
-              <a:rPr lang="es-AR" sz="1800" dirty="0">
-                <a:solidFill>
-                  <a:srgbClr val="FF0000"/>
-                </a:solidFill>
-                <a:sym typeface="Wingdings" panose="05000000000000000000" pitchFamily="2" charset="2"/>
-              </a:rPr>
-              <a:t> </a:t>
-            </a:r>
-            <a:r>
-              <a:rPr lang="es-AR" sz="1800" dirty="0" err="1">
-                <a:solidFill>
-                  <a:srgbClr val="FF0000"/>
-                </a:solidFill>
-                <a:sym typeface="Wingdings" panose="05000000000000000000" pitchFamily="2" charset="2"/>
-              </a:rPr>
-              <a:t>pre-trained</a:t>
-            </a:r>
-            <a:r>
-              <a:rPr lang="es-AR" sz="1800" dirty="0">
-                <a:solidFill>
-                  <a:srgbClr val="FF0000"/>
-                </a:solidFill>
-                <a:sym typeface="Wingdings" panose="05000000000000000000" pitchFamily="2" charset="2"/>
-              </a:rPr>
-              <a:t> </a:t>
-            </a:r>
-            <a:r>
-              <a:rPr lang="es-AR" sz="1800" dirty="0" err="1">
-                <a:solidFill>
-                  <a:srgbClr val="FF0000"/>
-                </a:solidFill>
-                <a:sym typeface="Wingdings" panose="05000000000000000000" pitchFamily="2" charset="2"/>
-              </a:rPr>
-              <a:t>models</a:t>
-            </a:r>
-            <a:r>
-              <a:rPr lang="es-AR" sz="1800" dirty="0">
-                <a:solidFill>
-                  <a:srgbClr val="FF0000"/>
-                </a:solidFill>
-                <a:sym typeface="Wingdings" panose="05000000000000000000" pitchFamily="2" charset="2"/>
-              </a:rPr>
-              <a:t>)</a:t>
-            </a:r>
-            <a:endParaRPr lang="es-AR" dirty="0">
-              <a:solidFill>
-                <a:srgbClr val="FF0000"/>
-              </a:solidFill>
-            </a:endParaRPr>
-          </a:p>
-        </p:txBody>
-      </p:sp>
-      <p:pic>
-        <p:nvPicPr>
-          <p:cNvPr id="31" name="Imagen 30">
-            <a:extLst>
-              <a:ext uri="{FF2B5EF4-FFF2-40B4-BE49-F238E27FC236}">
-                <a16:creationId xmlns:a16="http://schemas.microsoft.com/office/drawing/2014/main" id="{CD46A953-1561-8618-5E56-CCF894E5D979}"/>
-              </a:ext>
-            </a:extLst>
-          </p:cNvPr>
-          <p:cNvPicPr>
-            <a:picLocks noChangeAspect="1"/>
-          </p:cNvPicPr>
-          <p:nvPr/>
-        </p:nvPicPr>
-        <p:blipFill>
-          <a:blip r:embed="rId2">
-            <a:extLst>
-              <a:ext uri="{28A0092B-C50C-407E-A947-70E740481C1C}">
-                <a14:useLocalDpi xmlns:a14="http://schemas.microsoft.com/office/drawing/2010/main" val="0"/>
-              </a:ext>
-            </a:extLst>
-          </a:blip>
-          <a:stretch>
-            <a:fillRect/>
-          </a:stretch>
-        </p:blipFill>
-        <p:spPr>
-          <a:xfrm>
-            <a:off x="2062711" y="3936150"/>
-            <a:ext cx="3170737" cy="2096674"/>
-          </a:xfrm>
-          <a:prstGeom prst="rect">
-            <a:avLst/>
-          </a:prstGeom>
-        </p:spPr>
-      </p:pic>
-      <p:sp>
-        <p:nvSpPr>
-          <p:cNvPr id="32" name="Abrir llave 31">
-            <a:extLst>
-              <a:ext uri="{FF2B5EF4-FFF2-40B4-BE49-F238E27FC236}">
-                <a16:creationId xmlns:a16="http://schemas.microsoft.com/office/drawing/2014/main" id="{6B9115E1-08DB-5990-8730-9030B27874B5}"/>
-              </a:ext>
-            </a:extLst>
-          </p:cNvPr>
-          <p:cNvSpPr/>
-          <p:nvPr/>
-        </p:nvSpPr>
-        <p:spPr>
-          <a:xfrm rot="16200000">
-            <a:off x="3643162" y="5767534"/>
-            <a:ext cx="267220" cy="545098"/>
-          </a:xfrm>
-          <a:prstGeom prst="leftBrace">
-            <a:avLst/>
-          </a:prstGeom>
-          <a:ln>
-            <a:solidFill>
-              <a:srgbClr val="FF0000"/>
-            </a:solidFill>
-          </a:ln>
-        </p:spPr>
-        <p:style>
-          <a:lnRef idx="3">
-            <a:schemeClr val="accent3"/>
-          </a:lnRef>
-          <a:fillRef idx="0">
-            <a:schemeClr val="accent3"/>
-          </a:fillRef>
-          <a:effectRef idx="2">
-            <a:schemeClr val="accent3"/>
-          </a:effectRef>
-          <a:fontRef idx="minor">
-            <a:schemeClr val="tx1"/>
-          </a:fontRef>
-        </p:style>
-        <p:txBody>
-          <a:bodyPr rtlCol="0" anchor="ctr"/>
-          <a:lstStyle/>
-          <a:p>
-            <a:pPr algn="ctr"/>
-            <a:endParaRPr lang="es-AR"/>
-          </a:p>
-        </p:txBody>
-      </p:sp>
-      <p:sp>
-        <p:nvSpPr>
-          <p:cNvPr id="33" name="CuadroTexto 32">
-            <a:extLst>
-              <a:ext uri="{FF2B5EF4-FFF2-40B4-BE49-F238E27FC236}">
-                <a16:creationId xmlns:a16="http://schemas.microsoft.com/office/drawing/2014/main" id="{6C8E394D-12A5-0177-516B-D96CCB3330D1}"/>
-              </a:ext>
-            </a:extLst>
-          </p:cNvPr>
-          <p:cNvSpPr txBox="1"/>
-          <p:nvPr/>
-        </p:nvSpPr>
-        <p:spPr>
-          <a:xfrm>
-            <a:off x="2997341" y="6173693"/>
-            <a:ext cx="1427894" cy="409790"/>
-          </a:xfrm>
-          <a:prstGeom prst="rect">
-            <a:avLst/>
-          </a:prstGeom>
-          <a:noFill/>
-        </p:spPr>
-        <p:txBody>
-          <a:bodyPr wrap="square">
-            <a:spAutoFit/>
-          </a:bodyPr>
-          <a:lstStyle/>
-          <a:p>
-            <a:r>
-              <a:rPr lang="es-AR" dirty="0">
-                <a:solidFill>
-                  <a:srgbClr val="FF0000"/>
-                </a:solidFill>
-              </a:rPr>
-              <a:t>reentrenar</a:t>
-            </a:r>
-          </a:p>
-        </p:txBody>
-      </p:sp>
-      <p:cxnSp>
-        <p:nvCxnSpPr>
-          <p:cNvPr id="41" name="Conector recto 40">
-            <a:extLst>
-              <a:ext uri="{FF2B5EF4-FFF2-40B4-BE49-F238E27FC236}">
-                <a16:creationId xmlns:a16="http://schemas.microsoft.com/office/drawing/2014/main" id="{2305497B-CEE7-1195-8B1E-AB4A2C35B986}"/>
-              </a:ext>
-            </a:extLst>
-          </p:cNvPr>
-          <p:cNvCxnSpPr>
-            <a:cxnSpLocks/>
-          </p:cNvCxnSpPr>
-          <p:nvPr/>
-        </p:nvCxnSpPr>
-        <p:spPr>
-          <a:xfrm>
-            <a:off x="10455965" y="4810539"/>
-            <a:ext cx="0" cy="726622"/>
-          </a:xfrm>
-          <a:prstGeom prst="line">
-            <a:avLst/>
-          </a:prstGeom>
-          <a:ln w="28575"/>
-        </p:spPr>
-        <p:style>
-          <a:lnRef idx="1">
-            <a:schemeClr val="accent2"/>
-          </a:lnRef>
-          <a:fillRef idx="0">
-            <a:schemeClr val="accent2"/>
-          </a:fillRef>
-          <a:effectRef idx="0">
-            <a:schemeClr val="accent2"/>
-          </a:effectRef>
-          <a:fontRef idx="minor">
-            <a:schemeClr val="tx1"/>
-          </a:fontRef>
-        </p:style>
-      </p:cxnSp>
-      <p:sp>
-        <p:nvSpPr>
-          <p:cNvPr id="6" name="CuadroTexto 5">
-            <a:extLst>
-              <a:ext uri="{FF2B5EF4-FFF2-40B4-BE49-F238E27FC236}">
-                <a16:creationId xmlns:a16="http://schemas.microsoft.com/office/drawing/2014/main" id="{0D89458B-06A0-07DA-045D-F9FAE1B2DED5}"/>
-              </a:ext>
-            </a:extLst>
-          </p:cNvPr>
-          <p:cNvSpPr txBox="1"/>
-          <p:nvPr/>
-        </p:nvSpPr>
-        <p:spPr>
-          <a:xfrm>
-            <a:off x="405877" y="2679228"/>
-            <a:ext cx="6255026" cy="923330"/>
-          </a:xfrm>
-          <a:prstGeom prst="rect">
-            <a:avLst/>
-          </a:prstGeom>
-          <a:noFill/>
-        </p:spPr>
-        <p:txBody>
-          <a:bodyPr wrap="square">
-            <a:spAutoFit/>
-          </a:bodyPr>
-          <a:lstStyle/>
-          <a:p>
-            <a:r>
-              <a:rPr lang="es-AR" dirty="0">
-                <a:solidFill>
-                  <a:srgbClr val="FF0000"/>
-                </a:solidFill>
-              </a:rPr>
-              <a:t>https://discuss.pytorch.org/t/how-can-i-replace-the-forward-method-of-a-predefined-torchvision-model-with-my-customized-forward-function/54224/8</a:t>
-            </a:r>
-          </a:p>
-        </p:txBody>
-      </p:sp>
-      <p:sp>
-        <p:nvSpPr>
-          <p:cNvPr id="8" name="CuadroTexto 7">
-            <a:extLst>
-              <a:ext uri="{FF2B5EF4-FFF2-40B4-BE49-F238E27FC236}">
-                <a16:creationId xmlns:a16="http://schemas.microsoft.com/office/drawing/2014/main" id="{0D1A8245-FE45-D301-8C1C-AD588606ABAE}"/>
-              </a:ext>
-            </a:extLst>
-          </p:cNvPr>
-          <p:cNvSpPr txBox="1"/>
-          <p:nvPr/>
-        </p:nvSpPr>
-        <p:spPr>
-          <a:xfrm>
-            <a:off x="5321835" y="3905395"/>
-            <a:ext cx="2674200" cy="1748623"/>
-          </a:xfrm>
-          <a:prstGeom prst="rect">
-            <a:avLst/>
-          </a:prstGeom>
-          <a:noFill/>
-        </p:spPr>
-        <p:txBody>
-          <a:bodyPr wrap="square">
-            <a:spAutoFit/>
-          </a:bodyPr>
-          <a:lstStyle/>
-          <a:p>
-            <a:r>
-              <a:rPr lang="es-AR" dirty="0">
-                <a:solidFill>
-                  <a:srgbClr val="FF0000"/>
-                </a:solidFill>
-              </a:rPr>
-              <a:t>https://github.com/mortezamg63/Accessing-and-modifying-different-layers-of-a-pretrained-model-in-pytorch/blob/master/README.md</a:t>
-            </a:r>
-          </a:p>
-        </p:txBody>
-      </p:sp>
-    </p:spTree>
-    <p:extLst>
-      <p:ext uri="{BB962C8B-B14F-4D97-AF65-F5344CB8AC3E}">
-        <p14:creationId xmlns:p14="http://schemas.microsoft.com/office/powerpoint/2010/main" val="1900095533"/>
-      </p:ext>
-    </p:extLst>
-  </p:cSld>
-  <p:clrMapOvr>
-    <a:masterClrMapping/>
-  </p:clrMapOvr>
-</p:sld>
-</file>
-
 <file path=ppt/theme/theme1.xml><?xml version="1.0" encoding="utf-8"?>
 <a:theme xmlns:a="http://schemas.openxmlformats.org/drawingml/2006/main" name="Circuit">
   <a:themeElements>

--- a/clase_8/teoria/clase_8.pptx
+++ b/clase_8/teoria/clase_8.pptx
@@ -12,8 +12,8 @@
     <p:sldId id="361" r:id="rId6"/>
     <p:sldId id="359" r:id="rId7"/>
     <p:sldId id="358" r:id="rId8"/>
-    <p:sldId id="362" r:id="rId9"/>
-    <p:sldId id="363" r:id="rId10"/>
+    <p:sldId id="363" r:id="rId9"/>
+    <p:sldId id="362" r:id="rId10"/>
     <p:sldId id="323" r:id="rId11"/>
     <p:sldId id="332" r:id="rId12"/>
     <p:sldId id="355" r:id="rId13"/>
@@ -132,125 +132,13 @@
 <file path=ppt/revisionInfo.xml><?xml version="1.0" encoding="utf-8"?>
 <p1510:revInfo xmlns:a="http://schemas.openxmlformats.org/drawingml/2006/main" xmlns:r="http://schemas.openxmlformats.org/officeDocument/2006/relationships" xmlns:p1510="http://schemas.microsoft.com/office/powerpoint/2015/10/main">
   <p1510:revLst>
-    <p1510:client id="{582622D0-86C3-4581-8AC3-C68B59312C02}" v="1" dt="2023-12-13T20:34:04.601"/>
+    <p1510:client id="{F8D2ED8B-105D-41BE-8CF5-A4654319AFB9}" v="5" dt="2024-04-20T14:12:51.551"/>
   </p1510:revLst>
 </p1510:revInfo>
 </file>
 
 <file path=ppt/changesInfos/changesInfo1.xml><?xml version="1.0" encoding="utf-8"?>
 <pc:chgInfo xmlns:a="http://schemas.openxmlformats.org/drawingml/2006/main" xmlns:r="http://schemas.openxmlformats.org/officeDocument/2006/relationships" xmlns:ac="http://schemas.microsoft.com/office/drawing/2013/main/command" xmlns:pc="http://schemas.microsoft.com/office/powerpoint/2013/main/command">
-  <pc:docChgLst>
-    <pc:chgData name="Marcos Maillot" userId="fa14b39d-e966-4ebb-a436-4f96f84b9577" providerId="ADAL" clId="{A4B5FBF0-88D8-43CB-AEB7-4453E11CEACE}"/>
-    <pc:docChg chg="custSel addSld modSld">
-      <pc:chgData name="Marcos Maillot" userId="fa14b39d-e966-4ebb-a436-4f96f84b9577" providerId="ADAL" clId="{A4B5FBF0-88D8-43CB-AEB7-4453E11CEACE}" dt="2023-08-18T23:03:11.694" v="24" actId="1076"/>
-      <pc:docMkLst>
-        <pc:docMk/>
-      </pc:docMkLst>
-      <pc:sldChg chg="addSp delSp modSp add mod">
-        <pc:chgData name="Marcos Maillot" userId="fa14b39d-e966-4ebb-a436-4f96f84b9577" providerId="ADAL" clId="{A4B5FBF0-88D8-43CB-AEB7-4453E11CEACE}" dt="2023-08-18T23:03:11.694" v="24" actId="1076"/>
-        <pc:sldMkLst>
-          <pc:docMk/>
-          <pc:sldMk cId="1900095533" sldId="362"/>
-        </pc:sldMkLst>
-        <pc:spChg chg="add mod">
-          <ac:chgData name="Marcos Maillot" userId="fa14b39d-e966-4ebb-a436-4f96f84b9577" providerId="ADAL" clId="{A4B5FBF0-88D8-43CB-AEB7-4453E11CEACE}" dt="2023-08-18T23:03:02.255" v="18" actId="1076"/>
-          <ac:spMkLst>
-            <pc:docMk/>
-            <pc:sldMk cId="1900095533" sldId="362"/>
-            <ac:spMk id="6" creationId="{0D89458B-06A0-07DA-045D-F9FAE1B2DED5}"/>
-          </ac:spMkLst>
-        </pc:spChg>
-        <pc:spChg chg="add mod">
-          <ac:chgData name="Marcos Maillot" userId="fa14b39d-e966-4ebb-a436-4f96f84b9577" providerId="ADAL" clId="{A4B5FBF0-88D8-43CB-AEB7-4453E11CEACE}" dt="2023-08-18T23:03:11.694" v="24" actId="1076"/>
-          <ac:spMkLst>
-            <pc:docMk/>
-            <pc:sldMk cId="1900095533" sldId="362"/>
-            <ac:spMk id="8" creationId="{0D1A8245-FE45-D301-8C1C-AD588606ABAE}"/>
-          </ac:spMkLst>
-        </pc:spChg>
-        <pc:spChg chg="mod">
-          <ac:chgData name="Marcos Maillot" userId="fa14b39d-e966-4ebb-a436-4f96f84b9577" providerId="ADAL" clId="{A4B5FBF0-88D8-43CB-AEB7-4453E11CEACE}" dt="2023-08-18T23:02:42.015" v="11" actId="1076"/>
-          <ac:spMkLst>
-            <pc:docMk/>
-            <pc:sldMk cId="1900095533" sldId="362"/>
-            <ac:spMk id="9" creationId="{3CC4C91B-D1B6-4B85-0C60-474E765AA993}"/>
-          </ac:spMkLst>
-        </pc:spChg>
-        <pc:spChg chg="mod">
-          <ac:chgData name="Marcos Maillot" userId="fa14b39d-e966-4ebb-a436-4f96f84b9577" providerId="ADAL" clId="{A4B5FBF0-88D8-43CB-AEB7-4453E11CEACE}" dt="2023-08-18T23:02:45.567" v="13" actId="1076"/>
-          <ac:spMkLst>
-            <pc:docMk/>
-            <pc:sldMk cId="1900095533" sldId="362"/>
-            <ac:spMk id="10" creationId="{9241FF65-4241-DE52-6A64-75594F8D8931}"/>
-          </ac:spMkLst>
-        </pc:spChg>
-        <pc:spChg chg="mod">
-          <ac:chgData name="Marcos Maillot" userId="fa14b39d-e966-4ebb-a436-4f96f84b9577" providerId="ADAL" clId="{A4B5FBF0-88D8-43CB-AEB7-4453E11CEACE}" dt="2023-08-18T23:02:47.919" v="14" actId="1076"/>
-          <ac:spMkLst>
-            <pc:docMk/>
-            <pc:sldMk cId="1900095533" sldId="362"/>
-            <ac:spMk id="21" creationId="{E8F43549-4D83-6AA4-3046-86BFC31F5C71}"/>
-          </ac:spMkLst>
-        </pc:spChg>
-        <pc:grpChg chg="del">
-          <ac:chgData name="Marcos Maillot" userId="fa14b39d-e966-4ebb-a436-4f96f84b9577" providerId="ADAL" clId="{A4B5FBF0-88D8-43CB-AEB7-4453E11CEACE}" dt="2023-08-18T23:02:17.330" v="2" actId="478"/>
-          <ac:grpSpMkLst>
-            <pc:docMk/>
-            <pc:sldMk cId="1900095533" sldId="362"/>
-            <ac:grpSpMk id="25" creationId="{D52FDF2A-438C-37A9-7060-FB2E1F25DF1D}"/>
-          </ac:grpSpMkLst>
-        </pc:grpChg>
-        <pc:grpChg chg="del">
-          <ac:chgData name="Marcos Maillot" userId="fa14b39d-e966-4ebb-a436-4f96f84b9577" providerId="ADAL" clId="{A4B5FBF0-88D8-43CB-AEB7-4453E11CEACE}" dt="2023-08-18T23:02:15.694" v="1" actId="478"/>
-          <ac:grpSpMkLst>
-            <pc:docMk/>
-            <pc:sldMk cId="1900095533" sldId="362"/>
-            <ac:grpSpMk id="29" creationId="{384B1848-A929-1009-E6D8-9785B1B07B87}"/>
-          </ac:grpSpMkLst>
-        </pc:grpChg>
-        <pc:grpChg chg="del">
-          <ac:chgData name="Marcos Maillot" userId="fa14b39d-e966-4ebb-a436-4f96f84b9577" providerId="ADAL" clId="{A4B5FBF0-88D8-43CB-AEB7-4453E11CEACE}" dt="2023-08-18T23:02:18.120" v="3" actId="478"/>
-          <ac:grpSpMkLst>
-            <pc:docMk/>
-            <pc:sldMk cId="1900095533" sldId="362"/>
-            <ac:grpSpMk id="34" creationId="{50EC2E31-2A2E-E2D9-8E84-E39DBF3135D8}"/>
-          </ac:grpSpMkLst>
-        </pc:grpChg>
-        <pc:picChg chg="mod">
-          <ac:chgData name="Marcos Maillot" userId="fa14b39d-e966-4ebb-a436-4f96f84b9577" providerId="ADAL" clId="{A4B5FBF0-88D8-43CB-AEB7-4453E11CEACE}" dt="2023-08-18T23:03:05.079" v="21" actId="1076"/>
-          <ac:picMkLst>
-            <pc:docMk/>
-            <pc:sldMk cId="1900095533" sldId="362"/>
-            <ac:picMk id="31" creationId="{CD46A953-1561-8618-5E56-CCF894E5D979}"/>
-          </ac:picMkLst>
-        </pc:picChg>
-        <pc:picChg chg="del">
-          <ac:chgData name="Marcos Maillot" userId="fa14b39d-e966-4ebb-a436-4f96f84b9577" providerId="ADAL" clId="{A4B5FBF0-88D8-43CB-AEB7-4453E11CEACE}" dt="2023-08-18T23:02:44.035" v="12" actId="478"/>
-          <ac:picMkLst>
-            <pc:docMk/>
-            <pc:sldMk cId="1900095533" sldId="362"/>
-            <ac:picMk id="39" creationId="{CA4E3869-5994-DB70-6479-C3774F3DBEEE}"/>
-          </ac:picMkLst>
-        </pc:picChg>
-        <pc:cxnChg chg="mod">
-          <ac:chgData name="Marcos Maillot" userId="fa14b39d-e966-4ebb-a436-4f96f84b9577" providerId="ADAL" clId="{A4B5FBF0-88D8-43CB-AEB7-4453E11CEACE}" dt="2023-08-18T23:02:34.359" v="8" actId="1076"/>
-          <ac:cxnSpMkLst>
-            <pc:docMk/>
-            <pc:sldMk cId="1900095533" sldId="362"/>
-            <ac:cxnSpMk id="3" creationId="{5EBC6E99-81D6-E402-C1F3-2B06ADD13C83}"/>
-          </ac:cxnSpMkLst>
-        </pc:cxnChg>
-        <pc:cxnChg chg="mod">
-          <ac:chgData name="Marcos Maillot" userId="fa14b39d-e966-4ebb-a436-4f96f84b9577" providerId="ADAL" clId="{A4B5FBF0-88D8-43CB-AEB7-4453E11CEACE}" dt="2023-08-18T23:02:49.375" v="15" actId="1076"/>
-          <ac:cxnSpMkLst>
-            <pc:docMk/>
-            <pc:sldMk cId="1900095533" sldId="362"/>
-            <ac:cxnSpMk id="5" creationId="{79E2AA7B-0C05-90F6-2742-E9A887A241AB}"/>
-          </ac:cxnSpMkLst>
-        </pc:cxnChg>
-      </pc:sldChg>
-    </pc:docChg>
-  </pc:docChgLst>
   <pc:docChgLst>
     <pc:chgData name="Marcos Maillot" userId="fa14b39d-e966-4ebb-a436-4f96f84b9577" providerId="ADAL" clId="{C67A5E07-7B56-4089-85E1-8865881B7BF6}"/>
     <pc:docChg chg="custSel addSld delSld modSld sldOrd">
@@ -658,306 +546,24 @@
     </pc:docChg>
   </pc:docChgLst>
   <pc:docChgLst>
-    <pc:chgData name="Marcos Maillot" userId="fa14b39d-e966-4ebb-a436-4f96f84b9577" providerId="ADAL" clId="{582622D0-86C3-4581-8AC3-C68B59312C02}"/>
-    <pc:docChg chg="custSel addSld modSld sldOrd">
-      <pc:chgData name="Marcos Maillot" userId="fa14b39d-e966-4ebb-a436-4f96f84b9577" providerId="ADAL" clId="{582622D0-86C3-4581-8AC3-C68B59312C02}" dt="2023-12-14T00:44:59.095" v="19" actId="729"/>
-      <pc:docMkLst>
-        <pc:docMk/>
-      </pc:docMkLst>
-      <pc:sldChg chg="delSp modSp mod">
-        <pc:chgData name="Marcos Maillot" userId="fa14b39d-e966-4ebb-a436-4f96f84b9577" providerId="ADAL" clId="{582622D0-86C3-4581-8AC3-C68B59312C02}" dt="2023-12-13T15:07:37.467" v="4" actId="1076"/>
-        <pc:sldMkLst>
-          <pc:docMk/>
-          <pc:sldMk cId="787285808" sldId="256"/>
-        </pc:sldMkLst>
-        <pc:spChg chg="del">
-          <ac:chgData name="Marcos Maillot" userId="fa14b39d-e966-4ebb-a436-4f96f84b9577" providerId="ADAL" clId="{582622D0-86C3-4581-8AC3-C68B59312C02}" dt="2023-12-13T15:07:28.736" v="1" actId="478"/>
-          <ac:spMkLst>
-            <pc:docMk/>
-            <pc:sldMk cId="787285808" sldId="256"/>
-            <ac:spMk id="6" creationId="{00000000-0000-0000-0000-000000000000}"/>
-          </ac:spMkLst>
-        </pc:spChg>
-        <pc:spChg chg="mod">
-          <ac:chgData name="Marcos Maillot" userId="fa14b39d-e966-4ebb-a436-4f96f84b9577" providerId="ADAL" clId="{582622D0-86C3-4581-8AC3-C68B59312C02}" dt="2023-12-13T15:07:37.467" v="4" actId="1076"/>
-          <ac:spMkLst>
-            <pc:docMk/>
-            <pc:sldMk cId="787285808" sldId="256"/>
-            <ac:spMk id="8" creationId="{00000000-0000-0000-0000-000000000000}"/>
-          </ac:spMkLst>
-        </pc:spChg>
-      </pc:sldChg>
-      <pc:sldChg chg="addSp modSp mod modShow">
-        <pc:chgData name="Marcos Maillot" userId="fa14b39d-e966-4ebb-a436-4f96f84b9577" providerId="ADAL" clId="{582622D0-86C3-4581-8AC3-C68B59312C02}" dt="2023-12-14T00:44:55.799" v="18" actId="729"/>
-        <pc:sldMkLst>
-          <pc:docMk/>
-          <pc:sldMk cId="973184105" sldId="347"/>
-        </pc:sldMkLst>
-        <pc:spChg chg="add mod">
-          <ac:chgData name="Marcos Maillot" userId="fa14b39d-e966-4ebb-a436-4f96f84b9577" providerId="ADAL" clId="{582622D0-86C3-4581-8AC3-C68B59312C02}" dt="2023-12-13T20:36:36.648" v="17" actId="1076"/>
-          <ac:spMkLst>
-            <pc:docMk/>
-            <pc:sldMk cId="973184105" sldId="347"/>
-            <ac:spMk id="7" creationId="{1F24B687-3B3C-ADFA-726B-AE3D08239213}"/>
-          </ac:spMkLst>
-        </pc:spChg>
-        <pc:picChg chg="mod">
-          <ac:chgData name="Marcos Maillot" userId="fa14b39d-e966-4ebb-a436-4f96f84b9577" providerId="ADAL" clId="{582622D0-86C3-4581-8AC3-C68B59312C02}" dt="2023-12-13T20:36:31.550" v="15" actId="1076"/>
-          <ac:picMkLst>
-            <pc:docMk/>
-            <pc:sldMk cId="973184105" sldId="347"/>
-            <ac:picMk id="3" creationId="{00000000-0000-0000-0000-000000000000}"/>
-          </ac:picMkLst>
-        </pc:picChg>
-      </pc:sldChg>
-      <pc:sldChg chg="mod modShow">
-        <pc:chgData name="Marcos Maillot" userId="fa14b39d-e966-4ebb-a436-4f96f84b9577" providerId="ADAL" clId="{582622D0-86C3-4581-8AC3-C68B59312C02}" dt="2023-12-14T00:44:59.095" v="19" actId="729"/>
-        <pc:sldMkLst>
-          <pc:docMk/>
-          <pc:sldMk cId="2542735254" sldId="351"/>
-        </pc:sldMkLst>
-      </pc:sldChg>
-      <pc:sldChg chg="ord">
-        <pc:chgData name="Marcos Maillot" userId="fa14b39d-e966-4ebb-a436-4f96f84b9577" providerId="ADAL" clId="{582622D0-86C3-4581-8AC3-C68B59312C02}" dt="2023-12-13T15:09:06.472" v="6"/>
-        <pc:sldMkLst>
-          <pc:docMk/>
-          <pc:sldMk cId="2145966389" sldId="354"/>
-        </pc:sldMkLst>
-      </pc:sldChg>
-      <pc:sldChg chg="ord">
-        <pc:chgData name="Marcos Maillot" userId="fa14b39d-e966-4ebb-a436-4f96f84b9577" providerId="ADAL" clId="{582622D0-86C3-4581-8AC3-C68B59312C02}" dt="2023-12-13T15:09:41.152" v="8"/>
-        <pc:sldMkLst>
-          <pc:docMk/>
-          <pc:sldMk cId="1421392979" sldId="359"/>
-        </pc:sldMkLst>
-      </pc:sldChg>
-      <pc:sldChg chg="ord">
-        <pc:chgData name="Marcos Maillot" userId="fa14b39d-e966-4ebb-a436-4f96f84b9577" providerId="ADAL" clId="{582622D0-86C3-4581-8AC3-C68B59312C02}" dt="2023-12-13T15:10:29.376" v="10"/>
-        <pc:sldMkLst>
-          <pc:docMk/>
-          <pc:sldMk cId="1900095533" sldId="362"/>
-        </pc:sldMkLst>
-      </pc:sldChg>
-      <pc:sldChg chg="add">
-        <pc:chgData name="Marcos Maillot" userId="fa14b39d-e966-4ebb-a436-4f96f84b9577" providerId="ADAL" clId="{582622D0-86C3-4581-8AC3-C68B59312C02}" dt="2023-12-13T20:34:04.598" v="13"/>
-        <pc:sldMkLst>
-          <pc:docMk/>
-          <pc:sldMk cId="927860414" sldId="364"/>
-        </pc:sldMkLst>
-      </pc:sldChg>
-    </pc:docChg>
-  </pc:docChgLst>
-  <pc:docChgLst>
-    <pc:chgData name="Marcos Maillot" userId="fa14b39d-e966-4ebb-a436-4f96f84b9577" providerId="ADAL" clId="{6305F822-064E-4220-B9C7-00DB7665D49D}"/>
-    <pc:docChg chg="custSel addSld modSld">
-      <pc:chgData name="Marcos Maillot" userId="fa14b39d-e966-4ebb-a436-4f96f84b9577" providerId="ADAL" clId="{6305F822-064E-4220-B9C7-00DB7665D49D}" dt="2023-04-21T16:38:11.405" v="574" actId="478"/>
+    <pc:chgData name="Marcos Maillot" userId="fa14b39d-e966-4ebb-a436-4f96f84b9577" providerId="ADAL" clId="{7011595B-F756-4AA4-8979-4594D887F2E6}"/>
+    <pc:docChg chg="modSld">
+      <pc:chgData name="Marcos Maillot" userId="fa14b39d-e966-4ebb-a436-4f96f84b9577" providerId="ADAL" clId="{7011595B-F756-4AA4-8979-4594D887F2E6}" dt="2022-10-13T23:51:53.653" v="2" actId="1076"/>
       <pc:docMkLst>
         <pc:docMk/>
       </pc:docMkLst>
       <pc:sldChg chg="modSp mod">
-        <pc:chgData name="Marcos Maillot" userId="fa14b39d-e966-4ebb-a436-4f96f84b9577" providerId="ADAL" clId="{6305F822-064E-4220-B9C7-00DB7665D49D}" dt="2023-04-21T16:35:26.546" v="562" actId="1076"/>
+        <pc:chgData name="Marcos Maillot" userId="fa14b39d-e966-4ebb-a436-4f96f84b9577" providerId="ADAL" clId="{7011595B-F756-4AA4-8979-4594D887F2E6}" dt="2022-10-13T23:51:53.653" v="2" actId="1076"/>
         <pc:sldMkLst>
           <pc:docMk/>
-          <pc:sldMk cId="787285808" sldId="256"/>
+          <pc:sldMk cId="1345289315" sldId="332"/>
         </pc:sldMkLst>
-        <pc:spChg chg="mod">
-          <ac:chgData name="Marcos Maillot" userId="fa14b39d-e966-4ebb-a436-4f96f84b9577" providerId="ADAL" clId="{6305F822-064E-4220-B9C7-00DB7665D49D}" dt="2023-04-21T16:35:26.546" v="562" actId="1076"/>
-          <ac:spMkLst>
-            <pc:docMk/>
-            <pc:sldMk cId="787285808" sldId="256"/>
-            <ac:spMk id="6" creationId="{00000000-0000-0000-0000-000000000000}"/>
-          </ac:spMkLst>
-        </pc:spChg>
-        <pc:spChg chg="mod">
-          <ac:chgData name="Marcos Maillot" userId="fa14b39d-e966-4ebb-a436-4f96f84b9577" providerId="ADAL" clId="{6305F822-064E-4220-B9C7-00DB7665D49D}" dt="2023-04-21T16:35:22.986" v="561" actId="20577"/>
-          <ac:spMkLst>
-            <pc:docMk/>
-            <pc:sldMk cId="787285808" sldId="256"/>
-            <ac:spMk id="8" creationId="{00000000-0000-0000-0000-000000000000}"/>
-          </ac:spMkLst>
-        </pc:spChg>
-      </pc:sldChg>
-      <pc:sldChg chg="delSp mod">
-        <pc:chgData name="Marcos Maillot" userId="fa14b39d-e966-4ebb-a436-4f96f84b9577" providerId="ADAL" clId="{6305F822-064E-4220-B9C7-00DB7665D49D}" dt="2023-04-21T16:37:29.396" v="570" actId="478"/>
-        <pc:sldMkLst>
-          <pc:docMk/>
-          <pc:sldMk cId="973184105" sldId="347"/>
-        </pc:sldMkLst>
-        <pc:inkChg chg="del">
-          <ac:chgData name="Marcos Maillot" userId="fa14b39d-e966-4ebb-a436-4f96f84b9577" providerId="ADAL" clId="{6305F822-064E-4220-B9C7-00DB7665D49D}" dt="2023-04-21T16:37:29.396" v="570" actId="478"/>
-          <ac:inkMkLst>
-            <pc:docMk/>
-            <pc:sldMk cId="973184105" sldId="347"/>
-            <ac:inkMk id="4" creationId="{FBD1DF55-1D32-692D-7F82-5AF6692BB069}"/>
-          </ac:inkMkLst>
-        </pc:inkChg>
-      </pc:sldChg>
-      <pc:sldChg chg="delSp mod">
-        <pc:chgData name="Marcos Maillot" userId="fa14b39d-e966-4ebb-a436-4f96f84b9577" providerId="ADAL" clId="{6305F822-064E-4220-B9C7-00DB7665D49D}" dt="2023-04-21T16:38:04.726" v="573" actId="478"/>
-        <pc:sldMkLst>
-          <pc:docMk/>
-          <pc:sldMk cId="2703650191" sldId="348"/>
-        </pc:sldMkLst>
-        <pc:inkChg chg="del">
-          <ac:chgData name="Marcos Maillot" userId="fa14b39d-e966-4ebb-a436-4f96f84b9577" providerId="ADAL" clId="{6305F822-064E-4220-B9C7-00DB7665D49D}" dt="2023-04-21T16:38:04.726" v="573" actId="478"/>
-          <ac:inkMkLst>
-            <pc:docMk/>
-            <pc:sldMk cId="2703650191" sldId="348"/>
-            <ac:inkMk id="2" creationId="{F7B2D392-AA62-C216-B618-458640C35E92}"/>
-          </ac:inkMkLst>
-        </pc:inkChg>
-      </pc:sldChg>
-      <pc:sldChg chg="delSp mod">
-        <pc:chgData name="Marcos Maillot" userId="fa14b39d-e966-4ebb-a436-4f96f84b9577" providerId="ADAL" clId="{6305F822-064E-4220-B9C7-00DB7665D49D}" dt="2023-04-21T16:38:11.405" v="574" actId="478"/>
-        <pc:sldMkLst>
-          <pc:docMk/>
-          <pc:sldMk cId="543162145" sldId="349"/>
-        </pc:sldMkLst>
-        <pc:inkChg chg="del">
-          <ac:chgData name="Marcos Maillot" userId="fa14b39d-e966-4ebb-a436-4f96f84b9577" providerId="ADAL" clId="{6305F822-064E-4220-B9C7-00DB7665D49D}" dt="2023-04-21T16:38:11.405" v="574" actId="478"/>
-          <ac:inkMkLst>
-            <pc:docMk/>
-            <pc:sldMk cId="543162145" sldId="349"/>
-            <ac:inkMk id="3" creationId="{04156308-32B7-E22A-653F-E3550144EA7F}"/>
-          </ac:inkMkLst>
-        </pc:inkChg>
-      </pc:sldChg>
-      <pc:sldChg chg="delSp mod">
-        <pc:chgData name="Marcos Maillot" userId="fa14b39d-e966-4ebb-a436-4f96f84b9577" providerId="ADAL" clId="{6305F822-064E-4220-B9C7-00DB7665D49D}" dt="2023-04-21T16:37:09.195" v="569" actId="478"/>
-        <pc:sldMkLst>
-          <pc:docMk/>
-          <pc:sldMk cId="3302342433" sldId="350"/>
-        </pc:sldMkLst>
-        <pc:inkChg chg="del">
-          <ac:chgData name="Marcos Maillot" userId="fa14b39d-e966-4ebb-a436-4f96f84b9577" providerId="ADAL" clId="{6305F822-064E-4220-B9C7-00DB7665D49D}" dt="2023-04-21T16:37:09.195" v="569" actId="478"/>
-          <ac:inkMkLst>
-            <pc:docMk/>
-            <pc:sldMk cId="3302342433" sldId="350"/>
-            <ac:inkMk id="2" creationId="{53C00B13-E41A-B715-5A95-1BE6EC5330FE}"/>
-          </ac:inkMkLst>
-        </pc:inkChg>
-      </pc:sldChg>
-      <pc:sldChg chg="delSp mod">
-        <pc:chgData name="Marcos Maillot" userId="fa14b39d-e966-4ebb-a436-4f96f84b9577" providerId="ADAL" clId="{6305F822-064E-4220-B9C7-00DB7665D49D}" dt="2023-04-21T16:37:56.505" v="571" actId="478"/>
-        <pc:sldMkLst>
-          <pc:docMk/>
-          <pc:sldMk cId="2542735254" sldId="351"/>
-        </pc:sldMkLst>
-        <pc:inkChg chg="del">
-          <ac:chgData name="Marcos Maillot" userId="fa14b39d-e966-4ebb-a436-4f96f84b9577" providerId="ADAL" clId="{6305F822-064E-4220-B9C7-00DB7665D49D}" dt="2023-04-21T16:37:56.505" v="571" actId="478"/>
-          <ac:inkMkLst>
-            <pc:docMk/>
-            <pc:sldMk cId="2542735254" sldId="351"/>
-            <ac:inkMk id="2" creationId="{C335C49F-7C8B-4011-7A83-BF03ACA7F176}"/>
-          </ac:inkMkLst>
-        </pc:inkChg>
-      </pc:sldChg>
-      <pc:sldChg chg="delSp mod">
-        <pc:chgData name="Marcos Maillot" userId="fa14b39d-e966-4ebb-a436-4f96f84b9577" providerId="ADAL" clId="{6305F822-064E-4220-B9C7-00DB7665D49D}" dt="2023-04-21T16:37:58.878" v="572" actId="478"/>
-        <pc:sldMkLst>
-          <pc:docMk/>
-          <pc:sldMk cId="2815013244" sldId="353"/>
-        </pc:sldMkLst>
-        <pc:inkChg chg="del">
-          <ac:chgData name="Marcos Maillot" userId="fa14b39d-e966-4ebb-a436-4f96f84b9577" providerId="ADAL" clId="{6305F822-064E-4220-B9C7-00DB7665D49D}" dt="2023-04-21T16:37:58.878" v="572" actId="478"/>
-          <ac:inkMkLst>
-            <pc:docMk/>
-            <pc:sldMk cId="2815013244" sldId="353"/>
-            <ac:inkMk id="2" creationId="{C35E2606-750A-7833-E7FA-E42C45867906}"/>
-          </ac:inkMkLst>
-        </pc:inkChg>
-      </pc:sldChg>
-      <pc:sldChg chg="delSp mod">
-        <pc:chgData name="Marcos Maillot" userId="fa14b39d-e966-4ebb-a436-4f96f84b9577" providerId="ADAL" clId="{6305F822-064E-4220-B9C7-00DB7665D49D}" dt="2023-04-21T16:36:54.546" v="568" actId="478"/>
-        <pc:sldMkLst>
-          <pc:docMk/>
-          <pc:sldMk cId="2307917589" sldId="355"/>
-        </pc:sldMkLst>
-        <pc:inkChg chg="del">
-          <ac:chgData name="Marcos Maillot" userId="fa14b39d-e966-4ebb-a436-4f96f84b9577" providerId="ADAL" clId="{6305F822-064E-4220-B9C7-00DB7665D49D}" dt="2023-04-21T16:36:54.546" v="568" actId="478"/>
-          <ac:inkMkLst>
-            <pc:docMk/>
-            <pc:sldMk cId="2307917589" sldId="355"/>
-            <ac:inkMk id="2" creationId="{C97C5AB7-B83A-CFD2-CB93-E99FAB943EC7}"/>
-          </ac:inkMkLst>
-        </pc:inkChg>
-      </pc:sldChg>
-      <pc:sldChg chg="delSp modSp add mod">
-        <pc:chgData name="Marcos Maillot" userId="fa14b39d-e966-4ebb-a436-4f96f84b9577" providerId="ADAL" clId="{6305F822-064E-4220-B9C7-00DB7665D49D}" dt="2023-04-21T16:35:48.615" v="567" actId="14100"/>
-        <pc:sldMkLst>
-          <pc:docMk/>
-          <pc:sldMk cId="2958760871" sldId="360"/>
-        </pc:sldMkLst>
-        <pc:spChg chg="mod">
-          <ac:chgData name="Marcos Maillot" userId="fa14b39d-e966-4ebb-a436-4f96f84b9577" providerId="ADAL" clId="{6305F822-064E-4220-B9C7-00DB7665D49D}" dt="2023-04-21T16:35:48.615" v="567" actId="14100"/>
-          <ac:spMkLst>
-            <pc:docMk/>
-            <pc:sldMk cId="2958760871" sldId="360"/>
-            <ac:spMk id="12" creationId="{173875A2-756C-C285-A3FC-2C04FCABF78E}"/>
-          </ac:spMkLst>
-        </pc:spChg>
-        <pc:spChg chg="del mod">
-          <ac:chgData name="Marcos Maillot" userId="fa14b39d-e966-4ebb-a436-4f96f84b9577" providerId="ADAL" clId="{6305F822-064E-4220-B9C7-00DB7665D49D}" dt="2023-04-21T16:31:50.476" v="511" actId="478"/>
-          <ac:spMkLst>
-            <pc:docMk/>
-            <pc:sldMk cId="2958760871" sldId="360"/>
-            <ac:spMk id="16" creationId="{AD0B28E0-D22E-F3BE-B975-F36DBFA0ECA1}"/>
-          </ac:spMkLst>
-        </pc:spChg>
-        <pc:spChg chg="del">
-          <ac:chgData name="Marcos Maillot" userId="fa14b39d-e966-4ebb-a436-4f96f84b9577" providerId="ADAL" clId="{6305F822-064E-4220-B9C7-00DB7665D49D}" dt="2023-04-21T16:27:01.217" v="97" actId="478"/>
-          <ac:spMkLst>
-            <pc:docMk/>
-            <pc:sldMk cId="2958760871" sldId="360"/>
-            <ac:spMk id="17" creationId="{6E44B1AE-5F03-28EE-5C2B-ABADEC460FE2}"/>
-          </ac:spMkLst>
-        </pc:spChg>
-        <pc:spChg chg="del">
-          <ac:chgData name="Marcos Maillot" userId="fa14b39d-e966-4ebb-a436-4f96f84b9577" providerId="ADAL" clId="{6305F822-064E-4220-B9C7-00DB7665D49D}" dt="2023-04-21T16:26:57.427" v="93" actId="478"/>
-          <ac:spMkLst>
-            <pc:docMk/>
-            <pc:sldMk cId="2958760871" sldId="360"/>
-            <ac:spMk id="18" creationId="{E6AB87E9-25D4-491A-8C3E-94BD21E70872}"/>
-          </ac:spMkLst>
-        </pc:spChg>
-        <pc:spChg chg="del">
-          <ac:chgData name="Marcos Maillot" userId="fa14b39d-e966-4ebb-a436-4f96f84b9577" providerId="ADAL" clId="{6305F822-064E-4220-B9C7-00DB7665D49D}" dt="2023-04-21T16:26:57.427" v="93" actId="478"/>
-          <ac:spMkLst>
-            <pc:docMk/>
-            <pc:sldMk cId="2958760871" sldId="360"/>
-            <ac:spMk id="20" creationId="{D36B6539-D238-981E-9681-58849C1CF412}"/>
-          </ac:spMkLst>
-        </pc:spChg>
-        <pc:spChg chg="del">
-          <ac:chgData name="Marcos Maillot" userId="fa14b39d-e966-4ebb-a436-4f96f84b9577" providerId="ADAL" clId="{6305F822-064E-4220-B9C7-00DB7665D49D}" dt="2023-04-21T16:26:59.747" v="96" actId="478"/>
-          <ac:spMkLst>
-            <pc:docMk/>
-            <pc:sldMk cId="2958760871" sldId="360"/>
-            <ac:spMk id="21" creationId="{E7BBE94A-759F-D4E2-7414-EB5CF7FFCA42}"/>
-          </ac:spMkLst>
-        </pc:spChg>
-        <pc:spChg chg="del mod">
-          <ac:chgData name="Marcos Maillot" userId="fa14b39d-e966-4ebb-a436-4f96f84b9577" providerId="ADAL" clId="{6305F822-064E-4220-B9C7-00DB7665D49D}" dt="2023-04-21T16:27:10.067" v="100" actId="478"/>
-          <ac:spMkLst>
-            <pc:docMk/>
-            <pc:sldMk cId="2958760871" sldId="360"/>
-            <ac:spMk id="22" creationId="{0F152222-1E01-75F9-8635-810DDAA0A9B0}"/>
-          </ac:spMkLst>
-        </pc:spChg>
-        <pc:picChg chg="del">
-          <ac:chgData name="Marcos Maillot" userId="fa14b39d-e966-4ebb-a436-4f96f84b9577" providerId="ADAL" clId="{6305F822-064E-4220-B9C7-00DB7665D49D}" dt="2023-04-21T16:26:55.626" v="92" actId="478"/>
+        <pc:picChg chg="mod">
+          <ac:chgData name="Marcos Maillot" userId="fa14b39d-e966-4ebb-a436-4f96f84b9577" providerId="ADAL" clId="{7011595B-F756-4AA4-8979-4594D887F2E6}" dt="2022-10-13T23:51:53.653" v="2" actId="1076"/>
           <ac:picMkLst>
             <pc:docMk/>
-            <pc:sldMk cId="2958760871" sldId="360"/>
-            <ac:picMk id="13" creationId="{C9A2F921-87F9-F696-BC27-AD71E9B14985}"/>
-          </ac:picMkLst>
-        </pc:picChg>
-        <pc:picChg chg="del mod">
-          <ac:chgData name="Marcos Maillot" userId="fa14b39d-e966-4ebb-a436-4f96f84b9577" providerId="ADAL" clId="{6305F822-064E-4220-B9C7-00DB7665D49D}" dt="2023-04-21T16:26:58.457" v="95" actId="478"/>
-          <ac:picMkLst>
-            <pc:docMk/>
-            <pc:sldMk cId="2958760871" sldId="360"/>
-            <ac:picMk id="15" creationId="{264D80DE-3DD3-6902-30C6-7B7D7BCA6D7F}"/>
+            <pc:sldMk cId="1345289315" sldId="332"/>
+            <ac:picMk id="9" creationId="{3E8818A9-21A5-D270-0236-64EB72134CFF}"/>
           </ac:picMkLst>
         </pc:picChg>
       </pc:sldChg>
@@ -1163,275 +769,166 @@
     </pc:docChg>
   </pc:docChgLst>
   <pc:docChgLst>
-    <pc:chgData name="Marcos Maillot" userId="fa14b39d-e966-4ebb-a436-4f96f84b9577" providerId="ADAL" clId="{563234E5-F6F0-42B1-B4AF-C6677841636B}"/>
-    <pc:docChg chg="custSel addSld delSld modSld sldOrd">
-      <pc:chgData name="Marcos Maillot" userId="fa14b39d-e966-4ebb-a436-4f96f84b9577" providerId="ADAL" clId="{563234E5-F6F0-42B1-B4AF-C6677841636B}" dt="2022-10-13T18:58:31.012" v="264" actId="207"/>
+    <pc:chgData name="Marcos Maillot" userId="fa14b39d-e966-4ebb-a436-4f96f84b9577" providerId="ADAL" clId="{F8D2ED8B-105D-41BE-8CF5-A4654319AFB9}"/>
+    <pc:docChg chg="undo custSel modSld sldOrd">
+      <pc:chgData name="Marcos Maillot" userId="fa14b39d-e966-4ebb-a436-4f96f84b9577" providerId="ADAL" clId="{F8D2ED8B-105D-41BE-8CF5-A4654319AFB9}" dt="2024-04-20T14:14:09.185" v="232" actId="1076"/>
       <pc:docMkLst>
         <pc:docMk/>
       </pc:docMkLst>
-      <pc:sldChg chg="addSp delSp modSp mod">
-        <pc:chgData name="Marcos Maillot" userId="fa14b39d-e966-4ebb-a436-4f96f84b9577" providerId="ADAL" clId="{563234E5-F6F0-42B1-B4AF-C6677841636B}" dt="2022-10-13T18:20:45.545" v="57" actId="1076"/>
+      <pc:sldChg chg="modSp mod">
+        <pc:chgData name="Marcos Maillot" userId="fa14b39d-e966-4ebb-a436-4f96f84b9577" providerId="ADAL" clId="{F8D2ED8B-105D-41BE-8CF5-A4654319AFB9}" dt="2024-04-20T14:13:53.642" v="227" actId="20577"/>
         <pc:sldMkLst>
           <pc:docMk/>
-          <pc:sldMk cId="1345289315" sldId="332"/>
+          <pc:sldMk cId="3761876668" sldId="358"/>
         </pc:sldMkLst>
-        <pc:spChg chg="del">
-          <ac:chgData name="Marcos Maillot" userId="fa14b39d-e966-4ebb-a436-4f96f84b9577" providerId="ADAL" clId="{563234E5-F6F0-42B1-B4AF-C6677841636B}" dt="2022-10-13T18:20:20.877" v="47" actId="478"/>
+        <pc:spChg chg="mod">
+          <ac:chgData name="Marcos Maillot" userId="fa14b39d-e966-4ebb-a436-4f96f84b9577" providerId="ADAL" clId="{F8D2ED8B-105D-41BE-8CF5-A4654319AFB9}" dt="2024-04-20T14:13:53.642" v="227" actId="20577"/>
           <ac:spMkLst>
             <pc:docMk/>
-            <pc:sldMk cId="1345289315" sldId="332"/>
-            <ac:spMk id="5" creationId="{00000000-0000-0000-0000-000000000000}"/>
+            <pc:sldMk cId="3761876668" sldId="358"/>
+            <ac:spMk id="22" creationId="{0F152222-1E01-75F9-8635-810DDAA0A9B0}"/>
+          </ac:spMkLst>
+        </pc:spChg>
+      </pc:sldChg>
+      <pc:sldChg chg="addSp delSp modSp mod">
+        <pc:chgData name="Marcos Maillot" userId="fa14b39d-e966-4ebb-a436-4f96f84b9577" providerId="ADAL" clId="{F8D2ED8B-105D-41BE-8CF5-A4654319AFB9}" dt="2024-04-20T14:13:03.490" v="218" actId="20577"/>
+        <pc:sldMkLst>
+          <pc:docMk/>
+          <pc:sldMk cId="1421392979" sldId="359"/>
+        </pc:sldMkLst>
+        <pc:spChg chg="add mod">
+          <ac:chgData name="Marcos Maillot" userId="fa14b39d-e966-4ebb-a436-4f96f84b9577" providerId="ADAL" clId="{F8D2ED8B-105D-41BE-8CF5-A4654319AFB9}" dt="2024-04-19T14:30:23.748" v="117" actId="207"/>
+          <ac:spMkLst>
+            <pc:docMk/>
+            <pc:sldMk cId="1421392979" sldId="359"/>
+            <ac:spMk id="2" creationId="{AC20C8D6-DF47-35B7-572B-34D057F25BC8}"/>
+          </ac:spMkLst>
+        </pc:spChg>
+        <pc:spChg chg="add mod">
+          <ac:chgData name="Marcos Maillot" userId="fa14b39d-e966-4ebb-a436-4f96f84b9577" providerId="ADAL" clId="{F8D2ED8B-105D-41BE-8CF5-A4654319AFB9}" dt="2024-04-19T14:33:42.503" v="159" actId="207"/>
+          <ac:spMkLst>
+            <pc:docMk/>
+            <pc:sldMk cId="1421392979" sldId="359"/>
+            <ac:spMk id="3" creationId="{758E3436-D630-75CB-0545-9A25BF2FFF18}"/>
+          </ac:spMkLst>
+        </pc:spChg>
+        <pc:spChg chg="add mod">
+          <ac:chgData name="Marcos Maillot" userId="fa14b39d-e966-4ebb-a436-4f96f84b9577" providerId="ADAL" clId="{F8D2ED8B-105D-41BE-8CF5-A4654319AFB9}" dt="2024-04-20T14:12:33.033" v="207" actId="20577"/>
+          <ac:spMkLst>
+            <pc:docMk/>
+            <pc:sldMk cId="1421392979" sldId="359"/>
+            <ac:spMk id="5" creationId="{773FAAF8-F86E-14C1-C090-005DD7739CBA}"/>
+          </ac:spMkLst>
+        </pc:spChg>
+        <pc:spChg chg="add del mod">
+          <ac:chgData name="Marcos Maillot" userId="fa14b39d-e966-4ebb-a436-4f96f84b9577" providerId="ADAL" clId="{F8D2ED8B-105D-41BE-8CF5-A4654319AFB9}" dt="2024-04-19T14:43:44.368" v="169" actId="478"/>
+          <ac:spMkLst>
+            <pc:docMk/>
+            <pc:sldMk cId="1421392979" sldId="359"/>
+            <ac:spMk id="5" creationId="{C7F97A1F-DBAB-6811-F91F-F6A821BDB635}"/>
           </ac:spMkLst>
         </pc:spChg>
         <pc:spChg chg="mod">
-          <ac:chgData name="Marcos Maillot" userId="fa14b39d-e966-4ebb-a436-4f96f84b9577" providerId="ADAL" clId="{563234E5-F6F0-42B1-B4AF-C6677841636B}" dt="2022-10-13T18:20:41.876" v="55" actId="1076"/>
+          <ac:chgData name="Marcos Maillot" userId="fa14b39d-e966-4ebb-a436-4f96f84b9577" providerId="ADAL" clId="{F8D2ED8B-105D-41BE-8CF5-A4654319AFB9}" dt="2024-04-19T14:33:26.486" v="158" actId="108"/>
           <ac:spMkLst>
             <pc:docMk/>
-            <pc:sldMk cId="1345289315" sldId="332"/>
-            <ac:spMk id="6" creationId="{00000000-0000-0000-0000-000000000000}"/>
+            <pc:sldMk cId="1421392979" sldId="359"/>
+            <ac:spMk id="8" creationId="{BAECB4F2-1E11-B922-893C-8D96EE926D04}"/>
           </ac:spMkLst>
         </pc:spChg>
-        <pc:spChg chg="del">
-          <ac:chgData name="Marcos Maillot" userId="fa14b39d-e966-4ebb-a436-4f96f84b9577" providerId="ADAL" clId="{563234E5-F6F0-42B1-B4AF-C6677841636B}" dt="2022-10-13T18:20:17.230" v="46" actId="478"/>
+        <pc:spChg chg="mod">
+          <ac:chgData name="Marcos Maillot" userId="fa14b39d-e966-4ebb-a436-4f96f84b9577" providerId="ADAL" clId="{F8D2ED8B-105D-41BE-8CF5-A4654319AFB9}" dt="2024-04-19T14:34:53.020" v="160" actId="1076"/>
           <ac:spMkLst>
             <pc:docMk/>
-            <pc:sldMk cId="1345289315" sldId="332"/>
-            <ac:spMk id="7" creationId="{00000000-0000-0000-0000-000000000000}"/>
+            <pc:sldMk cId="1421392979" sldId="359"/>
+            <ac:spMk id="10" creationId="{8A4AC9A4-ECB8-4DF2-7952-1B11551758AE}"/>
           </ac:spMkLst>
         </pc:spChg>
-        <pc:spChg chg="del">
-          <ac:chgData name="Marcos Maillot" userId="fa14b39d-e966-4ebb-a436-4f96f84b9577" providerId="ADAL" clId="{563234E5-F6F0-42B1-B4AF-C6677841636B}" dt="2022-10-13T18:20:03.461" v="43" actId="478"/>
+        <pc:spChg chg="add mod">
+          <ac:chgData name="Marcos Maillot" userId="fa14b39d-e966-4ebb-a436-4f96f84b9577" providerId="ADAL" clId="{F8D2ED8B-105D-41BE-8CF5-A4654319AFB9}" dt="2024-04-19T15:39:03.542" v="198" actId="14100"/>
           <ac:spMkLst>
             <pc:docMk/>
-            <pc:sldMk cId="1345289315" sldId="332"/>
-            <ac:spMk id="8" creationId="{00000000-0000-0000-0000-000000000000}"/>
+            <pc:sldMk cId="1421392979" sldId="359"/>
+            <ac:spMk id="11" creationId="{0F008068-9487-C6FD-3DE4-8D1C5D86F6FD}"/>
           </ac:spMkLst>
         </pc:spChg>
-        <pc:picChg chg="del">
-          <ac:chgData name="Marcos Maillot" userId="fa14b39d-e966-4ebb-a436-4f96f84b9577" providerId="ADAL" clId="{563234E5-F6F0-42B1-B4AF-C6677841636B}" dt="2022-10-13T18:19:57.728" v="42" actId="478"/>
+        <pc:spChg chg="add mod">
+          <ac:chgData name="Marcos Maillot" userId="fa14b39d-e966-4ebb-a436-4f96f84b9577" providerId="ADAL" clId="{F8D2ED8B-105D-41BE-8CF5-A4654319AFB9}" dt="2024-04-20T14:13:03.490" v="218" actId="20577"/>
+          <ac:spMkLst>
+            <pc:docMk/>
+            <pc:sldMk cId="1421392979" sldId="359"/>
+            <ac:spMk id="12" creationId="{E99D9240-CB1E-745D-B7BD-690E6FCA837F}"/>
+          </ac:spMkLst>
+        </pc:spChg>
+        <pc:picChg chg="mod">
+          <ac:chgData name="Marcos Maillot" userId="fa14b39d-e966-4ebb-a436-4f96f84b9577" providerId="ADAL" clId="{F8D2ED8B-105D-41BE-8CF5-A4654319AFB9}" dt="2024-04-19T15:37:43.682" v="171" actId="1035"/>
           <ac:picMkLst>
             <pc:docMk/>
-            <pc:sldMk cId="1345289315" sldId="332"/>
-            <ac:picMk id="3" creationId="{00000000-0000-0000-0000-000000000000}"/>
-          </ac:picMkLst>
-        </pc:picChg>
-        <pc:picChg chg="add mod">
-          <ac:chgData name="Marcos Maillot" userId="fa14b39d-e966-4ebb-a436-4f96f84b9577" providerId="ADAL" clId="{563234E5-F6F0-42B1-B4AF-C6677841636B}" dt="2022-10-13T18:20:45.545" v="57" actId="1076"/>
-          <ac:picMkLst>
-            <pc:docMk/>
-            <pc:sldMk cId="1345289315" sldId="332"/>
-            <ac:picMk id="9" creationId="{3E8818A9-21A5-D270-0236-64EB72134CFF}"/>
+            <pc:sldMk cId="1421392979" sldId="359"/>
+            <ac:picMk id="9" creationId="{CAD75AC6-F426-A89B-6E22-7D517D91405C}"/>
           </ac:picMkLst>
         </pc:picChg>
       </pc:sldChg>
-      <pc:sldChg chg="addSp modSp mod">
-        <pc:chgData name="Marcos Maillot" userId="fa14b39d-e966-4ebb-a436-4f96f84b9577" providerId="ADAL" clId="{563234E5-F6F0-42B1-B4AF-C6677841636B}" dt="2022-10-13T18:34:54.598" v="147" actId="20577"/>
+      <pc:sldChg chg="modSp mod">
+        <pc:chgData name="Marcos Maillot" userId="fa14b39d-e966-4ebb-a436-4f96f84b9577" providerId="ADAL" clId="{F8D2ED8B-105D-41BE-8CF5-A4654319AFB9}" dt="2024-04-20T14:13:49.877" v="225" actId="1076"/>
         <pc:sldMkLst>
           <pc:docMk/>
-          <pc:sldMk cId="973184105" sldId="347"/>
+          <pc:sldMk cId="2528944947" sldId="361"/>
         </pc:sldMkLst>
-        <pc:spChg chg="add mod">
-          <ac:chgData name="Marcos Maillot" userId="fa14b39d-e966-4ebb-a436-4f96f84b9577" providerId="ADAL" clId="{563234E5-F6F0-42B1-B4AF-C6677841636B}" dt="2022-10-13T18:25:44.705" v="127" actId="1076"/>
+        <pc:spChg chg="mod">
+          <ac:chgData name="Marcos Maillot" userId="fa14b39d-e966-4ebb-a436-4f96f84b9577" providerId="ADAL" clId="{F8D2ED8B-105D-41BE-8CF5-A4654319AFB9}" dt="2024-04-20T14:13:42.639" v="222" actId="1076"/>
           <ac:spMkLst>
             <pc:docMk/>
-            <pc:sldMk cId="973184105" sldId="347"/>
-            <ac:spMk id="2" creationId="{896BF1DF-9999-CAC6-85C3-BFB9B5054968}"/>
+            <pc:sldMk cId="2528944947" sldId="361"/>
+            <ac:spMk id="28" creationId="{24249022-FA09-7788-9E2A-20CF32BC6F22}"/>
           </ac:spMkLst>
         </pc:spChg>
         <pc:spChg chg="mod">
-          <ac:chgData name="Marcos Maillot" userId="fa14b39d-e966-4ebb-a436-4f96f84b9577" providerId="ADAL" clId="{563234E5-F6F0-42B1-B4AF-C6677841636B}" dt="2022-10-13T18:15:44.261" v="34"/>
+          <ac:chgData name="Marcos Maillot" userId="fa14b39d-e966-4ebb-a436-4f96f84b9577" providerId="ADAL" clId="{F8D2ED8B-105D-41BE-8CF5-A4654319AFB9}" dt="2024-04-20T14:13:49.877" v="225" actId="1076"/>
           <ac:spMkLst>
             <pc:docMk/>
-            <pc:sldMk cId="973184105" sldId="347"/>
-            <ac:spMk id="5" creationId="{00000000-0000-0000-0000-000000000000}"/>
-          </ac:spMkLst>
-        </pc:spChg>
-        <pc:spChg chg="mod">
-          <ac:chgData name="Marcos Maillot" userId="fa14b39d-e966-4ebb-a436-4f96f84b9577" providerId="ADAL" clId="{563234E5-F6F0-42B1-B4AF-C6677841636B}" dt="2022-10-13T18:34:54.598" v="147" actId="20577"/>
-          <ac:spMkLst>
-            <pc:docMk/>
-            <pc:sldMk cId="973184105" sldId="347"/>
-            <ac:spMk id="6" creationId="{00000000-0000-0000-0000-000000000000}"/>
-          </ac:spMkLst>
-        </pc:spChg>
-        <pc:picChg chg="mod">
-          <ac:chgData name="Marcos Maillot" userId="fa14b39d-e966-4ebb-a436-4f96f84b9577" providerId="ADAL" clId="{563234E5-F6F0-42B1-B4AF-C6677841636B}" dt="2022-10-13T18:15:06.702" v="25" actId="1076"/>
-          <ac:picMkLst>
-            <pc:docMk/>
-            <pc:sldMk cId="973184105" sldId="347"/>
-            <ac:picMk id="11" creationId="{00000000-0000-0000-0000-000000000000}"/>
-          </ac:picMkLst>
-        </pc:picChg>
-      </pc:sldChg>
-      <pc:sldChg chg="addSp modSp mod">
-        <pc:chgData name="Marcos Maillot" userId="fa14b39d-e966-4ebb-a436-4f96f84b9577" providerId="ADAL" clId="{563234E5-F6F0-42B1-B4AF-C6677841636B}" dt="2022-10-13T18:58:31.012" v="264" actId="207"/>
-        <pc:sldMkLst>
-          <pc:docMk/>
-          <pc:sldMk cId="543162145" sldId="349"/>
-        </pc:sldMkLst>
-        <pc:spChg chg="mod">
-          <ac:chgData name="Marcos Maillot" userId="fa14b39d-e966-4ebb-a436-4f96f84b9577" providerId="ADAL" clId="{563234E5-F6F0-42B1-B4AF-C6677841636B}" dt="2022-10-13T18:56:42.570" v="261" actId="1076"/>
-          <ac:spMkLst>
-            <pc:docMk/>
-            <pc:sldMk cId="543162145" sldId="349"/>
-            <ac:spMk id="2" creationId="{00000000-0000-0000-0000-000000000000}"/>
-          </ac:spMkLst>
-        </pc:spChg>
-        <pc:spChg chg="add mod">
-          <ac:chgData name="Marcos Maillot" userId="fa14b39d-e966-4ebb-a436-4f96f84b9577" providerId="ADAL" clId="{563234E5-F6F0-42B1-B4AF-C6677841636B}" dt="2022-10-13T18:58:31.012" v="264" actId="207"/>
-          <ac:spMkLst>
-            <pc:docMk/>
-            <pc:sldMk cId="543162145" sldId="349"/>
-            <ac:spMk id="4" creationId="{6DFD0C03-5399-D56F-87FA-4672DB96FF80}"/>
+            <pc:sldMk cId="2528944947" sldId="361"/>
+            <ac:spMk id="33" creationId="{6C8E394D-12A5-0177-516B-D96CCB3330D1}"/>
           </ac:spMkLst>
         </pc:spChg>
       </pc:sldChg>
-      <pc:sldChg chg="modSp mod">
-        <pc:chgData name="Marcos Maillot" userId="fa14b39d-e966-4ebb-a436-4f96f84b9577" providerId="ADAL" clId="{563234E5-F6F0-42B1-B4AF-C6677841636B}" dt="2022-10-13T18:37:36.186" v="211" actId="1076"/>
+      <pc:sldChg chg="delSp modSp mod">
+        <pc:chgData name="Marcos Maillot" userId="fa14b39d-e966-4ebb-a436-4f96f84b9577" providerId="ADAL" clId="{F8D2ED8B-105D-41BE-8CF5-A4654319AFB9}" dt="2024-04-20T14:14:09.185" v="232" actId="1076"/>
         <pc:sldMkLst>
           <pc:docMk/>
-          <pc:sldMk cId="2542735254" sldId="351"/>
+          <pc:sldMk cId="1900095533" sldId="362"/>
         </pc:sldMkLst>
         <pc:spChg chg="mod">
-          <ac:chgData name="Marcos Maillot" userId="fa14b39d-e966-4ebb-a436-4f96f84b9577" providerId="ADAL" clId="{563234E5-F6F0-42B1-B4AF-C6677841636B}" dt="2022-10-13T18:35:21.241" v="196" actId="20577"/>
+          <ac:chgData name="Marcos Maillot" userId="fa14b39d-e966-4ebb-a436-4f96f84b9577" providerId="ADAL" clId="{F8D2ED8B-105D-41BE-8CF5-A4654319AFB9}" dt="2024-04-20T14:14:09.185" v="232" actId="1076"/>
           <ac:spMkLst>
             <pc:docMk/>
-            <pc:sldMk cId="2542735254" sldId="351"/>
-            <ac:spMk id="6" creationId="{00000000-0000-0000-0000-000000000000}"/>
+            <pc:sldMk cId="1900095533" sldId="362"/>
+            <ac:spMk id="33" creationId="{6C8E394D-12A5-0177-516B-D96CCB3330D1}"/>
           </ac:spMkLst>
         </pc:spChg>
+        <pc:cxnChg chg="del">
+          <ac:chgData name="Marcos Maillot" userId="fa14b39d-e966-4ebb-a436-4f96f84b9577" providerId="ADAL" clId="{F8D2ED8B-105D-41BE-8CF5-A4654319AFB9}" dt="2024-04-19T14:22:18.322" v="0" actId="478"/>
+          <ac:cxnSpMkLst>
+            <pc:docMk/>
+            <pc:sldMk cId="1900095533" sldId="362"/>
+            <ac:cxnSpMk id="41" creationId="{2305497B-CEE7-1195-8B1E-AB4A2C35B986}"/>
+          </ac:cxnSpMkLst>
+        </pc:cxnChg>
+      </pc:sldChg>
+      <pc:sldChg chg="modSp mod ord">
+        <pc:chgData name="Marcos Maillot" userId="fa14b39d-e966-4ebb-a436-4f96f84b9577" providerId="ADAL" clId="{F8D2ED8B-105D-41BE-8CF5-A4654319AFB9}" dt="2024-04-20T14:13:59.053" v="229" actId="20577"/>
+        <pc:sldMkLst>
+          <pc:docMk/>
+          <pc:sldMk cId="2561978675" sldId="363"/>
+        </pc:sldMkLst>
         <pc:spChg chg="mod">
-          <ac:chgData name="Marcos Maillot" userId="fa14b39d-e966-4ebb-a436-4f96f84b9577" providerId="ADAL" clId="{563234E5-F6F0-42B1-B4AF-C6677841636B}" dt="2022-10-13T18:37:36.186" v="211" actId="1076"/>
+          <ac:chgData name="Marcos Maillot" userId="fa14b39d-e966-4ebb-a436-4f96f84b9577" providerId="ADAL" clId="{F8D2ED8B-105D-41BE-8CF5-A4654319AFB9}" dt="2024-04-20T14:13:59.053" v="229" actId="20577"/>
           <ac:spMkLst>
             <pc:docMk/>
-            <pc:sldMk cId="2542735254" sldId="351"/>
-            <ac:spMk id="17" creationId="{00000000-0000-0000-0000-000000000000}"/>
+            <pc:sldMk cId="2561978675" sldId="363"/>
+            <ac:spMk id="37" creationId="{149CAEF8-DFA3-250B-CA28-0ACF027BA330}"/>
           </ac:spMkLst>
         </pc:spChg>
-      </pc:sldChg>
-      <pc:sldChg chg="addSp delSp modSp del mod ord">
-        <pc:chgData name="Marcos Maillot" userId="fa14b39d-e966-4ebb-a436-4f96f84b9577" providerId="ADAL" clId="{563234E5-F6F0-42B1-B4AF-C6677841636B}" dt="2022-10-13T18:54:11.306" v="255" actId="47"/>
-        <pc:sldMkLst>
-          <pc:docMk/>
-          <pc:sldMk cId="1886603860" sldId="352"/>
-        </pc:sldMkLst>
-        <pc:spChg chg="add del mod">
-          <ac:chgData name="Marcos Maillot" userId="fa14b39d-e966-4ebb-a436-4f96f84b9577" providerId="ADAL" clId="{563234E5-F6F0-42B1-B4AF-C6677841636B}" dt="2022-10-13T18:18:36.250" v="35" actId="478"/>
-          <ac:spMkLst>
-            <pc:docMk/>
-            <pc:sldMk cId="1886603860" sldId="352"/>
-            <ac:spMk id="2" creationId="{2F2FCC41-1517-CA54-3826-17B212E44E40}"/>
-          </ac:spMkLst>
-        </pc:spChg>
-        <pc:spChg chg="add del mod">
-          <ac:chgData name="Marcos Maillot" userId="fa14b39d-e966-4ebb-a436-4f96f84b9577" providerId="ADAL" clId="{563234E5-F6F0-42B1-B4AF-C6677841636B}" dt="2022-10-13T18:52:10.016" v="245" actId="478"/>
-          <ac:spMkLst>
-            <pc:docMk/>
-            <pc:sldMk cId="1886603860" sldId="352"/>
-            <ac:spMk id="3" creationId="{408EBDE3-EF01-C64E-33F2-4D271D826B41}"/>
-          </ac:spMkLst>
-        </pc:spChg>
-        <pc:spChg chg="del mod">
-          <ac:chgData name="Marcos Maillot" userId="fa14b39d-e966-4ebb-a436-4f96f84b9577" providerId="ADAL" clId="{563234E5-F6F0-42B1-B4AF-C6677841636B}" dt="2022-10-13T18:08:50.330" v="10" actId="478"/>
-          <ac:spMkLst>
-            <pc:docMk/>
-            <pc:sldMk cId="1886603860" sldId="352"/>
-            <ac:spMk id="5" creationId="{00000000-0000-0000-0000-000000000000}"/>
-          </ac:spMkLst>
-        </pc:spChg>
-        <pc:spChg chg="mod">
-          <ac:chgData name="Marcos Maillot" userId="fa14b39d-e966-4ebb-a436-4f96f84b9577" providerId="ADAL" clId="{563234E5-F6F0-42B1-B4AF-C6677841636B}" dt="2022-10-13T18:35:10.861" v="170" actId="14100"/>
-          <ac:spMkLst>
-            <pc:docMk/>
-            <pc:sldMk cId="1886603860" sldId="352"/>
-            <ac:spMk id="6" creationId="{00000000-0000-0000-0000-000000000000}"/>
-          </ac:spMkLst>
-        </pc:spChg>
-        <pc:spChg chg="add mod">
-          <ac:chgData name="Marcos Maillot" userId="fa14b39d-e966-4ebb-a436-4f96f84b9577" providerId="ADAL" clId="{563234E5-F6F0-42B1-B4AF-C6677841636B}" dt="2022-10-13T18:51:10.396" v="244" actId="1076"/>
-          <ac:spMkLst>
-            <pc:docMk/>
-            <pc:sldMk cId="1886603860" sldId="352"/>
-            <ac:spMk id="7" creationId="{8FAB41AE-B829-C329-01D9-9989D591552F}"/>
-          </ac:spMkLst>
-        </pc:spChg>
-        <pc:spChg chg="mod">
-          <ac:chgData name="Marcos Maillot" userId="fa14b39d-e966-4ebb-a436-4f96f84b9577" providerId="ADAL" clId="{563234E5-F6F0-42B1-B4AF-C6677841636B}" dt="2022-10-13T18:52:23.804" v="252" actId="1076"/>
-          <ac:spMkLst>
-            <pc:docMk/>
-            <pc:sldMk cId="1886603860" sldId="352"/>
-            <ac:spMk id="9" creationId="{00000000-0000-0000-0000-000000000000}"/>
-          </ac:spMkLst>
-        </pc:spChg>
-        <pc:picChg chg="mod">
-          <ac:chgData name="Marcos Maillot" userId="fa14b39d-e966-4ebb-a436-4f96f84b9577" providerId="ADAL" clId="{563234E5-F6F0-42B1-B4AF-C6677841636B}" dt="2022-10-13T18:52:24.907" v="253" actId="1076"/>
-          <ac:picMkLst>
-            <pc:docMk/>
-            <pc:sldMk cId="1886603860" sldId="352"/>
-            <ac:picMk id="8" creationId="{00000000-0000-0000-0000-000000000000}"/>
-          </ac:picMkLst>
-        </pc:picChg>
-        <pc:picChg chg="mod">
-          <ac:chgData name="Marcos Maillot" userId="fa14b39d-e966-4ebb-a436-4f96f84b9577" providerId="ADAL" clId="{563234E5-F6F0-42B1-B4AF-C6677841636B}" dt="2022-10-13T18:52:25.996" v="254" actId="1076"/>
-          <ac:picMkLst>
-            <pc:docMk/>
-            <pc:sldMk cId="1886603860" sldId="352"/>
-            <ac:picMk id="10" creationId="{00000000-0000-0000-0000-000000000000}"/>
-          </ac:picMkLst>
-        </pc:picChg>
-        <pc:picChg chg="del mod">
-          <ac:chgData name="Marcos Maillot" userId="fa14b39d-e966-4ebb-a436-4f96f84b9577" providerId="ADAL" clId="{563234E5-F6F0-42B1-B4AF-C6677841636B}" dt="2022-10-13T18:52:10.850" v="246" actId="478"/>
-          <ac:picMkLst>
-            <pc:docMk/>
-            <pc:sldMk cId="1886603860" sldId="352"/>
-            <ac:picMk id="11" creationId="{00000000-0000-0000-0000-000000000000}"/>
-          </ac:picMkLst>
-        </pc:picChg>
-      </pc:sldChg>
-      <pc:sldChg chg="addSp modSp mod">
-        <pc:chgData name="Marcos Maillot" userId="fa14b39d-e966-4ebb-a436-4f96f84b9577" providerId="ADAL" clId="{563234E5-F6F0-42B1-B4AF-C6677841636B}" dt="2022-10-13T18:54:28.998" v="260" actId="1076"/>
-        <pc:sldMkLst>
-          <pc:docMk/>
-          <pc:sldMk cId="2815013244" sldId="353"/>
-        </pc:sldMkLst>
-        <pc:spChg chg="add mod">
-          <ac:chgData name="Marcos Maillot" userId="fa14b39d-e966-4ebb-a436-4f96f84b9577" providerId="ADAL" clId="{563234E5-F6F0-42B1-B4AF-C6677841636B}" dt="2022-10-13T18:54:28.998" v="260" actId="1076"/>
-          <ac:spMkLst>
-            <pc:docMk/>
-            <pc:sldMk cId="2815013244" sldId="353"/>
-            <ac:spMk id="4" creationId="{E16C6773-B006-915F-DED4-D42F9BA91C1D}"/>
-          </ac:spMkLst>
-        </pc:spChg>
-        <pc:spChg chg="mod">
-          <ac:chgData name="Marcos Maillot" userId="fa14b39d-e966-4ebb-a436-4f96f84b9577" providerId="ADAL" clId="{563234E5-F6F0-42B1-B4AF-C6677841636B}" dt="2022-10-13T18:48:59.164" v="236" actId="20577"/>
-          <ac:spMkLst>
-            <pc:docMk/>
-            <pc:sldMk cId="2815013244" sldId="353"/>
-            <ac:spMk id="6" creationId="{00000000-0000-0000-0000-000000000000}"/>
-          </ac:spMkLst>
-        </pc:spChg>
-      </pc:sldChg>
-      <pc:sldChg chg="delSp add mod">
-        <pc:chgData name="Marcos Maillot" userId="fa14b39d-e966-4ebb-a436-4f96f84b9577" providerId="ADAL" clId="{563234E5-F6F0-42B1-B4AF-C6677841636B}" dt="2022-10-13T18:19:52.161" v="41" actId="478"/>
-        <pc:sldMkLst>
-          <pc:docMk/>
-          <pc:sldMk cId="2307917589" sldId="355"/>
-        </pc:sldMkLst>
-        <pc:picChg chg="del">
-          <ac:chgData name="Marcos Maillot" userId="fa14b39d-e966-4ebb-a436-4f96f84b9577" providerId="ADAL" clId="{563234E5-F6F0-42B1-B4AF-C6677841636B}" dt="2022-10-13T18:19:52.161" v="41" actId="478"/>
-          <ac:picMkLst>
-            <pc:docMk/>
-            <pc:sldMk cId="2307917589" sldId="355"/>
-            <ac:picMk id="9" creationId="{3E8818A9-21A5-D270-0236-64EB72134CFF}"/>
-          </ac:picMkLst>
-        </pc:picChg>
-      </pc:sldChg>
-      <pc:sldChg chg="add del">
-        <pc:chgData name="Marcos Maillot" userId="fa14b39d-e966-4ebb-a436-4f96f84b9577" providerId="ADAL" clId="{563234E5-F6F0-42B1-B4AF-C6677841636B}" dt="2022-10-13T18:24:00.752" v="59" actId="47"/>
-        <pc:sldMkLst>
-          <pc:docMk/>
-          <pc:sldMk cId="335086815" sldId="356"/>
-        </pc:sldMkLst>
       </pc:sldChg>
     </pc:docChg>
   </pc:docChgLst>
@@ -1895,24 +1392,691 @@
     </pc:docChg>
   </pc:docChgLst>
   <pc:docChgLst>
-    <pc:chgData name="Marcos Maillot" userId="fa14b39d-e966-4ebb-a436-4f96f84b9577" providerId="ADAL" clId="{7011595B-F756-4AA4-8979-4594D887F2E6}"/>
-    <pc:docChg chg="modSld">
-      <pc:chgData name="Marcos Maillot" userId="fa14b39d-e966-4ebb-a436-4f96f84b9577" providerId="ADAL" clId="{7011595B-F756-4AA4-8979-4594D887F2E6}" dt="2022-10-13T23:51:53.653" v="2" actId="1076"/>
+    <pc:chgData name="Marcos Maillot" userId="fa14b39d-e966-4ebb-a436-4f96f84b9577" providerId="ADAL" clId="{A4B5FBF0-88D8-43CB-AEB7-4453E11CEACE}"/>
+    <pc:docChg chg="custSel addSld modSld">
+      <pc:chgData name="Marcos Maillot" userId="fa14b39d-e966-4ebb-a436-4f96f84b9577" providerId="ADAL" clId="{A4B5FBF0-88D8-43CB-AEB7-4453E11CEACE}" dt="2023-08-18T23:03:11.694" v="24" actId="1076"/>
+      <pc:docMkLst>
+        <pc:docMk/>
+      </pc:docMkLst>
+      <pc:sldChg chg="addSp delSp modSp add mod">
+        <pc:chgData name="Marcos Maillot" userId="fa14b39d-e966-4ebb-a436-4f96f84b9577" providerId="ADAL" clId="{A4B5FBF0-88D8-43CB-AEB7-4453E11CEACE}" dt="2023-08-18T23:03:11.694" v="24" actId="1076"/>
+        <pc:sldMkLst>
+          <pc:docMk/>
+          <pc:sldMk cId="1900095533" sldId="362"/>
+        </pc:sldMkLst>
+        <pc:spChg chg="add mod">
+          <ac:chgData name="Marcos Maillot" userId="fa14b39d-e966-4ebb-a436-4f96f84b9577" providerId="ADAL" clId="{A4B5FBF0-88D8-43CB-AEB7-4453E11CEACE}" dt="2023-08-18T23:03:02.255" v="18" actId="1076"/>
+          <ac:spMkLst>
+            <pc:docMk/>
+            <pc:sldMk cId="1900095533" sldId="362"/>
+            <ac:spMk id="6" creationId="{0D89458B-06A0-07DA-045D-F9FAE1B2DED5}"/>
+          </ac:spMkLst>
+        </pc:spChg>
+        <pc:spChg chg="add mod">
+          <ac:chgData name="Marcos Maillot" userId="fa14b39d-e966-4ebb-a436-4f96f84b9577" providerId="ADAL" clId="{A4B5FBF0-88D8-43CB-AEB7-4453E11CEACE}" dt="2023-08-18T23:03:11.694" v="24" actId="1076"/>
+          <ac:spMkLst>
+            <pc:docMk/>
+            <pc:sldMk cId="1900095533" sldId="362"/>
+            <ac:spMk id="8" creationId="{0D1A8245-FE45-D301-8C1C-AD588606ABAE}"/>
+          </ac:spMkLst>
+        </pc:spChg>
+        <pc:spChg chg="mod">
+          <ac:chgData name="Marcos Maillot" userId="fa14b39d-e966-4ebb-a436-4f96f84b9577" providerId="ADAL" clId="{A4B5FBF0-88D8-43CB-AEB7-4453E11CEACE}" dt="2023-08-18T23:02:42.015" v="11" actId="1076"/>
+          <ac:spMkLst>
+            <pc:docMk/>
+            <pc:sldMk cId="1900095533" sldId="362"/>
+            <ac:spMk id="9" creationId="{3CC4C91B-D1B6-4B85-0C60-474E765AA993}"/>
+          </ac:spMkLst>
+        </pc:spChg>
+        <pc:spChg chg="mod">
+          <ac:chgData name="Marcos Maillot" userId="fa14b39d-e966-4ebb-a436-4f96f84b9577" providerId="ADAL" clId="{A4B5FBF0-88D8-43CB-AEB7-4453E11CEACE}" dt="2023-08-18T23:02:45.567" v="13" actId="1076"/>
+          <ac:spMkLst>
+            <pc:docMk/>
+            <pc:sldMk cId="1900095533" sldId="362"/>
+            <ac:spMk id="10" creationId="{9241FF65-4241-DE52-6A64-75594F8D8931}"/>
+          </ac:spMkLst>
+        </pc:spChg>
+        <pc:spChg chg="mod">
+          <ac:chgData name="Marcos Maillot" userId="fa14b39d-e966-4ebb-a436-4f96f84b9577" providerId="ADAL" clId="{A4B5FBF0-88D8-43CB-AEB7-4453E11CEACE}" dt="2023-08-18T23:02:47.919" v="14" actId="1076"/>
+          <ac:spMkLst>
+            <pc:docMk/>
+            <pc:sldMk cId="1900095533" sldId="362"/>
+            <ac:spMk id="21" creationId="{E8F43549-4D83-6AA4-3046-86BFC31F5C71}"/>
+          </ac:spMkLst>
+        </pc:spChg>
+        <pc:grpChg chg="del">
+          <ac:chgData name="Marcos Maillot" userId="fa14b39d-e966-4ebb-a436-4f96f84b9577" providerId="ADAL" clId="{A4B5FBF0-88D8-43CB-AEB7-4453E11CEACE}" dt="2023-08-18T23:02:17.330" v="2" actId="478"/>
+          <ac:grpSpMkLst>
+            <pc:docMk/>
+            <pc:sldMk cId="1900095533" sldId="362"/>
+            <ac:grpSpMk id="25" creationId="{D52FDF2A-438C-37A9-7060-FB2E1F25DF1D}"/>
+          </ac:grpSpMkLst>
+        </pc:grpChg>
+        <pc:grpChg chg="del">
+          <ac:chgData name="Marcos Maillot" userId="fa14b39d-e966-4ebb-a436-4f96f84b9577" providerId="ADAL" clId="{A4B5FBF0-88D8-43CB-AEB7-4453E11CEACE}" dt="2023-08-18T23:02:15.694" v="1" actId="478"/>
+          <ac:grpSpMkLst>
+            <pc:docMk/>
+            <pc:sldMk cId="1900095533" sldId="362"/>
+            <ac:grpSpMk id="29" creationId="{384B1848-A929-1009-E6D8-9785B1B07B87}"/>
+          </ac:grpSpMkLst>
+        </pc:grpChg>
+        <pc:grpChg chg="del">
+          <ac:chgData name="Marcos Maillot" userId="fa14b39d-e966-4ebb-a436-4f96f84b9577" providerId="ADAL" clId="{A4B5FBF0-88D8-43CB-AEB7-4453E11CEACE}" dt="2023-08-18T23:02:18.120" v="3" actId="478"/>
+          <ac:grpSpMkLst>
+            <pc:docMk/>
+            <pc:sldMk cId="1900095533" sldId="362"/>
+            <ac:grpSpMk id="34" creationId="{50EC2E31-2A2E-E2D9-8E84-E39DBF3135D8}"/>
+          </ac:grpSpMkLst>
+        </pc:grpChg>
+        <pc:picChg chg="mod">
+          <ac:chgData name="Marcos Maillot" userId="fa14b39d-e966-4ebb-a436-4f96f84b9577" providerId="ADAL" clId="{A4B5FBF0-88D8-43CB-AEB7-4453E11CEACE}" dt="2023-08-18T23:03:05.079" v="21" actId="1076"/>
+          <ac:picMkLst>
+            <pc:docMk/>
+            <pc:sldMk cId="1900095533" sldId="362"/>
+            <ac:picMk id="31" creationId="{CD46A953-1561-8618-5E56-CCF894E5D979}"/>
+          </ac:picMkLst>
+        </pc:picChg>
+        <pc:picChg chg="del">
+          <ac:chgData name="Marcos Maillot" userId="fa14b39d-e966-4ebb-a436-4f96f84b9577" providerId="ADAL" clId="{A4B5FBF0-88D8-43CB-AEB7-4453E11CEACE}" dt="2023-08-18T23:02:44.035" v="12" actId="478"/>
+          <ac:picMkLst>
+            <pc:docMk/>
+            <pc:sldMk cId="1900095533" sldId="362"/>
+            <ac:picMk id="39" creationId="{CA4E3869-5994-DB70-6479-C3774F3DBEEE}"/>
+          </ac:picMkLst>
+        </pc:picChg>
+        <pc:cxnChg chg="mod">
+          <ac:chgData name="Marcos Maillot" userId="fa14b39d-e966-4ebb-a436-4f96f84b9577" providerId="ADAL" clId="{A4B5FBF0-88D8-43CB-AEB7-4453E11CEACE}" dt="2023-08-18T23:02:34.359" v="8" actId="1076"/>
+          <ac:cxnSpMkLst>
+            <pc:docMk/>
+            <pc:sldMk cId="1900095533" sldId="362"/>
+            <ac:cxnSpMk id="3" creationId="{5EBC6E99-81D6-E402-C1F3-2B06ADD13C83}"/>
+          </ac:cxnSpMkLst>
+        </pc:cxnChg>
+        <pc:cxnChg chg="mod">
+          <ac:chgData name="Marcos Maillot" userId="fa14b39d-e966-4ebb-a436-4f96f84b9577" providerId="ADAL" clId="{A4B5FBF0-88D8-43CB-AEB7-4453E11CEACE}" dt="2023-08-18T23:02:49.375" v="15" actId="1076"/>
+          <ac:cxnSpMkLst>
+            <pc:docMk/>
+            <pc:sldMk cId="1900095533" sldId="362"/>
+            <ac:cxnSpMk id="5" creationId="{79E2AA7B-0C05-90F6-2742-E9A887A241AB}"/>
+          </ac:cxnSpMkLst>
+        </pc:cxnChg>
+      </pc:sldChg>
+    </pc:docChg>
+  </pc:docChgLst>
+  <pc:docChgLst>
+    <pc:chgData name="Marcos Maillot" userId="fa14b39d-e966-4ebb-a436-4f96f84b9577" providerId="ADAL" clId="{582622D0-86C3-4581-8AC3-C68B59312C02}"/>
+    <pc:docChg chg="custSel addSld modSld sldOrd">
+      <pc:chgData name="Marcos Maillot" userId="fa14b39d-e966-4ebb-a436-4f96f84b9577" providerId="ADAL" clId="{582622D0-86C3-4581-8AC3-C68B59312C02}" dt="2023-12-14T00:44:59.095" v="19" actId="729"/>
+      <pc:docMkLst>
+        <pc:docMk/>
+      </pc:docMkLst>
+      <pc:sldChg chg="delSp modSp mod">
+        <pc:chgData name="Marcos Maillot" userId="fa14b39d-e966-4ebb-a436-4f96f84b9577" providerId="ADAL" clId="{582622D0-86C3-4581-8AC3-C68B59312C02}" dt="2023-12-13T15:07:37.467" v="4" actId="1076"/>
+        <pc:sldMkLst>
+          <pc:docMk/>
+          <pc:sldMk cId="787285808" sldId="256"/>
+        </pc:sldMkLst>
+        <pc:spChg chg="del">
+          <ac:chgData name="Marcos Maillot" userId="fa14b39d-e966-4ebb-a436-4f96f84b9577" providerId="ADAL" clId="{582622D0-86C3-4581-8AC3-C68B59312C02}" dt="2023-12-13T15:07:28.736" v="1" actId="478"/>
+          <ac:spMkLst>
+            <pc:docMk/>
+            <pc:sldMk cId="787285808" sldId="256"/>
+            <ac:spMk id="6" creationId="{00000000-0000-0000-0000-000000000000}"/>
+          </ac:spMkLst>
+        </pc:spChg>
+        <pc:spChg chg="mod">
+          <ac:chgData name="Marcos Maillot" userId="fa14b39d-e966-4ebb-a436-4f96f84b9577" providerId="ADAL" clId="{582622D0-86C3-4581-8AC3-C68B59312C02}" dt="2023-12-13T15:07:37.467" v="4" actId="1076"/>
+          <ac:spMkLst>
+            <pc:docMk/>
+            <pc:sldMk cId="787285808" sldId="256"/>
+            <ac:spMk id="8" creationId="{00000000-0000-0000-0000-000000000000}"/>
+          </ac:spMkLst>
+        </pc:spChg>
+      </pc:sldChg>
+      <pc:sldChg chg="addSp modSp mod modShow">
+        <pc:chgData name="Marcos Maillot" userId="fa14b39d-e966-4ebb-a436-4f96f84b9577" providerId="ADAL" clId="{582622D0-86C3-4581-8AC3-C68B59312C02}" dt="2023-12-14T00:44:55.799" v="18" actId="729"/>
+        <pc:sldMkLst>
+          <pc:docMk/>
+          <pc:sldMk cId="973184105" sldId="347"/>
+        </pc:sldMkLst>
+        <pc:spChg chg="add mod">
+          <ac:chgData name="Marcos Maillot" userId="fa14b39d-e966-4ebb-a436-4f96f84b9577" providerId="ADAL" clId="{582622D0-86C3-4581-8AC3-C68B59312C02}" dt="2023-12-13T20:36:36.648" v="17" actId="1076"/>
+          <ac:spMkLst>
+            <pc:docMk/>
+            <pc:sldMk cId="973184105" sldId="347"/>
+            <ac:spMk id="7" creationId="{1F24B687-3B3C-ADFA-726B-AE3D08239213}"/>
+          </ac:spMkLst>
+        </pc:spChg>
+        <pc:picChg chg="mod">
+          <ac:chgData name="Marcos Maillot" userId="fa14b39d-e966-4ebb-a436-4f96f84b9577" providerId="ADAL" clId="{582622D0-86C3-4581-8AC3-C68B59312C02}" dt="2023-12-13T20:36:31.550" v="15" actId="1076"/>
+          <ac:picMkLst>
+            <pc:docMk/>
+            <pc:sldMk cId="973184105" sldId="347"/>
+            <ac:picMk id="3" creationId="{00000000-0000-0000-0000-000000000000}"/>
+          </ac:picMkLst>
+        </pc:picChg>
+      </pc:sldChg>
+      <pc:sldChg chg="mod modShow">
+        <pc:chgData name="Marcos Maillot" userId="fa14b39d-e966-4ebb-a436-4f96f84b9577" providerId="ADAL" clId="{582622D0-86C3-4581-8AC3-C68B59312C02}" dt="2023-12-14T00:44:59.095" v="19" actId="729"/>
+        <pc:sldMkLst>
+          <pc:docMk/>
+          <pc:sldMk cId="2542735254" sldId="351"/>
+        </pc:sldMkLst>
+      </pc:sldChg>
+      <pc:sldChg chg="ord">
+        <pc:chgData name="Marcos Maillot" userId="fa14b39d-e966-4ebb-a436-4f96f84b9577" providerId="ADAL" clId="{582622D0-86C3-4581-8AC3-C68B59312C02}" dt="2023-12-13T15:09:06.472" v="6"/>
+        <pc:sldMkLst>
+          <pc:docMk/>
+          <pc:sldMk cId="2145966389" sldId="354"/>
+        </pc:sldMkLst>
+      </pc:sldChg>
+      <pc:sldChg chg="ord">
+        <pc:chgData name="Marcos Maillot" userId="fa14b39d-e966-4ebb-a436-4f96f84b9577" providerId="ADAL" clId="{582622D0-86C3-4581-8AC3-C68B59312C02}" dt="2023-12-13T15:09:41.152" v="8"/>
+        <pc:sldMkLst>
+          <pc:docMk/>
+          <pc:sldMk cId="1421392979" sldId="359"/>
+        </pc:sldMkLst>
+      </pc:sldChg>
+      <pc:sldChg chg="ord">
+        <pc:chgData name="Marcos Maillot" userId="fa14b39d-e966-4ebb-a436-4f96f84b9577" providerId="ADAL" clId="{582622D0-86C3-4581-8AC3-C68B59312C02}" dt="2023-12-13T15:10:29.376" v="10"/>
+        <pc:sldMkLst>
+          <pc:docMk/>
+          <pc:sldMk cId="1900095533" sldId="362"/>
+        </pc:sldMkLst>
+      </pc:sldChg>
+      <pc:sldChg chg="add">
+        <pc:chgData name="Marcos Maillot" userId="fa14b39d-e966-4ebb-a436-4f96f84b9577" providerId="ADAL" clId="{582622D0-86C3-4581-8AC3-C68B59312C02}" dt="2023-12-13T20:34:04.598" v="13"/>
+        <pc:sldMkLst>
+          <pc:docMk/>
+          <pc:sldMk cId="927860414" sldId="364"/>
+        </pc:sldMkLst>
+      </pc:sldChg>
+    </pc:docChg>
+  </pc:docChgLst>
+  <pc:docChgLst>
+    <pc:chgData name="Marcos Maillot" userId="fa14b39d-e966-4ebb-a436-4f96f84b9577" providerId="ADAL" clId="{563234E5-F6F0-42B1-B4AF-C6677841636B}"/>
+    <pc:docChg chg="custSel addSld delSld modSld sldOrd">
+      <pc:chgData name="Marcos Maillot" userId="fa14b39d-e966-4ebb-a436-4f96f84b9577" providerId="ADAL" clId="{563234E5-F6F0-42B1-B4AF-C6677841636B}" dt="2022-10-13T18:58:31.012" v="264" actId="207"/>
+      <pc:docMkLst>
+        <pc:docMk/>
+      </pc:docMkLst>
+      <pc:sldChg chg="addSp delSp modSp mod">
+        <pc:chgData name="Marcos Maillot" userId="fa14b39d-e966-4ebb-a436-4f96f84b9577" providerId="ADAL" clId="{563234E5-F6F0-42B1-B4AF-C6677841636B}" dt="2022-10-13T18:20:45.545" v="57" actId="1076"/>
+        <pc:sldMkLst>
+          <pc:docMk/>
+          <pc:sldMk cId="1345289315" sldId="332"/>
+        </pc:sldMkLst>
+        <pc:spChg chg="del">
+          <ac:chgData name="Marcos Maillot" userId="fa14b39d-e966-4ebb-a436-4f96f84b9577" providerId="ADAL" clId="{563234E5-F6F0-42B1-B4AF-C6677841636B}" dt="2022-10-13T18:20:20.877" v="47" actId="478"/>
+          <ac:spMkLst>
+            <pc:docMk/>
+            <pc:sldMk cId="1345289315" sldId="332"/>
+            <ac:spMk id="5" creationId="{00000000-0000-0000-0000-000000000000}"/>
+          </ac:spMkLst>
+        </pc:spChg>
+        <pc:spChg chg="mod">
+          <ac:chgData name="Marcos Maillot" userId="fa14b39d-e966-4ebb-a436-4f96f84b9577" providerId="ADAL" clId="{563234E5-F6F0-42B1-B4AF-C6677841636B}" dt="2022-10-13T18:20:41.876" v="55" actId="1076"/>
+          <ac:spMkLst>
+            <pc:docMk/>
+            <pc:sldMk cId="1345289315" sldId="332"/>
+            <ac:spMk id="6" creationId="{00000000-0000-0000-0000-000000000000}"/>
+          </ac:spMkLst>
+        </pc:spChg>
+        <pc:spChg chg="del">
+          <ac:chgData name="Marcos Maillot" userId="fa14b39d-e966-4ebb-a436-4f96f84b9577" providerId="ADAL" clId="{563234E5-F6F0-42B1-B4AF-C6677841636B}" dt="2022-10-13T18:20:17.230" v="46" actId="478"/>
+          <ac:spMkLst>
+            <pc:docMk/>
+            <pc:sldMk cId="1345289315" sldId="332"/>
+            <ac:spMk id="7" creationId="{00000000-0000-0000-0000-000000000000}"/>
+          </ac:spMkLst>
+        </pc:spChg>
+        <pc:spChg chg="del">
+          <ac:chgData name="Marcos Maillot" userId="fa14b39d-e966-4ebb-a436-4f96f84b9577" providerId="ADAL" clId="{563234E5-F6F0-42B1-B4AF-C6677841636B}" dt="2022-10-13T18:20:03.461" v="43" actId="478"/>
+          <ac:spMkLst>
+            <pc:docMk/>
+            <pc:sldMk cId="1345289315" sldId="332"/>
+            <ac:spMk id="8" creationId="{00000000-0000-0000-0000-000000000000}"/>
+          </ac:spMkLst>
+        </pc:spChg>
+        <pc:picChg chg="del">
+          <ac:chgData name="Marcos Maillot" userId="fa14b39d-e966-4ebb-a436-4f96f84b9577" providerId="ADAL" clId="{563234E5-F6F0-42B1-B4AF-C6677841636B}" dt="2022-10-13T18:19:57.728" v="42" actId="478"/>
+          <ac:picMkLst>
+            <pc:docMk/>
+            <pc:sldMk cId="1345289315" sldId="332"/>
+            <ac:picMk id="3" creationId="{00000000-0000-0000-0000-000000000000}"/>
+          </ac:picMkLst>
+        </pc:picChg>
+        <pc:picChg chg="add mod">
+          <ac:chgData name="Marcos Maillot" userId="fa14b39d-e966-4ebb-a436-4f96f84b9577" providerId="ADAL" clId="{563234E5-F6F0-42B1-B4AF-C6677841636B}" dt="2022-10-13T18:20:45.545" v="57" actId="1076"/>
+          <ac:picMkLst>
+            <pc:docMk/>
+            <pc:sldMk cId="1345289315" sldId="332"/>
+            <ac:picMk id="9" creationId="{3E8818A9-21A5-D270-0236-64EB72134CFF}"/>
+          </ac:picMkLst>
+        </pc:picChg>
+      </pc:sldChg>
+      <pc:sldChg chg="addSp modSp mod">
+        <pc:chgData name="Marcos Maillot" userId="fa14b39d-e966-4ebb-a436-4f96f84b9577" providerId="ADAL" clId="{563234E5-F6F0-42B1-B4AF-C6677841636B}" dt="2022-10-13T18:34:54.598" v="147" actId="20577"/>
+        <pc:sldMkLst>
+          <pc:docMk/>
+          <pc:sldMk cId="973184105" sldId="347"/>
+        </pc:sldMkLst>
+        <pc:spChg chg="add mod">
+          <ac:chgData name="Marcos Maillot" userId="fa14b39d-e966-4ebb-a436-4f96f84b9577" providerId="ADAL" clId="{563234E5-F6F0-42B1-B4AF-C6677841636B}" dt="2022-10-13T18:25:44.705" v="127" actId="1076"/>
+          <ac:spMkLst>
+            <pc:docMk/>
+            <pc:sldMk cId="973184105" sldId="347"/>
+            <ac:spMk id="2" creationId="{896BF1DF-9999-CAC6-85C3-BFB9B5054968}"/>
+          </ac:spMkLst>
+        </pc:spChg>
+        <pc:spChg chg="mod">
+          <ac:chgData name="Marcos Maillot" userId="fa14b39d-e966-4ebb-a436-4f96f84b9577" providerId="ADAL" clId="{563234E5-F6F0-42B1-B4AF-C6677841636B}" dt="2022-10-13T18:15:44.261" v="34"/>
+          <ac:spMkLst>
+            <pc:docMk/>
+            <pc:sldMk cId="973184105" sldId="347"/>
+            <ac:spMk id="5" creationId="{00000000-0000-0000-0000-000000000000}"/>
+          </ac:spMkLst>
+        </pc:spChg>
+        <pc:spChg chg="mod">
+          <ac:chgData name="Marcos Maillot" userId="fa14b39d-e966-4ebb-a436-4f96f84b9577" providerId="ADAL" clId="{563234E5-F6F0-42B1-B4AF-C6677841636B}" dt="2022-10-13T18:34:54.598" v="147" actId="20577"/>
+          <ac:spMkLst>
+            <pc:docMk/>
+            <pc:sldMk cId="973184105" sldId="347"/>
+            <ac:spMk id="6" creationId="{00000000-0000-0000-0000-000000000000}"/>
+          </ac:spMkLst>
+        </pc:spChg>
+        <pc:picChg chg="mod">
+          <ac:chgData name="Marcos Maillot" userId="fa14b39d-e966-4ebb-a436-4f96f84b9577" providerId="ADAL" clId="{563234E5-F6F0-42B1-B4AF-C6677841636B}" dt="2022-10-13T18:15:06.702" v="25" actId="1076"/>
+          <ac:picMkLst>
+            <pc:docMk/>
+            <pc:sldMk cId="973184105" sldId="347"/>
+            <ac:picMk id="11" creationId="{00000000-0000-0000-0000-000000000000}"/>
+          </ac:picMkLst>
+        </pc:picChg>
+      </pc:sldChg>
+      <pc:sldChg chg="addSp modSp mod">
+        <pc:chgData name="Marcos Maillot" userId="fa14b39d-e966-4ebb-a436-4f96f84b9577" providerId="ADAL" clId="{563234E5-F6F0-42B1-B4AF-C6677841636B}" dt="2022-10-13T18:58:31.012" v="264" actId="207"/>
+        <pc:sldMkLst>
+          <pc:docMk/>
+          <pc:sldMk cId="543162145" sldId="349"/>
+        </pc:sldMkLst>
+        <pc:spChg chg="mod">
+          <ac:chgData name="Marcos Maillot" userId="fa14b39d-e966-4ebb-a436-4f96f84b9577" providerId="ADAL" clId="{563234E5-F6F0-42B1-B4AF-C6677841636B}" dt="2022-10-13T18:56:42.570" v="261" actId="1076"/>
+          <ac:spMkLst>
+            <pc:docMk/>
+            <pc:sldMk cId="543162145" sldId="349"/>
+            <ac:spMk id="2" creationId="{00000000-0000-0000-0000-000000000000}"/>
+          </ac:spMkLst>
+        </pc:spChg>
+        <pc:spChg chg="add mod">
+          <ac:chgData name="Marcos Maillot" userId="fa14b39d-e966-4ebb-a436-4f96f84b9577" providerId="ADAL" clId="{563234E5-F6F0-42B1-B4AF-C6677841636B}" dt="2022-10-13T18:58:31.012" v="264" actId="207"/>
+          <ac:spMkLst>
+            <pc:docMk/>
+            <pc:sldMk cId="543162145" sldId="349"/>
+            <ac:spMk id="4" creationId="{6DFD0C03-5399-D56F-87FA-4672DB96FF80}"/>
+          </ac:spMkLst>
+        </pc:spChg>
+      </pc:sldChg>
+      <pc:sldChg chg="modSp mod">
+        <pc:chgData name="Marcos Maillot" userId="fa14b39d-e966-4ebb-a436-4f96f84b9577" providerId="ADAL" clId="{563234E5-F6F0-42B1-B4AF-C6677841636B}" dt="2022-10-13T18:37:36.186" v="211" actId="1076"/>
+        <pc:sldMkLst>
+          <pc:docMk/>
+          <pc:sldMk cId="2542735254" sldId="351"/>
+        </pc:sldMkLst>
+        <pc:spChg chg="mod">
+          <ac:chgData name="Marcos Maillot" userId="fa14b39d-e966-4ebb-a436-4f96f84b9577" providerId="ADAL" clId="{563234E5-F6F0-42B1-B4AF-C6677841636B}" dt="2022-10-13T18:35:21.241" v="196" actId="20577"/>
+          <ac:spMkLst>
+            <pc:docMk/>
+            <pc:sldMk cId="2542735254" sldId="351"/>
+            <ac:spMk id="6" creationId="{00000000-0000-0000-0000-000000000000}"/>
+          </ac:spMkLst>
+        </pc:spChg>
+        <pc:spChg chg="mod">
+          <ac:chgData name="Marcos Maillot" userId="fa14b39d-e966-4ebb-a436-4f96f84b9577" providerId="ADAL" clId="{563234E5-F6F0-42B1-B4AF-C6677841636B}" dt="2022-10-13T18:37:36.186" v="211" actId="1076"/>
+          <ac:spMkLst>
+            <pc:docMk/>
+            <pc:sldMk cId="2542735254" sldId="351"/>
+            <ac:spMk id="17" creationId="{00000000-0000-0000-0000-000000000000}"/>
+          </ac:spMkLst>
+        </pc:spChg>
+      </pc:sldChg>
+      <pc:sldChg chg="addSp delSp modSp del mod ord">
+        <pc:chgData name="Marcos Maillot" userId="fa14b39d-e966-4ebb-a436-4f96f84b9577" providerId="ADAL" clId="{563234E5-F6F0-42B1-B4AF-C6677841636B}" dt="2022-10-13T18:54:11.306" v="255" actId="47"/>
+        <pc:sldMkLst>
+          <pc:docMk/>
+          <pc:sldMk cId="1886603860" sldId="352"/>
+        </pc:sldMkLst>
+        <pc:spChg chg="add del mod">
+          <ac:chgData name="Marcos Maillot" userId="fa14b39d-e966-4ebb-a436-4f96f84b9577" providerId="ADAL" clId="{563234E5-F6F0-42B1-B4AF-C6677841636B}" dt="2022-10-13T18:18:36.250" v="35" actId="478"/>
+          <ac:spMkLst>
+            <pc:docMk/>
+            <pc:sldMk cId="1886603860" sldId="352"/>
+            <ac:spMk id="2" creationId="{2F2FCC41-1517-CA54-3826-17B212E44E40}"/>
+          </ac:spMkLst>
+        </pc:spChg>
+        <pc:spChg chg="add del mod">
+          <ac:chgData name="Marcos Maillot" userId="fa14b39d-e966-4ebb-a436-4f96f84b9577" providerId="ADAL" clId="{563234E5-F6F0-42B1-B4AF-C6677841636B}" dt="2022-10-13T18:52:10.016" v="245" actId="478"/>
+          <ac:spMkLst>
+            <pc:docMk/>
+            <pc:sldMk cId="1886603860" sldId="352"/>
+            <ac:spMk id="3" creationId="{408EBDE3-EF01-C64E-33F2-4D271D826B41}"/>
+          </ac:spMkLst>
+        </pc:spChg>
+        <pc:spChg chg="del mod">
+          <ac:chgData name="Marcos Maillot" userId="fa14b39d-e966-4ebb-a436-4f96f84b9577" providerId="ADAL" clId="{563234E5-F6F0-42B1-B4AF-C6677841636B}" dt="2022-10-13T18:08:50.330" v="10" actId="478"/>
+          <ac:spMkLst>
+            <pc:docMk/>
+            <pc:sldMk cId="1886603860" sldId="352"/>
+            <ac:spMk id="5" creationId="{00000000-0000-0000-0000-000000000000}"/>
+          </ac:spMkLst>
+        </pc:spChg>
+        <pc:spChg chg="mod">
+          <ac:chgData name="Marcos Maillot" userId="fa14b39d-e966-4ebb-a436-4f96f84b9577" providerId="ADAL" clId="{563234E5-F6F0-42B1-B4AF-C6677841636B}" dt="2022-10-13T18:35:10.861" v="170" actId="14100"/>
+          <ac:spMkLst>
+            <pc:docMk/>
+            <pc:sldMk cId="1886603860" sldId="352"/>
+            <ac:spMk id="6" creationId="{00000000-0000-0000-0000-000000000000}"/>
+          </ac:spMkLst>
+        </pc:spChg>
+        <pc:spChg chg="add mod">
+          <ac:chgData name="Marcos Maillot" userId="fa14b39d-e966-4ebb-a436-4f96f84b9577" providerId="ADAL" clId="{563234E5-F6F0-42B1-B4AF-C6677841636B}" dt="2022-10-13T18:51:10.396" v="244" actId="1076"/>
+          <ac:spMkLst>
+            <pc:docMk/>
+            <pc:sldMk cId="1886603860" sldId="352"/>
+            <ac:spMk id="7" creationId="{8FAB41AE-B829-C329-01D9-9989D591552F}"/>
+          </ac:spMkLst>
+        </pc:spChg>
+        <pc:spChg chg="mod">
+          <ac:chgData name="Marcos Maillot" userId="fa14b39d-e966-4ebb-a436-4f96f84b9577" providerId="ADAL" clId="{563234E5-F6F0-42B1-B4AF-C6677841636B}" dt="2022-10-13T18:52:23.804" v="252" actId="1076"/>
+          <ac:spMkLst>
+            <pc:docMk/>
+            <pc:sldMk cId="1886603860" sldId="352"/>
+            <ac:spMk id="9" creationId="{00000000-0000-0000-0000-000000000000}"/>
+          </ac:spMkLst>
+        </pc:spChg>
+        <pc:picChg chg="mod">
+          <ac:chgData name="Marcos Maillot" userId="fa14b39d-e966-4ebb-a436-4f96f84b9577" providerId="ADAL" clId="{563234E5-F6F0-42B1-B4AF-C6677841636B}" dt="2022-10-13T18:52:24.907" v="253" actId="1076"/>
+          <ac:picMkLst>
+            <pc:docMk/>
+            <pc:sldMk cId="1886603860" sldId="352"/>
+            <ac:picMk id="8" creationId="{00000000-0000-0000-0000-000000000000}"/>
+          </ac:picMkLst>
+        </pc:picChg>
+        <pc:picChg chg="mod">
+          <ac:chgData name="Marcos Maillot" userId="fa14b39d-e966-4ebb-a436-4f96f84b9577" providerId="ADAL" clId="{563234E5-F6F0-42B1-B4AF-C6677841636B}" dt="2022-10-13T18:52:25.996" v="254" actId="1076"/>
+          <ac:picMkLst>
+            <pc:docMk/>
+            <pc:sldMk cId="1886603860" sldId="352"/>
+            <ac:picMk id="10" creationId="{00000000-0000-0000-0000-000000000000}"/>
+          </ac:picMkLst>
+        </pc:picChg>
+        <pc:picChg chg="del mod">
+          <ac:chgData name="Marcos Maillot" userId="fa14b39d-e966-4ebb-a436-4f96f84b9577" providerId="ADAL" clId="{563234E5-F6F0-42B1-B4AF-C6677841636B}" dt="2022-10-13T18:52:10.850" v="246" actId="478"/>
+          <ac:picMkLst>
+            <pc:docMk/>
+            <pc:sldMk cId="1886603860" sldId="352"/>
+            <ac:picMk id="11" creationId="{00000000-0000-0000-0000-000000000000}"/>
+          </ac:picMkLst>
+        </pc:picChg>
+      </pc:sldChg>
+      <pc:sldChg chg="addSp modSp mod">
+        <pc:chgData name="Marcos Maillot" userId="fa14b39d-e966-4ebb-a436-4f96f84b9577" providerId="ADAL" clId="{563234E5-F6F0-42B1-B4AF-C6677841636B}" dt="2022-10-13T18:54:28.998" v="260" actId="1076"/>
+        <pc:sldMkLst>
+          <pc:docMk/>
+          <pc:sldMk cId="2815013244" sldId="353"/>
+        </pc:sldMkLst>
+        <pc:spChg chg="add mod">
+          <ac:chgData name="Marcos Maillot" userId="fa14b39d-e966-4ebb-a436-4f96f84b9577" providerId="ADAL" clId="{563234E5-F6F0-42B1-B4AF-C6677841636B}" dt="2022-10-13T18:54:28.998" v="260" actId="1076"/>
+          <ac:spMkLst>
+            <pc:docMk/>
+            <pc:sldMk cId="2815013244" sldId="353"/>
+            <ac:spMk id="4" creationId="{E16C6773-B006-915F-DED4-D42F9BA91C1D}"/>
+          </ac:spMkLst>
+        </pc:spChg>
+        <pc:spChg chg="mod">
+          <ac:chgData name="Marcos Maillot" userId="fa14b39d-e966-4ebb-a436-4f96f84b9577" providerId="ADAL" clId="{563234E5-F6F0-42B1-B4AF-C6677841636B}" dt="2022-10-13T18:48:59.164" v="236" actId="20577"/>
+          <ac:spMkLst>
+            <pc:docMk/>
+            <pc:sldMk cId="2815013244" sldId="353"/>
+            <ac:spMk id="6" creationId="{00000000-0000-0000-0000-000000000000}"/>
+          </ac:spMkLst>
+        </pc:spChg>
+      </pc:sldChg>
+      <pc:sldChg chg="delSp add mod">
+        <pc:chgData name="Marcos Maillot" userId="fa14b39d-e966-4ebb-a436-4f96f84b9577" providerId="ADAL" clId="{563234E5-F6F0-42B1-B4AF-C6677841636B}" dt="2022-10-13T18:19:52.161" v="41" actId="478"/>
+        <pc:sldMkLst>
+          <pc:docMk/>
+          <pc:sldMk cId="2307917589" sldId="355"/>
+        </pc:sldMkLst>
+        <pc:picChg chg="del">
+          <ac:chgData name="Marcos Maillot" userId="fa14b39d-e966-4ebb-a436-4f96f84b9577" providerId="ADAL" clId="{563234E5-F6F0-42B1-B4AF-C6677841636B}" dt="2022-10-13T18:19:52.161" v="41" actId="478"/>
+          <ac:picMkLst>
+            <pc:docMk/>
+            <pc:sldMk cId="2307917589" sldId="355"/>
+            <ac:picMk id="9" creationId="{3E8818A9-21A5-D270-0236-64EB72134CFF}"/>
+          </ac:picMkLst>
+        </pc:picChg>
+      </pc:sldChg>
+      <pc:sldChg chg="add del">
+        <pc:chgData name="Marcos Maillot" userId="fa14b39d-e966-4ebb-a436-4f96f84b9577" providerId="ADAL" clId="{563234E5-F6F0-42B1-B4AF-C6677841636B}" dt="2022-10-13T18:24:00.752" v="59" actId="47"/>
+        <pc:sldMkLst>
+          <pc:docMk/>
+          <pc:sldMk cId="335086815" sldId="356"/>
+        </pc:sldMkLst>
+      </pc:sldChg>
+    </pc:docChg>
+  </pc:docChgLst>
+  <pc:docChgLst>
+    <pc:chgData name="Marcos Maillot" userId="fa14b39d-e966-4ebb-a436-4f96f84b9577" providerId="ADAL" clId="{6305F822-064E-4220-B9C7-00DB7665D49D}"/>
+    <pc:docChg chg="custSel addSld modSld">
+      <pc:chgData name="Marcos Maillot" userId="fa14b39d-e966-4ebb-a436-4f96f84b9577" providerId="ADAL" clId="{6305F822-064E-4220-B9C7-00DB7665D49D}" dt="2023-04-21T16:38:11.405" v="574" actId="478"/>
       <pc:docMkLst>
         <pc:docMk/>
       </pc:docMkLst>
       <pc:sldChg chg="modSp mod">
-        <pc:chgData name="Marcos Maillot" userId="fa14b39d-e966-4ebb-a436-4f96f84b9577" providerId="ADAL" clId="{7011595B-F756-4AA4-8979-4594D887F2E6}" dt="2022-10-13T23:51:53.653" v="2" actId="1076"/>
+        <pc:chgData name="Marcos Maillot" userId="fa14b39d-e966-4ebb-a436-4f96f84b9577" providerId="ADAL" clId="{6305F822-064E-4220-B9C7-00DB7665D49D}" dt="2023-04-21T16:35:26.546" v="562" actId="1076"/>
         <pc:sldMkLst>
           <pc:docMk/>
-          <pc:sldMk cId="1345289315" sldId="332"/>
+          <pc:sldMk cId="787285808" sldId="256"/>
         </pc:sldMkLst>
-        <pc:picChg chg="mod">
-          <ac:chgData name="Marcos Maillot" userId="fa14b39d-e966-4ebb-a436-4f96f84b9577" providerId="ADAL" clId="{7011595B-F756-4AA4-8979-4594D887F2E6}" dt="2022-10-13T23:51:53.653" v="2" actId="1076"/>
+        <pc:spChg chg="mod">
+          <ac:chgData name="Marcos Maillot" userId="fa14b39d-e966-4ebb-a436-4f96f84b9577" providerId="ADAL" clId="{6305F822-064E-4220-B9C7-00DB7665D49D}" dt="2023-04-21T16:35:26.546" v="562" actId="1076"/>
+          <ac:spMkLst>
+            <pc:docMk/>
+            <pc:sldMk cId="787285808" sldId="256"/>
+            <ac:spMk id="6" creationId="{00000000-0000-0000-0000-000000000000}"/>
+          </ac:spMkLst>
+        </pc:spChg>
+        <pc:spChg chg="mod">
+          <ac:chgData name="Marcos Maillot" userId="fa14b39d-e966-4ebb-a436-4f96f84b9577" providerId="ADAL" clId="{6305F822-064E-4220-B9C7-00DB7665D49D}" dt="2023-04-21T16:35:22.986" v="561" actId="20577"/>
+          <ac:spMkLst>
+            <pc:docMk/>
+            <pc:sldMk cId="787285808" sldId="256"/>
+            <ac:spMk id="8" creationId="{00000000-0000-0000-0000-000000000000}"/>
+          </ac:spMkLst>
+        </pc:spChg>
+      </pc:sldChg>
+      <pc:sldChg chg="delSp mod">
+        <pc:chgData name="Marcos Maillot" userId="fa14b39d-e966-4ebb-a436-4f96f84b9577" providerId="ADAL" clId="{6305F822-064E-4220-B9C7-00DB7665D49D}" dt="2023-04-21T16:37:29.396" v="570" actId="478"/>
+        <pc:sldMkLst>
+          <pc:docMk/>
+          <pc:sldMk cId="973184105" sldId="347"/>
+        </pc:sldMkLst>
+        <pc:inkChg chg="del">
+          <ac:chgData name="Marcos Maillot" userId="fa14b39d-e966-4ebb-a436-4f96f84b9577" providerId="ADAL" clId="{6305F822-064E-4220-B9C7-00DB7665D49D}" dt="2023-04-21T16:37:29.396" v="570" actId="478"/>
+          <ac:inkMkLst>
+            <pc:docMk/>
+            <pc:sldMk cId="973184105" sldId="347"/>
+            <ac:inkMk id="4" creationId="{FBD1DF55-1D32-692D-7F82-5AF6692BB069}"/>
+          </ac:inkMkLst>
+        </pc:inkChg>
+      </pc:sldChg>
+      <pc:sldChg chg="delSp mod">
+        <pc:chgData name="Marcos Maillot" userId="fa14b39d-e966-4ebb-a436-4f96f84b9577" providerId="ADAL" clId="{6305F822-064E-4220-B9C7-00DB7665D49D}" dt="2023-04-21T16:38:04.726" v="573" actId="478"/>
+        <pc:sldMkLst>
+          <pc:docMk/>
+          <pc:sldMk cId="2703650191" sldId="348"/>
+        </pc:sldMkLst>
+        <pc:inkChg chg="del">
+          <ac:chgData name="Marcos Maillot" userId="fa14b39d-e966-4ebb-a436-4f96f84b9577" providerId="ADAL" clId="{6305F822-064E-4220-B9C7-00DB7665D49D}" dt="2023-04-21T16:38:04.726" v="573" actId="478"/>
+          <ac:inkMkLst>
+            <pc:docMk/>
+            <pc:sldMk cId="2703650191" sldId="348"/>
+            <ac:inkMk id="2" creationId="{F7B2D392-AA62-C216-B618-458640C35E92}"/>
+          </ac:inkMkLst>
+        </pc:inkChg>
+      </pc:sldChg>
+      <pc:sldChg chg="delSp mod">
+        <pc:chgData name="Marcos Maillot" userId="fa14b39d-e966-4ebb-a436-4f96f84b9577" providerId="ADAL" clId="{6305F822-064E-4220-B9C7-00DB7665D49D}" dt="2023-04-21T16:38:11.405" v="574" actId="478"/>
+        <pc:sldMkLst>
+          <pc:docMk/>
+          <pc:sldMk cId="543162145" sldId="349"/>
+        </pc:sldMkLst>
+        <pc:inkChg chg="del">
+          <ac:chgData name="Marcos Maillot" userId="fa14b39d-e966-4ebb-a436-4f96f84b9577" providerId="ADAL" clId="{6305F822-064E-4220-B9C7-00DB7665D49D}" dt="2023-04-21T16:38:11.405" v="574" actId="478"/>
+          <ac:inkMkLst>
+            <pc:docMk/>
+            <pc:sldMk cId="543162145" sldId="349"/>
+            <ac:inkMk id="3" creationId="{04156308-32B7-E22A-653F-E3550144EA7F}"/>
+          </ac:inkMkLst>
+        </pc:inkChg>
+      </pc:sldChg>
+      <pc:sldChg chg="delSp mod">
+        <pc:chgData name="Marcos Maillot" userId="fa14b39d-e966-4ebb-a436-4f96f84b9577" providerId="ADAL" clId="{6305F822-064E-4220-B9C7-00DB7665D49D}" dt="2023-04-21T16:37:09.195" v="569" actId="478"/>
+        <pc:sldMkLst>
+          <pc:docMk/>
+          <pc:sldMk cId="3302342433" sldId="350"/>
+        </pc:sldMkLst>
+        <pc:inkChg chg="del">
+          <ac:chgData name="Marcos Maillot" userId="fa14b39d-e966-4ebb-a436-4f96f84b9577" providerId="ADAL" clId="{6305F822-064E-4220-B9C7-00DB7665D49D}" dt="2023-04-21T16:37:09.195" v="569" actId="478"/>
+          <ac:inkMkLst>
+            <pc:docMk/>
+            <pc:sldMk cId="3302342433" sldId="350"/>
+            <ac:inkMk id="2" creationId="{53C00B13-E41A-B715-5A95-1BE6EC5330FE}"/>
+          </ac:inkMkLst>
+        </pc:inkChg>
+      </pc:sldChg>
+      <pc:sldChg chg="delSp mod">
+        <pc:chgData name="Marcos Maillot" userId="fa14b39d-e966-4ebb-a436-4f96f84b9577" providerId="ADAL" clId="{6305F822-064E-4220-B9C7-00DB7665D49D}" dt="2023-04-21T16:37:56.505" v="571" actId="478"/>
+        <pc:sldMkLst>
+          <pc:docMk/>
+          <pc:sldMk cId="2542735254" sldId="351"/>
+        </pc:sldMkLst>
+        <pc:inkChg chg="del">
+          <ac:chgData name="Marcos Maillot" userId="fa14b39d-e966-4ebb-a436-4f96f84b9577" providerId="ADAL" clId="{6305F822-064E-4220-B9C7-00DB7665D49D}" dt="2023-04-21T16:37:56.505" v="571" actId="478"/>
+          <ac:inkMkLst>
+            <pc:docMk/>
+            <pc:sldMk cId="2542735254" sldId="351"/>
+            <ac:inkMk id="2" creationId="{C335C49F-7C8B-4011-7A83-BF03ACA7F176}"/>
+          </ac:inkMkLst>
+        </pc:inkChg>
+      </pc:sldChg>
+      <pc:sldChg chg="delSp mod">
+        <pc:chgData name="Marcos Maillot" userId="fa14b39d-e966-4ebb-a436-4f96f84b9577" providerId="ADAL" clId="{6305F822-064E-4220-B9C7-00DB7665D49D}" dt="2023-04-21T16:37:58.878" v="572" actId="478"/>
+        <pc:sldMkLst>
+          <pc:docMk/>
+          <pc:sldMk cId="2815013244" sldId="353"/>
+        </pc:sldMkLst>
+        <pc:inkChg chg="del">
+          <ac:chgData name="Marcos Maillot" userId="fa14b39d-e966-4ebb-a436-4f96f84b9577" providerId="ADAL" clId="{6305F822-064E-4220-B9C7-00DB7665D49D}" dt="2023-04-21T16:37:58.878" v="572" actId="478"/>
+          <ac:inkMkLst>
+            <pc:docMk/>
+            <pc:sldMk cId="2815013244" sldId="353"/>
+            <ac:inkMk id="2" creationId="{C35E2606-750A-7833-E7FA-E42C45867906}"/>
+          </ac:inkMkLst>
+        </pc:inkChg>
+      </pc:sldChg>
+      <pc:sldChg chg="delSp mod">
+        <pc:chgData name="Marcos Maillot" userId="fa14b39d-e966-4ebb-a436-4f96f84b9577" providerId="ADAL" clId="{6305F822-064E-4220-B9C7-00DB7665D49D}" dt="2023-04-21T16:36:54.546" v="568" actId="478"/>
+        <pc:sldMkLst>
+          <pc:docMk/>
+          <pc:sldMk cId="2307917589" sldId="355"/>
+        </pc:sldMkLst>
+        <pc:inkChg chg="del">
+          <ac:chgData name="Marcos Maillot" userId="fa14b39d-e966-4ebb-a436-4f96f84b9577" providerId="ADAL" clId="{6305F822-064E-4220-B9C7-00DB7665D49D}" dt="2023-04-21T16:36:54.546" v="568" actId="478"/>
+          <ac:inkMkLst>
+            <pc:docMk/>
+            <pc:sldMk cId="2307917589" sldId="355"/>
+            <ac:inkMk id="2" creationId="{C97C5AB7-B83A-CFD2-CB93-E99FAB943EC7}"/>
+          </ac:inkMkLst>
+        </pc:inkChg>
+      </pc:sldChg>
+      <pc:sldChg chg="delSp modSp add mod">
+        <pc:chgData name="Marcos Maillot" userId="fa14b39d-e966-4ebb-a436-4f96f84b9577" providerId="ADAL" clId="{6305F822-064E-4220-B9C7-00DB7665D49D}" dt="2023-04-21T16:35:48.615" v="567" actId="14100"/>
+        <pc:sldMkLst>
+          <pc:docMk/>
+          <pc:sldMk cId="2958760871" sldId="360"/>
+        </pc:sldMkLst>
+        <pc:spChg chg="mod">
+          <ac:chgData name="Marcos Maillot" userId="fa14b39d-e966-4ebb-a436-4f96f84b9577" providerId="ADAL" clId="{6305F822-064E-4220-B9C7-00DB7665D49D}" dt="2023-04-21T16:35:48.615" v="567" actId="14100"/>
+          <ac:spMkLst>
+            <pc:docMk/>
+            <pc:sldMk cId="2958760871" sldId="360"/>
+            <ac:spMk id="12" creationId="{173875A2-756C-C285-A3FC-2C04FCABF78E}"/>
+          </ac:spMkLst>
+        </pc:spChg>
+        <pc:spChg chg="del mod">
+          <ac:chgData name="Marcos Maillot" userId="fa14b39d-e966-4ebb-a436-4f96f84b9577" providerId="ADAL" clId="{6305F822-064E-4220-B9C7-00DB7665D49D}" dt="2023-04-21T16:31:50.476" v="511" actId="478"/>
+          <ac:spMkLst>
+            <pc:docMk/>
+            <pc:sldMk cId="2958760871" sldId="360"/>
+            <ac:spMk id="16" creationId="{AD0B28E0-D22E-F3BE-B975-F36DBFA0ECA1}"/>
+          </ac:spMkLst>
+        </pc:spChg>
+        <pc:spChg chg="del">
+          <ac:chgData name="Marcos Maillot" userId="fa14b39d-e966-4ebb-a436-4f96f84b9577" providerId="ADAL" clId="{6305F822-064E-4220-B9C7-00DB7665D49D}" dt="2023-04-21T16:27:01.217" v="97" actId="478"/>
+          <ac:spMkLst>
+            <pc:docMk/>
+            <pc:sldMk cId="2958760871" sldId="360"/>
+            <ac:spMk id="17" creationId="{6E44B1AE-5F03-28EE-5C2B-ABADEC460FE2}"/>
+          </ac:spMkLst>
+        </pc:spChg>
+        <pc:spChg chg="del">
+          <ac:chgData name="Marcos Maillot" userId="fa14b39d-e966-4ebb-a436-4f96f84b9577" providerId="ADAL" clId="{6305F822-064E-4220-B9C7-00DB7665D49D}" dt="2023-04-21T16:26:57.427" v="93" actId="478"/>
+          <ac:spMkLst>
+            <pc:docMk/>
+            <pc:sldMk cId="2958760871" sldId="360"/>
+            <ac:spMk id="18" creationId="{E6AB87E9-25D4-491A-8C3E-94BD21E70872}"/>
+          </ac:spMkLst>
+        </pc:spChg>
+        <pc:spChg chg="del">
+          <ac:chgData name="Marcos Maillot" userId="fa14b39d-e966-4ebb-a436-4f96f84b9577" providerId="ADAL" clId="{6305F822-064E-4220-B9C7-00DB7665D49D}" dt="2023-04-21T16:26:57.427" v="93" actId="478"/>
+          <ac:spMkLst>
+            <pc:docMk/>
+            <pc:sldMk cId="2958760871" sldId="360"/>
+            <ac:spMk id="20" creationId="{D36B6539-D238-981E-9681-58849C1CF412}"/>
+          </ac:spMkLst>
+        </pc:spChg>
+        <pc:spChg chg="del">
+          <ac:chgData name="Marcos Maillot" userId="fa14b39d-e966-4ebb-a436-4f96f84b9577" providerId="ADAL" clId="{6305F822-064E-4220-B9C7-00DB7665D49D}" dt="2023-04-21T16:26:59.747" v="96" actId="478"/>
+          <ac:spMkLst>
+            <pc:docMk/>
+            <pc:sldMk cId="2958760871" sldId="360"/>
+            <ac:spMk id="21" creationId="{E7BBE94A-759F-D4E2-7414-EB5CF7FFCA42}"/>
+          </ac:spMkLst>
+        </pc:spChg>
+        <pc:spChg chg="del mod">
+          <ac:chgData name="Marcos Maillot" userId="fa14b39d-e966-4ebb-a436-4f96f84b9577" providerId="ADAL" clId="{6305F822-064E-4220-B9C7-00DB7665D49D}" dt="2023-04-21T16:27:10.067" v="100" actId="478"/>
+          <ac:spMkLst>
+            <pc:docMk/>
+            <pc:sldMk cId="2958760871" sldId="360"/>
+            <ac:spMk id="22" creationId="{0F152222-1E01-75F9-8635-810DDAA0A9B0}"/>
+          </ac:spMkLst>
+        </pc:spChg>
+        <pc:picChg chg="del">
+          <ac:chgData name="Marcos Maillot" userId="fa14b39d-e966-4ebb-a436-4f96f84b9577" providerId="ADAL" clId="{6305F822-064E-4220-B9C7-00DB7665D49D}" dt="2023-04-21T16:26:55.626" v="92" actId="478"/>
           <ac:picMkLst>
             <pc:docMk/>
-            <pc:sldMk cId="1345289315" sldId="332"/>
-            <ac:picMk id="9" creationId="{3E8818A9-21A5-D270-0236-64EB72134CFF}"/>
+            <pc:sldMk cId="2958760871" sldId="360"/>
+            <ac:picMk id="13" creationId="{C9A2F921-87F9-F696-BC27-AD71E9B14985}"/>
+          </ac:picMkLst>
+        </pc:picChg>
+        <pc:picChg chg="del mod">
+          <ac:chgData name="Marcos Maillot" userId="fa14b39d-e966-4ebb-a436-4f96f84b9577" providerId="ADAL" clId="{6305F822-064E-4220-B9C7-00DB7665D49D}" dt="2023-04-21T16:26:58.457" v="95" actId="478"/>
+          <ac:picMkLst>
+            <pc:docMk/>
+            <pc:sldMk cId="2958760871" sldId="360"/>
+            <ac:picMk id="15" creationId="{264D80DE-3DD3-6902-30C6-7B7D7BCA6D7F}"/>
           </ac:picMkLst>
         </pc:picChg>
       </pc:sldChg>
@@ -1971,7 +2135,7 @@
           <a:noFill/>
           <a:extLst>
             <a:ext uri="{909E8E84-426E-40dd-AFC4-6F175D3DCCD1}">
-              <a14:hiddenFill xmlns="" xmlns:a14="http://schemas.microsoft.com/office/drawing/2010/main">
+              <a14:hiddenFill xmlns:a14="http://schemas.microsoft.com/office/drawing/2010/main" xmlns="">
                 <a:solidFill>
                   <a:srgbClr val="FFFFFF"/>
                 </a:solidFill>
@@ -2031,7 +2195,7 @@
             </a:ln>
             <a:extLst>
               <a:ext uri="{91240B29-F687-4f45-9708-019B960494DF}">
-                <a14:hiddenLine xmlns="" xmlns:a14="http://schemas.microsoft.com/office/drawing/2010/main" w="9525">
+                <a14:hiddenLine xmlns:a14="http://schemas.microsoft.com/office/drawing/2010/main" xmlns="" w="9525">
                   <a:solidFill>
                     <a:srgbClr val="000000"/>
                   </a:solidFill>
@@ -2121,7 +2285,7 @@
             </a:ln>
             <a:extLst>
               <a:ext uri="{91240B29-F687-4f45-9708-019B960494DF}">
-                <a14:hiddenLine xmlns="" xmlns:a14="http://schemas.microsoft.com/office/drawing/2010/main" w="9525">
+                <a14:hiddenLine xmlns:a14="http://schemas.microsoft.com/office/drawing/2010/main" xmlns="" w="9525">
                   <a:solidFill>
                     <a:srgbClr val="000000"/>
                   </a:solidFill>
@@ -2211,7 +2375,7 @@
             </a:ln>
             <a:extLst>
               <a:ext uri="{91240B29-F687-4f45-9708-019B960494DF}">
-                <a14:hiddenLine xmlns="" xmlns:a14="http://schemas.microsoft.com/office/drawing/2010/main" w="9525">
+                <a14:hiddenLine xmlns:a14="http://schemas.microsoft.com/office/drawing/2010/main" xmlns="" w="9525">
                   <a:solidFill>
                     <a:srgbClr val="000000"/>
                   </a:solidFill>
@@ -2245,7 +2409,7 @@
             </a:ln>
             <a:extLst>
               <a:ext uri="{91240B29-F687-4f45-9708-019B960494DF}">
-                <a14:hiddenLine xmlns="" xmlns:a14="http://schemas.microsoft.com/office/drawing/2010/main" w="9525">
+                <a14:hiddenLine xmlns:a14="http://schemas.microsoft.com/office/drawing/2010/main" xmlns="" w="9525">
                   <a:solidFill>
                     <a:srgbClr val="000000"/>
                   </a:solidFill>
@@ -2335,7 +2499,7 @@
             </a:ln>
             <a:extLst>
               <a:ext uri="{91240B29-F687-4f45-9708-019B960494DF}">
-                <a14:hiddenLine xmlns="" xmlns:a14="http://schemas.microsoft.com/office/drawing/2010/main" w="9525">
+                <a14:hiddenLine xmlns:a14="http://schemas.microsoft.com/office/drawing/2010/main" xmlns="" w="9525">
                   <a:solidFill>
                     <a:srgbClr val="000000"/>
                   </a:solidFill>
@@ -2397,7 +2561,7 @@
             </a:ln>
             <a:extLst>
               <a:ext uri="{91240B29-F687-4f45-9708-019B960494DF}">
-                <a14:hiddenLine xmlns="" xmlns:a14="http://schemas.microsoft.com/office/drawing/2010/main" w="9525">
+                <a14:hiddenLine xmlns:a14="http://schemas.microsoft.com/office/drawing/2010/main" xmlns="" w="9525">
                   <a:solidFill>
                     <a:srgbClr val="000000"/>
                   </a:solidFill>
@@ -2459,7 +2623,7 @@
             </a:ln>
             <a:extLst>
               <a:ext uri="{91240B29-F687-4f45-9708-019B960494DF}">
-                <a14:hiddenLine xmlns="" xmlns:a14="http://schemas.microsoft.com/office/drawing/2010/main" w="9525">
+                <a14:hiddenLine xmlns:a14="http://schemas.microsoft.com/office/drawing/2010/main" xmlns="" w="9525">
                   <a:solidFill>
                     <a:srgbClr val="000000"/>
                   </a:solidFill>
@@ -2549,7 +2713,7 @@
             </a:ln>
             <a:extLst>
               <a:ext uri="{91240B29-F687-4f45-9708-019B960494DF}">
-                <a14:hiddenLine xmlns="" xmlns:a14="http://schemas.microsoft.com/office/drawing/2010/main" w="9525">
+                <a14:hiddenLine xmlns:a14="http://schemas.microsoft.com/office/drawing/2010/main" xmlns="" w="9525">
                   <a:solidFill>
                     <a:srgbClr val="000000"/>
                   </a:solidFill>
@@ -2611,7 +2775,7 @@
             </a:ln>
             <a:extLst>
               <a:ext uri="{91240B29-F687-4f45-9708-019B960494DF}">
-                <a14:hiddenLine xmlns="" xmlns:a14="http://schemas.microsoft.com/office/drawing/2010/main" w="9525">
+                <a14:hiddenLine xmlns:a14="http://schemas.microsoft.com/office/drawing/2010/main" xmlns="" w="9525">
                   <a:solidFill>
                     <a:srgbClr val="000000"/>
                   </a:solidFill>
@@ -2673,7 +2837,7 @@
             </a:ln>
             <a:extLst>
               <a:ext uri="{91240B29-F687-4f45-9708-019B960494DF}">
-                <a14:hiddenLine xmlns="" xmlns:a14="http://schemas.microsoft.com/office/drawing/2010/main" w="9525">
+                <a14:hiddenLine xmlns:a14="http://schemas.microsoft.com/office/drawing/2010/main" xmlns="" w="9525">
                   <a:solidFill>
                     <a:srgbClr val="000000"/>
                   </a:solidFill>
@@ -2763,7 +2927,7 @@
             </a:ln>
             <a:extLst>
               <a:ext uri="{91240B29-F687-4f45-9708-019B960494DF}">
-                <a14:hiddenLine xmlns="" xmlns:a14="http://schemas.microsoft.com/office/drawing/2010/main" w="9525">
+                <a14:hiddenLine xmlns:a14="http://schemas.microsoft.com/office/drawing/2010/main" xmlns="" w="9525">
                   <a:solidFill>
                     <a:srgbClr val="000000"/>
                   </a:solidFill>
@@ -2853,7 +3017,7 @@
             </a:ln>
             <a:extLst>
               <a:ext uri="{91240B29-F687-4f45-9708-019B960494DF}">
-                <a14:hiddenLine xmlns="" xmlns:a14="http://schemas.microsoft.com/office/drawing/2010/main" w="9525">
+                <a14:hiddenLine xmlns:a14="http://schemas.microsoft.com/office/drawing/2010/main" xmlns="" w="9525">
                   <a:solidFill>
                     <a:srgbClr val="000000"/>
                   </a:solidFill>
@@ -2915,7 +3079,7 @@
             </a:ln>
             <a:extLst>
               <a:ext uri="{91240B29-F687-4f45-9708-019B960494DF}">
-                <a14:hiddenLine xmlns="" xmlns:a14="http://schemas.microsoft.com/office/drawing/2010/main" w="9525">
+                <a14:hiddenLine xmlns:a14="http://schemas.microsoft.com/office/drawing/2010/main" xmlns="" w="9525">
                   <a:solidFill>
                     <a:srgbClr val="000000"/>
                   </a:solidFill>
@@ -3025,7 +3189,7 @@
             </a:ln>
             <a:extLst>
               <a:ext uri="{91240B29-F687-4f45-9708-019B960494DF}">
-                <a14:hiddenLine xmlns="" xmlns:a14="http://schemas.microsoft.com/office/drawing/2010/main" w="9525">
+                <a14:hiddenLine xmlns:a14="http://schemas.microsoft.com/office/drawing/2010/main" xmlns="" w="9525">
                   <a:solidFill>
                     <a:srgbClr val="000000"/>
                   </a:solidFill>
@@ -3087,7 +3251,7 @@
             </a:ln>
             <a:extLst>
               <a:ext uri="{91240B29-F687-4f45-9708-019B960494DF}">
-                <a14:hiddenLine xmlns="" xmlns:a14="http://schemas.microsoft.com/office/drawing/2010/main" w="9525">
+                <a14:hiddenLine xmlns:a14="http://schemas.microsoft.com/office/drawing/2010/main" xmlns="" w="9525">
                   <a:solidFill>
                     <a:srgbClr val="000000"/>
                   </a:solidFill>
@@ -3177,7 +3341,7 @@
             </a:ln>
             <a:extLst>
               <a:ext uri="{91240B29-F687-4f45-9708-019B960494DF}">
-                <a14:hiddenLine xmlns="" xmlns:a14="http://schemas.microsoft.com/office/drawing/2010/main" w="9525">
+                <a14:hiddenLine xmlns:a14="http://schemas.microsoft.com/office/drawing/2010/main" xmlns="" w="9525">
                   <a:solidFill>
                     <a:srgbClr val="000000"/>
                   </a:solidFill>
@@ -3267,7 +3431,7 @@
             </a:ln>
             <a:extLst>
               <a:ext uri="{91240B29-F687-4f45-9708-019B960494DF}">
-                <a14:hiddenLine xmlns="" xmlns:a14="http://schemas.microsoft.com/office/drawing/2010/main" w="9525">
+                <a14:hiddenLine xmlns:a14="http://schemas.microsoft.com/office/drawing/2010/main" xmlns="" w="9525">
                   <a:solidFill>
                     <a:srgbClr val="000000"/>
                   </a:solidFill>
@@ -3329,7 +3493,7 @@
             </a:ln>
             <a:extLst>
               <a:ext uri="{91240B29-F687-4f45-9708-019B960494DF}">
-                <a14:hiddenLine xmlns="" xmlns:a14="http://schemas.microsoft.com/office/drawing/2010/main" w="9525">
+                <a14:hiddenLine xmlns:a14="http://schemas.microsoft.com/office/drawing/2010/main" xmlns="" w="9525">
                   <a:solidFill>
                     <a:srgbClr val="000000"/>
                   </a:solidFill>
@@ -3419,7 +3583,7 @@
             </a:ln>
             <a:extLst>
               <a:ext uri="{91240B29-F687-4f45-9708-019B960494DF}">
-                <a14:hiddenLine xmlns="" xmlns:a14="http://schemas.microsoft.com/office/drawing/2010/main" w="9525">
+                <a14:hiddenLine xmlns:a14="http://schemas.microsoft.com/office/drawing/2010/main" xmlns="" w="9525">
                   <a:solidFill>
                     <a:srgbClr val="000000"/>
                   </a:solidFill>
@@ -3509,7 +3673,7 @@
             </a:ln>
             <a:extLst>
               <a:ext uri="{91240B29-F687-4f45-9708-019B960494DF}">
-                <a14:hiddenLine xmlns="" xmlns:a14="http://schemas.microsoft.com/office/drawing/2010/main" w="9525">
+                <a14:hiddenLine xmlns:a14="http://schemas.microsoft.com/office/drawing/2010/main" xmlns="" w="9525">
                   <a:solidFill>
                     <a:srgbClr val="000000"/>
                   </a:solidFill>
@@ -3565,7 +3729,7 @@
             </a:ln>
             <a:extLst>
               <a:ext uri="{91240B29-F687-4f45-9708-019B960494DF}">
-                <a14:hiddenLine xmlns="" xmlns:a14="http://schemas.microsoft.com/office/drawing/2010/main" w="9525">
+                <a14:hiddenLine xmlns:a14="http://schemas.microsoft.com/office/drawing/2010/main" xmlns="" w="9525">
                   <a:solidFill>
                     <a:srgbClr val="000000"/>
                   </a:solidFill>
@@ -3655,7 +3819,7 @@
             </a:ln>
             <a:extLst>
               <a:ext uri="{91240B29-F687-4f45-9708-019B960494DF}">
-                <a14:hiddenLine xmlns="" xmlns:a14="http://schemas.microsoft.com/office/drawing/2010/main" w="9525">
+                <a14:hiddenLine xmlns:a14="http://schemas.microsoft.com/office/drawing/2010/main" xmlns="" w="9525">
                   <a:solidFill>
                     <a:srgbClr val="000000"/>
                   </a:solidFill>
@@ -3711,7 +3875,7 @@
             </a:ln>
             <a:extLst>
               <a:ext uri="{91240B29-F687-4f45-9708-019B960494DF}">
-                <a14:hiddenLine xmlns="" xmlns:a14="http://schemas.microsoft.com/office/drawing/2010/main" w="9525">
+                <a14:hiddenLine xmlns:a14="http://schemas.microsoft.com/office/drawing/2010/main" xmlns="" w="9525">
                   <a:solidFill>
                     <a:srgbClr val="000000"/>
                   </a:solidFill>
@@ -3801,7 +3965,7 @@
             </a:ln>
             <a:extLst>
               <a:ext uri="{91240B29-F687-4f45-9708-019B960494DF}">
-                <a14:hiddenLine xmlns="" xmlns:a14="http://schemas.microsoft.com/office/drawing/2010/main" w="9525">
+                <a14:hiddenLine xmlns:a14="http://schemas.microsoft.com/office/drawing/2010/main" xmlns="" w="9525">
                   <a:solidFill>
                     <a:srgbClr val="000000"/>
                   </a:solidFill>
@@ -3869,7 +4033,7 @@
             </a:ln>
             <a:extLst>
               <a:ext uri="{91240B29-F687-4f45-9708-019B960494DF}">
-                <a14:hiddenLine xmlns="" xmlns:a14="http://schemas.microsoft.com/office/drawing/2010/main" w="9525">
+                <a14:hiddenLine xmlns:a14="http://schemas.microsoft.com/office/drawing/2010/main" xmlns="" w="9525">
                   <a:solidFill>
                     <a:srgbClr val="000000"/>
                   </a:solidFill>
@@ -3959,7 +4123,7 @@
             </a:ln>
             <a:extLst>
               <a:ext uri="{91240B29-F687-4f45-9708-019B960494DF}">
-                <a14:hiddenLine xmlns="" xmlns:a14="http://schemas.microsoft.com/office/drawing/2010/main" w="9525">
+                <a14:hiddenLine xmlns:a14="http://schemas.microsoft.com/office/drawing/2010/main" xmlns="" w="9525">
                   <a:solidFill>
                     <a:srgbClr val="000000"/>
                   </a:solidFill>
@@ -4027,7 +4191,7 @@
             </a:ln>
             <a:extLst>
               <a:ext uri="{91240B29-F687-4f45-9708-019B960494DF}">
-                <a14:hiddenLine xmlns="" xmlns:a14="http://schemas.microsoft.com/office/drawing/2010/main" w="9525">
+                <a14:hiddenLine xmlns:a14="http://schemas.microsoft.com/office/drawing/2010/main" xmlns="" w="9525">
                   <a:solidFill>
                     <a:srgbClr val="000000"/>
                   </a:solidFill>
@@ -4117,7 +4281,7 @@
             </a:ln>
             <a:extLst>
               <a:ext uri="{91240B29-F687-4f45-9708-019B960494DF}">
-                <a14:hiddenLine xmlns="" xmlns:a14="http://schemas.microsoft.com/office/drawing/2010/main" w="9525">
+                <a14:hiddenLine xmlns:a14="http://schemas.microsoft.com/office/drawing/2010/main" xmlns="" w="9525">
                   <a:solidFill>
                     <a:srgbClr val="000000"/>
                   </a:solidFill>
@@ -4151,7 +4315,7 @@
             </a:ln>
             <a:extLst>
               <a:ext uri="{91240B29-F687-4f45-9708-019B960494DF}">
-                <a14:hiddenLine xmlns="" xmlns:a14="http://schemas.microsoft.com/office/drawing/2010/main" w="9525">
+                <a14:hiddenLine xmlns:a14="http://schemas.microsoft.com/office/drawing/2010/main" xmlns="" w="9525">
                   <a:solidFill>
                     <a:srgbClr val="000000"/>
                   </a:solidFill>
@@ -4241,7 +4405,7 @@
             </a:ln>
             <a:extLst>
               <a:ext uri="{91240B29-F687-4f45-9708-019B960494DF}">
-                <a14:hiddenLine xmlns="" xmlns:a14="http://schemas.microsoft.com/office/drawing/2010/main" w="9525">
+                <a14:hiddenLine xmlns:a14="http://schemas.microsoft.com/office/drawing/2010/main" xmlns="" w="9525">
                   <a:solidFill>
                     <a:srgbClr val="000000"/>
                   </a:solidFill>
@@ -4303,7 +4467,7 @@
             </a:ln>
             <a:extLst>
               <a:ext uri="{91240B29-F687-4f45-9708-019B960494DF}">
-                <a14:hiddenLine xmlns="" xmlns:a14="http://schemas.microsoft.com/office/drawing/2010/main" w="9525">
+                <a14:hiddenLine xmlns:a14="http://schemas.microsoft.com/office/drawing/2010/main" xmlns="" w="9525">
                   <a:solidFill>
                     <a:srgbClr val="000000"/>
                   </a:solidFill>
@@ -4365,7 +4529,7 @@
             </a:ln>
             <a:extLst>
               <a:ext uri="{91240B29-F687-4f45-9708-019B960494DF}">
-                <a14:hiddenLine xmlns="" xmlns:a14="http://schemas.microsoft.com/office/drawing/2010/main" w="9525">
+                <a14:hiddenLine xmlns:a14="http://schemas.microsoft.com/office/drawing/2010/main" xmlns="" w="9525">
                   <a:solidFill>
                     <a:srgbClr val="000000"/>
                   </a:solidFill>
@@ -4455,7 +4619,7 @@
             </a:ln>
             <a:extLst>
               <a:ext uri="{91240B29-F687-4f45-9708-019B960494DF}">
-                <a14:hiddenLine xmlns="" xmlns:a14="http://schemas.microsoft.com/office/drawing/2010/main" w="9525">
+                <a14:hiddenLine xmlns:a14="http://schemas.microsoft.com/office/drawing/2010/main" xmlns="" w="9525">
                   <a:solidFill>
                     <a:srgbClr val="000000"/>
                   </a:solidFill>
@@ -4523,7 +4687,7 @@
             </a:ln>
             <a:extLst>
               <a:ext uri="{91240B29-F687-4f45-9708-019B960494DF}">
-                <a14:hiddenLine xmlns="" xmlns:a14="http://schemas.microsoft.com/office/drawing/2010/main" w="9525">
+                <a14:hiddenLine xmlns:a14="http://schemas.microsoft.com/office/drawing/2010/main" xmlns="" w="9525">
                   <a:solidFill>
                     <a:srgbClr val="000000"/>
                   </a:solidFill>
@@ -4585,7 +4749,7 @@
             </a:ln>
             <a:extLst>
               <a:ext uri="{91240B29-F687-4f45-9708-019B960494DF}">
-                <a14:hiddenLine xmlns="" xmlns:a14="http://schemas.microsoft.com/office/drawing/2010/main" w="9525">
+                <a14:hiddenLine xmlns:a14="http://schemas.microsoft.com/office/drawing/2010/main" xmlns="" w="9525">
                   <a:solidFill>
                     <a:srgbClr val="000000"/>
                   </a:solidFill>
@@ -4675,7 +4839,7 @@
             </a:ln>
             <a:extLst>
               <a:ext uri="{91240B29-F687-4f45-9708-019B960494DF}">
-                <a14:hiddenLine xmlns="" xmlns:a14="http://schemas.microsoft.com/office/drawing/2010/main" w="9525">
+                <a14:hiddenLine xmlns:a14="http://schemas.microsoft.com/office/drawing/2010/main" xmlns="" w="9525">
                   <a:solidFill>
                     <a:srgbClr val="000000"/>
                   </a:solidFill>
@@ -4737,7 +4901,7 @@
             </a:ln>
             <a:extLst>
               <a:ext uri="{91240B29-F687-4f45-9708-019B960494DF}">
-                <a14:hiddenLine xmlns="" xmlns:a14="http://schemas.microsoft.com/office/drawing/2010/main" w="9525">
+                <a14:hiddenLine xmlns:a14="http://schemas.microsoft.com/office/drawing/2010/main" xmlns="" w="9525">
                   <a:solidFill>
                     <a:srgbClr val="000000"/>
                   </a:solidFill>
@@ -4827,7 +4991,7 @@
             </a:ln>
             <a:extLst>
               <a:ext uri="{91240B29-F687-4f45-9708-019B960494DF}">
-                <a14:hiddenLine xmlns="" xmlns:a14="http://schemas.microsoft.com/office/drawing/2010/main" w="9525">
+                <a14:hiddenLine xmlns:a14="http://schemas.microsoft.com/office/drawing/2010/main" xmlns="" w="9525">
                   <a:solidFill>
                     <a:srgbClr val="000000"/>
                   </a:solidFill>
@@ -4889,7 +5053,7 @@
             </a:ln>
             <a:extLst>
               <a:ext uri="{91240B29-F687-4f45-9708-019B960494DF}">
-                <a14:hiddenLine xmlns="" xmlns:a14="http://schemas.microsoft.com/office/drawing/2010/main" w="9525">
+                <a14:hiddenLine xmlns:a14="http://schemas.microsoft.com/office/drawing/2010/main" xmlns="" w="9525">
                   <a:solidFill>
                     <a:srgbClr val="000000"/>
                   </a:solidFill>
@@ -4979,7 +5143,7 @@
             </a:ln>
             <a:extLst>
               <a:ext uri="{91240B29-F687-4f45-9708-019B960494DF}">
-                <a14:hiddenLine xmlns="" xmlns:a14="http://schemas.microsoft.com/office/drawing/2010/main" w="9525">
+                <a14:hiddenLine xmlns:a14="http://schemas.microsoft.com/office/drawing/2010/main" xmlns="" w="9525">
                   <a:solidFill>
                     <a:srgbClr val="000000"/>
                   </a:solidFill>
@@ -5013,7 +5177,7 @@
             </a:ln>
             <a:extLst>
               <a:ext uri="{91240B29-F687-4f45-9708-019B960494DF}">
-                <a14:hiddenLine xmlns="" xmlns:a14="http://schemas.microsoft.com/office/drawing/2010/main" w="9525">
+                <a14:hiddenLine xmlns:a14="http://schemas.microsoft.com/office/drawing/2010/main" xmlns="" w="9525">
                   <a:solidFill>
                     <a:srgbClr val="000000"/>
                   </a:solidFill>
@@ -5078,7 +5242,7 @@
             </a:ln>
             <a:extLst>
               <a:ext uri="{91240B29-F687-4f45-9708-019B960494DF}">
-                <a14:hiddenLine xmlns="" xmlns:a14="http://schemas.microsoft.com/office/drawing/2010/main" w="9525">
+                <a14:hiddenLine xmlns:a14="http://schemas.microsoft.com/office/drawing/2010/main" xmlns="" w="9525">
                   <a:solidFill>
                     <a:srgbClr val="000000"/>
                   </a:solidFill>
@@ -5168,7 +5332,7 @@
             </a:ln>
             <a:extLst>
               <a:ext uri="{91240B29-F687-4f45-9708-019B960494DF}">
-                <a14:hiddenLine xmlns="" xmlns:a14="http://schemas.microsoft.com/office/drawing/2010/main" w="9525">
+                <a14:hiddenLine xmlns:a14="http://schemas.microsoft.com/office/drawing/2010/main" xmlns="" w="9525">
                   <a:solidFill>
                     <a:srgbClr val="000000"/>
                   </a:solidFill>
@@ -5230,7 +5394,7 @@
             </a:ln>
             <a:extLst>
               <a:ext uri="{91240B29-F687-4f45-9708-019B960494DF}">
-                <a14:hiddenLine xmlns="" xmlns:a14="http://schemas.microsoft.com/office/drawing/2010/main" w="9525">
+                <a14:hiddenLine xmlns:a14="http://schemas.microsoft.com/office/drawing/2010/main" xmlns="" w="9525">
                   <a:solidFill>
                     <a:srgbClr val="000000"/>
                   </a:solidFill>
@@ -5320,7 +5484,7 @@
             </a:ln>
             <a:extLst>
               <a:ext uri="{91240B29-F687-4f45-9708-019B960494DF}">
-                <a14:hiddenLine xmlns="" xmlns:a14="http://schemas.microsoft.com/office/drawing/2010/main" w="9525">
+                <a14:hiddenLine xmlns:a14="http://schemas.microsoft.com/office/drawing/2010/main" xmlns="" w="9525">
                   <a:solidFill>
                     <a:srgbClr val="000000"/>
                   </a:solidFill>
@@ -5410,7 +5574,7 @@
             </a:ln>
             <a:extLst>
               <a:ext uri="{91240B29-F687-4f45-9708-019B960494DF}">
-                <a14:hiddenLine xmlns="" xmlns:a14="http://schemas.microsoft.com/office/drawing/2010/main" w="9525">
+                <a14:hiddenLine xmlns:a14="http://schemas.microsoft.com/office/drawing/2010/main" xmlns="" w="9525">
                   <a:solidFill>
                     <a:srgbClr val="000000"/>
                   </a:solidFill>
@@ -5475,7 +5639,7 @@
             </a:ln>
             <a:extLst>
               <a:ext uri="{91240B29-F687-4f45-9708-019B960494DF}">
-                <a14:hiddenLine xmlns="" xmlns:a14="http://schemas.microsoft.com/office/drawing/2010/main" w="9525">
+                <a14:hiddenLine xmlns:a14="http://schemas.microsoft.com/office/drawing/2010/main" xmlns="" w="9525">
                   <a:solidFill>
                     <a:srgbClr val="000000"/>
                   </a:solidFill>
@@ -5537,7 +5701,7 @@
             </a:ln>
             <a:extLst>
               <a:ext uri="{91240B29-F687-4f45-9708-019B960494DF}">
-                <a14:hiddenLine xmlns="" xmlns:a14="http://schemas.microsoft.com/office/drawing/2010/main" w="9525">
+                <a14:hiddenLine xmlns:a14="http://schemas.microsoft.com/office/drawing/2010/main" xmlns="" w="9525">
                   <a:solidFill>
                     <a:srgbClr val="000000"/>
                   </a:solidFill>
@@ -5627,7 +5791,7 @@
             </a:ln>
             <a:extLst>
               <a:ext uri="{91240B29-F687-4f45-9708-019B960494DF}">
-                <a14:hiddenLine xmlns="" xmlns:a14="http://schemas.microsoft.com/office/drawing/2010/main" w="9525">
+                <a14:hiddenLine xmlns:a14="http://schemas.microsoft.com/office/drawing/2010/main" xmlns="" w="9525">
                   <a:solidFill>
                     <a:srgbClr val="000000"/>
                   </a:solidFill>
@@ -5717,7 +5881,7 @@
             </a:ln>
             <a:extLst>
               <a:ext uri="{91240B29-F687-4f45-9708-019B960494DF}">
-                <a14:hiddenLine xmlns="" xmlns:a14="http://schemas.microsoft.com/office/drawing/2010/main" w="9525">
+                <a14:hiddenLine xmlns:a14="http://schemas.microsoft.com/office/drawing/2010/main" xmlns="" w="9525">
                   <a:solidFill>
                     <a:srgbClr val="000000"/>
                   </a:solidFill>
@@ -5779,7 +5943,7 @@
             </a:ln>
             <a:extLst>
               <a:ext uri="{91240B29-F687-4f45-9708-019B960494DF}">
-                <a14:hiddenLine xmlns="" xmlns:a14="http://schemas.microsoft.com/office/drawing/2010/main" w="9525">
+                <a14:hiddenLine xmlns:a14="http://schemas.microsoft.com/office/drawing/2010/main" xmlns="" w="9525">
                   <a:solidFill>
                     <a:srgbClr val="000000"/>
                   </a:solidFill>
@@ -5899,7 +6063,7 @@
             </a:ln>
             <a:extLst>
               <a:ext uri="{91240B29-F687-4f45-9708-019B960494DF}">
-                <a14:hiddenLine xmlns="" xmlns:a14="http://schemas.microsoft.com/office/drawing/2010/main" w="9525">
+                <a14:hiddenLine xmlns:a14="http://schemas.microsoft.com/office/drawing/2010/main" xmlns="" w="9525">
                   <a:solidFill>
                     <a:srgbClr val="000000"/>
                   </a:solidFill>
@@ -5967,7 +6131,7 @@
             </a:ln>
             <a:extLst>
               <a:ext uri="{91240B29-F687-4f45-9708-019B960494DF}">
-                <a14:hiddenLine xmlns="" xmlns:a14="http://schemas.microsoft.com/office/drawing/2010/main" w="9525">
+                <a14:hiddenLine xmlns:a14="http://schemas.microsoft.com/office/drawing/2010/main" xmlns="" w="9525">
                   <a:solidFill>
                     <a:srgbClr val="000000"/>
                   </a:solidFill>
@@ -6057,7 +6221,7 @@
             </a:ln>
             <a:extLst>
               <a:ext uri="{91240B29-F687-4f45-9708-019B960494DF}">
-                <a14:hiddenLine xmlns="" xmlns:a14="http://schemas.microsoft.com/office/drawing/2010/main" w="9525">
+                <a14:hiddenLine xmlns:a14="http://schemas.microsoft.com/office/drawing/2010/main" xmlns="" w="9525">
                   <a:solidFill>
                     <a:srgbClr val="000000"/>
                   </a:solidFill>
@@ -6197,7 +6361,7 @@
           <a:p>
             <a:fld id="{849DE176-146E-4F1E-BCCE-E46272DCA095}" type="datetimeFigureOut">
               <a:rPr lang="es-AR" smtClean="0"/>
-              <a:t>13/12/2023</a:t>
+              <a:t>20/4/2024</a:t>
             </a:fld>
             <a:endParaRPr lang="es-AR"/>
           </a:p>
@@ -6464,7 +6628,7 @@
           <a:p>
             <a:fld id="{849DE176-146E-4F1E-BCCE-E46272DCA095}" type="datetimeFigureOut">
               <a:rPr lang="es-AR" smtClean="0"/>
-              <a:t>13/12/2023</a:t>
+              <a:t>20/4/2024</a:t>
             </a:fld>
             <a:endParaRPr lang="es-AR"/>
           </a:p>
@@ -6660,7 +6824,7 @@
           <a:p>
             <a:fld id="{849DE176-146E-4F1E-BCCE-E46272DCA095}" type="datetimeFigureOut">
               <a:rPr lang="es-AR" smtClean="0"/>
-              <a:t>13/12/2023</a:t>
+              <a:t>20/4/2024</a:t>
             </a:fld>
             <a:endParaRPr lang="es-AR"/>
           </a:p>
@@ -6923,7 +7087,7 @@
           <a:p>
             <a:fld id="{849DE176-146E-4F1E-BCCE-E46272DCA095}" type="datetimeFigureOut">
               <a:rPr lang="es-AR" smtClean="0"/>
-              <a:t>13/12/2023</a:t>
+              <a:t>20/4/2024</a:t>
             </a:fld>
             <a:endParaRPr lang="es-AR"/>
           </a:p>
@@ -7357,7 +7521,7 @@
           <a:p>
             <a:fld id="{849DE176-146E-4F1E-BCCE-E46272DCA095}" type="datetimeFigureOut">
               <a:rPr lang="es-AR" smtClean="0"/>
-              <a:t>13/12/2023</a:t>
+              <a:t>20/4/2024</a:t>
             </a:fld>
             <a:endParaRPr lang="es-AR"/>
           </a:p>
@@ -7903,7 +8067,7 @@
           <a:p>
             <a:fld id="{849DE176-146E-4F1E-BCCE-E46272DCA095}" type="datetimeFigureOut">
               <a:rPr lang="es-AR" smtClean="0"/>
-              <a:t>13/12/2023</a:t>
+              <a:t>20/4/2024</a:t>
             </a:fld>
             <a:endParaRPr lang="es-AR"/>
           </a:p>
@@ -8623,7 +8787,7 @@
           <a:p>
             <a:fld id="{849DE176-146E-4F1E-BCCE-E46272DCA095}" type="datetimeFigureOut">
               <a:rPr lang="es-AR" smtClean="0"/>
-              <a:t>13/12/2023</a:t>
+              <a:t>20/4/2024</a:t>
             </a:fld>
             <a:endParaRPr lang="es-AR"/>
           </a:p>
@@ -8793,7 +8957,7 @@
           <a:p>
             <a:fld id="{849DE176-146E-4F1E-BCCE-E46272DCA095}" type="datetimeFigureOut">
               <a:rPr lang="es-AR" smtClean="0"/>
-              <a:t>13/12/2023</a:t>
+              <a:t>20/4/2024</a:t>
             </a:fld>
             <a:endParaRPr lang="es-AR"/>
           </a:p>
@@ -8973,7 +9137,7 @@
           <a:p>
             <a:fld id="{849DE176-146E-4F1E-BCCE-E46272DCA095}" type="datetimeFigureOut">
               <a:rPr lang="es-AR" smtClean="0"/>
-              <a:t>13/12/2023</a:t>
+              <a:t>20/4/2024</a:t>
             </a:fld>
             <a:endParaRPr lang="es-AR"/>
           </a:p>
@@ -9143,7 +9307,7 @@
           <a:p>
             <a:fld id="{849DE176-146E-4F1E-BCCE-E46272DCA095}" type="datetimeFigureOut">
               <a:rPr lang="es-AR" smtClean="0"/>
-              <a:t>13/12/2023</a:t>
+              <a:t>20/4/2024</a:t>
             </a:fld>
             <a:endParaRPr lang="es-AR"/>
           </a:p>
@@ -9393,7 +9557,7 @@
           <a:p>
             <a:fld id="{849DE176-146E-4F1E-BCCE-E46272DCA095}" type="datetimeFigureOut">
               <a:rPr lang="es-AR" smtClean="0"/>
-              <a:t>13/12/2023</a:t>
+              <a:t>20/4/2024</a:t>
             </a:fld>
             <a:endParaRPr lang="es-AR"/>
           </a:p>
@@ -9625,7 +9789,7 @@
           <a:p>
             <a:fld id="{849DE176-146E-4F1E-BCCE-E46272DCA095}" type="datetimeFigureOut">
               <a:rPr lang="es-AR" smtClean="0"/>
-              <a:t>13/12/2023</a:t>
+              <a:t>20/4/2024</a:t>
             </a:fld>
             <a:endParaRPr lang="es-AR"/>
           </a:p>
@@ -10006,7 +10170,7 @@
           <a:p>
             <a:fld id="{849DE176-146E-4F1E-BCCE-E46272DCA095}" type="datetimeFigureOut">
               <a:rPr lang="es-AR" smtClean="0"/>
-              <a:t>13/12/2023</a:t>
+              <a:t>20/4/2024</a:t>
             </a:fld>
             <a:endParaRPr lang="es-AR"/>
           </a:p>
@@ -10124,7 +10288,7 @@
           <a:p>
             <a:fld id="{849DE176-146E-4F1E-BCCE-E46272DCA095}" type="datetimeFigureOut">
               <a:rPr lang="es-AR" smtClean="0"/>
-              <a:t>13/12/2023</a:t>
+              <a:t>20/4/2024</a:t>
             </a:fld>
             <a:endParaRPr lang="es-AR"/>
           </a:p>
@@ -10219,7 +10383,7 @@
           <a:p>
             <a:fld id="{849DE176-146E-4F1E-BCCE-E46272DCA095}" type="datetimeFigureOut">
               <a:rPr lang="es-AR" smtClean="0"/>
-              <a:t>13/12/2023</a:t>
+              <a:t>20/4/2024</a:t>
             </a:fld>
             <a:endParaRPr lang="es-AR"/>
           </a:p>
@@ -10468,7 +10632,7 @@
           <a:p>
             <a:fld id="{849DE176-146E-4F1E-BCCE-E46272DCA095}" type="datetimeFigureOut">
               <a:rPr lang="es-AR" smtClean="0"/>
-              <a:t>13/12/2023</a:t>
+              <a:t>20/4/2024</a:t>
             </a:fld>
             <a:endParaRPr lang="es-AR"/>
           </a:p>
@@ -10748,7 +10912,7 @@
           <a:p>
             <a:fld id="{849DE176-146E-4F1E-BCCE-E46272DCA095}" type="datetimeFigureOut">
               <a:rPr lang="es-AR" smtClean="0"/>
-              <a:t>13/12/2023</a:t>
+              <a:t>20/4/2024</a:t>
             </a:fld>
             <a:endParaRPr lang="es-AR"/>
           </a:p>
@@ -10888,7 +11052,7 @@
           <a:noFill/>
           <a:extLst>
             <a:ext uri="{909E8E84-426E-40dd-AFC4-6F175D3DCCD1}">
-              <a14:hiddenFill xmlns="" xmlns:a14="http://schemas.microsoft.com/office/drawing/2010/main">
+              <a14:hiddenFill xmlns:a14="http://schemas.microsoft.com/office/drawing/2010/main" xmlns="">
                 <a:solidFill>
                   <a:srgbClr val="FFFFFF"/>
                 </a:solidFill>
@@ -10962,7 +11126,7 @@
               </a:ln>
               <a:extLst>
                 <a:ext uri="{91240B29-F687-4f45-9708-019B960494DF}">
-                  <a14:hiddenLine xmlns="" xmlns:a14="http://schemas.microsoft.com/office/drawing/2010/main" w="9525">
+                  <a14:hiddenLine xmlns:a14="http://schemas.microsoft.com/office/drawing/2010/main" xmlns="" w="9525">
                     <a:solidFill>
                       <a:srgbClr val="000000"/>
                     </a:solidFill>
@@ -11052,7 +11216,7 @@
               </a:ln>
               <a:extLst>
                 <a:ext uri="{91240B29-F687-4f45-9708-019B960494DF}">
-                  <a14:hiddenLine xmlns="" xmlns:a14="http://schemas.microsoft.com/office/drawing/2010/main" w="9525">
+                  <a14:hiddenLine xmlns:a14="http://schemas.microsoft.com/office/drawing/2010/main" xmlns="" w="9525">
                     <a:solidFill>
                       <a:srgbClr val="000000"/>
                     </a:solidFill>
@@ -11142,7 +11306,7 @@
               </a:ln>
               <a:extLst>
                 <a:ext uri="{91240B29-F687-4f45-9708-019B960494DF}">
-                  <a14:hiddenLine xmlns="" xmlns:a14="http://schemas.microsoft.com/office/drawing/2010/main" w="9525">
+                  <a14:hiddenLine xmlns:a14="http://schemas.microsoft.com/office/drawing/2010/main" xmlns="" w="9525">
                     <a:solidFill>
                       <a:srgbClr val="000000"/>
                     </a:solidFill>
@@ -11204,7 +11368,7 @@
               </a:ln>
               <a:extLst>
                 <a:ext uri="{91240B29-F687-4f45-9708-019B960494DF}">
-                  <a14:hiddenLine xmlns="" xmlns:a14="http://schemas.microsoft.com/office/drawing/2010/main" w="9525">
+                  <a14:hiddenLine xmlns:a14="http://schemas.microsoft.com/office/drawing/2010/main" xmlns="" w="9525">
                     <a:solidFill>
                       <a:srgbClr val="000000"/>
                     </a:solidFill>
@@ -11294,7 +11458,7 @@
               </a:ln>
               <a:extLst>
                 <a:ext uri="{91240B29-F687-4f45-9708-019B960494DF}">
-                  <a14:hiddenLine xmlns="" xmlns:a14="http://schemas.microsoft.com/office/drawing/2010/main" w="9525">
+                  <a14:hiddenLine xmlns:a14="http://schemas.microsoft.com/office/drawing/2010/main" xmlns="" w="9525">
                     <a:solidFill>
                       <a:srgbClr val="000000"/>
                     </a:solidFill>
@@ -11356,7 +11520,7 @@
               </a:ln>
               <a:extLst>
                 <a:ext uri="{91240B29-F687-4f45-9708-019B960494DF}">
-                  <a14:hiddenLine xmlns="" xmlns:a14="http://schemas.microsoft.com/office/drawing/2010/main" w="9525">
+                  <a14:hiddenLine xmlns:a14="http://schemas.microsoft.com/office/drawing/2010/main" xmlns="" w="9525">
                     <a:solidFill>
                       <a:srgbClr val="000000"/>
                     </a:solidFill>
@@ -11418,7 +11582,7 @@
               </a:ln>
               <a:extLst>
                 <a:ext uri="{91240B29-F687-4f45-9708-019B960494DF}">
-                  <a14:hiddenLine xmlns="" xmlns:a14="http://schemas.microsoft.com/office/drawing/2010/main" w="9525">
+                  <a14:hiddenLine xmlns:a14="http://schemas.microsoft.com/office/drawing/2010/main" xmlns="" w="9525">
                     <a:solidFill>
                       <a:srgbClr val="000000"/>
                     </a:solidFill>
@@ -11508,7 +11672,7 @@
               </a:ln>
               <a:extLst>
                 <a:ext uri="{91240B29-F687-4f45-9708-019B960494DF}">
-                  <a14:hiddenLine xmlns="" xmlns:a14="http://schemas.microsoft.com/office/drawing/2010/main" w="9525">
+                  <a14:hiddenLine xmlns:a14="http://schemas.microsoft.com/office/drawing/2010/main" xmlns="" w="9525">
                     <a:solidFill>
                       <a:srgbClr val="000000"/>
                     </a:solidFill>
@@ -11598,7 +11762,7 @@
               </a:ln>
               <a:extLst>
                 <a:ext uri="{91240B29-F687-4f45-9708-019B960494DF}">
-                  <a14:hiddenLine xmlns="" xmlns:a14="http://schemas.microsoft.com/office/drawing/2010/main" w="9525">
+                  <a14:hiddenLine xmlns:a14="http://schemas.microsoft.com/office/drawing/2010/main" xmlns="" w="9525">
                     <a:solidFill>
                       <a:srgbClr val="000000"/>
                     </a:solidFill>
@@ -11660,7 +11824,7 @@
               </a:ln>
               <a:extLst>
                 <a:ext uri="{91240B29-F687-4f45-9708-019B960494DF}">
-                  <a14:hiddenLine xmlns="" xmlns:a14="http://schemas.microsoft.com/office/drawing/2010/main" w="9525">
+                  <a14:hiddenLine xmlns:a14="http://schemas.microsoft.com/office/drawing/2010/main" xmlns="" w="9525">
                     <a:solidFill>
                       <a:srgbClr val="000000"/>
                     </a:solidFill>
@@ -11770,7 +11934,7 @@
               </a:ln>
               <a:extLst>
                 <a:ext uri="{91240B29-F687-4f45-9708-019B960494DF}">
-                  <a14:hiddenLine xmlns="" xmlns:a14="http://schemas.microsoft.com/office/drawing/2010/main" w="9525">
+                  <a14:hiddenLine xmlns:a14="http://schemas.microsoft.com/office/drawing/2010/main" xmlns="" w="9525">
                     <a:solidFill>
                       <a:srgbClr val="000000"/>
                     </a:solidFill>
@@ -11854,7 +12018,7 @@
               </a:ln>
               <a:extLst>
                 <a:ext uri="{91240B29-F687-4f45-9708-019B960494DF}">
-                  <a14:hiddenLine xmlns="" xmlns:a14="http://schemas.microsoft.com/office/drawing/2010/main" w="9525">
+                  <a14:hiddenLine xmlns:a14="http://schemas.microsoft.com/office/drawing/2010/main" xmlns="" w="9525">
                     <a:solidFill>
                       <a:srgbClr val="000000"/>
                     </a:solidFill>
@@ -11916,7 +12080,7 @@
               </a:ln>
               <a:extLst>
                 <a:ext uri="{91240B29-F687-4f45-9708-019B960494DF}">
-                  <a14:hiddenLine xmlns="" xmlns:a14="http://schemas.microsoft.com/office/drawing/2010/main" w="9525">
+                  <a14:hiddenLine xmlns:a14="http://schemas.microsoft.com/office/drawing/2010/main" xmlns="" w="9525">
                     <a:solidFill>
                       <a:srgbClr val="000000"/>
                     </a:solidFill>
@@ -11978,7 +12142,7 @@
               </a:ln>
               <a:extLst>
                 <a:ext uri="{91240B29-F687-4f45-9708-019B960494DF}">
-                  <a14:hiddenLine xmlns="" xmlns:a14="http://schemas.microsoft.com/office/drawing/2010/main" w="9525">
+                  <a14:hiddenLine xmlns:a14="http://schemas.microsoft.com/office/drawing/2010/main" xmlns="" w="9525">
                     <a:solidFill>
                       <a:srgbClr val="000000"/>
                     </a:solidFill>
@@ -12068,7 +12232,7 @@
               </a:ln>
               <a:extLst>
                 <a:ext uri="{91240B29-F687-4f45-9708-019B960494DF}">
-                  <a14:hiddenLine xmlns="" xmlns:a14="http://schemas.microsoft.com/office/drawing/2010/main" w="9525">
+                  <a14:hiddenLine xmlns:a14="http://schemas.microsoft.com/office/drawing/2010/main" xmlns="" w="9525">
                     <a:solidFill>
                       <a:srgbClr val="000000"/>
                     </a:solidFill>
@@ -12102,7 +12266,7 @@
               </a:ln>
               <a:extLst>
                 <a:ext uri="{91240B29-F687-4f45-9708-019B960494DF}">
-                  <a14:hiddenLine xmlns="" xmlns:a14="http://schemas.microsoft.com/office/drawing/2010/main" w="9525">
+                  <a14:hiddenLine xmlns:a14="http://schemas.microsoft.com/office/drawing/2010/main" xmlns="" w="9525">
                     <a:solidFill>
                       <a:srgbClr val="000000"/>
                     </a:solidFill>
@@ -12167,7 +12331,7 @@
               </a:ln>
               <a:extLst>
                 <a:ext uri="{91240B29-F687-4f45-9708-019B960494DF}">
-                  <a14:hiddenLine xmlns="" xmlns:a14="http://schemas.microsoft.com/office/drawing/2010/main" w="9525">
+                  <a14:hiddenLine xmlns:a14="http://schemas.microsoft.com/office/drawing/2010/main" xmlns="" w="9525">
                     <a:solidFill>
                       <a:srgbClr val="000000"/>
                     </a:solidFill>
@@ -12257,7 +12421,7 @@
               </a:ln>
               <a:extLst>
                 <a:ext uri="{91240B29-F687-4f45-9708-019B960494DF}">
-                  <a14:hiddenLine xmlns="" xmlns:a14="http://schemas.microsoft.com/office/drawing/2010/main" w="9525">
+                  <a14:hiddenLine xmlns:a14="http://schemas.microsoft.com/office/drawing/2010/main" xmlns="" w="9525">
                     <a:solidFill>
                       <a:srgbClr val="000000"/>
                     </a:solidFill>
@@ -12319,7 +12483,7 @@
               </a:ln>
               <a:extLst>
                 <a:ext uri="{91240B29-F687-4f45-9708-019B960494DF}">
-                  <a14:hiddenLine xmlns="" xmlns:a14="http://schemas.microsoft.com/office/drawing/2010/main" w="9525">
+                  <a14:hiddenLine xmlns:a14="http://schemas.microsoft.com/office/drawing/2010/main" xmlns="" w="9525">
                     <a:solidFill>
                       <a:srgbClr val="000000"/>
                     </a:solidFill>
@@ -12409,7 +12573,7 @@
               </a:ln>
               <a:extLst>
                 <a:ext uri="{91240B29-F687-4f45-9708-019B960494DF}">
-                  <a14:hiddenLine xmlns="" xmlns:a14="http://schemas.microsoft.com/office/drawing/2010/main" w="9525">
+                  <a14:hiddenLine xmlns:a14="http://schemas.microsoft.com/office/drawing/2010/main" xmlns="" w="9525">
                     <a:solidFill>
                       <a:srgbClr val="000000"/>
                     </a:solidFill>
@@ -12474,7 +12638,7 @@
               </a:ln>
               <a:extLst>
                 <a:ext uri="{91240B29-F687-4f45-9708-019B960494DF}">
-                  <a14:hiddenLine xmlns="" xmlns:a14="http://schemas.microsoft.com/office/drawing/2010/main" w="9525">
+                  <a14:hiddenLine xmlns:a14="http://schemas.microsoft.com/office/drawing/2010/main" xmlns="" w="9525">
                     <a:solidFill>
                       <a:srgbClr val="000000"/>
                     </a:solidFill>
@@ -12536,7 +12700,7 @@
               </a:ln>
               <a:extLst>
                 <a:ext uri="{91240B29-F687-4f45-9708-019B960494DF}">
-                  <a14:hiddenLine xmlns="" xmlns:a14="http://schemas.microsoft.com/office/drawing/2010/main" w="9525">
+                  <a14:hiddenLine xmlns:a14="http://schemas.microsoft.com/office/drawing/2010/main" xmlns="" w="9525">
                     <a:solidFill>
                       <a:srgbClr val="000000"/>
                     </a:solidFill>
@@ -12626,7 +12790,7 @@
               </a:ln>
               <a:extLst>
                 <a:ext uri="{91240B29-F687-4f45-9708-019B960494DF}">
-                  <a14:hiddenLine xmlns="" xmlns:a14="http://schemas.microsoft.com/office/drawing/2010/main" w="9525">
+                  <a14:hiddenLine xmlns:a14="http://schemas.microsoft.com/office/drawing/2010/main" xmlns="" w="9525">
                     <a:solidFill>
                       <a:srgbClr val="000000"/>
                     </a:solidFill>
@@ -12716,7 +12880,7 @@
               </a:ln>
               <a:extLst>
                 <a:ext uri="{91240B29-F687-4f45-9708-019B960494DF}">
-                  <a14:hiddenLine xmlns="" xmlns:a14="http://schemas.microsoft.com/office/drawing/2010/main" w="9525">
+                  <a14:hiddenLine xmlns:a14="http://schemas.microsoft.com/office/drawing/2010/main" xmlns="" w="9525">
                     <a:solidFill>
                       <a:srgbClr val="000000"/>
                     </a:solidFill>
@@ -12781,7 +12945,7 @@
               </a:ln>
               <a:extLst>
                 <a:ext uri="{91240B29-F687-4f45-9708-019B960494DF}">
-                  <a14:hiddenLine xmlns="" xmlns:a14="http://schemas.microsoft.com/office/drawing/2010/main" w="9525">
+                  <a14:hiddenLine xmlns:a14="http://schemas.microsoft.com/office/drawing/2010/main" xmlns="" w="9525">
                     <a:solidFill>
                       <a:srgbClr val="000000"/>
                     </a:solidFill>
@@ -12901,7 +13065,7 @@
               </a:ln>
               <a:extLst>
                 <a:ext uri="{91240B29-F687-4f45-9708-019B960494DF}">
-                  <a14:hiddenLine xmlns="" xmlns:a14="http://schemas.microsoft.com/office/drawing/2010/main" w="9525">
+                  <a14:hiddenLine xmlns:a14="http://schemas.microsoft.com/office/drawing/2010/main" xmlns="" w="9525">
                     <a:solidFill>
                       <a:srgbClr val="000000"/>
                     </a:solidFill>
@@ -12999,7 +13163,7 @@
               </a:ln>
               <a:extLst>
                 <a:ext uri="{91240B29-F687-4f45-9708-019B960494DF}">
-                  <a14:hiddenLine xmlns="" xmlns:a14="http://schemas.microsoft.com/office/drawing/2010/main" w="9525">
+                  <a14:hiddenLine xmlns:a14="http://schemas.microsoft.com/office/drawing/2010/main" xmlns="" w="9525">
                     <a:solidFill>
                       <a:srgbClr val="000000"/>
                     </a:solidFill>
@@ -13114,7 +13278,7 @@
               </a:ln>
               <a:extLst>
                 <a:ext uri="{91240B29-F687-4f45-9708-019B960494DF}">
-                  <a14:hiddenLine xmlns="" xmlns:a14="http://schemas.microsoft.com/office/drawing/2010/main" w="9525">
+                  <a14:hiddenLine xmlns:a14="http://schemas.microsoft.com/office/drawing/2010/main" xmlns="" w="9525">
                     <a:solidFill>
                       <a:srgbClr val="000000"/>
                     </a:solidFill>
@@ -13204,7 +13368,7 @@
               </a:ln>
               <a:extLst>
                 <a:ext uri="{91240B29-F687-4f45-9708-019B960494DF}">
-                  <a14:hiddenLine xmlns="" xmlns:a14="http://schemas.microsoft.com/office/drawing/2010/main" w="9525">
+                  <a14:hiddenLine xmlns:a14="http://schemas.microsoft.com/office/drawing/2010/main" xmlns="" w="9525">
                     <a:solidFill>
                       <a:srgbClr val="000000"/>
                     </a:solidFill>
@@ -13269,7 +13433,7 @@
               </a:ln>
               <a:extLst>
                 <a:ext uri="{91240B29-F687-4f45-9708-019B960494DF}">
-                  <a14:hiddenLine xmlns="" xmlns:a14="http://schemas.microsoft.com/office/drawing/2010/main" w="9525">
+                  <a14:hiddenLine xmlns:a14="http://schemas.microsoft.com/office/drawing/2010/main" xmlns="" w="9525">
                     <a:solidFill>
                       <a:srgbClr val="000000"/>
                     </a:solidFill>
@@ -13359,7 +13523,7 @@
               </a:ln>
               <a:extLst>
                 <a:ext uri="{91240B29-F687-4f45-9708-019B960494DF}">
-                  <a14:hiddenLine xmlns="" xmlns:a14="http://schemas.microsoft.com/office/drawing/2010/main" w="9525">
+                  <a14:hiddenLine xmlns:a14="http://schemas.microsoft.com/office/drawing/2010/main" xmlns="" w="9525">
                     <a:solidFill>
                       <a:srgbClr val="000000"/>
                     </a:solidFill>
@@ -13427,7 +13591,7 @@
               </a:ln>
               <a:extLst>
                 <a:ext uri="{91240B29-F687-4f45-9708-019B960494DF}">
-                  <a14:hiddenLine xmlns="" xmlns:a14="http://schemas.microsoft.com/office/drawing/2010/main" w="9525">
+                  <a14:hiddenLine xmlns:a14="http://schemas.microsoft.com/office/drawing/2010/main" xmlns="" w="9525">
                     <a:solidFill>
                       <a:srgbClr val="000000"/>
                     </a:solidFill>
@@ -13517,7 +13681,7 @@
               </a:ln>
               <a:extLst>
                 <a:ext uri="{91240B29-F687-4f45-9708-019B960494DF}">
-                  <a14:hiddenLine xmlns="" xmlns:a14="http://schemas.microsoft.com/office/drawing/2010/main" w="9525">
+                  <a14:hiddenLine xmlns:a14="http://schemas.microsoft.com/office/drawing/2010/main" xmlns="" w="9525">
                     <a:solidFill>
                       <a:srgbClr val="000000"/>
                     </a:solidFill>
@@ -13585,7 +13749,7 @@
               </a:ln>
               <a:extLst>
                 <a:ext uri="{91240B29-F687-4f45-9708-019B960494DF}">
-                  <a14:hiddenLine xmlns="" xmlns:a14="http://schemas.microsoft.com/office/drawing/2010/main" w="9525">
+                  <a14:hiddenLine xmlns:a14="http://schemas.microsoft.com/office/drawing/2010/main" xmlns="" w="9525">
                     <a:solidFill>
                       <a:srgbClr val="000000"/>
                     </a:solidFill>
@@ -13675,7 +13839,7 @@
               </a:ln>
               <a:extLst>
                 <a:ext uri="{91240B29-F687-4f45-9708-019B960494DF}">
-                  <a14:hiddenLine xmlns="" xmlns:a14="http://schemas.microsoft.com/office/drawing/2010/main" w="9525">
+                  <a14:hiddenLine xmlns:a14="http://schemas.microsoft.com/office/drawing/2010/main" xmlns="" w="9525">
                     <a:solidFill>
                       <a:srgbClr val="000000"/>
                     </a:solidFill>
@@ -13709,7 +13873,7 @@
               </a:ln>
               <a:extLst>
                 <a:ext uri="{91240B29-F687-4f45-9708-019B960494DF}">
-                  <a14:hiddenLine xmlns="" xmlns:a14="http://schemas.microsoft.com/office/drawing/2010/main" w="9525">
+                  <a14:hiddenLine xmlns:a14="http://schemas.microsoft.com/office/drawing/2010/main" xmlns="" w="9525">
                     <a:solidFill>
                       <a:srgbClr val="000000"/>
                     </a:solidFill>
@@ -13849,7 +14013,7 @@
           <a:p>
             <a:fld id="{849DE176-146E-4F1E-BCCE-E46272DCA095}" type="datetimeFigureOut">
               <a:rPr lang="es-AR" smtClean="0"/>
-              <a:t>13/12/2023</a:t>
+              <a:t>20/4/2024</a:t>
             </a:fld>
             <a:endParaRPr lang="es-AR"/>
           </a:p>
@@ -24661,9 +24825,9 @@
         <p:grpSpPr>
           <a:xfrm>
             <a:off x="1139447" y="1128223"/>
-            <a:ext cx="3093641" cy="2411912"/>
+            <a:ext cx="3093641" cy="2411193"/>
             <a:chOff x="1139447" y="1128222"/>
-            <a:chExt cx="4698135" cy="4214431"/>
+            <a:chExt cx="4698135" cy="4213175"/>
           </a:xfrm>
         </p:grpSpPr>
         <p:pic>
@@ -24765,8 +24929,8 @@
           </p:nvSpPr>
           <p:spPr>
             <a:xfrm>
-              <a:off x="2916734" y="4626610"/>
-              <a:ext cx="2168460" cy="716043"/>
+              <a:off x="3454962" y="4696048"/>
+              <a:ext cx="1597579" cy="645349"/>
             </a:xfrm>
             <a:prstGeom prst="rect">
               <a:avLst/>
@@ -24785,7 +24949,7 @@
                     <a:srgbClr val="FF0000"/>
                   </a:solidFill>
                 </a:rPr>
-                <a:t>reentrenar</a:t>
+                <a:t>entrenar</a:t>
               </a:r>
             </a:p>
           </p:txBody>
@@ -24890,8 +25054,8 @@
         </p:nvSpPr>
         <p:spPr>
           <a:xfrm>
-            <a:off x="2997341" y="6173693"/>
-            <a:ext cx="1427894" cy="409790"/>
+            <a:off x="3327633" y="6138120"/>
+            <a:ext cx="1427894" cy="369332"/>
           </a:xfrm>
           <a:prstGeom prst="rect">
             <a:avLst/>
@@ -24910,7 +25074,7 @@
                   <a:srgbClr val="FF0000"/>
                 </a:solidFill>
               </a:rPr>
-              <a:t>reentrenar</a:t>
+              <a:t>entrenar</a:t>
             </a:r>
           </a:p>
         </p:txBody>
@@ -25745,7 +25909,7 @@
         </p:nvSpPr>
         <p:spPr>
           <a:xfrm>
-            <a:off x="9554697" y="3191896"/>
+            <a:off x="9389163" y="4209049"/>
             <a:ext cx="1410671" cy="400110"/>
           </a:xfrm>
           <a:prstGeom prst="rect">
@@ -25766,6 +25930,442 @@
                 </a:solidFill>
               </a:rPr>
               <a:t>Nuevo!</a:t>
+            </a:r>
+          </a:p>
+        </p:txBody>
+      </p:sp>
+      <p:sp>
+        <p:nvSpPr>
+          <p:cNvPr id="2" name="CuadroTexto 1">
+            <a:extLst>
+              <a:ext uri="{FF2B5EF4-FFF2-40B4-BE49-F238E27FC236}">
+                <a16:creationId xmlns:a16="http://schemas.microsoft.com/office/drawing/2014/main" id="{AC20C8D6-DF47-35B7-572B-34D057F25BC8}"/>
+              </a:ext>
+            </a:extLst>
+          </p:cNvPr>
+          <p:cNvSpPr txBox="1"/>
+          <p:nvPr/>
+        </p:nvSpPr>
+        <p:spPr>
+          <a:xfrm>
+            <a:off x="155612" y="1329352"/>
+            <a:ext cx="2176771" cy="1938992"/>
+          </a:xfrm>
+          <a:prstGeom prst="rect">
+            <a:avLst/>
+          </a:prstGeom>
+          <a:noFill/>
+        </p:spPr>
+        <p:txBody>
+          <a:bodyPr wrap="square">
+            <a:spAutoFit/>
+          </a:bodyPr>
+          <a:lstStyle/>
+          <a:p>
+            <a:r>
+              <a:rPr lang="es-AR" sz="2000" b="1" dirty="0" err="1">
+                <a:solidFill>
+                  <a:schemeClr val="accent2">
+                    <a:lumMod val="75000"/>
+                  </a:schemeClr>
+                </a:solidFill>
+              </a:rPr>
+              <a:t>Generic</a:t>
+            </a:r>
+            <a:r>
+              <a:rPr lang="es-AR" sz="2000" b="1" dirty="0">
+                <a:solidFill>
+                  <a:schemeClr val="accent2">
+                    <a:lumMod val="75000"/>
+                  </a:schemeClr>
+                </a:solidFill>
+              </a:rPr>
+              <a:t> </a:t>
+            </a:r>
+            <a:r>
+              <a:rPr lang="es-AR" sz="2000" b="1" dirty="0" err="1">
+                <a:solidFill>
+                  <a:schemeClr val="accent2">
+                    <a:lumMod val="75000"/>
+                  </a:schemeClr>
+                </a:solidFill>
+              </a:rPr>
+              <a:t>Dataset</a:t>
+            </a:r>
+            <a:r>
+              <a:rPr lang="es-AR" sz="2000" b="1" dirty="0">
+                <a:solidFill>
+                  <a:schemeClr val="accent2">
+                    <a:lumMod val="75000"/>
+                  </a:schemeClr>
+                </a:solidFill>
+              </a:rPr>
+              <a:t>:</a:t>
+            </a:r>
+          </a:p>
+          <a:p>
+            <a:r>
+              <a:rPr lang="es-AR" sz="2000" b="1" dirty="0" err="1">
+                <a:solidFill>
+                  <a:schemeClr val="accent2">
+                    <a:lumMod val="75000"/>
+                  </a:schemeClr>
+                </a:solidFill>
+              </a:rPr>
+              <a:t>ImageNet</a:t>
+            </a:r>
+            <a:r>
+              <a:rPr lang="es-AR" sz="2000" b="1" dirty="0">
+                <a:solidFill>
+                  <a:schemeClr val="accent2">
+                    <a:lumMod val="75000"/>
+                  </a:schemeClr>
+                </a:solidFill>
+              </a:rPr>
+              <a:t> 1K</a:t>
+            </a:r>
+          </a:p>
+          <a:p>
+            <a:pPr marL="342900" indent="-342900">
+              <a:buFontTx/>
+              <a:buChar char="-"/>
+            </a:pPr>
+            <a:r>
+              <a:rPr lang="es-AR" sz="2000" b="1" dirty="0">
+                <a:solidFill>
+                  <a:schemeClr val="accent2">
+                    <a:lumMod val="75000"/>
+                  </a:schemeClr>
+                </a:solidFill>
+              </a:rPr>
+              <a:t>1000 clases</a:t>
+            </a:r>
+          </a:p>
+          <a:p>
+            <a:pPr marL="342900" indent="-342900">
+              <a:buFontTx/>
+              <a:buChar char="-"/>
+            </a:pPr>
+            <a:r>
+              <a:rPr lang="es-AR" sz="2000" b="1" dirty="0">
+                <a:solidFill>
+                  <a:schemeClr val="accent2">
+                    <a:lumMod val="75000"/>
+                  </a:schemeClr>
+                </a:solidFill>
+              </a:rPr>
+              <a:t>1.281.167 (</a:t>
+            </a:r>
+            <a:r>
+              <a:rPr lang="es-AR" sz="2000" b="1" dirty="0" err="1">
+                <a:solidFill>
+                  <a:schemeClr val="accent2">
+                    <a:lumMod val="75000"/>
+                  </a:schemeClr>
+                </a:solidFill>
+              </a:rPr>
+              <a:t>train</a:t>
+            </a:r>
+            <a:r>
+              <a:rPr lang="es-AR" sz="2000" b="1" dirty="0">
+                <a:solidFill>
+                  <a:schemeClr val="accent2">
+                    <a:lumMod val="75000"/>
+                  </a:schemeClr>
+                </a:solidFill>
+              </a:rPr>
+              <a:t> set)</a:t>
+            </a:r>
+          </a:p>
+          <a:p>
+            <a:pPr marL="342900" indent="-342900">
+              <a:buFontTx/>
+              <a:buChar char="-"/>
+            </a:pPr>
+            <a:r>
+              <a:rPr lang="es-AR" sz="2000" b="1" dirty="0">
+                <a:solidFill>
+                  <a:schemeClr val="accent2">
+                    <a:lumMod val="75000"/>
+                  </a:schemeClr>
+                </a:solidFill>
+              </a:rPr>
+              <a:t>RGB</a:t>
+            </a:r>
+          </a:p>
+        </p:txBody>
+      </p:sp>
+      <p:sp>
+        <p:nvSpPr>
+          <p:cNvPr id="3" name="CuadroTexto 2">
+            <a:extLst>
+              <a:ext uri="{FF2B5EF4-FFF2-40B4-BE49-F238E27FC236}">
+                <a16:creationId xmlns:a16="http://schemas.microsoft.com/office/drawing/2014/main" id="{758E3436-D630-75CB-0545-9A25BF2FFF18}"/>
+              </a:ext>
+            </a:extLst>
+          </p:cNvPr>
+          <p:cNvSpPr txBox="1"/>
+          <p:nvPr/>
+        </p:nvSpPr>
+        <p:spPr>
+          <a:xfrm>
+            <a:off x="155612" y="5049070"/>
+            <a:ext cx="2176771" cy="1631216"/>
+          </a:xfrm>
+          <a:prstGeom prst="rect">
+            <a:avLst/>
+          </a:prstGeom>
+          <a:noFill/>
+        </p:spPr>
+        <p:txBody>
+          <a:bodyPr wrap="square">
+            <a:spAutoFit/>
+          </a:bodyPr>
+          <a:lstStyle/>
+          <a:p>
+            <a:r>
+              <a:rPr lang="es-AR" sz="2000" b="1" dirty="0" err="1">
+                <a:solidFill>
+                  <a:srgbClr val="FF0000"/>
+                </a:solidFill>
+              </a:rPr>
+              <a:t>Specific</a:t>
+            </a:r>
+            <a:r>
+              <a:rPr lang="es-AR" sz="2000" b="1" dirty="0">
+                <a:solidFill>
+                  <a:srgbClr val="FF0000"/>
+                </a:solidFill>
+              </a:rPr>
+              <a:t> </a:t>
+            </a:r>
+            <a:r>
+              <a:rPr lang="es-AR" sz="2000" b="1" dirty="0" err="1">
+                <a:solidFill>
+                  <a:srgbClr val="FF0000"/>
+                </a:solidFill>
+              </a:rPr>
+              <a:t>Dataset</a:t>
+            </a:r>
+            <a:r>
+              <a:rPr lang="es-AR" sz="2000" b="1" dirty="0">
+                <a:solidFill>
+                  <a:srgbClr val="FF0000"/>
+                </a:solidFill>
+              </a:rPr>
+              <a:t>:</a:t>
+            </a:r>
+          </a:p>
+          <a:p>
+            <a:r>
+              <a:rPr lang="es-AR" sz="2000" b="1" dirty="0" err="1">
+                <a:solidFill>
+                  <a:srgbClr val="FF0000"/>
+                </a:solidFill>
+              </a:rPr>
+              <a:t>Bees</a:t>
+            </a:r>
+            <a:r>
+              <a:rPr lang="es-AR" sz="2000" b="1" dirty="0">
+                <a:solidFill>
+                  <a:srgbClr val="FF0000"/>
+                </a:solidFill>
+              </a:rPr>
+              <a:t> &amp; </a:t>
+            </a:r>
+            <a:r>
+              <a:rPr lang="es-AR" sz="2000" b="1" dirty="0" err="1">
+                <a:solidFill>
+                  <a:srgbClr val="FF0000"/>
+                </a:solidFill>
+              </a:rPr>
+              <a:t>ants</a:t>
+            </a:r>
+            <a:endParaRPr lang="es-AR" sz="2000" b="1" dirty="0">
+              <a:solidFill>
+                <a:srgbClr val="FF0000"/>
+              </a:solidFill>
+            </a:endParaRPr>
+          </a:p>
+          <a:p>
+            <a:pPr marL="342900" indent="-342900">
+              <a:buFontTx/>
+              <a:buChar char="-"/>
+            </a:pPr>
+            <a:r>
+              <a:rPr lang="es-AR" sz="2000" b="1" dirty="0">
+                <a:solidFill>
+                  <a:srgbClr val="FF0000"/>
+                </a:solidFill>
+              </a:rPr>
+              <a:t>2 clases</a:t>
+            </a:r>
+          </a:p>
+          <a:p>
+            <a:pPr marL="342900" indent="-342900">
+              <a:buFontTx/>
+              <a:buChar char="-"/>
+            </a:pPr>
+            <a:r>
+              <a:rPr lang="es-AR" sz="2000" b="1" dirty="0">
+                <a:solidFill>
+                  <a:srgbClr val="FF0000"/>
+                </a:solidFill>
+              </a:rPr>
+              <a:t>120 (</a:t>
+            </a:r>
+            <a:r>
+              <a:rPr lang="es-AR" sz="2000" b="1" dirty="0" err="1">
+                <a:solidFill>
+                  <a:srgbClr val="FF0000"/>
+                </a:solidFill>
+              </a:rPr>
+              <a:t>train</a:t>
+            </a:r>
+            <a:r>
+              <a:rPr lang="es-AR" sz="2000" b="1" dirty="0">
+                <a:solidFill>
+                  <a:srgbClr val="FF0000"/>
+                </a:solidFill>
+              </a:rPr>
+              <a:t> set)</a:t>
+            </a:r>
+          </a:p>
+          <a:p>
+            <a:pPr marL="342900" indent="-342900">
+              <a:buFontTx/>
+              <a:buChar char="-"/>
+            </a:pPr>
+            <a:r>
+              <a:rPr lang="es-AR" sz="2000" b="1" dirty="0">
+                <a:solidFill>
+                  <a:srgbClr val="FF0000"/>
+                </a:solidFill>
+              </a:rPr>
+              <a:t>RGB</a:t>
+            </a:r>
+          </a:p>
+        </p:txBody>
+      </p:sp>
+      <p:sp>
+        <p:nvSpPr>
+          <p:cNvPr id="11" name="CuadroTexto 10">
+            <a:extLst>
+              <a:ext uri="{FF2B5EF4-FFF2-40B4-BE49-F238E27FC236}">
+                <a16:creationId xmlns:a16="http://schemas.microsoft.com/office/drawing/2014/main" id="{0F008068-9487-C6FD-3DE4-8D1C5D86F6FD}"/>
+              </a:ext>
+            </a:extLst>
+          </p:cNvPr>
+          <p:cNvSpPr txBox="1"/>
+          <p:nvPr/>
+        </p:nvSpPr>
+        <p:spPr>
+          <a:xfrm rot="16200000">
+            <a:off x="1480460" y="3749775"/>
+            <a:ext cx="980104" cy="338554"/>
+          </a:xfrm>
+          <a:prstGeom prst="rect">
+            <a:avLst/>
+          </a:prstGeom>
+          <a:solidFill>
+            <a:schemeClr val="tx1"/>
+          </a:solidFill>
+        </p:spPr>
+        <p:txBody>
+          <a:bodyPr wrap="square">
+            <a:spAutoFit/>
+          </a:bodyPr>
+          <a:lstStyle/>
+          <a:p>
+            <a:r>
+              <a:rPr lang="es-AR" sz="1600" dirty="0">
+                <a:solidFill>
+                  <a:schemeClr val="bg1"/>
+                </a:solidFill>
+              </a:rPr>
+              <a:t>400*400</a:t>
+            </a:r>
+          </a:p>
+        </p:txBody>
+      </p:sp>
+      <p:sp>
+        <p:nvSpPr>
+          <p:cNvPr id="5" name="CuadroTexto 4">
+            <a:extLst>
+              <a:ext uri="{FF2B5EF4-FFF2-40B4-BE49-F238E27FC236}">
+                <a16:creationId xmlns:a16="http://schemas.microsoft.com/office/drawing/2014/main" id="{773FAAF8-F86E-14C1-C090-005DD7739CBA}"/>
+              </a:ext>
+            </a:extLst>
+          </p:cNvPr>
+          <p:cNvSpPr txBox="1"/>
+          <p:nvPr/>
+        </p:nvSpPr>
+        <p:spPr>
+          <a:xfrm rot="16200000">
+            <a:off x="7344547" y="2649465"/>
+            <a:ext cx="980104" cy="338554"/>
+          </a:xfrm>
+          <a:prstGeom prst="rect">
+            <a:avLst/>
+          </a:prstGeom>
+          <a:solidFill>
+            <a:schemeClr val="tx1"/>
+          </a:solidFill>
+        </p:spPr>
+        <p:txBody>
+          <a:bodyPr wrap="square">
+            <a:spAutoFit/>
+          </a:bodyPr>
+          <a:lstStyle/>
+          <a:p>
+            <a:r>
+              <a:rPr lang="es-AR" sz="1600" dirty="0">
+                <a:solidFill>
+                  <a:schemeClr val="bg1"/>
+                </a:solidFill>
+              </a:rPr>
+              <a:t>12*12</a:t>
+            </a:r>
+          </a:p>
+        </p:txBody>
+      </p:sp>
+      <p:sp>
+        <p:nvSpPr>
+          <p:cNvPr id="12" name="CuadroTexto 11">
+            <a:extLst>
+              <a:ext uri="{FF2B5EF4-FFF2-40B4-BE49-F238E27FC236}">
+                <a16:creationId xmlns:a16="http://schemas.microsoft.com/office/drawing/2014/main" id="{E99D9240-CB1E-745D-B7BD-690E6FCA837F}"/>
+              </a:ext>
+            </a:extLst>
+          </p:cNvPr>
+          <p:cNvSpPr txBox="1"/>
+          <p:nvPr/>
+        </p:nvSpPr>
+        <p:spPr>
+          <a:xfrm>
+            <a:off x="9349686" y="5566797"/>
+            <a:ext cx="980104" cy="338554"/>
+          </a:xfrm>
+          <a:prstGeom prst="rect">
+            <a:avLst/>
+          </a:prstGeom>
+          <a:solidFill>
+            <a:schemeClr val="tx1"/>
+          </a:solidFill>
+        </p:spPr>
+        <p:txBody>
+          <a:bodyPr wrap="square">
+            <a:spAutoFit/>
+          </a:bodyPr>
+          <a:lstStyle/>
+          <a:p>
+            <a:r>
+              <a:rPr lang="es-AR" sz="1600" dirty="0">
+                <a:solidFill>
+                  <a:schemeClr val="bg1"/>
+                </a:solidFill>
+              </a:rPr>
+              <a:t>2 clases</a:t>
             </a:r>
           </a:p>
         </p:txBody>
@@ -26949,7 +27549,7 @@
                     <a:srgbClr val="FF0000"/>
                   </a:solidFill>
                 </a:rPr>
-                <a:t>reentrenar</a:t>
+                <a:t>entrenar</a:t>
               </a:r>
             </a:p>
           </p:txBody>
@@ -26969,6 +27569,945 @@
 </file>
 
 <file path=ppt/slides/slide8.xml><?xml version="1.0" encoding="utf-8"?>
+<p:sld xmlns:a="http://schemas.openxmlformats.org/drawingml/2006/main" xmlns:r="http://schemas.openxmlformats.org/officeDocument/2006/relationships" xmlns:p="http://schemas.openxmlformats.org/presentationml/2006/main">
+  <p:cSld>
+    <p:spTree>
+      <p:nvGrpSpPr>
+        <p:cNvPr id="1" name=""/>
+        <p:cNvGrpSpPr/>
+        <p:nvPr/>
+      </p:nvGrpSpPr>
+      <p:grpSpPr>
+        <a:xfrm>
+          <a:off x="0" y="0"/>
+          <a:ext cx="0" cy="0"/>
+          <a:chOff x="0" y="0"/>
+          <a:chExt cx="0" cy="0"/>
+        </a:xfrm>
+      </p:grpSpPr>
+      <p:sp>
+        <p:nvSpPr>
+          <p:cNvPr id="4" name="Subtitle 1"/>
+          <p:cNvSpPr txBox="1">
+            <a:spLocks/>
+          </p:cNvSpPr>
+          <p:nvPr/>
+        </p:nvSpPr>
+        <p:spPr>
+          <a:xfrm>
+            <a:off x="-159657" y="0"/>
+            <a:ext cx="12511314" cy="1085871"/>
+          </a:xfrm>
+          <a:prstGeom prst="rect">
+            <a:avLst/>
+          </a:prstGeom>
+        </p:spPr>
+        <p:txBody>
+          <a:bodyPr vert="horz" lIns="91440" tIns="45720" rIns="91440" bIns="45720" rtlCol="0">
+            <a:noAutofit/>
+          </a:bodyPr>
+          <a:lstStyle>
+            <a:lvl1pPr marL="228600" indent="-228600" algn="l" defTabSz="914400" rtl="0" eaLnBrk="1" latinLnBrk="0" hangingPunct="1">
+              <a:lnSpc>
+                <a:spcPct val="120000"/>
+              </a:lnSpc>
+              <a:spcBef>
+                <a:spcPts val="1000"/>
+              </a:spcBef>
+              <a:buSzPct val="125000"/>
+              <a:buFont typeface="Arial" panose="020B0604020202020204" pitchFamily="34" charset="0"/>
+              <a:buChar char="•"/>
+              <a:defRPr sz="2400" kern="1200">
+                <a:solidFill>
+                  <a:schemeClr val="tx1"/>
+                </a:solidFill>
+                <a:latin typeface="+mn-lt"/>
+                <a:ea typeface="+mn-ea"/>
+                <a:cs typeface="+mn-cs"/>
+              </a:defRPr>
+            </a:lvl1pPr>
+            <a:lvl2pPr marL="685800" indent="-228600" algn="l" defTabSz="914400" rtl="0" eaLnBrk="1" latinLnBrk="0" hangingPunct="1">
+              <a:lnSpc>
+                <a:spcPct val="120000"/>
+              </a:lnSpc>
+              <a:spcBef>
+                <a:spcPts val="500"/>
+              </a:spcBef>
+              <a:buSzPct val="125000"/>
+              <a:buFont typeface="Arial" panose="020B0604020202020204" pitchFamily="34" charset="0"/>
+              <a:buChar char="•"/>
+              <a:defRPr sz="2000" kern="1200">
+                <a:solidFill>
+                  <a:schemeClr val="tx1"/>
+                </a:solidFill>
+                <a:latin typeface="+mn-lt"/>
+                <a:ea typeface="+mn-ea"/>
+                <a:cs typeface="+mn-cs"/>
+              </a:defRPr>
+            </a:lvl2pPr>
+            <a:lvl3pPr marL="1143000" indent="-228600" algn="l" defTabSz="914400" rtl="0" eaLnBrk="1" latinLnBrk="0" hangingPunct="1">
+              <a:lnSpc>
+                <a:spcPct val="120000"/>
+              </a:lnSpc>
+              <a:spcBef>
+                <a:spcPts val="500"/>
+              </a:spcBef>
+              <a:buSzPct val="125000"/>
+              <a:buFont typeface="Arial" panose="020B0604020202020204" pitchFamily="34" charset="0"/>
+              <a:buChar char="•"/>
+              <a:defRPr sz="1800" kern="1200">
+                <a:solidFill>
+                  <a:schemeClr val="tx1"/>
+                </a:solidFill>
+                <a:latin typeface="+mn-lt"/>
+                <a:ea typeface="+mn-ea"/>
+                <a:cs typeface="+mn-cs"/>
+              </a:defRPr>
+            </a:lvl3pPr>
+            <a:lvl4pPr marL="1600200" indent="-228600" algn="l" defTabSz="914400" rtl="0" eaLnBrk="1" latinLnBrk="0" hangingPunct="1">
+              <a:lnSpc>
+                <a:spcPct val="120000"/>
+              </a:lnSpc>
+              <a:spcBef>
+                <a:spcPts val="500"/>
+              </a:spcBef>
+              <a:buSzPct val="125000"/>
+              <a:buFont typeface="Arial" panose="020B0604020202020204" pitchFamily="34" charset="0"/>
+              <a:buChar char="•"/>
+              <a:defRPr sz="1600" kern="1200">
+                <a:solidFill>
+                  <a:schemeClr val="tx1"/>
+                </a:solidFill>
+                <a:latin typeface="+mn-lt"/>
+                <a:ea typeface="+mn-ea"/>
+                <a:cs typeface="+mn-cs"/>
+              </a:defRPr>
+            </a:lvl4pPr>
+            <a:lvl5pPr marL="2057400" indent="-228600" algn="l" defTabSz="914400" rtl="0" eaLnBrk="1" latinLnBrk="0" hangingPunct="1">
+              <a:lnSpc>
+                <a:spcPct val="120000"/>
+              </a:lnSpc>
+              <a:spcBef>
+                <a:spcPts val="500"/>
+              </a:spcBef>
+              <a:buSzPct val="125000"/>
+              <a:buFont typeface="Arial" panose="020B0604020202020204" pitchFamily="34" charset="0"/>
+              <a:buChar char="•"/>
+              <a:defRPr sz="1600" kern="1200">
+                <a:solidFill>
+                  <a:schemeClr val="tx1"/>
+                </a:solidFill>
+                <a:latin typeface="+mn-lt"/>
+                <a:ea typeface="+mn-ea"/>
+                <a:cs typeface="+mn-cs"/>
+              </a:defRPr>
+            </a:lvl5pPr>
+            <a:lvl6pPr marL="2514600" indent="-228600" algn="l" defTabSz="914400" rtl="0" eaLnBrk="1" latinLnBrk="0" hangingPunct="1">
+              <a:lnSpc>
+                <a:spcPct val="120000"/>
+              </a:lnSpc>
+              <a:spcBef>
+                <a:spcPts val="500"/>
+              </a:spcBef>
+              <a:buSzPct val="125000"/>
+              <a:buFont typeface="Arial" panose="020B0604020202020204" pitchFamily="34" charset="0"/>
+              <a:buChar char="•"/>
+              <a:defRPr sz="1400" kern="1200">
+                <a:solidFill>
+                  <a:schemeClr val="tx1"/>
+                </a:solidFill>
+                <a:latin typeface="+mn-lt"/>
+                <a:ea typeface="+mn-ea"/>
+                <a:cs typeface="+mn-cs"/>
+              </a:defRPr>
+            </a:lvl6pPr>
+            <a:lvl7pPr marL="2971800" indent="-228600" algn="l" defTabSz="914400" rtl="0" eaLnBrk="1" latinLnBrk="0" hangingPunct="1">
+              <a:lnSpc>
+                <a:spcPct val="120000"/>
+              </a:lnSpc>
+              <a:spcBef>
+                <a:spcPts val="500"/>
+              </a:spcBef>
+              <a:buSzPct val="125000"/>
+              <a:buFont typeface="Arial" panose="020B0604020202020204" pitchFamily="34" charset="0"/>
+              <a:buChar char="•"/>
+              <a:defRPr sz="1400" kern="1200">
+                <a:solidFill>
+                  <a:schemeClr val="tx1"/>
+                </a:solidFill>
+                <a:latin typeface="+mn-lt"/>
+                <a:ea typeface="+mn-ea"/>
+                <a:cs typeface="+mn-cs"/>
+              </a:defRPr>
+            </a:lvl7pPr>
+            <a:lvl8pPr marL="3429000" indent="-228600" algn="l" defTabSz="914400" rtl="0" eaLnBrk="1" latinLnBrk="0" hangingPunct="1">
+              <a:lnSpc>
+                <a:spcPct val="120000"/>
+              </a:lnSpc>
+              <a:spcBef>
+                <a:spcPts val="500"/>
+              </a:spcBef>
+              <a:buSzPct val="125000"/>
+              <a:buFont typeface="Arial" panose="020B0604020202020204" pitchFamily="34" charset="0"/>
+              <a:buChar char="•"/>
+              <a:defRPr sz="1400" kern="1200">
+                <a:solidFill>
+                  <a:schemeClr val="tx1"/>
+                </a:solidFill>
+                <a:latin typeface="+mn-lt"/>
+                <a:ea typeface="+mn-ea"/>
+                <a:cs typeface="+mn-cs"/>
+              </a:defRPr>
+            </a:lvl8pPr>
+            <a:lvl9pPr marL="3886200" indent="-228600" algn="l" defTabSz="914400" rtl="0" eaLnBrk="1" latinLnBrk="0" hangingPunct="1">
+              <a:lnSpc>
+                <a:spcPct val="120000"/>
+              </a:lnSpc>
+              <a:spcBef>
+                <a:spcPts val="500"/>
+              </a:spcBef>
+              <a:buSzPct val="125000"/>
+              <a:buFont typeface="Arial" panose="020B0604020202020204" pitchFamily="34" charset="0"/>
+              <a:buChar char="•"/>
+              <a:defRPr sz="1400" kern="1200">
+                <a:solidFill>
+                  <a:schemeClr val="tx1"/>
+                </a:solidFill>
+                <a:latin typeface="+mn-lt"/>
+                <a:ea typeface="+mn-ea"/>
+                <a:cs typeface="+mn-cs"/>
+              </a:defRPr>
+            </a:lvl9pPr>
+          </a:lstStyle>
+          <a:p>
+            <a:pPr marL="0" indent="0" algn="ctr">
+              <a:buNone/>
+            </a:pPr>
+            <a:r>
+              <a:rPr lang="es-AR" sz="3200" dirty="0">
+                <a:solidFill>
+                  <a:schemeClr val="bg1"/>
+                </a:solidFill>
+              </a:rPr>
+              <a:t>Transfer </a:t>
+            </a:r>
+            <a:r>
+              <a:rPr lang="es-AR" sz="3200" dirty="0" err="1">
+                <a:solidFill>
+                  <a:schemeClr val="bg1"/>
+                </a:solidFill>
+              </a:rPr>
+              <a:t>Learning</a:t>
+            </a:r>
+            <a:r>
+              <a:rPr lang="es-AR" sz="3200" dirty="0">
+                <a:solidFill>
+                  <a:schemeClr val="bg1"/>
+                </a:solidFill>
+              </a:rPr>
+              <a:t> - ¿Qué estrategia usar?</a:t>
+            </a:r>
+          </a:p>
+          <a:p>
+            <a:pPr marL="0" indent="0" algn="ctr">
+              <a:buNone/>
+            </a:pPr>
+            <a:endParaRPr lang="es-AR" sz="3200" dirty="0">
+              <a:solidFill>
+                <a:schemeClr val="bg1"/>
+              </a:solidFill>
+            </a:endParaRPr>
+          </a:p>
+        </p:txBody>
+      </p:sp>
+      <p:cxnSp>
+        <p:nvCxnSpPr>
+          <p:cNvPr id="3" name="Conector recto de flecha 2">
+            <a:extLst>
+              <a:ext uri="{FF2B5EF4-FFF2-40B4-BE49-F238E27FC236}">
+                <a16:creationId xmlns:a16="http://schemas.microsoft.com/office/drawing/2014/main" id="{5EBC6E99-81D6-E402-C1F3-2B06ADD13C83}"/>
+              </a:ext>
+            </a:extLst>
+          </p:cNvPr>
+          <p:cNvCxnSpPr/>
+          <p:nvPr/>
+        </p:nvCxnSpPr>
+        <p:spPr>
+          <a:xfrm>
+            <a:off x="1163703" y="1881739"/>
+            <a:ext cx="9236765" cy="0"/>
+          </a:xfrm>
+          <a:prstGeom prst="straightConnector1">
+            <a:avLst/>
+          </a:prstGeom>
+          <a:ln w="76200">
+            <a:headEnd type="triangle"/>
+            <a:tailEnd type="triangle"/>
+          </a:ln>
+        </p:spPr>
+        <p:style>
+          <a:lnRef idx="1">
+            <a:schemeClr val="accent2"/>
+          </a:lnRef>
+          <a:fillRef idx="0">
+            <a:schemeClr val="accent2"/>
+          </a:fillRef>
+          <a:effectRef idx="0">
+            <a:schemeClr val="accent2"/>
+          </a:effectRef>
+          <a:fontRef idx="minor">
+            <a:schemeClr val="tx1"/>
+          </a:fontRef>
+        </p:style>
+      </p:cxnSp>
+      <p:cxnSp>
+        <p:nvCxnSpPr>
+          <p:cNvPr id="5" name="Conector recto de flecha 4">
+            <a:extLst>
+              <a:ext uri="{FF2B5EF4-FFF2-40B4-BE49-F238E27FC236}">
+                <a16:creationId xmlns:a16="http://schemas.microsoft.com/office/drawing/2014/main" id="{79E2AA7B-0C05-90F6-2742-E9A887A241AB}"/>
+              </a:ext>
+            </a:extLst>
+          </p:cNvPr>
+          <p:cNvCxnSpPr>
+            <a:cxnSpLocks/>
+          </p:cNvCxnSpPr>
+          <p:nvPr/>
+        </p:nvCxnSpPr>
+        <p:spPr>
+          <a:xfrm>
+            <a:off x="2557670" y="1157944"/>
+            <a:ext cx="0" cy="5006083"/>
+          </a:xfrm>
+          <a:prstGeom prst="straightConnector1">
+            <a:avLst/>
+          </a:prstGeom>
+          <a:ln w="76200">
+            <a:headEnd type="triangle"/>
+            <a:tailEnd type="triangle"/>
+          </a:ln>
+        </p:spPr>
+        <p:style>
+          <a:lnRef idx="1">
+            <a:schemeClr val="accent2"/>
+          </a:lnRef>
+          <a:fillRef idx="0">
+            <a:schemeClr val="accent2"/>
+          </a:fillRef>
+          <a:effectRef idx="0">
+            <a:schemeClr val="accent2"/>
+          </a:effectRef>
+          <a:fontRef idx="minor">
+            <a:schemeClr val="tx1"/>
+          </a:fontRef>
+        </p:style>
+      </p:cxnSp>
+      <p:sp>
+        <p:nvSpPr>
+          <p:cNvPr id="9" name="CuadroTexto 8">
+            <a:extLst>
+              <a:ext uri="{FF2B5EF4-FFF2-40B4-BE49-F238E27FC236}">
+                <a16:creationId xmlns:a16="http://schemas.microsoft.com/office/drawing/2014/main" id="{3CC4C91B-D1B6-4B85-0C60-474E765AA993}"/>
+              </a:ext>
+            </a:extLst>
+          </p:cNvPr>
+          <p:cNvSpPr txBox="1"/>
+          <p:nvPr/>
+        </p:nvSpPr>
+        <p:spPr>
+          <a:xfrm>
+            <a:off x="3388" y="1455582"/>
+            <a:ext cx="1789040" cy="830997"/>
+          </a:xfrm>
+          <a:prstGeom prst="rect">
+            <a:avLst/>
+          </a:prstGeom>
+          <a:noFill/>
+        </p:spPr>
+        <p:txBody>
+          <a:bodyPr wrap="square">
+            <a:spAutoFit/>
+          </a:bodyPr>
+          <a:lstStyle/>
+          <a:p>
+            <a:r>
+              <a:rPr lang="es-AR" sz="2400" dirty="0" err="1">
+                <a:solidFill>
+                  <a:schemeClr val="bg1"/>
+                </a:solidFill>
+              </a:rPr>
+              <a:t>Dataset</a:t>
+            </a:r>
+            <a:r>
+              <a:rPr lang="es-AR" sz="2400" dirty="0">
+                <a:solidFill>
+                  <a:schemeClr val="bg1"/>
+                </a:solidFill>
+              </a:rPr>
+              <a:t> pequeño </a:t>
+            </a:r>
+            <a:endParaRPr lang="es-AR" sz="2400" dirty="0"/>
+          </a:p>
+        </p:txBody>
+      </p:sp>
+      <p:sp>
+        <p:nvSpPr>
+          <p:cNvPr id="10" name="CuadroTexto 9">
+            <a:extLst>
+              <a:ext uri="{FF2B5EF4-FFF2-40B4-BE49-F238E27FC236}">
+                <a16:creationId xmlns:a16="http://schemas.microsoft.com/office/drawing/2014/main" id="{9241FF65-4241-DE52-6A64-75594F8D8931}"/>
+              </a:ext>
+            </a:extLst>
+          </p:cNvPr>
+          <p:cNvSpPr txBox="1"/>
+          <p:nvPr/>
+        </p:nvSpPr>
+        <p:spPr>
+          <a:xfrm>
+            <a:off x="10464992" y="1371031"/>
+            <a:ext cx="1689648" cy="830997"/>
+          </a:xfrm>
+          <a:prstGeom prst="rect">
+            <a:avLst/>
+          </a:prstGeom>
+          <a:noFill/>
+        </p:spPr>
+        <p:txBody>
+          <a:bodyPr wrap="square">
+            <a:spAutoFit/>
+          </a:bodyPr>
+          <a:lstStyle/>
+          <a:p>
+            <a:r>
+              <a:rPr lang="es-AR" sz="2400" dirty="0" err="1">
+                <a:solidFill>
+                  <a:schemeClr val="bg1"/>
+                </a:solidFill>
+              </a:rPr>
+              <a:t>Dataset</a:t>
+            </a:r>
+            <a:r>
+              <a:rPr lang="es-AR" sz="2400" dirty="0">
+                <a:solidFill>
+                  <a:schemeClr val="bg1"/>
+                </a:solidFill>
+              </a:rPr>
+              <a:t> grande</a:t>
+            </a:r>
+            <a:endParaRPr lang="es-AR" sz="2400" dirty="0"/>
+          </a:p>
+        </p:txBody>
+      </p:sp>
+      <p:sp>
+        <p:nvSpPr>
+          <p:cNvPr id="11" name="CuadroTexto 10">
+            <a:extLst>
+              <a:ext uri="{FF2B5EF4-FFF2-40B4-BE49-F238E27FC236}">
+                <a16:creationId xmlns:a16="http://schemas.microsoft.com/office/drawing/2014/main" id="{786610DA-0C4D-A6B8-BCDC-9E16E3D907EF}"/>
+              </a:ext>
+            </a:extLst>
+          </p:cNvPr>
+          <p:cNvSpPr txBox="1"/>
+          <p:nvPr/>
+        </p:nvSpPr>
+        <p:spPr>
+          <a:xfrm>
+            <a:off x="2441986" y="564734"/>
+            <a:ext cx="2548961" cy="830997"/>
+          </a:xfrm>
+          <a:prstGeom prst="rect">
+            <a:avLst/>
+          </a:prstGeom>
+          <a:noFill/>
+        </p:spPr>
+        <p:txBody>
+          <a:bodyPr wrap="square">
+            <a:spAutoFit/>
+          </a:bodyPr>
+          <a:lstStyle/>
+          <a:p>
+            <a:pPr algn="ctr"/>
+            <a:r>
+              <a:rPr lang="es-AR" sz="2400" dirty="0" err="1">
+                <a:solidFill>
+                  <a:schemeClr val="bg1"/>
+                </a:solidFill>
+              </a:rPr>
+              <a:t>Dataset</a:t>
+            </a:r>
+            <a:r>
+              <a:rPr lang="es-AR" sz="2400" dirty="0">
+                <a:solidFill>
+                  <a:schemeClr val="bg1"/>
+                </a:solidFill>
+              </a:rPr>
+              <a:t> semejante al </a:t>
+            </a:r>
+            <a:r>
+              <a:rPr lang="es-AR" sz="2400" dirty="0" err="1">
+                <a:solidFill>
+                  <a:schemeClr val="bg1"/>
+                </a:solidFill>
+              </a:rPr>
+              <a:t>generic</a:t>
+            </a:r>
+            <a:endParaRPr lang="es-AR" sz="2400" dirty="0"/>
+          </a:p>
+        </p:txBody>
+      </p:sp>
+      <p:sp>
+        <p:nvSpPr>
+          <p:cNvPr id="13" name="CuadroTexto 12">
+            <a:extLst>
+              <a:ext uri="{FF2B5EF4-FFF2-40B4-BE49-F238E27FC236}">
+                <a16:creationId xmlns:a16="http://schemas.microsoft.com/office/drawing/2014/main" id="{7CEE8649-6685-48ED-332D-9CAB11E68EEF}"/>
+              </a:ext>
+            </a:extLst>
+          </p:cNvPr>
+          <p:cNvSpPr txBox="1"/>
+          <p:nvPr/>
+        </p:nvSpPr>
+        <p:spPr>
+          <a:xfrm>
+            <a:off x="2303179" y="6027003"/>
+            <a:ext cx="2198343" cy="830997"/>
+          </a:xfrm>
+          <a:prstGeom prst="rect">
+            <a:avLst/>
+          </a:prstGeom>
+          <a:noFill/>
+        </p:spPr>
+        <p:txBody>
+          <a:bodyPr wrap="square">
+            <a:spAutoFit/>
+          </a:bodyPr>
+          <a:lstStyle/>
+          <a:p>
+            <a:pPr algn="ctr"/>
+            <a:r>
+              <a:rPr lang="es-AR" sz="2400" dirty="0" err="1">
+                <a:solidFill>
+                  <a:schemeClr val="bg1"/>
+                </a:solidFill>
+              </a:rPr>
+              <a:t>Dataset</a:t>
+            </a:r>
+            <a:r>
+              <a:rPr lang="es-AR" sz="2400" dirty="0">
+                <a:solidFill>
+                  <a:schemeClr val="bg1"/>
+                </a:solidFill>
+              </a:rPr>
+              <a:t> distinto al </a:t>
+            </a:r>
+            <a:r>
+              <a:rPr lang="es-AR" sz="2400" dirty="0" err="1">
+                <a:solidFill>
+                  <a:schemeClr val="bg1"/>
+                </a:solidFill>
+              </a:rPr>
+              <a:t>generic</a:t>
+            </a:r>
+            <a:endParaRPr lang="es-AR" sz="2400" dirty="0"/>
+          </a:p>
+        </p:txBody>
+      </p:sp>
+      <p:sp>
+        <p:nvSpPr>
+          <p:cNvPr id="21" name="CuadroTexto 20">
+            <a:extLst>
+              <a:ext uri="{FF2B5EF4-FFF2-40B4-BE49-F238E27FC236}">
+                <a16:creationId xmlns:a16="http://schemas.microsoft.com/office/drawing/2014/main" id="{E8F43549-4D83-6AA4-3046-86BFC31F5C71}"/>
+              </a:ext>
+            </a:extLst>
+          </p:cNvPr>
+          <p:cNvSpPr txBox="1"/>
+          <p:nvPr/>
+        </p:nvSpPr>
+        <p:spPr>
+          <a:xfrm>
+            <a:off x="7372042" y="4597691"/>
+            <a:ext cx="3395143" cy="646331"/>
+          </a:xfrm>
+          <a:prstGeom prst="rect">
+            <a:avLst/>
+          </a:prstGeom>
+          <a:noFill/>
+        </p:spPr>
+        <p:txBody>
+          <a:bodyPr wrap="square">
+            <a:spAutoFit/>
+          </a:bodyPr>
+          <a:lstStyle/>
+          <a:p>
+            <a:r>
+              <a:rPr lang="es-AR" sz="1800" dirty="0">
+                <a:solidFill>
+                  <a:srgbClr val="FF0000"/>
+                </a:solidFill>
+                <a:sym typeface="Wingdings" panose="05000000000000000000" pitchFamily="2" charset="2"/>
+              </a:rPr>
+              <a:t>fine </a:t>
+            </a:r>
+            <a:r>
+              <a:rPr lang="es-AR" sz="1800" dirty="0" err="1">
+                <a:solidFill>
+                  <a:srgbClr val="FF0000"/>
+                </a:solidFill>
+                <a:sym typeface="Wingdings" panose="05000000000000000000" pitchFamily="2" charset="2"/>
+              </a:rPr>
+              <a:t>tunning</a:t>
+            </a:r>
+            <a:r>
+              <a:rPr lang="es-AR" sz="1800" dirty="0">
+                <a:solidFill>
+                  <a:srgbClr val="FF0000"/>
+                </a:solidFill>
+                <a:sym typeface="Wingdings" panose="05000000000000000000" pitchFamily="2" charset="2"/>
+              </a:rPr>
+              <a:t> (</a:t>
+            </a:r>
+            <a:r>
+              <a:rPr lang="es-AR" sz="1800" dirty="0" err="1">
+                <a:solidFill>
+                  <a:srgbClr val="FF0000"/>
+                </a:solidFill>
+                <a:sym typeface="Wingdings" panose="05000000000000000000" pitchFamily="2" charset="2"/>
+              </a:rPr>
+              <a:t>from</a:t>
+            </a:r>
+            <a:r>
+              <a:rPr lang="es-AR" sz="1800" dirty="0">
+                <a:solidFill>
+                  <a:srgbClr val="FF0000"/>
+                </a:solidFill>
+                <a:sym typeface="Wingdings" panose="05000000000000000000" pitchFamily="2" charset="2"/>
+              </a:rPr>
+              <a:t> </a:t>
+            </a:r>
+            <a:r>
+              <a:rPr lang="es-AR" sz="1800" dirty="0" err="1">
+                <a:solidFill>
+                  <a:srgbClr val="FF0000"/>
+                </a:solidFill>
+                <a:sym typeface="Wingdings" panose="05000000000000000000" pitchFamily="2" charset="2"/>
+              </a:rPr>
+              <a:t>pre-trained</a:t>
+            </a:r>
+            <a:r>
+              <a:rPr lang="es-AR" sz="1800" dirty="0">
+                <a:solidFill>
+                  <a:srgbClr val="FF0000"/>
+                </a:solidFill>
+                <a:sym typeface="Wingdings" panose="05000000000000000000" pitchFamily="2" charset="2"/>
+              </a:rPr>
+              <a:t> </a:t>
+            </a:r>
+            <a:r>
+              <a:rPr lang="es-AR" sz="1800" dirty="0" err="1">
+                <a:solidFill>
+                  <a:srgbClr val="FF0000"/>
+                </a:solidFill>
+                <a:sym typeface="Wingdings" panose="05000000000000000000" pitchFamily="2" charset="2"/>
+              </a:rPr>
+              <a:t>models</a:t>
+            </a:r>
+            <a:r>
+              <a:rPr lang="es-AR" sz="1800" dirty="0">
+                <a:solidFill>
+                  <a:srgbClr val="FF0000"/>
+                </a:solidFill>
+                <a:sym typeface="Wingdings" panose="05000000000000000000" pitchFamily="2" charset="2"/>
+              </a:rPr>
+              <a:t>)</a:t>
+            </a:r>
+            <a:endParaRPr lang="es-AR" dirty="0">
+              <a:solidFill>
+                <a:srgbClr val="FF0000"/>
+              </a:solidFill>
+            </a:endParaRPr>
+          </a:p>
+        </p:txBody>
+      </p:sp>
+      <p:grpSp>
+        <p:nvGrpSpPr>
+          <p:cNvPr id="34" name="Grupo 33">
+            <a:extLst>
+              <a:ext uri="{FF2B5EF4-FFF2-40B4-BE49-F238E27FC236}">
+                <a16:creationId xmlns:a16="http://schemas.microsoft.com/office/drawing/2014/main" id="{50EC2E31-2A2E-E2D9-8E84-E39DBF3135D8}"/>
+              </a:ext>
+            </a:extLst>
+          </p:cNvPr>
+          <p:cNvGrpSpPr/>
+          <p:nvPr/>
+        </p:nvGrpSpPr>
+        <p:grpSpPr>
+          <a:xfrm>
+            <a:off x="3127532" y="2626525"/>
+            <a:ext cx="3727622" cy="2947871"/>
+            <a:chOff x="989692" y="2516687"/>
+            <a:chExt cx="4698135" cy="3999474"/>
+          </a:xfrm>
+        </p:grpSpPr>
+        <p:pic>
+          <p:nvPicPr>
+            <p:cNvPr id="35" name="Picture 1">
+              <a:extLst>
+                <a:ext uri="{FF2B5EF4-FFF2-40B4-BE49-F238E27FC236}">
+                  <a16:creationId xmlns:a16="http://schemas.microsoft.com/office/drawing/2014/main" id="{07D7F926-21EF-D4A1-1719-B697983EDD9D}"/>
+                </a:ext>
+              </a:extLst>
+            </p:cNvPr>
+            <p:cNvPicPr>
+              <a:picLocks noChangeAspect="1"/>
+            </p:cNvPicPr>
+            <p:nvPr/>
+          </p:nvPicPr>
+          <p:blipFill>
+            <a:blip r:embed="rId2" cstate="print">
+              <a:extLst>
+                <a:ext uri="{28A0092B-C50C-407E-A947-70E740481C1C}">
+                  <a14:useLocalDpi xmlns:a14="http://schemas.microsoft.com/office/drawing/2010/main" val="0"/>
+                </a:ext>
+              </a:extLst>
+            </a:blip>
+            <a:stretch>
+              <a:fillRect/>
+            </a:stretch>
+          </p:blipFill>
+          <p:spPr>
+            <a:xfrm>
+              <a:off x="989692" y="2516687"/>
+              <a:ext cx="4698135" cy="3107773"/>
+            </a:xfrm>
+            <a:prstGeom prst="rect">
+              <a:avLst/>
+            </a:prstGeom>
+          </p:spPr>
+        </p:pic>
+        <p:sp>
+          <p:nvSpPr>
+            <p:cNvPr id="36" name="Abrir llave 35">
+              <a:extLst>
+                <a:ext uri="{FF2B5EF4-FFF2-40B4-BE49-F238E27FC236}">
+                  <a16:creationId xmlns:a16="http://schemas.microsoft.com/office/drawing/2014/main" id="{46F80C90-9CC8-14A9-77A3-F86B90B9C29F}"/>
+                </a:ext>
+              </a:extLst>
+            </p:cNvPr>
+            <p:cNvSpPr/>
+            <p:nvPr/>
+          </p:nvSpPr>
+          <p:spPr>
+            <a:xfrm rot="16200000">
+              <a:off x="3115799" y="4850874"/>
+              <a:ext cx="466924" cy="1861478"/>
+            </a:xfrm>
+            <a:prstGeom prst="leftBrace">
+              <a:avLst/>
+            </a:prstGeom>
+            <a:ln>
+              <a:solidFill>
+                <a:srgbClr val="FF0000"/>
+              </a:solidFill>
+            </a:ln>
+          </p:spPr>
+          <p:style>
+            <a:lnRef idx="3">
+              <a:schemeClr val="accent3"/>
+            </a:lnRef>
+            <a:fillRef idx="0">
+              <a:schemeClr val="accent3"/>
+            </a:fillRef>
+            <a:effectRef idx="2">
+              <a:schemeClr val="accent3"/>
+            </a:effectRef>
+            <a:fontRef idx="minor">
+              <a:schemeClr val="tx1"/>
+            </a:fontRef>
+          </p:style>
+          <p:txBody>
+            <a:bodyPr rtlCol="0" anchor="ctr"/>
+            <a:lstStyle/>
+            <a:p>
+              <a:pPr algn="ctr"/>
+              <a:endParaRPr lang="es-AR"/>
+            </a:p>
+          </p:txBody>
+        </p:sp>
+        <p:sp>
+          <p:nvSpPr>
+            <p:cNvPr id="37" name="CuadroTexto 36">
+              <a:extLst>
+                <a:ext uri="{FF2B5EF4-FFF2-40B4-BE49-F238E27FC236}">
+                  <a16:creationId xmlns:a16="http://schemas.microsoft.com/office/drawing/2014/main" id="{149CAEF8-DFA3-250B-CA28-0ACF027BA330}"/>
+                </a:ext>
+              </a:extLst>
+            </p:cNvPr>
+            <p:cNvSpPr txBox="1"/>
+            <p:nvPr/>
+          </p:nvSpPr>
+          <p:spPr>
+            <a:xfrm>
+              <a:off x="2763762" y="6015076"/>
+              <a:ext cx="2095092" cy="501085"/>
+            </a:xfrm>
+            <a:prstGeom prst="rect">
+              <a:avLst/>
+            </a:prstGeom>
+            <a:noFill/>
+          </p:spPr>
+          <p:txBody>
+            <a:bodyPr wrap="square">
+              <a:spAutoFit/>
+            </a:bodyPr>
+            <a:lstStyle/>
+            <a:p>
+              <a:r>
+                <a:rPr lang="es-AR" dirty="0">
+                  <a:solidFill>
+                    <a:srgbClr val="FF0000"/>
+                  </a:solidFill>
+                </a:rPr>
+                <a:t>entrenar</a:t>
+              </a:r>
+            </a:p>
+          </p:txBody>
+        </p:sp>
+      </p:grpSp>
+      <p:pic>
+        <p:nvPicPr>
+          <p:cNvPr id="39" name="Imagen 38" descr="Imagen que contiene Gráfico de líneas&#10;&#10;Descripción generada automáticamente">
+            <a:extLst>
+              <a:ext uri="{FF2B5EF4-FFF2-40B4-BE49-F238E27FC236}">
+                <a16:creationId xmlns:a16="http://schemas.microsoft.com/office/drawing/2014/main" id="{CA4E3869-5994-DB70-6479-C3774F3DBEEE}"/>
+              </a:ext>
+            </a:extLst>
+          </p:cNvPr>
+          <p:cNvPicPr>
+            <a:picLocks noChangeAspect="1"/>
+          </p:cNvPicPr>
+          <p:nvPr/>
+        </p:nvPicPr>
+        <p:blipFill rotWithShape="1">
+          <a:blip r:embed="rId3">
+            <a:extLst>
+              <a:ext uri="{28A0092B-C50C-407E-A947-70E740481C1C}">
+                <a14:useLocalDpi xmlns:a14="http://schemas.microsoft.com/office/drawing/2010/main" val="0"/>
+              </a:ext>
+            </a:extLst>
+          </a:blip>
+          <a:srcRect l="21184" r="25224"/>
+          <a:stretch/>
+        </p:blipFill>
+        <p:spPr>
+          <a:xfrm>
+            <a:off x="8174879" y="2835921"/>
+            <a:ext cx="2770795" cy="1820052"/>
+          </a:xfrm>
+          <a:prstGeom prst="rect">
+            <a:avLst/>
+          </a:prstGeom>
+        </p:spPr>
+      </p:pic>
+      <p:cxnSp>
+        <p:nvCxnSpPr>
+          <p:cNvPr id="41" name="Conector recto 40">
+            <a:extLst>
+              <a:ext uri="{FF2B5EF4-FFF2-40B4-BE49-F238E27FC236}">
+                <a16:creationId xmlns:a16="http://schemas.microsoft.com/office/drawing/2014/main" id="{2305497B-CEE7-1195-8B1E-AB4A2C35B986}"/>
+              </a:ext>
+            </a:extLst>
+          </p:cNvPr>
+          <p:cNvCxnSpPr>
+            <a:cxnSpLocks/>
+          </p:cNvCxnSpPr>
+          <p:nvPr/>
+        </p:nvCxnSpPr>
+        <p:spPr>
+          <a:xfrm>
+            <a:off x="8933240" y="3429000"/>
+            <a:ext cx="0" cy="866346"/>
+          </a:xfrm>
+          <a:prstGeom prst="line">
+            <a:avLst/>
+          </a:prstGeom>
+          <a:ln w="28575"/>
+        </p:spPr>
+        <p:style>
+          <a:lnRef idx="1">
+            <a:schemeClr val="accent2"/>
+          </a:lnRef>
+          <a:fillRef idx="0">
+            <a:schemeClr val="accent2"/>
+          </a:fillRef>
+          <a:effectRef idx="0">
+            <a:schemeClr val="accent2"/>
+          </a:effectRef>
+          <a:fontRef idx="minor">
+            <a:schemeClr val="tx1"/>
+          </a:fontRef>
+        </p:style>
+      </p:cxnSp>
+      <p:sp>
+        <p:nvSpPr>
+          <p:cNvPr id="7" name="CuadroTexto 6">
+            <a:extLst>
+              <a:ext uri="{FF2B5EF4-FFF2-40B4-BE49-F238E27FC236}">
+                <a16:creationId xmlns:a16="http://schemas.microsoft.com/office/drawing/2014/main" id="{700844DC-699E-EFA9-F8E4-7446F1ED942C}"/>
+              </a:ext>
+            </a:extLst>
+          </p:cNvPr>
+          <p:cNvSpPr txBox="1"/>
+          <p:nvPr/>
+        </p:nvSpPr>
+        <p:spPr>
+          <a:xfrm>
+            <a:off x="7663144" y="5517696"/>
+            <a:ext cx="4267566" cy="646331"/>
+          </a:xfrm>
+          <a:prstGeom prst="rect">
+            <a:avLst/>
+          </a:prstGeom>
+          <a:noFill/>
+        </p:spPr>
+        <p:txBody>
+          <a:bodyPr wrap="square">
+            <a:spAutoFit/>
+          </a:bodyPr>
+          <a:lstStyle>
+            <a:defPPr>
+              <a:defRPr lang="es-AR"/>
+            </a:defPPr>
+            <a:lvl1pPr>
+              <a:defRPr>
+                <a:solidFill>
+                  <a:srgbClr val="FF0000"/>
+                </a:solidFill>
+              </a:defRPr>
+            </a:lvl1pPr>
+          </a:lstStyle>
+          <a:p>
+            <a:r>
+              <a:rPr lang="es-AR" dirty="0"/>
+              <a:t>https://pytorch.org/blog/introducing-torchvision-new-multi-weight-support-api/</a:t>
+            </a:r>
+          </a:p>
+        </p:txBody>
+      </p:sp>
+    </p:spTree>
+    <p:extLst>
+      <p:ext uri="{BB962C8B-B14F-4D97-AF65-F5344CB8AC3E}">
+        <p14:creationId xmlns:p14="http://schemas.microsoft.com/office/powerpoint/2010/main" val="2561978675"/>
+      </p:ext>
+    </p:extLst>
+  </p:cSld>
+  <p:clrMapOvr>
+    <a:masterClrMapping/>
+  </p:clrMapOvr>
+</p:sld>
+</file>
+
+<file path=ppt/slides/slide9.xml><?xml version="1.0" encoding="utf-8"?>
 <p:sld xmlns:a="http://schemas.openxmlformats.org/drawingml/2006/main" xmlns:r="http://schemas.openxmlformats.org/officeDocument/2006/relationships" xmlns:p="http://schemas.openxmlformats.org/presentationml/2006/main">
   <p:cSld>
     <p:spTree>
@@ -27890,8 +29429,8 @@
         </p:nvSpPr>
         <p:spPr>
           <a:xfrm>
-            <a:off x="2997341" y="6173693"/>
-            <a:ext cx="1427894" cy="409790"/>
+            <a:off x="3335374" y="6173693"/>
+            <a:ext cx="1427894" cy="369332"/>
           </a:xfrm>
           <a:prstGeom prst="rect">
             <a:avLst/>
@@ -27910,50 +29449,11 @@
                   <a:srgbClr val="FF0000"/>
                 </a:solidFill>
               </a:rPr>
-              <a:t>reentrenar</a:t>
+              <a:t>entrenar</a:t>
             </a:r>
           </a:p>
         </p:txBody>
       </p:sp>
-      <p:cxnSp>
-        <p:nvCxnSpPr>
-          <p:cNvPr id="41" name="Conector recto 40">
-            <a:extLst>
-              <a:ext uri="{FF2B5EF4-FFF2-40B4-BE49-F238E27FC236}">
-                <a16:creationId xmlns:a16="http://schemas.microsoft.com/office/drawing/2014/main" id="{2305497B-CEE7-1195-8B1E-AB4A2C35B986}"/>
-              </a:ext>
-            </a:extLst>
-          </p:cNvPr>
-          <p:cNvCxnSpPr>
-            <a:cxnSpLocks/>
-          </p:cNvCxnSpPr>
-          <p:nvPr/>
-        </p:nvCxnSpPr>
-        <p:spPr>
-          <a:xfrm>
-            <a:off x="10455965" y="4810539"/>
-            <a:ext cx="0" cy="726622"/>
-          </a:xfrm>
-          <a:prstGeom prst="line">
-            <a:avLst/>
-          </a:prstGeom>
-          <a:ln w="28575"/>
-        </p:spPr>
-        <p:style>
-          <a:lnRef idx="1">
-            <a:schemeClr val="accent2"/>
-          </a:lnRef>
-          <a:fillRef idx="0">
-            <a:schemeClr val="accent2"/>
-          </a:fillRef>
-          <a:effectRef idx="0">
-            <a:schemeClr val="accent2"/>
-          </a:effectRef>
-          <a:fontRef idx="minor">
-            <a:schemeClr val="tx1"/>
-          </a:fontRef>
-        </p:style>
-      </p:cxnSp>
       <p:sp>
         <p:nvSpPr>
           <p:cNvPr id="6" name="CuadroTexto 5">
@@ -28036,945 +29536,6 @@
     <p:extLst>
       <p:ext uri="{BB962C8B-B14F-4D97-AF65-F5344CB8AC3E}">
         <p14:creationId xmlns:p14="http://schemas.microsoft.com/office/powerpoint/2010/main" val="1900095533"/>
-      </p:ext>
-    </p:extLst>
-  </p:cSld>
-  <p:clrMapOvr>
-    <a:masterClrMapping/>
-  </p:clrMapOvr>
-</p:sld>
-</file>
-
-<file path=ppt/slides/slide9.xml><?xml version="1.0" encoding="utf-8"?>
-<p:sld xmlns:a="http://schemas.openxmlformats.org/drawingml/2006/main" xmlns:r="http://schemas.openxmlformats.org/officeDocument/2006/relationships" xmlns:p="http://schemas.openxmlformats.org/presentationml/2006/main">
-  <p:cSld>
-    <p:spTree>
-      <p:nvGrpSpPr>
-        <p:cNvPr id="1" name=""/>
-        <p:cNvGrpSpPr/>
-        <p:nvPr/>
-      </p:nvGrpSpPr>
-      <p:grpSpPr>
-        <a:xfrm>
-          <a:off x="0" y="0"/>
-          <a:ext cx="0" cy="0"/>
-          <a:chOff x="0" y="0"/>
-          <a:chExt cx="0" cy="0"/>
-        </a:xfrm>
-      </p:grpSpPr>
-      <p:sp>
-        <p:nvSpPr>
-          <p:cNvPr id="4" name="Subtitle 1"/>
-          <p:cNvSpPr txBox="1">
-            <a:spLocks/>
-          </p:cNvSpPr>
-          <p:nvPr/>
-        </p:nvSpPr>
-        <p:spPr>
-          <a:xfrm>
-            <a:off x="-159657" y="0"/>
-            <a:ext cx="12511314" cy="1085871"/>
-          </a:xfrm>
-          <a:prstGeom prst="rect">
-            <a:avLst/>
-          </a:prstGeom>
-        </p:spPr>
-        <p:txBody>
-          <a:bodyPr vert="horz" lIns="91440" tIns="45720" rIns="91440" bIns="45720" rtlCol="0">
-            <a:noAutofit/>
-          </a:bodyPr>
-          <a:lstStyle>
-            <a:lvl1pPr marL="228600" indent="-228600" algn="l" defTabSz="914400" rtl="0" eaLnBrk="1" latinLnBrk="0" hangingPunct="1">
-              <a:lnSpc>
-                <a:spcPct val="120000"/>
-              </a:lnSpc>
-              <a:spcBef>
-                <a:spcPts val="1000"/>
-              </a:spcBef>
-              <a:buSzPct val="125000"/>
-              <a:buFont typeface="Arial" panose="020B0604020202020204" pitchFamily="34" charset="0"/>
-              <a:buChar char="•"/>
-              <a:defRPr sz="2400" kern="1200">
-                <a:solidFill>
-                  <a:schemeClr val="tx1"/>
-                </a:solidFill>
-                <a:latin typeface="+mn-lt"/>
-                <a:ea typeface="+mn-ea"/>
-                <a:cs typeface="+mn-cs"/>
-              </a:defRPr>
-            </a:lvl1pPr>
-            <a:lvl2pPr marL="685800" indent="-228600" algn="l" defTabSz="914400" rtl="0" eaLnBrk="1" latinLnBrk="0" hangingPunct="1">
-              <a:lnSpc>
-                <a:spcPct val="120000"/>
-              </a:lnSpc>
-              <a:spcBef>
-                <a:spcPts val="500"/>
-              </a:spcBef>
-              <a:buSzPct val="125000"/>
-              <a:buFont typeface="Arial" panose="020B0604020202020204" pitchFamily="34" charset="0"/>
-              <a:buChar char="•"/>
-              <a:defRPr sz="2000" kern="1200">
-                <a:solidFill>
-                  <a:schemeClr val="tx1"/>
-                </a:solidFill>
-                <a:latin typeface="+mn-lt"/>
-                <a:ea typeface="+mn-ea"/>
-                <a:cs typeface="+mn-cs"/>
-              </a:defRPr>
-            </a:lvl2pPr>
-            <a:lvl3pPr marL="1143000" indent="-228600" algn="l" defTabSz="914400" rtl="0" eaLnBrk="1" latinLnBrk="0" hangingPunct="1">
-              <a:lnSpc>
-                <a:spcPct val="120000"/>
-              </a:lnSpc>
-              <a:spcBef>
-                <a:spcPts val="500"/>
-              </a:spcBef>
-              <a:buSzPct val="125000"/>
-              <a:buFont typeface="Arial" panose="020B0604020202020204" pitchFamily="34" charset="0"/>
-              <a:buChar char="•"/>
-              <a:defRPr sz="1800" kern="1200">
-                <a:solidFill>
-                  <a:schemeClr val="tx1"/>
-                </a:solidFill>
-                <a:latin typeface="+mn-lt"/>
-                <a:ea typeface="+mn-ea"/>
-                <a:cs typeface="+mn-cs"/>
-              </a:defRPr>
-            </a:lvl3pPr>
-            <a:lvl4pPr marL="1600200" indent="-228600" algn="l" defTabSz="914400" rtl="0" eaLnBrk="1" latinLnBrk="0" hangingPunct="1">
-              <a:lnSpc>
-                <a:spcPct val="120000"/>
-              </a:lnSpc>
-              <a:spcBef>
-                <a:spcPts val="500"/>
-              </a:spcBef>
-              <a:buSzPct val="125000"/>
-              <a:buFont typeface="Arial" panose="020B0604020202020204" pitchFamily="34" charset="0"/>
-              <a:buChar char="•"/>
-              <a:defRPr sz="1600" kern="1200">
-                <a:solidFill>
-                  <a:schemeClr val="tx1"/>
-                </a:solidFill>
-                <a:latin typeface="+mn-lt"/>
-                <a:ea typeface="+mn-ea"/>
-                <a:cs typeface="+mn-cs"/>
-              </a:defRPr>
-            </a:lvl4pPr>
-            <a:lvl5pPr marL="2057400" indent="-228600" algn="l" defTabSz="914400" rtl="0" eaLnBrk="1" latinLnBrk="0" hangingPunct="1">
-              <a:lnSpc>
-                <a:spcPct val="120000"/>
-              </a:lnSpc>
-              <a:spcBef>
-                <a:spcPts val="500"/>
-              </a:spcBef>
-              <a:buSzPct val="125000"/>
-              <a:buFont typeface="Arial" panose="020B0604020202020204" pitchFamily="34" charset="0"/>
-              <a:buChar char="•"/>
-              <a:defRPr sz="1600" kern="1200">
-                <a:solidFill>
-                  <a:schemeClr val="tx1"/>
-                </a:solidFill>
-                <a:latin typeface="+mn-lt"/>
-                <a:ea typeface="+mn-ea"/>
-                <a:cs typeface="+mn-cs"/>
-              </a:defRPr>
-            </a:lvl5pPr>
-            <a:lvl6pPr marL="2514600" indent="-228600" algn="l" defTabSz="914400" rtl="0" eaLnBrk="1" latinLnBrk="0" hangingPunct="1">
-              <a:lnSpc>
-                <a:spcPct val="120000"/>
-              </a:lnSpc>
-              <a:spcBef>
-                <a:spcPts val="500"/>
-              </a:spcBef>
-              <a:buSzPct val="125000"/>
-              <a:buFont typeface="Arial" panose="020B0604020202020204" pitchFamily="34" charset="0"/>
-              <a:buChar char="•"/>
-              <a:defRPr sz="1400" kern="1200">
-                <a:solidFill>
-                  <a:schemeClr val="tx1"/>
-                </a:solidFill>
-                <a:latin typeface="+mn-lt"/>
-                <a:ea typeface="+mn-ea"/>
-                <a:cs typeface="+mn-cs"/>
-              </a:defRPr>
-            </a:lvl6pPr>
-            <a:lvl7pPr marL="2971800" indent="-228600" algn="l" defTabSz="914400" rtl="0" eaLnBrk="1" latinLnBrk="0" hangingPunct="1">
-              <a:lnSpc>
-                <a:spcPct val="120000"/>
-              </a:lnSpc>
-              <a:spcBef>
-                <a:spcPts val="500"/>
-              </a:spcBef>
-              <a:buSzPct val="125000"/>
-              <a:buFont typeface="Arial" panose="020B0604020202020204" pitchFamily="34" charset="0"/>
-              <a:buChar char="•"/>
-              <a:defRPr sz="1400" kern="1200">
-                <a:solidFill>
-                  <a:schemeClr val="tx1"/>
-                </a:solidFill>
-                <a:latin typeface="+mn-lt"/>
-                <a:ea typeface="+mn-ea"/>
-                <a:cs typeface="+mn-cs"/>
-              </a:defRPr>
-            </a:lvl7pPr>
-            <a:lvl8pPr marL="3429000" indent="-228600" algn="l" defTabSz="914400" rtl="0" eaLnBrk="1" latinLnBrk="0" hangingPunct="1">
-              <a:lnSpc>
-                <a:spcPct val="120000"/>
-              </a:lnSpc>
-              <a:spcBef>
-                <a:spcPts val="500"/>
-              </a:spcBef>
-              <a:buSzPct val="125000"/>
-              <a:buFont typeface="Arial" panose="020B0604020202020204" pitchFamily="34" charset="0"/>
-              <a:buChar char="•"/>
-              <a:defRPr sz="1400" kern="1200">
-                <a:solidFill>
-                  <a:schemeClr val="tx1"/>
-                </a:solidFill>
-                <a:latin typeface="+mn-lt"/>
-                <a:ea typeface="+mn-ea"/>
-                <a:cs typeface="+mn-cs"/>
-              </a:defRPr>
-            </a:lvl8pPr>
-            <a:lvl9pPr marL="3886200" indent="-228600" algn="l" defTabSz="914400" rtl="0" eaLnBrk="1" latinLnBrk="0" hangingPunct="1">
-              <a:lnSpc>
-                <a:spcPct val="120000"/>
-              </a:lnSpc>
-              <a:spcBef>
-                <a:spcPts val="500"/>
-              </a:spcBef>
-              <a:buSzPct val="125000"/>
-              <a:buFont typeface="Arial" panose="020B0604020202020204" pitchFamily="34" charset="0"/>
-              <a:buChar char="•"/>
-              <a:defRPr sz="1400" kern="1200">
-                <a:solidFill>
-                  <a:schemeClr val="tx1"/>
-                </a:solidFill>
-                <a:latin typeface="+mn-lt"/>
-                <a:ea typeface="+mn-ea"/>
-                <a:cs typeface="+mn-cs"/>
-              </a:defRPr>
-            </a:lvl9pPr>
-          </a:lstStyle>
-          <a:p>
-            <a:pPr marL="0" indent="0" algn="ctr">
-              <a:buNone/>
-            </a:pPr>
-            <a:r>
-              <a:rPr lang="es-AR" sz="3200" dirty="0">
-                <a:solidFill>
-                  <a:schemeClr val="bg1"/>
-                </a:solidFill>
-              </a:rPr>
-              <a:t>Transfer </a:t>
-            </a:r>
-            <a:r>
-              <a:rPr lang="es-AR" sz="3200" dirty="0" err="1">
-                <a:solidFill>
-                  <a:schemeClr val="bg1"/>
-                </a:solidFill>
-              </a:rPr>
-              <a:t>Learning</a:t>
-            </a:r>
-            <a:r>
-              <a:rPr lang="es-AR" sz="3200" dirty="0">
-                <a:solidFill>
-                  <a:schemeClr val="bg1"/>
-                </a:solidFill>
-              </a:rPr>
-              <a:t> - ¿Qué estrategia usar?</a:t>
-            </a:r>
-          </a:p>
-          <a:p>
-            <a:pPr marL="0" indent="0" algn="ctr">
-              <a:buNone/>
-            </a:pPr>
-            <a:endParaRPr lang="es-AR" sz="3200" dirty="0">
-              <a:solidFill>
-                <a:schemeClr val="bg1"/>
-              </a:solidFill>
-            </a:endParaRPr>
-          </a:p>
-        </p:txBody>
-      </p:sp>
-      <p:cxnSp>
-        <p:nvCxnSpPr>
-          <p:cNvPr id="3" name="Conector recto de flecha 2">
-            <a:extLst>
-              <a:ext uri="{FF2B5EF4-FFF2-40B4-BE49-F238E27FC236}">
-                <a16:creationId xmlns:a16="http://schemas.microsoft.com/office/drawing/2014/main" id="{5EBC6E99-81D6-E402-C1F3-2B06ADD13C83}"/>
-              </a:ext>
-            </a:extLst>
-          </p:cNvPr>
-          <p:cNvCxnSpPr/>
-          <p:nvPr/>
-        </p:nvCxnSpPr>
-        <p:spPr>
-          <a:xfrm>
-            <a:off x="1163703" y="1881739"/>
-            <a:ext cx="9236765" cy="0"/>
-          </a:xfrm>
-          <a:prstGeom prst="straightConnector1">
-            <a:avLst/>
-          </a:prstGeom>
-          <a:ln w="76200">
-            <a:headEnd type="triangle"/>
-            <a:tailEnd type="triangle"/>
-          </a:ln>
-        </p:spPr>
-        <p:style>
-          <a:lnRef idx="1">
-            <a:schemeClr val="accent2"/>
-          </a:lnRef>
-          <a:fillRef idx="0">
-            <a:schemeClr val="accent2"/>
-          </a:fillRef>
-          <a:effectRef idx="0">
-            <a:schemeClr val="accent2"/>
-          </a:effectRef>
-          <a:fontRef idx="minor">
-            <a:schemeClr val="tx1"/>
-          </a:fontRef>
-        </p:style>
-      </p:cxnSp>
-      <p:cxnSp>
-        <p:nvCxnSpPr>
-          <p:cNvPr id="5" name="Conector recto de flecha 4">
-            <a:extLst>
-              <a:ext uri="{FF2B5EF4-FFF2-40B4-BE49-F238E27FC236}">
-                <a16:creationId xmlns:a16="http://schemas.microsoft.com/office/drawing/2014/main" id="{79E2AA7B-0C05-90F6-2742-E9A887A241AB}"/>
-              </a:ext>
-            </a:extLst>
-          </p:cNvPr>
-          <p:cNvCxnSpPr>
-            <a:cxnSpLocks/>
-          </p:cNvCxnSpPr>
-          <p:nvPr/>
-        </p:nvCxnSpPr>
-        <p:spPr>
-          <a:xfrm>
-            <a:off x="2557670" y="1157944"/>
-            <a:ext cx="0" cy="5006083"/>
-          </a:xfrm>
-          <a:prstGeom prst="straightConnector1">
-            <a:avLst/>
-          </a:prstGeom>
-          <a:ln w="76200">
-            <a:headEnd type="triangle"/>
-            <a:tailEnd type="triangle"/>
-          </a:ln>
-        </p:spPr>
-        <p:style>
-          <a:lnRef idx="1">
-            <a:schemeClr val="accent2"/>
-          </a:lnRef>
-          <a:fillRef idx="0">
-            <a:schemeClr val="accent2"/>
-          </a:fillRef>
-          <a:effectRef idx="0">
-            <a:schemeClr val="accent2"/>
-          </a:effectRef>
-          <a:fontRef idx="minor">
-            <a:schemeClr val="tx1"/>
-          </a:fontRef>
-        </p:style>
-      </p:cxnSp>
-      <p:sp>
-        <p:nvSpPr>
-          <p:cNvPr id="9" name="CuadroTexto 8">
-            <a:extLst>
-              <a:ext uri="{FF2B5EF4-FFF2-40B4-BE49-F238E27FC236}">
-                <a16:creationId xmlns:a16="http://schemas.microsoft.com/office/drawing/2014/main" id="{3CC4C91B-D1B6-4B85-0C60-474E765AA993}"/>
-              </a:ext>
-            </a:extLst>
-          </p:cNvPr>
-          <p:cNvSpPr txBox="1"/>
-          <p:nvPr/>
-        </p:nvSpPr>
-        <p:spPr>
-          <a:xfrm>
-            <a:off x="3388" y="1455582"/>
-            <a:ext cx="1789040" cy="830997"/>
-          </a:xfrm>
-          <a:prstGeom prst="rect">
-            <a:avLst/>
-          </a:prstGeom>
-          <a:noFill/>
-        </p:spPr>
-        <p:txBody>
-          <a:bodyPr wrap="square">
-            <a:spAutoFit/>
-          </a:bodyPr>
-          <a:lstStyle/>
-          <a:p>
-            <a:r>
-              <a:rPr lang="es-AR" sz="2400" dirty="0" err="1">
-                <a:solidFill>
-                  <a:schemeClr val="bg1"/>
-                </a:solidFill>
-              </a:rPr>
-              <a:t>Dataset</a:t>
-            </a:r>
-            <a:r>
-              <a:rPr lang="es-AR" sz="2400" dirty="0">
-                <a:solidFill>
-                  <a:schemeClr val="bg1"/>
-                </a:solidFill>
-              </a:rPr>
-              <a:t> pequeño </a:t>
-            </a:r>
-            <a:endParaRPr lang="es-AR" sz="2400" dirty="0"/>
-          </a:p>
-        </p:txBody>
-      </p:sp>
-      <p:sp>
-        <p:nvSpPr>
-          <p:cNvPr id="10" name="CuadroTexto 9">
-            <a:extLst>
-              <a:ext uri="{FF2B5EF4-FFF2-40B4-BE49-F238E27FC236}">
-                <a16:creationId xmlns:a16="http://schemas.microsoft.com/office/drawing/2014/main" id="{9241FF65-4241-DE52-6A64-75594F8D8931}"/>
-              </a:ext>
-            </a:extLst>
-          </p:cNvPr>
-          <p:cNvSpPr txBox="1"/>
-          <p:nvPr/>
-        </p:nvSpPr>
-        <p:spPr>
-          <a:xfrm>
-            <a:off x="10464992" y="1371031"/>
-            <a:ext cx="1689648" cy="830997"/>
-          </a:xfrm>
-          <a:prstGeom prst="rect">
-            <a:avLst/>
-          </a:prstGeom>
-          <a:noFill/>
-        </p:spPr>
-        <p:txBody>
-          <a:bodyPr wrap="square">
-            <a:spAutoFit/>
-          </a:bodyPr>
-          <a:lstStyle/>
-          <a:p>
-            <a:r>
-              <a:rPr lang="es-AR" sz="2400" dirty="0" err="1">
-                <a:solidFill>
-                  <a:schemeClr val="bg1"/>
-                </a:solidFill>
-              </a:rPr>
-              <a:t>Dataset</a:t>
-            </a:r>
-            <a:r>
-              <a:rPr lang="es-AR" sz="2400" dirty="0">
-                <a:solidFill>
-                  <a:schemeClr val="bg1"/>
-                </a:solidFill>
-              </a:rPr>
-              <a:t> grande</a:t>
-            </a:r>
-            <a:endParaRPr lang="es-AR" sz="2400" dirty="0"/>
-          </a:p>
-        </p:txBody>
-      </p:sp>
-      <p:sp>
-        <p:nvSpPr>
-          <p:cNvPr id="11" name="CuadroTexto 10">
-            <a:extLst>
-              <a:ext uri="{FF2B5EF4-FFF2-40B4-BE49-F238E27FC236}">
-                <a16:creationId xmlns:a16="http://schemas.microsoft.com/office/drawing/2014/main" id="{786610DA-0C4D-A6B8-BCDC-9E16E3D907EF}"/>
-              </a:ext>
-            </a:extLst>
-          </p:cNvPr>
-          <p:cNvSpPr txBox="1"/>
-          <p:nvPr/>
-        </p:nvSpPr>
-        <p:spPr>
-          <a:xfrm>
-            <a:off x="2441986" y="564734"/>
-            <a:ext cx="2548961" cy="830997"/>
-          </a:xfrm>
-          <a:prstGeom prst="rect">
-            <a:avLst/>
-          </a:prstGeom>
-          <a:noFill/>
-        </p:spPr>
-        <p:txBody>
-          <a:bodyPr wrap="square">
-            <a:spAutoFit/>
-          </a:bodyPr>
-          <a:lstStyle/>
-          <a:p>
-            <a:pPr algn="ctr"/>
-            <a:r>
-              <a:rPr lang="es-AR" sz="2400" dirty="0" err="1">
-                <a:solidFill>
-                  <a:schemeClr val="bg1"/>
-                </a:solidFill>
-              </a:rPr>
-              <a:t>Dataset</a:t>
-            </a:r>
-            <a:r>
-              <a:rPr lang="es-AR" sz="2400" dirty="0">
-                <a:solidFill>
-                  <a:schemeClr val="bg1"/>
-                </a:solidFill>
-              </a:rPr>
-              <a:t> semejante al </a:t>
-            </a:r>
-            <a:r>
-              <a:rPr lang="es-AR" sz="2400" dirty="0" err="1">
-                <a:solidFill>
-                  <a:schemeClr val="bg1"/>
-                </a:solidFill>
-              </a:rPr>
-              <a:t>generic</a:t>
-            </a:r>
-            <a:endParaRPr lang="es-AR" sz="2400" dirty="0"/>
-          </a:p>
-        </p:txBody>
-      </p:sp>
-      <p:sp>
-        <p:nvSpPr>
-          <p:cNvPr id="13" name="CuadroTexto 12">
-            <a:extLst>
-              <a:ext uri="{FF2B5EF4-FFF2-40B4-BE49-F238E27FC236}">
-                <a16:creationId xmlns:a16="http://schemas.microsoft.com/office/drawing/2014/main" id="{7CEE8649-6685-48ED-332D-9CAB11E68EEF}"/>
-              </a:ext>
-            </a:extLst>
-          </p:cNvPr>
-          <p:cNvSpPr txBox="1"/>
-          <p:nvPr/>
-        </p:nvSpPr>
-        <p:spPr>
-          <a:xfrm>
-            <a:off x="2303179" y="6027003"/>
-            <a:ext cx="2198343" cy="830997"/>
-          </a:xfrm>
-          <a:prstGeom prst="rect">
-            <a:avLst/>
-          </a:prstGeom>
-          <a:noFill/>
-        </p:spPr>
-        <p:txBody>
-          <a:bodyPr wrap="square">
-            <a:spAutoFit/>
-          </a:bodyPr>
-          <a:lstStyle/>
-          <a:p>
-            <a:pPr algn="ctr"/>
-            <a:r>
-              <a:rPr lang="es-AR" sz="2400" dirty="0" err="1">
-                <a:solidFill>
-                  <a:schemeClr val="bg1"/>
-                </a:solidFill>
-              </a:rPr>
-              <a:t>Dataset</a:t>
-            </a:r>
-            <a:r>
-              <a:rPr lang="es-AR" sz="2400" dirty="0">
-                <a:solidFill>
-                  <a:schemeClr val="bg1"/>
-                </a:solidFill>
-              </a:rPr>
-              <a:t> distinto al </a:t>
-            </a:r>
-            <a:r>
-              <a:rPr lang="es-AR" sz="2400" dirty="0" err="1">
-                <a:solidFill>
-                  <a:schemeClr val="bg1"/>
-                </a:solidFill>
-              </a:rPr>
-              <a:t>generic</a:t>
-            </a:r>
-            <a:endParaRPr lang="es-AR" sz="2400" dirty="0"/>
-          </a:p>
-        </p:txBody>
-      </p:sp>
-      <p:sp>
-        <p:nvSpPr>
-          <p:cNvPr id="21" name="CuadroTexto 20">
-            <a:extLst>
-              <a:ext uri="{FF2B5EF4-FFF2-40B4-BE49-F238E27FC236}">
-                <a16:creationId xmlns:a16="http://schemas.microsoft.com/office/drawing/2014/main" id="{E8F43549-4D83-6AA4-3046-86BFC31F5C71}"/>
-              </a:ext>
-            </a:extLst>
-          </p:cNvPr>
-          <p:cNvSpPr txBox="1"/>
-          <p:nvPr/>
-        </p:nvSpPr>
-        <p:spPr>
-          <a:xfrm>
-            <a:off x="7372042" y="4597691"/>
-            <a:ext cx="3395143" cy="646331"/>
-          </a:xfrm>
-          <a:prstGeom prst="rect">
-            <a:avLst/>
-          </a:prstGeom>
-          <a:noFill/>
-        </p:spPr>
-        <p:txBody>
-          <a:bodyPr wrap="square">
-            <a:spAutoFit/>
-          </a:bodyPr>
-          <a:lstStyle/>
-          <a:p>
-            <a:r>
-              <a:rPr lang="es-AR" sz="1800" dirty="0">
-                <a:solidFill>
-                  <a:srgbClr val="FF0000"/>
-                </a:solidFill>
-                <a:sym typeface="Wingdings" panose="05000000000000000000" pitchFamily="2" charset="2"/>
-              </a:rPr>
-              <a:t>fine </a:t>
-            </a:r>
-            <a:r>
-              <a:rPr lang="es-AR" sz="1800" dirty="0" err="1">
-                <a:solidFill>
-                  <a:srgbClr val="FF0000"/>
-                </a:solidFill>
-                <a:sym typeface="Wingdings" panose="05000000000000000000" pitchFamily="2" charset="2"/>
-              </a:rPr>
-              <a:t>tunning</a:t>
-            </a:r>
-            <a:r>
-              <a:rPr lang="es-AR" sz="1800" dirty="0">
-                <a:solidFill>
-                  <a:srgbClr val="FF0000"/>
-                </a:solidFill>
-                <a:sym typeface="Wingdings" panose="05000000000000000000" pitchFamily="2" charset="2"/>
-              </a:rPr>
-              <a:t> (</a:t>
-            </a:r>
-            <a:r>
-              <a:rPr lang="es-AR" sz="1800" dirty="0" err="1">
-                <a:solidFill>
-                  <a:srgbClr val="FF0000"/>
-                </a:solidFill>
-                <a:sym typeface="Wingdings" panose="05000000000000000000" pitchFamily="2" charset="2"/>
-              </a:rPr>
-              <a:t>from</a:t>
-            </a:r>
-            <a:r>
-              <a:rPr lang="es-AR" sz="1800" dirty="0">
-                <a:solidFill>
-                  <a:srgbClr val="FF0000"/>
-                </a:solidFill>
-                <a:sym typeface="Wingdings" panose="05000000000000000000" pitchFamily="2" charset="2"/>
-              </a:rPr>
-              <a:t> </a:t>
-            </a:r>
-            <a:r>
-              <a:rPr lang="es-AR" sz="1800" dirty="0" err="1">
-                <a:solidFill>
-                  <a:srgbClr val="FF0000"/>
-                </a:solidFill>
-                <a:sym typeface="Wingdings" panose="05000000000000000000" pitchFamily="2" charset="2"/>
-              </a:rPr>
-              <a:t>pre-trained</a:t>
-            </a:r>
-            <a:r>
-              <a:rPr lang="es-AR" sz="1800" dirty="0">
-                <a:solidFill>
-                  <a:srgbClr val="FF0000"/>
-                </a:solidFill>
-                <a:sym typeface="Wingdings" panose="05000000000000000000" pitchFamily="2" charset="2"/>
-              </a:rPr>
-              <a:t> </a:t>
-            </a:r>
-            <a:r>
-              <a:rPr lang="es-AR" sz="1800" dirty="0" err="1">
-                <a:solidFill>
-                  <a:srgbClr val="FF0000"/>
-                </a:solidFill>
-                <a:sym typeface="Wingdings" panose="05000000000000000000" pitchFamily="2" charset="2"/>
-              </a:rPr>
-              <a:t>models</a:t>
-            </a:r>
-            <a:r>
-              <a:rPr lang="es-AR" sz="1800" dirty="0">
-                <a:solidFill>
-                  <a:srgbClr val="FF0000"/>
-                </a:solidFill>
-                <a:sym typeface="Wingdings" panose="05000000000000000000" pitchFamily="2" charset="2"/>
-              </a:rPr>
-              <a:t>)</a:t>
-            </a:r>
-            <a:endParaRPr lang="es-AR" dirty="0">
-              <a:solidFill>
-                <a:srgbClr val="FF0000"/>
-              </a:solidFill>
-            </a:endParaRPr>
-          </a:p>
-        </p:txBody>
-      </p:sp>
-      <p:grpSp>
-        <p:nvGrpSpPr>
-          <p:cNvPr id="34" name="Grupo 33">
-            <a:extLst>
-              <a:ext uri="{FF2B5EF4-FFF2-40B4-BE49-F238E27FC236}">
-                <a16:creationId xmlns:a16="http://schemas.microsoft.com/office/drawing/2014/main" id="{50EC2E31-2A2E-E2D9-8E84-E39DBF3135D8}"/>
-              </a:ext>
-            </a:extLst>
-          </p:cNvPr>
-          <p:cNvGrpSpPr/>
-          <p:nvPr/>
-        </p:nvGrpSpPr>
-        <p:grpSpPr>
-          <a:xfrm>
-            <a:off x="3127532" y="2626525"/>
-            <a:ext cx="3727622" cy="3018891"/>
-            <a:chOff x="989692" y="2516687"/>
-            <a:chExt cx="4698135" cy="4095829"/>
-          </a:xfrm>
-        </p:grpSpPr>
-        <p:pic>
-          <p:nvPicPr>
-            <p:cNvPr id="35" name="Picture 1">
-              <a:extLst>
-                <a:ext uri="{FF2B5EF4-FFF2-40B4-BE49-F238E27FC236}">
-                  <a16:creationId xmlns:a16="http://schemas.microsoft.com/office/drawing/2014/main" id="{07D7F926-21EF-D4A1-1719-B697983EDD9D}"/>
-                </a:ext>
-              </a:extLst>
-            </p:cNvPr>
-            <p:cNvPicPr>
-              <a:picLocks noChangeAspect="1"/>
-            </p:cNvPicPr>
-            <p:nvPr/>
-          </p:nvPicPr>
-          <p:blipFill>
-            <a:blip r:embed="rId2" cstate="print">
-              <a:extLst>
-                <a:ext uri="{28A0092B-C50C-407E-A947-70E740481C1C}">
-                  <a14:useLocalDpi xmlns:a14="http://schemas.microsoft.com/office/drawing/2010/main" val="0"/>
-                </a:ext>
-              </a:extLst>
-            </a:blip>
-            <a:stretch>
-              <a:fillRect/>
-            </a:stretch>
-          </p:blipFill>
-          <p:spPr>
-            <a:xfrm>
-              <a:off x="989692" y="2516687"/>
-              <a:ext cx="4698135" cy="3107773"/>
-            </a:xfrm>
-            <a:prstGeom prst="rect">
-              <a:avLst/>
-            </a:prstGeom>
-          </p:spPr>
-        </p:pic>
-        <p:sp>
-          <p:nvSpPr>
-            <p:cNvPr id="36" name="Abrir llave 35">
-              <a:extLst>
-                <a:ext uri="{FF2B5EF4-FFF2-40B4-BE49-F238E27FC236}">
-                  <a16:creationId xmlns:a16="http://schemas.microsoft.com/office/drawing/2014/main" id="{46F80C90-9CC8-14A9-77A3-F86B90B9C29F}"/>
-                </a:ext>
-              </a:extLst>
-            </p:cNvPr>
-            <p:cNvSpPr/>
-            <p:nvPr/>
-          </p:nvSpPr>
-          <p:spPr>
-            <a:xfrm rot="16200000">
-              <a:off x="3115799" y="4850874"/>
-              <a:ext cx="466924" cy="1861478"/>
-            </a:xfrm>
-            <a:prstGeom prst="leftBrace">
-              <a:avLst/>
-            </a:prstGeom>
-            <a:ln>
-              <a:solidFill>
-                <a:srgbClr val="FF0000"/>
-              </a:solidFill>
-            </a:ln>
-          </p:spPr>
-          <p:style>
-            <a:lnRef idx="3">
-              <a:schemeClr val="accent3"/>
-            </a:lnRef>
-            <a:fillRef idx="0">
-              <a:schemeClr val="accent3"/>
-            </a:fillRef>
-            <a:effectRef idx="2">
-              <a:schemeClr val="accent3"/>
-            </a:effectRef>
-            <a:fontRef idx="minor">
-              <a:schemeClr val="tx1"/>
-            </a:fontRef>
-          </p:style>
-          <p:txBody>
-            <a:bodyPr rtlCol="0" anchor="ctr"/>
-            <a:lstStyle/>
-            <a:p>
-              <a:pPr algn="ctr"/>
-              <a:endParaRPr lang="es-AR"/>
-            </a:p>
-          </p:txBody>
-        </p:sp>
-        <p:sp>
-          <p:nvSpPr>
-            <p:cNvPr id="37" name="CuadroTexto 36">
-              <a:extLst>
-                <a:ext uri="{FF2B5EF4-FFF2-40B4-BE49-F238E27FC236}">
-                  <a16:creationId xmlns:a16="http://schemas.microsoft.com/office/drawing/2014/main" id="{149CAEF8-DFA3-250B-CA28-0ACF027BA330}"/>
-                </a:ext>
-              </a:extLst>
-            </p:cNvPr>
-            <p:cNvSpPr txBox="1"/>
-            <p:nvPr/>
-          </p:nvSpPr>
-          <p:spPr>
-            <a:xfrm>
-              <a:off x="2763762" y="6015076"/>
-              <a:ext cx="2095092" cy="597440"/>
-            </a:xfrm>
-            <a:prstGeom prst="rect">
-              <a:avLst/>
-            </a:prstGeom>
-            <a:noFill/>
-          </p:spPr>
-          <p:txBody>
-            <a:bodyPr wrap="square">
-              <a:spAutoFit/>
-            </a:bodyPr>
-            <a:lstStyle/>
-            <a:p>
-              <a:r>
-                <a:rPr lang="es-AR" dirty="0">
-                  <a:solidFill>
-                    <a:srgbClr val="FF0000"/>
-                  </a:solidFill>
-                </a:rPr>
-                <a:t>reentrenar</a:t>
-              </a:r>
-            </a:p>
-          </p:txBody>
-        </p:sp>
-      </p:grpSp>
-      <p:pic>
-        <p:nvPicPr>
-          <p:cNvPr id="39" name="Imagen 38" descr="Imagen que contiene Gráfico de líneas&#10;&#10;Descripción generada automáticamente">
-            <a:extLst>
-              <a:ext uri="{FF2B5EF4-FFF2-40B4-BE49-F238E27FC236}">
-                <a16:creationId xmlns:a16="http://schemas.microsoft.com/office/drawing/2014/main" id="{CA4E3869-5994-DB70-6479-C3774F3DBEEE}"/>
-              </a:ext>
-            </a:extLst>
-          </p:cNvPr>
-          <p:cNvPicPr>
-            <a:picLocks noChangeAspect="1"/>
-          </p:cNvPicPr>
-          <p:nvPr/>
-        </p:nvPicPr>
-        <p:blipFill rotWithShape="1">
-          <a:blip r:embed="rId3">
-            <a:extLst>
-              <a:ext uri="{28A0092B-C50C-407E-A947-70E740481C1C}">
-                <a14:useLocalDpi xmlns:a14="http://schemas.microsoft.com/office/drawing/2010/main" val="0"/>
-              </a:ext>
-            </a:extLst>
-          </a:blip>
-          <a:srcRect l="21184" r="25224"/>
-          <a:stretch/>
-        </p:blipFill>
-        <p:spPr>
-          <a:xfrm>
-            <a:off x="8174879" y="2835921"/>
-            <a:ext cx="2770795" cy="1820052"/>
-          </a:xfrm>
-          <a:prstGeom prst="rect">
-            <a:avLst/>
-          </a:prstGeom>
-        </p:spPr>
-      </p:pic>
-      <p:cxnSp>
-        <p:nvCxnSpPr>
-          <p:cNvPr id="41" name="Conector recto 40">
-            <a:extLst>
-              <a:ext uri="{FF2B5EF4-FFF2-40B4-BE49-F238E27FC236}">
-                <a16:creationId xmlns:a16="http://schemas.microsoft.com/office/drawing/2014/main" id="{2305497B-CEE7-1195-8B1E-AB4A2C35B986}"/>
-              </a:ext>
-            </a:extLst>
-          </p:cNvPr>
-          <p:cNvCxnSpPr>
-            <a:cxnSpLocks/>
-          </p:cNvCxnSpPr>
-          <p:nvPr/>
-        </p:nvCxnSpPr>
-        <p:spPr>
-          <a:xfrm>
-            <a:off x="8933240" y="3429000"/>
-            <a:ext cx="0" cy="866346"/>
-          </a:xfrm>
-          <a:prstGeom prst="line">
-            <a:avLst/>
-          </a:prstGeom>
-          <a:ln w="28575"/>
-        </p:spPr>
-        <p:style>
-          <a:lnRef idx="1">
-            <a:schemeClr val="accent2"/>
-          </a:lnRef>
-          <a:fillRef idx="0">
-            <a:schemeClr val="accent2"/>
-          </a:fillRef>
-          <a:effectRef idx="0">
-            <a:schemeClr val="accent2"/>
-          </a:effectRef>
-          <a:fontRef idx="minor">
-            <a:schemeClr val="tx1"/>
-          </a:fontRef>
-        </p:style>
-      </p:cxnSp>
-      <p:sp>
-        <p:nvSpPr>
-          <p:cNvPr id="7" name="CuadroTexto 6">
-            <a:extLst>
-              <a:ext uri="{FF2B5EF4-FFF2-40B4-BE49-F238E27FC236}">
-                <a16:creationId xmlns:a16="http://schemas.microsoft.com/office/drawing/2014/main" id="{700844DC-699E-EFA9-F8E4-7446F1ED942C}"/>
-              </a:ext>
-            </a:extLst>
-          </p:cNvPr>
-          <p:cNvSpPr txBox="1"/>
-          <p:nvPr/>
-        </p:nvSpPr>
-        <p:spPr>
-          <a:xfrm>
-            <a:off x="7663144" y="5517696"/>
-            <a:ext cx="4267566" cy="646331"/>
-          </a:xfrm>
-          <a:prstGeom prst="rect">
-            <a:avLst/>
-          </a:prstGeom>
-          <a:noFill/>
-        </p:spPr>
-        <p:txBody>
-          <a:bodyPr wrap="square">
-            <a:spAutoFit/>
-          </a:bodyPr>
-          <a:lstStyle>
-            <a:defPPr>
-              <a:defRPr lang="es-AR"/>
-            </a:defPPr>
-            <a:lvl1pPr>
-              <a:defRPr>
-                <a:solidFill>
-                  <a:srgbClr val="FF0000"/>
-                </a:solidFill>
-              </a:defRPr>
-            </a:lvl1pPr>
-          </a:lstStyle>
-          <a:p>
-            <a:r>
-              <a:rPr lang="es-AR" dirty="0"/>
-              <a:t>https://pytorch.org/blog/introducing-torchvision-new-multi-weight-support-api/</a:t>
-            </a:r>
-          </a:p>
-        </p:txBody>
-      </p:sp>
-    </p:spTree>
-    <p:extLst>
-      <p:ext uri="{BB962C8B-B14F-4D97-AF65-F5344CB8AC3E}">
-        <p14:creationId xmlns:p14="http://schemas.microsoft.com/office/powerpoint/2010/main" val="2561978675"/>
       </p:ext>
     </p:extLst>
   </p:cSld>

--- a/clase_8/teoria/clase_8.pptx
+++ b/clase_8/teoria/clase_8.pptx
@@ -285,14 +285,163 @@
       </p15:sldGuideLst>
     </p:ext>
     <p:ext uri="GoogleSlidesCustomDataVersion2">
-      <go:slidesCustomData xmlns="" xmlns:mc="http://schemas.openxmlformats.org/markup-compatibility/2006" xmlns:mv="urn:schemas-microsoft-com:mac:vml" xmlns:c="http://schemas.openxmlformats.org/drawingml/2006/chart" xmlns:dgm="http://schemas.openxmlformats.org/drawingml/2006/diagram" xmlns:o="urn:schemas-microsoft-com:office:office" xmlns:v="urn:schemas-microsoft-com:vml" xmlns:pvml="urn:schemas-microsoft-com:office:powerpoint" xmlns:com="http://schemas.openxmlformats.org/drawingml/2006/compatibility" xmlns:p14="http://schemas.microsoft.com/office/powerpoint/2010/main" xmlns:p15="http://schemas.microsoft.com/office/powerpoint/2012/main" xmlns:ahyp="http://schemas.microsoft.com/office/drawing/2018/hyperlinkcolor" xmlns:go="http://customooxmlschemas.google.com/" r:id="rId30" roundtripDataSignature="AMtx7miTlHx5yX8y6UIlPPbgbTlcU6qf9g=="/>
+      <go:slidesCustomData xmlns:go="http://customooxmlschemas.google.com/" xmlns:ahyp="http://schemas.microsoft.com/office/drawing/2018/hyperlinkcolor" xmlns:p15="http://schemas.microsoft.com/office/powerpoint/2012/main" xmlns:p14="http://schemas.microsoft.com/office/powerpoint/2010/main" xmlns:com="http://schemas.openxmlformats.org/drawingml/2006/compatibility" xmlns:pvml="urn:schemas-microsoft-com:office:powerpoint" xmlns:v="urn:schemas-microsoft-com:vml" xmlns:o="urn:schemas-microsoft-com:office:office" xmlns:dgm="http://schemas.openxmlformats.org/drawingml/2006/diagram" xmlns:c="http://schemas.openxmlformats.org/drawingml/2006/chart" xmlns:mv="urn:schemas-microsoft-com:mac:vml" xmlns:mc="http://schemas.openxmlformats.org/markup-compatibility/2006" xmlns="" r:id="rId30" roundtripDataSignature="AMtx7miTlHx5yX8y6UIlPPbgbTlcU6qf9g=="/>
     </p:ext>
   </p:extLst>
 </p:presentation>
 </file>
 
+<file path=ppt/revisionInfo.xml><?xml version="1.0" encoding="utf-8"?>
+<p1510:revInfo xmlns:a="http://schemas.openxmlformats.org/drawingml/2006/main" xmlns:r="http://schemas.openxmlformats.org/officeDocument/2006/relationships" xmlns:p1510="http://schemas.microsoft.com/office/powerpoint/2015/10/main">
+  <p1510:revLst>
+    <p1510:client id="{913C8CB3-B5D2-46AF-BB39-C6ABB42AE5EA}" v="1" dt="2024-11-20T20:46:48.741"/>
+  </p1510:revLst>
+</p1510:revInfo>
+</file>
+
 <file path=ppt/changesInfos/changesInfo1.xml><?xml version="1.0" encoding="utf-8"?>
 <pc:chgInfo xmlns:a="http://schemas.openxmlformats.org/drawingml/2006/main" xmlns:r="http://schemas.openxmlformats.org/officeDocument/2006/relationships" xmlns:ac="http://schemas.microsoft.com/office/drawing/2013/main/command" xmlns:pc="http://schemas.microsoft.com/office/powerpoint/2013/main/command">
+  <pc:docChgLst>
+    <pc:chgData name="Marcos Maillot" userId="fa14b39d-e966-4ebb-a436-4f96f84b9577" providerId="ADAL" clId="{913C8CB3-B5D2-46AF-BB39-C6ABB42AE5EA}"/>
+    <pc:docChg chg="undo custSel modSld">
+      <pc:chgData name="Marcos Maillot" userId="fa14b39d-e966-4ebb-a436-4f96f84b9577" providerId="ADAL" clId="{913C8CB3-B5D2-46AF-BB39-C6ABB42AE5EA}" dt="2024-11-20T20:46:57.064" v="65" actId="1076"/>
+      <pc:docMkLst>
+        <pc:docMk/>
+      </pc:docMkLst>
+      <pc:sldChg chg="modSp mod">
+        <pc:chgData name="Marcos Maillot" userId="fa14b39d-e966-4ebb-a436-4f96f84b9577" providerId="ADAL" clId="{913C8CB3-B5D2-46AF-BB39-C6ABB42AE5EA}" dt="2024-11-20T19:39:32.431" v="0"/>
+        <pc:sldMkLst>
+          <pc:docMk/>
+          <pc:sldMk cId="0" sldId="262"/>
+        </pc:sldMkLst>
+        <pc:spChg chg="mod">
+          <ac:chgData name="Marcos Maillot" userId="fa14b39d-e966-4ebb-a436-4f96f84b9577" providerId="ADAL" clId="{913C8CB3-B5D2-46AF-BB39-C6ABB42AE5EA}" dt="2024-11-20T19:39:32.431" v="0"/>
+          <ac:spMkLst>
+            <pc:docMk/>
+            <pc:sldMk cId="0" sldId="262"/>
+            <ac:spMk id="157" creationId="{00000000-0000-0000-0000-000000000000}"/>
+          </ac:spMkLst>
+        </pc:spChg>
+      </pc:sldChg>
+      <pc:sldChg chg="modSp mod">
+        <pc:chgData name="Marcos Maillot" userId="fa14b39d-e966-4ebb-a436-4f96f84b9577" providerId="ADAL" clId="{913C8CB3-B5D2-46AF-BB39-C6ABB42AE5EA}" dt="2024-11-20T19:41:16.789" v="10" actId="5793"/>
+        <pc:sldMkLst>
+          <pc:docMk/>
+          <pc:sldMk cId="0" sldId="268"/>
+        </pc:sldMkLst>
+        <pc:spChg chg="mod">
+          <ac:chgData name="Marcos Maillot" userId="fa14b39d-e966-4ebb-a436-4f96f84b9577" providerId="ADAL" clId="{913C8CB3-B5D2-46AF-BB39-C6ABB42AE5EA}" dt="2024-11-20T19:41:16.789" v="10" actId="5793"/>
+          <ac:spMkLst>
+            <pc:docMk/>
+            <pc:sldMk cId="0" sldId="268"/>
+            <ac:spMk id="227" creationId="{00000000-0000-0000-0000-000000000000}"/>
+          </ac:spMkLst>
+        </pc:spChg>
+        <pc:spChg chg="mod">
+          <ac:chgData name="Marcos Maillot" userId="fa14b39d-e966-4ebb-a436-4f96f84b9577" providerId="ADAL" clId="{913C8CB3-B5D2-46AF-BB39-C6ABB42AE5EA}" dt="2024-11-20T19:41:12.388" v="4" actId="5793"/>
+          <ac:spMkLst>
+            <pc:docMk/>
+            <pc:sldMk cId="0" sldId="268"/>
+            <ac:spMk id="230" creationId="{00000000-0000-0000-0000-000000000000}"/>
+          </ac:spMkLst>
+        </pc:spChg>
+      </pc:sldChg>
+      <pc:sldChg chg="modSp mod">
+        <pc:chgData name="Marcos Maillot" userId="fa14b39d-e966-4ebb-a436-4f96f84b9577" providerId="ADAL" clId="{913C8CB3-B5D2-46AF-BB39-C6ABB42AE5EA}" dt="2024-11-20T19:41:29.884" v="26" actId="5793"/>
+        <pc:sldMkLst>
+          <pc:docMk/>
+          <pc:sldMk cId="0" sldId="269"/>
+        </pc:sldMkLst>
+        <pc:spChg chg="mod">
+          <ac:chgData name="Marcos Maillot" userId="fa14b39d-e966-4ebb-a436-4f96f84b9577" providerId="ADAL" clId="{913C8CB3-B5D2-46AF-BB39-C6ABB42AE5EA}" dt="2024-11-20T19:41:23.912" v="18" actId="5793"/>
+          <ac:spMkLst>
+            <pc:docMk/>
+            <pc:sldMk cId="0" sldId="269"/>
+            <ac:spMk id="238" creationId="{00000000-0000-0000-0000-000000000000}"/>
+          </ac:spMkLst>
+        </pc:spChg>
+        <pc:spChg chg="mod">
+          <ac:chgData name="Marcos Maillot" userId="fa14b39d-e966-4ebb-a436-4f96f84b9577" providerId="ADAL" clId="{913C8CB3-B5D2-46AF-BB39-C6ABB42AE5EA}" dt="2024-11-20T19:41:20.729" v="14" actId="5793"/>
+          <ac:spMkLst>
+            <pc:docMk/>
+            <pc:sldMk cId="0" sldId="269"/>
+            <ac:spMk id="239" creationId="{00000000-0000-0000-0000-000000000000}"/>
+          </ac:spMkLst>
+        </pc:spChg>
+        <pc:spChg chg="mod">
+          <ac:chgData name="Marcos Maillot" userId="fa14b39d-e966-4ebb-a436-4f96f84b9577" providerId="ADAL" clId="{913C8CB3-B5D2-46AF-BB39-C6ABB42AE5EA}" dt="2024-11-20T19:41:29.884" v="26" actId="5793"/>
+          <ac:spMkLst>
+            <pc:docMk/>
+            <pc:sldMk cId="0" sldId="269"/>
+            <ac:spMk id="240" creationId="{00000000-0000-0000-0000-000000000000}"/>
+          </ac:spMkLst>
+        </pc:spChg>
+      </pc:sldChg>
+      <pc:sldChg chg="addSp modSp mod">
+        <pc:chgData name="Marcos Maillot" userId="fa14b39d-e966-4ebb-a436-4f96f84b9577" providerId="ADAL" clId="{913C8CB3-B5D2-46AF-BB39-C6ABB42AE5EA}" dt="2024-11-20T20:46:57.064" v="65" actId="1076"/>
+        <pc:sldMkLst>
+          <pc:docMk/>
+          <pc:sldMk cId="0" sldId="275"/>
+        </pc:sldMkLst>
+        <pc:spChg chg="add mod">
+          <ac:chgData name="Marcos Maillot" userId="fa14b39d-e966-4ebb-a436-4f96f84b9577" providerId="ADAL" clId="{913C8CB3-B5D2-46AF-BB39-C6ABB42AE5EA}" dt="2024-11-20T20:46:37.396" v="47" actId="1076"/>
+          <ac:spMkLst>
+            <pc:docMk/>
+            <pc:sldMk cId="0" sldId="275"/>
+            <ac:spMk id="3" creationId="{452BA9D1-0C1A-6AF6-A3CD-CDB983D8E434}"/>
+          </ac:spMkLst>
+        </pc:spChg>
+        <pc:spChg chg="add mod">
+          <ac:chgData name="Marcos Maillot" userId="fa14b39d-e966-4ebb-a436-4f96f84b9577" providerId="ADAL" clId="{913C8CB3-B5D2-46AF-BB39-C6ABB42AE5EA}" dt="2024-11-20T20:46:41.561" v="49" actId="1076"/>
+          <ac:spMkLst>
+            <pc:docMk/>
+            <pc:sldMk cId="0" sldId="275"/>
+            <ac:spMk id="5" creationId="{31A771BC-9320-4477-D4CE-E48E835C0A6D}"/>
+          </ac:spMkLst>
+        </pc:spChg>
+        <pc:spChg chg="add mod">
+          <ac:chgData name="Marcos Maillot" userId="fa14b39d-e966-4ebb-a436-4f96f84b9577" providerId="ADAL" clId="{913C8CB3-B5D2-46AF-BB39-C6ABB42AE5EA}" dt="2024-11-20T20:46:43.553" v="50" actId="1076"/>
+          <ac:spMkLst>
+            <pc:docMk/>
+            <pc:sldMk cId="0" sldId="275"/>
+            <ac:spMk id="7" creationId="{865C14E4-B3EF-D19C-1D43-2D916429F03D}"/>
+          </ac:spMkLst>
+        </pc:spChg>
+        <pc:spChg chg="add mod">
+          <ac:chgData name="Marcos Maillot" userId="fa14b39d-e966-4ebb-a436-4f96f84b9577" providerId="ADAL" clId="{913C8CB3-B5D2-46AF-BB39-C6ABB42AE5EA}" dt="2024-11-20T20:46:54.273" v="64" actId="20577"/>
+          <ac:spMkLst>
+            <pc:docMk/>
+            <pc:sldMk cId="0" sldId="275"/>
+            <ac:spMk id="8" creationId="{6512D101-6837-A73E-D75D-958F6A99344A}"/>
+          </ac:spMkLst>
+        </pc:spChg>
+        <pc:spChg chg="mod">
+          <ac:chgData name="Marcos Maillot" userId="fa14b39d-e966-4ebb-a436-4f96f84b9577" providerId="ADAL" clId="{913C8CB3-B5D2-46AF-BB39-C6ABB42AE5EA}" dt="2024-11-20T20:46:57.064" v="65" actId="1076"/>
+          <ac:spMkLst>
+            <pc:docMk/>
+            <pc:sldMk cId="0" sldId="275"/>
+            <ac:spMk id="298" creationId="{00000000-0000-0000-0000-000000000000}"/>
+          </ac:spMkLst>
+        </pc:spChg>
+        <pc:spChg chg="mod">
+          <ac:chgData name="Marcos Maillot" userId="fa14b39d-e966-4ebb-a436-4f96f84b9577" providerId="ADAL" clId="{913C8CB3-B5D2-46AF-BB39-C6ABB42AE5EA}" dt="2024-11-20T20:46:39.449" v="48" actId="1076"/>
+          <ac:spMkLst>
+            <pc:docMk/>
+            <pc:sldMk cId="0" sldId="275"/>
+            <ac:spMk id="299" creationId="{00000000-0000-0000-0000-000000000000}"/>
+          </ac:spMkLst>
+        </pc:spChg>
+        <pc:spChg chg="mod">
+          <ac:chgData name="Marcos Maillot" userId="fa14b39d-e966-4ebb-a436-4f96f84b9577" providerId="ADAL" clId="{913C8CB3-B5D2-46AF-BB39-C6ABB42AE5EA}" dt="2024-11-20T20:46:47.026" v="51" actId="14100"/>
+          <ac:spMkLst>
+            <pc:docMk/>
+            <pc:sldMk cId="0" sldId="275"/>
+            <ac:spMk id="300" creationId="{00000000-0000-0000-0000-000000000000}"/>
+          </ac:spMkLst>
+        </pc:spChg>
+      </pc:sldChg>
+    </pc:docChg>
+  </pc:docChgLst>
   <pc:docChgLst>
     <pc:chgData name="Marcos Maillot" userId="fa14b39d-e966-4ebb-a436-4f96f84b9577" providerId="ADAL" clId="{9E25B2EB-CAA0-4693-8FAE-3BE82A6DDC5B}"/>
     <pc:docChg chg="modSld">
@@ -1448,8 +1597,8 @@
         </p:nvSpPr>
         <p:spPr>
           <a:xfrm>
-            <a:off x="1143225" y="685800"/>
-            <a:ext cx="4572225" cy="3429000"/>
+            <a:off x="381000" y="685800"/>
+            <a:ext cx="6096000" cy="3429000"/>
           </a:xfrm>
           <a:custGeom>
             <a:avLst/>
@@ -1552,8 +1701,8 @@
         </p:nvSpPr>
         <p:spPr>
           <a:xfrm>
-            <a:off x="1143225" y="685800"/>
-            <a:ext cx="4572225" cy="3429000"/>
+            <a:off x="381000" y="685800"/>
+            <a:ext cx="6096000" cy="3429000"/>
           </a:xfrm>
           <a:custGeom>
             <a:avLst/>
@@ -2818,8 +2967,8 @@
         </p:nvSpPr>
         <p:spPr>
           <a:xfrm>
-            <a:off x="1143225" y="685800"/>
-            <a:ext cx="4572225" cy="3429000"/>
+            <a:off x="381000" y="685800"/>
+            <a:ext cx="6096000" cy="3429000"/>
           </a:xfrm>
           <a:custGeom>
             <a:avLst/>
@@ -14478,7 +14627,7 @@
               <a:buNone/>
             </a:pPr>
             <a:r>
-              <a:rPr lang="en" sz="2100">
+              <a:rPr lang="en" sz="2100" dirty="0">
                 <a:solidFill>
                   <a:schemeClr val="dk2"/>
                 </a:solidFill>
@@ -14487,9 +14636,33 @@
                 <a:cs typeface="Twentieth Century"/>
                 <a:sym typeface="Twentieth Century"/>
               </a:rPr>
-              <a:t>Quiero generar un perro🡪 ¿cual es la func de prob para que tome un valor de ella y saque un perro?</a:t>
+              <a:t>Quiero generar un perro</a:t>
             </a:r>
-            <a:endParaRPr sz="2100">
+            <a:r>
+              <a:rPr lang="en" sz="2100" dirty="0">
+                <a:solidFill>
+                  <a:schemeClr val="dk2"/>
+                </a:solidFill>
+                <a:latin typeface="Twentieth Century"/>
+                <a:ea typeface="Twentieth Century"/>
+                <a:cs typeface="Twentieth Century"/>
+                <a:sym typeface="Wingdings" panose="05000000000000000000" pitchFamily="2" charset="2"/>
+              </a:rPr>
+              <a:t></a:t>
+            </a:r>
+            <a:r>
+              <a:rPr lang="en" sz="2100" dirty="0">
+                <a:solidFill>
+                  <a:schemeClr val="dk2"/>
+                </a:solidFill>
+                <a:latin typeface="Twentieth Century"/>
+                <a:ea typeface="Twentieth Century"/>
+                <a:cs typeface="Twentieth Century"/>
+                <a:sym typeface="Twentieth Century"/>
+              </a:rPr>
+              <a:t> ¿cual es la func de prob para que tome un valor de ella y saque un perro?</a:t>
+            </a:r>
+            <a:endParaRPr sz="2100" dirty="0">
               <a:solidFill>
                 <a:schemeClr val="dk2"/>
               </a:solidFill>
@@ -14518,7 +14691,7 @@
               <a:buNone/>
             </a:pPr>
             <a:r>
-              <a:rPr lang="en" sz="2100">
+              <a:rPr lang="en" sz="2100" dirty="0">
                 <a:solidFill>
                   <a:schemeClr val="dk2"/>
                 </a:solidFill>
@@ -14529,7 +14702,7 @@
               </a:rPr>
               <a:t>	</a:t>
             </a:r>
-            <a:endParaRPr sz="1100">
+            <a:endParaRPr sz="1100" dirty="0">
               <a:solidFill>
                 <a:schemeClr val="dk2"/>
               </a:solidFill>
@@ -14781,7 +14954,7 @@
               <a:buNone/>
             </a:pPr>
             <a:r>
-              <a:rPr lang="en" sz="2100" b="1">
+              <a:rPr lang="en" sz="2100" b="1" dirty="0">
                 <a:solidFill>
                   <a:schemeClr val="dk2"/>
                 </a:solidFill>
@@ -14793,7 +14966,7 @@
               <a:t>G</a:t>
             </a:r>
             <a:r>
-              <a:rPr lang="en" sz="2100">
+              <a:rPr lang="en" sz="2100" dirty="0">
                 <a:solidFill>
                   <a:schemeClr val="dk2"/>
                 </a:solidFill>
@@ -14802,9 +14975,33 @@
                 <a:cs typeface="Twentieth Century"/>
                 <a:sym typeface="Twentieth Century"/>
               </a:rPr>
-              <a:t> 🡪 debe aprender una func de prob sobre los objetos que deseamos crear a partir de un RND (vector)	</a:t>
+              <a:t> </a:t>
             </a:r>
-            <a:endParaRPr sz="1100">
+            <a:r>
+              <a:rPr lang="en" sz="2100" dirty="0">
+                <a:solidFill>
+                  <a:schemeClr val="dk2"/>
+                </a:solidFill>
+                <a:latin typeface="Twentieth Century"/>
+                <a:ea typeface="Twentieth Century"/>
+                <a:cs typeface="Twentieth Century"/>
+                <a:sym typeface="Wingdings" panose="05000000000000000000" pitchFamily="2" charset="2"/>
+              </a:rPr>
+              <a:t></a:t>
+            </a:r>
+            <a:r>
+              <a:rPr lang="en" sz="2100" dirty="0">
+                <a:solidFill>
+                  <a:schemeClr val="dk2"/>
+                </a:solidFill>
+                <a:latin typeface="Twentieth Century"/>
+                <a:ea typeface="Twentieth Century"/>
+                <a:cs typeface="Twentieth Century"/>
+                <a:sym typeface="Twentieth Century"/>
+              </a:rPr>
+              <a:t> debe aprender una func de prob sobre los objetos que deseamos crear a partir de un RND (vector)	</a:t>
+            </a:r>
+            <a:endParaRPr sz="1100" dirty="0">
               <a:solidFill>
                 <a:schemeClr val="dk2"/>
               </a:solidFill>
@@ -14828,7 +15025,7 @@
               <a:buFont typeface="Arial"/>
               <a:buNone/>
             </a:pPr>
-            <a:endParaRPr sz="2100">
+            <a:endParaRPr sz="2100" dirty="0">
               <a:solidFill>
                 <a:schemeClr val="dk2"/>
               </a:solidFill>
@@ -15063,7 +15260,7 @@
               <a:buNone/>
             </a:pPr>
             <a:r>
-              <a:rPr lang="en" sz="2100" b="1">
+              <a:rPr lang="en" sz="2100" b="1" dirty="0">
                 <a:solidFill>
                   <a:schemeClr val="dk2"/>
                 </a:solidFill>
@@ -15075,7 +15272,7 @@
               <a:t>G</a:t>
             </a:r>
             <a:r>
-              <a:rPr lang="en" sz="2100">
+              <a:rPr lang="en" sz="2100" dirty="0">
                 <a:solidFill>
                   <a:schemeClr val="dk2"/>
                 </a:solidFill>
@@ -15084,9 +15281,33 @@
                 <a:cs typeface="Twentieth Century"/>
                 <a:sym typeface="Twentieth Century"/>
               </a:rPr>
-              <a:t> 🡪 se entrena de forma indirecta (“supervisada”… pero de distinta forma)</a:t>
+              <a:t> </a:t>
             </a:r>
-            <a:endParaRPr sz="2100">
+            <a:r>
+              <a:rPr lang="en" sz="2100" dirty="0">
+                <a:solidFill>
+                  <a:schemeClr val="dk2"/>
+                </a:solidFill>
+                <a:latin typeface="Twentieth Century"/>
+                <a:ea typeface="Twentieth Century"/>
+                <a:cs typeface="Twentieth Century"/>
+                <a:sym typeface="Wingdings" panose="05000000000000000000" pitchFamily="2" charset="2"/>
+              </a:rPr>
+              <a:t></a:t>
+            </a:r>
+            <a:r>
+              <a:rPr lang="en" sz="2100" dirty="0">
+                <a:solidFill>
+                  <a:schemeClr val="dk2"/>
+                </a:solidFill>
+                <a:latin typeface="Twentieth Century"/>
+                <a:ea typeface="Twentieth Century"/>
+                <a:cs typeface="Twentieth Century"/>
+                <a:sym typeface="Twentieth Century"/>
+              </a:rPr>
+              <a:t> se entrena de forma indirecta (“supervisada”… pero de distinta forma)</a:t>
+            </a:r>
+            <a:endParaRPr sz="2100" dirty="0">
               <a:solidFill>
                 <a:schemeClr val="dk2"/>
               </a:solidFill>
@@ -15141,7 +15362,7 @@
               <a:buNone/>
             </a:pPr>
             <a:r>
-              <a:rPr lang="en" sz="2100" b="1">
+              <a:rPr lang="en" sz="2100" b="1" dirty="0">
                 <a:solidFill>
                   <a:schemeClr val="dk2"/>
                 </a:solidFill>
@@ -15153,7 +15374,7 @@
               <a:t>D</a:t>
             </a:r>
             <a:r>
-              <a:rPr lang="en" sz="2100">
+              <a:rPr lang="en" sz="2100" dirty="0">
                 <a:solidFill>
                   <a:schemeClr val="dk2"/>
                 </a:solidFill>
@@ -15162,10 +15383,34 @@
                 <a:cs typeface="Twentieth Century"/>
                 <a:sym typeface="Twentieth Century"/>
               </a:rPr>
-              <a:t> 🡪 determina si una muestra es real </a:t>
+              <a:t> </a:t>
             </a:r>
             <a:r>
-              <a:rPr lang="en" sz="2100" b="1">
+              <a:rPr lang="en" sz="2100" dirty="0">
+                <a:solidFill>
+                  <a:schemeClr val="dk2"/>
+                </a:solidFill>
+                <a:latin typeface="Twentieth Century"/>
+                <a:ea typeface="Twentieth Century"/>
+                <a:cs typeface="Twentieth Century"/>
+                <a:sym typeface="Wingdings" panose="05000000000000000000" pitchFamily="2" charset="2"/>
+              </a:rPr>
+              <a:t></a:t>
+            </a:r>
+            <a:r>
+              <a:rPr lang="en" sz="2100" dirty="0">
+                <a:solidFill>
+                  <a:schemeClr val="dk2"/>
+                </a:solidFill>
+                <a:latin typeface="Twentieth Century"/>
+                <a:ea typeface="Twentieth Century"/>
+                <a:cs typeface="Twentieth Century"/>
+                <a:sym typeface="Twentieth Century"/>
+              </a:rPr>
+              <a:t> determina si una muestra es real </a:t>
+            </a:r>
+            <a:r>
+              <a:rPr lang="en" sz="2100" b="1" dirty="0">
                 <a:solidFill>
                   <a:schemeClr val="dk2"/>
                 </a:solidFill>
@@ -15177,7 +15422,7 @@
               <a:t>1</a:t>
             </a:r>
             <a:r>
-              <a:rPr lang="en" sz="2100">
+              <a:rPr lang="en" sz="2100" dirty="0">
                 <a:solidFill>
                   <a:schemeClr val="dk2"/>
                 </a:solidFill>
@@ -15189,7 +15434,7 @@
               <a:t> o falsa </a:t>
             </a:r>
             <a:r>
-              <a:rPr lang="en" sz="2100" b="1">
+              <a:rPr lang="en" sz="2100" b="1" dirty="0">
                 <a:solidFill>
                   <a:schemeClr val="dk2"/>
                 </a:solidFill>
@@ -15200,7 +15445,7 @@
               </a:rPr>
               <a:t>0</a:t>
             </a:r>
-            <a:endParaRPr sz="2100">
+            <a:endParaRPr sz="2100" dirty="0">
               <a:solidFill>
                 <a:schemeClr val="dk2"/>
               </a:solidFill>
@@ -15255,7 +15500,7 @@
               <a:buNone/>
             </a:pPr>
             <a:r>
-              <a:rPr lang="en" sz="2100" b="1">
+              <a:rPr lang="en" sz="2100" b="1" dirty="0">
                 <a:solidFill>
                   <a:schemeClr val="dk2"/>
                 </a:solidFill>
@@ -15267,7 +15512,7 @@
               <a:t>G</a:t>
             </a:r>
             <a:r>
-              <a:rPr lang="en" sz="2100">
+              <a:rPr lang="en" sz="2100" dirty="0">
                 <a:solidFill>
                   <a:schemeClr val="dk2"/>
                 </a:solidFill>
@@ -15276,10 +15521,34 @@
                 <a:cs typeface="Twentieth Century"/>
                 <a:sym typeface="Twentieth Century"/>
               </a:rPr>
-              <a:t> 🡪 se entrena para que </a:t>
+              <a:t> </a:t>
             </a:r>
             <a:r>
-              <a:rPr lang="en" sz="2100" b="1">
+              <a:rPr lang="en" sz="2100" dirty="0">
+                <a:solidFill>
+                  <a:schemeClr val="dk2"/>
+                </a:solidFill>
+                <a:latin typeface="Twentieth Century"/>
+                <a:ea typeface="Twentieth Century"/>
+                <a:cs typeface="Twentieth Century"/>
+                <a:sym typeface="Wingdings" panose="05000000000000000000" pitchFamily="2" charset="2"/>
+              </a:rPr>
+              <a:t></a:t>
+            </a:r>
+            <a:r>
+              <a:rPr lang="en" sz="2100" dirty="0">
+                <a:solidFill>
+                  <a:schemeClr val="dk2"/>
+                </a:solidFill>
+                <a:latin typeface="Twentieth Century"/>
+                <a:ea typeface="Twentieth Century"/>
+                <a:cs typeface="Twentieth Century"/>
+                <a:sym typeface="Twentieth Century"/>
+              </a:rPr>
+              <a:t> se entrena para que </a:t>
+            </a:r>
+            <a:r>
+              <a:rPr lang="en" sz="2100" b="1" dirty="0">
                 <a:solidFill>
                   <a:schemeClr val="dk2"/>
                 </a:solidFill>
@@ -15291,7 +15560,7 @@
               <a:t>D</a:t>
             </a:r>
             <a:r>
-              <a:rPr lang="en" sz="2100">
+              <a:rPr lang="en" sz="2100" dirty="0">
                 <a:solidFill>
                   <a:schemeClr val="dk2"/>
                 </a:solidFill>
@@ -15302,7 +15571,7 @@
               </a:rPr>
               <a:t> falle</a:t>
             </a:r>
-            <a:endParaRPr sz="1100">
+            <a:endParaRPr sz="1100" dirty="0">
               <a:solidFill>
                 <a:schemeClr val="dk2"/>
               </a:solidFill>
@@ -15327,7 +15596,7 @@
               <a:buNone/>
             </a:pPr>
             <a:r>
-              <a:rPr lang="en" sz="2100" b="1">
+              <a:rPr lang="en" sz="2100" b="1" dirty="0">
                 <a:solidFill>
                   <a:schemeClr val="dk2"/>
                 </a:solidFill>
@@ -15339,7 +15608,7 @@
               <a:t>D</a:t>
             </a:r>
             <a:r>
-              <a:rPr lang="en" sz="2100">
+              <a:rPr lang="en" sz="2100" dirty="0">
                 <a:solidFill>
                   <a:schemeClr val="dk2"/>
                 </a:solidFill>
@@ -15348,9 +15617,33 @@
                 <a:cs typeface="Twentieth Century"/>
                 <a:sym typeface="Twentieth Century"/>
               </a:rPr>
-              <a:t> 🡪 se entrena para no fallar</a:t>
+              <a:t> </a:t>
             </a:r>
-            <a:endParaRPr sz="2100">
+            <a:r>
+              <a:rPr lang="en" sz="2100" dirty="0">
+                <a:solidFill>
+                  <a:schemeClr val="dk2"/>
+                </a:solidFill>
+                <a:latin typeface="Twentieth Century"/>
+                <a:ea typeface="Twentieth Century"/>
+                <a:cs typeface="Twentieth Century"/>
+                <a:sym typeface="Wingdings" panose="05000000000000000000" pitchFamily="2" charset="2"/>
+              </a:rPr>
+              <a:t></a:t>
+            </a:r>
+            <a:r>
+              <a:rPr lang="en" sz="2100" dirty="0">
+                <a:solidFill>
+                  <a:schemeClr val="dk2"/>
+                </a:solidFill>
+                <a:latin typeface="Twentieth Century"/>
+                <a:ea typeface="Twentieth Century"/>
+                <a:cs typeface="Twentieth Century"/>
+                <a:sym typeface="Twentieth Century"/>
+              </a:rPr>
+              <a:t> se entrena para no fallar</a:t>
+            </a:r>
+            <a:endParaRPr sz="2100" dirty="0">
               <a:solidFill>
                 <a:schemeClr val="dk2"/>
               </a:solidFill>
@@ -18242,7 +18535,7 @@
         </p:nvSpPr>
         <p:spPr>
           <a:xfrm>
-            <a:off x="2343830" y="3122687"/>
+            <a:off x="2343829" y="2863809"/>
             <a:ext cx="4695825" cy="276999"/>
           </a:xfrm>
           <a:prstGeom prst="rect">
@@ -18292,7 +18585,7 @@
         </p:nvSpPr>
         <p:spPr>
           <a:xfrm>
-            <a:off x="1218900" y="4406825"/>
+            <a:off x="87424" y="4461944"/>
             <a:ext cx="3000000" cy="400200"/>
           </a:xfrm>
           <a:prstGeom prst="rect">
@@ -18319,7 +18612,7 @@
               <a:buNone/>
             </a:pPr>
             <a:r>
-              <a:rPr lang="en">
+              <a:rPr lang="en" dirty="0">
                 <a:solidFill>
                   <a:srgbClr val="FF0000"/>
                 </a:solidFill>
@@ -18330,7 +18623,7 @@
               </a:rPr>
               <a:t>https://arxiv.org/abs/1606.03498</a:t>
             </a:r>
-            <a:endParaRPr/>
+            <a:endParaRPr dirty="0"/>
           </a:p>
         </p:txBody>
       </p:sp>
@@ -18342,8 +18635,8 @@
         </p:nvSpPr>
         <p:spPr>
           <a:xfrm>
-            <a:off x="251248" y="3950624"/>
-            <a:ext cx="8641500" cy="400200"/>
+            <a:off x="174130" y="3632907"/>
+            <a:ext cx="2414834" cy="400200"/>
           </a:xfrm>
           <a:prstGeom prst="rect">
             <a:avLst/>
@@ -18377,7 +18670,7 @@
               <a:buNone/>
             </a:pPr>
             <a:r>
-              <a:rPr lang="en" sz="2100">
+              <a:rPr lang="en" sz="2100" dirty="0">
                 <a:solidFill>
                   <a:schemeClr val="dk2"/>
                 </a:solidFill>
@@ -18388,7 +18681,275 @@
               </a:rPr>
               <a:t>How to train GANs:</a:t>
             </a:r>
-            <a:endParaRPr sz="2100">
+            <a:endParaRPr sz="2100" dirty="0">
+              <a:solidFill>
+                <a:schemeClr val="dk2"/>
+              </a:solidFill>
+              <a:latin typeface="Twentieth Century"/>
+              <a:ea typeface="Twentieth Century"/>
+              <a:cs typeface="Twentieth Century"/>
+              <a:sym typeface="Twentieth Century"/>
+            </a:endParaRPr>
+          </a:p>
+        </p:txBody>
+      </p:sp>
+      <p:sp>
+        <p:nvSpPr>
+          <p:cNvPr id="3" name="CuadroTexto 2">
+            <a:extLst>
+              <a:ext uri="{FF2B5EF4-FFF2-40B4-BE49-F238E27FC236}">
+                <a16:creationId xmlns:a16="http://schemas.microsoft.com/office/drawing/2014/main" id="{452BA9D1-0C1A-6AF6-A3CD-CDB983D8E434}"/>
+              </a:ext>
+            </a:extLst>
+          </p:cNvPr>
+          <p:cNvSpPr txBox="1"/>
+          <p:nvPr/>
+        </p:nvSpPr>
+        <p:spPr>
+          <a:xfrm>
+            <a:off x="87424" y="4147536"/>
+            <a:ext cx="3327655" cy="400079"/>
+          </a:xfrm>
+          <a:prstGeom prst="rect">
+            <a:avLst/>
+          </a:prstGeom>
+          <a:noFill/>
+          <a:ln>
+            <a:noFill/>
+          </a:ln>
+        </p:spPr>
+        <p:txBody>
+          <a:bodyPr spcFirstLastPara="1" wrap="square" lIns="91425" tIns="91425" rIns="91425" bIns="91425" anchor="t" anchorCtr="0">
+            <a:spAutoFit/>
+          </a:bodyPr>
+          <a:lstStyle>
+            <a:defPPr marR="0" lvl="0" algn="l" rtl="0">
+              <a:lnSpc>
+                <a:spcPct val="100000"/>
+              </a:lnSpc>
+              <a:spcBef>
+                <a:spcPts val="0"/>
+              </a:spcBef>
+              <a:spcAft>
+                <a:spcPts val="0"/>
+              </a:spcAft>
+            </a:defPPr>
+            <a:lvl1pPr marL="0" indent="0">
+              <a:buNone/>
+              <a:defRPr>
+                <a:solidFill>
+                  <a:srgbClr val="FF0000"/>
+                </a:solidFill>
+                <a:latin typeface="Twentieth Century"/>
+                <a:ea typeface="Twentieth Century"/>
+                <a:cs typeface="Twentieth Century"/>
+              </a:defRPr>
+            </a:lvl1pPr>
+          </a:lstStyle>
+          <a:p>
+            <a:r>
+              <a:rPr lang="es-AR" dirty="0"/>
+              <a:t>https://neptune.ai/blog/gan-loss-functions</a:t>
+            </a:r>
+          </a:p>
+        </p:txBody>
+      </p:sp>
+      <p:sp>
+        <p:nvSpPr>
+          <p:cNvPr id="5" name="CuadroTexto 4">
+            <a:extLst>
+              <a:ext uri="{FF2B5EF4-FFF2-40B4-BE49-F238E27FC236}">
+                <a16:creationId xmlns:a16="http://schemas.microsoft.com/office/drawing/2014/main" id="{31A771BC-9320-4477-D4CE-E48E835C0A6D}"/>
+              </a:ext>
+            </a:extLst>
+          </p:cNvPr>
+          <p:cNvSpPr txBox="1"/>
+          <p:nvPr/>
+        </p:nvSpPr>
+        <p:spPr>
+          <a:xfrm>
+            <a:off x="4108098" y="4461944"/>
+            <a:ext cx="5863113" cy="400079"/>
+          </a:xfrm>
+          <a:prstGeom prst="rect">
+            <a:avLst/>
+          </a:prstGeom>
+          <a:noFill/>
+          <a:ln>
+            <a:noFill/>
+          </a:ln>
+        </p:spPr>
+        <p:txBody>
+          <a:bodyPr spcFirstLastPara="1" wrap="square" lIns="91425" tIns="91425" rIns="91425" bIns="91425" anchor="t" anchorCtr="0">
+            <a:spAutoFit/>
+          </a:bodyPr>
+          <a:lstStyle>
+            <a:defPPr marR="0" lvl="0" algn="l" rtl="0">
+              <a:lnSpc>
+                <a:spcPct val="100000"/>
+              </a:lnSpc>
+              <a:spcBef>
+                <a:spcPts val="0"/>
+              </a:spcBef>
+              <a:spcAft>
+                <a:spcPts val="0"/>
+              </a:spcAft>
+            </a:defPPr>
+            <a:lvl1pPr marL="0" indent="0">
+              <a:buNone/>
+              <a:defRPr>
+                <a:solidFill>
+                  <a:srgbClr val="FF0000"/>
+                </a:solidFill>
+                <a:latin typeface="Twentieth Century"/>
+                <a:ea typeface="Twentieth Century"/>
+                <a:cs typeface="Twentieth Century"/>
+              </a:defRPr>
+            </a:lvl1pPr>
+          </a:lstStyle>
+          <a:p>
+            <a:r>
+              <a:rPr lang="es-AR" dirty="0"/>
+              <a:t>https://pytorch.org/tutorials/beginner/dcgan_faces_tutorial.html</a:t>
+            </a:r>
+          </a:p>
+        </p:txBody>
+      </p:sp>
+      <p:sp>
+        <p:nvSpPr>
+          <p:cNvPr id="7" name="CuadroTexto 6">
+            <a:extLst>
+              <a:ext uri="{FF2B5EF4-FFF2-40B4-BE49-F238E27FC236}">
+                <a16:creationId xmlns:a16="http://schemas.microsoft.com/office/drawing/2014/main" id="{865C14E4-B3EF-D19C-1D43-2D916429F03D}"/>
+              </a:ext>
+            </a:extLst>
+          </p:cNvPr>
+          <p:cNvSpPr txBox="1"/>
+          <p:nvPr/>
+        </p:nvSpPr>
+        <p:spPr>
+          <a:xfrm>
+            <a:off x="4450816" y="4075915"/>
+            <a:ext cx="4693184" cy="400079"/>
+          </a:xfrm>
+          <a:prstGeom prst="rect">
+            <a:avLst/>
+          </a:prstGeom>
+          <a:noFill/>
+          <a:ln>
+            <a:noFill/>
+          </a:ln>
+        </p:spPr>
+        <p:txBody>
+          <a:bodyPr spcFirstLastPara="1" wrap="square" lIns="91425" tIns="91425" rIns="91425" bIns="91425" anchor="t" anchorCtr="0">
+            <a:spAutoFit/>
+          </a:bodyPr>
+          <a:lstStyle>
+            <a:defPPr marR="0" lvl="0" algn="l" rtl="0">
+              <a:lnSpc>
+                <a:spcPct val="100000"/>
+              </a:lnSpc>
+              <a:spcBef>
+                <a:spcPts val="0"/>
+              </a:spcBef>
+              <a:spcAft>
+                <a:spcPts val="0"/>
+              </a:spcAft>
+              <a:defRPr/>
+            </a:defPPr>
+            <a:lvl1pPr marL="0" indent="0">
+              <a:buNone/>
+              <a:defRPr>
+                <a:solidFill>
+                  <a:srgbClr val="FF0000"/>
+                </a:solidFill>
+                <a:latin typeface="Twentieth Century"/>
+                <a:ea typeface="Twentieth Century"/>
+                <a:cs typeface="Twentieth Century"/>
+              </a:defRPr>
+            </a:lvl1pPr>
+          </a:lstStyle>
+          <a:p>
+            <a:r>
+              <a:rPr lang="es-AR" dirty="0"/>
+              <a:t>https://github.com/nashory/gans-awesome-applications</a:t>
+            </a:r>
+          </a:p>
+        </p:txBody>
+      </p:sp>
+      <p:sp>
+        <p:nvSpPr>
+          <p:cNvPr id="8" name="Google Shape;300;g220569f7507_1_196">
+            <a:extLst>
+              <a:ext uri="{FF2B5EF4-FFF2-40B4-BE49-F238E27FC236}">
+                <a16:creationId xmlns:a16="http://schemas.microsoft.com/office/drawing/2014/main" id="{6512D101-6837-A73E-D75D-958F6A99344A}"/>
+              </a:ext>
+            </a:extLst>
+          </p:cNvPr>
+          <p:cNvSpPr txBox="1"/>
+          <p:nvPr/>
+        </p:nvSpPr>
+        <p:spPr>
+          <a:xfrm>
+            <a:off x="5347621" y="3585615"/>
+            <a:ext cx="2414834" cy="400200"/>
+          </a:xfrm>
+          <a:prstGeom prst="rect">
+            <a:avLst/>
+          </a:prstGeom>
+          <a:noFill/>
+          <a:ln>
+            <a:noFill/>
+          </a:ln>
+        </p:spPr>
+        <p:txBody>
+          <a:bodyPr spcFirstLastPara="1" wrap="square" lIns="68575" tIns="34275" rIns="68575" bIns="34275" anchor="t" anchorCtr="0">
+            <a:noAutofit/>
+          </a:bodyPr>
+          <a:lstStyle/>
+          <a:p>
+            <a:pPr marL="0" marR="0" lvl="0" indent="0" algn="l" rtl="0">
+              <a:lnSpc>
+                <a:spcPct val="90000"/>
+              </a:lnSpc>
+              <a:spcBef>
+                <a:spcPts val="800"/>
+              </a:spcBef>
+              <a:spcAft>
+                <a:spcPts val="0"/>
+              </a:spcAft>
+              <a:buClr>
+                <a:schemeClr val="dk1"/>
+              </a:buClr>
+              <a:buSzPts val="2100"/>
+              <a:buFont typeface="Arial"/>
+              <a:buNone/>
+            </a:pPr>
+            <a:r>
+              <a:rPr lang="es-AR" sz="2100" dirty="0">
+                <a:solidFill>
+                  <a:schemeClr val="dk2"/>
+                </a:solidFill>
+                <a:latin typeface="Twentieth Century"/>
+                <a:ea typeface="Twentieth Century"/>
+                <a:cs typeface="Twentieth Century"/>
+                <a:sym typeface="Twentieth Century"/>
+              </a:rPr>
+              <a:t>M</a:t>
+            </a:r>
+            <a:r>
+              <a:rPr lang="en" sz="2100" dirty="0">
+                <a:solidFill>
+                  <a:schemeClr val="dk2"/>
+                </a:solidFill>
+                <a:latin typeface="Twentieth Century"/>
+                <a:ea typeface="Twentieth Century"/>
+                <a:cs typeface="Twentieth Century"/>
+                <a:sym typeface="Twentieth Century"/>
+              </a:rPr>
+              <a:t>as sobre GANs:</a:t>
+            </a:r>
+            <a:endParaRPr sz="2100" dirty="0">
               <a:solidFill>
                 <a:schemeClr val="dk2"/>
               </a:solidFill>
@@ -21340,7 +21901,7 @@
         <p:spPr>
           <a:xfrm>
             <a:off x="5747358" y="4138272"/>
-            <a:ext cx="3200675" cy="484748"/>
+            <a:ext cx="3200675" cy="715550"/>
           </a:xfrm>
           <a:prstGeom prst="rect">
             <a:avLst/>
@@ -21366,7 +21927,7 @@
               <a:buNone/>
             </a:pPr>
             <a:r>
-              <a:rPr lang="en" sz="1400" dirty="0">
+              <a:rPr lang="es-AR" sz="1400" dirty="0">
                 <a:solidFill>
                   <a:srgbClr val="FF0000"/>
                 </a:solidFill>
@@ -21375,7 +21936,7 @@
                 <a:cs typeface="Twentieth Century"/>
                 <a:sym typeface="Twentieth Century"/>
               </a:rPr>
-              <a:t>https://pytorch.org/blog/introducing-torchvision-new-multi-weight-support-api/</a:t>
+              <a:t>https://pytorch.org/vision/main/models.html#table-of-all-available-classification-weights</a:t>
             </a:r>
             <a:endParaRPr sz="1100" dirty="0"/>
           </a:p>

--- a/clase_8/teoria/clase_8.pptx
+++ b/clase_8/teoria/clase_8.pptx
@@ -285,7 +285,7 @@
       </p15:sldGuideLst>
     </p:ext>
     <p:ext uri="GoogleSlidesCustomDataVersion2">
-      <go:slidesCustomData xmlns:go="http://customooxmlschemas.google.com/" xmlns:ahyp="http://schemas.microsoft.com/office/drawing/2018/hyperlinkcolor" xmlns:p15="http://schemas.microsoft.com/office/powerpoint/2012/main" xmlns:p14="http://schemas.microsoft.com/office/powerpoint/2010/main" xmlns:com="http://schemas.openxmlformats.org/drawingml/2006/compatibility" xmlns:pvml="urn:schemas-microsoft-com:office:powerpoint" xmlns:v="urn:schemas-microsoft-com:vml" xmlns:o="urn:schemas-microsoft-com:office:office" xmlns:dgm="http://schemas.openxmlformats.org/drawingml/2006/diagram" xmlns:c="http://schemas.openxmlformats.org/drawingml/2006/chart" xmlns:mv="urn:schemas-microsoft-com:mac:vml" xmlns:mc="http://schemas.openxmlformats.org/markup-compatibility/2006" xmlns="" r:id="rId30" roundtripDataSignature="AMtx7miTlHx5yX8y6UIlPPbgbTlcU6qf9g=="/>
+      <go:slidesCustomData xmlns="" xmlns:mc="http://schemas.openxmlformats.org/markup-compatibility/2006" xmlns:mv="urn:schemas-microsoft-com:mac:vml" xmlns:c="http://schemas.openxmlformats.org/drawingml/2006/chart" xmlns:dgm="http://schemas.openxmlformats.org/drawingml/2006/diagram" xmlns:o="urn:schemas-microsoft-com:office:office" xmlns:v="urn:schemas-microsoft-com:vml" xmlns:pvml="urn:schemas-microsoft-com:office:powerpoint" xmlns:com="http://schemas.openxmlformats.org/drawingml/2006/compatibility" xmlns:p14="http://schemas.microsoft.com/office/powerpoint/2010/main" xmlns:p15="http://schemas.microsoft.com/office/powerpoint/2012/main" xmlns:ahyp="http://schemas.microsoft.com/office/drawing/2018/hyperlinkcolor" xmlns:go="http://customooxmlschemas.google.com/" r:id="rId30" roundtripDataSignature="AMtx7miTlHx5yX8y6UIlPPbgbTlcU6qf9g=="/>
     </p:ext>
   </p:extLst>
 </p:presentation>
@@ -301,6 +301,30 @@
 
 <file path=ppt/changesInfos/changesInfo1.xml><?xml version="1.0" encoding="utf-8"?>
 <pc:chgInfo xmlns:a="http://schemas.openxmlformats.org/drawingml/2006/main" xmlns:r="http://schemas.openxmlformats.org/officeDocument/2006/relationships" xmlns:ac="http://schemas.microsoft.com/office/drawing/2013/main/command" xmlns:pc="http://schemas.microsoft.com/office/powerpoint/2013/main/command">
+  <pc:docChgLst>
+    <pc:chgData name="Marcos Maillot" userId="fa14b39d-e966-4ebb-a436-4f96f84b9577" providerId="ADAL" clId="{9E25B2EB-CAA0-4693-8FAE-3BE82A6DDC5B}"/>
+    <pc:docChg chg="modSld">
+      <pc:chgData name="Marcos Maillot" userId="fa14b39d-e966-4ebb-a436-4f96f84b9577" providerId="ADAL" clId="{9E25B2EB-CAA0-4693-8FAE-3BE82A6DDC5B}" dt="2024-08-16T23:00:37.853" v="0" actId="1076"/>
+      <pc:docMkLst>
+        <pc:docMk/>
+      </pc:docMkLst>
+      <pc:sldChg chg="modSp mod">
+        <pc:chgData name="Marcos Maillot" userId="fa14b39d-e966-4ebb-a436-4f96f84b9577" providerId="ADAL" clId="{9E25B2EB-CAA0-4693-8FAE-3BE82A6DDC5B}" dt="2024-08-16T23:00:37.853" v="0" actId="1076"/>
+        <pc:sldMkLst>
+          <pc:docMk/>
+          <pc:sldMk cId="0" sldId="263"/>
+        </pc:sldMkLst>
+        <pc:spChg chg="mod">
+          <ac:chgData name="Marcos Maillot" userId="fa14b39d-e966-4ebb-a436-4f96f84b9577" providerId="ADAL" clId="{9E25B2EB-CAA0-4693-8FAE-3BE82A6DDC5B}" dt="2024-08-16T23:00:37.853" v="0" actId="1076"/>
+          <ac:spMkLst>
+            <pc:docMk/>
+            <pc:sldMk cId="0" sldId="263"/>
+            <ac:spMk id="168" creationId="{00000000-0000-0000-0000-000000000000}"/>
+          </ac:spMkLst>
+        </pc:spChg>
+      </pc:sldChg>
+    </pc:docChg>
+  </pc:docChgLst>
   <pc:docChgLst>
     <pc:chgData name="Marcos Maillot" userId="fa14b39d-e966-4ebb-a436-4f96f84b9577" providerId="ADAL" clId="{913C8CB3-B5D2-46AF-BB39-C6ABB42AE5EA}"/>
     <pc:docChg chg="undo custSel modSld">
@@ -437,30 +461,6 @@
             <pc:docMk/>
             <pc:sldMk cId="0" sldId="275"/>
             <ac:spMk id="300" creationId="{00000000-0000-0000-0000-000000000000}"/>
-          </ac:spMkLst>
-        </pc:spChg>
-      </pc:sldChg>
-    </pc:docChg>
-  </pc:docChgLst>
-  <pc:docChgLst>
-    <pc:chgData name="Marcos Maillot" userId="fa14b39d-e966-4ebb-a436-4f96f84b9577" providerId="ADAL" clId="{9E25B2EB-CAA0-4693-8FAE-3BE82A6DDC5B}"/>
-    <pc:docChg chg="modSld">
-      <pc:chgData name="Marcos Maillot" userId="fa14b39d-e966-4ebb-a436-4f96f84b9577" providerId="ADAL" clId="{9E25B2EB-CAA0-4693-8FAE-3BE82A6DDC5B}" dt="2024-08-16T23:00:37.853" v="0" actId="1076"/>
-      <pc:docMkLst>
-        <pc:docMk/>
-      </pc:docMkLst>
-      <pc:sldChg chg="modSp mod">
-        <pc:chgData name="Marcos Maillot" userId="fa14b39d-e966-4ebb-a436-4f96f84b9577" providerId="ADAL" clId="{9E25B2EB-CAA0-4693-8FAE-3BE82A6DDC5B}" dt="2024-08-16T23:00:37.853" v="0" actId="1076"/>
-        <pc:sldMkLst>
-          <pc:docMk/>
-          <pc:sldMk cId="0" sldId="263"/>
-        </pc:sldMkLst>
-        <pc:spChg chg="mod">
-          <ac:chgData name="Marcos Maillot" userId="fa14b39d-e966-4ebb-a436-4f96f84b9577" providerId="ADAL" clId="{9E25B2EB-CAA0-4693-8FAE-3BE82A6DDC5B}" dt="2024-08-16T23:00:37.853" v="0" actId="1076"/>
-          <ac:spMkLst>
-            <pc:docMk/>
-            <pc:sldMk cId="0" sldId="263"/>
-            <ac:spMk id="168" creationId="{00000000-0000-0000-0000-000000000000}"/>
           </ac:spMkLst>
         </pc:spChg>
       </pc:sldChg>
@@ -4003,7 +4003,7 @@
             </a:pPr>
             <a:fld id="{00000000-1234-1234-1234-123412341234}" type="slidenum">
               <a:rPr lang="en"/>
-              <a:t>‹Nº›</a:t>
+              <a:t>‹#›</a:t>
             </a:fld>
             <a:endParaRPr/>
           </a:p>
@@ -4702,7 +4702,7 @@
             </a:pPr>
             <a:fld id="{00000000-1234-1234-1234-123412341234}" type="slidenum">
               <a:rPr lang="en"/>
-              <a:t>‹Nº›</a:t>
+              <a:t>‹#›</a:t>
             </a:fld>
             <a:endParaRPr/>
           </a:p>
@@ -5016,7 +5016,7 @@
             </a:pPr>
             <a:fld id="{00000000-1234-1234-1234-123412341234}" type="slidenum">
               <a:rPr lang="en"/>
-              <a:t>‹Nº›</a:t>
+              <a:t>‹#›</a:t>
             </a:fld>
             <a:endParaRPr/>
           </a:p>
@@ -6208,7 +6208,7 @@
             </a:pPr>
             <a:fld id="{00000000-1234-1234-1234-123412341234}" type="slidenum">
               <a:rPr lang="en"/>
-              <a:t>‹Nº›</a:t>
+              <a:t>‹#›</a:t>
             </a:fld>
             <a:endParaRPr/>
           </a:p>
@@ -6960,7 +6960,7 @@
             </a:pPr>
             <a:fld id="{00000000-1234-1234-1234-123412341234}" type="slidenum">
               <a:rPr lang="en"/>
-              <a:t>‹Nº›</a:t>
+              <a:t>‹#›</a:t>
             </a:fld>
             <a:endParaRPr/>
           </a:p>
@@ -7552,7 +7552,7 @@
             </a:pPr>
             <a:fld id="{00000000-1234-1234-1234-123412341234}" type="slidenum">
               <a:rPr lang="en"/>
-              <a:t>‹Nº›</a:t>
+              <a:t>‹#›</a:t>
             </a:fld>
             <a:endParaRPr/>
           </a:p>
@@ -8018,7 +8018,7 @@
             </a:pPr>
             <a:fld id="{00000000-1234-1234-1234-123412341234}" type="slidenum">
               <a:rPr lang="en"/>
-              <a:t>‹Nº›</a:t>
+              <a:t>‹#›</a:t>
             </a:fld>
             <a:endParaRPr/>
           </a:p>
@@ -8930,7 +8930,7 @@
             </a:pPr>
             <a:fld id="{00000000-1234-1234-1234-123412341234}" type="slidenum">
               <a:rPr lang="en"/>
-              <a:t>‹Nº›</a:t>
+              <a:t>‹#›</a:t>
             </a:fld>
             <a:endParaRPr/>
           </a:p>
@@ -9745,7 +9745,7 @@
             </a:pPr>
             <a:fld id="{00000000-1234-1234-1234-123412341234}" type="slidenum">
               <a:rPr lang="en"/>
-              <a:t>‹Nº›</a:t>
+              <a:t>‹#›</a:t>
             </a:fld>
             <a:endParaRPr/>
           </a:p>
@@ -10211,7 +10211,7 @@
             </a:pPr>
             <a:fld id="{00000000-1234-1234-1234-123412341234}" type="slidenum">
               <a:rPr lang="en"/>
-              <a:t>‹Nº›</a:t>
+              <a:t>‹#›</a:t>
             </a:fld>
             <a:endParaRPr/>
           </a:p>
@@ -11249,7 +11249,7 @@
             </a:pPr>
             <a:fld id="{00000000-1234-1234-1234-123412341234}" type="slidenum">
               <a:rPr lang="en"/>
-              <a:t>‹Nº›</a:t>
+              <a:t>‹#›</a:t>
             </a:fld>
             <a:endParaRPr/>
           </a:p>
@@ -11736,7 +11736,7 @@
             </a:pPr>
             <a:fld id="{00000000-1234-1234-1234-123412341234}" type="slidenum">
               <a:rPr lang="en"/>
-              <a:t>‹Nº›</a:t>
+              <a:t>‹#›</a:t>
             </a:fld>
             <a:endParaRPr/>
           </a:p>
@@ -12586,7 +12586,7 @@
             </a:pPr>
             <a:fld id="{00000000-1234-1234-1234-123412341234}" type="slidenum">
               <a:rPr lang="en"/>
-              <a:t>‹Nº›</a:t>
+              <a:t>‹#›</a:t>
             </a:fld>
             <a:endParaRPr/>
           </a:p>
@@ -13464,7 +13464,7 @@
         </p:spPr>
         <p:txBody>
           <a:bodyPr spcFirstLastPara="1" wrap="square" lIns="91425" tIns="91425" rIns="91425" bIns="91425" anchor="t" anchorCtr="0">
-            <a:normAutofit/>
+            <a:normAutofit fontScale="92500" lnSpcReduction="20000"/>
           </a:bodyPr>
           <a:lstStyle/>
           <a:p>
@@ -13482,50 +13482,60 @@
               <a:buNone/>
             </a:pPr>
             <a:r>
-              <a:rPr lang="en" sz="2600"/>
+              <a:rPr lang="en" sz="2600" dirty="0"/>
               <a:t>Profesores: </a:t>
             </a:r>
-            <a:endParaRPr sz="2600"/>
+            <a:endParaRPr sz="2600" dirty="0"/>
           </a:p>
           <a:p>
             <a:pPr marL="0" lvl="0" indent="0" algn="l" rtl="0">
-              <a:lnSpc>
-                <a:spcPct val="100000"/>
-              </a:lnSpc>
-              <a:spcBef>
-                <a:spcPts val="0"/>
-              </a:spcBef>
-              <a:spcAft>
-                <a:spcPts val="0"/>
-              </a:spcAft>
-              <a:buSzPts val="1800"/>
+              <a:spcBef>
+                <a:spcPts val="0"/>
+              </a:spcBef>
+              <a:spcAft>
+                <a:spcPts val="0"/>
+              </a:spcAft>
               <a:buNone/>
             </a:pPr>
             <a:r>
-              <a:rPr lang="en" sz="2600"/>
-              <a:t>	    Alfonso Rafael</a:t>
+              <a:rPr lang="en" sz="2600" dirty="0"/>
+              <a:t>		</a:t>
             </a:r>
-            <a:endParaRPr/>
+            <a:r>
+              <a:rPr lang="pt-BR" sz="2600" dirty="0"/>
+              <a:t>Marcos Maillot</a:t>
+            </a:r>
           </a:p>
           <a:p>
             <a:pPr marL="0" lvl="0" indent="0" algn="l" rtl="0">
-              <a:lnSpc>
-                <a:spcPct val="100000"/>
-              </a:lnSpc>
-              <a:spcBef>
-                <a:spcPts val="0"/>
-              </a:spcBef>
-              <a:spcAft>
-                <a:spcPts val="0"/>
-              </a:spcAft>
-              <a:buSzPts val="1800"/>
+              <a:spcBef>
+                <a:spcPts val="0"/>
+              </a:spcBef>
+              <a:spcAft>
+                <a:spcPts val="0"/>
+              </a:spcAft>
               <a:buNone/>
             </a:pPr>
             <a:r>
-              <a:rPr lang="en" sz="2600"/>
-              <a:t>	    Marcos Maillot	</a:t>
+              <a:rPr lang="pt-BR" sz="2600" dirty="0"/>
+              <a:t>		Antonio Zarauz</a:t>
             </a:r>
-            <a:endParaRPr sz="2600"/>
+          </a:p>
+          <a:p>
+            <a:pPr marL="0" lvl="0" indent="0" algn="l" rtl="0">
+              <a:spcBef>
+                <a:spcPts val="0"/>
+              </a:spcBef>
+              <a:spcAft>
+                <a:spcPts val="0"/>
+              </a:spcAft>
+              <a:buNone/>
+            </a:pPr>
+            <a:r>
+              <a:rPr lang="pt-BR" sz="2600"/>
+              <a:t>		Gerardo Vilcamiza</a:t>
+            </a:r>
+            <a:endParaRPr sz="2600" dirty="0"/>
           </a:p>
         </p:txBody>
       </p:sp>
